--- a/CIM_V4/src/Cim/Doc/Cim V4 설계.pptx
+++ b/CIM_V4/src/Cim/Doc/Cim V4 설계.pptx
@@ -4795,6 +4795,753 @@
 </file>
 
 <file path=ppt/diagrams/colors6.xml><?xml version="1.0" encoding="utf-8"?>
+<dgm:colorsDef xmlns:dgm="http://schemas.openxmlformats.org/drawingml/2006/diagram" xmlns:a="http://schemas.openxmlformats.org/drawingml/2006/main" uniqueId="urn:microsoft.com/office/officeart/2005/8/colors/accent1_2">
+  <dgm:title val=""/>
+  <dgm:desc val=""/>
+  <dgm:catLst>
+    <dgm:cat type="accent1" pri="11200"/>
+  </dgm:catLst>
+  <dgm:styleLbl name="node0">
+    <dgm:fillClrLst meth="repeat">
+      <a:schemeClr val="accent1"/>
+    </dgm:fillClrLst>
+    <dgm:linClrLst meth="repeat">
+      <a:schemeClr val="lt1"/>
+    </dgm:linClrLst>
+    <dgm:effectClrLst/>
+    <dgm:txLinClrLst/>
+    <dgm:txFillClrLst/>
+    <dgm:txEffectClrLst/>
+  </dgm:styleLbl>
+  <dgm:styleLbl name="alignNode1">
+    <dgm:fillClrLst meth="repeat">
+      <a:schemeClr val="accent1"/>
+    </dgm:fillClrLst>
+    <dgm:linClrLst meth="repeat">
+      <a:schemeClr val="accent1"/>
+    </dgm:linClrLst>
+    <dgm:effectClrLst/>
+    <dgm:txLinClrLst/>
+    <dgm:txFillClrLst/>
+    <dgm:txEffectClrLst/>
+  </dgm:styleLbl>
+  <dgm:styleLbl name="node1">
+    <dgm:fillClrLst meth="repeat">
+      <a:schemeClr val="accent1"/>
+    </dgm:fillClrLst>
+    <dgm:linClrLst meth="repeat">
+      <a:schemeClr val="lt1"/>
+    </dgm:linClrLst>
+    <dgm:effectClrLst/>
+    <dgm:txLinClrLst/>
+    <dgm:txFillClrLst/>
+    <dgm:txEffectClrLst/>
+  </dgm:styleLbl>
+  <dgm:styleLbl name="lnNode1">
+    <dgm:fillClrLst meth="repeat">
+      <a:schemeClr val="accent1"/>
+    </dgm:fillClrLst>
+    <dgm:linClrLst meth="repeat">
+      <a:schemeClr val="lt1"/>
+    </dgm:linClrLst>
+    <dgm:effectClrLst/>
+    <dgm:txLinClrLst/>
+    <dgm:txFillClrLst/>
+    <dgm:txEffectClrLst/>
+  </dgm:styleLbl>
+  <dgm:styleLbl name="vennNode1">
+    <dgm:fillClrLst meth="repeat">
+      <a:schemeClr val="accent1">
+        <a:alpha val="50000"/>
+      </a:schemeClr>
+    </dgm:fillClrLst>
+    <dgm:linClrLst meth="repeat">
+      <a:schemeClr val="lt1"/>
+    </dgm:linClrLst>
+    <dgm:effectClrLst/>
+    <dgm:txLinClrLst/>
+    <dgm:txFillClrLst/>
+    <dgm:txEffectClrLst/>
+  </dgm:styleLbl>
+  <dgm:styleLbl name="node2">
+    <dgm:fillClrLst meth="repeat">
+      <a:schemeClr val="accent1"/>
+    </dgm:fillClrLst>
+    <dgm:linClrLst meth="repeat">
+      <a:schemeClr val="lt1"/>
+    </dgm:linClrLst>
+    <dgm:effectClrLst/>
+    <dgm:txLinClrLst/>
+    <dgm:txFillClrLst/>
+    <dgm:txEffectClrLst/>
+  </dgm:styleLbl>
+  <dgm:styleLbl name="node3">
+    <dgm:fillClrLst meth="repeat">
+      <a:schemeClr val="accent1"/>
+    </dgm:fillClrLst>
+    <dgm:linClrLst meth="repeat">
+      <a:schemeClr val="lt1"/>
+    </dgm:linClrLst>
+    <dgm:effectClrLst/>
+    <dgm:txLinClrLst/>
+    <dgm:txFillClrLst/>
+    <dgm:txEffectClrLst/>
+  </dgm:styleLbl>
+  <dgm:styleLbl name="node4">
+    <dgm:fillClrLst meth="repeat">
+      <a:schemeClr val="accent1"/>
+    </dgm:fillClrLst>
+    <dgm:linClrLst meth="repeat">
+      <a:schemeClr val="lt1"/>
+    </dgm:linClrLst>
+    <dgm:effectClrLst/>
+    <dgm:txLinClrLst/>
+    <dgm:txFillClrLst/>
+    <dgm:txEffectClrLst/>
+  </dgm:styleLbl>
+  <dgm:styleLbl name="fgImgPlace1">
+    <dgm:fillClrLst meth="repeat">
+      <a:schemeClr val="accent1">
+        <a:tint val="50000"/>
+      </a:schemeClr>
+    </dgm:fillClrLst>
+    <dgm:linClrLst meth="repeat">
+      <a:schemeClr val="lt1"/>
+    </dgm:linClrLst>
+    <dgm:effectClrLst/>
+    <dgm:txLinClrLst/>
+    <dgm:txFillClrLst meth="repeat">
+      <a:schemeClr val="lt1"/>
+    </dgm:txFillClrLst>
+    <dgm:txEffectClrLst/>
+  </dgm:styleLbl>
+  <dgm:styleLbl name="alignImgPlace1">
+    <dgm:fillClrLst meth="repeat">
+      <a:schemeClr val="accent1">
+        <a:tint val="50000"/>
+      </a:schemeClr>
+    </dgm:fillClrLst>
+    <dgm:linClrLst meth="repeat">
+      <a:schemeClr val="lt1"/>
+    </dgm:linClrLst>
+    <dgm:effectClrLst/>
+    <dgm:txLinClrLst/>
+    <dgm:txFillClrLst meth="repeat">
+      <a:schemeClr val="lt1"/>
+    </dgm:txFillClrLst>
+    <dgm:txEffectClrLst/>
+  </dgm:styleLbl>
+  <dgm:styleLbl name="bgImgPlace1">
+    <dgm:fillClrLst meth="repeat">
+      <a:schemeClr val="accent1">
+        <a:tint val="50000"/>
+      </a:schemeClr>
+    </dgm:fillClrLst>
+    <dgm:linClrLst meth="repeat">
+      <a:schemeClr val="lt1"/>
+    </dgm:linClrLst>
+    <dgm:effectClrLst/>
+    <dgm:txLinClrLst/>
+    <dgm:txFillClrLst meth="repeat">
+      <a:schemeClr val="lt1"/>
+    </dgm:txFillClrLst>
+    <dgm:txEffectClrLst/>
+  </dgm:styleLbl>
+  <dgm:styleLbl name="sibTrans2D1">
+    <dgm:fillClrLst meth="repeat">
+      <a:schemeClr val="accent1">
+        <a:tint val="60000"/>
+      </a:schemeClr>
+    </dgm:fillClrLst>
+    <dgm:linClrLst meth="repeat">
+      <a:schemeClr val="accent1">
+        <a:tint val="60000"/>
+      </a:schemeClr>
+    </dgm:linClrLst>
+    <dgm:effectClrLst/>
+    <dgm:txLinClrLst/>
+    <dgm:txFillClrLst/>
+    <dgm:txEffectClrLst/>
+  </dgm:styleLbl>
+  <dgm:styleLbl name="fgSibTrans2D1">
+    <dgm:fillClrLst meth="repeat">
+      <a:schemeClr val="accent1">
+        <a:tint val="60000"/>
+      </a:schemeClr>
+    </dgm:fillClrLst>
+    <dgm:linClrLst meth="repeat">
+      <a:schemeClr val="accent1">
+        <a:tint val="60000"/>
+      </a:schemeClr>
+    </dgm:linClrLst>
+    <dgm:effectClrLst/>
+    <dgm:txLinClrLst/>
+    <dgm:txFillClrLst/>
+    <dgm:txEffectClrLst/>
+  </dgm:styleLbl>
+  <dgm:styleLbl name="bgSibTrans2D1">
+    <dgm:fillClrLst meth="repeat">
+      <a:schemeClr val="accent1">
+        <a:tint val="60000"/>
+      </a:schemeClr>
+    </dgm:fillClrLst>
+    <dgm:linClrLst meth="repeat">
+      <a:schemeClr val="accent1">
+        <a:tint val="60000"/>
+      </a:schemeClr>
+    </dgm:linClrLst>
+    <dgm:effectClrLst/>
+    <dgm:txLinClrLst/>
+    <dgm:txFillClrLst/>
+    <dgm:txEffectClrLst/>
+  </dgm:styleLbl>
+  <dgm:styleLbl name="sibTrans1D1">
+    <dgm:fillClrLst meth="repeat">
+      <a:schemeClr val="accent1"/>
+    </dgm:fillClrLst>
+    <dgm:linClrLst meth="repeat">
+      <a:schemeClr val="accent1"/>
+    </dgm:linClrLst>
+    <dgm:effectClrLst/>
+    <dgm:txLinClrLst/>
+    <dgm:txFillClrLst meth="repeat">
+      <a:schemeClr val="tx1"/>
+    </dgm:txFillClrLst>
+    <dgm:txEffectClrLst/>
+  </dgm:styleLbl>
+  <dgm:styleLbl name="callout">
+    <dgm:fillClrLst meth="repeat">
+      <a:schemeClr val="accent1"/>
+    </dgm:fillClrLst>
+    <dgm:linClrLst meth="repeat">
+      <a:schemeClr val="accent1">
+        <a:tint val="50000"/>
+      </a:schemeClr>
+    </dgm:linClrLst>
+    <dgm:effectClrLst/>
+    <dgm:txLinClrLst/>
+    <dgm:txFillClrLst meth="repeat">
+      <a:schemeClr val="tx1"/>
+    </dgm:txFillClrLst>
+    <dgm:txEffectClrLst/>
+  </dgm:styleLbl>
+  <dgm:styleLbl name="asst0">
+    <dgm:fillClrLst meth="repeat">
+      <a:schemeClr val="accent1"/>
+    </dgm:fillClrLst>
+    <dgm:linClrLst meth="repeat">
+      <a:schemeClr val="lt1"/>
+    </dgm:linClrLst>
+    <dgm:effectClrLst/>
+    <dgm:txLinClrLst/>
+    <dgm:txFillClrLst/>
+    <dgm:txEffectClrLst/>
+  </dgm:styleLbl>
+  <dgm:styleLbl name="asst1">
+    <dgm:fillClrLst meth="repeat">
+      <a:schemeClr val="accent1"/>
+    </dgm:fillClrLst>
+    <dgm:linClrLst meth="repeat">
+      <a:schemeClr val="lt1"/>
+    </dgm:linClrLst>
+    <dgm:effectClrLst/>
+    <dgm:txLinClrLst/>
+    <dgm:txFillClrLst/>
+    <dgm:txEffectClrLst/>
+  </dgm:styleLbl>
+  <dgm:styleLbl name="asst2">
+    <dgm:fillClrLst meth="repeat">
+      <a:schemeClr val="accent1"/>
+    </dgm:fillClrLst>
+    <dgm:linClrLst meth="repeat">
+      <a:schemeClr val="lt1"/>
+    </dgm:linClrLst>
+    <dgm:effectClrLst/>
+    <dgm:txLinClrLst/>
+    <dgm:txFillClrLst/>
+    <dgm:txEffectClrLst/>
+  </dgm:styleLbl>
+  <dgm:styleLbl name="asst3">
+    <dgm:fillClrLst meth="repeat">
+      <a:schemeClr val="accent1"/>
+    </dgm:fillClrLst>
+    <dgm:linClrLst meth="repeat">
+      <a:schemeClr val="lt1"/>
+    </dgm:linClrLst>
+    <dgm:effectClrLst/>
+    <dgm:txLinClrLst/>
+    <dgm:txFillClrLst/>
+    <dgm:txEffectClrLst/>
+  </dgm:styleLbl>
+  <dgm:styleLbl name="asst4">
+    <dgm:fillClrLst meth="repeat">
+      <a:schemeClr val="accent1"/>
+    </dgm:fillClrLst>
+    <dgm:linClrLst meth="repeat">
+      <a:schemeClr val="lt1"/>
+    </dgm:linClrLst>
+    <dgm:effectClrLst/>
+    <dgm:txLinClrLst/>
+    <dgm:txFillClrLst/>
+    <dgm:txEffectClrLst/>
+  </dgm:styleLbl>
+  <dgm:styleLbl name="parChTrans2D1">
+    <dgm:fillClrLst meth="repeat">
+      <a:schemeClr val="accent1">
+        <a:tint val="60000"/>
+      </a:schemeClr>
+    </dgm:fillClrLst>
+    <dgm:linClrLst meth="repeat">
+      <a:schemeClr val="accent1">
+        <a:tint val="60000"/>
+      </a:schemeClr>
+    </dgm:linClrLst>
+    <dgm:effectClrLst/>
+    <dgm:txLinClrLst/>
+    <dgm:txFillClrLst meth="repeat">
+      <a:schemeClr val="lt1"/>
+    </dgm:txFillClrLst>
+    <dgm:txEffectClrLst/>
+  </dgm:styleLbl>
+  <dgm:styleLbl name="parChTrans2D2">
+    <dgm:fillClrLst meth="repeat">
+      <a:schemeClr val="accent1"/>
+    </dgm:fillClrLst>
+    <dgm:linClrLst meth="repeat">
+      <a:schemeClr val="accent1"/>
+    </dgm:linClrLst>
+    <dgm:effectClrLst/>
+    <dgm:txLinClrLst/>
+    <dgm:txFillClrLst meth="repeat">
+      <a:schemeClr val="lt1"/>
+    </dgm:txFillClrLst>
+    <dgm:txEffectClrLst/>
+  </dgm:styleLbl>
+  <dgm:styleLbl name="parChTrans2D3">
+    <dgm:fillClrLst meth="repeat">
+      <a:schemeClr val="accent1"/>
+    </dgm:fillClrLst>
+    <dgm:linClrLst meth="repeat">
+      <a:schemeClr val="accent1"/>
+    </dgm:linClrLst>
+    <dgm:effectClrLst/>
+    <dgm:txLinClrLst/>
+    <dgm:txFillClrLst meth="repeat">
+      <a:schemeClr val="lt1"/>
+    </dgm:txFillClrLst>
+    <dgm:txEffectClrLst/>
+  </dgm:styleLbl>
+  <dgm:styleLbl name="parChTrans2D4">
+    <dgm:fillClrLst meth="repeat">
+      <a:schemeClr val="accent1"/>
+    </dgm:fillClrLst>
+    <dgm:linClrLst meth="repeat">
+      <a:schemeClr val="accent1"/>
+    </dgm:linClrLst>
+    <dgm:effectClrLst/>
+    <dgm:txLinClrLst/>
+    <dgm:txFillClrLst meth="repeat">
+      <a:schemeClr val="lt1"/>
+    </dgm:txFillClrLst>
+    <dgm:txEffectClrLst/>
+  </dgm:styleLbl>
+  <dgm:styleLbl name="parChTrans1D1">
+    <dgm:fillClrLst meth="repeat">
+      <a:schemeClr val="accent1"/>
+    </dgm:fillClrLst>
+    <dgm:linClrLst meth="repeat">
+      <a:schemeClr val="accent1">
+        <a:shade val="60000"/>
+      </a:schemeClr>
+    </dgm:linClrLst>
+    <dgm:effectClrLst/>
+    <dgm:txLinClrLst/>
+    <dgm:txFillClrLst meth="repeat">
+      <a:schemeClr val="tx1"/>
+    </dgm:txFillClrLst>
+    <dgm:txEffectClrLst/>
+  </dgm:styleLbl>
+  <dgm:styleLbl name="parChTrans1D2">
+    <dgm:fillClrLst meth="repeat">
+      <a:schemeClr val="accent1"/>
+    </dgm:fillClrLst>
+    <dgm:linClrLst meth="repeat">
+      <a:schemeClr val="accent1">
+        <a:shade val="60000"/>
+      </a:schemeClr>
+    </dgm:linClrLst>
+    <dgm:effectClrLst/>
+    <dgm:txLinClrLst/>
+    <dgm:txFillClrLst meth="repeat">
+      <a:schemeClr val="tx1"/>
+    </dgm:txFillClrLst>
+    <dgm:txEffectClrLst/>
+  </dgm:styleLbl>
+  <dgm:styleLbl name="parChTrans1D3">
+    <dgm:fillClrLst meth="repeat">
+      <a:schemeClr val="accent1"/>
+    </dgm:fillClrLst>
+    <dgm:linClrLst meth="repeat">
+      <a:schemeClr val="accent1">
+        <a:shade val="80000"/>
+      </a:schemeClr>
+    </dgm:linClrLst>
+    <dgm:effectClrLst/>
+    <dgm:txLinClrLst/>
+    <dgm:txFillClrLst meth="repeat">
+      <a:schemeClr val="tx1"/>
+    </dgm:txFillClrLst>
+    <dgm:txEffectClrLst/>
+  </dgm:styleLbl>
+  <dgm:styleLbl name="parChTrans1D4">
+    <dgm:fillClrLst meth="repeat">
+      <a:schemeClr val="accent1"/>
+    </dgm:fillClrLst>
+    <dgm:linClrLst meth="repeat">
+      <a:schemeClr val="accent1">
+        <a:shade val="80000"/>
+      </a:schemeClr>
+    </dgm:linClrLst>
+    <dgm:effectClrLst/>
+    <dgm:txLinClrLst/>
+    <dgm:txFillClrLst meth="repeat">
+      <a:schemeClr val="tx1"/>
+    </dgm:txFillClrLst>
+    <dgm:txEffectClrLst/>
+  </dgm:styleLbl>
+  <dgm:styleLbl name="fgAcc1">
+    <dgm:fillClrLst meth="repeat">
+      <a:schemeClr val="lt1">
+        <a:alpha val="90000"/>
+      </a:schemeClr>
+    </dgm:fillClrLst>
+    <dgm:linClrLst meth="repeat">
+      <a:schemeClr val="accent1"/>
+    </dgm:linClrLst>
+    <dgm:effectClrLst/>
+    <dgm:txLinClrLst/>
+    <dgm:txFillClrLst meth="repeat">
+      <a:schemeClr val="dk1"/>
+    </dgm:txFillClrLst>
+    <dgm:txEffectClrLst/>
+  </dgm:styleLbl>
+  <dgm:styleLbl name="conFgAcc1">
+    <dgm:fillClrLst meth="repeat">
+      <a:schemeClr val="lt1">
+        <a:alpha val="90000"/>
+      </a:schemeClr>
+    </dgm:fillClrLst>
+    <dgm:linClrLst meth="repeat">
+      <a:schemeClr val="accent1"/>
+    </dgm:linClrLst>
+    <dgm:effectClrLst/>
+    <dgm:txLinClrLst/>
+    <dgm:txFillClrLst meth="repeat">
+      <a:schemeClr val="dk1"/>
+    </dgm:txFillClrLst>
+    <dgm:txEffectClrLst/>
+  </dgm:styleLbl>
+  <dgm:styleLbl name="alignAcc1">
+    <dgm:fillClrLst meth="repeat">
+      <a:schemeClr val="lt1">
+        <a:alpha val="90000"/>
+      </a:schemeClr>
+    </dgm:fillClrLst>
+    <dgm:linClrLst meth="repeat">
+      <a:schemeClr val="accent1"/>
+    </dgm:linClrLst>
+    <dgm:effectClrLst/>
+    <dgm:txLinClrLst/>
+    <dgm:txFillClrLst meth="repeat">
+      <a:schemeClr val="dk1"/>
+    </dgm:txFillClrLst>
+    <dgm:txEffectClrLst/>
+  </dgm:styleLbl>
+  <dgm:styleLbl name="trAlignAcc1">
+    <dgm:fillClrLst meth="repeat">
+      <a:schemeClr val="lt1">
+        <a:alpha val="40000"/>
+      </a:schemeClr>
+    </dgm:fillClrLst>
+    <dgm:linClrLst meth="repeat">
+      <a:schemeClr val="accent1"/>
+    </dgm:linClrLst>
+    <dgm:effectClrLst/>
+    <dgm:txLinClrLst/>
+    <dgm:txFillClrLst meth="repeat">
+      <a:schemeClr val="dk1"/>
+    </dgm:txFillClrLst>
+    <dgm:txEffectClrLst/>
+  </dgm:styleLbl>
+  <dgm:styleLbl name="bgAcc1">
+    <dgm:fillClrLst meth="repeat">
+      <a:schemeClr val="lt1">
+        <a:alpha val="90000"/>
+      </a:schemeClr>
+    </dgm:fillClrLst>
+    <dgm:linClrLst meth="repeat">
+      <a:schemeClr val="accent1"/>
+    </dgm:linClrLst>
+    <dgm:effectClrLst/>
+    <dgm:txLinClrLst/>
+    <dgm:txFillClrLst meth="repeat">
+      <a:schemeClr val="dk1"/>
+    </dgm:txFillClrLst>
+    <dgm:txEffectClrLst/>
+  </dgm:styleLbl>
+  <dgm:styleLbl name="solidFgAcc1">
+    <dgm:fillClrLst meth="repeat">
+      <a:schemeClr val="lt1"/>
+    </dgm:fillClrLst>
+    <dgm:linClrLst meth="repeat">
+      <a:schemeClr val="accent1"/>
+    </dgm:linClrLst>
+    <dgm:effectClrLst/>
+    <dgm:txLinClrLst/>
+    <dgm:txFillClrLst meth="repeat">
+      <a:schemeClr val="dk1"/>
+    </dgm:txFillClrLst>
+    <dgm:txEffectClrLst/>
+  </dgm:styleLbl>
+  <dgm:styleLbl name="solidAlignAcc1">
+    <dgm:fillClrLst meth="repeat">
+      <a:schemeClr val="lt1"/>
+    </dgm:fillClrLst>
+    <dgm:linClrLst meth="repeat">
+      <a:schemeClr val="accent1"/>
+    </dgm:linClrLst>
+    <dgm:effectClrLst/>
+    <dgm:txLinClrLst/>
+    <dgm:txFillClrLst meth="repeat">
+      <a:schemeClr val="dk1"/>
+    </dgm:txFillClrLst>
+    <dgm:txEffectClrLst/>
+  </dgm:styleLbl>
+  <dgm:styleLbl name="solidBgAcc1">
+    <dgm:fillClrLst meth="repeat">
+      <a:schemeClr val="lt1"/>
+    </dgm:fillClrLst>
+    <dgm:linClrLst meth="repeat">
+      <a:schemeClr val="accent1"/>
+    </dgm:linClrLst>
+    <dgm:effectClrLst/>
+    <dgm:txLinClrLst/>
+    <dgm:txFillClrLst meth="repeat">
+      <a:schemeClr val="dk1"/>
+    </dgm:txFillClrLst>
+    <dgm:txEffectClrLst/>
+  </dgm:styleLbl>
+  <dgm:styleLbl name="fgAccFollowNode1">
+    <dgm:fillClrLst meth="repeat">
+      <a:schemeClr val="accent1">
+        <a:alpha val="90000"/>
+        <a:tint val="40000"/>
+      </a:schemeClr>
+    </dgm:fillClrLst>
+    <dgm:linClrLst meth="repeat">
+      <a:schemeClr val="accent1">
+        <a:alpha val="90000"/>
+        <a:tint val="40000"/>
+      </a:schemeClr>
+    </dgm:linClrLst>
+    <dgm:effectClrLst/>
+    <dgm:txLinClrLst/>
+    <dgm:txFillClrLst meth="repeat">
+      <a:schemeClr val="dk1"/>
+    </dgm:txFillClrLst>
+    <dgm:txEffectClrLst/>
+  </dgm:styleLbl>
+  <dgm:styleLbl name="alignAccFollowNode1">
+    <dgm:fillClrLst meth="repeat">
+      <a:schemeClr val="accent1">
+        <a:alpha val="90000"/>
+        <a:tint val="40000"/>
+      </a:schemeClr>
+    </dgm:fillClrLst>
+    <dgm:linClrLst meth="repeat">
+      <a:schemeClr val="accent1">
+        <a:alpha val="90000"/>
+        <a:tint val="40000"/>
+      </a:schemeClr>
+    </dgm:linClrLst>
+    <dgm:effectClrLst/>
+    <dgm:txLinClrLst/>
+    <dgm:txFillClrLst meth="repeat">
+      <a:schemeClr val="dk1"/>
+    </dgm:txFillClrLst>
+    <dgm:txEffectClrLst/>
+  </dgm:styleLbl>
+  <dgm:styleLbl name="bgAccFollowNode1">
+    <dgm:fillClrLst meth="repeat">
+      <a:schemeClr val="accent1">
+        <a:alpha val="90000"/>
+        <a:tint val="40000"/>
+      </a:schemeClr>
+    </dgm:fillClrLst>
+    <dgm:linClrLst meth="repeat">
+      <a:schemeClr val="accent1">
+        <a:alpha val="90000"/>
+        <a:tint val="40000"/>
+      </a:schemeClr>
+    </dgm:linClrLst>
+    <dgm:effectClrLst/>
+    <dgm:txLinClrLst/>
+    <dgm:txFillClrLst meth="repeat">
+      <a:schemeClr val="dk1"/>
+    </dgm:txFillClrLst>
+    <dgm:txEffectClrLst/>
+  </dgm:styleLbl>
+  <dgm:styleLbl name="fgAcc0">
+    <dgm:fillClrLst meth="repeat">
+      <a:schemeClr val="lt1">
+        <a:alpha val="90000"/>
+      </a:schemeClr>
+    </dgm:fillClrLst>
+    <dgm:linClrLst meth="repeat">
+      <a:schemeClr val="accent1"/>
+    </dgm:linClrLst>
+    <dgm:effectClrLst/>
+    <dgm:txLinClrLst/>
+    <dgm:txFillClrLst meth="repeat">
+      <a:schemeClr val="dk1"/>
+    </dgm:txFillClrLst>
+    <dgm:txEffectClrLst/>
+  </dgm:styleLbl>
+  <dgm:styleLbl name="fgAcc2">
+    <dgm:fillClrLst meth="repeat">
+      <a:schemeClr val="lt1">
+        <a:alpha val="90000"/>
+      </a:schemeClr>
+    </dgm:fillClrLst>
+    <dgm:linClrLst meth="repeat">
+      <a:schemeClr val="accent1"/>
+    </dgm:linClrLst>
+    <dgm:effectClrLst/>
+    <dgm:txLinClrLst/>
+    <dgm:txFillClrLst meth="repeat">
+      <a:schemeClr val="dk1"/>
+    </dgm:txFillClrLst>
+    <dgm:txEffectClrLst/>
+  </dgm:styleLbl>
+  <dgm:styleLbl name="fgAcc3">
+    <dgm:fillClrLst meth="repeat">
+      <a:schemeClr val="lt1">
+        <a:alpha val="90000"/>
+      </a:schemeClr>
+    </dgm:fillClrLst>
+    <dgm:linClrLst meth="repeat">
+      <a:schemeClr val="accent1"/>
+    </dgm:linClrLst>
+    <dgm:effectClrLst/>
+    <dgm:txLinClrLst/>
+    <dgm:txFillClrLst meth="repeat">
+      <a:schemeClr val="dk1"/>
+    </dgm:txFillClrLst>
+    <dgm:txEffectClrLst/>
+  </dgm:styleLbl>
+  <dgm:styleLbl name="fgAcc4">
+    <dgm:fillClrLst meth="repeat">
+      <a:schemeClr val="lt1">
+        <a:alpha val="90000"/>
+      </a:schemeClr>
+    </dgm:fillClrLst>
+    <dgm:linClrLst meth="repeat">
+      <a:schemeClr val="accent1"/>
+    </dgm:linClrLst>
+    <dgm:effectClrLst/>
+    <dgm:txLinClrLst/>
+    <dgm:txFillClrLst meth="repeat">
+      <a:schemeClr val="dk1"/>
+    </dgm:txFillClrLst>
+    <dgm:txEffectClrLst/>
+  </dgm:styleLbl>
+  <dgm:styleLbl name="bgShp">
+    <dgm:fillClrLst meth="repeat">
+      <a:schemeClr val="accent1">
+        <a:tint val="40000"/>
+      </a:schemeClr>
+    </dgm:fillClrLst>
+    <dgm:linClrLst meth="repeat">
+      <a:schemeClr val="accent1"/>
+    </dgm:linClrLst>
+    <dgm:effectClrLst/>
+    <dgm:txLinClrLst/>
+    <dgm:txFillClrLst meth="repeat">
+      <a:schemeClr val="dk1"/>
+    </dgm:txFillClrLst>
+    <dgm:txEffectClrLst/>
+  </dgm:styleLbl>
+  <dgm:styleLbl name="dkBgShp">
+    <dgm:fillClrLst meth="repeat">
+      <a:schemeClr val="accent1">
+        <a:shade val="80000"/>
+      </a:schemeClr>
+    </dgm:fillClrLst>
+    <dgm:linClrLst meth="repeat">
+      <a:schemeClr val="accent1"/>
+    </dgm:linClrLst>
+    <dgm:effectClrLst/>
+    <dgm:txLinClrLst/>
+    <dgm:txFillClrLst meth="repeat">
+      <a:schemeClr val="lt1"/>
+    </dgm:txFillClrLst>
+    <dgm:txEffectClrLst/>
+  </dgm:styleLbl>
+  <dgm:styleLbl name="trBgShp">
+    <dgm:fillClrLst meth="repeat">
+      <a:schemeClr val="accent1">
+        <a:tint val="50000"/>
+        <a:alpha val="40000"/>
+      </a:schemeClr>
+    </dgm:fillClrLst>
+    <dgm:linClrLst meth="repeat">
+      <a:schemeClr val="accent1"/>
+    </dgm:linClrLst>
+    <dgm:effectClrLst/>
+    <dgm:txLinClrLst/>
+    <dgm:txFillClrLst meth="repeat">
+      <a:schemeClr val="lt1"/>
+    </dgm:txFillClrLst>
+    <dgm:txEffectClrLst/>
+  </dgm:styleLbl>
+  <dgm:styleLbl name="fgShp">
+    <dgm:fillClrLst meth="repeat">
+      <a:schemeClr val="accent1">
+        <a:tint val="60000"/>
+      </a:schemeClr>
+    </dgm:fillClrLst>
+    <dgm:linClrLst meth="repeat">
+      <a:schemeClr val="lt1"/>
+    </dgm:linClrLst>
+    <dgm:effectClrLst/>
+    <dgm:txLinClrLst/>
+    <dgm:txFillClrLst meth="repeat">
+      <a:schemeClr val="dk1"/>
+    </dgm:txFillClrLst>
+    <dgm:txEffectClrLst/>
+  </dgm:styleLbl>
+  <dgm:styleLbl name="revTx">
+    <dgm:fillClrLst meth="repeat">
+      <a:schemeClr val="lt1">
+        <a:alpha val="0"/>
+      </a:schemeClr>
+    </dgm:fillClrLst>
+    <dgm:linClrLst meth="repeat">
+      <a:schemeClr val="dk1">
+        <a:alpha val="0"/>
+      </a:schemeClr>
+    </dgm:linClrLst>
+    <dgm:effectClrLst/>
+    <dgm:txLinClrLst/>
+    <dgm:txFillClrLst meth="repeat">
+      <a:schemeClr val="tx1"/>
+    </dgm:txFillClrLst>
+    <dgm:txEffectClrLst/>
+  </dgm:styleLbl>
+</dgm:colorsDef>
+</file>
+
+<file path=ppt/diagrams/colors7.xml><?xml version="1.0" encoding="utf-8"?>
 <dgm:colorsDef xmlns:dgm="http://schemas.openxmlformats.org/drawingml/2006/diagram" xmlns:a="http://schemas.openxmlformats.org/drawingml/2006/main" uniqueId="urn:microsoft.com/office/officeart/2005/8/colors/accent1_2">
   <dgm:title val=""/>
   <dgm:desc val=""/>
@@ -6488,102 +7235,6 @@
         </a:p>
       </dgm:t>
     </dgm:pt>
-    <dgm:pt modelId="{6EBD66C3-DF0A-4FFB-A7F8-441240AA1E27}">
-      <dgm:prSet phldrT="[텍스트]" custT="1"/>
-      <dgm:spPr/>
-      <dgm:t>
-        <a:bodyPr/>
-        <a:lstStyle/>
-        <a:p>
-          <a:pPr latinLnBrk="1"/>
-          <a:r>
-            <a:rPr lang="en-US" altLang="ko-KR" sz="1000" b="1">
-              <a:solidFill>
-                <a:srgbClr val="FF0000"/>
-              </a:solidFill>
-            </a:rPr>
-            <a:t>Controller</a:t>
-          </a:r>
-          <a:endParaRPr lang="ko-KR" altLang="en-US" sz="1000" b="1">
-            <a:solidFill>
-              <a:srgbClr val="FF0000"/>
-            </a:solidFill>
-          </a:endParaRPr>
-        </a:p>
-      </dgm:t>
-    </dgm:pt>
-    <dgm:pt modelId="{F9E85187-8123-4E58-9EBF-B966E82E89BB}" type="parTrans" cxnId="{53BCC0ED-87F3-45EE-838A-6A97B4620370}">
-      <dgm:prSet/>
-      <dgm:spPr/>
-      <dgm:t>
-        <a:bodyPr/>
-        <a:lstStyle/>
-        <a:p>
-          <a:pPr latinLnBrk="1"/>
-          <a:endParaRPr lang="ko-KR" altLang="en-US"/>
-        </a:p>
-      </dgm:t>
-    </dgm:pt>
-    <dgm:pt modelId="{AD3ECA1C-4B5F-4818-9883-B713825288BC}" type="sibTrans" cxnId="{53BCC0ED-87F3-45EE-838A-6A97B4620370}">
-      <dgm:prSet/>
-      <dgm:spPr/>
-      <dgm:t>
-        <a:bodyPr/>
-        <a:lstStyle/>
-        <a:p>
-          <a:pPr latinLnBrk="1"/>
-          <a:endParaRPr lang="ko-KR" altLang="en-US"/>
-        </a:p>
-      </dgm:t>
-    </dgm:pt>
-    <dgm:pt modelId="{5C241E5D-5E6E-448D-92B9-2342020E4063}">
-      <dgm:prSet phldrT="[텍스트]" custT="1"/>
-      <dgm:spPr/>
-      <dgm:t>
-        <a:bodyPr/>
-        <a:lstStyle/>
-        <a:p>
-          <a:pPr latinLnBrk="1"/>
-          <a:r>
-            <a:rPr lang="en-US" altLang="ko-KR" sz="1000" b="1">
-              <a:solidFill>
-                <a:srgbClr val="FF0000"/>
-              </a:solidFill>
-            </a:rPr>
-            <a:t>AddressMap</a:t>
-          </a:r>
-          <a:endParaRPr lang="ko-KR" altLang="en-US" sz="1000" b="1">
-            <a:solidFill>
-              <a:srgbClr val="FF0000"/>
-            </a:solidFill>
-          </a:endParaRPr>
-        </a:p>
-      </dgm:t>
-    </dgm:pt>
-    <dgm:pt modelId="{27BB8DA6-F539-4786-BD65-512B82ED9345}" type="parTrans" cxnId="{9E07A550-1BDF-41FF-99EC-EC8FA12FC937}">
-      <dgm:prSet/>
-      <dgm:spPr/>
-      <dgm:t>
-        <a:bodyPr/>
-        <a:lstStyle/>
-        <a:p>
-          <a:pPr latinLnBrk="1"/>
-          <a:endParaRPr lang="ko-KR" altLang="en-US"/>
-        </a:p>
-      </dgm:t>
-    </dgm:pt>
-    <dgm:pt modelId="{EB1397AD-8236-4DE1-B315-54E62FF3F47B}" type="sibTrans" cxnId="{9E07A550-1BDF-41FF-99EC-EC8FA12FC937}">
-      <dgm:prSet/>
-      <dgm:spPr/>
-      <dgm:t>
-        <a:bodyPr/>
-        <a:lstStyle/>
-        <a:p>
-          <a:pPr latinLnBrk="1"/>
-          <a:endParaRPr lang="ko-KR" altLang="en-US"/>
-        </a:p>
-      </dgm:t>
-    </dgm:pt>
     <dgm:pt modelId="{2455F4D5-3C92-4139-8F97-C9B192661FFB}">
       <dgm:prSet phldrT="[텍스트]" custT="1"/>
       <dgm:spPr/>
@@ -6661,94 +7312,6 @@
       </dgm:t>
     </dgm:pt>
     <dgm:pt modelId="{88FBD160-22B0-4965-87B5-8F86F9A593E9}" type="sibTrans" cxnId="{D20BCD64-7654-42CE-9A3F-912D28900C85}">
-      <dgm:prSet/>
-      <dgm:spPr/>
-      <dgm:t>
-        <a:bodyPr/>
-        <a:lstStyle/>
-        <a:p>
-          <a:pPr latinLnBrk="1"/>
-          <a:endParaRPr lang="ko-KR" altLang="en-US"/>
-        </a:p>
-      </dgm:t>
-    </dgm:pt>
-    <dgm:pt modelId="{AE2F2950-4DA2-4B5C-B409-C3EAC91A1BEE}">
-      <dgm:prSet phldrT="[텍스트]" custT="1"/>
-      <dgm:spPr/>
-      <dgm:t>
-        <a:bodyPr/>
-        <a:lstStyle/>
-        <a:p>
-          <a:pPr latinLnBrk="1"/>
-          <a:r>
-            <a:rPr lang="en-US" altLang="ko-KR" sz="1000" b="1">
-              <a:solidFill>
-                <a:srgbClr val="FF0000"/>
-              </a:solidFill>
-            </a:rPr>
-            <a:t>IAddressMapService</a:t>
-          </a:r>
-          <a:endParaRPr lang="ko-KR" altLang="en-US" sz="1000" b="1">
-            <a:solidFill>
-              <a:srgbClr val="FF0000"/>
-            </a:solidFill>
-          </a:endParaRPr>
-        </a:p>
-      </dgm:t>
-    </dgm:pt>
-    <dgm:pt modelId="{BB6C4CE5-3970-45CB-ABE3-A43037D05669}" type="parTrans" cxnId="{D488DEA1-F9A9-4C99-89D9-50DAB244485A}">
-      <dgm:prSet/>
-      <dgm:spPr/>
-      <dgm:t>
-        <a:bodyPr/>
-        <a:lstStyle/>
-        <a:p>
-          <a:pPr latinLnBrk="1"/>
-          <a:endParaRPr lang="ko-KR" altLang="en-US"/>
-        </a:p>
-      </dgm:t>
-    </dgm:pt>
-    <dgm:pt modelId="{ADFA83DC-A3B6-4C21-AB5C-EE413AB43C4A}" type="sibTrans" cxnId="{D488DEA1-F9A9-4C99-89D9-50DAB244485A}">
-      <dgm:prSet/>
-      <dgm:spPr/>
-      <dgm:t>
-        <a:bodyPr/>
-        <a:lstStyle/>
-        <a:p>
-          <a:pPr latinLnBrk="1"/>
-          <a:endParaRPr lang="ko-KR" altLang="en-US"/>
-        </a:p>
-      </dgm:t>
-    </dgm:pt>
-    <dgm:pt modelId="{1284ADDE-F0B4-4DA0-9F4E-38C08D8B5634}">
-      <dgm:prSet phldrT="[텍스트]" custT="1"/>
-      <dgm:spPr/>
-      <dgm:t>
-        <a:bodyPr/>
-        <a:lstStyle/>
-        <a:p>
-          <a:pPr latinLnBrk="1"/>
-          <a:r>
-            <a:rPr lang="en-US" altLang="ko-KR" sz="1000"/>
-            <a:t>Model</a:t>
-          </a:r>
-          <a:endParaRPr lang="ko-KR" altLang="en-US" sz="1000"/>
-        </a:p>
-      </dgm:t>
-    </dgm:pt>
-    <dgm:pt modelId="{11FEC1A2-22C9-4D03-BEF9-C68C83C7F38C}" type="parTrans" cxnId="{EF229F70-BF8E-4BC0-BBDF-D9A1367E61AD}">
-      <dgm:prSet/>
-      <dgm:spPr/>
-      <dgm:t>
-        <a:bodyPr/>
-        <a:lstStyle/>
-        <a:p>
-          <a:pPr latinLnBrk="1"/>
-          <a:endParaRPr lang="ko-KR" altLang="en-US"/>
-        </a:p>
-      </dgm:t>
-    </dgm:pt>
-    <dgm:pt modelId="{34C958CE-FFFD-4AE9-B884-0CD98E9A6951}" type="sibTrans" cxnId="{EF229F70-BF8E-4BC0-BBDF-D9A1367E61AD}">
       <dgm:prSet/>
       <dgm:spPr/>
       <dgm:t>
@@ -6877,94 +7440,6 @@
       </dgm:t>
     </dgm:pt>
     <dgm:pt modelId="{0B204757-0530-4817-960F-565920E53C02}" type="sibTrans" cxnId="{3C1A9AE0-E92E-4701-82EC-AD71E30FC18A}">
-      <dgm:prSet/>
-      <dgm:spPr/>
-      <dgm:t>
-        <a:bodyPr/>
-        <a:lstStyle/>
-        <a:p>
-          <a:pPr latinLnBrk="1"/>
-          <a:endParaRPr lang="ko-KR" altLang="en-US"/>
-        </a:p>
-      </dgm:t>
-    </dgm:pt>
-    <dgm:pt modelId="{B5FB8C4C-6D66-44B0-9A91-7C8B81840393}">
-      <dgm:prSet phldrT="[텍스트]" custT="1"/>
-      <dgm:spPr/>
-      <dgm:t>
-        <a:bodyPr/>
-        <a:lstStyle/>
-        <a:p>
-          <a:pPr latinLnBrk="1"/>
-          <a:r>
-            <a:rPr lang="en-US" altLang="ko-KR" sz="1000" b="1">
-              <a:solidFill>
-                <a:srgbClr val="FF0000"/>
-              </a:solidFill>
-            </a:rPr>
-            <a:t>ITransfer</a:t>
-          </a:r>
-          <a:endParaRPr lang="ko-KR" altLang="en-US" sz="1000" b="1">
-            <a:solidFill>
-              <a:srgbClr val="FF0000"/>
-            </a:solidFill>
-          </a:endParaRPr>
-        </a:p>
-      </dgm:t>
-    </dgm:pt>
-    <dgm:pt modelId="{57AF6238-995E-4083-9643-4FB26EECEE49}" type="parTrans" cxnId="{1E3CC00D-B299-4B80-B8C8-19F0A2B61223}">
-      <dgm:prSet/>
-      <dgm:spPr/>
-      <dgm:t>
-        <a:bodyPr/>
-        <a:lstStyle/>
-        <a:p>
-          <a:pPr latinLnBrk="1"/>
-          <a:endParaRPr lang="ko-KR" altLang="en-US"/>
-        </a:p>
-      </dgm:t>
-    </dgm:pt>
-    <dgm:pt modelId="{F7A2541F-A7C4-4E7C-A3B3-86056014577B}" type="sibTrans" cxnId="{1E3CC00D-B299-4B80-B8C8-19F0A2B61223}">
-      <dgm:prSet/>
-      <dgm:spPr/>
-      <dgm:t>
-        <a:bodyPr/>
-        <a:lstStyle/>
-        <a:p>
-          <a:pPr latinLnBrk="1"/>
-          <a:endParaRPr lang="ko-KR" altLang="en-US"/>
-        </a:p>
-      </dgm:t>
-    </dgm:pt>
-    <dgm:pt modelId="{A4EE5B75-5CCF-42E4-87A5-A04A726A2808}">
-      <dgm:prSet phldrT="[텍스트]" custT="1"/>
-      <dgm:spPr/>
-      <dgm:t>
-        <a:bodyPr/>
-        <a:lstStyle/>
-        <a:p>
-          <a:pPr latinLnBrk="1"/>
-          <a:r>
-            <a:rPr lang="en-US" altLang="ko-KR" sz="1000"/>
-            <a:t>MqTransfer</a:t>
-          </a:r>
-          <a:endParaRPr lang="ko-KR" altLang="en-US" sz="1000"/>
-        </a:p>
-      </dgm:t>
-    </dgm:pt>
-    <dgm:pt modelId="{5A9F1EDC-6A57-4DAF-B07C-A9DDDA4A9435}" type="parTrans" cxnId="{78207E33-48B5-4FEC-A192-5C1006023AE8}">
-      <dgm:prSet/>
-      <dgm:spPr/>
-      <dgm:t>
-        <a:bodyPr/>
-        <a:lstStyle/>
-        <a:p>
-          <a:pPr latinLnBrk="1"/>
-          <a:endParaRPr lang="ko-KR" altLang="en-US"/>
-        </a:p>
-      </dgm:t>
-    </dgm:pt>
-    <dgm:pt modelId="{3F6DC1C5-4B91-4B10-8F3C-628EC2A29E96}" type="sibTrans" cxnId="{78207E33-48B5-4FEC-A192-5C1006023AE8}">
       <dgm:prSet/>
       <dgm:spPr/>
       <dgm:t>
@@ -7144,7 +7619,884 @@
         </a:p>
       </dgm:t>
     </dgm:pt>
-    <dgm:pt modelId="{A4C9709D-545D-4C67-9C79-E78F80710D43}">
+    <dgm:pt modelId="{A6422D9D-D517-4A8B-9675-18DB69A15CDB}">
+      <dgm:prSet phldrT="[텍스트]" custT="1"/>
+      <dgm:spPr/>
+      <dgm:t>
+        <a:bodyPr/>
+        <a:lstStyle/>
+        <a:p>
+          <a:pPr latinLnBrk="1"/>
+          <a:r>
+            <a:rPr lang="en-US" altLang="ko-KR" sz="1000" b="1">
+              <a:solidFill>
+                <a:srgbClr val="FF0000"/>
+              </a:solidFill>
+            </a:rPr>
+            <a:t>ConfigManager</a:t>
+          </a:r>
+          <a:endParaRPr lang="ko-KR" altLang="en-US" sz="1000" b="1">
+            <a:solidFill>
+              <a:srgbClr val="FF0000"/>
+            </a:solidFill>
+          </a:endParaRPr>
+        </a:p>
+      </dgm:t>
+    </dgm:pt>
+    <dgm:pt modelId="{312C7E8B-CD86-4AA0-B0E1-5185C997ABE8}" type="parTrans" cxnId="{8D235330-5C35-47B6-BEC0-702EBA0F08F4}">
+      <dgm:prSet/>
+      <dgm:spPr/>
+      <dgm:t>
+        <a:bodyPr/>
+        <a:lstStyle/>
+        <a:p>
+          <a:pPr latinLnBrk="1"/>
+          <a:endParaRPr lang="ko-KR" altLang="en-US"/>
+        </a:p>
+      </dgm:t>
+    </dgm:pt>
+    <dgm:pt modelId="{7C260BB7-0A5F-47ED-A66A-70CB819784AA}" type="sibTrans" cxnId="{8D235330-5C35-47B6-BEC0-702EBA0F08F4}">
+      <dgm:prSet/>
+      <dgm:spPr/>
+      <dgm:t>
+        <a:bodyPr/>
+        <a:lstStyle/>
+        <a:p>
+          <a:pPr latinLnBrk="1"/>
+          <a:endParaRPr lang="ko-KR" altLang="en-US"/>
+        </a:p>
+      </dgm:t>
+    </dgm:pt>
+    <dgm:pt modelId="{18A792D3-B374-48CF-BBB9-86458CC7E384}">
+      <dgm:prSet phldrT="[텍스트]" custT="1"/>
+      <dgm:spPr/>
+      <dgm:t>
+        <a:bodyPr/>
+        <a:lstStyle/>
+        <a:p>
+          <a:pPr latinLnBrk="1"/>
+          <a:r>
+            <a:rPr lang="en-US" altLang="ko-KR" sz="1000" b="1">
+              <a:solidFill>
+                <a:srgbClr val="FF0000"/>
+              </a:solidFill>
+            </a:rPr>
+            <a:t>IAddressMapService</a:t>
+          </a:r>
+          <a:endParaRPr lang="ko-KR" altLang="en-US" sz="1000" b="1">
+            <a:solidFill>
+              <a:srgbClr val="FF0000"/>
+            </a:solidFill>
+          </a:endParaRPr>
+        </a:p>
+      </dgm:t>
+    </dgm:pt>
+    <dgm:pt modelId="{15A68A88-1A1C-4E31-9C1E-12D71B294E28}" type="parTrans" cxnId="{F5926D2D-79C0-4FB4-9CD8-2AC24AACA8AF}">
+      <dgm:prSet/>
+      <dgm:spPr/>
+      <dgm:t>
+        <a:bodyPr/>
+        <a:lstStyle/>
+        <a:p>
+          <a:pPr latinLnBrk="1"/>
+          <a:endParaRPr lang="ko-KR" altLang="en-US"/>
+        </a:p>
+      </dgm:t>
+    </dgm:pt>
+    <dgm:pt modelId="{0A080CE9-5DC9-4262-9E59-5729B96B2AF1}" type="sibTrans" cxnId="{F5926D2D-79C0-4FB4-9CD8-2AC24AACA8AF}">
+      <dgm:prSet/>
+      <dgm:spPr/>
+      <dgm:t>
+        <a:bodyPr/>
+        <a:lstStyle/>
+        <a:p>
+          <a:pPr latinLnBrk="1"/>
+          <a:endParaRPr lang="ko-KR" altLang="en-US"/>
+        </a:p>
+      </dgm:t>
+    </dgm:pt>
+    <dgm:pt modelId="{E388021F-7253-41C3-A604-B3041C8CDDE4}">
+      <dgm:prSet phldrT="[텍스트]" custT="1"/>
+      <dgm:spPr/>
+      <dgm:t>
+        <a:bodyPr/>
+        <a:lstStyle/>
+        <a:p>
+          <a:pPr latinLnBrk="1"/>
+          <a:r>
+            <a:rPr lang="en-US" altLang="ko-KR" sz="1000" b="1">
+              <a:solidFill>
+                <a:srgbClr val="FF0000"/>
+              </a:solidFill>
+            </a:rPr>
+            <a:t>ITransfer</a:t>
+          </a:r>
+          <a:endParaRPr lang="ko-KR" altLang="en-US" sz="1000" b="1">
+            <a:solidFill>
+              <a:srgbClr val="FF0000"/>
+            </a:solidFill>
+          </a:endParaRPr>
+        </a:p>
+      </dgm:t>
+    </dgm:pt>
+    <dgm:pt modelId="{F24A4E2B-639F-4D3D-B27C-93DB45D453BA}" type="parTrans" cxnId="{46E6B199-BFEB-4E39-BE45-8C19A5F52CE6}">
+      <dgm:prSet/>
+      <dgm:spPr/>
+      <dgm:t>
+        <a:bodyPr/>
+        <a:lstStyle/>
+        <a:p>
+          <a:pPr latinLnBrk="1"/>
+          <a:endParaRPr lang="ko-KR" altLang="en-US"/>
+        </a:p>
+      </dgm:t>
+    </dgm:pt>
+    <dgm:pt modelId="{4A7C921C-6740-498A-847E-38944355ABB8}" type="sibTrans" cxnId="{46E6B199-BFEB-4E39-BE45-8C19A5F52CE6}">
+      <dgm:prSet/>
+      <dgm:spPr/>
+      <dgm:t>
+        <a:bodyPr/>
+        <a:lstStyle/>
+        <a:p>
+          <a:pPr latinLnBrk="1"/>
+          <a:endParaRPr lang="ko-KR" altLang="en-US"/>
+        </a:p>
+      </dgm:t>
+    </dgm:pt>
+    <dgm:pt modelId="{03D345A6-1A94-4257-842D-7E029EE70E58}">
+      <dgm:prSet phldrT="[텍스트]"/>
+      <dgm:spPr/>
+      <dgm:t>
+        <a:bodyPr/>
+        <a:lstStyle/>
+        <a:p>
+          <a:pPr latinLnBrk="1"/>
+          <a:r>
+            <a:rPr lang="en-US" altLang="ko-KR"/>
+            <a:t>MqTransfer</a:t>
+          </a:r>
+          <a:endParaRPr lang="ko-KR" altLang="en-US"/>
+        </a:p>
+      </dgm:t>
+    </dgm:pt>
+    <dgm:pt modelId="{F3A2D713-ED64-4FFD-A48D-42A9E67F22C7}" type="parTrans" cxnId="{A44845BE-AEF3-4C47-BC45-261547E46E9B}">
+      <dgm:prSet/>
+      <dgm:spPr/>
+      <dgm:t>
+        <a:bodyPr/>
+        <a:lstStyle/>
+        <a:p>
+          <a:pPr latinLnBrk="1"/>
+          <a:endParaRPr lang="ko-KR" altLang="en-US"/>
+        </a:p>
+      </dgm:t>
+    </dgm:pt>
+    <dgm:pt modelId="{0C0E0442-90F1-43F1-A910-C18CD82AAFD1}" type="sibTrans" cxnId="{A44845BE-AEF3-4C47-BC45-261547E46E9B}">
+      <dgm:prSet/>
+      <dgm:spPr/>
+      <dgm:t>
+        <a:bodyPr/>
+        <a:lstStyle/>
+        <a:p>
+          <a:pPr latinLnBrk="1"/>
+          <a:endParaRPr lang="ko-KR" altLang="en-US"/>
+        </a:p>
+      </dgm:t>
+    </dgm:pt>
+    <dgm:pt modelId="{FD342FC6-0CB7-4586-813B-B5FC711C4D0C}" type="pres">
+      <dgm:prSet presAssocID="{95BB7939-8913-4B3C-8916-30ABC495FDED}" presName="hierChild1" presStyleCnt="0">
+        <dgm:presLayoutVars>
+          <dgm:chPref val="1"/>
+          <dgm:dir/>
+          <dgm:animOne val="branch"/>
+          <dgm:animLvl val="lvl"/>
+          <dgm:resizeHandles/>
+        </dgm:presLayoutVars>
+      </dgm:prSet>
+      <dgm:spPr/>
+    </dgm:pt>
+    <dgm:pt modelId="{F888765C-F18A-47F2-82AD-1C3671148F8C}" type="pres">
+      <dgm:prSet presAssocID="{A6422D9D-D517-4A8B-9675-18DB69A15CDB}" presName="hierRoot1" presStyleCnt="0"/>
+      <dgm:spPr/>
+    </dgm:pt>
+    <dgm:pt modelId="{CFFF20E4-7ED3-4035-822A-83A3B30A745C}" type="pres">
+      <dgm:prSet presAssocID="{A6422D9D-D517-4A8B-9675-18DB69A15CDB}" presName="composite" presStyleCnt="0"/>
+      <dgm:spPr/>
+    </dgm:pt>
+    <dgm:pt modelId="{524A53F2-47D7-440A-9D01-E718226ACC35}" type="pres">
+      <dgm:prSet presAssocID="{A6422D9D-D517-4A8B-9675-18DB69A15CDB}" presName="background" presStyleLbl="node0" presStyleIdx="0" presStyleCnt="1"/>
+      <dgm:spPr/>
+    </dgm:pt>
+    <dgm:pt modelId="{A2BFB597-23BE-4EED-A58B-5E822A24E4ED}" type="pres">
+      <dgm:prSet presAssocID="{A6422D9D-D517-4A8B-9675-18DB69A15CDB}" presName="text" presStyleLbl="fgAcc0" presStyleIdx="0" presStyleCnt="1">
+        <dgm:presLayoutVars>
+          <dgm:chPref val="3"/>
+        </dgm:presLayoutVars>
+      </dgm:prSet>
+      <dgm:spPr/>
+    </dgm:pt>
+    <dgm:pt modelId="{8C2553E7-7A1B-4C7F-B886-8BAD9D664920}" type="pres">
+      <dgm:prSet presAssocID="{A6422D9D-D517-4A8B-9675-18DB69A15CDB}" presName="hierChild2" presStyleCnt="0"/>
+      <dgm:spPr/>
+    </dgm:pt>
+    <dgm:pt modelId="{D322BB7C-E13A-4452-BF50-EA948F749B06}" type="pres">
+      <dgm:prSet presAssocID="{15A68A88-1A1C-4E31-9C1E-12D71B294E28}" presName="Name10" presStyleLbl="parChTrans1D2" presStyleIdx="0" presStyleCnt="3"/>
+      <dgm:spPr/>
+    </dgm:pt>
+    <dgm:pt modelId="{97FD3694-CAFA-490B-B857-FADDE0751D69}" type="pres">
+      <dgm:prSet presAssocID="{18A792D3-B374-48CF-BBB9-86458CC7E384}" presName="hierRoot2" presStyleCnt="0"/>
+      <dgm:spPr/>
+    </dgm:pt>
+    <dgm:pt modelId="{F67D57FD-D7BF-4B1D-B612-B6343F932C6A}" type="pres">
+      <dgm:prSet presAssocID="{18A792D3-B374-48CF-BBB9-86458CC7E384}" presName="composite2" presStyleCnt="0"/>
+      <dgm:spPr/>
+    </dgm:pt>
+    <dgm:pt modelId="{246908E1-8E50-41C4-BAB8-5738D61C85BA}" type="pres">
+      <dgm:prSet presAssocID="{18A792D3-B374-48CF-BBB9-86458CC7E384}" presName="background2" presStyleLbl="node2" presStyleIdx="0" presStyleCnt="3"/>
+      <dgm:spPr/>
+    </dgm:pt>
+    <dgm:pt modelId="{9137FADA-4F18-44AE-B0E1-860BD4F2C390}" type="pres">
+      <dgm:prSet presAssocID="{18A792D3-B374-48CF-BBB9-86458CC7E384}" presName="text2" presStyleLbl="fgAcc2" presStyleIdx="0" presStyleCnt="3">
+        <dgm:presLayoutVars>
+          <dgm:chPref val="3"/>
+        </dgm:presLayoutVars>
+      </dgm:prSet>
+      <dgm:spPr/>
+    </dgm:pt>
+    <dgm:pt modelId="{0DD4A9E2-7E18-40F2-BBBD-1B0BEFD8FB93}" type="pres">
+      <dgm:prSet presAssocID="{18A792D3-B374-48CF-BBB9-86458CC7E384}" presName="hierChild3" presStyleCnt="0"/>
+      <dgm:spPr/>
+    </dgm:pt>
+    <dgm:pt modelId="{DDD31461-B845-4E2A-ABE1-13B944B3228A}" type="pres">
+      <dgm:prSet presAssocID="{F24A4E2B-639F-4D3D-B27C-93DB45D453BA}" presName="Name10" presStyleLbl="parChTrans1D2" presStyleIdx="1" presStyleCnt="3"/>
+      <dgm:spPr/>
+    </dgm:pt>
+    <dgm:pt modelId="{DD77FDD6-10DA-4627-941B-9FF0DB2C7BC4}" type="pres">
+      <dgm:prSet presAssocID="{E388021F-7253-41C3-A604-B3041C8CDDE4}" presName="hierRoot2" presStyleCnt="0"/>
+      <dgm:spPr/>
+    </dgm:pt>
+    <dgm:pt modelId="{E216BE1D-48D2-4983-A0FA-7258205B651B}" type="pres">
+      <dgm:prSet presAssocID="{E388021F-7253-41C3-A604-B3041C8CDDE4}" presName="composite2" presStyleCnt="0"/>
+      <dgm:spPr/>
+    </dgm:pt>
+    <dgm:pt modelId="{4F579B10-1FA2-4D53-A297-25A9B4E97C21}" type="pres">
+      <dgm:prSet presAssocID="{E388021F-7253-41C3-A604-B3041C8CDDE4}" presName="background2" presStyleLbl="node2" presStyleIdx="1" presStyleCnt="3"/>
+      <dgm:spPr/>
+    </dgm:pt>
+    <dgm:pt modelId="{35E8A070-5D76-4116-BFCE-E313B86D6EC4}" type="pres">
+      <dgm:prSet presAssocID="{E388021F-7253-41C3-A604-B3041C8CDDE4}" presName="text2" presStyleLbl="fgAcc2" presStyleIdx="1" presStyleCnt="3">
+        <dgm:presLayoutVars>
+          <dgm:chPref val="3"/>
+        </dgm:presLayoutVars>
+      </dgm:prSet>
+      <dgm:spPr/>
+    </dgm:pt>
+    <dgm:pt modelId="{2795F9F5-BF81-4F40-BEB4-D2CA5AEE9729}" type="pres">
+      <dgm:prSet presAssocID="{E388021F-7253-41C3-A604-B3041C8CDDE4}" presName="hierChild3" presStyleCnt="0"/>
+      <dgm:spPr/>
+    </dgm:pt>
+    <dgm:pt modelId="{07C37B02-E28A-4A57-890F-367C2528DA3F}" type="pres">
+      <dgm:prSet presAssocID="{F3A2D713-ED64-4FFD-A48D-42A9E67F22C7}" presName="Name17" presStyleLbl="parChTrans1D3" presStyleIdx="0" presStyleCnt="4"/>
+      <dgm:spPr/>
+    </dgm:pt>
+    <dgm:pt modelId="{7B1BF7B2-25CE-46FD-88A7-97701B18034D}" type="pres">
+      <dgm:prSet presAssocID="{03D345A6-1A94-4257-842D-7E029EE70E58}" presName="hierRoot3" presStyleCnt="0"/>
+      <dgm:spPr/>
+    </dgm:pt>
+    <dgm:pt modelId="{048019CE-6C74-473D-8F70-C0A994951415}" type="pres">
+      <dgm:prSet presAssocID="{03D345A6-1A94-4257-842D-7E029EE70E58}" presName="composite3" presStyleCnt="0"/>
+      <dgm:spPr/>
+    </dgm:pt>
+    <dgm:pt modelId="{69401691-26FA-4DB5-BB5F-B0B61F36642A}" type="pres">
+      <dgm:prSet presAssocID="{03D345A6-1A94-4257-842D-7E029EE70E58}" presName="background3" presStyleLbl="node3" presStyleIdx="0" presStyleCnt="4"/>
+      <dgm:spPr/>
+    </dgm:pt>
+    <dgm:pt modelId="{CC1AA105-28DB-4F35-8F75-89AC7C252F6C}" type="pres">
+      <dgm:prSet presAssocID="{03D345A6-1A94-4257-842D-7E029EE70E58}" presName="text3" presStyleLbl="fgAcc3" presStyleIdx="0" presStyleCnt="4">
+        <dgm:presLayoutVars>
+          <dgm:chPref val="3"/>
+        </dgm:presLayoutVars>
+      </dgm:prSet>
+      <dgm:spPr/>
+    </dgm:pt>
+    <dgm:pt modelId="{D450EAFC-A38C-4C8B-BD91-D998B5DF9504}" type="pres">
+      <dgm:prSet presAssocID="{03D345A6-1A94-4257-842D-7E029EE70E58}" presName="hierChild4" presStyleCnt="0"/>
+      <dgm:spPr/>
+    </dgm:pt>
+    <dgm:pt modelId="{EFA3BF21-C56D-4B21-B3CD-DFB73A1D6393}" type="pres">
+      <dgm:prSet presAssocID="{6D8C29AD-EE16-43E1-B4B8-B9B8D810369D}" presName="Name10" presStyleLbl="parChTrans1D2" presStyleIdx="2" presStyleCnt="3"/>
+      <dgm:spPr/>
+    </dgm:pt>
+    <dgm:pt modelId="{30095E83-E744-4395-8217-8D1D5C9F37DB}" type="pres">
+      <dgm:prSet presAssocID="{AD398B6B-EC4E-481E-A661-FF09226CCCB8}" presName="hierRoot2" presStyleCnt="0"/>
+      <dgm:spPr/>
+    </dgm:pt>
+    <dgm:pt modelId="{9DC87E1B-7CE5-4643-A7F7-3590FD54841B}" type="pres">
+      <dgm:prSet presAssocID="{AD398B6B-EC4E-481E-A661-FF09226CCCB8}" presName="composite2" presStyleCnt="0"/>
+      <dgm:spPr/>
+    </dgm:pt>
+    <dgm:pt modelId="{B984EB51-4188-48D6-AF2E-03E49C260338}" type="pres">
+      <dgm:prSet presAssocID="{AD398B6B-EC4E-481E-A661-FF09226CCCB8}" presName="background2" presStyleLbl="node2" presStyleIdx="2" presStyleCnt="3"/>
+      <dgm:spPr/>
+    </dgm:pt>
+    <dgm:pt modelId="{2CDD3B70-6A4B-4BAE-A6C4-F20DBCBAADA8}" type="pres">
+      <dgm:prSet presAssocID="{AD398B6B-EC4E-481E-A661-FF09226CCCB8}" presName="text2" presStyleLbl="fgAcc2" presStyleIdx="2" presStyleCnt="3">
+        <dgm:presLayoutVars>
+          <dgm:chPref val="3"/>
+        </dgm:presLayoutVars>
+      </dgm:prSet>
+      <dgm:spPr/>
+    </dgm:pt>
+    <dgm:pt modelId="{769E6F91-8D2B-4CD3-9142-C46063EEEF1E}" type="pres">
+      <dgm:prSet presAssocID="{AD398B6B-EC4E-481E-A661-FF09226CCCB8}" presName="hierChild3" presStyleCnt="0"/>
+      <dgm:spPr/>
+    </dgm:pt>
+    <dgm:pt modelId="{1B09154E-4187-4BFC-97EC-2324F8F02CF1}" type="pres">
+      <dgm:prSet presAssocID="{3538F55A-92E0-4065-9909-93D58B082C2E}" presName="Name17" presStyleLbl="parChTrans1D3" presStyleIdx="1" presStyleCnt="4"/>
+      <dgm:spPr/>
+    </dgm:pt>
+    <dgm:pt modelId="{87CDBABE-46B2-4F7B-ACDD-E4EAFD25AD66}" type="pres">
+      <dgm:prSet presAssocID="{2455F4D5-3C92-4139-8F97-C9B192661FFB}" presName="hierRoot3" presStyleCnt="0"/>
+      <dgm:spPr/>
+    </dgm:pt>
+    <dgm:pt modelId="{267E776A-BC8D-4BEE-8241-C4A393AF3DEB}" type="pres">
+      <dgm:prSet presAssocID="{2455F4D5-3C92-4139-8F97-C9B192661FFB}" presName="composite3" presStyleCnt="0"/>
+      <dgm:spPr/>
+    </dgm:pt>
+    <dgm:pt modelId="{BD72AEC4-67D8-4A51-9302-BA51C3E6BE7F}" type="pres">
+      <dgm:prSet presAssocID="{2455F4D5-3C92-4139-8F97-C9B192661FFB}" presName="background3" presStyleLbl="node3" presStyleIdx="1" presStyleCnt="4"/>
+      <dgm:spPr/>
+    </dgm:pt>
+    <dgm:pt modelId="{5823D4C0-DF43-40BB-87F7-48CB3AE4C14F}" type="pres">
+      <dgm:prSet presAssocID="{2455F4D5-3C92-4139-8F97-C9B192661FFB}" presName="text3" presStyleLbl="fgAcc3" presStyleIdx="1" presStyleCnt="4">
+        <dgm:presLayoutVars>
+          <dgm:chPref val="3"/>
+        </dgm:presLayoutVars>
+      </dgm:prSet>
+      <dgm:spPr/>
+    </dgm:pt>
+    <dgm:pt modelId="{AD991B15-AE85-438E-AFB9-C42502D810A4}" type="pres">
+      <dgm:prSet presAssocID="{2455F4D5-3C92-4139-8F97-C9B192661FFB}" presName="hierChild4" presStyleCnt="0"/>
+      <dgm:spPr/>
+    </dgm:pt>
+    <dgm:pt modelId="{EF4A9C14-486B-48B8-80C2-109BDE4DF407}" type="pres">
+      <dgm:prSet presAssocID="{4DBAB8D6-87D4-4982-AB30-070D1AB43EBB}" presName="Name23" presStyleLbl="parChTrans1D4" presStyleIdx="0" presStyleCnt="6"/>
+      <dgm:spPr/>
+    </dgm:pt>
+    <dgm:pt modelId="{3DA14203-91C4-4975-AF81-268B3DE05E3B}" type="pres">
+      <dgm:prSet presAssocID="{D5CB5DC9-CD02-4377-9962-8A38E690C8DB}" presName="hierRoot4" presStyleCnt="0"/>
+      <dgm:spPr/>
+    </dgm:pt>
+    <dgm:pt modelId="{27A6EB39-943A-4575-BCBA-BE17ECAA77BE}" type="pres">
+      <dgm:prSet presAssocID="{D5CB5DC9-CD02-4377-9962-8A38E690C8DB}" presName="composite4" presStyleCnt="0"/>
+      <dgm:spPr/>
+    </dgm:pt>
+    <dgm:pt modelId="{1135A661-3AA5-47D0-B414-EE1D3FF1CB36}" type="pres">
+      <dgm:prSet presAssocID="{D5CB5DC9-CD02-4377-9962-8A38E690C8DB}" presName="background4" presStyleLbl="node4" presStyleIdx="0" presStyleCnt="6"/>
+      <dgm:spPr/>
+    </dgm:pt>
+    <dgm:pt modelId="{EE04645E-1F6A-4AEB-A6D8-A564AB066187}" type="pres">
+      <dgm:prSet presAssocID="{D5CB5DC9-CD02-4377-9962-8A38E690C8DB}" presName="text4" presStyleLbl="fgAcc4" presStyleIdx="0" presStyleCnt="6">
+        <dgm:presLayoutVars>
+          <dgm:chPref val="3"/>
+        </dgm:presLayoutVars>
+      </dgm:prSet>
+      <dgm:spPr/>
+    </dgm:pt>
+    <dgm:pt modelId="{F11A84AB-9E81-4A8C-8196-863819055BD4}" type="pres">
+      <dgm:prSet presAssocID="{D5CB5DC9-CD02-4377-9962-8A38E690C8DB}" presName="hierChild5" presStyleCnt="0"/>
+      <dgm:spPr/>
+    </dgm:pt>
+    <dgm:pt modelId="{6D3B9EBF-1E7B-4022-A98C-AD6CC1ECA872}" type="pres">
+      <dgm:prSet presAssocID="{BCF0533B-E71F-4793-80ED-C96481712F7E}" presName="Name23" presStyleLbl="parChTrans1D4" presStyleIdx="1" presStyleCnt="6"/>
+      <dgm:spPr/>
+    </dgm:pt>
+    <dgm:pt modelId="{056CAF2A-C065-4636-A548-2D85488C0A8D}" type="pres">
+      <dgm:prSet presAssocID="{D3022967-AE3E-4728-84DA-B69C009FADBB}" presName="hierRoot4" presStyleCnt="0"/>
+      <dgm:spPr/>
+    </dgm:pt>
+    <dgm:pt modelId="{FAF47704-A943-461F-8098-696080623A47}" type="pres">
+      <dgm:prSet presAssocID="{D3022967-AE3E-4728-84DA-B69C009FADBB}" presName="composite4" presStyleCnt="0"/>
+      <dgm:spPr/>
+    </dgm:pt>
+    <dgm:pt modelId="{9ECE66F5-BC1A-4C8C-8EE1-21FE72706B7B}" type="pres">
+      <dgm:prSet presAssocID="{D3022967-AE3E-4728-84DA-B69C009FADBB}" presName="background4" presStyleLbl="node4" presStyleIdx="1" presStyleCnt="6"/>
+      <dgm:spPr/>
+    </dgm:pt>
+    <dgm:pt modelId="{B68759EA-10FE-47CA-9A7E-3EC1FA1D8B3A}" type="pres">
+      <dgm:prSet presAssocID="{D3022967-AE3E-4728-84DA-B69C009FADBB}" presName="text4" presStyleLbl="fgAcc4" presStyleIdx="1" presStyleCnt="6">
+        <dgm:presLayoutVars>
+          <dgm:chPref val="3"/>
+        </dgm:presLayoutVars>
+      </dgm:prSet>
+      <dgm:spPr/>
+    </dgm:pt>
+    <dgm:pt modelId="{4122BF79-FCFF-407B-8627-B93C0E474EA5}" type="pres">
+      <dgm:prSet presAssocID="{D3022967-AE3E-4728-84DA-B69C009FADBB}" presName="hierChild5" presStyleCnt="0"/>
+      <dgm:spPr/>
+    </dgm:pt>
+    <dgm:pt modelId="{50BE4EB5-65EA-4795-A47F-E6E88EED7DD0}" type="pres">
+      <dgm:prSet presAssocID="{81BC92FD-6EFD-4139-94BB-C81A863F1782}" presName="Name17" presStyleLbl="parChTrans1D3" presStyleIdx="2" presStyleCnt="4"/>
+      <dgm:spPr/>
+    </dgm:pt>
+    <dgm:pt modelId="{886085F7-6936-40C7-827A-B1C78927BCA4}" type="pres">
+      <dgm:prSet presAssocID="{AA997B30-05BF-43F6-BC0C-FCF7B5A9A1CA}" presName="hierRoot3" presStyleCnt="0"/>
+      <dgm:spPr/>
+    </dgm:pt>
+    <dgm:pt modelId="{37A6653B-ADC3-40F4-90BB-672C6F8E025E}" type="pres">
+      <dgm:prSet presAssocID="{AA997B30-05BF-43F6-BC0C-FCF7B5A9A1CA}" presName="composite3" presStyleCnt="0"/>
+      <dgm:spPr/>
+    </dgm:pt>
+    <dgm:pt modelId="{4AB82593-CB77-44F2-A385-9CE9ABB2507A}" type="pres">
+      <dgm:prSet presAssocID="{AA997B30-05BF-43F6-BC0C-FCF7B5A9A1CA}" presName="background3" presStyleLbl="node3" presStyleIdx="2" presStyleCnt="4"/>
+      <dgm:spPr/>
+    </dgm:pt>
+    <dgm:pt modelId="{A1A79737-D5E5-4ECF-8E9B-1D79D461C29A}" type="pres">
+      <dgm:prSet presAssocID="{AA997B30-05BF-43F6-BC0C-FCF7B5A9A1CA}" presName="text3" presStyleLbl="fgAcc3" presStyleIdx="2" presStyleCnt="4">
+        <dgm:presLayoutVars>
+          <dgm:chPref val="3"/>
+        </dgm:presLayoutVars>
+      </dgm:prSet>
+      <dgm:spPr/>
+    </dgm:pt>
+    <dgm:pt modelId="{E51D389B-0FA8-498D-85E5-9C9AEC2E8720}" type="pres">
+      <dgm:prSet presAssocID="{AA997B30-05BF-43F6-BC0C-FCF7B5A9A1CA}" presName="hierChild4" presStyleCnt="0"/>
+      <dgm:spPr/>
+    </dgm:pt>
+    <dgm:pt modelId="{5A899B2E-4F14-43CD-A63D-1784DDAD89DE}" type="pres">
+      <dgm:prSet presAssocID="{D32D91FF-4902-4648-A2E2-80F7A2078688}" presName="Name23" presStyleLbl="parChTrans1D4" presStyleIdx="2" presStyleCnt="6"/>
+      <dgm:spPr/>
+    </dgm:pt>
+    <dgm:pt modelId="{8BEF1895-6797-47F1-BF77-DB47B9FCC5D1}" type="pres">
+      <dgm:prSet presAssocID="{33D06E4F-F42B-4E8B-931F-8390D8A5A393}" presName="hierRoot4" presStyleCnt="0"/>
+      <dgm:spPr/>
+    </dgm:pt>
+    <dgm:pt modelId="{BB449477-6A9B-4283-A3B7-F6841022A0CE}" type="pres">
+      <dgm:prSet presAssocID="{33D06E4F-F42B-4E8B-931F-8390D8A5A393}" presName="composite4" presStyleCnt="0"/>
+      <dgm:spPr/>
+    </dgm:pt>
+    <dgm:pt modelId="{90FEB9F1-61D2-4C1E-86E2-42B0129D4D6D}" type="pres">
+      <dgm:prSet presAssocID="{33D06E4F-F42B-4E8B-931F-8390D8A5A393}" presName="background4" presStyleLbl="node4" presStyleIdx="2" presStyleCnt="6"/>
+      <dgm:spPr/>
+    </dgm:pt>
+    <dgm:pt modelId="{22C3B679-9FAE-4FC8-894B-66DC14451D57}" type="pres">
+      <dgm:prSet presAssocID="{33D06E4F-F42B-4E8B-931F-8390D8A5A393}" presName="text4" presStyleLbl="fgAcc4" presStyleIdx="2" presStyleCnt="6">
+        <dgm:presLayoutVars>
+          <dgm:chPref val="3"/>
+        </dgm:presLayoutVars>
+      </dgm:prSet>
+      <dgm:spPr/>
+    </dgm:pt>
+    <dgm:pt modelId="{D2B8814F-23AC-471D-B22A-94F6157CBD9B}" type="pres">
+      <dgm:prSet presAssocID="{33D06E4F-F42B-4E8B-931F-8390D8A5A393}" presName="hierChild5" presStyleCnt="0"/>
+      <dgm:spPr/>
+    </dgm:pt>
+    <dgm:pt modelId="{1DA0D92B-438E-4C1E-9EE6-1C16EA4EB2B5}" type="pres">
+      <dgm:prSet presAssocID="{5C83B352-E1F2-408D-936D-1E6F84796351}" presName="Name23" presStyleLbl="parChTrans1D4" presStyleIdx="3" presStyleCnt="6"/>
+      <dgm:spPr/>
+    </dgm:pt>
+    <dgm:pt modelId="{F6915716-5A82-4E3C-A08A-B2F482B47040}" type="pres">
+      <dgm:prSet presAssocID="{F6861CCE-F257-4BEA-8CBC-A258313C11DA}" presName="hierRoot4" presStyleCnt="0"/>
+      <dgm:spPr/>
+    </dgm:pt>
+    <dgm:pt modelId="{74D217F9-20FF-4D57-80C4-C634A7FCD1D6}" type="pres">
+      <dgm:prSet presAssocID="{F6861CCE-F257-4BEA-8CBC-A258313C11DA}" presName="composite4" presStyleCnt="0"/>
+      <dgm:spPr/>
+    </dgm:pt>
+    <dgm:pt modelId="{CC9143DC-89BB-4298-85B9-BC4A5918F336}" type="pres">
+      <dgm:prSet presAssocID="{F6861CCE-F257-4BEA-8CBC-A258313C11DA}" presName="background4" presStyleLbl="node4" presStyleIdx="3" presStyleCnt="6"/>
+      <dgm:spPr/>
+    </dgm:pt>
+    <dgm:pt modelId="{90B32026-FFAF-424D-8EF5-A531EB322B24}" type="pres">
+      <dgm:prSet presAssocID="{F6861CCE-F257-4BEA-8CBC-A258313C11DA}" presName="text4" presStyleLbl="fgAcc4" presStyleIdx="3" presStyleCnt="6">
+        <dgm:presLayoutVars>
+          <dgm:chPref val="3"/>
+        </dgm:presLayoutVars>
+      </dgm:prSet>
+      <dgm:spPr/>
+    </dgm:pt>
+    <dgm:pt modelId="{70F972C0-AD05-492D-A621-2E62D4A6BE90}" type="pres">
+      <dgm:prSet presAssocID="{F6861CCE-F257-4BEA-8CBC-A258313C11DA}" presName="hierChild5" presStyleCnt="0"/>
+      <dgm:spPr/>
+    </dgm:pt>
+    <dgm:pt modelId="{9EF58F7D-82F6-47B8-BA2E-E36B60047E88}" type="pres">
+      <dgm:prSet presAssocID="{8FDF290D-CDC1-479C-BBBE-F395B39A1E08}" presName="Name17" presStyleLbl="parChTrans1D3" presStyleIdx="3" presStyleCnt="4"/>
+      <dgm:spPr/>
+    </dgm:pt>
+    <dgm:pt modelId="{DB156D29-7BD6-4F49-9A2F-F2F24A9795D2}" type="pres">
+      <dgm:prSet presAssocID="{38B76EC9-3F40-4F13-A2D9-27D0A7CBEC6E}" presName="hierRoot3" presStyleCnt="0"/>
+      <dgm:spPr/>
+    </dgm:pt>
+    <dgm:pt modelId="{39B13533-6A9A-4B90-A1DB-CFA423D1EB30}" type="pres">
+      <dgm:prSet presAssocID="{38B76EC9-3F40-4F13-A2D9-27D0A7CBEC6E}" presName="composite3" presStyleCnt="0"/>
+      <dgm:spPr/>
+    </dgm:pt>
+    <dgm:pt modelId="{36249478-2A69-44C8-99A0-9D95F01462EB}" type="pres">
+      <dgm:prSet presAssocID="{38B76EC9-3F40-4F13-A2D9-27D0A7CBEC6E}" presName="background3" presStyleLbl="node3" presStyleIdx="3" presStyleCnt="4"/>
+      <dgm:spPr/>
+    </dgm:pt>
+    <dgm:pt modelId="{879C7149-15BC-4CCB-A468-2E697D248BBF}" type="pres">
+      <dgm:prSet presAssocID="{38B76EC9-3F40-4F13-A2D9-27D0A7CBEC6E}" presName="text3" presStyleLbl="fgAcc3" presStyleIdx="3" presStyleCnt="4">
+        <dgm:presLayoutVars>
+          <dgm:chPref val="3"/>
+        </dgm:presLayoutVars>
+      </dgm:prSet>
+      <dgm:spPr/>
+    </dgm:pt>
+    <dgm:pt modelId="{41D2B65D-8D7C-4C2B-983D-D56B6EAC9E15}" type="pres">
+      <dgm:prSet presAssocID="{38B76EC9-3F40-4F13-A2D9-27D0A7CBEC6E}" presName="hierChild4" presStyleCnt="0"/>
+      <dgm:spPr/>
+    </dgm:pt>
+    <dgm:pt modelId="{5FA11BFD-A649-4BCC-A37F-EE31F0B9506D}" type="pres">
+      <dgm:prSet presAssocID="{B35CF0A0-1B87-43C9-B37F-42025BCECC8D}" presName="Name23" presStyleLbl="parChTrans1D4" presStyleIdx="4" presStyleCnt="6"/>
+      <dgm:spPr/>
+    </dgm:pt>
+    <dgm:pt modelId="{6813D679-37AB-4224-95F1-388929AE6A5F}" type="pres">
+      <dgm:prSet presAssocID="{1560ACFA-CE20-4D27-8699-CEC1ADCD7578}" presName="hierRoot4" presStyleCnt="0"/>
+      <dgm:spPr/>
+    </dgm:pt>
+    <dgm:pt modelId="{E7E8999E-94DF-429B-A072-C3D094C52E5B}" type="pres">
+      <dgm:prSet presAssocID="{1560ACFA-CE20-4D27-8699-CEC1ADCD7578}" presName="composite4" presStyleCnt="0"/>
+      <dgm:spPr/>
+    </dgm:pt>
+    <dgm:pt modelId="{4CA0F8CB-AE58-430D-858A-8C1C8E1E2BDF}" type="pres">
+      <dgm:prSet presAssocID="{1560ACFA-CE20-4D27-8699-CEC1ADCD7578}" presName="background4" presStyleLbl="node4" presStyleIdx="4" presStyleCnt="6"/>
+      <dgm:spPr/>
+    </dgm:pt>
+    <dgm:pt modelId="{B63E313F-C1C7-4EED-8C1F-EEDC87A81FEE}" type="pres">
+      <dgm:prSet presAssocID="{1560ACFA-CE20-4D27-8699-CEC1ADCD7578}" presName="text4" presStyleLbl="fgAcc4" presStyleIdx="4" presStyleCnt="6">
+        <dgm:presLayoutVars>
+          <dgm:chPref val="3"/>
+        </dgm:presLayoutVars>
+      </dgm:prSet>
+      <dgm:spPr/>
+    </dgm:pt>
+    <dgm:pt modelId="{39A24935-4E13-47B5-91B1-C412E329BBF8}" type="pres">
+      <dgm:prSet presAssocID="{1560ACFA-CE20-4D27-8699-CEC1ADCD7578}" presName="hierChild5" presStyleCnt="0"/>
+      <dgm:spPr/>
+    </dgm:pt>
+    <dgm:pt modelId="{048A938F-FF30-447C-98A4-66209AC45D4E}" type="pres">
+      <dgm:prSet presAssocID="{A32B2F88-2F3A-4924-9C3A-87884648F901}" presName="Name23" presStyleLbl="parChTrans1D4" presStyleIdx="5" presStyleCnt="6"/>
+      <dgm:spPr/>
+    </dgm:pt>
+    <dgm:pt modelId="{394E3CB1-BBA8-405E-A5EE-3D9A7C24D461}" type="pres">
+      <dgm:prSet presAssocID="{9A22C057-4A4B-46E3-84F7-B5D19113E2DC}" presName="hierRoot4" presStyleCnt="0"/>
+      <dgm:spPr/>
+    </dgm:pt>
+    <dgm:pt modelId="{EA89323D-E3D2-450E-9E13-5917388F6FF4}" type="pres">
+      <dgm:prSet presAssocID="{9A22C057-4A4B-46E3-84F7-B5D19113E2DC}" presName="composite4" presStyleCnt="0"/>
+      <dgm:spPr/>
+    </dgm:pt>
+    <dgm:pt modelId="{5F006663-1975-4744-9D09-A2E1870E1A87}" type="pres">
+      <dgm:prSet presAssocID="{9A22C057-4A4B-46E3-84F7-B5D19113E2DC}" presName="background4" presStyleLbl="node4" presStyleIdx="5" presStyleCnt="6"/>
+      <dgm:spPr/>
+    </dgm:pt>
+    <dgm:pt modelId="{22CC8A8F-FF5E-4B76-991F-6B73E2D8DEE4}" type="pres">
+      <dgm:prSet presAssocID="{9A22C057-4A4B-46E3-84F7-B5D19113E2DC}" presName="text4" presStyleLbl="fgAcc4" presStyleIdx="5" presStyleCnt="6">
+        <dgm:presLayoutVars>
+          <dgm:chPref val="3"/>
+        </dgm:presLayoutVars>
+      </dgm:prSet>
+      <dgm:spPr/>
+    </dgm:pt>
+    <dgm:pt modelId="{90760FEB-A43F-4842-862E-61BA11172078}" type="pres">
+      <dgm:prSet presAssocID="{9A22C057-4A4B-46E3-84F7-B5D19113E2DC}" presName="hierChild5" presStyleCnt="0"/>
+      <dgm:spPr/>
+    </dgm:pt>
+  </dgm:ptLst>
+  <dgm:cxnLst>
+    <dgm:cxn modelId="{0D6E8701-B08D-4BEA-A118-89A2B37F7A38}" type="presOf" srcId="{8FDF290D-CDC1-479C-BBBE-F395B39A1E08}" destId="{9EF58F7D-82F6-47B8-BA2E-E36B60047E88}" srcOrd="0" destOrd="0" presId="urn:microsoft.com/office/officeart/2005/8/layout/hierarchy1"/>
+    <dgm:cxn modelId="{2742C70D-7AF3-4FCD-B537-2B2C39DBCB21}" type="presOf" srcId="{E388021F-7253-41C3-A604-B3041C8CDDE4}" destId="{35E8A070-5D76-4116-BFCE-E313B86D6EC4}" srcOrd="0" destOrd="0" presId="urn:microsoft.com/office/officeart/2005/8/layout/hierarchy1"/>
+    <dgm:cxn modelId="{1B8D5A0E-72B6-45C5-8344-E6569B234879}" srcId="{AD398B6B-EC4E-481E-A661-FF09226CCCB8}" destId="{38B76EC9-3F40-4F13-A2D9-27D0A7CBEC6E}" srcOrd="2" destOrd="0" parTransId="{8FDF290D-CDC1-479C-BBBE-F395B39A1E08}" sibTransId="{C12C4B54-F6F5-46B0-AEAE-CB09F665B487}"/>
+    <dgm:cxn modelId="{E9BB7B0E-784E-498C-B272-6A96AD9AAD7F}" type="presOf" srcId="{38B76EC9-3F40-4F13-A2D9-27D0A7CBEC6E}" destId="{879C7149-15BC-4CCB-A468-2E697D248BBF}" srcOrd="0" destOrd="0" presId="urn:microsoft.com/office/officeart/2005/8/layout/hierarchy1"/>
+    <dgm:cxn modelId="{F9158629-E397-4792-8AC1-F5768974BE50}" srcId="{AD398B6B-EC4E-481E-A661-FF09226CCCB8}" destId="{AA997B30-05BF-43F6-BC0C-FCF7B5A9A1CA}" srcOrd="1" destOrd="0" parTransId="{81BC92FD-6EFD-4139-94BB-C81A863F1782}" sibTransId="{4C6C1E0F-2745-442C-8EE1-A96DCAF8036F}"/>
+    <dgm:cxn modelId="{61036B2B-4881-41E3-A2F2-5469DAA6AEFF}" type="presOf" srcId="{AD398B6B-EC4E-481E-A661-FF09226CCCB8}" destId="{2CDD3B70-6A4B-4BAE-A6C4-F20DBCBAADA8}" srcOrd="0" destOrd="0" presId="urn:microsoft.com/office/officeart/2005/8/layout/hierarchy1"/>
+    <dgm:cxn modelId="{F5926D2D-79C0-4FB4-9CD8-2AC24AACA8AF}" srcId="{A6422D9D-D517-4A8B-9675-18DB69A15CDB}" destId="{18A792D3-B374-48CF-BBB9-86458CC7E384}" srcOrd="0" destOrd="0" parTransId="{15A68A88-1A1C-4E31-9C1E-12D71B294E28}" sibTransId="{0A080CE9-5DC9-4262-9E59-5729B96B2AF1}"/>
+    <dgm:cxn modelId="{A560392E-1BF6-403D-9251-2FC50A299356}" type="presOf" srcId="{F6861CCE-F257-4BEA-8CBC-A258313C11DA}" destId="{90B32026-FFAF-424D-8EF5-A531EB322B24}" srcOrd="0" destOrd="0" presId="urn:microsoft.com/office/officeart/2005/8/layout/hierarchy1"/>
+    <dgm:cxn modelId="{8D235330-5C35-47B6-BEC0-702EBA0F08F4}" srcId="{95BB7939-8913-4B3C-8916-30ABC495FDED}" destId="{A6422D9D-D517-4A8B-9675-18DB69A15CDB}" srcOrd="0" destOrd="0" parTransId="{312C7E8B-CD86-4AA0-B0E1-5185C997ABE8}" sibTransId="{7C260BB7-0A5F-47ED-A66A-70CB819784AA}"/>
+    <dgm:cxn modelId="{93BA663A-6E3F-46E7-A5EA-C8627D773350}" type="presOf" srcId="{D3022967-AE3E-4728-84DA-B69C009FADBB}" destId="{B68759EA-10FE-47CA-9A7E-3EC1FA1D8B3A}" srcOrd="0" destOrd="0" presId="urn:microsoft.com/office/officeart/2005/8/layout/hierarchy1"/>
+    <dgm:cxn modelId="{9D20045D-D941-4CED-819A-CC7B63301171}" type="presOf" srcId="{A32B2F88-2F3A-4924-9C3A-87884648F901}" destId="{048A938F-FF30-447C-98A4-66209AC45D4E}" srcOrd="0" destOrd="0" presId="urn:microsoft.com/office/officeart/2005/8/layout/hierarchy1"/>
+    <dgm:cxn modelId="{0F16125F-11A8-4805-B799-4F87AE9F3641}" type="presOf" srcId="{2455F4D5-3C92-4139-8F97-C9B192661FFB}" destId="{5823D4C0-DF43-40BB-87F7-48CB3AE4C14F}" srcOrd="0" destOrd="0" presId="urn:microsoft.com/office/officeart/2005/8/layout/hierarchy1"/>
+    <dgm:cxn modelId="{4BD8BF41-E2A6-468D-B9A0-9274EA60F9B3}" type="presOf" srcId="{F24A4E2B-639F-4D3D-B27C-93DB45D453BA}" destId="{DDD31461-B845-4E2A-ABE1-13B944B3228A}" srcOrd="0" destOrd="0" presId="urn:microsoft.com/office/officeart/2005/8/layout/hierarchy1"/>
+    <dgm:cxn modelId="{5EC59843-535B-4534-AB7A-5DBB9D0AAAD2}" srcId="{AA997B30-05BF-43F6-BC0C-FCF7B5A9A1CA}" destId="{F6861CCE-F257-4BEA-8CBC-A258313C11DA}" srcOrd="1" destOrd="0" parTransId="{5C83B352-E1F2-408D-936D-1E6F84796351}" sibTransId="{D9C768FE-7A71-44CA-807F-98DFE2694427}"/>
+    <dgm:cxn modelId="{D20BCD64-7654-42CE-9A3F-912D28900C85}" srcId="{2455F4D5-3C92-4139-8F97-C9B192661FFB}" destId="{D5CB5DC9-CD02-4377-9962-8A38E690C8DB}" srcOrd="0" destOrd="0" parTransId="{4DBAB8D6-87D4-4982-AB30-070D1AB43EBB}" sibTransId="{88FBD160-22B0-4965-87B5-8F86F9A593E9}"/>
+    <dgm:cxn modelId="{7D942069-3E6E-4C66-BDED-80435DE28726}" type="presOf" srcId="{95BB7939-8913-4B3C-8916-30ABC495FDED}" destId="{FD342FC6-0CB7-4586-813B-B5FC711C4D0C}" srcOrd="0" destOrd="0" presId="urn:microsoft.com/office/officeart/2005/8/layout/hierarchy1"/>
+    <dgm:cxn modelId="{D6C9626B-1ECD-4EA5-BCD3-C5D6E933EAB0}" type="presOf" srcId="{D5CB5DC9-CD02-4377-9962-8A38E690C8DB}" destId="{EE04645E-1F6A-4AEB-A6D8-A564AB066187}" srcOrd="0" destOrd="0" presId="urn:microsoft.com/office/officeart/2005/8/layout/hierarchy1"/>
+    <dgm:cxn modelId="{8DD23352-D36E-4C11-B5F3-D8C8ADFF8423}" type="presOf" srcId="{18A792D3-B374-48CF-BBB9-86458CC7E384}" destId="{9137FADA-4F18-44AE-B0E1-860BD4F2C390}" srcOrd="0" destOrd="0" presId="urn:microsoft.com/office/officeart/2005/8/layout/hierarchy1"/>
+    <dgm:cxn modelId="{70ECB972-1571-4514-9ED6-894B1B8B140C}" srcId="{2455F4D5-3C92-4139-8F97-C9B192661FFB}" destId="{D3022967-AE3E-4728-84DA-B69C009FADBB}" srcOrd="1" destOrd="0" parTransId="{BCF0533B-E71F-4793-80ED-C96481712F7E}" sibTransId="{A1828437-3B78-408D-99EA-4DBE09ACEB4B}"/>
+    <dgm:cxn modelId="{4CC2E379-6B5D-404C-9799-D3CAC6E78AAF}" srcId="{38B76EC9-3F40-4F13-A2D9-27D0A7CBEC6E}" destId="{9A22C057-4A4B-46E3-84F7-B5D19113E2DC}" srcOrd="1" destOrd="0" parTransId="{A32B2F88-2F3A-4924-9C3A-87884648F901}" sibTransId="{D824C4E3-E20C-4668-8311-BAEEF44DF53D}"/>
+    <dgm:cxn modelId="{6D40E28E-C8F6-467B-A523-AFBE671E23BD}" type="presOf" srcId="{15A68A88-1A1C-4E31-9C1E-12D71B294E28}" destId="{D322BB7C-E13A-4452-BF50-EA948F749B06}" srcOrd="0" destOrd="0" presId="urn:microsoft.com/office/officeart/2005/8/layout/hierarchy1"/>
+    <dgm:cxn modelId="{546C098F-5555-48CC-AC9D-24CD6B2FA1E7}" type="presOf" srcId="{5C83B352-E1F2-408D-936D-1E6F84796351}" destId="{1DA0D92B-438E-4C1E-9EE6-1C16EA4EB2B5}" srcOrd="0" destOrd="0" presId="urn:microsoft.com/office/officeart/2005/8/layout/hierarchy1"/>
+    <dgm:cxn modelId="{CA864792-75B7-4531-9DD9-AA9FFF0474E9}" type="presOf" srcId="{A6422D9D-D517-4A8B-9675-18DB69A15CDB}" destId="{A2BFB597-23BE-4EED-A58B-5E822A24E4ED}" srcOrd="0" destOrd="0" presId="urn:microsoft.com/office/officeart/2005/8/layout/hierarchy1"/>
+    <dgm:cxn modelId="{47F88192-3926-4613-9F28-3931D64F1766}" type="presOf" srcId="{3538F55A-92E0-4065-9909-93D58B082C2E}" destId="{1B09154E-4187-4BFC-97EC-2324F8F02CF1}" srcOrd="0" destOrd="0" presId="urn:microsoft.com/office/officeart/2005/8/layout/hierarchy1"/>
+    <dgm:cxn modelId="{50693C93-EC44-4C06-9C35-277B663418D6}" type="presOf" srcId="{F3A2D713-ED64-4FFD-A48D-42A9E67F22C7}" destId="{07C37B02-E28A-4A57-890F-367C2528DA3F}" srcOrd="0" destOrd="0" presId="urn:microsoft.com/office/officeart/2005/8/layout/hierarchy1"/>
+    <dgm:cxn modelId="{46E6B199-BFEB-4E39-BE45-8C19A5F52CE6}" srcId="{A6422D9D-D517-4A8B-9675-18DB69A15CDB}" destId="{E388021F-7253-41C3-A604-B3041C8CDDE4}" srcOrd="1" destOrd="0" parTransId="{F24A4E2B-639F-4D3D-B27C-93DB45D453BA}" sibTransId="{4A7C921C-6740-498A-847E-38944355ABB8}"/>
+    <dgm:cxn modelId="{0AEFD89A-CEDA-4A88-972E-DE452F81C48C}" srcId="{38B76EC9-3F40-4F13-A2D9-27D0A7CBEC6E}" destId="{1560ACFA-CE20-4D27-8699-CEC1ADCD7578}" srcOrd="0" destOrd="0" parTransId="{B35CF0A0-1B87-43C9-B37F-42025BCECC8D}" sibTransId="{7B93E4DD-A5CB-4F52-91C6-3315A868C491}"/>
+    <dgm:cxn modelId="{A336479B-4522-4E53-A4A0-7E7D81375D78}" srcId="{AD398B6B-EC4E-481E-A661-FF09226CCCB8}" destId="{2455F4D5-3C92-4139-8F97-C9B192661FFB}" srcOrd="0" destOrd="0" parTransId="{3538F55A-92E0-4065-9909-93D58B082C2E}" sibTransId="{E36B6F7D-EFC5-44FE-8072-FD591CFA3B7C}"/>
+    <dgm:cxn modelId="{7D84769F-C25C-45D6-B3B2-740D054F347B}" type="presOf" srcId="{BCF0533B-E71F-4793-80ED-C96481712F7E}" destId="{6D3B9EBF-1E7B-4022-A98C-AD6CC1ECA872}" srcOrd="0" destOrd="0" presId="urn:microsoft.com/office/officeart/2005/8/layout/hierarchy1"/>
+    <dgm:cxn modelId="{30F965A5-5CA9-4C74-9E9E-B9462EDCC85F}" srcId="{A6422D9D-D517-4A8B-9675-18DB69A15CDB}" destId="{AD398B6B-EC4E-481E-A661-FF09226CCCB8}" srcOrd="2" destOrd="0" parTransId="{6D8C29AD-EE16-43E1-B4B8-B9B8D810369D}" sibTransId="{14243ACF-6AB5-418A-8E3F-262CC0A59D05}"/>
+    <dgm:cxn modelId="{9EFBF1B5-0D29-4C4E-922A-643122A8CFAF}" type="presOf" srcId="{1560ACFA-CE20-4D27-8699-CEC1ADCD7578}" destId="{B63E313F-C1C7-4EED-8C1F-EEDC87A81FEE}" srcOrd="0" destOrd="0" presId="urn:microsoft.com/office/officeart/2005/8/layout/hierarchy1"/>
+    <dgm:cxn modelId="{631BD2BA-19A2-4BC5-8EB1-2A196DBD503C}" type="presOf" srcId="{6D8C29AD-EE16-43E1-B4B8-B9B8D810369D}" destId="{EFA3BF21-C56D-4B21-B3CD-DFB73A1D6393}" srcOrd="0" destOrd="0" presId="urn:microsoft.com/office/officeart/2005/8/layout/hierarchy1"/>
+    <dgm:cxn modelId="{A44845BE-AEF3-4C47-BC45-261547E46E9B}" srcId="{E388021F-7253-41C3-A604-B3041C8CDDE4}" destId="{03D345A6-1A94-4257-842D-7E029EE70E58}" srcOrd="0" destOrd="0" parTransId="{F3A2D713-ED64-4FFD-A48D-42A9E67F22C7}" sibTransId="{0C0E0442-90F1-43F1-A910-C18CD82AAFD1}"/>
+    <dgm:cxn modelId="{B72DFBC7-2D9A-4E05-87AE-FA9B44D81D81}" type="presOf" srcId="{81BC92FD-6EFD-4139-94BB-C81A863F1782}" destId="{50BE4EB5-65EA-4795-A47F-E6E88EED7DD0}" srcOrd="0" destOrd="0" presId="urn:microsoft.com/office/officeart/2005/8/layout/hierarchy1"/>
+    <dgm:cxn modelId="{31D881D4-9DEF-454B-B394-147B7938E2F9}" type="presOf" srcId="{9A22C057-4A4B-46E3-84F7-B5D19113E2DC}" destId="{22CC8A8F-FF5E-4B76-991F-6B73E2D8DEE4}" srcOrd="0" destOrd="0" presId="urn:microsoft.com/office/officeart/2005/8/layout/hierarchy1"/>
+    <dgm:cxn modelId="{3C1A9AE0-E92E-4701-82EC-AD71E30FC18A}" srcId="{AA997B30-05BF-43F6-BC0C-FCF7B5A9A1CA}" destId="{33D06E4F-F42B-4E8B-931F-8390D8A5A393}" srcOrd="0" destOrd="0" parTransId="{D32D91FF-4902-4648-A2E2-80F7A2078688}" sibTransId="{0B204757-0530-4817-960F-565920E53C02}"/>
+    <dgm:cxn modelId="{7F42A0EA-CD82-452D-B9FC-B50A7996441E}" type="presOf" srcId="{B35CF0A0-1B87-43C9-B37F-42025BCECC8D}" destId="{5FA11BFD-A649-4BCC-A37F-EE31F0B9506D}" srcOrd="0" destOrd="0" presId="urn:microsoft.com/office/officeart/2005/8/layout/hierarchy1"/>
+    <dgm:cxn modelId="{82C843EB-AE14-4021-A57F-6B10A31D997B}" type="presOf" srcId="{33D06E4F-F42B-4E8B-931F-8390D8A5A393}" destId="{22C3B679-9FAE-4FC8-894B-66DC14451D57}" srcOrd="0" destOrd="0" presId="urn:microsoft.com/office/officeart/2005/8/layout/hierarchy1"/>
+    <dgm:cxn modelId="{3DE488EF-78F4-45CA-A49A-0CCA543ED678}" type="presOf" srcId="{D32D91FF-4902-4648-A2E2-80F7A2078688}" destId="{5A899B2E-4F14-43CD-A63D-1784DDAD89DE}" srcOrd="0" destOrd="0" presId="urn:microsoft.com/office/officeart/2005/8/layout/hierarchy1"/>
+    <dgm:cxn modelId="{89A8C7F0-A6A5-43D3-8A81-BEF3AFA028C1}" type="presOf" srcId="{4DBAB8D6-87D4-4982-AB30-070D1AB43EBB}" destId="{EF4A9C14-486B-48B8-80C2-109BDE4DF407}" srcOrd="0" destOrd="0" presId="urn:microsoft.com/office/officeart/2005/8/layout/hierarchy1"/>
+    <dgm:cxn modelId="{D0B277F1-94CA-4BD5-9E33-C0925F4CB170}" type="presOf" srcId="{AA997B30-05BF-43F6-BC0C-FCF7B5A9A1CA}" destId="{A1A79737-D5E5-4ECF-8E9B-1D79D461C29A}" srcOrd="0" destOrd="0" presId="urn:microsoft.com/office/officeart/2005/8/layout/hierarchy1"/>
+    <dgm:cxn modelId="{1B75F0FE-C5BD-4B8D-A895-7278A130EC4E}" type="presOf" srcId="{03D345A6-1A94-4257-842D-7E029EE70E58}" destId="{CC1AA105-28DB-4F35-8F75-89AC7C252F6C}" srcOrd="0" destOrd="0" presId="urn:microsoft.com/office/officeart/2005/8/layout/hierarchy1"/>
+    <dgm:cxn modelId="{483E8CE9-5A50-482B-8EC1-5D50517B90E3}" type="presParOf" srcId="{FD342FC6-0CB7-4586-813B-B5FC711C4D0C}" destId="{F888765C-F18A-47F2-82AD-1C3671148F8C}" srcOrd="0" destOrd="0" presId="urn:microsoft.com/office/officeart/2005/8/layout/hierarchy1"/>
+    <dgm:cxn modelId="{D044CE85-75E2-42F3-9912-8144BBFC0A0F}" type="presParOf" srcId="{F888765C-F18A-47F2-82AD-1C3671148F8C}" destId="{CFFF20E4-7ED3-4035-822A-83A3B30A745C}" srcOrd="0" destOrd="0" presId="urn:microsoft.com/office/officeart/2005/8/layout/hierarchy1"/>
+    <dgm:cxn modelId="{10CEF94B-EAAB-4C9F-AAB5-8A094863438F}" type="presParOf" srcId="{CFFF20E4-7ED3-4035-822A-83A3B30A745C}" destId="{524A53F2-47D7-440A-9D01-E718226ACC35}" srcOrd="0" destOrd="0" presId="urn:microsoft.com/office/officeart/2005/8/layout/hierarchy1"/>
+    <dgm:cxn modelId="{7E96230B-D732-45DF-B40F-28342AB98349}" type="presParOf" srcId="{CFFF20E4-7ED3-4035-822A-83A3B30A745C}" destId="{A2BFB597-23BE-4EED-A58B-5E822A24E4ED}" srcOrd="1" destOrd="0" presId="urn:microsoft.com/office/officeart/2005/8/layout/hierarchy1"/>
+    <dgm:cxn modelId="{BEAC9A16-D69A-4C3F-BFA5-3D8F9A6BA6C3}" type="presParOf" srcId="{F888765C-F18A-47F2-82AD-1C3671148F8C}" destId="{8C2553E7-7A1B-4C7F-B886-8BAD9D664920}" srcOrd="1" destOrd="0" presId="urn:microsoft.com/office/officeart/2005/8/layout/hierarchy1"/>
+    <dgm:cxn modelId="{4F1D1128-2DF4-4E03-B9B2-BA78D8FFD740}" type="presParOf" srcId="{8C2553E7-7A1B-4C7F-B886-8BAD9D664920}" destId="{D322BB7C-E13A-4452-BF50-EA948F749B06}" srcOrd="0" destOrd="0" presId="urn:microsoft.com/office/officeart/2005/8/layout/hierarchy1"/>
+    <dgm:cxn modelId="{D1EE234C-A2D5-4AC3-8715-46A9E085134C}" type="presParOf" srcId="{8C2553E7-7A1B-4C7F-B886-8BAD9D664920}" destId="{97FD3694-CAFA-490B-B857-FADDE0751D69}" srcOrd="1" destOrd="0" presId="urn:microsoft.com/office/officeart/2005/8/layout/hierarchy1"/>
+    <dgm:cxn modelId="{0758545C-734D-41C1-AAAF-E5ABECADC47F}" type="presParOf" srcId="{97FD3694-CAFA-490B-B857-FADDE0751D69}" destId="{F67D57FD-D7BF-4B1D-B612-B6343F932C6A}" srcOrd="0" destOrd="0" presId="urn:microsoft.com/office/officeart/2005/8/layout/hierarchy1"/>
+    <dgm:cxn modelId="{909B4E8F-E70C-44AF-9501-227FAC7392FA}" type="presParOf" srcId="{F67D57FD-D7BF-4B1D-B612-B6343F932C6A}" destId="{246908E1-8E50-41C4-BAB8-5738D61C85BA}" srcOrd="0" destOrd="0" presId="urn:microsoft.com/office/officeart/2005/8/layout/hierarchy1"/>
+    <dgm:cxn modelId="{DA390BE8-424C-4752-B621-0E2445B67DBB}" type="presParOf" srcId="{F67D57FD-D7BF-4B1D-B612-B6343F932C6A}" destId="{9137FADA-4F18-44AE-B0E1-860BD4F2C390}" srcOrd="1" destOrd="0" presId="urn:microsoft.com/office/officeart/2005/8/layout/hierarchy1"/>
+    <dgm:cxn modelId="{27109C80-7E65-41DE-8D02-BE5DF91E938A}" type="presParOf" srcId="{97FD3694-CAFA-490B-B857-FADDE0751D69}" destId="{0DD4A9E2-7E18-40F2-BBBD-1B0BEFD8FB93}" srcOrd="1" destOrd="0" presId="urn:microsoft.com/office/officeart/2005/8/layout/hierarchy1"/>
+    <dgm:cxn modelId="{5ADE2AA3-B69E-43C0-B99B-A8A3FA2A215C}" type="presParOf" srcId="{8C2553E7-7A1B-4C7F-B886-8BAD9D664920}" destId="{DDD31461-B845-4E2A-ABE1-13B944B3228A}" srcOrd="2" destOrd="0" presId="urn:microsoft.com/office/officeart/2005/8/layout/hierarchy1"/>
+    <dgm:cxn modelId="{4FB9794F-25A4-4672-9656-9A7B8059B976}" type="presParOf" srcId="{8C2553E7-7A1B-4C7F-B886-8BAD9D664920}" destId="{DD77FDD6-10DA-4627-941B-9FF0DB2C7BC4}" srcOrd="3" destOrd="0" presId="urn:microsoft.com/office/officeart/2005/8/layout/hierarchy1"/>
+    <dgm:cxn modelId="{3D93CE8D-7EA0-4DBD-85CE-E210BA02C79F}" type="presParOf" srcId="{DD77FDD6-10DA-4627-941B-9FF0DB2C7BC4}" destId="{E216BE1D-48D2-4983-A0FA-7258205B651B}" srcOrd="0" destOrd="0" presId="urn:microsoft.com/office/officeart/2005/8/layout/hierarchy1"/>
+    <dgm:cxn modelId="{C87F827A-802E-4FE1-A4F8-7F9D05E78612}" type="presParOf" srcId="{E216BE1D-48D2-4983-A0FA-7258205B651B}" destId="{4F579B10-1FA2-4D53-A297-25A9B4E97C21}" srcOrd="0" destOrd="0" presId="urn:microsoft.com/office/officeart/2005/8/layout/hierarchy1"/>
+    <dgm:cxn modelId="{D7C0AFD6-51FC-468F-989B-69E9DB79B47E}" type="presParOf" srcId="{E216BE1D-48D2-4983-A0FA-7258205B651B}" destId="{35E8A070-5D76-4116-BFCE-E313B86D6EC4}" srcOrd="1" destOrd="0" presId="urn:microsoft.com/office/officeart/2005/8/layout/hierarchy1"/>
+    <dgm:cxn modelId="{A9160D7E-D358-4430-A4BA-24EC408A1958}" type="presParOf" srcId="{DD77FDD6-10DA-4627-941B-9FF0DB2C7BC4}" destId="{2795F9F5-BF81-4F40-BEB4-D2CA5AEE9729}" srcOrd="1" destOrd="0" presId="urn:microsoft.com/office/officeart/2005/8/layout/hierarchy1"/>
+    <dgm:cxn modelId="{319A5E14-1F37-4F2D-BDDE-281933AD45E1}" type="presParOf" srcId="{2795F9F5-BF81-4F40-BEB4-D2CA5AEE9729}" destId="{07C37B02-E28A-4A57-890F-367C2528DA3F}" srcOrd="0" destOrd="0" presId="urn:microsoft.com/office/officeart/2005/8/layout/hierarchy1"/>
+    <dgm:cxn modelId="{8AC744FC-5EC3-4958-8A7E-04CA91B99C6D}" type="presParOf" srcId="{2795F9F5-BF81-4F40-BEB4-D2CA5AEE9729}" destId="{7B1BF7B2-25CE-46FD-88A7-97701B18034D}" srcOrd="1" destOrd="0" presId="urn:microsoft.com/office/officeart/2005/8/layout/hierarchy1"/>
+    <dgm:cxn modelId="{2FC9F360-B6AB-47D6-B5EB-9A99B4B9306A}" type="presParOf" srcId="{7B1BF7B2-25CE-46FD-88A7-97701B18034D}" destId="{048019CE-6C74-473D-8F70-C0A994951415}" srcOrd="0" destOrd="0" presId="urn:microsoft.com/office/officeart/2005/8/layout/hierarchy1"/>
+    <dgm:cxn modelId="{6AEF25ED-BC0B-42F2-A6D3-FD255B938FD7}" type="presParOf" srcId="{048019CE-6C74-473D-8F70-C0A994951415}" destId="{69401691-26FA-4DB5-BB5F-B0B61F36642A}" srcOrd="0" destOrd="0" presId="urn:microsoft.com/office/officeart/2005/8/layout/hierarchy1"/>
+    <dgm:cxn modelId="{F874598D-0F98-4B55-8CF8-A2EF1A3194E4}" type="presParOf" srcId="{048019CE-6C74-473D-8F70-C0A994951415}" destId="{CC1AA105-28DB-4F35-8F75-89AC7C252F6C}" srcOrd="1" destOrd="0" presId="urn:microsoft.com/office/officeart/2005/8/layout/hierarchy1"/>
+    <dgm:cxn modelId="{71D0C234-174D-4CF7-B89E-935558AA3055}" type="presParOf" srcId="{7B1BF7B2-25CE-46FD-88A7-97701B18034D}" destId="{D450EAFC-A38C-4C8B-BD91-D998B5DF9504}" srcOrd="1" destOrd="0" presId="urn:microsoft.com/office/officeart/2005/8/layout/hierarchy1"/>
+    <dgm:cxn modelId="{EDCC4031-6D83-4533-B7F5-61A2F8EBCB1B}" type="presParOf" srcId="{8C2553E7-7A1B-4C7F-B886-8BAD9D664920}" destId="{EFA3BF21-C56D-4B21-B3CD-DFB73A1D6393}" srcOrd="4" destOrd="0" presId="urn:microsoft.com/office/officeart/2005/8/layout/hierarchy1"/>
+    <dgm:cxn modelId="{0D4111F1-DB71-4C5D-AC08-111F91B21436}" type="presParOf" srcId="{8C2553E7-7A1B-4C7F-B886-8BAD9D664920}" destId="{30095E83-E744-4395-8217-8D1D5C9F37DB}" srcOrd="5" destOrd="0" presId="urn:microsoft.com/office/officeart/2005/8/layout/hierarchy1"/>
+    <dgm:cxn modelId="{69CA385F-044B-43B2-AADD-4BD22043251E}" type="presParOf" srcId="{30095E83-E744-4395-8217-8D1D5C9F37DB}" destId="{9DC87E1B-7CE5-4643-A7F7-3590FD54841B}" srcOrd="0" destOrd="0" presId="urn:microsoft.com/office/officeart/2005/8/layout/hierarchy1"/>
+    <dgm:cxn modelId="{C085A714-FA17-4CDE-AC41-F2A191CAFC75}" type="presParOf" srcId="{9DC87E1B-7CE5-4643-A7F7-3590FD54841B}" destId="{B984EB51-4188-48D6-AF2E-03E49C260338}" srcOrd="0" destOrd="0" presId="urn:microsoft.com/office/officeart/2005/8/layout/hierarchy1"/>
+    <dgm:cxn modelId="{11A8C8C2-B18B-42B7-9CB2-0217376F5C8D}" type="presParOf" srcId="{9DC87E1B-7CE5-4643-A7F7-3590FD54841B}" destId="{2CDD3B70-6A4B-4BAE-A6C4-F20DBCBAADA8}" srcOrd="1" destOrd="0" presId="urn:microsoft.com/office/officeart/2005/8/layout/hierarchy1"/>
+    <dgm:cxn modelId="{C31FF4B2-AE6C-4815-B484-EE460D2A71B0}" type="presParOf" srcId="{30095E83-E744-4395-8217-8D1D5C9F37DB}" destId="{769E6F91-8D2B-4CD3-9142-C46063EEEF1E}" srcOrd="1" destOrd="0" presId="urn:microsoft.com/office/officeart/2005/8/layout/hierarchy1"/>
+    <dgm:cxn modelId="{4C24903E-3015-4891-BDBB-C9E45CD4FF90}" type="presParOf" srcId="{769E6F91-8D2B-4CD3-9142-C46063EEEF1E}" destId="{1B09154E-4187-4BFC-97EC-2324F8F02CF1}" srcOrd="0" destOrd="0" presId="urn:microsoft.com/office/officeart/2005/8/layout/hierarchy1"/>
+    <dgm:cxn modelId="{36366525-CCEB-43C2-8C75-D6E00D3F75E6}" type="presParOf" srcId="{769E6F91-8D2B-4CD3-9142-C46063EEEF1E}" destId="{87CDBABE-46B2-4F7B-ACDD-E4EAFD25AD66}" srcOrd="1" destOrd="0" presId="urn:microsoft.com/office/officeart/2005/8/layout/hierarchy1"/>
+    <dgm:cxn modelId="{DC2BA280-0C0C-4E02-A858-C8552C0F28E2}" type="presParOf" srcId="{87CDBABE-46B2-4F7B-ACDD-E4EAFD25AD66}" destId="{267E776A-BC8D-4BEE-8241-C4A393AF3DEB}" srcOrd="0" destOrd="0" presId="urn:microsoft.com/office/officeart/2005/8/layout/hierarchy1"/>
+    <dgm:cxn modelId="{E98FE311-8624-46CE-A2FE-5AAF5CCD4E11}" type="presParOf" srcId="{267E776A-BC8D-4BEE-8241-C4A393AF3DEB}" destId="{BD72AEC4-67D8-4A51-9302-BA51C3E6BE7F}" srcOrd="0" destOrd="0" presId="urn:microsoft.com/office/officeart/2005/8/layout/hierarchy1"/>
+    <dgm:cxn modelId="{F7F1CCE2-AEB3-4347-8ACD-36429521592A}" type="presParOf" srcId="{267E776A-BC8D-4BEE-8241-C4A393AF3DEB}" destId="{5823D4C0-DF43-40BB-87F7-48CB3AE4C14F}" srcOrd="1" destOrd="0" presId="urn:microsoft.com/office/officeart/2005/8/layout/hierarchy1"/>
+    <dgm:cxn modelId="{DC31C65B-3279-4963-BD54-FC96DF1CA2EB}" type="presParOf" srcId="{87CDBABE-46B2-4F7B-ACDD-E4EAFD25AD66}" destId="{AD991B15-AE85-438E-AFB9-C42502D810A4}" srcOrd="1" destOrd="0" presId="urn:microsoft.com/office/officeart/2005/8/layout/hierarchy1"/>
+    <dgm:cxn modelId="{E48475AD-1F69-4194-81F4-211A61A77CED}" type="presParOf" srcId="{AD991B15-AE85-438E-AFB9-C42502D810A4}" destId="{EF4A9C14-486B-48B8-80C2-109BDE4DF407}" srcOrd="0" destOrd="0" presId="urn:microsoft.com/office/officeart/2005/8/layout/hierarchy1"/>
+    <dgm:cxn modelId="{2977AE77-0D84-44DF-85CB-8D1AC2A27654}" type="presParOf" srcId="{AD991B15-AE85-438E-AFB9-C42502D810A4}" destId="{3DA14203-91C4-4975-AF81-268B3DE05E3B}" srcOrd="1" destOrd="0" presId="urn:microsoft.com/office/officeart/2005/8/layout/hierarchy1"/>
+    <dgm:cxn modelId="{A991E9A4-E4D8-41D0-AFDB-7E723A8951CE}" type="presParOf" srcId="{3DA14203-91C4-4975-AF81-268B3DE05E3B}" destId="{27A6EB39-943A-4575-BCBA-BE17ECAA77BE}" srcOrd="0" destOrd="0" presId="urn:microsoft.com/office/officeart/2005/8/layout/hierarchy1"/>
+    <dgm:cxn modelId="{483D7B11-AEBC-4131-892D-9E5DB1641C22}" type="presParOf" srcId="{27A6EB39-943A-4575-BCBA-BE17ECAA77BE}" destId="{1135A661-3AA5-47D0-B414-EE1D3FF1CB36}" srcOrd="0" destOrd="0" presId="urn:microsoft.com/office/officeart/2005/8/layout/hierarchy1"/>
+    <dgm:cxn modelId="{282291CD-E9F2-41B5-A253-EEEF611997D5}" type="presParOf" srcId="{27A6EB39-943A-4575-BCBA-BE17ECAA77BE}" destId="{EE04645E-1F6A-4AEB-A6D8-A564AB066187}" srcOrd="1" destOrd="0" presId="urn:microsoft.com/office/officeart/2005/8/layout/hierarchy1"/>
+    <dgm:cxn modelId="{3CF46D9C-D092-4CA1-BC5F-58771D66085D}" type="presParOf" srcId="{3DA14203-91C4-4975-AF81-268B3DE05E3B}" destId="{F11A84AB-9E81-4A8C-8196-863819055BD4}" srcOrd="1" destOrd="0" presId="urn:microsoft.com/office/officeart/2005/8/layout/hierarchy1"/>
+    <dgm:cxn modelId="{D4B04624-B93C-43A8-9B06-5604D4622190}" type="presParOf" srcId="{AD991B15-AE85-438E-AFB9-C42502D810A4}" destId="{6D3B9EBF-1E7B-4022-A98C-AD6CC1ECA872}" srcOrd="2" destOrd="0" presId="urn:microsoft.com/office/officeart/2005/8/layout/hierarchy1"/>
+    <dgm:cxn modelId="{38E2B3CF-184F-4EC3-AF93-A3819AC3C05B}" type="presParOf" srcId="{AD991B15-AE85-438E-AFB9-C42502D810A4}" destId="{056CAF2A-C065-4636-A548-2D85488C0A8D}" srcOrd="3" destOrd="0" presId="urn:microsoft.com/office/officeart/2005/8/layout/hierarchy1"/>
+    <dgm:cxn modelId="{4F6EF135-1881-41F1-8440-B0D0D3662995}" type="presParOf" srcId="{056CAF2A-C065-4636-A548-2D85488C0A8D}" destId="{FAF47704-A943-461F-8098-696080623A47}" srcOrd="0" destOrd="0" presId="urn:microsoft.com/office/officeart/2005/8/layout/hierarchy1"/>
+    <dgm:cxn modelId="{5FB9C5FC-CA27-4C87-858A-EC4CC4DCC401}" type="presParOf" srcId="{FAF47704-A943-461F-8098-696080623A47}" destId="{9ECE66F5-BC1A-4C8C-8EE1-21FE72706B7B}" srcOrd="0" destOrd="0" presId="urn:microsoft.com/office/officeart/2005/8/layout/hierarchy1"/>
+    <dgm:cxn modelId="{991DD53C-798B-4690-B863-7EFEE441784A}" type="presParOf" srcId="{FAF47704-A943-461F-8098-696080623A47}" destId="{B68759EA-10FE-47CA-9A7E-3EC1FA1D8B3A}" srcOrd="1" destOrd="0" presId="urn:microsoft.com/office/officeart/2005/8/layout/hierarchy1"/>
+    <dgm:cxn modelId="{D38A9F1B-709D-4938-9E67-2459CC19C9D5}" type="presParOf" srcId="{056CAF2A-C065-4636-A548-2D85488C0A8D}" destId="{4122BF79-FCFF-407B-8627-B93C0E474EA5}" srcOrd="1" destOrd="0" presId="urn:microsoft.com/office/officeart/2005/8/layout/hierarchy1"/>
+    <dgm:cxn modelId="{4126A1FB-B6A5-497E-8C00-9C04F18D8B14}" type="presParOf" srcId="{769E6F91-8D2B-4CD3-9142-C46063EEEF1E}" destId="{50BE4EB5-65EA-4795-A47F-E6E88EED7DD0}" srcOrd="2" destOrd="0" presId="urn:microsoft.com/office/officeart/2005/8/layout/hierarchy1"/>
+    <dgm:cxn modelId="{2BD60EB4-7DD9-483B-82E8-35376604E84E}" type="presParOf" srcId="{769E6F91-8D2B-4CD3-9142-C46063EEEF1E}" destId="{886085F7-6936-40C7-827A-B1C78927BCA4}" srcOrd="3" destOrd="0" presId="urn:microsoft.com/office/officeart/2005/8/layout/hierarchy1"/>
+    <dgm:cxn modelId="{0001CBBC-EDFB-455E-82E5-47D744ED22C1}" type="presParOf" srcId="{886085F7-6936-40C7-827A-B1C78927BCA4}" destId="{37A6653B-ADC3-40F4-90BB-672C6F8E025E}" srcOrd="0" destOrd="0" presId="urn:microsoft.com/office/officeart/2005/8/layout/hierarchy1"/>
+    <dgm:cxn modelId="{B37ACBE5-6C64-4492-B925-35F5D6AA3763}" type="presParOf" srcId="{37A6653B-ADC3-40F4-90BB-672C6F8E025E}" destId="{4AB82593-CB77-44F2-A385-9CE9ABB2507A}" srcOrd="0" destOrd="0" presId="urn:microsoft.com/office/officeart/2005/8/layout/hierarchy1"/>
+    <dgm:cxn modelId="{BF5B07FA-1F6E-4A7A-A405-5306F03BD0B5}" type="presParOf" srcId="{37A6653B-ADC3-40F4-90BB-672C6F8E025E}" destId="{A1A79737-D5E5-4ECF-8E9B-1D79D461C29A}" srcOrd="1" destOrd="0" presId="urn:microsoft.com/office/officeart/2005/8/layout/hierarchy1"/>
+    <dgm:cxn modelId="{0D2A3FB1-C7A9-405F-BB3C-CAF22732FC84}" type="presParOf" srcId="{886085F7-6936-40C7-827A-B1C78927BCA4}" destId="{E51D389B-0FA8-498D-85E5-9C9AEC2E8720}" srcOrd="1" destOrd="0" presId="urn:microsoft.com/office/officeart/2005/8/layout/hierarchy1"/>
+    <dgm:cxn modelId="{54AB3E5F-98A1-4EAD-88CE-FF5AAB6C17E0}" type="presParOf" srcId="{E51D389B-0FA8-498D-85E5-9C9AEC2E8720}" destId="{5A899B2E-4F14-43CD-A63D-1784DDAD89DE}" srcOrd="0" destOrd="0" presId="urn:microsoft.com/office/officeart/2005/8/layout/hierarchy1"/>
+    <dgm:cxn modelId="{85C2446C-9FDA-455F-9383-2BCDFD741729}" type="presParOf" srcId="{E51D389B-0FA8-498D-85E5-9C9AEC2E8720}" destId="{8BEF1895-6797-47F1-BF77-DB47B9FCC5D1}" srcOrd="1" destOrd="0" presId="urn:microsoft.com/office/officeart/2005/8/layout/hierarchy1"/>
+    <dgm:cxn modelId="{E6FEECC6-ACF5-4520-92D8-586589F9785C}" type="presParOf" srcId="{8BEF1895-6797-47F1-BF77-DB47B9FCC5D1}" destId="{BB449477-6A9B-4283-A3B7-F6841022A0CE}" srcOrd="0" destOrd="0" presId="urn:microsoft.com/office/officeart/2005/8/layout/hierarchy1"/>
+    <dgm:cxn modelId="{BA4BC0AC-7619-4A95-9962-A9D3732555CF}" type="presParOf" srcId="{BB449477-6A9B-4283-A3B7-F6841022A0CE}" destId="{90FEB9F1-61D2-4C1E-86E2-42B0129D4D6D}" srcOrd="0" destOrd="0" presId="urn:microsoft.com/office/officeart/2005/8/layout/hierarchy1"/>
+    <dgm:cxn modelId="{42D6BF74-BD01-4A6F-8E98-5B80BC620474}" type="presParOf" srcId="{BB449477-6A9B-4283-A3B7-F6841022A0CE}" destId="{22C3B679-9FAE-4FC8-894B-66DC14451D57}" srcOrd="1" destOrd="0" presId="urn:microsoft.com/office/officeart/2005/8/layout/hierarchy1"/>
+    <dgm:cxn modelId="{8A574A0E-F4F0-4C09-A8EC-879FC8C0B345}" type="presParOf" srcId="{8BEF1895-6797-47F1-BF77-DB47B9FCC5D1}" destId="{D2B8814F-23AC-471D-B22A-94F6157CBD9B}" srcOrd="1" destOrd="0" presId="urn:microsoft.com/office/officeart/2005/8/layout/hierarchy1"/>
+    <dgm:cxn modelId="{2EAE2DFD-94CB-4D84-92B0-E3255FECA9C8}" type="presParOf" srcId="{E51D389B-0FA8-498D-85E5-9C9AEC2E8720}" destId="{1DA0D92B-438E-4C1E-9EE6-1C16EA4EB2B5}" srcOrd="2" destOrd="0" presId="urn:microsoft.com/office/officeart/2005/8/layout/hierarchy1"/>
+    <dgm:cxn modelId="{8576C9B8-6E1A-4407-A374-34F3B254F828}" type="presParOf" srcId="{E51D389B-0FA8-498D-85E5-9C9AEC2E8720}" destId="{F6915716-5A82-4E3C-A08A-B2F482B47040}" srcOrd="3" destOrd="0" presId="urn:microsoft.com/office/officeart/2005/8/layout/hierarchy1"/>
+    <dgm:cxn modelId="{1BD69525-4208-4374-A969-9C749F607AE0}" type="presParOf" srcId="{F6915716-5A82-4E3C-A08A-B2F482B47040}" destId="{74D217F9-20FF-4D57-80C4-C634A7FCD1D6}" srcOrd="0" destOrd="0" presId="urn:microsoft.com/office/officeart/2005/8/layout/hierarchy1"/>
+    <dgm:cxn modelId="{6C65237F-E7FF-4FC9-9A30-1705B7466F6D}" type="presParOf" srcId="{74D217F9-20FF-4D57-80C4-C634A7FCD1D6}" destId="{CC9143DC-89BB-4298-85B9-BC4A5918F336}" srcOrd="0" destOrd="0" presId="urn:microsoft.com/office/officeart/2005/8/layout/hierarchy1"/>
+    <dgm:cxn modelId="{FA0AB182-977D-495F-B019-B944BC1E12CC}" type="presParOf" srcId="{74D217F9-20FF-4D57-80C4-C634A7FCD1D6}" destId="{90B32026-FFAF-424D-8EF5-A531EB322B24}" srcOrd="1" destOrd="0" presId="urn:microsoft.com/office/officeart/2005/8/layout/hierarchy1"/>
+    <dgm:cxn modelId="{CF189BC2-605B-4657-82E8-83B86B68B060}" type="presParOf" srcId="{F6915716-5A82-4E3C-A08A-B2F482B47040}" destId="{70F972C0-AD05-492D-A621-2E62D4A6BE90}" srcOrd="1" destOrd="0" presId="urn:microsoft.com/office/officeart/2005/8/layout/hierarchy1"/>
+    <dgm:cxn modelId="{9D7F81A6-643E-49D0-91D0-BC2A1855BB72}" type="presParOf" srcId="{769E6F91-8D2B-4CD3-9142-C46063EEEF1E}" destId="{9EF58F7D-82F6-47B8-BA2E-E36B60047E88}" srcOrd="4" destOrd="0" presId="urn:microsoft.com/office/officeart/2005/8/layout/hierarchy1"/>
+    <dgm:cxn modelId="{5FB877DB-CA47-4ECF-BCA0-9554017C682E}" type="presParOf" srcId="{769E6F91-8D2B-4CD3-9142-C46063EEEF1E}" destId="{DB156D29-7BD6-4F49-9A2F-F2F24A9795D2}" srcOrd="5" destOrd="0" presId="urn:microsoft.com/office/officeart/2005/8/layout/hierarchy1"/>
+    <dgm:cxn modelId="{14030A8D-681C-41A1-9ADE-F15BE501E4CA}" type="presParOf" srcId="{DB156D29-7BD6-4F49-9A2F-F2F24A9795D2}" destId="{39B13533-6A9A-4B90-A1DB-CFA423D1EB30}" srcOrd="0" destOrd="0" presId="urn:microsoft.com/office/officeart/2005/8/layout/hierarchy1"/>
+    <dgm:cxn modelId="{BDAA3F68-7565-46F9-9D8F-173386E62C08}" type="presParOf" srcId="{39B13533-6A9A-4B90-A1DB-CFA423D1EB30}" destId="{36249478-2A69-44C8-99A0-9D95F01462EB}" srcOrd="0" destOrd="0" presId="urn:microsoft.com/office/officeart/2005/8/layout/hierarchy1"/>
+    <dgm:cxn modelId="{AF717A17-B4A2-458D-9C2F-8B788D774BAD}" type="presParOf" srcId="{39B13533-6A9A-4B90-A1DB-CFA423D1EB30}" destId="{879C7149-15BC-4CCB-A468-2E697D248BBF}" srcOrd="1" destOrd="0" presId="urn:microsoft.com/office/officeart/2005/8/layout/hierarchy1"/>
+    <dgm:cxn modelId="{081FD627-BF34-432E-BF24-0E5F02B38781}" type="presParOf" srcId="{DB156D29-7BD6-4F49-9A2F-F2F24A9795D2}" destId="{41D2B65D-8D7C-4C2B-983D-D56B6EAC9E15}" srcOrd="1" destOrd="0" presId="urn:microsoft.com/office/officeart/2005/8/layout/hierarchy1"/>
+    <dgm:cxn modelId="{A3421C73-1ACA-4402-887C-48035945223F}" type="presParOf" srcId="{41D2B65D-8D7C-4C2B-983D-D56B6EAC9E15}" destId="{5FA11BFD-A649-4BCC-A37F-EE31F0B9506D}" srcOrd="0" destOrd="0" presId="urn:microsoft.com/office/officeart/2005/8/layout/hierarchy1"/>
+    <dgm:cxn modelId="{382A478D-F8FE-4BD9-BCEB-1810BA758AFF}" type="presParOf" srcId="{41D2B65D-8D7C-4C2B-983D-D56B6EAC9E15}" destId="{6813D679-37AB-4224-95F1-388929AE6A5F}" srcOrd="1" destOrd="0" presId="urn:microsoft.com/office/officeart/2005/8/layout/hierarchy1"/>
+    <dgm:cxn modelId="{9A029662-B609-415F-98A1-34655A20CE15}" type="presParOf" srcId="{6813D679-37AB-4224-95F1-388929AE6A5F}" destId="{E7E8999E-94DF-429B-A072-C3D094C52E5B}" srcOrd="0" destOrd="0" presId="urn:microsoft.com/office/officeart/2005/8/layout/hierarchy1"/>
+    <dgm:cxn modelId="{CEC3DFC9-655E-4A44-852D-44268BD393D2}" type="presParOf" srcId="{E7E8999E-94DF-429B-A072-C3D094C52E5B}" destId="{4CA0F8CB-AE58-430D-858A-8C1C8E1E2BDF}" srcOrd="0" destOrd="0" presId="urn:microsoft.com/office/officeart/2005/8/layout/hierarchy1"/>
+    <dgm:cxn modelId="{1E36B5AA-70C3-4917-9C2B-DAC7F7383F61}" type="presParOf" srcId="{E7E8999E-94DF-429B-A072-C3D094C52E5B}" destId="{B63E313F-C1C7-4EED-8C1F-EEDC87A81FEE}" srcOrd="1" destOrd="0" presId="urn:microsoft.com/office/officeart/2005/8/layout/hierarchy1"/>
+    <dgm:cxn modelId="{3171135B-7764-4749-9DA7-538FBA0CF44D}" type="presParOf" srcId="{6813D679-37AB-4224-95F1-388929AE6A5F}" destId="{39A24935-4E13-47B5-91B1-C412E329BBF8}" srcOrd="1" destOrd="0" presId="urn:microsoft.com/office/officeart/2005/8/layout/hierarchy1"/>
+    <dgm:cxn modelId="{8758DAE2-2EDB-4845-8460-2044DCB75EB7}" type="presParOf" srcId="{41D2B65D-8D7C-4C2B-983D-D56B6EAC9E15}" destId="{048A938F-FF30-447C-98A4-66209AC45D4E}" srcOrd="2" destOrd="0" presId="urn:microsoft.com/office/officeart/2005/8/layout/hierarchy1"/>
+    <dgm:cxn modelId="{B00E4031-EEAF-406D-A614-B38EDBF02F0D}" type="presParOf" srcId="{41D2B65D-8D7C-4C2B-983D-D56B6EAC9E15}" destId="{394E3CB1-BBA8-405E-A5EE-3D9A7C24D461}" srcOrd="3" destOrd="0" presId="urn:microsoft.com/office/officeart/2005/8/layout/hierarchy1"/>
+    <dgm:cxn modelId="{085C9620-3100-42F9-9B8D-5E937E3ABDCC}" type="presParOf" srcId="{394E3CB1-BBA8-405E-A5EE-3D9A7C24D461}" destId="{EA89323D-E3D2-450E-9E13-5917388F6FF4}" srcOrd="0" destOrd="0" presId="urn:microsoft.com/office/officeart/2005/8/layout/hierarchy1"/>
+    <dgm:cxn modelId="{B6D57A34-E704-4673-A504-D748FEF38D03}" type="presParOf" srcId="{EA89323D-E3D2-450E-9E13-5917388F6FF4}" destId="{5F006663-1975-4744-9D09-A2E1870E1A87}" srcOrd="0" destOrd="0" presId="urn:microsoft.com/office/officeart/2005/8/layout/hierarchy1"/>
+    <dgm:cxn modelId="{B58254C0-471B-4F8B-9A92-52DF725E2034}" type="presParOf" srcId="{EA89323D-E3D2-450E-9E13-5917388F6FF4}" destId="{22CC8A8F-FF5E-4B76-991F-6B73E2D8DEE4}" srcOrd="1" destOrd="0" presId="urn:microsoft.com/office/officeart/2005/8/layout/hierarchy1"/>
+    <dgm:cxn modelId="{57FA73F6-72E0-4A64-B63D-A58DEBDAEEB2}" type="presParOf" srcId="{394E3CB1-BBA8-405E-A5EE-3D9A7C24D461}" destId="{90760FEB-A43F-4842-862E-61BA11172078}" srcOrd="1" destOrd="0" presId="urn:microsoft.com/office/officeart/2005/8/layout/hierarchy1"/>
+  </dgm:cxnLst>
+  <dgm:bg/>
+  <dgm:whole/>
+  <dgm:extLst>
+    <a:ext uri="http://schemas.microsoft.com/office/drawing/2008/diagram">
+      <dsp:dataModelExt xmlns:dsp="http://schemas.microsoft.com/office/drawing/2008/diagram" relId="rId6" minVer="http://schemas.openxmlformats.org/drawingml/2006/diagram"/>
+    </a:ext>
+  </dgm:extLst>
+</dgm:dataModel>
+</file>
+
+<file path=ppt/diagrams/data7.xml><?xml version="1.0" encoding="utf-8"?>
+<dgm:dataModel xmlns:dgm="http://schemas.openxmlformats.org/drawingml/2006/diagram" xmlns:a="http://schemas.openxmlformats.org/drawingml/2006/main">
+  <dgm:ptLst>
+    <dgm:pt modelId="{95BB7939-8913-4B3C-8916-30ABC495FDED}" type="doc">
+      <dgm:prSet loTypeId="urn:microsoft.com/office/officeart/2005/8/layout/hierarchy1" loCatId="hierarchy" qsTypeId="urn:microsoft.com/office/officeart/2005/8/quickstyle/simple1" qsCatId="simple" csTypeId="urn:microsoft.com/office/officeart/2005/8/colors/accent1_2" csCatId="accent1" phldr="1"/>
+      <dgm:spPr/>
+      <dgm:t>
+        <a:bodyPr/>
+        <a:lstStyle/>
+        <a:p>
+          <a:pPr latinLnBrk="1"/>
+          <a:endParaRPr lang="ko-KR" altLang="en-US"/>
+        </a:p>
+      </dgm:t>
+    </dgm:pt>
+    <dgm:pt modelId="{A76B50C3-AF9A-4BFA-AA31-E8622AE3CEDE}">
+      <dgm:prSet phldrT="[텍스트]" custT="1"/>
+      <dgm:spPr/>
+      <dgm:t>
+        <a:bodyPr/>
+        <a:lstStyle/>
+        <a:p>
+          <a:pPr latinLnBrk="1"/>
+          <a:r>
+            <a:rPr lang="en-US" altLang="ko-KR" sz="1000"/>
+            <a:t>Model</a:t>
+          </a:r>
+          <a:endParaRPr lang="ko-KR" altLang="en-US" sz="1000" b="1">
+            <a:solidFill>
+              <a:srgbClr val="FF0000"/>
+            </a:solidFill>
+          </a:endParaRPr>
+        </a:p>
+      </dgm:t>
+    </dgm:pt>
+    <dgm:pt modelId="{624EBC63-F38A-4FCD-8077-8C3E4163EAF7}" type="parTrans" cxnId="{1BFB67B7-B6C1-429B-8429-0F37C0A0994C}">
+      <dgm:prSet/>
+      <dgm:spPr/>
+      <dgm:t>
+        <a:bodyPr/>
+        <a:lstStyle/>
+        <a:p>
+          <a:pPr latinLnBrk="1"/>
+          <a:endParaRPr lang="ko-KR" altLang="en-US"/>
+        </a:p>
+      </dgm:t>
+    </dgm:pt>
+    <dgm:pt modelId="{93CC81A4-A403-47AF-A3E6-37CEA407E556}" type="sibTrans" cxnId="{1BFB67B7-B6C1-429B-8429-0F37C0A0994C}">
+      <dgm:prSet/>
+      <dgm:spPr/>
+      <dgm:t>
+        <a:bodyPr/>
+        <a:lstStyle/>
+        <a:p>
+          <a:pPr latinLnBrk="1"/>
+          <a:endParaRPr lang="ko-KR" altLang="en-US"/>
+        </a:p>
+      </dgm:t>
+    </dgm:pt>
+    <dgm:pt modelId="{75C2E9D3-D15E-4C2B-AAE3-1BDF3FD3B2E9}">
+      <dgm:prSet phldrT="[텍스트]" custT="1"/>
+      <dgm:spPr/>
+      <dgm:t>
+        <a:bodyPr/>
+        <a:lstStyle/>
+        <a:p>
+          <a:pPr latinLnBrk="1"/>
+          <a:r>
+            <a:rPr lang="en-US" altLang="ko-KR" sz="1000" b="1">
+              <a:solidFill>
+                <a:srgbClr val="FF0000"/>
+              </a:solidFill>
+            </a:rPr>
+            <a:t>Controller</a:t>
+          </a:r>
+          <a:endParaRPr lang="ko-KR" altLang="en-US" sz="1000" b="1">
+            <a:solidFill>
+              <a:srgbClr val="FF0000"/>
+            </a:solidFill>
+          </a:endParaRPr>
+        </a:p>
+      </dgm:t>
+    </dgm:pt>
+    <dgm:pt modelId="{9FC99459-3621-4EFC-9211-8287486456A7}" type="parTrans" cxnId="{B73B987D-6097-4B35-B704-62EF1345E002}">
+      <dgm:prSet/>
+      <dgm:spPr/>
+      <dgm:t>
+        <a:bodyPr/>
+        <a:lstStyle/>
+        <a:p>
+          <a:pPr latinLnBrk="1"/>
+          <a:endParaRPr lang="ko-KR" altLang="en-US"/>
+        </a:p>
+      </dgm:t>
+    </dgm:pt>
+    <dgm:pt modelId="{980B5443-3CCF-4CB9-A0CB-391BD85251A3}" type="sibTrans" cxnId="{B73B987D-6097-4B35-B704-62EF1345E002}">
+      <dgm:prSet/>
+      <dgm:spPr/>
+      <dgm:t>
+        <a:bodyPr/>
+        <a:lstStyle/>
+        <a:p>
+          <a:pPr latinLnBrk="1"/>
+          <a:endParaRPr lang="ko-KR" altLang="en-US"/>
+        </a:p>
+      </dgm:t>
+    </dgm:pt>
+    <dgm:pt modelId="{8EA59DA5-0E52-49AD-8DE9-EAAABE70D1AB}">
+      <dgm:prSet phldrT="[텍스트]" custT="1"/>
+      <dgm:spPr/>
+      <dgm:t>
+        <a:bodyPr/>
+        <a:lstStyle/>
+        <a:p>
+          <a:pPr latinLnBrk="1"/>
+          <a:r>
+            <a:rPr lang="en-US" altLang="ko-KR" sz="1000" b="1">
+              <a:solidFill>
+                <a:srgbClr val="FF0000"/>
+              </a:solidFill>
+            </a:rPr>
+            <a:t>AddressMap</a:t>
+          </a:r>
+          <a:endParaRPr lang="ko-KR" altLang="en-US" sz="1000" b="1">
+            <a:solidFill>
+              <a:srgbClr val="FF0000"/>
+            </a:solidFill>
+          </a:endParaRPr>
+        </a:p>
+      </dgm:t>
+    </dgm:pt>
+    <dgm:pt modelId="{2BE9CA1F-D39D-460C-882C-7420CF928D16}" type="parTrans" cxnId="{D8ADAE59-4653-4F90-836E-03202B70E538}">
+      <dgm:prSet/>
+      <dgm:spPr/>
+      <dgm:t>
+        <a:bodyPr/>
+        <a:lstStyle/>
+        <a:p>
+          <a:pPr latinLnBrk="1"/>
+          <a:endParaRPr lang="ko-KR" altLang="en-US"/>
+        </a:p>
+      </dgm:t>
+    </dgm:pt>
+    <dgm:pt modelId="{E2BE6255-E7C1-41F4-9251-2AD3973EB298}" type="sibTrans" cxnId="{D8ADAE59-4653-4F90-836E-03202B70E538}">
+      <dgm:prSet/>
+      <dgm:spPr/>
+      <dgm:t>
+        <a:bodyPr/>
+        <a:lstStyle/>
+        <a:p>
+          <a:pPr latinLnBrk="1"/>
+          <a:endParaRPr lang="ko-KR" altLang="en-US"/>
+        </a:p>
+      </dgm:t>
+    </dgm:pt>
+    <dgm:pt modelId="{AA2F1584-E706-4521-939A-01207AE207E9}">
       <dgm:prSet phldrT="[텍스트]" custT="1"/>
       <dgm:spPr/>
       <dgm:t>
@@ -7168,7 +8520,7 @@
         </a:p>
       </dgm:t>
     </dgm:pt>
-    <dgm:pt modelId="{70446484-9994-4C59-8A65-45B9801F582A}" type="parTrans" cxnId="{F76EEB0E-D18A-46A4-B1CD-779FBE2C8763}">
+    <dgm:pt modelId="{99BA4B55-01B7-4043-B9FC-C908D7296434}" type="parTrans" cxnId="{D362BFE9-0B2B-4470-99F5-8835F9A63B4D}">
       <dgm:prSet/>
       <dgm:spPr/>
       <dgm:t>
@@ -7180,7 +8532,7 @@
         </a:p>
       </dgm:t>
     </dgm:pt>
-    <dgm:pt modelId="{6B09F57B-CF81-4EF7-B4B3-3DF958098193}" type="sibTrans" cxnId="{F76EEB0E-D18A-46A4-B1CD-779FBE2C8763}">
+    <dgm:pt modelId="{99DF86DC-2350-42FC-B4EA-F61337A71827}" type="sibTrans" cxnId="{D362BFE9-0B2B-4470-99F5-8835F9A63B4D}">
       <dgm:prSet/>
       <dgm:spPr/>
       <dgm:t>
@@ -7204,638 +8556,157 @@
       </dgm:prSet>
       <dgm:spPr/>
     </dgm:pt>
-    <dgm:pt modelId="{F309900B-690C-4C38-9363-E291EAA2940C}" type="pres">
-      <dgm:prSet presAssocID="{AD398B6B-EC4E-481E-A661-FF09226CCCB8}" presName="hierRoot1" presStyleCnt="0"/>
+    <dgm:pt modelId="{E05B75A5-D352-43AC-93A6-8A5AB11F19E2}" type="pres">
+      <dgm:prSet presAssocID="{A76B50C3-AF9A-4BFA-AA31-E8622AE3CEDE}" presName="hierRoot1" presStyleCnt="0"/>
       <dgm:spPr/>
     </dgm:pt>
-    <dgm:pt modelId="{B2230478-1F87-4955-A454-3FE6EFC9F7AD}" type="pres">
-      <dgm:prSet presAssocID="{AD398B6B-EC4E-481E-A661-FF09226CCCB8}" presName="composite" presStyleCnt="0"/>
+    <dgm:pt modelId="{6B891DEB-087B-4903-A3FB-46EACF02429C}" type="pres">
+      <dgm:prSet presAssocID="{A76B50C3-AF9A-4BFA-AA31-E8622AE3CEDE}" presName="composite" presStyleCnt="0"/>
       <dgm:spPr/>
     </dgm:pt>
-    <dgm:pt modelId="{AFCF13D7-0DED-4BD1-A055-60E0B68BD4B1}" type="pres">
-      <dgm:prSet presAssocID="{AD398B6B-EC4E-481E-A661-FF09226CCCB8}" presName="background" presStyleLbl="node0" presStyleIdx="0" presStyleCnt="1"/>
+    <dgm:pt modelId="{95544506-DCD0-4732-84D3-F137EC30B18B}" type="pres">
+      <dgm:prSet presAssocID="{A76B50C3-AF9A-4BFA-AA31-E8622AE3CEDE}" presName="background" presStyleLbl="node0" presStyleIdx="0" presStyleCnt="1"/>
       <dgm:spPr/>
     </dgm:pt>
-    <dgm:pt modelId="{1C1727CD-0295-4143-B4AD-6B08DD888B4B}" type="pres">
-      <dgm:prSet presAssocID="{AD398B6B-EC4E-481E-A661-FF09226CCCB8}" presName="text" presStyleLbl="fgAcc0" presStyleIdx="0" presStyleCnt="1">
+    <dgm:pt modelId="{CD14573F-E355-44A1-9D05-97D98CDB0F2F}" type="pres">
+      <dgm:prSet presAssocID="{A76B50C3-AF9A-4BFA-AA31-E8622AE3CEDE}" presName="text" presStyleLbl="fgAcc0" presStyleIdx="0" presStyleCnt="1">
         <dgm:presLayoutVars>
           <dgm:chPref val="3"/>
         </dgm:presLayoutVars>
       </dgm:prSet>
       <dgm:spPr/>
     </dgm:pt>
-    <dgm:pt modelId="{1FC3D7B3-8EE8-4CBD-9508-8D3518DB1E78}" type="pres">
-      <dgm:prSet presAssocID="{AD398B6B-EC4E-481E-A661-FF09226CCCB8}" presName="hierChild2" presStyleCnt="0"/>
+    <dgm:pt modelId="{01E44220-B41A-4F8D-8053-8C9D27ADCB69}" type="pres">
+      <dgm:prSet presAssocID="{A76B50C3-AF9A-4BFA-AA31-E8622AE3CEDE}" presName="hierChild2" presStyleCnt="0"/>
       <dgm:spPr/>
     </dgm:pt>
-    <dgm:pt modelId="{7D49C101-E155-4EEC-B8CF-49F774ADFDFD}" type="pres">
-      <dgm:prSet presAssocID="{BB6C4CE5-3970-45CB-ABE3-A43037D05669}" presName="Name10" presStyleLbl="parChTrans1D2" presStyleIdx="0" presStyleCnt="6"/>
+    <dgm:pt modelId="{6723C8A6-3BAA-47F0-A866-13A7CB98F77E}" type="pres">
+      <dgm:prSet presAssocID="{9FC99459-3621-4EFC-9211-8287486456A7}" presName="Name10" presStyleLbl="parChTrans1D2" presStyleIdx="0" presStyleCnt="3"/>
       <dgm:spPr/>
     </dgm:pt>
-    <dgm:pt modelId="{AE70B2D8-AD39-4D2B-8302-C9153AE085B4}" type="pres">
-      <dgm:prSet presAssocID="{AE2F2950-4DA2-4B5C-B409-C3EAC91A1BEE}" presName="hierRoot2" presStyleCnt="0"/>
+    <dgm:pt modelId="{8365E282-303E-40FD-B626-E3AA5E89AA92}" type="pres">
+      <dgm:prSet presAssocID="{75C2E9D3-D15E-4C2B-AAE3-1BDF3FD3B2E9}" presName="hierRoot2" presStyleCnt="0"/>
       <dgm:spPr/>
     </dgm:pt>
-    <dgm:pt modelId="{871FBF59-0C42-44FB-9F42-2F4221F10375}" type="pres">
-      <dgm:prSet presAssocID="{AE2F2950-4DA2-4B5C-B409-C3EAC91A1BEE}" presName="composite2" presStyleCnt="0"/>
+    <dgm:pt modelId="{00CDC95B-DA65-4151-97C2-A500735FB825}" type="pres">
+      <dgm:prSet presAssocID="{75C2E9D3-D15E-4C2B-AAE3-1BDF3FD3B2E9}" presName="composite2" presStyleCnt="0"/>
       <dgm:spPr/>
     </dgm:pt>
-    <dgm:pt modelId="{5EE171E9-3478-4A53-80CF-B7AB9DD322AE}" type="pres">
-      <dgm:prSet presAssocID="{AE2F2950-4DA2-4B5C-B409-C3EAC91A1BEE}" presName="background2" presStyleLbl="node2" presStyleIdx="0" presStyleCnt="6"/>
+    <dgm:pt modelId="{AE11E54F-6481-40AE-8472-D904D41AD008}" type="pres">
+      <dgm:prSet presAssocID="{75C2E9D3-D15E-4C2B-AAE3-1BDF3FD3B2E9}" presName="background2" presStyleLbl="node2" presStyleIdx="0" presStyleCnt="3"/>
       <dgm:spPr/>
     </dgm:pt>
-    <dgm:pt modelId="{386030E1-7AB0-479B-B679-93EC0BBDE7CC}" type="pres">
-      <dgm:prSet presAssocID="{AE2F2950-4DA2-4B5C-B409-C3EAC91A1BEE}" presName="text2" presStyleLbl="fgAcc2" presStyleIdx="0" presStyleCnt="6">
+    <dgm:pt modelId="{40088974-41DD-4C0F-821C-708972EB23B3}" type="pres">
+      <dgm:prSet presAssocID="{75C2E9D3-D15E-4C2B-AAE3-1BDF3FD3B2E9}" presName="text2" presStyleLbl="fgAcc2" presStyleIdx="0" presStyleCnt="3">
         <dgm:presLayoutVars>
           <dgm:chPref val="3"/>
         </dgm:presLayoutVars>
       </dgm:prSet>
       <dgm:spPr/>
     </dgm:pt>
-    <dgm:pt modelId="{596A8FBF-0B1C-4607-8FA4-A2996FE962C7}" type="pres">
-      <dgm:prSet presAssocID="{AE2F2950-4DA2-4B5C-B409-C3EAC91A1BEE}" presName="hierChild3" presStyleCnt="0"/>
+    <dgm:pt modelId="{60B0C0FD-6527-409F-8BB5-2F489FC35B65}" type="pres">
+      <dgm:prSet presAssocID="{75C2E9D3-D15E-4C2B-AAE3-1BDF3FD3B2E9}" presName="hierChild3" presStyleCnt="0"/>
       <dgm:spPr/>
     </dgm:pt>
-    <dgm:pt modelId="{CE137CB0-89B6-4297-A70F-F74A0937C72D}" type="pres">
-      <dgm:prSet presAssocID="{11FEC1A2-22C9-4D03-BEF9-C68C83C7F38C}" presName="Name10" presStyleLbl="parChTrans1D2" presStyleIdx="1" presStyleCnt="6"/>
+    <dgm:pt modelId="{E20FD126-5A13-4EC5-B9CC-BA7CF3C96876}" type="pres">
+      <dgm:prSet presAssocID="{2BE9CA1F-D39D-460C-882C-7420CF928D16}" presName="Name10" presStyleLbl="parChTrans1D2" presStyleIdx="1" presStyleCnt="3"/>
       <dgm:spPr/>
     </dgm:pt>
-    <dgm:pt modelId="{AF31C61E-DDEC-43B6-A258-BC218F3BD908}" type="pres">
-      <dgm:prSet presAssocID="{1284ADDE-F0B4-4DA0-9F4E-38C08D8B5634}" presName="hierRoot2" presStyleCnt="0"/>
+    <dgm:pt modelId="{719DD1D0-01F1-44A9-8BA4-2D8516DE3D1A}" type="pres">
+      <dgm:prSet presAssocID="{8EA59DA5-0E52-49AD-8DE9-EAAABE70D1AB}" presName="hierRoot2" presStyleCnt="0"/>
       <dgm:spPr/>
     </dgm:pt>
-    <dgm:pt modelId="{4037BA05-664C-441D-984D-96402CFB9E85}" type="pres">
-      <dgm:prSet presAssocID="{1284ADDE-F0B4-4DA0-9F4E-38C08D8B5634}" presName="composite2" presStyleCnt="0"/>
+    <dgm:pt modelId="{718463D4-E0A6-4932-B27F-D1B809FA06BD}" type="pres">
+      <dgm:prSet presAssocID="{8EA59DA5-0E52-49AD-8DE9-EAAABE70D1AB}" presName="composite2" presStyleCnt="0"/>
       <dgm:spPr/>
     </dgm:pt>
-    <dgm:pt modelId="{1B64628F-E231-4D89-82DC-2A94017BF80C}" type="pres">
-      <dgm:prSet presAssocID="{1284ADDE-F0B4-4DA0-9F4E-38C08D8B5634}" presName="background2" presStyleLbl="node2" presStyleIdx="1" presStyleCnt="6"/>
+    <dgm:pt modelId="{D7776FE8-5D10-4E55-BD37-35E72DF493A2}" type="pres">
+      <dgm:prSet presAssocID="{8EA59DA5-0E52-49AD-8DE9-EAAABE70D1AB}" presName="background2" presStyleLbl="node2" presStyleIdx="1" presStyleCnt="3"/>
       <dgm:spPr/>
     </dgm:pt>
-    <dgm:pt modelId="{70A0D3E3-743F-4D81-9901-D144987BE020}" type="pres">
-      <dgm:prSet presAssocID="{1284ADDE-F0B4-4DA0-9F4E-38C08D8B5634}" presName="text2" presStyleLbl="fgAcc2" presStyleIdx="1" presStyleCnt="6">
+    <dgm:pt modelId="{D64CACF3-8626-4A03-A976-297FA2EA7200}" type="pres">
+      <dgm:prSet presAssocID="{8EA59DA5-0E52-49AD-8DE9-EAAABE70D1AB}" presName="text2" presStyleLbl="fgAcc2" presStyleIdx="1" presStyleCnt="3">
         <dgm:presLayoutVars>
           <dgm:chPref val="3"/>
         </dgm:presLayoutVars>
       </dgm:prSet>
       <dgm:spPr/>
     </dgm:pt>
-    <dgm:pt modelId="{ABE20002-63DF-4FA4-97F1-E7E13D07F06C}" type="pres">
-      <dgm:prSet presAssocID="{1284ADDE-F0B4-4DA0-9F4E-38C08D8B5634}" presName="hierChild3" presStyleCnt="0"/>
+    <dgm:pt modelId="{C69B27C6-5865-407F-A4BA-F5DB5F598C46}" type="pres">
+      <dgm:prSet presAssocID="{8EA59DA5-0E52-49AD-8DE9-EAAABE70D1AB}" presName="hierChild3" presStyleCnt="0"/>
       <dgm:spPr/>
     </dgm:pt>
-    <dgm:pt modelId="{32051591-1DB8-4568-84B7-AFAC65444473}" type="pres">
-      <dgm:prSet presAssocID="{F9E85187-8123-4E58-9EBF-B966E82E89BB}" presName="Name17" presStyleLbl="parChTrans1D3" presStyleIdx="0" presStyleCnt="10"/>
+    <dgm:pt modelId="{6C6D2716-F8A2-4416-A309-CACB299A674F}" type="pres">
+      <dgm:prSet presAssocID="{99BA4B55-01B7-4043-B9FC-C908D7296434}" presName="Name10" presStyleLbl="parChTrans1D2" presStyleIdx="2" presStyleCnt="3"/>
       <dgm:spPr/>
     </dgm:pt>
-    <dgm:pt modelId="{6B30E77A-2486-414E-968D-DC18A972A6B9}" type="pres">
-      <dgm:prSet presAssocID="{6EBD66C3-DF0A-4FFB-A7F8-441240AA1E27}" presName="hierRoot3" presStyleCnt="0"/>
+    <dgm:pt modelId="{26417D13-AB26-4D13-8E1F-8A3580C1B051}" type="pres">
+      <dgm:prSet presAssocID="{AA2F1584-E706-4521-939A-01207AE207E9}" presName="hierRoot2" presStyleCnt="0"/>
       <dgm:spPr/>
     </dgm:pt>
-    <dgm:pt modelId="{5B93B419-BEAB-4E1E-9DA9-2638684F6A8F}" type="pres">
-      <dgm:prSet presAssocID="{6EBD66C3-DF0A-4FFB-A7F8-441240AA1E27}" presName="composite3" presStyleCnt="0"/>
+    <dgm:pt modelId="{E3C5A4F2-9170-41B3-AAE2-2DC7F770FCBA}" type="pres">
+      <dgm:prSet presAssocID="{AA2F1584-E706-4521-939A-01207AE207E9}" presName="composite2" presStyleCnt="0"/>
       <dgm:spPr/>
     </dgm:pt>
-    <dgm:pt modelId="{BA5A5BD2-D7E3-420D-B2E7-44EFB9D473E4}" type="pres">
-      <dgm:prSet presAssocID="{6EBD66C3-DF0A-4FFB-A7F8-441240AA1E27}" presName="background3" presStyleLbl="node3" presStyleIdx="0" presStyleCnt="10"/>
+    <dgm:pt modelId="{60F794EA-4F0A-4A5A-86CF-83CF829D002B}" type="pres">
+      <dgm:prSet presAssocID="{AA2F1584-E706-4521-939A-01207AE207E9}" presName="background2" presStyleLbl="node2" presStyleIdx="2" presStyleCnt="3"/>
       <dgm:spPr/>
     </dgm:pt>
-    <dgm:pt modelId="{9D4089DF-8ADC-4CEB-A174-0D6C046DF97C}" type="pres">
-      <dgm:prSet presAssocID="{6EBD66C3-DF0A-4FFB-A7F8-441240AA1E27}" presName="text3" presStyleLbl="fgAcc3" presStyleIdx="0" presStyleCnt="10">
+    <dgm:pt modelId="{6F69136E-A889-4381-BA9A-D9D0288F82DA}" type="pres">
+      <dgm:prSet presAssocID="{AA2F1584-E706-4521-939A-01207AE207E9}" presName="text2" presStyleLbl="fgAcc2" presStyleIdx="2" presStyleCnt="3">
         <dgm:presLayoutVars>
           <dgm:chPref val="3"/>
         </dgm:presLayoutVars>
       </dgm:prSet>
       <dgm:spPr/>
     </dgm:pt>
-    <dgm:pt modelId="{DA1290F4-A68D-4F45-842B-0C5C5805B390}" type="pres">
-      <dgm:prSet presAssocID="{6EBD66C3-DF0A-4FFB-A7F8-441240AA1E27}" presName="hierChild4" presStyleCnt="0"/>
-      <dgm:spPr/>
-    </dgm:pt>
-    <dgm:pt modelId="{5274E8AD-2226-4196-95EF-634907FED31F}" type="pres">
-      <dgm:prSet presAssocID="{27BB8DA6-F539-4786-BD65-512B82ED9345}" presName="Name17" presStyleLbl="parChTrans1D3" presStyleIdx="1" presStyleCnt="10"/>
-      <dgm:spPr/>
-    </dgm:pt>
-    <dgm:pt modelId="{168489C3-61DA-467F-933F-E250496038DE}" type="pres">
-      <dgm:prSet presAssocID="{5C241E5D-5E6E-448D-92B9-2342020E4063}" presName="hierRoot3" presStyleCnt="0"/>
-      <dgm:spPr/>
-    </dgm:pt>
-    <dgm:pt modelId="{E7E58970-6326-4C16-B6AB-139150C48EE2}" type="pres">
-      <dgm:prSet presAssocID="{5C241E5D-5E6E-448D-92B9-2342020E4063}" presName="composite3" presStyleCnt="0"/>
-      <dgm:spPr/>
-    </dgm:pt>
-    <dgm:pt modelId="{4211533D-B124-4AF1-8EEA-EDD82B387853}" type="pres">
-      <dgm:prSet presAssocID="{5C241E5D-5E6E-448D-92B9-2342020E4063}" presName="background3" presStyleLbl="node3" presStyleIdx="1" presStyleCnt="10"/>
-      <dgm:spPr/>
-    </dgm:pt>
-    <dgm:pt modelId="{5A2C8D3E-17BD-4AF0-8FD6-D7779CDC680A}" type="pres">
-      <dgm:prSet presAssocID="{5C241E5D-5E6E-448D-92B9-2342020E4063}" presName="text3" presStyleLbl="fgAcc3" presStyleIdx="1" presStyleCnt="10">
-        <dgm:presLayoutVars>
-          <dgm:chPref val="3"/>
-        </dgm:presLayoutVars>
-      </dgm:prSet>
-      <dgm:spPr/>
-    </dgm:pt>
-    <dgm:pt modelId="{9F5ECF6A-701D-4C42-BE7F-564D7C09C769}" type="pres">
-      <dgm:prSet presAssocID="{5C241E5D-5E6E-448D-92B9-2342020E4063}" presName="hierChild4" presStyleCnt="0"/>
-      <dgm:spPr/>
-    </dgm:pt>
-    <dgm:pt modelId="{E527CD2D-AD99-41F6-AE40-7E342CA25AAB}" type="pres">
-      <dgm:prSet presAssocID="{70446484-9994-4C59-8A65-45B9801F582A}" presName="Name17" presStyleLbl="parChTrans1D3" presStyleIdx="2" presStyleCnt="10"/>
-      <dgm:spPr/>
-    </dgm:pt>
-    <dgm:pt modelId="{106880B7-017A-4826-97EB-04D1670ACEEB}" type="pres">
-      <dgm:prSet presAssocID="{A4C9709D-545D-4C67-9C79-E78F80710D43}" presName="hierRoot3" presStyleCnt="0"/>
-      <dgm:spPr/>
-    </dgm:pt>
-    <dgm:pt modelId="{FF2EA76B-20FE-4BAA-8187-BF59BEDC9C58}" type="pres">
-      <dgm:prSet presAssocID="{A4C9709D-545D-4C67-9C79-E78F80710D43}" presName="composite3" presStyleCnt="0"/>
-      <dgm:spPr/>
-    </dgm:pt>
-    <dgm:pt modelId="{FD05FFDB-8A58-42FF-B8D3-70D841631AE2}" type="pres">
-      <dgm:prSet presAssocID="{A4C9709D-545D-4C67-9C79-E78F80710D43}" presName="background3" presStyleLbl="node3" presStyleIdx="2" presStyleCnt="10"/>
-      <dgm:spPr/>
-    </dgm:pt>
-    <dgm:pt modelId="{6EE4F236-E7BF-42DC-B5E0-10F8B59B5417}" type="pres">
-      <dgm:prSet presAssocID="{A4C9709D-545D-4C67-9C79-E78F80710D43}" presName="text3" presStyleLbl="fgAcc3" presStyleIdx="2" presStyleCnt="10">
-        <dgm:presLayoutVars>
-          <dgm:chPref val="3"/>
-        </dgm:presLayoutVars>
-      </dgm:prSet>
-      <dgm:spPr/>
-    </dgm:pt>
-    <dgm:pt modelId="{63360D56-FDBC-4517-91CA-7CA723837056}" type="pres">
-      <dgm:prSet presAssocID="{A4C9709D-545D-4C67-9C79-E78F80710D43}" presName="hierChild4" presStyleCnt="0"/>
-      <dgm:spPr/>
-    </dgm:pt>
-    <dgm:pt modelId="{1EF71D1E-5C9D-46C7-96C0-AD29E4874135}" type="pres">
-      <dgm:prSet presAssocID="{3538F55A-92E0-4065-9909-93D58B082C2E}" presName="Name10" presStyleLbl="parChTrans1D2" presStyleIdx="2" presStyleCnt="6"/>
-      <dgm:spPr/>
-    </dgm:pt>
-    <dgm:pt modelId="{7D56D712-38A9-49CB-9AC8-F594F63E93EF}" type="pres">
-      <dgm:prSet presAssocID="{2455F4D5-3C92-4139-8F97-C9B192661FFB}" presName="hierRoot2" presStyleCnt="0"/>
-      <dgm:spPr/>
-    </dgm:pt>
-    <dgm:pt modelId="{25FADCBC-DF99-4BF7-BD40-185C5B311E87}" type="pres">
-      <dgm:prSet presAssocID="{2455F4D5-3C92-4139-8F97-C9B192661FFB}" presName="composite2" presStyleCnt="0"/>
-      <dgm:spPr/>
-    </dgm:pt>
-    <dgm:pt modelId="{78AF28BA-70B9-43C8-AA74-D4B1C046B98A}" type="pres">
-      <dgm:prSet presAssocID="{2455F4D5-3C92-4139-8F97-C9B192661FFB}" presName="background2" presStyleLbl="node2" presStyleIdx="2" presStyleCnt="6"/>
-      <dgm:spPr/>
-    </dgm:pt>
-    <dgm:pt modelId="{92312FD4-07AA-4920-872D-1AC3A82A7419}" type="pres">
-      <dgm:prSet presAssocID="{2455F4D5-3C92-4139-8F97-C9B192661FFB}" presName="text2" presStyleLbl="fgAcc2" presStyleIdx="2" presStyleCnt="6">
-        <dgm:presLayoutVars>
-          <dgm:chPref val="3"/>
-        </dgm:presLayoutVars>
-      </dgm:prSet>
-      <dgm:spPr/>
-    </dgm:pt>
-    <dgm:pt modelId="{0E40F52E-418E-4D2E-A753-D7BC09290997}" type="pres">
-      <dgm:prSet presAssocID="{2455F4D5-3C92-4139-8F97-C9B192661FFB}" presName="hierChild3" presStyleCnt="0"/>
-      <dgm:spPr/>
-    </dgm:pt>
-    <dgm:pt modelId="{F64451DB-5B1C-4693-A864-9899CC8DF953}" type="pres">
-      <dgm:prSet presAssocID="{4DBAB8D6-87D4-4982-AB30-070D1AB43EBB}" presName="Name17" presStyleLbl="parChTrans1D3" presStyleIdx="3" presStyleCnt="10"/>
-      <dgm:spPr/>
-    </dgm:pt>
-    <dgm:pt modelId="{BCAA8537-6302-4D01-9A90-F8E8B90BF28C}" type="pres">
-      <dgm:prSet presAssocID="{D5CB5DC9-CD02-4377-9962-8A38E690C8DB}" presName="hierRoot3" presStyleCnt="0"/>
-      <dgm:spPr/>
-    </dgm:pt>
-    <dgm:pt modelId="{C071AEC0-CC0C-4AE1-9006-AF91F56221A6}" type="pres">
-      <dgm:prSet presAssocID="{D5CB5DC9-CD02-4377-9962-8A38E690C8DB}" presName="composite3" presStyleCnt="0"/>
-      <dgm:spPr/>
-    </dgm:pt>
-    <dgm:pt modelId="{F2F27772-E097-421E-8974-D72D3C02463D}" type="pres">
-      <dgm:prSet presAssocID="{D5CB5DC9-CD02-4377-9962-8A38E690C8DB}" presName="background3" presStyleLbl="node3" presStyleIdx="3" presStyleCnt="10"/>
-      <dgm:spPr/>
-    </dgm:pt>
-    <dgm:pt modelId="{517F49BA-16FB-45D3-9144-5B61CEF844E9}" type="pres">
-      <dgm:prSet presAssocID="{D5CB5DC9-CD02-4377-9962-8A38E690C8DB}" presName="text3" presStyleLbl="fgAcc3" presStyleIdx="3" presStyleCnt="10">
-        <dgm:presLayoutVars>
-          <dgm:chPref val="3"/>
-        </dgm:presLayoutVars>
-      </dgm:prSet>
-      <dgm:spPr/>
-    </dgm:pt>
-    <dgm:pt modelId="{82C19423-4B8C-40E3-94DA-D5767039908B}" type="pres">
-      <dgm:prSet presAssocID="{D5CB5DC9-CD02-4377-9962-8A38E690C8DB}" presName="hierChild4" presStyleCnt="0"/>
-      <dgm:spPr/>
-    </dgm:pt>
-    <dgm:pt modelId="{8F94AE68-BBCF-43C8-96EC-DB5B618E6866}" type="pres">
-      <dgm:prSet presAssocID="{BCF0533B-E71F-4793-80ED-C96481712F7E}" presName="Name17" presStyleLbl="parChTrans1D3" presStyleIdx="4" presStyleCnt="10"/>
-      <dgm:spPr/>
-    </dgm:pt>
-    <dgm:pt modelId="{167678B8-9F45-4EBD-8883-014A664F9550}" type="pres">
-      <dgm:prSet presAssocID="{D3022967-AE3E-4728-84DA-B69C009FADBB}" presName="hierRoot3" presStyleCnt="0"/>
-      <dgm:spPr/>
-    </dgm:pt>
-    <dgm:pt modelId="{F17A661A-1195-4602-84C9-25634CA14FDF}" type="pres">
-      <dgm:prSet presAssocID="{D3022967-AE3E-4728-84DA-B69C009FADBB}" presName="composite3" presStyleCnt="0"/>
-      <dgm:spPr/>
-    </dgm:pt>
-    <dgm:pt modelId="{5F5550A5-40CC-4005-86BC-E4C04542056F}" type="pres">
-      <dgm:prSet presAssocID="{D3022967-AE3E-4728-84DA-B69C009FADBB}" presName="background3" presStyleLbl="node3" presStyleIdx="4" presStyleCnt="10"/>
-      <dgm:spPr/>
-    </dgm:pt>
-    <dgm:pt modelId="{0D3A65CC-00FA-4284-A1A4-0AC6B36EEE8C}" type="pres">
-      <dgm:prSet presAssocID="{D3022967-AE3E-4728-84DA-B69C009FADBB}" presName="text3" presStyleLbl="fgAcc3" presStyleIdx="4" presStyleCnt="10">
-        <dgm:presLayoutVars>
-          <dgm:chPref val="3"/>
-        </dgm:presLayoutVars>
-      </dgm:prSet>
-      <dgm:spPr/>
-    </dgm:pt>
-    <dgm:pt modelId="{3690044E-B011-4EDC-A12C-AF5646B962D6}" type="pres">
-      <dgm:prSet presAssocID="{D3022967-AE3E-4728-84DA-B69C009FADBB}" presName="hierChild4" presStyleCnt="0"/>
-      <dgm:spPr/>
-    </dgm:pt>
-    <dgm:pt modelId="{270A4F23-8FA4-421F-85DF-45D91849B3B0}" type="pres">
-      <dgm:prSet presAssocID="{81BC92FD-6EFD-4139-94BB-C81A863F1782}" presName="Name10" presStyleLbl="parChTrans1D2" presStyleIdx="3" presStyleCnt="6"/>
-      <dgm:spPr/>
-    </dgm:pt>
-    <dgm:pt modelId="{322C4FB9-8F72-4DA7-B345-FEB35D6B950B}" type="pres">
-      <dgm:prSet presAssocID="{AA997B30-05BF-43F6-BC0C-FCF7B5A9A1CA}" presName="hierRoot2" presStyleCnt="0"/>
-      <dgm:spPr/>
-    </dgm:pt>
-    <dgm:pt modelId="{2754B075-48E5-49E9-8BA4-4C5E77257552}" type="pres">
-      <dgm:prSet presAssocID="{AA997B30-05BF-43F6-BC0C-FCF7B5A9A1CA}" presName="composite2" presStyleCnt="0"/>
-      <dgm:spPr/>
-    </dgm:pt>
-    <dgm:pt modelId="{7703711D-DF7C-48F8-91EA-D3100E8F4581}" type="pres">
-      <dgm:prSet presAssocID="{AA997B30-05BF-43F6-BC0C-FCF7B5A9A1CA}" presName="background2" presStyleLbl="node2" presStyleIdx="3" presStyleCnt="6"/>
-      <dgm:spPr/>
-    </dgm:pt>
-    <dgm:pt modelId="{A3E264F6-FCE2-44A2-8A0B-513C933A631A}" type="pres">
-      <dgm:prSet presAssocID="{AA997B30-05BF-43F6-BC0C-FCF7B5A9A1CA}" presName="text2" presStyleLbl="fgAcc2" presStyleIdx="3" presStyleCnt="6">
-        <dgm:presLayoutVars>
-          <dgm:chPref val="3"/>
-        </dgm:presLayoutVars>
-      </dgm:prSet>
-      <dgm:spPr/>
-    </dgm:pt>
-    <dgm:pt modelId="{ABBD9A7F-98DA-4209-BA98-E1B82854216E}" type="pres">
-      <dgm:prSet presAssocID="{AA997B30-05BF-43F6-BC0C-FCF7B5A9A1CA}" presName="hierChild3" presStyleCnt="0"/>
-      <dgm:spPr/>
-    </dgm:pt>
-    <dgm:pt modelId="{859F6883-EEB5-4792-8007-612B5999282F}" type="pres">
-      <dgm:prSet presAssocID="{D32D91FF-4902-4648-A2E2-80F7A2078688}" presName="Name17" presStyleLbl="parChTrans1D3" presStyleIdx="5" presStyleCnt="10"/>
-      <dgm:spPr/>
-    </dgm:pt>
-    <dgm:pt modelId="{016D0139-BC61-495B-8096-8E6D4E8FF7CB}" type="pres">
-      <dgm:prSet presAssocID="{33D06E4F-F42B-4E8B-931F-8390D8A5A393}" presName="hierRoot3" presStyleCnt="0"/>
-      <dgm:spPr/>
-    </dgm:pt>
-    <dgm:pt modelId="{A0BA01B2-1892-4D4F-8209-5D509EFB5BA2}" type="pres">
-      <dgm:prSet presAssocID="{33D06E4F-F42B-4E8B-931F-8390D8A5A393}" presName="composite3" presStyleCnt="0"/>
-      <dgm:spPr/>
-    </dgm:pt>
-    <dgm:pt modelId="{2EE76C6A-F472-489D-AF10-38C9F77E1887}" type="pres">
-      <dgm:prSet presAssocID="{33D06E4F-F42B-4E8B-931F-8390D8A5A393}" presName="background3" presStyleLbl="node3" presStyleIdx="5" presStyleCnt="10"/>
-      <dgm:spPr/>
-    </dgm:pt>
-    <dgm:pt modelId="{892C51A0-CAED-4BCA-8BB1-C8444016A5C2}" type="pres">
-      <dgm:prSet presAssocID="{33D06E4F-F42B-4E8B-931F-8390D8A5A393}" presName="text3" presStyleLbl="fgAcc3" presStyleIdx="5" presStyleCnt="10">
-        <dgm:presLayoutVars>
-          <dgm:chPref val="3"/>
-        </dgm:presLayoutVars>
-      </dgm:prSet>
-      <dgm:spPr/>
-    </dgm:pt>
-    <dgm:pt modelId="{333000DA-E916-4E6E-A961-62DC416B854C}" type="pres">
-      <dgm:prSet presAssocID="{33D06E4F-F42B-4E8B-931F-8390D8A5A393}" presName="hierChild4" presStyleCnt="0"/>
-      <dgm:spPr/>
-    </dgm:pt>
-    <dgm:pt modelId="{1700B587-320A-4C8F-BA70-B6FA49BEEF08}" type="pres">
-      <dgm:prSet presAssocID="{5C83B352-E1F2-408D-936D-1E6F84796351}" presName="Name17" presStyleLbl="parChTrans1D3" presStyleIdx="6" presStyleCnt="10"/>
-      <dgm:spPr/>
-    </dgm:pt>
-    <dgm:pt modelId="{8F7186B9-4EFB-4AA7-8E52-D33637B98622}" type="pres">
-      <dgm:prSet presAssocID="{F6861CCE-F257-4BEA-8CBC-A258313C11DA}" presName="hierRoot3" presStyleCnt="0"/>
-      <dgm:spPr/>
-    </dgm:pt>
-    <dgm:pt modelId="{873FE85E-77F4-4B24-BE58-24B8D2CF189E}" type="pres">
-      <dgm:prSet presAssocID="{F6861CCE-F257-4BEA-8CBC-A258313C11DA}" presName="composite3" presStyleCnt="0"/>
-      <dgm:spPr/>
-    </dgm:pt>
-    <dgm:pt modelId="{ACBA90E2-2B86-485C-92AC-FC9A159285C3}" type="pres">
-      <dgm:prSet presAssocID="{F6861CCE-F257-4BEA-8CBC-A258313C11DA}" presName="background3" presStyleLbl="node3" presStyleIdx="6" presStyleCnt="10"/>
-      <dgm:spPr/>
-    </dgm:pt>
-    <dgm:pt modelId="{EA4FA045-1DEE-434A-AA47-9ABE50FD8364}" type="pres">
-      <dgm:prSet presAssocID="{F6861CCE-F257-4BEA-8CBC-A258313C11DA}" presName="text3" presStyleLbl="fgAcc3" presStyleIdx="6" presStyleCnt="10">
-        <dgm:presLayoutVars>
-          <dgm:chPref val="3"/>
-        </dgm:presLayoutVars>
-      </dgm:prSet>
-      <dgm:spPr/>
-    </dgm:pt>
-    <dgm:pt modelId="{57E84E58-EB37-4077-A8DD-8AAD1E82FD78}" type="pres">
-      <dgm:prSet presAssocID="{F6861CCE-F257-4BEA-8CBC-A258313C11DA}" presName="hierChild4" presStyleCnt="0"/>
-      <dgm:spPr/>
-    </dgm:pt>
-    <dgm:pt modelId="{DA6E5A26-5221-4EDC-8A23-FC391ECB1B8C}" type="pres">
-      <dgm:prSet presAssocID="{57AF6238-995E-4083-9643-4FB26EECEE49}" presName="Name10" presStyleLbl="parChTrans1D2" presStyleIdx="4" presStyleCnt="6"/>
-      <dgm:spPr/>
-    </dgm:pt>
-    <dgm:pt modelId="{FFC81381-C79D-46B2-9B73-1B7963FD1919}" type="pres">
-      <dgm:prSet presAssocID="{B5FB8C4C-6D66-44B0-9A91-7C8B81840393}" presName="hierRoot2" presStyleCnt="0"/>
-      <dgm:spPr/>
-    </dgm:pt>
-    <dgm:pt modelId="{A53E7A8A-181D-4FFF-AC52-226464EBAEAE}" type="pres">
-      <dgm:prSet presAssocID="{B5FB8C4C-6D66-44B0-9A91-7C8B81840393}" presName="composite2" presStyleCnt="0"/>
-      <dgm:spPr/>
-    </dgm:pt>
-    <dgm:pt modelId="{D106DAD3-7711-4D0F-8408-47FC5F3D3FA8}" type="pres">
-      <dgm:prSet presAssocID="{B5FB8C4C-6D66-44B0-9A91-7C8B81840393}" presName="background2" presStyleLbl="node2" presStyleIdx="4" presStyleCnt="6"/>
-      <dgm:spPr/>
-    </dgm:pt>
-    <dgm:pt modelId="{55688118-0E07-41A0-B926-C9A531417961}" type="pres">
-      <dgm:prSet presAssocID="{B5FB8C4C-6D66-44B0-9A91-7C8B81840393}" presName="text2" presStyleLbl="fgAcc2" presStyleIdx="4" presStyleCnt="6">
-        <dgm:presLayoutVars>
-          <dgm:chPref val="3"/>
-        </dgm:presLayoutVars>
-      </dgm:prSet>
-      <dgm:spPr/>
-    </dgm:pt>
-    <dgm:pt modelId="{FCF8DCD9-78DB-4518-A81F-2C39C6CEF352}" type="pres">
-      <dgm:prSet presAssocID="{B5FB8C4C-6D66-44B0-9A91-7C8B81840393}" presName="hierChild3" presStyleCnt="0"/>
-      <dgm:spPr/>
-    </dgm:pt>
-    <dgm:pt modelId="{0A142384-BB95-4364-8B96-9327BF2D5D61}" type="pres">
-      <dgm:prSet presAssocID="{5A9F1EDC-6A57-4DAF-B07C-A9DDDA4A9435}" presName="Name17" presStyleLbl="parChTrans1D3" presStyleIdx="7" presStyleCnt="10"/>
-      <dgm:spPr/>
-    </dgm:pt>
-    <dgm:pt modelId="{BB3E8D8E-B247-4653-B0AE-483E497BD682}" type="pres">
-      <dgm:prSet presAssocID="{A4EE5B75-5CCF-42E4-87A5-A04A726A2808}" presName="hierRoot3" presStyleCnt="0"/>
-      <dgm:spPr/>
-    </dgm:pt>
-    <dgm:pt modelId="{DB2DB60D-1E2D-42E2-9042-457C87110075}" type="pres">
-      <dgm:prSet presAssocID="{A4EE5B75-5CCF-42E4-87A5-A04A726A2808}" presName="composite3" presStyleCnt="0"/>
-      <dgm:spPr/>
-    </dgm:pt>
-    <dgm:pt modelId="{F1B3B661-9996-49CD-93E7-F72F5F0F8210}" type="pres">
-      <dgm:prSet presAssocID="{A4EE5B75-5CCF-42E4-87A5-A04A726A2808}" presName="background3" presStyleLbl="node3" presStyleIdx="7" presStyleCnt="10"/>
-      <dgm:spPr/>
-    </dgm:pt>
-    <dgm:pt modelId="{959C23C1-4EE8-4FEE-83C5-60692A591F02}" type="pres">
-      <dgm:prSet presAssocID="{A4EE5B75-5CCF-42E4-87A5-A04A726A2808}" presName="text3" presStyleLbl="fgAcc3" presStyleIdx="7" presStyleCnt="10">
-        <dgm:presLayoutVars>
-          <dgm:chPref val="3"/>
-        </dgm:presLayoutVars>
-      </dgm:prSet>
-      <dgm:spPr/>
-    </dgm:pt>
-    <dgm:pt modelId="{7FFFCB2F-A704-4409-98A8-63A1740E9BF4}" type="pres">
-      <dgm:prSet presAssocID="{A4EE5B75-5CCF-42E4-87A5-A04A726A2808}" presName="hierChild4" presStyleCnt="0"/>
-      <dgm:spPr/>
-    </dgm:pt>
-    <dgm:pt modelId="{AF169081-2453-4617-AEFD-519CB130593E}" type="pres">
-      <dgm:prSet presAssocID="{8FDF290D-CDC1-479C-BBBE-F395B39A1E08}" presName="Name10" presStyleLbl="parChTrans1D2" presStyleIdx="5" presStyleCnt="6"/>
-      <dgm:spPr/>
-    </dgm:pt>
-    <dgm:pt modelId="{F6BF9DA0-9D8D-4651-9C43-EF1001738FE3}" type="pres">
-      <dgm:prSet presAssocID="{38B76EC9-3F40-4F13-A2D9-27D0A7CBEC6E}" presName="hierRoot2" presStyleCnt="0"/>
-      <dgm:spPr/>
-    </dgm:pt>
-    <dgm:pt modelId="{5FB8D147-0E20-4320-B54D-FF6DFF0C3706}" type="pres">
-      <dgm:prSet presAssocID="{38B76EC9-3F40-4F13-A2D9-27D0A7CBEC6E}" presName="composite2" presStyleCnt="0"/>
-      <dgm:spPr/>
-    </dgm:pt>
-    <dgm:pt modelId="{E483292C-D5E6-4593-8298-650311FF0C8F}" type="pres">
-      <dgm:prSet presAssocID="{38B76EC9-3F40-4F13-A2D9-27D0A7CBEC6E}" presName="background2" presStyleLbl="node2" presStyleIdx="5" presStyleCnt="6"/>
-      <dgm:spPr/>
-    </dgm:pt>
-    <dgm:pt modelId="{15AA37A3-E215-4382-B03D-BCA35D3FCD44}" type="pres">
-      <dgm:prSet presAssocID="{38B76EC9-3F40-4F13-A2D9-27D0A7CBEC6E}" presName="text2" presStyleLbl="fgAcc2" presStyleIdx="5" presStyleCnt="6">
-        <dgm:presLayoutVars>
-          <dgm:chPref val="3"/>
-        </dgm:presLayoutVars>
-      </dgm:prSet>
-      <dgm:spPr/>
-    </dgm:pt>
-    <dgm:pt modelId="{F60E3411-E0B6-4A57-B6CD-7FBA20426000}" type="pres">
-      <dgm:prSet presAssocID="{38B76EC9-3F40-4F13-A2D9-27D0A7CBEC6E}" presName="hierChild3" presStyleCnt="0"/>
-      <dgm:spPr/>
-    </dgm:pt>
-    <dgm:pt modelId="{FDF92634-D471-4F6E-8182-6A625B9EF1B4}" type="pres">
-      <dgm:prSet presAssocID="{B35CF0A0-1B87-43C9-B37F-42025BCECC8D}" presName="Name17" presStyleLbl="parChTrans1D3" presStyleIdx="8" presStyleCnt="10"/>
-      <dgm:spPr/>
-    </dgm:pt>
-    <dgm:pt modelId="{736D297B-E3C5-4A24-82AB-708EB712342A}" type="pres">
-      <dgm:prSet presAssocID="{1560ACFA-CE20-4D27-8699-CEC1ADCD7578}" presName="hierRoot3" presStyleCnt="0"/>
-      <dgm:spPr/>
-    </dgm:pt>
-    <dgm:pt modelId="{5EAD2F26-7D10-4060-B125-4FC2636FE14C}" type="pres">
-      <dgm:prSet presAssocID="{1560ACFA-CE20-4D27-8699-CEC1ADCD7578}" presName="composite3" presStyleCnt="0"/>
-      <dgm:spPr/>
-    </dgm:pt>
-    <dgm:pt modelId="{3EBCD798-125E-4358-A0E6-137AFA41639E}" type="pres">
-      <dgm:prSet presAssocID="{1560ACFA-CE20-4D27-8699-CEC1ADCD7578}" presName="background3" presStyleLbl="node3" presStyleIdx="8" presStyleCnt="10"/>
-      <dgm:spPr/>
-    </dgm:pt>
-    <dgm:pt modelId="{82EF6665-5A49-45F2-A9DB-C2F7B2E68F0A}" type="pres">
-      <dgm:prSet presAssocID="{1560ACFA-CE20-4D27-8699-CEC1ADCD7578}" presName="text3" presStyleLbl="fgAcc3" presStyleIdx="8" presStyleCnt="10">
-        <dgm:presLayoutVars>
-          <dgm:chPref val="3"/>
-        </dgm:presLayoutVars>
-      </dgm:prSet>
-      <dgm:spPr/>
-    </dgm:pt>
-    <dgm:pt modelId="{D068BD93-67EA-41C1-8FCE-F027B3BF35AF}" type="pres">
-      <dgm:prSet presAssocID="{1560ACFA-CE20-4D27-8699-CEC1ADCD7578}" presName="hierChild4" presStyleCnt="0"/>
-      <dgm:spPr/>
-    </dgm:pt>
-    <dgm:pt modelId="{65F647B6-6B1D-47B2-BD08-4BA62ABECCA2}" type="pres">
-      <dgm:prSet presAssocID="{A32B2F88-2F3A-4924-9C3A-87884648F901}" presName="Name17" presStyleLbl="parChTrans1D3" presStyleIdx="9" presStyleCnt="10"/>
-      <dgm:spPr/>
-    </dgm:pt>
-    <dgm:pt modelId="{069CE474-6F9E-4DEE-A804-DEF838DD396F}" type="pres">
-      <dgm:prSet presAssocID="{9A22C057-4A4B-46E3-84F7-B5D19113E2DC}" presName="hierRoot3" presStyleCnt="0"/>
-      <dgm:spPr/>
-    </dgm:pt>
-    <dgm:pt modelId="{D8445002-1443-4DB0-8A52-A14A52387553}" type="pres">
-      <dgm:prSet presAssocID="{9A22C057-4A4B-46E3-84F7-B5D19113E2DC}" presName="composite3" presStyleCnt="0"/>
-      <dgm:spPr/>
-    </dgm:pt>
-    <dgm:pt modelId="{81EFDDE4-8199-4220-831F-862B75923456}" type="pres">
-      <dgm:prSet presAssocID="{9A22C057-4A4B-46E3-84F7-B5D19113E2DC}" presName="background3" presStyleLbl="node3" presStyleIdx="9" presStyleCnt="10"/>
-      <dgm:spPr/>
-    </dgm:pt>
-    <dgm:pt modelId="{44408C57-3815-4766-A161-8FE90EE42DA1}" type="pres">
-      <dgm:prSet presAssocID="{9A22C057-4A4B-46E3-84F7-B5D19113E2DC}" presName="text3" presStyleLbl="fgAcc3" presStyleIdx="9" presStyleCnt="10">
-        <dgm:presLayoutVars>
-          <dgm:chPref val="3"/>
-        </dgm:presLayoutVars>
-      </dgm:prSet>
-      <dgm:spPr/>
-    </dgm:pt>
-    <dgm:pt modelId="{2DF2F985-7699-476A-BDD4-7C064D6CEFD4}" type="pres">
-      <dgm:prSet presAssocID="{9A22C057-4A4B-46E3-84F7-B5D19113E2DC}" presName="hierChild4" presStyleCnt="0"/>
+    <dgm:pt modelId="{A4A8B116-33CF-4468-9AA4-544771881ABE}" type="pres">
+      <dgm:prSet presAssocID="{AA2F1584-E706-4521-939A-01207AE207E9}" presName="hierChild3" presStyleCnt="0"/>
       <dgm:spPr/>
     </dgm:pt>
   </dgm:ptLst>
   <dgm:cxnLst>
-    <dgm:cxn modelId="{514A2F0B-5048-428D-8AA7-DBDF7EA41F02}" type="presOf" srcId="{D32D91FF-4902-4648-A2E2-80F7A2078688}" destId="{859F6883-EEB5-4792-8007-612B5999282F}" srcOrd="0" destOrd="0" presId="urn:microsoft.com/office/officeart/2005/8/layout/hierarchy1"/>
-    <dgm:cxn modelId="{1E3CC00D-B299-4B80-B8C8-19F0A2B61223}" srcId="{AD398B6B-EC4E-481E-A661-FF09226CCCB8}" destId="{B5FB8C4C-6D66-44B0-9A91-7C8B81840393}" srcOrd="4" destOrd="0" parTransId="{57AF6238-995E-4083-9643-4FB26EECEE49}" sibTransId="{F7A2541F-A7C4-4E7C-A3B3-86056014577B}"/>
-    <dgm:cxn modelId="{1B8D5A0E-72B6-45C5-8344-E6569B234879}" srcId="{AD398B6B-EC4E-481E-A661-FF09226CCCB8}" destId="{38B76EC9-3F40-4F13-A2D9-27D0A7CBEC6E}" srcOrd="5" destOrd="0" parTransId="{8FDF290D-CDC1-479C-BBBE-F395B39A1E08}" sibTransId="{C12C4B54-F6F5-46B0-AEAE-CB09F665B487}"/>
-    <dgm:cxn modelId="{F76EEB0E-D18A-46A4-B1CD-779FBE2C8763}" srcId="{1284ADDE-F0B4-4DA0-9F4E-38C08D8B5634}" destId="{A4C9709D-545D-4C67-9C79-E78F80710D43}" srcOrd="2" destOrd="0" parTransId="{70446484-9994-4C59-8A65-45B9801F582A}" sibTransId="{6B09F57B-CF81-4EF7-B4B3-3DF958098193}"/>
-    <dgm:cxn modelId="{A2A83814-4DB4-4A35-9396-173CD929D45B}" type="presOf" srcId="{AA997B30-05BF-43F6-BC0C-FCF7B5A9A1CA}" destId="{A3E264F6-FCE2-44A2-8A0B-513C933A631A}" srcOrd="0" destOrd="0" presId="urn:microsoft.com/office/officeart/2005/8/layout/hierarchy1"/>
-    <dgm:cxn modelId="{9DC53E1A-5C14-4A52-9855-42EA9A8F4031}" type="presOf" srcId="{81BC92FD-6EFD-4139-94BB-C81A863F1782}" destId="{270A4F23-8FA4-421F-85DF-45D91849B3B0}" srcOrd="0" destOrd="0" presId="urn:microsoft.com/office/officeart/2005/8/layout/hierarchy1"/>
-    <dgm:cxn modelId="{651CE923-D0D5-4763-BA88-8292EE68ED76}" type="presOf" srcId="{A4EE5B75-5CCF-42E4-87A5-A04A726A2808}" destId="{959C23C1-4EE8-4FEE-83C5-60692A591F02}" srcOrd="0" destOrd="0" presId="urn:microsoft.com/office/officeart/2005/8/layout/hierarchy1"/>
-    <dgm:cxn modelId="{F9158629-E397-4792-8AC1-F5768974BE50}" srcId="{AD398B6B-EC4E-481E-A661-FF09226CCCB8}" destId="{AA997B30-05BF-43F6-BC0C-FCF7B5A9A1CA}" srcOrd="3" destOrd="0" parTransId="{81BC92FD-6EFD-4139-94BB-C81A863F1782}" sibTransId="{4C6C1E0F-2745-442C-8EE1-A96DCAF8036F}"/>
-    <dgm:cxn modelId="{288CBF2F-1648-4AD5-976D-19614993DA4A}" type="presOf" srcId="{5A9F1EDC-6A57-4DAF-B07C-A9DDDA4A9435}" destId="{0A142384-BB95-4364-8B96-9327BF2D5D61}" srcOrd="0" destOrd="0" presId="urn:microsoft.com/office/officeart/2005/8/layout/hierarchy1"/>
-    <dgm:cxn modelId="{78207E33-48B5-4FEC-A192-5C1006023AE8}" srcId="{B5FB8C4C-6D66-44B0-9A91-7C8B81840393}" destId="{A4EE5B75-5CCF-42E4-87A5-A04A726A2808}" srcOrd="0" destOrd="0" parTransId="{5A9F1EDC-6A57-4DAF-B07C-A9DDDA4A9435}" sibTransId="{3F6DC1C5-4B91-4B10-8F3C-628EC2A29E96}"/>
-    <dgm:cxn modelId="{0F10F133-1CE2-4A48-9541-F81092509787}" type="presOf" srcId="{1284ADDE-F0B4-4DA0-9F4E-38C08D8B5634}" destId="{70A0D3E3-743F-4D81-9901-D144987BE020}" srcOrd="0" destOrd="0" presId="urn:microsoft.com/office/officeart/2005/8/layout/hierarchy1"/>
-    <dgm:cxn modelId="{A4C25A38-1197-42E3-A2AC-19F34D5B7EB4}" type="presOf" srcId="{9A22C057-4A4B-46E3-84F7-B5D19113E2DC}" destId="{44408C57-3815-4766-A161-8FE90EE42DA1}" srcOrd="0" destOrd="0" presId="urn:microsoft.com/office/officeart/2005/8/layout/hierarchy1"/>
-    <dgm:cxn modelId="{8CE2895C-344F-46E7-B07B-9EFCB536F411}" type="presOf" srcId="{11FEC1A2-22C9-4D03-BEF9-C68C83C7F38C}" destId="{CE137CB0-89B6-4297-A70F-F74A0937C72D}" srcOrd="0" destOrd="0" presId="urn:microsoft.com/office/officeart/2005/8/layout/hierarchy1"/>
-    <dgm:cxn modelId="{449E2860-5625-4827-BBD5-9E780BD2B78F}" type="presOf" srcId="{5C83B352-E1F2-408D-936D-1E6F84796351}" destId="{1700B587-320A-4C8F-BA70-B6FA49BEEF08}" srcOrd="0" destOrd="0" presId="urn:microsoft.com/office/officeart/2005/8/layout/hierarchy1"/>
-    <dgm:cxn modelId="{5EC59843-535B-4534-AB7A-5DBB9D0AAAD2}" srcId="{AA997B30-05BF-43F6-BC0C-FCF7B5A9A1CA}" destId="{F6861CCE-F257-4BEA-8CBC-A258313C11DA}" srcOrd="1" destOrd="0" parTransId="{5C83B352-E1F2-408D-936D-1E6F84796351}" sibTransId="{D9C768FE-7A71-44CA-807F-98DFE2694427}"/>
-    <dgm:cxn modelId="{17446744-5424-4733-BBB8-99E742B5D057}" type="presOf" srcId="{AE2F2950-4DA2-4B5C-B409-C3EAC91A1BEE}" destId="{386030E1-7AB0-479B-B679-93EC0BBDE7CC}" srcOrd="0" destOrd="0" presId="urn:microsoft.com/office/officeart/2005/8/layout/hierarchy1"/>
-    <dgm:cxn modelId="{D20BCD64-7654-42CE-9A3F-912D28900C85}" srcId="{2455F4D5-3C92-4139-8F97-C9B192661FFB}" destId="{D5CB5DC9-CD02-4377-9962-8A38E690C8DB}" srcOrd="0" destOrd="0" parTransId="{4DBAB8D6-87D4-4982-AB30-070D1AB43EBB}" sibTransId="{88FBD160-22B0-4965-87B5-8F86F9A593E9}"/>
+    <dgm:cxn modelId="{791F1061-4714-4432-B972-159C061F7307}" type="presOf" srcId="{AA2F1584-E706-4521-939A-01207AE207E9}" destId="{6F69136E-A889-4381-BA9A-D9D0288F82DA}" srcOrd="0" destOrd="0" presId="urn:microsoft.com/office/officeart/2005/8/layout/hierarchy1"/>
     <dgm:cxn modelId="{7D942069-3E6E-4C66-BDED-80435DE28726}" type="presOf" srcId="{95BB7939-8913-4B3C-8916-30ABC495FDED}" destId="{FD342FC6-0CB7-4586-813B-B5FC711C4D0C}" srcOrd="0" destOrd="0" presId="urn:microsoft.com/office/officeart/2005/8/layout/hierarchy1"/>
-    <dgm:cxn modelId="{EF229F70-BF8E-4BC0-BBDF-D9A1367E61AD}" srcId="{AD398B6B-EC4E-481E-A661-FF09226CCCB8}" destId="{1284ADDE-F0B4-4DA0-9F4E-38C08D8B5634}" srcOrd="1" destOrd="0" parTransId="{11FEC1A2-22C9-4D03-BEF9-C68C83C7F38C}" sibTransId="{34C958CE-FFFD-4AE9-B884-0CD98E9A6951}"/>
-    <dgm:cxn modelId="{9E07A550-1BDF-41FF-99EC-EC8FA12FC937}" srcId="{1284ADDE-F0B4-4DA0-9F4E-38C08D8B5634}" destId="{5C241E5D-5E6E-448D-92B9-2342020E4063}" srcOrd="1" destOrd="0" parTransId="{27BB8DA6-F539-4786-BD65-512B82ED9345}" sibTransId="{EB1397AD-8236-4DE1-B315-54E62FF3F47B}"/>
-    <dgm:cxn modelId="{70ECB972-1571-4514-9ED6-894B1B8B140C}" srcId="{2455F4D5-3C92-4139-8F97-C9B192661FFB}" destId="{D3022967-AE3E-4728-84DA-B69C009FADBB}" srcOrd="1" destOrd="0" parTransId="{BCF0533B-E71F-4793-80ED-C96481712F7E}" sibTransId="{A1828437-3B78-408D-99EA-4DBE09ACEB4B}"/>
-    <dgm:cxn modelId="{15875457-FE95-475D-96BA-63CA56B15321}" type="presOf" srcId="{33D06E4F-F42B-4E8B-931F-8390D8A5A393}" destId="{892C51A0-CAED-4BCA-8BB1-C8444016A5C2}" srcOrd="0" destOrd="0" presId="urn:microsoft.com/office/officeart/2005/8/layout/hierarchy1"/>
-    <dgm:cxn modelId="{4CC2E379-6B5D-404C-9799-D3CAC6E78AAF}" srcId="{38B76EC9-3F40-4F13-A2D9-27D0A7CBEC6E}" destId="{9A22C057-4A4B-46E3-84F7-B5D19113E2DC}" srcOrd="1" destOrd="0" parTransId="{A32B2F88-2F3A-4924-9C3A-87884648F901}" sibTransId="{D824C4E3-E20C-4668-8311-BAEEF44DF53D}"/>
-    <dgm:cxn modelId="{728C8B7A-BB6B-40EB-82D3-A60627351DF7}" type="presOf" srcId="{BCF0533B-E71F-4793-80ED-C96481712F7E}" destId="{8F94AE68-BBCF-43C8-96EC-DB5B618E6866}" srcOrd="0" destOrd="0" presId="urn:microsoft.com/office/officeart/2005/8/layout/hierarchy1"/>
-    <dgm:cxn modelId="{A8DA9487-29B2-4C6A-AC0A-098C99FDE9E8}" type="presOf" srcId="{57AF6238-995E-4083-9643-4FB26EECEE49}" destId="{DA6E5A26-5221-4EDC-8A23-FC391ECB1B8C}" srcOrd="0" destOrd="0" presId="urn:microsoft.com/office/officeart/2005/8/layout/hierarchy1"/>
-    <dgm:cxn modelId="{A10CAE8A-67D0-40A4-B4F0-6BA95971C2AC}" type="presOf" srcId="{2455F4D5-3C92-4139-8F97-C9B192661FFB}" destId="{92312FD4-07AA-4920-872D-1AC3A82A7419}" srcOrd="0" destOrd="0" presId="urn:microsoft.com/office/officeart/2005/8/layout/hierarchy1"/>
-    <dgm:cxn modelId="{A0E6778C-933C-4477-A43B-7E25E004CC0B}" type="presOf" srcId="{27BB8DA6-F539-4786-BD65-512B82ED9345}" destId="{5274E8AD-2226-4196-95EF-634907FED31F}" srcOrd="0" destOrd="0" presId="urn:microsoft.com/office/officeart/2005/8/layout/hierarchy1"/>
-    <dgm:cxn modelId="{AFC7D98E-F461-493E-B628-E7288BC68410}" type="presOf" srcId="{A4C9709D-545D-4C67-9C79-E78F80710D43}" destId="{6EE4F236-E7BF-42DC-B5E0-10F8B59B5417}" srcOrd="0" destOrd="0" presId="urn:microsoft.com/office/officeart/2005/8/layout/hierarchy1"/>
-    <dgm:cxn modelId="{73AE748F-41A7-431F-A449-8B0ADC9F0136}" type="presOf" srcId="{AD398B6B-EC4E-481E-A661-FF09226CCCB8}" destId="{1C1727CD-0295-4143-B4AD-6B08DD888B4B}" srcOrd="0" destOrd="0" presId="urn:microsoft.com/office/officeart/2005/8/layout/hierarchy1"/>
-    <dgm:cxn modelId="{B95C7E9A-84BA-4840-834E-DD3D0F286F6B}" type="presOf" srcId="{F6861CCE-F257-4BEA-8CBC-A258313C11DA}" destId="{EA4FA045-1DEE-434A-AA47-9ABE50FD8364}" srcOrd="0" destOrd="0" presId="urn:microsoft.com/office/officeart/2005/8/layout/hierarchy1"/>
-    <dgm:cxn modelId="{0AEFD89A-CEDA-4A88-972E-DE452F81C48C}" srcId="{38B76EC9-3F40-4F13-A2D9-27D0A7CBEC6E}" destId="{1560ACFA-CE20-4D27-8699-CEC1ADCD7578}" srcOrd="0" destOrd="0" parTransId="{B35CF0A0-1B87-43C9-B37F-42025BCECC8D}" sibTransId="{7B93E4DD-A5CB-4F52-91C6-3315A868C491}"/>
-    <dgm:cxn modelId="{A336479B-4522-4E53-A4A0-7E7D81375D78}" srcId="{AD398B6B-EC4E-481E-A661-FF09226CCCB8}" destId="{2455F4D5-3C92-4139-8F97-C9B192661FFB}" srcOrd="2" destOrd="0" parTransId="{3538F55A-92E0-4065-9909-93D58B082C2E}" sibTransId="{E36B6F7D-EFC5-44FE-8072-FD591CFA3B7C}"/>
-    <dgm:cxn modelId="{D488DEA1-F9A9-4C99-89D9-50DAB244485A}" srcId="{AD398B6B-EC4E-481E-A661-FF09226CCCB8}" destId="{AE2F2950-4DA2-4B5C-B409-C3EAC91A1BEE}" srcOrd="0" destOrd="0" parTransId="{BB6C4CE5-3970-45CB-ABE3-A43037D05669}" sibTransId="{ADFA83DC-A3B6-4C21-AB5C-EE413AB43C4A}"/>
-    <dgm:cxn modelId="{30F965A5-5CA9-4C74-9E9E-B9462EDCC85F}" srcId="{95BB7939-8913-4B3C-8916-30ABC495FDED}" destId="{AD398B6B-EC4E-481E-A661-FF09226CCCB8}" srcOrd="0" destOrd="0" parTransId="{6D8C29AD-EE16-43E1-B4B8-B9B8D810369D}" sibTransId="{14243ACF-6AB5-418A-8E3F-262CC0A59D05}"/>
-    <dgm:cxn modelId="{2F532BAB-16C3-4A56-8AAF-E935B81FEDD8}" type="presOf" srcId="{8FDF290D-CDC1-479C-BBBE-F395B39A1E08}" destId="{AF169081-2453-4617-AEFD-519CB130593E}" srcOrd="0" destOrd="0" presId="urn:microsoft.com/office/officeart/2005/8/layout/hierarchy1"/>
-    <dgm:cxn modelId="{5BB795AE-BFB1-47A9-A03F-474E25C885F2}" type="presOf" srcId="{BB6C4CE5-3970-45CB-ABE3-A43037D05669}" destId="{7D49C101-E155-4EEC-B8CF-49F774ADFDFD}" srcOrd="0" destOrd="0" presId="urn:microsoft.com/office/officeart/2005/8/layout/hierarchy1"/>
-    <dgm:cxn modelId="{F8A350B3-2454-4BC4-80B8-59461F37BC75}" type="presOf" srcId="{38B76EC9-3F40-4F13-A2D9-27D0A7CBEC6E}" destId="{15AA37A3-E215-4382-B03D-BCA35D3FCD44}" srcOrd="0" destOrd="0" presId="urn:microsoft.com/office/officeart/2005/8/layout/hierarchy1"/>
-    <dgm:cxn modelId="{EE9DC8B9-5375-4F70-8241-EE1C31DD2247}" type="presOf" srcId="{B35CF0A0-1B87-43C9-B37F-42025BCECC8D}" destId="{FDF92634-D471-4F6E-8182-6A625B9EF1B4}" srcOrd="0" destOrd="0" presId="urn:microsoft.com/office/officeart/2005/8/layout/hierarchy1"/>
-    <dgm:cxn modelId="{76624EC0-F031-4956-8462-875B656A4BB9}" type="presOf" srcId="{A32B2F88-2F3A-4924-9C3A-87884648F901}" destId="{65F647B6-6B1D-47B2-BD08-4BA62ABECCA2}" srcOrd="0" destOrd="0" presId="urn:microsoft.com/office/officeart/2005/8/layout/hierarchy1"/>
-    <dgm:cxn modelId="{EE13ACC9-B682-4806-8C6A-FC095D7CFC47}" type="presOf" srcId="{B5FB8C4C-6D66-44B0-9A91-7C8B81840393}" destId="{55688118-0E07-41A0-B926-C9A531417961}" srcOrd="0" destOrd="0" presId="urn:microsoft.com/office/officeart/2005/8/layout/hierarchy1"/>
-    <dgm:cxn modelId="{4D8557D4-1287-4760-8CDA-BD99D7174E28}" type="presOf" srcId="{D5CB5DC9-CD02-4377-9962-8A38E690C8DB}" destId="{517F49BA-16FB-45D3-9144-5B61CEF844E9}" srcOrd="0" destOrd="0" presId="urn:microsoft.com/office/officeart/2005/8/layout/hierarchy1"/>
-    <dgm:cxn modelId="{00083DD9-A411-4932-B1EC-54FB3E846091}" type="presOf" srcId="{3538F55A-92E0-4065-9909-93D58B082C2E}" destId="{1EF71D1E-5C9D-46C7-96C0-AD29E4874135}" srcOrd="0" destOrd="0" presId="urn:microsoft.com/office/officeart/2005/8/layout/hierarchy1"/>
-    <dgm:cxn modelId="{765164DA-3462-44ED-98AF-DF091092D75F}" type="presOf" srcId="{F9E85187-8123-4E58-9EBF-B966E82E89BB}" destId="{32051591-1DB8-4568-84B7-AFAC65444473}" srcOrd="0" destOrd="0" presId="urn:microsoft.com/office/officeart/2005/8/layout/hierarchy1"/>
-    <dgm:cxn modelId="{3C1A9AE0-E92E-4701-82EC-AD71E30FC18A}" srcId="{AA997B30-05BF-43F6-BC0C-FCF7B5A9A1CA}" destId="{33D06E4F-F42B-4E8B-931F-8390D8A5A393}" srcOrd="0" destOrd="0" parTransId="{D32D91FF-4902-4648-A2E2-80F7A2078688}" sibTransId="{0B204757-0530-4817-960F-565920E53C02}"/>
-    <dgm:cxn modelId="{B32AF6E0-2765-4A5D-A56E-C77EBC7E1C25}" type="presOf" srcId="{6EBD66C3-DF0A-4FFB-A7F8-441240AA1E27}" destId="{9D4089DF-8ADC-4CEB-A174-0D6C046DF97C}" srcOrd="0" destOrd="0" presId="urn:microsoft.com/office/officeart/2005/8/layout/hierarchy1"/>
-    <dgm:cxn modelId="{684190E7-990C-4339-BB6E-F35545847ED2}" type="presOf" srcId="{1560ACFA-CE20-4D27-8699-CEC1ADCD7578}" destId="{82EF6665-5A49-45F2-A9DB-C2F7B2E68F0A}" srcOrd="0" destOrd="0" presId="urn:microsoft.com/office/officeart/2005/8/layout/hierarchy1"/>
-    <dgm:cxn modelId="{287548E8-8410-41D3-8443-CCA552541D6A}" type="presOf" srcId="{70446484-9994-4C59-8A65-45B9801F582A}" destId="{E527CD2D-AD99-41F6-AE40-7E342CA25AAB}" srcOrd="0" destOrd="0" presId="urn:microsoft.com/office/officeart/2005/8/layout/hierarchy1"/>
-    <dgm:cxn modelId="{9871CAEB-DE1C-447A-B169-F63C7B9DD07C}" type="presOf" srcId="{4DBAB8D6-87D4-4982-AB30-070D1AB43EBB}" destId="{F64451DB-5B1C-4693-A864-9899CC8DF953}" srcOrd="0" destOrd="0" presId="urn:microsoft.com/office/officeart/2005/8/layout/hierarchy1"/>
-    <dgm:cxn modelId="{53BCC0ED-87F3-45EE-838A-6A97B4620370}" srcId="{1284ADDE-F0B4-4DA0-9F4E-38C08D8B5634}" destId="{6EBD66C3-DF0A-4FFB-A7F8-441240AA1E27}" srcOrd="0" destOrd="0" parTransId="{F9E85187-8123-4E58-9EBF-B966E82E89BB}" sibTransId="{AD3ECA1C-4B5F-4818-9883-B713825288BC}"/>
-    <dgm:cxn modelId="{A893BCFB-071A-45DB-85D7-2D48CB83BEAF}" type="presOf" srcId="{5C241E5D-5E6E-448D-92B9-2342020E4063}" destId="{5A2C8D3E-17BD-4AF0-8FD6-D7779CDC680A}" srcOrd="0" destOrd="0" presId="urn:microsoft.com/office/officeart/2005/8/layout/hierarchy1"/>
-    <dgm:cxn modelId="{064A01FE-8459-4246-9619-136F5A3B1906}" type="presOf" srcId="{D3022967-AE3E-4728-84DA-B69C009FADBB}" destId="{0D3A65CC-00FA-4284-A1A4-0AC6B36EEE8C}" srcOrd="0" destOrd="0" presId="urn:microsoft.com/office/officeart/2005/8/layout/hierarchy1"/>
-    <dgm:cxn modelId="{A42276C9-C8FF-45CD-895A-14C2EA76561D}" type="presParOf" srcId="{FD342FC6-0CB7-4586-813B-B5FC711C4D0C}" destId="{F309900B-690C-4C38-9363-E291EAA2940C}" srcOrd="0" destOrd="0" presId="urn:microsoft.com/office/officeart/2005/8/layout/hierarchy1"/>
-    <dgm:cxn modelId="{62A3B081-E887-4958-9F38-5251F067BDD0}" type="presParOf" srcId="{F309900B-690C-4C38-9363-E291EAA2940C}" destId="{B2230478-1F87-4955-A454-3FE6EFC9F7AD}" srcOrd="0" destOrd="0" presId="urn:microsoft.com/office/officeart/2005/8/layout/hierarchy1"/>
-    <dgm:cxn modelId="{4F9BEE8F-1E17-4EC3-A7AD-089F0046A802}" type="presParOf" srcId="{B2230478-1F87-4955-A454-3FE6EFC9F7AD}" destId="{AFCF13D7-0DED-4BD1-A055-60E0B68BD4B1}" srcOrd="0" destOrd="0" presId="urn:microsoft.com/office/officeart/2005/8/layout/hierarchy1"/>
-    <dgm:cxn modelId="{6B9CCB72-3BFD-4805-B103-62EE7D2C1B2F}" type="presParOf" srcId="{B2230478-1F87-4955-A454-3FE6EFC9F7AD}" destId="{1C1727CD-0295-4143-B4AD-6B08DD888B4B}" srcOrd="1" destOrd="0" presId="urn:microsoft.com/office/officeart/2005/8/layout/hierarchy1"/>
-    <dgm:cxn modelId="{CC46B69B-1915-4AC5-B563-24F06041763B}" type="presParOf" srcId="{F309900B-690C-4C38-9363-E291EAA2940C}" destId="{1FC3D7B3-8EE8-4CBD-9508-8D3518DB1E78}" srcOrd="1" destOrd="0" presId="urn:microsoft.com/office/officeart/2005/8/layout/hierarchy1"/>
-    <dgm:cxn modelId="{04C6AC8C-F21E-4BD3-93F0-1DF539341C35}" type="presParOf" srcId="{1FC3D7B3-8EE8-4CBD-9508-8D3518DB1E78}" destId="{7D49C101-E155-4EEC-B8CF-49F774ADFDFD}" srcOrd="0" destOrd="0" presId="urn:microsoft.com/office/officeart/2005/8/layout/hierarchy1"/>
-    <dgm:cxn modelId="{9DC287AC-B8A5-4429-ADC1-E16AC3B15587}" type="presParOf" srcId="{1FC3D7B3-8EE8-4CBD-9508-8D3518DB1E78}" destId="{AE70B2D8-AD39-4D2B-8302-C9153AE085B4}" srcOrd="1" destOrd="0" presId="urn:microsoft.com/office/officeart/2005/8/layout/hierarchy1"/>
-    <dgm:cxn modelId="{A0C199CE-5840-4BCC-8B55-C84804C6746D}" type="presParOf" srcId="{AE70B2D8-AD39-4D2B-8302-C9153AE085B4}" destId="{871FBF59-0C42-44FB-9F42-2F4221F10375}" srcOrd="0" destOrd="0" presId="urn:microsoft.com/office/officeart/2005/8/layout/hierarchy1"/>
-    <dgm:cxn modelId="{CE92A0E4-8AF4-49CF-A8A2-6F091B5F9B95}" type="presParOf" srcId="{871FBF59-0C42-44FB-9F42-2F4221F10375}" destId="{5EE171E9-3478-4A53-80CF-B7AB9DD322AE}" srcOrd="0" destOrd="0" presId="urn:microsoft.com/office/officeart/2005/8/layout/hierarchy1"/>
-    <dgm:cxn modelId="{D0A1C805-C13D-475B-9AA6-440D7A77452C}" type="presParOf" srcId="{871FBF59-0C42-44FB-9F42-2F4221F10375}" destId="{386030E1-7AB0-479B-B679-93EC0BBDE7CC}" srcOrd="1" destOrd="0" presId="urn:microsoft.com/office/officeart/2005/8/layout/hierarchy1"/>
-    <dgm:cxn modelId="{B0C60A88-19D0-4F74-BC2B-2118778674D9}" type="presParOf" srcId="{AE70B2D8-AD39-4D2B-8302-C9153AE085B4}" destId="{596A8FBF-0B1C-4607-8FA4-A2996FE962C7}" srcOrd="1" destOrd="0" presId="urn:microsoft.com/office/officeart/2005/8/layout/hierarchy1"/>
-    <dgm:cxn modelId="{EEC5CA2B-A3AA-41F5-86DA-91FB73539541}" type="presParOf" srcId="{1FC3D7B3-8EE8-4CBD-9508-8D3518DB1E78}" destId="{CE137CB0-89B6-4297-A70F-F74A0937C72D}" srcOrd="2" destOrd="0" presId="urn:microsoft.com/office/officeart/2005/8/layout/hierarchy1"/>
-    <dgm:cxn modelId="{46E701CA-FA78-45AB-AE9C-0C32AB3610D3}" type="presParOf" srcId="{1FC3D7B3-8EE8-4CBD-9508-8D3518DB1E78}" destId="{AF31C61E-DDEC-43B6-A258-BC218F3BD908}" srcOrd="3" destOrd="0" presId="urn:microsoft.com/office/officeart/2005/8/layout/hierarchy1"/>
-    <dgm:cxn modelId="{BEFA93D7-F933-492B-B777-E44A4D80156C}" type="presParOf" srcId="{AF31C61E-DDEC-43B6-A258-BC218F3BD908}" destId="{4037BA05-664C-441D-984D-96402CFB9E85}" srcOrd="0" destOrd="0" presId="urn:microsoft.com/office/officeart/2005/8/layout/hierarchy1"/>
-    <dgm:cxn modelId="{25252329-0130-4A2E-AAD7-A4C6803134EA}" type="presParOf" srcId="{4037BA05-664C-441D-984D-96402CFB9E85}" destId="{1B64628F-E231-4D89-82DC-2A94017BF80C}" srcOrd="0" destOrd="0" presId="urn:microsoft.com/office/officeart/2005/8/layout/hierarchy1"/>
-    <dgm:cxn modelId="{DEB8A47F-FD59-4456-91D5-9E130A24C720}" type="presParOf" srcId="{4037BA05-664C-441D-984D-96402CFB9E85}" destId="{70A0D3E3-743F-4D81-9901-D144987BE020}" srcOrd="1" destOrd="0" presId="urn:microsoft.com/office/officeart/2005/8/layout/hierarchy1"/>
-    <dgm:cxn modelId="{EB979021-E344-4CBD-91F9-BC42671ADC77}" type="presParOf" srcId="{AF31C61E-DDEC-43B6-A258-BC218F3BD908}" destId="{ABE20002-63DF-4FA4-97F1-E7E13D07F06C}" srcOrd="1" destOrd="0" presId="urn:microsoft.com/office/officeart/2005/8/layout/hierarchy1"/>
-    <dgm:cxn modelId="{A1C76FEE-30D2-4037-82F7-6BEAEC4F6548}" type="presParOf" srcId="{ABE20002-63DF-4FA4-97F1-E7E13D07F06C}" destId="{32051591-1DB8-4568-84B7-AFAC65444473}" srcOrd="0" destOrd="0" presId="urn:microsoft.com/office/officeart/2005/8/layout/hierarchy1"/>
-    <dgm:cxn modelId="{45A01A3B-6771-411C-A2DE-2966FC1D7C57}" type="presParOf" srcId="{ABE20002-63DF-4FA4-97F1-E7E13D07F06C}" destId="{6B30E77A-2486-414E-968D-DC18A972A6B9}" srcOrd="1" destOrd="0" presId="urn:microsoft.com/office/officeart/2005/8/layout/hierarchy1"/>
-    <dgm:cxn modelId="{D8562A12-4FB5-4422-9FBC-0C3687B009CF}" type="presParOf" srcId="{6B30E77A-2486-414E-968D-DC18A972A6B9}" destId="{5B93B419-BEAB-4E1E-9DA9-2638684F6A8F}" srcOrd="0" destOrd="0" presId="urn:microsoft.com/office/officeart/2005/8/layout/hierarchy1"/>
-    <dgm:cxn modelId="{7538F41E-22F6-4B28-AE91-D782BF5BD942}" type="presParOf" srcId="{5B93B419-BEAB-4E1E-9DA9-2638684F6A8F}" destId="{BA5A5BD2-D7E3-420D-B2E7-44EFB9D473E4}" srcOrd="0" destOrd="0" presId="urn:microsoft.com/office/officeart/2005/8/layout/hierarchy1"/>
-    <dgm:cxn modelId="{6202FF4D-746D-4F14-B5B7-CC0D758553D3}" type="presParOf" srcId="{5B93B419-BEAB-4E1E-9DA9-2638684F6A8F}" destId="{9D4089DF-8ADC-4CEB-A174-0D6C046DF97C}" srcOrd="1" destOrd="0" presId="urn:microsoft.com/office/officeart/2005/8/layout/hierarchy1"/>
-    <dgm:cxn modelId="{BCCA3E49-C4F5-4B30-BE18-29973ED23151}" type="presParOf" srcId="{6B30E77A-2486-414E-968D-DC18A972A6B9}" destId="{DA1290F4-A68D-4F45-842B-0C5C5805B390}" srcOrd="1" destOrd="0" presId="urn:microsoft.com/office/officeart/2005/8/layout/hierarchy1"/>
-    <dgm:cxn modelId="{340D50AB-71B8-4873-902E-3DAF3E15EF88}" type="presParOf" srcId="{ABE20002-63DF-4FA4-97F1-E7E13D07F06C}" destId="{5274E8AD-2226-4196-95EF-634907FED31F}" srcOrd="2" destOrd="0" presId="urn:microsoft.com/office/officeart/2005/8/layout/hierarchy1"/>
-    <dgm:cxn modelId="{341DBA98-133A-4453-9C76-C42920A97355}" type="presParOf" srcId="{ABE20002-63DF-4FA4-97F1-E7E13D07F06C}" destId="{168489C3-61DA-467F-933F-E250496038DE}" srcOrd="3" destOrd="0" presId="urn:microsoft.com/office/officeart/2005/8/layout/hierarchy1"/>
-    <dgm:cxn modelId="{C41BE973-8173-499D-A905-5BCEA4F29B1F}" type="presParOf" srcId="{168489C3-61DA-467F-933F-E250496038DE}" destId="{E7E58970-6326-4C16-B6AB-139150C48EE2}" srcOrd="0" destOrd="0" presId="urn:microsoft.com/office/officeart/2005/8/layout/hierarchy1"/>
-    <dgm:cxn modelId="{1E846C12-74B8-4EA3-B6AA-6633F3657214}" type="presParOf" srcId="{E7E58970-6326-4C16-B6AB-139150C48EE2}" destId="{4211533D-B124-4AF1-8EEA-EDD82B387853}" srcOrd="0" destOrd="0" presId="urn:microsoft.com/office/officeart/2005/8/layout/hierarchy1"/>
-    <dgm:cxn modelId="{B0756415-F1D0-4C7F-8AAC-A702A1549749}" type="presParOf" srcId="{E7E58970-6326-4C16-B6AB-139150C48EE2}" destId="{5A2C8D3E-17BD-4AF0-8FD6-D7779CDC680A}" srcOrd="1" destOrd="0" presId="urn:microsoft.com/office/officeart/2005/8/layout/hierarchy1"/>
-    <dgm:cxn modelId="{0ECBD623-A585-41C6-BBC7-6D8EF2C80C82}" type="presParOf" srcId="{168489C3-61DA-467F-933F-E250496038DE}" destId="{9F5ECF6A-701D-4C42-BE7F-564D7C09C769}" srcOrd="1" destOrd="0" presId="urn:microsoft.com/office/officeart/2005/8/layout/hierarchy1"/>
-    <dgm:cxn modelId="{AB5131B5-648B-43AE-8CDA-D65D543D5E77}" type="presParOf" srcId="{ABE20002-63DF-4FA4-97F1-E7E13D07F06C}" destId="{E527CD2D-AD99-41F6-AE40-7E342CA25AAB}" srcOrd="4" destOrd="0" presId="urn:microsoft.com/office/officeart/2005/8/layout/hierarchy1"/>
-    <dgm:cxn modelId="{AC1B53CD-D076-48C6-8794-9E790DF8774B}" type="presParOf" srcId="{ABE20002-63DF-4FA4-97F1-E7E13D07F06C}" destId="{106880B7-017A-4826-97EB-04D1670ACEEB}" srcOrd="5" destOrd="0" presId="urn:microsoft.com/office/officeart/2005/8/layout/hierarchy1"/>
-    <dgm:cxn modelId="{6483B2AB-6DF0-4281-9FB9-1EF5C151C744}" type="presParOf" srcId="{106880B7-017A-4826-97EB-04D1670ACEEB}" destId="{FF2EA76B-20FE-4BAA-8187-BF59BEDC9C58}" srcOrd="0" destOrd="0" presId="urn:microsoft.com/office/officeart/2005/8/layout/hierarchy1"/>
-    <dgm:cxn modelId="{1EE215DD-6061-4EF0-B009-6CD25C4C065E}" type="presParOf" srcId="{FF2EA76B-20FE-4BAA-8187-BF59BEDC9C58}" destId="{FD05FFDB-8A58-42FF-B8D3-70D841631AE2}" srcOrd="0" destOrd="0" presId="urn:microsoft.com/office/officeart/2005/8/layout/hierarchy1"/>
-    <dgm:cxn modelId="{F6B09A3F-66FF-4FF5-A4A9-FD14D74AC597}" type="presParOf" srcId="{FF2EA76B-20FE-4BAA-8187-BF59BEDC9C58}" destId="{6EE4F236-E7BF-42DC-B5E0-10F8B59B5417}" srcOrd="1" destOrd="0" presId="urn:microsoft.com/office/officeart/2005/8/layout/hierarchy1"/>
-    <dgm:cxn modelId="{3696E315-83E2-45F7-BA04-0EF93F75178A}" type="presParOf" srcId="{106880B7-017A-4826-97EB-04D1670ACEEB}" destId="{63360D56-FDBC-4517-91CA-7CA723837056}" srcOrd="1" destOrd="0" presId="urn:microsoft.com/office/officeart/2005/8/layout/hierarchy1"/>
-    <dgm:cxn modelId="{F79D4996-BB3F-40E1-8CA0-C922EFAFD8BC}" type="presParOf" srcId="{1FC3D7B3-8EE8-4CBD-9508-8D3518DB1E78}" destId="{1EF71D1E-5C9D-46C7-96C0-AD29E4874135}" srcOrd="4" destOrd="0" presId="urn:microsoft.com/office/officeart/2005/8/layout/hierarchy1"/>
-    <dgm:cxn modelId="{F10FB739-FFD1-4604-90A0-DFE9E7A476E0}" type="presParOf" srcId="{1FC3D7B3-8EE8-4CBD-9508-8D3518DB1E78}" destId="{7D56D712-38A9-49CB-9AC8-F594F63E93EF}" srcOrd="5" destOrd="0" presId="urn:microsoft.com/office/officeart/2005/8/layout/hierarchy1"/>
-    <dgm:cxn modelId="{A00AA313-15C7-49D0-B9DE-7C5B3D8ED821}" type="presParOf" srcId="{7D56D712-38A9-49CB-9AC8-F594F63E93EF}" destId="{25FADCBC-DF99-4BF7-BD40-185C5B311E87}" srcOrd="0" destOrd="0" presId="urn:microsoft.com/office/officeart/2005/8/layout/hierarchy1"/>
-    <dgm:cxn modelId="{19B4AB65-2DC9-4208-91E1-FD57DB1B5949}" type="presParOf" srcId="{25FADCBC-DF99-4BF7-BD40-185C5B311E87}" destId="{78AF28BA-70B9-43C8-AA74-D4B1C046B98A}" srcOrd="0" destOrd="0" presId="urn:microsoft.com/office/officeart/2005/8/layout/hierarchy1"/>
-    <dgm:cxn modelId="{5AD6715D-36BB-4C5E-AF17-2694D8B6F92E}" type="presParOf" srcId="{25FADCBC-DF99-4BF7-BD40-185C5B311E87}" destId="{92312FD4-07AA-4920-872D-1AC3A82A7419}" srcOrd="1" destOrd="0" presId="urn:microsoft.com/office/officeart/2005/8/layout/hierarchy1"/>
-    <dgm:cxn modelId="{0F758E0C-FACE-477C-85DE-E04D984B485C}" type="presParOf" srcId="{7D56D712-38A9-49CB-9AC8-F594F63E93EF}" destId="{0E40F52E-418E-4D2E-A753-D7BC09290997}" srcOrd="1" destOrd="0" presId="urn:microsoft.com/office/officeart/2005/8/layout/hierarchy1"/>
-    <dgm:cxn modelId="{A908ADD6-3B14-4F81-9FF7-7FF51E389AF9}" type="presParOf" srcId="{0E40F52E-418E-4D2E-A753-D7BC09290997}" destId="{F64451DB-5B1C-4693-A864-9899CC8DF953}" srcOrd="0" destOrd="0" presId="urn:microsoft.com/office/officeart/2005/8/layout/hierarchy1"/>
-    <dgm:cxn modelId="{B3E0FDAE-0F2F-4D96-B193-0DAD716B0606}" type="presParOf" srcId="{0E40F52E-418E-4D2E-A753-D7BC09290997}" destId="{BCAA8537-6302-4D01-9A90-F8E8B90BF28C}" srcOrd="1" destOrd="0" presId="urn:microsoft.com/office/officeart/2005/8/layout/hierarchy1"/>
-    <dgm:cxn modelId="{B478279B-50FE-46F0-8363-06A0CD536425}" type="presParOf" srcId="{BCAA8537-6302-4D01-9A90-F8E8B90BF28C}" destId="{C071AEC0-CC0C-4AE1-9006-AF91F56221A6}" srcOrd="0" destOrd="0" presId="urn:microsoft.com/office/officeart/2005/8/layout/hierarchy1"/>
-    <dgm:cxn modelId="{FA5D4ABE-E275-4E82-9FE5-06D757B6451F}" type="presParOf" srcId="{C071AEC0-CC0C-4AE1-9006-AF91F56221A6}" destId="{F2F27772-E097-421E-8974-D72D3C02463D}" srcOrd="0" destOrd="0" presId="urn:microsoft.com/office/officeart/2005/8/layout/hierarchy1"/>
-    <dgm:cxn modelId="{3E2C5594-B61D-4981-A55E-92A79E1B26C4}" type="presParOf" srcId="{C071AEC0-CC0C-4AE1-9006-AF91F56221A6}" destId="{517F49BA-16FB-45D3-9144-5B61CEF844E9}" srcOrd="1" destOrd="0" presId="urn:microsoft.com/office/officeart/2005/8/layout/hierarchy1"/>
-    <dgm:cxn modelId="{B369433C-29A3-42AB-9231-703AB8A0598C}" type="presParOf" srcId="{BCAA8537-6302-4D01-9A90-F8E8B90BF28C}" destId="{82C19423-4B8C-40E3-94DA-D5767039908B}" srcOrd="1" destOrd="0" presId="urn:microsoft.com/office/officeart/2005/8/layout/hierarchy1"/>
-    <dgm:cxn modelId="{C812935C-ADD2-464F-8E8A-F039A25F5302}" type="presParOf" srcId="{0E40F52E-418E-4D2E-A753-D7BC09290997}" destId="{8F94AE68-BBCF-43C8-96EC-DB5B618E6866}" srcOrd="2" destOrd="0" presId="urn:microsoft.com/office/officeart/2005/8/layout/hierarchy1"/>
-    <dgm:cxn modelId="{B47F47DD-A72B-42F8-BEC9-9E140585331B}" type="presParOf" srcId="{0E40F52E-418E-4D2E-A753-D7BC09290997}" destId="{167678B8-9F45-4EBD-8883-014A664F9550}" srcOrd="3" destOrd="0" presId="urn:microsoft.com/office/officeart/2005/8/layout/hierarchy1"/>
-    <dgm:cxn modelId="{A1275200-4A9C-43FB-9EB6-17860970C626}" type="presParOf" srcId="{167678B8-9F45-4EBD-8883-014A664F9550}" destId="{F17A661A-1195-4602-84C9-25634CA14FDF}" srcOrd="0" destOrd="0" presId="urn:microsoft.com/office/officeart/2005/8/layout/hierarchy1"/>
-    <dgm:cxn modelId="{C94FBEDA-315C-4D9E-91ED-056DFC3ADBB3}" type="presParOf" srcId="{F17A661A-1195-4602-84C9-25634CA14FDF}" destId="{5F5550A5-40CC-4005-86BC-E4C04542056F}" srcOrd="0" destOrd="0" presId="urn:microsoft.com/office/officeart/2005/8/layout/hierarchy1"/>
-    <dgm:cxn modelId="{90A892F2-6E27-48AF-B9BF-BA8DA3EF3772}" type="presParOf" srcId="{F17A661A-1195-4602-84C9-25634CA14FDF}" destId="{0D3A65CC-00FA-4284-A1A4-0AC6B36EEE8C}" srcOrd="1" destOrd="0" presId="urn:microsoft.com/office/officeart/2005/8/layout/hierarchy1"/>
-    <dgm:cxn modelId="{80ACC58F-18AC-41B9-84F9-CC336B2666C8}" type="presParOf" srcId="{167678B8-9F45-4EBD-8883-014A664F9550}" destId="{3690044E-B011-4EDC-A12C-AF5646B962D6}" srcOrd="1" destOrd="0" presId="urn:microsoft.com/office/officeart/2005/8/layout/hierarchy1"/>
-    <dgm:cxn modelId="{DBC997B6-6E9B-49DE-A7B2-896BB4A7FE83}" type="presParOf" srcId="{1FC3D7B3-8EE8-4CBD-9508-8D3518DB1E78}" destId="{270A4F23-8FA4-421F-85DF-45D91849B3B0}" srcOrd="6" destOrd="0" presId="urn:microsoft.com/office/officeart/2005/8/layout/hierarchy1"/>
-    <dgm:cxn modelId="{72177AC4-624E-4245-A4FF-4E216B7DB3F9}" type="presParOf" srcId="{1FC3D7B3-8EE8-4CBD-9508-8D3518DB1E78}" destId="{322C4FB9-8F72-4DA7-B345-FEB35D6B950B}" srcOrd="7" destOrd="0" presId="urn:microsoft.com/office/officeart/2005/8/layout/hierarchy1"/>
-    <dgm:cxn modelId="{F6282DF8-6C48-4976-9FB7-02412838C67B}" type="presParOf" srcId="{322C4FB9-8F72-4DA7-B345-FEB35D6B950B}" destId="{2754B075-48E5-49E9-8BA4-4C5E77257552}" srcOrd="0" destOrd="0" presId="urn:microsoft.com/office/officeart/2005/8/layout/hierarchy1"/>
-    <dgm:cxn modelId="{0B1108D5-6143-4C27-B20B-19F4B0B9319A}" type="presParOf" srcId="{2754B075-48E5-49E9-8BA4-4C5E77257552}" destId="{7703711D-DF7C-48F8-91EA-D3100E8F4581}" srcOrd="0" destOrd="0" presId="urn:microsoft.com/office/officeart/2005/8/layout/hierarchy1"/>
-    <dgm:cxn modelId="{4E84EC95-087A-4641-A6B1-51027D5B787C}" type="presParOf" srcId="{2754B075-48E5-49E9-8BA4-4C5E77257552}" destId="{A3E264F6-FCE2-44A2-8A0B-513C933A631A}" srcOrd="1" destOrd="0" presId="urn:microsoft.com/office/officeart/2005/8/layout/hierarchy1"/>
-    <dgm:cxn modelId="{70D26057-FF20-4516-9BD1-1950BE315D30}" type="presParOf" srcId="{322C4FB9-8F72-4DA7-B345-FEB35D6B950B}" destId="{ABBD9A7F-98DA-4209-BA98-E1B82854216E}" srcOrd="1" destOrd="0" presId="urn:microsoft.com/office/officeart/2005/8/layout/hierarchy1"/>
-    <dgm:cxn modelId="{CFF6335C-7D59-4114-A119-3A92A457033B}" type="presParOf" srcId="{ABBD9A7F-98DA-4209-BA98-E1B82854216E}" destId="{859F6883-EEB5-4792-8007-612B5999282F}" srcOrd="0" destOrd="0" presId="urn:microsoft.com/office/officeart/2005/8/layout/hierarchy1"/>
-    <dgm:cxn modelId="{F7A30823-3249-46D4-A3E9-D7F66A478C24}" type="presParOf" srcId="{ABBD9A7F-98DA-4209-BA98-E1B82854216E}" destId="{016D0139-BC61-495B-8096-8E6D4E8FF7CB}" srcOrd="1" destOrd="0" presId="urn:microsoft.com/office/officeart/2005/8/layout/hierarchy1"/>
-    <dgm:cxn modelId="{AE2B8D7E-53A5-4DD9-8F18-24372524BE9A}" type="presParOf" srcId="{016D0139-BC61-495B-8096-8E6D4E8FF7CB}" destId="{A0BA01B2-1892-4D4F-8209-5D509EFB5BA2}" srcOrd="0" destOrd="0" presId="urn:microsoft.com/office/officeart/2005/8/layout/hierarchy1"/>
-    <dgm:cxn modelId="{C2B480D8-3165-448D-B002-750D4AF8879E}" type="presParOf" srcId="{A0BA01B2-1892-4D4F-8209-5D509EFB5BA2}" destId="{2EE76C6A-F472-489D-AF10-38C9F77E1887}" srcOrd="0" destOrd="0" presId="urn:microsoft.com/office/officeart/2005/8/layout/hierarchy1"/>
-    <dgm:cxn modelId="{CE7F9252-46E0-47F4-8FA1-F704F70F1C22}" type="presParOf" srcId="{A0BA01B2-1892-4D4F-8209-5D509EFB5BA2}" destId="{892C51A0-CAED-4BCA-8BB1-C8444016A5C2}" srcOrd="1" destOrd="0" presId="urn:microsoft.com/office/officeart/2005/8/layout/hierarchy1"/>
-    <dgm:cxn modelId="{40A3D42F-FC87-45A5-9353-7BF910C7B653}" type="presParOf" srcId="{016D0139-BC61-495B-8096-8E6D4E8FF7CB}" destId="{333000DA-E916-4E6E-A961-62DC416B854C}" srcOrd="1" destOrd="0" presId="urn:microsoft.com/office/officeart/2005/8/layout/hierarchy1"/>
-    <dgm:cxn modelId="{538A1C88-41EE-4135-B631-718E343C75B0}" type="presParOf" srcId="{ABBD9A7F-98DA-4209-BA98-E1B82854216E}" destId="{1700B587-320A-4C8F-BA70-B6FA49BEEF08}" srcOrd="2" destOrd="0" presId="urn:microsoft.com/office/officeart/2005/8/layout/hierarchy1"/>
-    <dgm:cxn modelId="{86A93C81-E487-4D67-B895-9FCABC2070D6}" type="presParOf" srcId="{ABBD9A7F-98DA-4209-BA98-E1B82854216E}" destId="{8F7186B9-4EFB-4AA7-8E52-D33637B98622}" srcOrd="3" destOrd="0" presId="urn:microsoft.com/office/officeart/2005/8/layout/hierarchy1"/>
-    <dgm:cxn modelId="{801BA1C4-D419-45C3-8A3C-C665D1F38775}" type="presParOf" srcId="{8F7186B9-4EFB-4AA7-8E52-D33637B98622}" destId="{873FE85E-77F4-4B24-BE58-24B8D2CF189E}" srcOrd="0" destOrd="0" presId="urn:microsoft.com/office/officeart/2005/8/layout/hierarchy1"/>
-    <dgm:cxn modelId="{FB88D9D5-183A-4666-B3CC-19611B5A86FA}" type="presParOf" srcId="{873FE85E-77F4-4B24-BE58-24B8D2CF189E}" destId="{ACBA90E2-2B86-485C-92AC-FC9A159285C3}" srcOrd="0" destOrd="0" presId="urn:microsoft.com/office/officeart/2005/8/layout/hierarchy1"/>
-    <dgm:cxn modelId="{E55DC424-4E2C-47A0-82CF-D2F0BCC4B437}" type="presParOf" srcId="{873FE85E-77F4-4B24-BE58-24B8D2CF189E}" destId="{EA4FA045-1DEE-434A-AA47-9ABE50FD8364}" srcOrd="1" destOrd="0" presId="urn:microsoft.com/office/officeart/2005/8/layout/hierarchy1"/>
-    <dgm:cxn modelId="{EE0D6B30-5AEE-44AE-AAF2-EE8366531C2A}" type="presParOf" srcId="{8F7186B9-4EFB-4AA7-8E52-D33637B98622}" destId="{57E84E58-EB37-4077-A8DD-8AAD1E82FD78}" srcOrd="1" destOrd="0" presId="urn:microsoft.com/office/officeart/2005/8/layout/hierarchy1"/>
-    <dgm:cxn modelId="{891BB374-FC3F-4B27-A107-7F257F0B7EE6}" type="presParOf" srcId="{1FC3D7B3-8EE8-4CBD-9508-8D3518DB1E78}" destId="{DA6E5A26-5221-4EDC-8A23-FC391ECB1B8C}" srcOrd="8" destOrd="0" presId="urn:microsoft.com/office/officeart/2005/8/layout/hierarchy1"/>
-    <dgm:cxn modelId="{BCD4AE94-1F0B-4158-89E1-6498D16BDFEC}" type="presParOf" srcId="{1FC3D7B3-8EE8-4CBD-9508-8D3518DB1E78}" destId="{FFC81381-C79D-46B2-9B73-1B7963FD1919}" srcOrd="9" destOrd="0" presId="urn:microsoft.com/office/officeart/2005/8/layout/hierarchy1"/>
-    <dgm:cxn modelId="{DCCD2185-D7C4-43D9-86DE-27B16D9E6AAA}" type="presParOf" srcId="{FFC81381-C79D-46B2-9B73-1B7963FD1919}" destId="{A53E7A8A-181D-4FFF-AC52-226464EBAEAE}" srcOrd="0" destOrd="0" presId="urn:microsoft.com/office/officeart/2005/8/layout/hierarchy1"/>
-    <dgm:cxn modelId="{E7CBA489-7326-49BE-9874-D6A8CC69ABBE}" type="presParOf" srcId="{A53E7A8A-181D-4FFF-AC52-226464EBAEAE}" destId="{D106DAD3-7711-4D0F-8408-47FC5F3D3FA8}" srcOrd="0" destOrd="0" presId="urn:microsoft.com/office/officeart/2005/8/layout/hierarchy1"/>
-    <dgm:cxn modelId="{8154497C-34CD-41F7-B12C-403BC89C1239}" type="presParOf" srcId="{A53E7A8A-181D-4FFF-AC52-226464EBAEAE}" destId="{55688118-0E07-41A0-B926-C9A531417961}" srcOrd="1" destOrd="0" presId="urn:microsoft.com/office/officeart/2005/8/layout/hierarchy1"/>
-    <dgm:cxn modelId="{B6E0CF65-953E-4465-8F0D-67555CFAA4A1}" type="presParOf" srcId="{FFC81381-C79D-46B2-9B73-1B7963FD1919}" destId="{FCF8DCD9-78DB-4518-A81F-2C39C6CEF352}" srcOrd="1" destOrd="0" presId="urn:microsoft.com/office/officeart/2005/8/layout/hierarchy1"/>
-    <dgm:cxn modelId="{C2C6138B-9692-4797-B1A5-3612FF40D440}" type="presParOf" srcId="{FCF8DCD9-78DB-4518-A81F-2C39C6CEF352}" destId="{0A142384-BB95-4364-8B96-9327BF2D5D61}" srcOrd="0" destOrd="0" presId="urn:microsoft.com/office/officeart/2005/8/layout/hierarchy1"/>
-    <dgm:cxn modelId="{F336E2D6-E627-4971-97BA-A081AB048E90}" type="presParOf" srcId="{FCF8DCD9-78DB-4518-A81F-2C39C6CEF352}" destId="{BB3E8D8E-B247-4653-B0AE-483E497BD682}" srcOrd="1" destOrd="0" presId="urn:microsoft.com/office/officeart/2005/8/layout/hierarchy1"/>
-    <dgm:cxn modelId="{01047A23-DAC1-49A5-879B-A9C672C9101B}" type="presParOf" srcId="{BB3E8D8E-B247-4653-B0AE-483E497BD682}" destId="{DB2DB60D-1E2D-42E2-9042-457C87110075}" srcOrd="0" destOrd="0" presId="urn:microsoft.com/office/officeart/2005/8/layout/hierarchy1"/>
-    <dgm:cxn modelId="{355F1EC1-F110-4748-8275-35DCE57DDE42}" type="presParOf" srcId="{DB2DB60D-1E2D-42E2-9042-457C87110075}" destId="{F1B3B661-9996-49CD-93E7-F72F5F0F8210}" srcOrd="0" destOrd="0" presId="urn:microsoft.com/office/officeart/2005/8/layout/hierarchy1"/>
-    <dgm:cxn modelId="{55088E57-935E-4F30-AB1A-40F7AC11DCCB}" type="presParOf" srcId="{DB2DB60D-1E2D-42E2-9042-457C87110075}" destId="{959C23C1-4EE8-4FEE-83C5-60692A591F02}" srcOrd="1" destOrd="0" presId="urn:microsoft.com/office/officeart/2005/8/layout/hierarchy1"/>
-    <dgm:cxn modelId="{8DCEA650-96D3-4528-A4BB-0CEDE16D6F08}" type="presParOf" srcId="{BB3E8D8E-B247-4653-B0AE-483E497BD682}" destId="{7FFFCB2F-A704-4409-98A8-63A1740E9BF4}" srcOrd="1" destOrd="0" presId="urn:microsoft.com/office/officeart/2005/8/layout/hierarchy1"/>
-    <dgm:cxn modelId="{4AC71FD8-9C4E-48D0-A5CC-70F88C4B15AA}" type="presParOf" srcId="{1FC3D7B3-8EE8-4CBD-9508-8D3518DB1E78}" destId="{AF169081-2453-4617-AEFD-519CB130593E}" srcOrd="10" destOrd="0" presId="urn:microsoft.com/office/officeart/2005/8/layout/hierarchy1"/>
-    <dgm:cxn modelId="{9ED38EE7-4ADF-414C-A80F-E1ECABB7F4F6}" type="presParOf" srcId="{1FC3D7B3-8EE8-4CBD-9508-8D3518DB1E78}" destId="{F6BF9DA0-9D8D-4651-9C43-EF1001738FE3}" srcOrd="11" destOrd="0" presId="urn:microsoft.com/office/officeart/2005/8/layout/hierarchy1"/>
-    <dgm:cxn modelId="{AAFF26AE-1642-4C11-A2F9-97B8CC58CE79}" type="presParOf" srcId="{F6BF9DA0-9D8D-4651-9C43-EF1001738FE3}" destId="{5FB8D147-0E20-4320-B54D-FF6DFF0C3706}" srcOrd="0" destOrd="0" presId="urn:microsoft.com/office/officeart/2005/8/layout/hierarchy1"/>
-    <dgm:cxn modelId="{2DDE3BD4-01C7-43AC-BD59-36FDED39437A}" type="presParOf" srcId="{5FB8D147-0E20-4320-B54D-FF6DFF0C3706}" destId="{E483292C-D5E6-4593-8298-650311FF0C8F}" srcOrd="0" destOrd="0" presId="urn:microsoft.com/office/officeart/2005/8/layout/hierarchy1"/>
-    <dgm:cxn modelId="{7F2F8FFE-A0AB-46A9-AA17-DF1C2B436C77}" type="presParOf" srcId="{5FB8D147-0E20-4320-B54D-FF6DFF0C3706}" destId="{15AA37A3-E215-4382-B03D-BCA35D3FCD44}" srcOrd="1" destOrd="0" presId="urn:microsoft.com/office/officeart/2005/8/layout/hierarchy1"/>
-    <dgm:cxn modelId="{33DC7A9E-7830-4810-AEB1-994DA3DB1457}" type="presParOf" srcId="{F6BF9DA0-9D8D-4651-9C43-EF1001738FE3}" destId="{F60E3411-E0B6-4A57-B6CD-7FBA20426000}" srcOrd="1" destOrd="0" presId="urn:microsoft.com/office/officeart/2005/8/layout/hierarchy1"/>
-    <dgm:cxn modelId="{C90A0EE5-C3CB-493F-94A7-0CFB09C3BBD9}" type="presParOf" srcId="{F60E3411-E0B6-4A57-B6CD-7FBA20426000}" destId="{FDF92634-D471-4F6E-8182-6A625B9EF1B4}" srcOrd="0" destOrd="0" presId="urn:microsoft.com/office/officeart/2005/8/layout/hierarchy1"/>
-    <dgm:cxn modelId="{A5DC6DE8-7828-40FF-BE29-34D1E94AF036}" type="presParOf" srcId="{F60E3411-E0B6-4A57-B6CD-7FBA20426000}" destId="{736D297B-E3C5-4A24-82AB-708EB712342A}" srcOrd="1" destOrd="0" presId="urn:microsoft.com/office/officeart/2005/8/layout/hierarchy1"/>
-    <dgm:cxn modelId="{9BD32F8C-9CAB-4D25-AE7C-917CFFAC3A3F}" type="presParOf" srcId="{736D297B-E3C5-4A24-82AB-708EB712342A}" destId="{5EAD2F26-7D10-4060-B125-4FC2636FE14C}" srcOrd="0" destOrd="0" presId="urn:microsoft.com/office/officeart/2005/8/layout/hierarchy1"/>
-    <dgm:cxn modelId="{FC9BFF9D-8528-48A3-98DB-CAF5FB8665DF}" type="presParOf" srcId="{5EAD2F26-7D10-4060-B125-4FC2636FE14C}" destId="{3EBCD798-125E-4358-A0E6-137AFA41639E}" srcOrd="0" destOrd="0" presId="urn:microsoft.com/office/officeart/2005/8/layout/hierarchy1"/>
-    <dgm:cxn modelId="{31DD8D6F-B721-478A-8768-749FFED233FD}" type="presParOf" srcId="{5EAD2F26-7D10-4060-B125-4FC2636FE14C}" destId="{82EF6665-5A49-45F2-A9DB-C2F7B2E68F0A}" srcOrd="1" destOrd="0" presId="urn:microsoft.com/office/officeart/2005/8/layout/hierarchy1"/>
-    <dgm:cxn modelId="{9EB393EE-1BF8-4330-A297-0D54978FF776}" type="presParOf" srcId="{736D297B-E3C5-4A24-82AB-708EB712342A}" destId="{D068BD93-67EA-41C1-8FCE-F027B3BF35AF}" srcOrd="1" destOrd="0" presId="urn:microsoft.com/office/officeart/2005/8/layout/hierarchy1"/>
-    <dgm:cxn modelId="{842A19D1-4822-4FA8-9D5A-064F34B0826C}" type="presParOf" srcId="{F60E3411-E0B6-4A57-B6CD-7FBA20426000}" destId="{65F647B6-6B1D-47B2-BD08-4BA62ABECCA2}" srcOrd="2" destOrd="0" presId="urn:microsoft.com/office/officeart/2005/8/layout/hierarchy1"/>
-    <dgm:cxn modelId="{180CBF4D-7D84-4C72-9E8A-473D3FFDF966}" type="presParOf" srcId="{F60E3411-E0B6-4A57-B6CD-7FBA20426000}" destId="{069CE474-6F9E-4DEE-A804-DEF838DD396F}" srcOrd="3" destOrd="0" presId="urn:microsoft.com/office/officeart/2005/8/layout/hierarchy1"/>
-    <dgm:cxn modelId="{8D326244-F9A8-4165-B75B-8079E6BCCD7B}" type="presParOf" srcId="{069CE474-6F9E-4DEE-A804-DEF838DD396F}" destId="{D8445002-1443-4DB0-8A52-A14A52387553}" srcOrd="0" destOrd="0" presId="urn:microsoft.com/office/officeart/2005/8/layout/hierarchy1"/>
-    <dgm:cxn modelId="{FA488AA6-A5BB-4CC3-BCF1-474FE563F30A}" type="presParOf" srcId="{D8445002-1443-4DB0-8A52-A14A52387553}" destId="{81EFDDE4-8199-4220-831F-862B75923456}" srcOrd="0" destOrd="0" presId="urn:microsoft.com/office/officeart/2005/8/layout/hierarchy1"/>
-    <dgm:cxn modelId="{58CCA25B-B354-43B9-B847-48C41C411DBF}" type="presParOf" srcId="{D8445002-1443-4DB0-8A52-A14A52387553}" destId="{44408C57-3815-4766-A161-8FE90EE42DA1}" srcOrd="1" destOrd="0" presId="urn:microsoft.com/office/officeart/2005/8/layout/hierarchy1"/>
-    <dgm:cxn modelId="{33ED4FC3-8AFA-477F-B419-726AAE933F69}" type="presParOf" srcId="{069CE474-6F9E-4DEE-A804-DEF838DD396F}" destId="{2DF2F985-7699-476A-BDD4-7C064D6CEFD4}" srcOrd="1" destOrd="0" presId="urn:microsoft.com/office/officeart/2005/8/layout/hierarchy1"/>
+    <dgm:cxn modelId="{31EA6F6D-DC2E-49A7-8114-B70323F3CC70}" type="presOf" srcId="{8EA59DA5-0E52-49AD-8DE9-EAAABE70D1AB}" destId="{D64CACF3-8626-4A03-A976-297FA2EA7200}" srcOrd="0" destOrd="0" presId="urn:microsoft.com/office/officeart/2005/8/layout/hierarchy1"/>
+    <dgm:cxn modelId="{D8ADAE59-4653-4F90-836E-03202B70E538}" srcId="{A76B50C3-AF9A-4BFA-AA31-E8622AE3CEDE}" destId="{8EA59DA5-0E52-49AD-8DE9-EAAABE70D1AB}" srcOrd="1" destOrd="0" parTransId="{2BE9CA1F-D39D-460C-882C-7420CF928D16}" sibTransId="{E2BE6255-E7C1-41F4-9251-2AD3973EB298}"/>
+    <dgm:cxn modelId="{B73B987D-6097-4B35-B704-62EF1345E002}" srcId="{A76B50C3-AF9A-4BFA-AA31-E8622AE3CEDE}" destId="{75C2E9D3-D15E-4C2B-AAE3-1BDF3FD3B2E9}" srcOrd="0" destOrd="0" parTransId="{9FC99459-3621-4EFC-9211-8287486456A7}" sibTransId="{980B5443-3CCF-4CB9-A0CB-391BD85251A3}"/>
+    <dgm:cxn modelId="{C8E00D82-B322-4D12-9D68-00D854FD9C68}" type="presOf" srcId="{75C2E9D3-D15E-4C2B-AAE3-1BDF3FD3B2E9}" destId="{40088974-41DD-4C0F-821C-708972EB23B3}" srcOrd="0" destOrd="0" presId="urn:microsoft.com/office/officeart/2005/8/layout/hierarchy1"/>
+    <dgm:cxn modelId="{1BFB67B7-B6C1-429B-8429-0F37C0A0994C}" srcId="{95BB7939-8913-4B3C-8916-30ABC495FDED}" destId="{A76B50C3-AF9A-4BFA-AA31-E8622AE3CEDE}" srcOrd="0" destOrd="0" parTransId="{624EBC63-F38A-4FCD-8077-8C3E4163EAF7}" sibTransId="{93CC81A4-A403-47AF-A3E6-37CEA407E556}"/>
+    <dgm:cxn modelId="{81C229C3-FAF4-493D-8BAC-EC7F0309831D}" type="presOf" srcId="{9FC99459-3621-4EFC-9211-8287486456A7}" destId="{6723C8A6-3BAA-47F0-A866-13A7CB98F77E}" srcOrd="0" destOrd="0" presId="urn:microsoft.com/office/officeart/2005/8/layout/hierarchy1"/>
+    <dgm:cxn modelId="{8F43A7D3-B121-4243-A353-BDDB96152219}" type="presOf" srcId="{99BA4B55-01B7-4043-B9FC-C908D7296434}" destId="{6C6D2716-F8A2-4416-A309-CACB299A674F}" srcOrd="0" destOrd="0" presId="urn:microsoft.com/office/officeart/2005/8/layout/hierarchy1"/>
+    <dgm:cxn modelId="{D362BFE9-0B2B-4470-99F5-8835F9A63B4D}" srcId="{A76B50C3-AF9A-4BFA-AA31-E8622AE3CEDE}" destId="{AA2F1584-E706-4521-939A-01207AE207E9}" srcOrd="2" destOrd="0" parTransId="{99BA4B55-01B7-4043-B9FC-C908D7296434}" sibTransId="{99DF86DC-2350-42FC-B4EA-F61337A71827}"/>
+    <dgm:cxn modelId="{019052F9-F3CD-4422-B0C9-87AC005252E2}" type="presOf" srcId="{A76B50C3-AF9A-4BFA-AA31-E8622AE3CEDE}" destId="{CD14573F-E355-44A1-9D05-97D98CDB0F2F}" srcOrd="0" destOrd="0" presId="urn:microsoft.com/office/officeart/2005/8/layout/hierarchy1"/>
+    <dgm:cxn modelId="{E8A11CFC-D67F-4136-8DBF-0F83376D0909}" type="presOf" srcId="{2BE9CA1F-D39D-460C-882C-7420CF928D16}" destId="{E20FD126-5A13-4EC5-B9CC-BA7CF3C96876}" srcOrd="0" destOrd="0" presId="urn:microsoft.com/office/officeart/2005/8/layout/hierarchy1"/>
+    <dgm:cxn modelId="{CCCE1D82-E75D-4D8B-9A8D-EBB2B658A86E}" type="presParOf" srcId="{FD342FC6-0CB7-4586-813B-B5FC711C4D0C}" destId="{E05B75A5-D352-43AC-93A6-8A5AB11F19E2}" srcOrd="0" destOrd="0" presId="urn:microsoft.com/office/officeart/2005/8/layout/hierarchy1"/>
+    <dgm:cxn modelId="{1931B2CB-86DE-4DBA-80A2-9644554923CF}" type="presParOf" srcId="{E05B75A5-D352-43AC-93A6-8A5AB11F19E2}" destId="{6B891DEB-087B-4903-A3FB-46EACF02429C}" srcOrd="0" destOrd="0" presId="urn:microsoft.com/office/officeart/2005/8/layout/hierarchy1"/>
+    <dgm:cxn modelId="{5AE2D021-DCF8-4517-BF24-B86E530C141E}" type="presParOf" srcId="{6B891DEB-087B-4903-A3FB-46EACF02429C}" destId="{95544506-DCD0-4732-84D3-F137EC30B18B}" srcOrd="0" destOrd="0" presId="urn:microsoft.com/office/officeart/2005/8/layout/hierarchy1"/>
+    <dgm:cxn modelId="{CDCEE291-19FE-4C18-8177-C80AEF705726}" type="presParOf" srcId="{6B891DEB-087B-4903-A3FB-46EACF02429C}" destId="{CD14573F-E355-44A1-9D05-97D98CDB0F2F}" srcOrd="1" destOrd="0" presId="urn:microsoft.com/office/officeart/2005/8/layout/hierarchy1"/>
+    <dgm:cxn modelId="{1D693C49-4BBE-4B18-AB18-4AB3C67B2720}" type="presParOf" srcId="{E05B75A5-D352-43AC-93A6-8A5AB11F19E2}" destId="{01E44220-B41A-4F8D-8053-8C9D27ADCB69}" srcOrd="1" destOrd="0" presId="urn:microsoft.com/office/officeart/2005/8/layout/hierarchy1"/>
+    <dgm:cxn modelId="{E9E9DF1A-4AD4-4274-96D7-01096763A904}" type="presParOf" srcId="{01E44220-B41A-4F8D-8053-8C9D27ADCB69}" destId="{6723C8A6-3BAA-47F0-A866-13A7CB98F77E}" srcOrd="0" destOrd="0" presId="urn:microsoft.com/office/officeart/2005/8/layout/hierarchy1"/>
+    <dgm:cxn modelId="{3412F601-0A82-4E34-B70C-EAA31BE66694}" type="presParOf" srcId="{01E44220-B41A-4F8D-8053-8C9D27ADCB69}" destId="{8365E282-303E-40FD-B626-E3AA5E89AA92}" srcOrd="1" destOrd="0" presId="urn:microsoft.com/office/officeart/2005/8/layout/hierarchy1"/>
+    <dgm:cxn modelId="{E8454A76-4C52-4A0B-9E4F-F3605B4F0D2C}" type="presParOf" srcId="{8365E282-303E-40FD-B626-E3AA5E89AA92}" destId="{00CDC95B-DA65-4151-97C2-A500735FB825}" srcOrd="0" destOrd="0" presId="urn:microsoft.com/office/officeart/2005/8/layout/hierarchy1"/>
+    <dgm:cxn modelId="{4D300F36-AE68-4AED-A287-D174030CAFBC}" type="presParOf" srcId="{00CDC95B-DA65-4151-97C2-A500735FB825}" destId="{AE11E54F-6481-40AE-8472-D904D41AD008}" srcOrd="0" destOrd="0" presId="urn:microsoft.com/office/officeart/2005/8/layout/hierarchy1"/>
+    <dgm:cxn modelId="{37800DA4-342D-4F76-AC80-0E56D409B265}" type="presParOf" srcId="{00CDC95B-DA65-4151-97C2-A500735FB825}" destId="{40088974-41DD-4C0F-821C-708972EB23B3}" srcOrd="1" destOrd="0" presId="urn:microsoft.com/office/officeart/2005/8/layout/hierarchy1"/>
+    <dgm:cxn modelId="{127DE4B4-588A-4204-ACE2-5CA1A199B91B}" type="presParOf" srcId="{8365E282-303E-40FD-B626-E3AA5E89AA92}" destId="{60B0C0FD-6527-409F-8BB5-2F489FC35B65}" srcOrd="1" destOrd="0" presId="urn:microsoft.com/office/officeart/2005/8/layout/hierarchy1"/>
+    <dgm:cxn modelId="{4FA2805A-38BE-481C-A794-0107EE2D3188}" type="presParOf" srcId="{01E44220-B41A-4F8D-8053-8C9D27ADCB69}" destId="{E20FD126-5A13-4EC5-B9CC-BA7CF3C96876}" srcOrd="2" destOrd="0" presId="urn:microsoft.com/office/officeart/2005/8/layout/hierarchy1"/>
+    <dgm:cxn modelId="{BEA10F2B-ABF1-4476-AA24-6C7073527F00}" type="presParOf" srcId="{01E44220-B41A-4F8D-8053-8C9D27ADCB69}" destId="{719DD1D0-01F1-44A9-8BA4-2D8516DE3D1A}" srcOrd="3" destOrd="0" presId="urn:microsoft.com/office/officeart/2005/8/layout/hierarchy1"/>
+    <dgm:cxn modelId="{63F06B67-D5FB-4D30-B6DC-86321B692CAB}" type="presParOf" srcId="{719DD1D0-01F1-44A9-8BA4-2D8516DE3D1A}" destId="{718463D4-E0A6-4932-B27F-D1B809FA06BD}" srcOrd="0" destOrd="0" presId="urn:microsoft.com/office/officeart/2005/8/layout/hierarchy1"/>
+    <dgm:cxn modelId="{35EAD636-0A74-433C-BC12-4B7091C4704A}" type="presParOf" srcId="{718463D4-E0A6-4932-B27F-D1B809FA06BD}" destId="{D7776FE8-5D10-4E55-BD37-35E72DF493A2}" srcOrd="0" destOrd="0" presId="urn:microsoft.com/office/officeart/2005/8/layout/hierarchy1"/>
+    <dgm:cxn modelId="{55949123-4EFD-455F-9CCB-D4F97440AE96}" type="presParOf" srcId="{718463D4-E0A6-4932-B27F-D1B809FA06BD}" destId="{D64CACF3-8626-4A03-A976-297FA2EA7200}" srcOrd="1" destOrd="0" presId="urn:microsoft.com/office/officeart/2005/8/layout/hierarchy1"/>
+    <dgm:cxn modelId="{D9F06679-FED1-4CCB-AEAC-57F2E12B0B48}" type="presParOf" srcId="{719DD1D0-01F1-44A9-8BA4-2D8516DE3D1A}" destId="{C69B27C6-5865-407F-A4BA-F5DB5F598C46}" srcOrd="1" destOrd="0" presId="urn:microsoft.com/office/officeart/2005/8/layout/hierarchy1"/>
+    <dgm:cxn modelId="{41CAB0E5-E480-4F19-8DC9-5363768358B3}" type="presParOf" srcId="{01E44220-B41A-4F8D-8053-8C9D27ADCB69}" destId="{6C6D2716-F8A2-4416-A309-CACB299A674F}" srcOrd="4" destOrd="0" presId="urn:microsoft.com/office/officeart/2005/8/layout/hierarchy1"/>
+    <dgm:cxn modelId="{5DB402E5-3ED3-4CEB-AF89-15933530B580}" type="presParOf" srcId="{01E44220-B41A-4F8D-8053-8C9D27ADCB69}" destId="{26417D13-AB26-4D13-8E1F-8A3580C1B051}" srcOrd="5" destOrd="0" presId="urn:microsoft.com/office/officeart/2005/8/layout/hierarchy1"/>
+    <dgm:cxn modelId="{90557BB6-FDCD-4ABB-AB3D-A436272A0C01}" type="presParOf" srcId="{26417D13-AB26-4D13-8E1F-8A3580C1B051}" destId="{E3C5A4F2-9170-41B3-AAE2-2DC7F770FCBA}" srcOrd="0" destOrd="0" presId="urn:microsoft.com/office/officeart/2005/8/layout/hierarchy1"/>
+    <dgm:cxn modelId="{1F147202-AADE-4E74-923C-5D7E05C5DBED}" type="presParOf" srcId="{E3C5A4F2-9170-41B3-AAE2-2DC7F770FCBA}" destId="{60F794EA-4F0A-4A5A-86CF-83CF829D002B}" srcOrd="0" destOrd="0" presId="urn:microsoft.com/office/officeart/2005/8/layout/hierarchy1"/>
+    <dgm:cxn modelId="{B8184E8D-B574-442B-A2FF-B8DC17FC3121}" type="presParOf" srcId="{E3C5A4F2-9170-41B3-AAE2-2DC7F770FCBA}" destId="{6F69136E-A889-4381-BA9A-D9D0288F82DA}" srcOrd="1" destOrd="0" presId="urn:microsoft.com/office/officeart/2005/8/layout/hierarchy1"/>
+    <dgm:cxn modelId="{D0FF04B9-06AD-44CF-99A3-4CE641F05407}" type="presParOf" srcId="{26417D13-AB26-4D13-8E1F-8A3580C1B051}" destId="{A4A8B116-33CF-4468-9AA4-544771881ABE}" srcOrd="1" destOrd="0" presId="urn:microsoft.com/office/officeart/2005/8/layout/hierarchy1"/>
   </dgm:cxnLst>
   <dgm:bg/>
   <dgm:whole/>
   <dgm:extLst>
     <a:ext uri="http://schemas.microsoft.com/office/drawing/2008/diagram">
-      <dsp:dataModelExt xmlns:dsp="http://schemas.microsoft.com/office/drawing/2008/diagram" relId="rId6" minVer="http://schemas.openxmlformats.org/drawingml/2006/diagram"/>
+      <dsp:dataModelExt xmlns:dsp="http://schemas.microsoft.com/office/drawing/2008/diagram" relId="rId11" minVer="http://schemas.openxmlformats.org/drawingml/2006/diagram"/>
     </a:ext>
   </dgm:extLst>
 </dgm:dataModel>
@@ -9420,15 +10291,15 @@
       <dsp:cNvGrpSpPr/>
     </dsp:nvGrpSpPr>
     <dsp:grpSpPr/>
-    <dsp:sp modelId="{65F647B6-6B1D-47B2-BD08-4BA62ABECCA2}">
+    <dsp:sp modelId="{048A938F-FF30-447C-98A4-66209AC45D4E}">
       <dsp:nvSpPr>
         <dsp:cNvPr id="0" name=""/>
         <dsp:cNvSpPr/>
       </dsp:nvSpPr>
       <dsp:spPr>
         <a:xfrm>
-          <a:off x="10355158" y="2019618"/>
-          <a:ext cx="580916" cy="276463"/>
+          <a:off x="7349643" y="2450625"/>
+          <a:ext cx="573325" cy="272851"/>
         </a:xfrm>
         <a:custGeom>
           <a:avLst/>
@@ -9442,13 +10313,13 @@
                 <a:pt x="0" y="0"/>
               </a:moveTo>
               <a:lnTo>
-                <a:pt x="0" y="188401"/>
+                <a:pt x="0" y="185940"/>
               </a:lnTo>
               <a:lnTo>
-                <a:pt x="580916" y="188401"/>
+                <a:pt x="573325" y="185940"/>
               </a:lnTo>
               <a:lnTo>
-                <a:pt x="580916" y="276463"/>
+                <a:pt x="573325" y="272851"/>
               </a:lnTo>
             </a:path>
           </a:pathLst>
@@ -9481,15 +10352,15 @@
         <a:fontRef idx="minor"/>
       </dsp:style>
     </dsp:sp>
-    <dsp:sp modelId="{FDF92634-D471-4F6E-8182-6A625B9EF1B4}">
+    <dsp:sp modelId="{5FA11BFD-A649-4BCC-A37F-EE31F0B9506D}">
       <dsp:nvSpPr>
         <dsp:cNvPr id="0" name=""/>
         <dsp:cNvSpPr/>
       </dsp:nvSpPr>
       <dsp:spPr>
         <a:xfrm>
-          <a:off x="9774242" y="2019618"/>
-          <a:ext cx="580916" cy="276463"/>
+          <a:off x="6776318" y="2450625"/>
+          <a:ext cx="573325" cy="272851"/>
         </a:xfrm>
         <a:custGeom>
           <a:avLst/>
@@ -9500,16 +10371,16 @@
           <a:pathLst>
             <a:path>
               <a:moveTo>
-                <a:pt x="580916" y="0"/>
+                <a:pt x="573325" y="0"/>
               </a:moveTo>
               <a:lnTo>
-                <a:pt x="580916" y="188401"/>
+                <a:pt x="573325" y="185940"/>
               </a:lnTo>
               <a:lnTo>
-                <a:pt x="0" y="188401"/>
+                <a:pt x="0" y="185940"/>
               </a:lnTo>
               <a:lnTo>
-                <a:pt x="0" y="276463"/>
+                <a:pt x="0" y="272851"/>
               </a:lnTo>
             </a:path>
           </a:pathLst>
@@ -9542,15 +10413,15 @@
         <a:fontRef idx="minor"/>
       </dsp:style>
     </dsp:sp>
-    <dsp:sp modelId="{AF169081-2453-4617-AEFD-519CB130593E}">
+    <dsp:sp modelId="{9EF58F7D-82F6-47B8-BA2E-E36B60047E88}">
       <dsp:nvSpPr>
         <dsp:cNvPr id="0" name=""/>
         <dsp:cNvSpPr/>
       </dsp:nvSpPr>
       <dsp:spPr>
         <a:xfrm>
-          <a:off x="5417371" y="1139530"/>
-          <a:ext cx="4937786" cy="276463"/>
+          <a:off x="5056340" y="1582036"/>
+          <a:ext cx="2293303" cy="272851"/>
         </a:xfrm>
         <a:custGeom>
           <a:avLst/>
@@ -9564,13 +10435,434 @@
                 <a:pt x="0" y="0"/>
               </a:moveTo>
               <a:lnTo>
-                <a:pt x="0" y="188401"/>
+                <a:pt x="0" y="185940"/>
               </a:lnTo>
               <a:lnTo>
-                <a:pt x="4937786" y="188401"/>
+                <a:pt x="2293303" y="185940"/>
               </a:lnTo>
               <a:lnTo>
-                <a:pt x="4937786" y="276463"/>
+                <a:pt x="2293303" y="272851"/>
+              </a:lnTo>
+            </a:path>
+          </a:pathLst>
+        </a:custGeom>
+        <a:noFill/>
+        <a:ln w="25400" cap="flat" cmpd="sng" algn="ctr">
+          <a:solidFill>
+            <a:schemeClr val="accent1">
+              <a:shade val="80000"/>
+              <a:hueOff val="0"/>
+              <a:satOff val="0"/>
+              <a:lumOff val="0"/>
+              <a:alphaOff val="0"/>
+            </a:schemeClr>
+          </a:solidFill>
+          <a:prstDash val="solid"/>
+        </a:ln>
+        <a:effectLst/>
+      </dsp:spPr>
+      <dsp:style>
+        <a:lnRef idx="2">
+          <a:scrgbClr r="0" g="0" b="0"/>
+        </a:lnRef>
+        <a:fillRef idx="0">
+          <a:scrgbClr r="0" g="0" b="0"/>
+        </a:fillRef>
+        <a:effectRef idx="0">
+          <a:scrgbClr r="0" g="0" b="0"/>
+        </a:effectRef>
+        <a:fontRef idx="minor"/>
+      </dsp:style>
+    </dsp:sp>
+    <dsp:sp modelId="{1DA0D92B-438E-4C1E-9EE6-1C16EA4EB2B5}">
+      <dsp:nvSpPr>
+        <dsp:cNvPr id="0" name=""/>
+        <dsp:cNvSpPr/>
+      </dsp:nvSpPr>
+      <dsp:spPr>
+        <a:xfrm>
+          <a:off x="5056340" y="2450625"/>
+          <a:ext cx="573325" cy="272851"/>
+        </a:xfrm>
+        <a:custGeom>
+          <a:avLst/>
+          <a:gdLst/>
+          <a:ahLst/>
+          <a:cxnLst/>
+          <a:rect l="0" t="0" r="0" b="0"/>
+          <a:pathLst>
+            <a:path>
+              <a:moveTo>
+                <a:pt x="0" y="0"/>
+              </a:moveTo>
+              <a:lnTo>
+                <a:pt x="0" y="185940"/>
+              </a:lnTo>
+              <a:lnTo>
+                <a:pt x="573325" y="185940"/>
+              </a:lnTo>
+              <a:lnTo>
+                <a:pt x="573325" y="272851"/>
+              </a:lnTo>
+            </a:path>
+          </a:pathLst>
+        </a:custGeom>
+        <a:noFill/>
+        <a:ln w="25400" cap="flat" cmpd="sng" algn="ctr">
+          <a:solidFill>
+            <a:schemeClr val="accent1">
+              <a:shade val="80000"/>
+              <a:hueOff val="0"/>
+              <a:satOff val="0"/>
+              <a:lumOff val="0"/>
+              <a:alphaOff val="0"/>
+            </a:schemeClr>
+          </a:solidFill>
+          <a:prstDash val="solid"/>
+        </a:ln>
+        <a:effectLst/>
+      </dsp:spPr>
+      <dsp:style>
+        <a:lnRef idx="2">
+          <a:scrgbClr r="0" g="0" b="0"/>
+        </a:lnRef>
+        <a:fillRef idx="0">
+          <a:scrgbClr r="0" g="0" b="0"/>
+        </a:fillRef>
+        <a:effectRef idx="0">
+          <a:scrgbClr r="0" g="0" b="0"/>
+        </a:effectRef>
+        <a:fontRef idx="minor"/>
+      </dsp:style>
+    </dsp:sp>
+    <dsp:sp modelId="{5A899B2E-4F14-43CD-A63D-1784DDAD89DE}">
+      <dsp:nvSpPr>
+        <dsp:cNvPr id="0" name=""/>
+        <dsp:cNvSpPr/>
+      </dsp:nvSpPr>
+      <dsp:spPr>
+        <a:xfrm>
+          <a:off x="4483014" y="2450625"/>
+          <a:ext cx="573325" cy="272851"/>
+        </a:xfrm>
+        <a:custGeom>
+          <a:avLst/>
+          <a:gdLst/>
+          <a:ahLst/>
+          <a:cxnLst/>
+          <a:rect l="0" t="0" r="0" b="0"/>
+          <a:pathLst>
+            <a:path>
+              <a:moveTo>
+                <a:pt x="573325" y="0"/>
+              </a:moveTo>
+              <a:lnTo>
+                <a:pt x="573325" y="185940"/>
+              </a:lnTo>
+              <a:lnTo>
+                <a:pt x="0" y="185940"/>
+              </a:lnTo>
+              <a:lnTo>
+                <a:pt x="0" y="272851"/>
+              </a:lnTo>
+            </a:path>
+          </a:pathLst>
+        </a:custGeom>
+        <a:noFill/>
+        <a:ln w="25400" cap="flat" cmpd="sng" algn="ctr">
+          <a:solidFill>
+            <a:schemeClr val="accent1">
+              <a:shade val="80000"/>
+              <a:hueOff val="0"/>
+              <a:satOff val="0"/>
+              <a:lumOff val="0"/>
+              <a:alphaOff val="0"/>
+            </a:schemeClr>
+          </a:solidFill>
+          <a:prstDash val="solid"/>
+        </a:ln>
+        <a:effectLst/>
+      </dsp:spPr>
+      <dsp:style>
+        <a:lnRef idx="2">
+          <a:scrgbClr r="0" g="0" b="0"/>
+        </a:lnRef>
+        <a:fillRef idx="0">
+          <a:scrgbClr r="0" g="0" b="0"/>
+        </a:fillRef>
+        <a:effectRef idx="0">
+          <a:scrgbClr r="0" g="0" b="0"/>
+        </a:effectRef>
+        <a:fontRef idx="minor"/>
+      </dsp:style>
+    </dsp:sp>
+    <dsp:sp modelId="{50BE4EB5-65EA-4795-A47F-E6E88EED7DD0}">
+      <dsp:nvSpPr>
+        <dsp:cNvPr id="0" name=""/>
+        <dsp:cNvSpPr/>
+      </dsp:nvSpPr>
+      <dsp:spPr>
+        <a:xfrm>
+          <a:off x="5010620" y="1582036"/>
+          <a:ext cx="91440" cy="272851"/>
+        </a:xfrm>
+        <a:custGeom>
+          <a:avLst/>
+          <a:gdLst/>
+          <a:ahLst/>
+          <a:cxnLst/>
+          <a:rect l="0" t="0" r="0" b="0"/>
+          <a:pathLst>
+            <a:path>
+              <a:moveTo>
+                <a:pt x="45720" y="0"/>
+              </a:moveTo>
+              <a:lnTo>
+                <a:pt x="45720" y="272851"/>
+              </a:lnTo>
+            </a:path>
+          </a:pathLst>
+        </a:custGeom>
+        <a:noFill/>
+        <a:ln w="25400" cap="flat" cmpd="sng" algn="ctr">
+          <a:solidFill>
+            <a:schemeClr val="accent1">
+              <a:shade val="80000"/>
+              <a:hueOff val="0"/>
+              <a:satOff val="0"/>
+              <a:lumOff val="0"/>
+              <a:alphaOff val="0"/>
+            </a:schemeClr>
+          </a:solidFill>
+          <a:prstDash val="solid"/>
+        </a:ln>
+        <a:effectLst/>
+      </dsp:spPr>
+      <dsp:style>
+        <a:lnRef idx="2">
+          <a:scrgbClr r="0" g="0" b="0"/>
+        </a:lnRef>
+        <a:fillRef idx="0">
+          <a:scrgbClr r="0" g="0" b="0"/>
+        </a:fillRef>
+        <a:effectRef idx="0">
+          <a:scrgbClr r="0" g="0" b="0"/>
+        </a:effectRef>
+        <a:fontRef idx="minor"/>
+      </dsp:style>
+    </dsp:sp>
+    <dsp:sp modelId="{6D3B9EBF-1E7B-4022-A98C-AD6CC1ECA872}">
+      <dsp:nvSpPr>
+        <dsp:cNvPr id="0" name=""/>
+        <dsp:cNvSpPr/>
+      </dsp:nvSpPr>
+      <dsp:spPr>
+        <a:xfrm>
+          <a:off x="2763036" y="2450625"/>
+          <a:ext cx="573325" cy="272851"/>
+        </a:xfrm>
+        <a:custGeom>
+          <a:avLst/>
+          <a:gdLst/>
+          <a:ahLst/>
+          <a:cxnLst/>
+          <a:rect l="0" t="0" r="0" b="0"/>
+          <a:pathLst>
+            <a:path>
+              <a:moveTo>
+                <a:pt x="0" y="0"/>
+              </a:moveTo>
+              <a:lnTo>
+                <a:pt x="0" y="185940"/>
+              </a:lnTo>
+              <a:lnTo>
+                <a:pt x="573325" y="185940"/>
+              </a:lnTo>
+              <a:lnTo>
+                <a:pt x="573325" y="272851"/>
+              </a:lnTo>
+            </a:path>
+          </a:pathLst>
+        </a:custGeom>
+        <a:noFill/>
+        <a:ln w="25400" cap="flat" cmpd="sng" algn="ctr">
+          <a:solidFill>
+            <a:schemeClr val="accent1">
+              <a:shade val="80000"/>
+              <a:hueOff val="0"/>
+              <a:satOff val="0"/>
+              <a:lumOff val="0"/>
+              <a:alphaOff val="0"/>
+            </a:schemeClr>
+          </a:solidFill>
+          <a:prstDash val="solid"/>
+        </a:ln>
+        <a:effectLst/>
+      </dsp:spPr>
+      <dsp:style>
+        <a:lnRef idx="2">
+          <a:scrgbClr r="0" g="0" b="0"/>
+        </a:lnRef>
+        <a:fillRef idx="0">
+          <a:scrgbClr r="0" g="0" b="0"/>
+        </a:fillRef>
+        <a:effectRef idx="0">
+          <a:scrgbClr r="0" g="0" b="0"/>
+        </a:effectRef>
+        <a:fontRef idx="minor"/>
+      </dsp:style>
+    </dsp:sp>
+    <dsp:sp modelId="{EF4A9C14-486B-48B8-80C2-109BDE4DF407}">
+      <dsp:nvSpPr>
+        <dsp:cNvPr id="0" name=""/>
+        <dsp:cNvSpPr/>
+      </dsp:nvSpPr>
+      <dsp:spPr>
+        <a:xfrm>
+          <a:off x="2189710" y="2450625"/>
+          <a:ext cx="573325" cy="272851"/>
+        </a:xfrm>
+        <a:custGeom>
+          <a:avLst/>
+          <a:gdLst/>
+          <a:ahLst/>
+          <a:cxnLst/>
+          <a:rect l="0" t="0" r="0" b="0"/>
+          <a:pathLst>
+            <a:path>
+              <a:moveTo>
+                <a:pt x="573325" y="0"/>
+              </a:moveTo>
+              <a:lnTo>
+                <a:pt x="573325" y="185940"/>
+              </a:lnTo>
+              <a:lnTo>
+                <a:pt x="0" y="185940"/>
+              </a:lnTo>
+              <a:lnTo>
+                <a:pt x="0" y="272851"/>
+              </a:lnTo>
+            </a:path>
+          </a:pathLst>
+        </a:custGeom>
+        <a:noFill/>
+        <a:ln w="25400" cap="flat" cmpd="sng" algn="ctr">
+          <a:solidFill>
+            <a:schemeClr val="accent1">
+              <a:shade val="80000"/>
+              <a:hueOff val="0"/>
+              <a:satOff val="0"/>
+              <a:lumOff val="0"/>
+              <a:alphaOff val="0"/>
+            </a:schemeClr>
+          </a:solidFill>
+          <a:prstDash val="solid"/>
+        </a:ln>
+        <a:effectLst/>
+      </dsp:spPr>
+      <dsp:style>
+        <a:lnRef idx="2">
+          <a:scrgbClr r="0" g="0" b="0"/>
+        </a:lnRef>
+        <a:fillRef idx="0">
+          <a:scrgbClr r="0" g="0" b="0"/>
+        </a:fillRef>
+        <a:effectRef idx="0">
+          <a:scrgbClr r="0" g="0" b="0"/>
+        </a:effectRef>
+        <a:fontRef idx="minor"/>
+      </dsp:style>
+    </dsp:sp>
+    <dsp:sp modelId="{1B09154E-4187-4BFC-97EC-2324F8F02CF1}">
+      <dsp:nvSpPr>
+        <dsp:cNvPr id="0" name=""/>
+        <dsp:cNvSpPr/>
+      </dsp:nvSpPr>
+      <dsp:spPr>
+        <a:xfrm>
+          <a:off x="2763036" y="1582036"/>
+          <a:ext cx="2293303" cy="272851"/>
+        </a:xfrm>
+        <a:custGeom>
+          <a:avLst/>
+          <a:gdLst/>
+          <a:ahLst/>
+          <a:cxnLst/>
+          <a:rect l="0" t="0" r="0" b="0"/>
+          <a:pathLst>
+            <a:path>
+              <a:moveTo>
+                <a:pt x="2293303" y="0"/>
+              </a:moveTo>
+              <a:lnTo>
+                <a:pt x="2293303" y="185940"/>
+              </a:lnTo>
+              <a:lnTo>
+                <a:pt x="0" y="185940"/>
+              </a:lnTo>
+              <a:lnTo>
+                <a:pt x="0" y="272851"/>
+              </a:lnTo>
+            </a:path>
+          </a:pathLst>
+        </a:custGeom>
+        <a:noFill/>
+        <a:ln w="25400" cap="flat" cmpd="sng" algn="ctr">
+          <a:solidFill>
+            <a:schemeClr val="accent1">
+              <a:shade val="80000"/>
+              <a:hueOff val="0"/>
+              <a:satOff val="0"/>
+              <a:lumOff val="0"/>
+              <a:alphaOff val="0"/>
+            </a:schemeClr>
+          </a:solidFill>
+          <a:prstDash val="solid"/>
+        </a:ln>
+        <a:effectLst/>
+      </dsp:spPr>
+      <dsp:style>
+        <a:lnRef idx="2">
+          <a:scrgbClr r="0" g="0" b="0"/>
+        </a:lnRef>
+        <a:fillRef idx="0">
+          <a:scrgbClr r="0" g="0" b="0"/>
+        </a:fillRef>
+        <a:effectRef idx="0">
+          <a:scrgbClr r="0" g="0" b="0"/>
+        </a:effectRef>
+        <a:fontRef idx="minor"/>
+      </dsp:style>
+    </dsp:sp>
+    <dsp:sp modelId="{EFA3BF21-C56D-4B21-B3CD-DFB73A1D6393}">
+      <dsp:nvSpPr>
+        <dsp:cNvPr id="0" name=""/>
+        <dsp:cNvSpPr/>
+      </dsp:nvSpPr>
+      <dsp:spPr>
+        <a:xfrm>
+          <a:off x="2763036" y="713447"/>
+          <a:ext cx="2293303" cy="272851"/>
+        </a:xfrm>
+        <a:custGeom>
+          <a:avLst/>
+          <a:gdLst/>
+          <a:ahLst/>
+          <a:cxnLst/>
+          <a:rect l="0" t="0" r="0" b="0"/>
+          <a:pathLst>
+            <a:path>
+              <a:moveTo>
+                <a:pt x="0" y="0"/>
+              </a:moveTo>
+              <a:lnTo>
+                <a:pt x="0" y="185940"/>
+              </a:lnTo>
+              <a:lnTo>
+                <a:pt x="2293303" y="185940"/>
+              </a:lnTo>
+              <a:lnTo>
+                <a:pt x="2293303" y="272851"/>
               </a:lnTo>
             </a:path>
           </a:pathLst>
@@ -9603,15 +10895,15 @@
         <a:fontRef idx="minor"/>
       </dsp:style>
     </dsp:sp>
-    <dsp:sp modelId="{0A142384-BB95-4364-8B96-9327BF2D5D61}">
+    <dsp:sp modelId="{07C37B02-E28A-4A57-890F-367C2528DA3F}">
       <dsp:nvSpPr>
         <dsp:cNvPr id="0" name=""/>
         <dsp:cNvSpPr/>
       </dsp:nvSpPr>
       <dsp:spPr>
         <a:xfrm>
-          <a:off x="8566689" y="2019618"/>
-          <a:ext cx="91440" cy="276463"/>
+          <a:off x="1570664" y="1582036"/>
+          <a:ext cx="91440" cy="272851"/>
         </a:xfrm>
         <a:custGeom>
           <a:avLst/>
@@ -9625,7 +10917,7 @@
                 <a:pt x="45720" y="0"/>
               </a:moveTo>
               <a:lnTo>
-                <a:pt x="45720" y="276463"/>
+                <a:pt x="45720" y="272851"/>
               </a:lnTo>
             </a:path>
           </a:pathLst>
@@ -9658,15 +10950,15 @@
         <a:fontRef idx="minor"/>
       </dsp:style>
     </dsp:sp>
-    <dsp:sp modelId="{DA6E5A26-5221-4EDC-8A23-FC391ECB1B8C}">
+    <dsp:sp modelId="{DDD31461-B845-4E2A-ABE1-13B944B3228A}">
       <dsp:nvSpPr>
         <dsp:cNvPr id="0" name=""/>
         <dsp:cNvSpPr/>
       </dsp:nvSpPr>
       <dsp:spPr>
         <a:xfrm>
-          <a:off x="5417371" y="1139530"/>
-          <a:ext cx="3195038" cy="276463"/>
+          <a:off x="1616384" y="713447"/>
+          <a:ext cx="1146651" cy="272851"/>
         </a:xfrm>
         <a:custGeom>
           <a:avLst/>
@@ -9677,16 +10969,16 @@
           <a:pathLst>
             <a:path>
               <a:moveTo>
-                <a:pt x="0" y="0"/>
+                <a:pt x="1146651" y="0"/>
               </a:moveTo>
               <a:lnTo>
-                <a:pt x="0" y="188401"/>
+                <a:pt x="1146651" y="185940"/>
               </a:lnTo>
               <a:lnTo>
-                <a:pt x="3195038" y="188401"/>
+                <a:pt x="0" y="185940"/>
               </a:lnTo>
               <a:lnTo>
-                <a:pt x="3195038" y="276463"/>
+                <a:pt x="0" y="272851"/>
               </a:lnTo>
             </a:path>
           </a:pathLst>
@@ -9719,15 +11011,15 @@
         <a:fontRef idx="minor"/>
       </dsp:style>
     </dsp:sp>
-    <dsp:sp modelId="{1700B587-320A-4C8F-BA70-B6FA49BEEF08}">
+    <dsp:sp modelId="{D322BB7C-E13A-4452-BF50-EA948F749B06}">
       <dsp:nvSpPr>
         <dsp:cNvPr id="0" name=""/>
         <dsp:cNvSpPr/>
       </dsp:nvSpPr>
       <dsp:spPr>
         <a:xfrm>
-          <a:off x="6869661" y="2019618"/>
-          <a:ext cx="580916" cy="276463"/>
+          <a:off x="469733" y="713447"/>
+          <a:ext cx="2293303" cy="272851"/>
         </a:xfrm>
         <a:custGeom>
           <a:avLst/>
@@ -9738,138 +11030,16 @@
           <a:pathLst>
             <a:path>
               <a:moveTo>
-                <a:pt x="0" y="0"/>
+                <a:pt x="2293303" y="0"/>
               </a:moveTo>
               <a:lnTo>
-                <a:pt x="0" y="188401"/>
+                <a:pt x="2293303" y="185940"/>
               </a:lnTo>
               <a:lnTo>
-                <a:pt x="580916" y="188401"/>
+                <a:pt x="0" y="185940"/>
               </a:lnTo>
               <a:lnTo>
-                <a:pt x="580916" y="276463"/>
-              </a:lnTo>
-            </a:path>
-          </a:pathLst>
-        </a:custGeom>
-        <a:noFill/>
-        <a:ln w="25400" cap="flat" cmpd="sng" algn="ctr">
-          <a:solidFill>
-            <a:schemeClr val="accent1">
-              <a:shade val="80000"/>
-              <a:hueOff val="0"/>
-              <a:satOff val="0"/>
-              <a:lumOff val="0"/>
-              <a:alphaOff val="0"/>
-            </a:schemeClr>
-          </a:solidFill>
-          <a:prstDash val="solid"/>
-        </a:ln>
-        <a:effectLst/>
-      </dsp:spPr>
-      <dsp:style>
-        <a:lnRef idx="2">
-          <a:scrgbClr r="0" g="0" b="0"/>
-        </a:lnRef>
-        <a:fillRef idx="0">
-          <a:scrgbClr r="0" g="0" b="0"/>
-        </a:fillRef>
-        <a:effectRef idx="0">
-          <a:scrgbClr r="0" g="0" b="0"/>
-        </a:effectRef>
-        <a:fontRef idx="minor"/>
-      </dsp:style>
-    </dsp:sp>
-    <dsp:sp modelId="{859F6883-EEB5-4792-8007-612B5999282F}">
-      <dsp:nvSpPr>
-        <dsp:cNvPr id="0" name=""/>
-        <dsp:cNvSpPr/>
-      </dsp:nvSpPr>
-      <dsp:spPr>
-        <a:xfrm>
-          <a:off x="6288745" y="2019618"/>
-          <a:ext cx="580916" cy="276463"/>
-        </a:xfrm>
-        <a:custGeom>
-          <a:avLst/>
-          <a:gdLst/>
-          <a:ahLst/>
-          <a:cxnLst/>
-          <a:rect l="0" t="0" r="0" b="0"/>
-          <a:pathLst>
-            <a:path>
-              <a:moveTo>
-                <a:pt x="580916" y="0"/>
-              </a:moveTo>
-              <a:lnTo>
-                <a:pt x="580916" y="188401"/>
-              </a:lnTo>
-              <a:lnTo>
-                <a:pt x="0" y="188401"/>
-              </a:lnTo>
-              <a:lnTo>
-                <a:pt x="0" y="276463"/>
-              </a:lnTo>
-            </a:path>
-          </a:pathLst>
-        </a:custGeom>
-        <a:noFill/>
-        <a:ln w="25400" cap="flat" cmpd="sng" algn="ctr">
-          <a:solidFill>
-            <a:schemeClr val="accent1">
-              <a:shade val="80000"/>
-              <a:hueOff val="0"/>
-              <a:satOff val="0"/>
-              <a:lumOff val="0"/>
-              <a:alphaOff val="0"/>
-            </a:schemeClr>
-          </a:solidFill>
-          <a:prstDash val="solid"/>
-        </a:ln>
-        <a:effectLst/>
-      </dsp:spPr>
-      <dsp:style>
-        <a:lnRef idx="2">
-          <a:scrgbClr r="0" g="0" b="0"/>
-        </a:lnRef>
-        <a:fillRef idx="0">
-          <a:scrgbClr r="0" g="0" b="0"/>
-        </a:fillRef>
-        <a:effectRef idx="0">
-          <a:scrgbClr r="0" g="0" b="0"/>
-        </a:effectRef>
-        <a:fontRef idx="minor"/>
-      </dsp:style>
-    </dsp:sp>
-    <dsp:sp modelId="{270A4F23-8FA4-421F-85DF-45D91849B3B0}">
-      <dsp:nvSpPr>
-        <dsp:cNvPr id="0" name=""/>
-        <dsp:cNvSpPr/>
-      </dsp:nvSpPr>
-      <dsp:spPr>
-        <a:xfrm>
-          <a:off x="5417371" y="1139530"/>
-          <a:ext cx="1452290" cy="276463"/>
-        </a:xfrm>
-        <a:custGeom>
-          <a:avLst/>
-          <a:gdLst/>
-          <a:ahLst/>
-          <a:cxnLst/>
-          <a:rect l="0" t="0" r="0" b="0"/>
-          <a:pathLst>
-            <a:path>
-              <a:moveTo>
-                <a:pt x="0" y="0"/>
-              </a:moveTo>
-              <a:lnTo>
-                <a:pt x="0" y="188401"/>
-              </a:lnTo>
-              <a:lnTo>
-                <a:pt x="1452290" y="188401"/>
-              </a:lnTo>
-              <a:lnTo>
-                <a:pt x="1452290" y="276463"/>
+                <a:pt x="0" y="272851"/>
               </a:lnTo>
             </a:path>
           </a:pathLst>
@@ -9902,497 +11072,15 @@
         <a:fontRef idx="minor"/>
       </dsp:style>
     </dsp:sp>
-    <dsp:sp modelId="{8F94AE68-BBCF-43C8-96EC-DB5B618E6866}">
+    <dsp:sp modelId="{524A53F2-47D7-440A-9D01-E718226ACC35}">
       <dsp:nvSpPr>
         <dsp:cNvPr id="0" name=""/>
         <dsp:cNvSpPr/>
       </dsp:nvSpPr>
       <dsp:spPr>
         <a:xfrm>
-          <a:off x="4545997" y="2019618"/>
-          <a:ext cx="580916" cy="276463"/>
-        </a:xfrm>
-        <a:custGeom>
-          <a:avLst/>
-          <a:gdLst/>
-          <a:ahLst/>
-          <a:cxnLst/>
-          <a:rect l="0" t="0" r="0" b="0"/>
-          <a:pathLst>
-            <a:path>
-              <a:moveTo>
-                <a:pt x="0" y="0"/>
-              </a:moveTo>
-              <a:lnTo>
-                <a:pt x="0" y="188401"/>
-              </a:lnTo>
-              <a:lnTo>
-                <a:pt x="580916" y="188401"/>
-              </a:lnTo>
-              <a:lnTo>
-                <a:pt x="580916" y="276463"/>
-              </a:lnTo>
-            </a:path>
-          </a:pathLst>
-        </a:custGeom>
-        <a:noFill/>
-        <a:ln w="25400" cap="flat" cmpd="sng" algn="ctr">
-          <a:solidFill>
-            <a:schemeClr val="accent1">
-              <a:shade val="80000"/>
-              <a:hueOff val="0"/>
-              <a:satOff val="0"/>
-              <a:lumOff val="0"/>
-              <a:alphaOff val="0"/>
-            </a:schemeClr>
-          </a:solidFill>
-          <a:prstDash val="solid"/>
-        </a:ln>
-        <a:effectLst/>
-      </dsp:spPr>
-      <dsp:style>
-        <a:lnRef idx="2">
-          <a:scrgbClr r="0" g="0" b="0"/>
-        </a:lnRef>
-        <a:fillRef idx="0">
-          <a:scrgbClr r="0" g="0" b="0"/>
-        </a:fillRef>
-        <a:effectRef idx="0">
-          <a:scrgbClr r="0" g="0" b="0"/>
-        </a:effectRef>
-        <a:fontRef idx="minor"/>
-      </dsp:style>
-    </dsp:sp>
-    <dsp:sp modelId="{F64451DB-5B1C-4693-A864-9899CC8DF953}">
-      <dsp:nvSpPr>
-        <dsp:cNvPr id="0" name=""/>
-        <dsp:cNvSpPr/>
-      </dsp:nvSpPr>
-      <dsp:spPr>
-        <a:xfrm>
-          <a:off x="3965081" y="2019618"/>
-          <a:ext cx="580916" cy="276463"/>
-        </a:xfrm>
-        <a:custGeom>
-          <a:avLst/>
-          <a:gdLst/>
-          <a:ahLst/>
-          <a:cxnLst/>
-          <a:rect l="0" t="0" r="0" b="0"/>
-          <a:pathLst>
-            <a:path>
-              <a:moveTo>
-                <a:pt x="580916" y="0"/>
-              </a:moveTo>
-              <a:lnTo>
-                <a:pt x="580916" y="188401"/>
-              </a:lnTo>
-              <a:lnTo>
-                <a:pt x="0" y="188401"/>
-              </a:lnTo>
-              <a:lnTo>
-                <a:pt x="0" y="276463"/>
-              </a:lnTo>
-            </a:path>
-          </a:pathLst>
-        </a:custGeom>
-        <a:noFill/>
-        <a:ln w="25400" cap="flat" cmpd="sng" algn="ctr">
-          <a:solidFill>
-            <a:schemeClr val="accent1">
-              <a:shade val="80000"/>
-              <a:hueOff val="0"/>
-              <a:satOff val="0"/>
-              <a:lumOff val="0"/>
-              <a:alphaOff val="0"/>
-            </a:schemeClr>
-          </a:solidFill>
-          <a:prstDash val="solid"/>
-        </a:ln>
-        <a:effectLst/>
-      </dsp:spPr>
-      <dsp:style>
-        <a:lnRef idx="2">
-          <a:scrgbClr r="0" g="0" b="0"/>
-        </a:lnRef>
-        <a:fillRef idx="0">
-          <a:scrgbClr r="0" g="0" b="0"/>
-        </a:fillRef>
-        <a:effectRef idx="0">
-          <a:scrgbClr r="0" g="0" b="0"/>
-        </a:effectRef>
-        <a:fontRef idx="minor"/>
-      </dsp:style>
-    </dsp:sp>
-    <dsp:sp modelId="{1EF71D1E-5C9D-46C7-96C0-AD29E4874135}">
-      <dsp:nvSpPr>
-        <dsp:cNvPr id="0" name=""/>
-        <dsp:cNvSpPr/>
-      </dsp:nvSpPr>
-      <dsp:spPr>
-        <a:xfrm>
-          <a:off x="4545997" y="1139530"/>
-          <a:ext cx="871374" cy="276463"/>
-        </a:xfrm>
-        <a:custGeom>
-          <a:avLst/>
-          <a:gdLst/>
-          <a:ahLst/>
-          <a:cxnLst/>
-          <a:rect l="0" t="0" r="0" b="0"/>
-          <a:pathLst>
-            <a:path>
-              <a:moveTo>
-                <a:pt x="871374" y="0"/>
-              </a:moveTo>
-              <a:lnTo>
-                <a:pt x="871374" y="188401"/>
-              </a:lnTo>
-              <a:lnTo>
-                <a:pt x="0" y="188401"/>
-              </a:lnTo>
-              <a:lnTo>
-                <a:pt x="0" y="276463"/>
-              </a:lnTo>
-            </a:path>
-          </a:pathLst>
-        </a:custGeom>
-        <a:noFill/>
-        <a:ln w="25400" cap="flat" cmpd="sng" algn="ctr">
-          <a:solidFill>
-            <a:schemeClr val="accent1">
-              <a:shade val="60000"/>
-              <a:hueOff val="0"/>
-              <a:satOff val="0"/>
-              <a:lumOff val="0"/>
-              <a:alphaOff val="0"/>
-            </a:schemeClr>
-          </a:solidFill>
-          <a:prstDash val="solid"/>
-        </a:ln>
-        <a:effectLst/>
-      </dsp:spPr>
-      <dsp:style>
-        <a:lnRef idx="2">
-          <a:scrgbClr r="0" g="0" b="0"/>
-        </a:lnRef>
-        <a:fillRef idx="0">
-          <a:scrgbClr r="0" g="0" b="0"/>
-        </a:fillRef>
-        <a:effectRef idx="0">
-          <a:scrgbClr r="0" g="0" b="0"/>
-        </a:effectRef>
-        <a:fontRef idx="minor"/>
-      </dsp:style>
-    </dsp:sp>
-    <dsp:sp modelId="{E527CD2D-AD99-41F6-AE40-7E342CA25AAB}">
-      <dsp:nvSpPr>
-        <dsp:cNvPr id="0" name=""/>
-        <dsp:cNvSpPr/>
-      </dsp:nvSpPr>
-      <dsp:spPr>
-        <a:xfrm>
-          <a:off x="1641416" y="2019618"/>
-          <a:ext cx="1161832" cy="276463"/>
-        </a:xfrm>
-        <a:custGeom>
-          <a:avLst/>
-          <a:gdLst/>
-          <a:ahLst/>
-          <a:cxnLst/>
-          <a:rect l="0" t="0" r="0" b="0"/>
-          <a:pathLst>
-            <a:path>
-              <a:moveTo>
-                <a:pt x="0" y="0"/>
-              </a:moveTo>
-              <a:lnTo>
-                <a:pt x="0" y="188401"/>
-              </a:lnTo>
-              <a:lnTo>
-                <a:pt x="1161832" y="188401"/>
-              </a:lnTo>
-              <a:lnTo>
-                <a:pt x="1161832" y="276463"/>
-              </a:lnTo>
-            </a:path>
-          </a:pathLst>
-        </a:custGeom>
-        <a:noFill/>
-        <a:ln w="25400" cap="flat" cmpd="sng" algn="ctr">
-          <a:solidFill>
-            <a:schemeClr val="accent1">
-              <a:shade val="80000"/>
-              <a:hueOff val="0"/>
-              <a:satOff val="0"/>
-              <a:lumOff val="0"/>
-              <a:alphaOff val="0"/>
-            </a:schemeClr>
-          </a:solidFill>
-          <a:prstDash val="solid"/>
-        </a:ln>
-        <a:effectLst/>
-      </dsp:spPr>
-      <dsp:style>
-        <a:lnRef idx="2">
-          <a:scrgbClr r="0" g="0" b="0"/>
-        </a:lnRef>
-        <a:fillRef idx="0">
-          <a:scrgbClr r="0" g="0" b="0"/>
-        </a:fillRef>
-        <a:effectRef idx="0">
-          <a:scrgbClr r="0" g="0" b="0"/>
-        </a:effectRef>
-        <a:fontRef idx="minor"/>
-      </dsp:style>
-    </dsp:sp>
-    <dsp:sp modelId="{5274E8AD-2226-4196-95EF-634907FED31F}">
-      <dsp:nvSpPr>
-        <dsp:cNvPr id="0" name=""/>
-        <dsp:cNvSpPr/>
-      </dsp:nvSpPr>
-      <dsp:spPr>
-        <a:xfrm>
-          <a:off x="1595696" y="2019618"/>
-          <a:ext cx="91440" cy="276463"/>
-        </a:xfrm>
-        <a:custGeom>
-          <a:avLst/>
-          <a:gdLst/>
-          <a:ahLst/>
-          <a:cxnLst/>
-          <a:rect l="0" t="0" r="0" b="0"/>
-          <a:pathLst>
-            <a:path>
-              <a:moveTo>
-                <a:pt x="45720" y="0"/>
-              </a:moveTo>
-              <a:lnTo>
-                <a:pt x="45720" y="276463"/>
-              </a:lnTo>
-            </a:path>
-          </a:pathLst>
-        </a:custGeom>
-        <a:noFill/>
-        <a:ln w="25400" cap="flat" cmpd="sng" algn="ctr">
-          <a:solidFill>
-            <a:schemeClr val="accent1">
-              <a:shade val="80000"/>
-              <a:hueOff val="0"/>
-              <a:satOff val="0"/>
-              <a:lumOff val="0"/>
-              <a:alphaOff val="0"/>
-            </a:schemeClr>
-          </a:solidFill>
-          <a:prstDash val="solid"/>
-        </a:ln>
-        <a:effectLst/>
-      </dsp:spPr>
-      <dsp:style>
-        <a:lnRef idx="2">
-          <a:scrgbClr r="0" g="0" b="0"/>
-        </a:lnRef>
-        <a:fillRef idx="0">
-          <a:scrgbClr r="0" g="0" b="0"/>
-        </a:fillRef>
-        <a:effectRef idx="0">
-          <a:scrgbClr r="0" g="0" b="0"/>
-        </a:effectRef>
-        <a:fontRef idx="minor"/>
-      </dsp:style>
-    </dsp:sp>
-    <dsp:sp modelId="{32051591-1DB8-4568-84B7-AFAC65444473}">
-      <dsp:nvSpPr>
-        <dsp:cNvPr id="0" name=""/>
-        <dsp:cNvSpPr/>
-      </dsp:nvSpPr>
-      <dsp:spPr>
-        <a:xfrm>
-          <a:off x="479584" y="2019618"/>
-          <a:ext cx="1161832" cy="276463"/>
-        </a:xfrm>
-        <a:custGeom>
-          <a:avLst/>
-          <a:gdLst/>
-          <a:ahLst/>
-          <a:cxnLst/>
-          <a:rect l="0" t="0" r="0" b="0"/>
-          <a:pathLst>
-            <a:path>
-              <a:moveTo>
-                <a:pt x="1161832" y="0"/>
-              </a:moveTo>
-              <a:lnTo>
-                <a:pt x="1161832" y="188401"/>
-              </a:lnTo>
-              <a:lnTo>
-                <a:pt x="0" y="188401"/>
-              </a:lnTo>
-              <a:lnTo>
-                <a:pt x="0" y="276463"/>
-              </a:lnTo>
-            </a:path>
-          </a:pathLst>
-        </a:custGeom>
-        <a:noFill/>
-        <a:ln w="25400" cap="flat" cmpd="sng" algn="ctr">
-          <a:solidFill>
-            <a:schemeClr val="accent1">
-              <a:shade val="80000"/>
-              <a:hueOff val="0"/>
-              <a:satOff val="0"/>
-              <a:lumOff val="0"/>
-              <a:alphaOff val="0"/>
-            </a:schemeClr>
-          </a:solidFill>
-          <a:prstDash val="solid"/>
-        </a:ln>
-        <a:effectLst/>
-      </dsp:spPr>
-      <dsp:style>
-        <a:lnRef idx="2">
-          <a:scrgbClr r="0" g="0" b="0"/>
-        </a:lnRef>
-        <a:fillRef idx="0">
-          <a:scrgbClr r="0" g="0" b="0"/>
-        </a:fillRef>
-        <a:effectRef idx="0">
-          <a:scrgbClr r="0" g="0" b="0"/>
-        </a:effectRef>
-        <a:fontRef idx="minor"/>
-      </dsp:style>
-    </dsp:sp>
-    <dsp:sp modelId="{CE137CB0-89B6-4297-A70F-F74A0937C72D}">
-      <dsp:nvSpPr>
-        <dsp:cNvPr id="0" name=""/>
-        <dsp:cNvSpPr/>
-      </dsp:nvSpPr>
-      <dsp:spPr>
-        <a:xfrm>
-          <a:off x="1641416" y="1139530"/>
-          <a:ext cx="3775954" cy="276463"/>
-        </a:xfrm>
-        <a:custGeom>
-          <a:avLst/>
-          <a:gdLst/>
-          <a:ahLst/>
-          <a:cxnLst/>
-          <a:rect l="0" t="0" r="0" b="0"/>
-          <a:pathLst>
-            <a:path>
-              <a:moveTo>
-                <a:pt x="3775954" y="0"/>
-              </a:moveTo>
-              <a:lnTo>
-                <a:pt x="3775954" y="188401"/>
-              </a:lnTo>
-              <a:lnTo>
-                <a:pt x="0" y="188401"/>
-              </a:lnTo>
-              <a:lnTo>
-                <a:pt x="0" y="276463"/>
-              </a:lnTo>
-            </a:path>
-          </a:pathLst>
-        </a:custGeom>
-        <a:noFill/>
-        <a:ln w="25400" cap="flat" cmpd="sng" algn="ctr">
-          <a:solidFill>
-            <a:schemeClr val="accent1">
-              <a:shade val="60000"/>
-              <a:hueOff val="0"/>
-              <a:satOff val="0"/>
-              <a:lumOff val="0"/>
-              <a:alphaOff val="0"/>
-            </a:schemeClr>
-          </a:solidFill>
-          <a:prstDash val="solid"/>
-        </a:ln>
-        <a:effectLst/>
-      </dsp:spPr>
-      <dsp:style>
-        <a:lnRef idx="2">
-          <a:scrgbClr r="0" g="0" b="0"/>
-        </a:lnRef>
-        <a:fillRef idx="0">
-          <a:scrgbClr r="0" g="0" b="0"/>
-        </a:fillRef>
-        <a:effectRef idx="0">
-          <a:scrgbClr r="0" g="0" b="0"/>
-        </a:effectRef>
-        <a:fontRef idx="minor"/>
-      </dsp:style>
-    </dsp:sp>
-    <dsp:sp modelId="{7D49C101-E155-4EEC-B8CF-49F774ADFDFD}">
-      <dsp:nvSpPr>
-        <dsp:cNvPr id="0" name=""/>
-        <dsp:cNvSpPr/>
-      </dsp:nvSpPr>
-      <dsp:spPr>
-        <a:xfrm>
-          <a:off x="479584" y="1139530"/>
-          <a:ext cx="4937786" cy="276463"/>
-        </a:xfrm>
-        <a:custGeom>
-          <a:avLst/>
-          <a:gdLst/>
-          <a:ahLst/>
-          <a:cxnLst/>
-          <a:rect l="0" t="0" r="0" b="0"/>
-          <a:pathLst>
-            <a:path>
-              <a:moveTo>
-                <a:pt x="4937786" y="0"/>
-              </a:moveTo>
-              <a:lnTo>
-                <a:pt x="4937786" y="188401"/>
-              </a:lnTo>
-              <a:lnTo>
-                <a:pt x="0" y="188401"/>
-              </a:lnTo>
-              <a:lnTo>
-                <a:pt x="0" y="276463"/>
-              </a:lnTo>
-            </a:path>
-          </a:pathLst>
-        </a:custGeom>
-        <a:noFill/>
-        <a:ln w="25400" cap="flat" cmpd="sng" algn="ctr">
-          <a:solidFill>
-            <a:schemeClr val="accent1">
-              <a:shade val="60000"/>
-              <a:hueOff val="0"/>
-              <a:satOff val="0"/>
-              <a:lumOff val="0"/>
-              <a:alphaOff val="0"/>
-            </a:schemeClr>
-          </a:solidFill>
-          <a:prstDash val="solid"/>
-        </a:ln>
-        <a:effectLst/>
-      </dsp:spPr>
-      <dsp:style>
-        <a:lnRef idx="2">
-          <a:scrgbClr r="0" g="0" b="0"/>
-        </a:lnRef>
-        <a:fillRef idx="0">
-          <a:scrgbClr r="0" g="0" b="0"/>
-        </a:fillRef>
-        <a:effectRef idx="0">
-          <a:scrgbClr r="0" g="0" b="0"/>
-        </a:effectRef>
-        <a:fontRef idx="minor"/>
-      </dsp:style>
-    </dsp:sp>
-    <dsp:sp modelId="{AFCF13D7-0DED-4BD1-A055-60E0B68BD4B1}">
-      <dsp:nvSpPr>
-        <dsp:cNvPr id="0" name=""/>
-        <dsp:cNvSpPr/>
-      </dsp:nvSpPr>
-      <dsp:spPr>
-        <a:xfrm>
-          <a:off x="4942076" y="535906"/>
-          <a:ext cx="950589" cy="603624"/>
+          <a:off x="2293951" y="117710"/>
+          <a:ext cx="938169" cy="595737"/>
         </a:xfrm>
         <a:prstGeom prst="roundRect">
           <a:avLst>
@@ -10435,15 +11123,559 @@
         </a:fontRef>
       </dsp:style>
     </dsp:sp>
-    <dsp:sp modelId="{1C1727CD-0295-4143-B4AD-6B08DD888B4B}">
+    <dsp:sp modelId="{A2BFB597-23BE-4EED-A58B-5E822A24E4ED}">
       <dsp:nvSpPr>
         <dsp:cNvPr id="0" name=""/>
         <dsp:cNvSpPr/>
       </dsp:nvSpPr>
       <dsp:spPr>
         <a:xfrm>
-          <a:off x="5047697" y="636246"/>
-          <a:ext cx="950589" cy="603624"/>
+          <a:off x="2398192" y="216739"/>
+          <a:ext cx="938169" cy="595737"/>
+        </a:xfrm>
+        <a:prstGeom prst="roundRect">
+          <a:avLst>
+            <a:gd name="adj" fmla="val 10000"/>
+          </a:avLst>
+        </a:prstGeom>
+        <a:solidFill>
+          <a:schemeClr val="lt1">
+            <a:alpha val="90000"/>
+            <a:hueOff val="0"/>
+            <a:satOff val="0"/>
+            <a:lumOff val="0"/>
+            <a:alphaOff val="0"/>
+          </a:schemeClr>
+        </a:solidFill>
+        <a:ln w="25400" cap="flat" cmpd="sng" algn="ctr">
+          <a:solidFill>
+            <a:schemeClr val="accent1">
+              <a:hueOff val="0"/>
+              <a:satOff val="0"/>
+              <a:lumOff val="0"/>
+              <a:alphaOff val="0"/>
+            </a:schemeClr>
+          </a:solidFill>
+          <a:prstDash val="solid"/>
+        </a:ln>
+        <a:effectLst/>
+      </dsp:spPr>
+      <dsp:style>
+        <a:lnRef idx="2">
+          <a:scrgbClr r="0" g="0" b="0"/>
+        </a:lnRef>
+        <a:fillRef idx="1">
+          <a:scrgbClr r="0" g="0" b="0"/>
+        </a:fillRef>
+        <a:effectRef idx="0">
+          <a:scrgbClr r="0" g="0" b="0"/>
+        </a:effectRef>
+        <a:fontRef idx="minor"/>
+      </dsp:style>
+      <dsp:txBody>
+        <a:bodyPr spcFirstLastPara="0" vert="horz" wrap="square" lIns="38100" tIns="38100" rIns="38100" bIns="38100" numCol="1" spcCol="1270" anchor="ctr" anchorCtr="0">
+          <a:noAutofit/>
+        </a:bodyPr>
+        <a:lstStyle/>
+        <a:p>
+          <a:pPr marL="0" lvl="0" indent="0" algn="ctr" defTabSz="444500" latinLnBrk="1">
+            <a:lnSpc>
+              <a:spcPct val="90000"/>
+            </a:lnSpc>
+            <a:spcBef>
+              <a:spcPct val="0"/>
+            </a:spcBef>
+            <a:spcAft>
+              <a:spcPct val="35000"/>
+            </a:spcAft>
+            <a:buNone/>
+          </a:pPr>
+          <a:r>
+            <a:rPr lang="en-US" altLang="ko-KR" sz="1000" b="1" kern="1200">
+              <a:solidFill>
+                <a:srgbClr val="FF0000"/>
+              </a:solidFill>
+            </a:rPr>
+            <a:t>ConfigManager</a:t>
+          </a:r>
+          <a:endParaRPr lang="ko-KR" altLang="en-US" sz="1000" b="1" kern="1200">
+            <a:solidFill>
+              <a:srgbClr val="FF0000"/>
+            </a:solidFill>
+          </a:endParaRPr>
+        </a:p>
+      </dsp:txBody>
+      <dsp:txXfrm>
+        <a:off x="2415641" y="234188"/>
+        <a:ext cx="903271" cy="560839"/>
+      </dsp:txXfrm>
+    </dsp:sp>
+    <dsp:sp modelId="{246908E1-8E50-41C4-BAB8-5738D61C85BA}">
+      <dsp:nvSpPr>
+        <dsp:cNvPr id="0" name=""/>
+        <dsp:cNvSpPr/>
+      </dsp:nvSpPr>
+      <dsp:spPr>
+        <a:xfrm>
+          <a:off x="648" y="986298"/>
+          <a:ext cx="938169" cy="595737"/>
+        </a:xfrm>
+        <a:prstGeom prst="roundRect">
+          <a:avLst>
+            <a:gd name="adj" fmla="val 10000"/>
+          </a:avLst>
+        </a:prstGeom>
+        <a:solidFill>
+          <a:schemeClr val="accent1">
+            <a:hueOff val="0"/>
+            <a:satOff val="0"/>
+            <a:lumOff val="0"/>
+            <a:alphaOff val="0"/>
+          </a:schemeClr>
+        </a:solidFill>
+        <a:ln w="25400" cap="flat" cmpd="sng" algn="ctr">
+          <a:solidFill>
+            <a:schemeClr val="lt1">
+              <a:hueOff val="0"/>
+              <a:satOff val="0"/>
+              <a:lumOff val="0"/>
+              <a:alphaOff val="0"/>
+            </a:schemeClr>
+          </a:solidFill>
+          <a:prstDash val="solid"/>
+        </a:ln>
+        <a:effectLst/>
+      </dsp:spPr>
+      <dsp:style>
+        <a:lnRef idx="2">
+          <a:scrgbClr r="0" g="0" b="0"/>
+        </a:lnRef>
+        <a:fillRef idx="1">
+          <a:scrgbClr r="0" g="0" b="0"/>
+        </a:fillRef>
+        <a:effectRef idx="0">
+          <a:scrgbClr r="0" g="0" b="0"/>
+        </a:effectRef>
+        <a:fontRef idx="minor">
+          <a:schemeClr val="lt1"/>
+        </a:fontRef>
+      </dsp:style>
+    </dsp:sp>
+    <dsp:sp modelId="{9137FADA-4F18-44AE-B0E1-860BD4F2C390}">
+      <dsp:nvSpPr>
+        <dsp:cNvPr id="0" name=""/>
+        <dsp:cNvSpPr/>
+      </dsp:nvSpPr>
+      <dsp:spPr>
+        <a:xfrm>
+          <a:off x="104889" y="1085327"/>
+          <a:ext cx="938169" cy="595737"/>
+        </a:xfrm>
+        <a:prstGeom prst="roundRect">
+          <a:avLst>
+            <a:gd name="adj" fmla="val 10000"/>
+          </a:avLst>
+        </a:prstGeom>
+        <a:solidFill>
+          <a:schemeClr val="lt1">
+            <a:alpha val="90000"/>
+            <a:hueOff val="0"/>
+            <a:satOff val="0"/>
+            <a:lumOff val="0"/>
+            <a:alphaOff val="0"/>
+          </a:schemeClr>
+        </a:solidFill>
+        <a:ln w="25400" cap="flat" cmpd="sng" algn="ctr">
+          <a:solidFill>
+            <a:schemeClr val="accent1">
+              <a:hueOff val="0"/>
+              <a:satOff val="0"/>
+              <a:lumOff val="0"/>
+              <a:alphaOff val="0"/>
+            </a:schemeClr>
+          </a:solidFill>
+          <a:prstDash val="solid"/>
+        </a:ln>
+        <a:effectLst/>
+      </dsp:spPr>
+      <dsp:style>
+        <a:lnRef idx="2">
+          <a:scrgbClr r="0" g="0" b="0"/>
+        </a:lnRef>
+        <a:fillRef idx="1">
+          <a:scrgbClr r="0" g="0" b="0"/>
+        </a:fillRef>
+        <a:effectRef idx="0">
+          <a:scrgbClr r="0" g="0" b="0"/>
+        </a:effectRef>
+        <a:fontRef idx="minor"/>
+      </dsp:style>
+      <dsp:txBody>
+        <a:bodyPr spcFirstLastPara="0" vert="horz" wrap="square" lIns="38100" tIns="38100" rIns="38100" bIns="38100" numCol="1" spcCol="1270" anchor="ctr" anchorCtr="0">
+          <a:noAutofit/>
+        </a:bodyPr>
+        <a:lstStyle/>
+        <a:p>
+          <a:pPr marL="0" lvl="0" indent="0" algn="ctr" defTabSz="444500" latinLnBrk="1">
+            <a:lnSpc>
+              <a:spcPct val="90000"/>
+            </a:lnSpc>
+            <a:spcBef>
+              <a:spcPct val="0"/>
+            </a:spcBef>
+            <a:spcAft>
+              <a:spcPct val="35000"/>
+            </a:spcAft>
+            <a:buNone/>
+          </a:pPr>
+          <a:r>
+            <a:rPr lang="en-US" altLang="ko-KR" sz="1000" b="1" kern="1200">
+              <a:solidFill>
+                <a:srgbClr val="FF0000"/>
+              </a:solidFill>
+            </a:rPr>
+            <a:t>IAddressMapService</a:t>
+          </a:r>
+          <a:endParaRPr lang="ko-KR" altLang="en-US" sz="1000" b="1" kern="1200">
+            <a:solidFill>
+              <a:srgbClr val="FF0000"/>
+            </a:solidFill>
+          </a:endParaRPr>
+        </a:p>
+      </dsp:txBody>
+      <dsp:txXfrm>
+        <a:off x="122338" y="1102776"/>
+        <a:ext cx="903271" cy="560839"/>
+      </dsp:txXfrm>
+    </dsp:sp>
+    <dsp:sp modelId="{4F579B10-1FA2-4D53-A297-25A9B4E97C21}">
+      <dsp:nvSpPr>
+        <dsp:cNvPr id="0" name=""/>
+        <dsp:cNvSpPr/>
+      </dsp:nvSpPr>
+      <dsp:spPr>
+        <a:xfrm>
+          <a:off x="1147300" y="986298"/>
+          <a:ext cx="938169" cy="595737"/>
+        </a:xfrm>
+        <a:prstGeom prst="roundRect">
+          <a:avLst>
+            <a:gd name="adj" fmla="val 10000"/>
+          </a:avLst>
+        </a:prstGeom>
+        <a:solidFill>
+          <a:schemeClr val="accent1">
+            <a:hueOff val="0"/>
+            <a:satOff val="0"/>
+            <a:lumOff val="0"/>
+            <a:alphaOff val="0"/>
+          </a:schemeClr>
+        </a:solidFill>
+        <a:ln w="25400" cap="flat" cmpd="sng" algn="ctr">
+          <a:solidFill>
+            <a:schemeClr val="lt1">
+              <a:hueOff val="0"/>
+              <a:satOff val="0"/>
+              <a:lumOff val="0"/>
+              <a:alphaOff val="0"/>
+            </a:schemeClr>
+          </a:solidFill>
+          <a:prstDash val="solid"/>
+        </a:ln>
+        <a:effectLst/>
+      </dsp:spPr>
+      <dsp:style>
+        <a:lnRef idx="2">
+          <a:scrgbClr r="0" g="0" b="0"/>
+        </a:lnRef>
+        <a:fillRef idx="1">
+          <a:scrgbClr r="0" g="0" b="0"/>
+        </a:fillRef>
+        <a:effectRef idx="0">
+          <a:scrgbClr r="0" g="0" b="0"/>
+        </a:effectRef>
+        <a:fontRef idx="minor">
+          <a:schemeClr val="lt1"/>
+        </a:fontRef>
+      </dsp:style>
+    </dsp:sp>
+    <dsp:sp modelId="{35E8A070-5D76-4116-BFCE-E313B86D6EC4}">
+      <dsp:nvSpPr>
+        <dsp:cNvPr id="0" name=""/>
+        <dsp:cNvSpPr/>
+      </dsp:nvSpPr>
+      <dsp:spPr>
+        <a:xfrm>
+          <a:off x="1251541" y="1085327"/>
+          <a:ext cx="938169" cy="595737"/>
+        </a:xfrm>
+        <a:prstGeom prst="roundRect">
+          <a:avLst>
+            <a:gd name="adj" fmla="val 10000"/>
+          </a:avLst>
+        </a:prstGeom>
+        <a:solidFill>
+          <a:schemeClr val="lt1">
+            <a:alpha val="90000"/>
+            <a:hueOff val="0"/>
+            <a:satOff val="0"/>
+            <a:lumOff val="0"/>
+            <a:alphaOff val="0"/>
+          </a:schemeClr>
+        </a:solidFill>
+        <a:ln w="25400" cap="flat" cmpd="sng" algn="ctr">
+          <a:solidFill>
+            <a:schemeClr val="accent1">
+              <a:hueOff val="0"/>
+              <a:satOff val="0"/>
+              <a:lumOff val="0"/>
+              <a:alphaOff val="0"/>
+            </a:schemeClr>
+          </a:solidFill>
+          <a:prstDash val="solid"/>
+        </a:ln>
+        <a:effectLst/>
+      </dsp:spPr>
+      <dsp:style>
+        <a:lnRef idx="2">
+          <a:scrgbClr r="0" g="0" b="0"/>
+        </a:lnRef>
+        <a:fillRef idx="1">
+          <a:scrgbClr r="0" g="0" b="0"/>
+        </a:fillRef>
+        <a:effectRef idx="0">
+          <a:scrgbClr r="0" g="0" b="0"/>
+        </a:effectRef>
+        <a:fontRef idx="minor"/>
+      </dsp:style>
+      <dsp:txBody>
+        <a:bodyPr spcFirstLastPara="0" vert="horz" wrap="square" lIns="38100" tIns="38100" rIns="38100" bIns="38100" numCol="1" spcCol="1270" anchor="ctr" anchorCtr="0">
+          <a:noAutofit/>
+        </a:bodyPr>
+        <a:lstStyle/>
+        <a:p>
+          <a:pPr marL="0" lvl="0" indent="0" algn="ctr" defTabSz="444500" latinLnBrk="1">
+            <a:lnSpc>
+              <a:spcPct val="90000"/>
+            </a:lnSpc>
+            <a:spcBef>
+              <a:spcPct val="0"/>
+            </a:spcBef>
+            <a:spcAft>
+              <a:spcPct val="35000"/>
+            </a:spcAft>
+            <a:buNone/>
+          </a:pPr>
+          <a:r>
+            <a:rPr lang="en-US" altLang="ko-KR" sz="1000" b="1" kern="1200">
+              <a:solidFill>
+                <a:srgbClr val="FF0000"/>
+              </a:solidFill>
+            </a:rPr>
+            <a:t>ITransfer</a:t>
+          </a:r>
+          <a:endParaRPr lang="ko-KR" altLang="en-US" sz="1000" b="1" kern="1200">
+            <a:solidFill>
+              <a:srgbClr val="FF0000"/>
+            </a:solidFill>
+          </a:endParaRPr>
+        </a:p>
+      </dsp:txBody>
+      <dsp:txXfrm>
+        <a:off x="1268990" y="1102776"/>
+        <a:ext cx="903271" cy="560839"/>
+      </dsp:txXfrm>
+    </dsp:sp>
+    <dsp:sp modelId="{69401691-26FA-4DB5-BB5F-B0B61F36642A}">
+      <dsp:nvSpPr>
+        <dsp:cNvPr id="0" name=""/>
+        <dsp:cNvSpPr/>
+      </dsp:nvSpPr>
+      <dsp:spPr>
+        <a:xfrm>
+          <a:off x="1147300" y="1854887"/>
+          <a:ext cx="938169" cy="595737"/>
+        </a:xfrm>
+        <a:prstGeom prst="roundRect">
+          <a:avLst>
+            <a:gd name="adj" fmla="val 10000"/>
+          </a:avLst>
+        </a:prstGeom>
+        <a:solidFill>
+          <a:schemeClr val="accent1">
+            <a:hueOff val="0"/>
+            <a:satOff val="0"/>
+            <a:lumOff val="0"/>
+            <a:alphaOff val="0"/>
+          </a:schemeClr>
+        </a:solidFill>
+        <a:ln w="25400" cap="flat" cmpd="sng" algn="ctr">
+          <a:solidFill>
+            <a:schemeClr val="lt1">
+              <a:hueOff val="0"/>
+              <a:satOff val="0"/>
+              <a:lumOff val="0"/>
+              <a:alphaOff val="0"/>
+            </a:schemeClr>
+          </a:solidFill>
+          <a:prstDash val="solid"/>
+        </a:ln>
+        <a:effectLst/>
+      </dsp:spPr>
+      <dsp:style>
+        <a:lnRef idx="2">
+          <a:scrgbClr r="0" g="0" b="0"/>
+        </a:lnRef>
+        <a:fillRef idx="1">
+          <a:scrgbClr r="0" g="0" b="0"/>
+        </a:fillRef>
+        <a:effectRef idx="0">
+          <a:scrgbClr r="0" g="0" b="0"/>
+        </a:effectRef>
+        <a:fontRef idx="minor">
+          <a:schemeClr val="lt1"/>
+        </a:fontRef>
+      </dsp:style>
+    </dsp:sp>
+    <dsp:sp modelId="{CC1AA105-28DB-4F35-8F75-89AC7C252F6C}">
+      <dsp:nvSpPr>
+        <dsp:cNvPr id="0" name=""/>
+        <dsp:cNvSpPr/>
+      </dsp:nvSpPr>
+      <dsp:spPr>
+        <a:xfrm>
+          <a:off x="1251541" y="1953916"/>
+          <a:ext cx="938169" cy="595737"/>
+        </a:xfrm>
+        <a:prstGeom prst="roundRect">
+          <a:avLst>
+            <a:gd name="adj" fmla="val 10000"/>
+          </a:avLst>
+        </a:prstGeom>
+        <a:solidFill>
+          <a:schemeClr val="lt1">
+            <a:alpha val="90000"/>
+            <a:hueOff val="0"/>
+            <a:satOff val="0"/>
+            <a:lumOff val="0"/>
+            <a:alphaOff val="0"/>
+          </a:schemeClr>
+        </a:solidFill>
+        <a:ln w="25400" cap="flat" cmpd="sng" algn="ctr">
+          <a:solidFill>
+            <a:schemeClr val="accent1">
+              <a:hueOff val="0"/>
+              <a:satOff val="0"/>
+              <a:lumOff val="0"/>
+              <a:alphaOff val="0"/>
+            </a:schemeClr>
+          </a:solidFill>
+          <a:prstDash val="solid"/>
+        </a:ln>
+        <a:effectLst/>
+      </dsp:spPr>
+      <dsp:style>
+        <a:lnRef idx="2">
+          <a:scrgbClr r="0" g="0" b="0"/>
+        </a:lnRef>
+        <a:fillRef idx="1">
+          <a:scrgbClr r="0" g="0" b="0"/>
+        </a:fillRef>
+        <a:effectRef idx="0">
+          <a:scrgbClr r="0" g="0" b="0"/>
+        </a:effectRef>
+        <a:fontRef idx="minor"/>
+      </dsp:style>
+      <dsp:txBody>
+        <a:bodyPr spcFirstLastPara="0" vert="horz" wrap="square" lIns="45720" tIns="45720" rIns="45720" bIns="45720" numCol="1" spcCol="1270" anchor="ctr" anchorCtr="0">
+          <a:noAutofit/>
+        </a:bodyPr>
+        <a:lstStyle/>
+        <a:p>
+          <a:pPr marL="0" lvl="0" indent="0" algn="ctr" defTabSz="533400" latinLnBrk="1">
+            <a:lnSpc>
+              <a:spcPct val="90000"/>
+            </a:lnSpc>
+            <a:spcBef>
+              <a:spcPct val="0"/>
+            </a:spcBef>
+            <a:spcAft>
+              <a:spcPct val="35000"/>
+            </a:spcAft>
+            <a:buNone/>
+          </a:pPr>
+          <a:r>
+            <a:rPr lang="en-US" altLang="ko-KR" sz="1200" kern="1200"/>
+            <a:t>MqTransfer</a:t>
+          </a:r>
+          <a:endParaRPr lang="ko-KR" altLang="en-US" sz="1200" kern="1200"/>
+        </a:p>
+      </dsp:txBody>
+      <dsp:txXfrm>
+        <a:off x="1268990" y="1971365"/>
+        <a:ext cx="903271" cy="560839"/>
+      </dsp:txXfrm>
+    </dsp:sp>
+    <dsp:sp modelId="{B984EB51-4188-48D6-AF2E-03E49C260338}">
+      <dsp:nvSpPr>
+        <dsp:cNvPr id="0" name=""/>
+        <dsp:cNvSpPr/>
+      </dsp:nvSpPr>
+      <dsp:spPr>
+        <a:xfrm>
+          <a:off x="4587255" y="986298"/>
+          <a:ext cx="938169" cy="595737"/>
+        </a:xfrm>
+        <a:prstGeom prst="roundRect">
+          <a:avLst>
+            <a:gd name="adj" fmla="val 10000"/>
+          </a:avLst>
+        </a:prstGeom>
+        <a:solidFill>
+          <a:schemeClr val="accent1">
+            <a:hueOff val="0"/>
+            <a:satOff val="0"/>
+            <a:lumOff val="0"/>
+            <a:alphaOff val="0"/>
+          </a:schemeClr>
+        </a:solidFill>
+        <a:ln w="25400" cap="flat" cmpd="sng" algn="ctr">
+          <a:solidFill>
+            <a:schemeClr val="lt1">
+              <a:hueOff val="0"/>
+              <a:satOff val="0"/>
+              <a:lumOff val="0"/>
+              <a:alphaOff val="0"/>
+            </a:schemeClr>
+          </a:solidFill>
+          <a:prstDash val="solid"/>
+        </a:ln>
+        <a:effectLst/>
+      </dsp:spPr>
+      <dsp:style>
+        <a:lnRef idx="2">
+          <a:scrgbClr r="0" g="0" b="0"/>
+        </a:lnRef>
+        <a:fillRef idx="1">
+          <a:scrgbClr r="0" g="0" b="0"/>
+        </a:fillRef>
+        <a:effectRef idx="0">
+          <a:scrgbClr r="0" g="0" b="0"/>
+        </a:effectRef>
+        <a:fontRef idx="minor">
+          <a:schemeClr val="lt1"/>
+        </a:fontRef>
+      </dsp:style>
+    </dsp:sp>
+    <dsp:sp modelId="{2CDD3B70-6A4B-4BAE-A6C4-F20DBCBAADA8}">
+      <dsp:nvSpPr>
+        <dsp:cNvPr id="0" name=""/>
+        <dsp:cNvSpPr/>
+      </dsp:nvSpPr>
+      <dsp:spPr>
+        <a:xfrm>
+          <a:off x="4691496" y="1085327"/>
+          <a:ext cx="938169" cy="595737"/>
         </a:xfrm>
         <a:prstGeom prst="roundRect">
           <a:avLst>
@@ -10518,19 +11750,19 @@
         </a:p>
       </dsp:txBody>
       <dsp:txXfrm>
-        <a:off x="5065377" y="653926"/>
-        <a:ext cx="915229" cy="568264"/>
+        <a:off x="4708945" y="1102776"/>
+        <a:ext cx="903271" cy="560839"/>
       </dsp:txXfrm>
     </dsp:sp>
-    <dsp:sp modelId="{5EE171E9-3478-4A53-80CF-B7AB9DD322AE}">
+    <dsp:sp modelId="{BD72AEC4-67D8-4A51-9302-BA51C3E6BE7F}">
       <dsp:nvSpPr>
         <dsp:cNvPr id="0" name=""/>
         <dsp:cNvSpPr/>
       </dsp:nvSpPr>
       <dsp:spPr>
         <a:xfrm>
-          <a:off x="4289" y="1415994"/>
-          <a:ext cx="950589" cy="603624"/>
+          <a:off x="2293951" y="1854887"/>
+          <a:ext cx="938169" cy="595737"/>
         </a:xfrm>
         <a:prstGeom prst="roundRect">
           <a:avLst>
@@ -10573,15 +11805,15 @@
         </a:fontRef>
       </dsp:style>
     </dsp:sp>
-    <dsp:sp modelId="{386030E1-7AB0-479B-B679-93EC0BBDE7CC}">
+    <dsp:sp modelId="{5823D4C0-DF43-40BB-87F7-48CB3AE4C14F}">
       <dsp:nvSpPr>
         <dsp:cNvPr id="0" name=""/>
         <dsp:cNvSpPr/>
       </dsp:nvSpPr>
       <dsp:spPr>
         <a:xfrm>
-          <a:off x="109910" y="1516334"/>
-          <a:ext cx="950589" cy="603624"/>
+          <a:off x="2398192" y="1953916"/>
+          <a:ext cx="938169" cy="595737"/>
         </a:xfrm>
         <a:prstGeom prst="roundRect">
           <a:avLst>
@@ -10646,7 +11878,7 @@
                 <a:srgbClr val="FF0000"/>
               </a:solidFill>
             </a:rPr>
-            <a:t>IAddressMapService</a:t>
+            <a:t>IDriver</a:t>
           </a:r>
           <a:endParaRPr lang="ko-KR" altLang="en-US" sz="1000" b="1" kern="1200">
             <a:solidFill>
@@ -10656,19 +11888,19 @@
         </a:p>
       </dsp:txBody>
       <dsp:txXfrm>
-        <a:off x="127590" y="1534014"/>
-        <a:ext cx="915229" cy="568264"/>
+        <a:off x="2415641" y="1971365"/>
+        <a:ext cx="903271" cy="560839"/>
       </dsp:txXfrm>
     </dsp:sp>
-    <dsp:sp modelId="{1B64628F-E231-4D89-82DC-2A94017BF80C}">
+    <dsp:sp modelId="{1135A661-3AA5-47D0-B414-EE1D3FF1CB36}">
       <dsp:nvSpPr>
         <dsp:cNvPr id="0" name=""/>
         <dsp:cNvSpPr/>
       </dsp:nvSpPr>
       <dsp:spPr>
         <a:xfrm>
-          <a:off x="1166121" y="1415994"/>
-          <a:ext cx="950589" cy="603624"/>
+          <a:off x="1720625" y="2723476"/>
+          <a:ext cx="938169" cy="595737"/>
         </a:xfrm>
         <a:prstGeom prst="roundRect">
           <a:avLst>
@@ -10711,15 +11943,1260 @@
         </a:fontRef>
       </dsp:style>
     </dsp:sp>
-    <dsp:sp modelId="{70A0D3E3-743F-4D81-9901-D144987BE020}">
+    <dsp:sp modelId="{EE04645E-1F6A-4AEB-A6D8-A564AB066187}">
       <dsp:nvSpPr>
         <dsp:cNvPr id="0" name=""/>
         <dsp:cNvSpPr/>
       </dsp:nvSpPr>
       <dsp:spPr>
         <a:xfrm>
-          <a:off x="1271742" y="1516334"/>
-          <a:ext cx="950589" cy="603624"/>
+          <a:off x="1824867" y="2822505"/>
+          <a:ext cx="938169" cy="595737"/>
+        </a:xfrm>
+        <a:prstGeom prst="roundRect">
+          <a:avLst>
+            <a:gd name="adj" fmla="val 10000"/>
+          </a:avLst>
+        </a:prstGeom>
+        <a:solidFill>
+          <a:schemeClr val="lt1">
+            <a:alpha val="90000"/>
+            <a:hueOff val="0"/>
+            <a:satOff val="0"/>
+            <a:lumOff val="0"/>
+            <a:alphaOff val="0"/>
+          </a:schemeClr>
+        </a:solidFill>
+        <a:ln w="25400" cap="flat" cmpd="sng" algn="ctr">
+          <a:solidFill>
+            <a:schemeClr val="accent1">
+              <a:hueOff val="0"/>
+              <a:satOff val="0"/>
+              <a:lumOff val="0"/>
+              <a:alphaOff val="0"/>
+            </a:schemeClr>
+          </a:solidFill>
+          <a:prstDash val="solid"/>
+        </a:ln>
+        <a:effectLst/>
+      </dsp:spPr>
+      <dsp:style>
+        <a:lnRef idx="2">
+          <a:scrgbClr r="0" g="0" b="0"/>
+        </a:lnRef>
+        <a:fillRef idx="1">
+          <a:scrgbClr r="0" g="0" b="0"/>
+        </a:fillRef>
+        <a:effectRef idx="0">
+          <a:scrgbClr r="0" g="0" b="0"/>
+        </a:effectRef>
+        <a:fontRef idx="minor"/>
+      </dsp:style>
+      <dsp:txBody>
+        <a:bodyPr spcFirstLastPara="0" vert="horz" wrap="square" lIns="38100" tIns="38100" rIns="38100" bIns="38100" numCol="1" spcCol="1270" anchor="ctr" anchorCtr="0">
+          <a:noAutofit/>
+        </a:bodyPr>
+        <a:lstStyle/>
+        <a:p>
+          <a:pPr marL="0" lvl="0" indent="0" algn="ctr" defTabSz="444500" latinLnBrk="1">
+            <a:lnSpc>
+              <a:spcPct val="90000"/>
+            </a:lnSpc>
+            <a:spcBef>
+              <a:spcPct val="0"/>
+            </a:spcBef>
+            <a:spcAft>
+              <a:spcPct val="35000"/>
+            </a:spcAft>
+            <a:buNone/>
+          </a:pPr>
+          <a:r>
+            <a:rPr lang="en-US" altLang="ko-KR" sz="1000" kern="1200"/>
+            <a:t>MelsecDriver</a:t>
+          </a:r>
+          <a:endParaRPr lang="ko-KR" altLang="en-US" sz="1000" kern="1200"/>
+        </a:p>
+      </dsp:txBody>
+      <dsp:txXfrm>
+        <a:off x="1842316" y="2839954"/>
+        <a:ext cx="903271" cy="560839"/>
+      </dsp:txXfrm>
+    </dsp:sp>
+    <dsp:sp modelId="{9ECE66F5-BC1A-4C8C-8EE1-21FE72706B7B}">
+      <dsp:nvSpPr>
+        <dsp:cNvPr id="0" name=""/>
+        <dsp:cNvSpPr/>
+      </dsp:nvSpPr>
+      <dsp:spPr>
+        <a:xfrm>
+          <a:off x="2867277" y="2723476"/>
+          <a:ext cx="938169" cy="595737"/>
+        </a:xfrm>
+        <a:prstGeom prst="roundRect">
+          <a:avLst>
+            <a:gd name="adj" fmla="val 10000"/>
+          </a:avLst>
+        </a:prstGeom>
+        <a:solidFill>
+          <a:schemeClr val="accent1">
+            <a:hueOff val="0"/>
+            <a:satOff val="0"/>
+            <a:lumOff val="0"/>
+            <a:alphaOff val="0"/>
+          </a:schemeClr>
+        </a:solidFill>
+        <a:ln w="25400" cap="flat" cmpd="sng" algn="ctr">
+          <a:solidFill>
+            <a:schemeClr val="lt1">
+              <a:hueOff val="0"/>
+              <a:satOff val="0"/>
+              <a:lumOff val="0"/>
+              <a:alphaOff val="0"/>
+            </a:schemeClr>
+          </a:solidFill>
+          <a:prstDash val="solid"/>
+        </a:ln>
+        <a:effectLst/>
+      </dsp:spPr>
+      <dsp:style>
+        <a:lnRef idx="2">
+          <a:scrgbClr r="0" g="0" b="0"/>
+        </a:lnRef>
+        <a:fillRef idx="1">
+          <a:scrgbClr r="0" g="0" b="0"/>
+        </a:fillRef>
+        <a:effectRef idx="0">
+          <a:scrgbClr r="0" g="0" b="0"/>
+        </a:effectRef>
+        <a:fontRef idx="minor">
+          <a:schemeClr val="lt1"/>
+        </a:fontRef>
+      </dsp:style>
+    </dsp:sp>
+    <dsp:sp modelId="{B68759EA-10FE-47CA-9A7E-3EC1FA1D8B3A}">
+      <dsp:nvSpPr>
+        <dsp:cNvPr id="0" name=""/>
+        <dsp:cNvSpPr/>
+      </dsp:nvSpPr>
+      <dsp:spPr>
+        <a:xfrm>
+          <a:off x="2971518" y="2822505"/>
+          <a:ext cx="938169" cy="595737"/>
+        </a:xfrm>
+        <a:prstGeom prst="roundRect">
+          <a:avLst>
+            <a:gd name="adj" fmla="val 10000"/>
+          </a:avLst>
+        </a:prstGeom>
+        <a:solidFill>
+          <a:schemeClr val="lt1">
+            <a:alpha val="90000"/>
+            <a:hueOff val="0"/>
+            <a:satOff val="0"/>
+            <a:lumOff val="0"/>
+            <a:alphaOff val="0"/>
+          </a:schemeClr>
+        </a:solidFill>
+        <a:ln w="25400" cap="flat" cmpd="sng" algn="ctr">
+          <a:solidFill>
+            <a:schemeClr val="accent1">
+              <a:hueOff val="0"/>
+              <a:satOff val="0"/>
+              <a:lumOff val="0"/>
+              <a:alphaOff val="0"/>
+            </a:schemeClr>
+          </a:solidFill>
+          <a:prstDash val="solid"/>
+        </a:ln>
+        <a:effectLst/>
+      </dsp:spPr>
+      <dsp:style>
+        <a:lnRef idx="2">
+          <a:scrgbClr r="0" g="0" b="0"/>
+        </a:lnRef>
+        <a:fillRef idx="1">
+          <a:scrgbClr r="0" g="0" b="0"/>
+        </a:fillRef>
+        <a:effectRef idx="0">
+          <a:scrgbClr r="0" g="0" b="0"/>
+        </a:effectRef>
+        <a:fontRef idx="minor"/>
+      </dsp:style>
+      <dsp:txBody>
+        <a:bodyPr spcFirstLastPara="0" vert="horz" wrap="square" lIns="38100" tIns="38100" rIns="38100" bIns="38100" numCol="1" spcCol="1270" anchor="ctr" anchorCtr="0">
+          <a:noAutofit/>
+        </a:bodyPr>
+        <a:lstStyle/>
+        <a:p>
+          <a:pPr marL="0" lvl="0" indent="0" algn="ctr" defTabSz="444500" latinLnBrk="1">
+            <a:lnSpc>
+              <a:spcPct val="90000"/>
+            </a:lnSpc>
+            <a:spcBef>
+              <a:spcPct val="0"/>
+            </a:spcBef>
+            <a:spcAft>
+              <a:spcPct val="35000"/>
+            </a:spcAft>
+            <a:buNone/>
+          </a:pPr>
+          <a:r>
+            <a:rPr lang="en-US" altLang="ko-KR" sz="1000" kern="1200"/>
+            <a:t>ModbusDriver</a:t>
+          </a:r>
+          <a:endParaRPr lang="ko-KR" altLang="en-US" sz="1000" kern="1200"/>
+        </a:p>
+      </dsp:txBody>
+      <dsp:txXfrm>
+        <a:off x="2988967" y="2839954"/>
+        <a:ext cx="903271" cy="560839"/>
+      </dsp:txXfrm>
+    </dsp:sp>
+    <dsp:sp modelId="{4AB82593-CB77-44F2-A385-9CE9ABB2507A}">
+      <dsp:nvSpPr>
+        <dsp:cNvPr id="0" name=""/>
+        <dsp:cNvSpPr/>
+      </dsp:nvSpPr>
+      <dsp:spPr>
+        <a:xfrm>
+          <a:off x="4587255" y="1854887"/>
+          <a:ext cx="938169" cy="595737"/>
+        </a:xfrm>
+        <a:prstGeom prst="roundRect">
+          <a:avLst>
+            <a:gd name="adj" fmla="val 10000"/>
+          </a:avLst>
+        </a:prstGeom>
+        <a:solidFill>
+          <a:schemeClr val="accent1">
+            <a:hueOff val="0"/>
+            <a:satOff val="0"/>
+            <a:lumOff val="0"/>
+            <a:alphaOff val="0"/>
+          </a:schemeClr>
+        </a:solidFill>
+        <a:ln w="25400" cap="flat" cmpd="sng" algn="ctr">
+          <a:solidFill>
+            <a:schemeClr val="lt1">
+              <a:hueOff val="0"/>
+              <a:satOff val="0"/>
+              <a:lumOff val="0"/>
+              <a:alphaOff val="0"/>
+            </a:schemeClr>
+          </a:solidFill>
+          <a:prstDash val="solid"/>
+        </a:ln>
+        <a:effectLst/>
+      </dsp:spPr>
+      <dsp:style>
+        <a:lnRef idx="2">
+          <a:scrgbClr r="0" g="0" b="0"/>
+        </a:lnRef>
+        <a:fillRef idx="1">
+          <a:scrgbClr r="0" g="0" b="0"/>
+        </a:fillRef>
+        <a:effectRef idx="0">
+          <a:scrgbClr r="0" g="0" b="0"/>
+        </a:effectRef>
+        <a:fontRef idx="minor">
+          <a:schemeClr val="lt1"/>
+        </a:fontRef>
+      </dsp:style>
+    </dsp:sp>
+    <dsp:sp modelId="{A1A79737-D5E5-4ECF-8E9B-1D79D461C29A}">
+      <dsp:nvSpPr>
+        <dsp:cNvPr id="0" name=""/>
+        <dsp:cNvSpPr/>
+      </dsp:nvSpPr>
+      <dsp:spPr>
+        <a:xfrm>
+          <a:off x="4691496" y="1953916"/>
+          <a:ext cx="938169" cy="595737"/>
+        </a:xfrm>
+        <a:prstGeom prst="roundRect">
+          <a:avLst>
+            <a:gd name="adj" fmla="val 10000"/>
+          </a:avLst>
+        </a:prstGeom>
+        <a:solidFill>
+          <a:schemeClr val="lt1">
+            <a:alpha val="90000"/>
+            <a:hueOff val="0"/>
+            <a:satOff val="0"/>
+            <a:lumOff val="0"/>
+            <a:alphaOff val="0"/>
+          </a:schemeClr>
+        </a:solidFill>
+        <a:ln w="25400" cap="flat" cmpd="sng" algn="ctr">
+          <a:solidFill>
+            <a:schemeClr val="accent1">
+              <a:hueOff val="0"/>
+              <a:satOff val="0"/>
+              <a:lumOff val="0"/>
+              <a:alphaOff val="0"/>
+            </a:schemeClr>
+          </a:solidFill>
+          <a:prstDash val="solid"/>
+        </a:ln>
+        <a:effectLst/>
+      </dsp:spPr>
+      <dsp:style>
+        <a:lnRef idx="2">
+          <a:scrgbClr r="0" g="0" b="0"/>
+        </a:lnRef>
+        <a:fillRef idx="1">
+          <a:scrgbClr r="0" g="0" b="0"/>
+        </a:fillRef>
+        <a:effectRef idx="0">
+          <a:scrgbClr r="0" g="0" b="0"/>
+        </a:effectRef>
+        <a:fontRef idx="minor"/>
+      </dsp:style>
+      <dsp:txBody>
+        <a:bodyPr spcFirstLastPara="0" vert="horz" wrap="square" lIns="38100" tIns="38100" rIns="38100" bIns="38100" numCol="1" spcCol="1270" anchor="ctr" anchorCtr="0">
+          <a:noAutofit/>
+        </a:bodyPr>
+        <a:lstStyle/>
+        <a:p>
+          <a:pPr marL="0" lvl="0" indent="0" algn="ctr" defTabSz="444500" latinLnBrk="1">
+            <a:lnSpc>
+              <a:spcPct val="90000"/>
+            </a:lnSpc>
+            <a:spcBef>
+              <a:spcPct val="0"/>
+            </a:spcBef>
+            <a:spcAft>
+              <a:spcPct val="35000"/>
+            </a:spcAft>
+            <a:buNone/>
+          </a:pPr>
+          <a:r>
+            <a:rPr lang="en-US" altLang="ko-KR" sz="1000" b="1" kern="1200">
+              <a:solidFill>
+                <a:srgbClr val="FF0000"/>
+              </a:solidFill>
+            </a:rPr>
+            <a:t>IDataCollect</a:t>
+          </a:r>
+          <a:endParaRPr lang="ko-KR" altLang="en-US" sz="1000" b="1" kern="1200">
+            <a:solidFill>
+              <a:srgbClr val="FF0000"/>
+            </a:solidFill>
+          </a:endParaRPr>
+        </a:p>
+      </dsp:txBody>
+      <dsp:txXfrm>
+        <a:off x="4708945" y="1971365"/>
+        <a:ext cx="903271" cy="560839"/>
+      </dsp:txXfrm>
+    </dsp:sp>
+    <dsp:sp modelId="{90FEB9F1-61D2-4C1E-86E2-42B0129D4D6D}">
+      <dsp:nvSpPr>
+        <dsp:cNvPr id="0" name=""/>
+        <dsp:cNvSpPr/>
+      </dsp:nvSpPr>
+      <dsp:spPr>
+        <a:xfrm>
+          <a:off x="4013929" y="2723476"/>
+          <a:ext cx="938169" cy="595737"/>
+        </a:xfrm>
+        <a:prstGeom prst="roundRect">
+          <a:avLst>
+            <a:gd name="adj" fmla="val 10000"/>
+          </a:avLst>
+        </a:prstGeom>
+        <a:solidFill>
+          <a:schemeClr val="accent1">
+            <a:hueOff val="0"/>
+            <a:satOff val="0"/>
+            <a:lumOff val="0"/>
+            <a:alphaOff val="0"/>
+          </a:schemeClr>
+        </a:solidFill>
+        <a:ln w="25400" cap="flat" cmpd="sng" algn="ctr">
+          <a:solidFill>
+            <a:schemeClr val="lt1">
+              <a:hueOff val="0"/>
+              <a:satOff val="0"/>
+              <a:lumOff val="0"/>
+              <a:alphaOff val="0"/>
+            </a:schemeClr>
+          </a:solidFill>
+          <a:prstDash val="solid"/>
+        </a:ln>
+        <a:effectLst/>
+      </dsp:spPr>
+      <dsp:style>
+        <a:lnRef idx="2">
+          <a:scrgbClr r="0" g="0" b="0"/>
+        </a:lnRef>
+        <a:fillRef idx="1">
+          <a:scrgbClr r="0" g="0" b="0"/>
+        </a:fillRef>
+        <a:effectRef idx="0">
+          <a:scrgbClr r="0" g="0" b="0"/>
+        </a:effectRef>
+        <a:fontRef idx="minor">
+          <a:schemeClr val="lt1"/>
+        </a:fontRef>
+      </dsp:style>
+    </dsp:sp>
+    <dsp:sp modelId="{22C3B679-9FAE-4FC8-894B-66DC14451D57}">
+      <dsp:nvSpPr>
+        <dsp:cNvPr id="0" name=""/>
+        <dsp:cNvSpPr/>
+      </dsp:nvSpPr>
+      <dsp:spPr>
+        <a:xfrm>
+          <a:off x="4118170" y="2822505"/>
+          <a:ext cx="938169" cy="595737"/>
+        </a:xfrm>
+        <a:prstGeom prst="roundRect">
+          <a:avLst>
+            <a:gd name="adj" fmla="val 10000"/>
+          </a:avLst>
+        </a:prstGeom>
+        <a:solidFill>
+          <a:schemeClr val="lt1">
+            <a:alpha val="90000"/>
+            <a:hueOff val="0"/>
+            <a:satOff val="0"/>
+            <a:lumOff val="0"/>
+            <a:alphaOff val="0"/>
+          </a:schemeClr>
+        </a:solidFill>
+        <a:ln w="25400" cap="flat" cmpd="sng" algn="ctr">
+          <a:solidFill>
+            <a:schemeClr val="accent1">
+              <a:hueOff val="0"/>
+              <a:satOff val="0"/>
+              <a:lumOff val="0"/>
+              <a:alphaOff val="0"/>
+            </a:schemeClr>
+          </a:solidFill>
+          <a:prstDash val="solid"/>
+        </a:ln>
+        <a:effectLst/>
+      </dsp:spPr>
+      <dsp:style>
+        <a:lnRef idx="2">
+          <a:scrgbClr r="0" g="0" b="0"/>
+        </a:lnRef>
+        <a:fillRef idx="1">
+          <a:scrgbClr r="0" g="0" b="0"/>
+        </a:fillRef>
+        <a:effectRef idx="0">
+          <a:scrgbClr r="0" g="0" b="0"/>
+        </a:effectRef>
+        <a:fontRef idx="minor"/>
+      </dsp:style>
+      <dsp:txBody>
+        <a:bodyPr spcFirstLastPara="0" vert="horz" wrap="square" lIns="38100" tIns="38100" rIns="38100" bIns="38100" numCol="1" spcCol="1270" anchor="ctr" anchorCtr="0">
+          <a:noAutofit/>
+        </a:bodyPr>
+        <a:lstStyle/>
+        <a:p>
+          <a:pPr marL="0" lvl="0" indent="0" algn="ctr" defTabSz="444500" latinLnBrk="1">
+            <a:lnSpc>
+              <a:spcPct val="90000"/>
+            </a:lnSpc>
+            <a:spcBef>
+              <a:spcPct val="0"/>
+            </a:spcBef>
+            <a:spcAft>
+              <a:spcPct val="35000"/>
+            </a:spcAft>
+            <a:buNone/>
+          </a:pPr>
+          <a:r>
+            <a:rPr lang="en-US" altLang="ko-KR" sz="1000" kern="1200"/>
+            <a:t>TimerDataCollect</a:t>
+          </a:r>
+          <a:endParaRPr lang="ko-KR" altLang="en-US" sz="1000" kern="1200"/>
+        </a:p>
+      </dsp:txBody>
+      <dsp:txXfrm>
+        <a:off x="4135619" y="2839954"/>
+        <a:ext cx="903271" cy="560839"/>
+      </dsp:txXfrm>
+    </dsp:sp>
+    <dsp:sp modelId="{CC9143DC-89BB-4298-85B9-BC4A5918F336}">
+      <dsp:nvSpPr>
+        <dsp:cNvPr id="0" name=""/>
+        <dsp:cNvSpPr/>
+      </dsp:nvSpPr>
+      <dsp:spPr>
+        <a:xfrm>
+          <a:off x="5160581" y="2723476"/>
+          <a:ext cx="938169" cy="595737"/>
+        </a:xfrm>
+        <a:prstGeom prst="roundRect">
+          <a:avLst>
+            <a:gd name="adj" fmla="val 10000"/>
+          </a:avLst>
+        </a:prstGeom>
+        <a:solidFill>
+          <a:schemeClr val="accent1">
+            <a:hueOff val="0"/>
+            <a:satOff val="0"/>
+            <a:lumOff val="0"/>
+            <a:alphaOff val="0"/>
+          </a:schemeClr>
+        </a:solidFill>
+        <a:ln w="25400" cap="flat" cmpd="sng" algn="ctr">
+          <a:solidFill>
+            <a:schemeClr val="lt1">
+              <a:hueOff val="0"/>
+              <a:satOff val="0"/>
+              <a:lumOff val="0"/>
+              <a:alphaOff val="0"/>
+            </a:schemeClr>
+          </a:solidFill>
+          <a:prstDash val="solid"/>
+        </a:ln>
+        <a:effectLst/>
+      </dsp:spPr>
+      <dsp:style>
+        <a:lnRef idx="2">
+          <a:scrgbClr r="0" g="0" b="0"/>
+        </a:lnRef>
+        <a:fillRef idx="1">
+          <a:scrgbClr r="0" g="0" b="0"/>
+        </a:fillRef>
+        <a:effectRef idx="0">
+          <a:scrgbClr r="0" g="0" b="0"/>
+        </a:effectRef>
+        <a:fontRef idx="minor">
+          <a:schemeClr val="lt1"/>
+        </a:fontRef>
+      </dsp:style>
+    </dsp:sp>
+    <dsp:sp modelId="{90B32026-FFAF-424D-8EF5-A531EB322B24}">
+      <dsp:nvSpPr>
+        <dsp:cNvPr id="0" name=""/>
+        <dsp:cNvSpPr/>
+      </dsp:nvSpPr>
+      <dsp:spPr>
+        <a:xfrm>
+          <a:off x="5264822" y="2822505"/>
+          <a:ext cx="938169" cy="595737"/>
+        </a:xfrm>
+        <a:prstGeom prst="roundRect">
+          <a:avLst>
+            <a:gd name="adj" fmla="val 10000"/>
+          </a:avLst>
+        </a:prstGeom>
+        <a:solidFill>
+          <a:schemeClr val="lt1">
+            <a:alpha val="90000"/>
+            <a:hueOff val="0"/>
+            <a:satOff val="0"/>
+            <a:lumOff val="0"/>
+            <a:alphaOff val="0"/>
+          </a:schemeClr>
+        </a:solidFill>
+        <a:ln w="25400" cap="flat" cmpd="sng" algn="ctr">
+          <a:solidFill>
+            <a:schemeClr val="accent1">
+              <a:hueOff val="0"/>
+              <a:satOff val="0"/>
+              <a:lumOff val="0"/>
+              <a:alphaOff val="0"/>
+            </a:schemeClr>
+          </a:solidFill>
+          <a:prstDash val="solid"/>
+        </a:ln>
+        <a:effectLst/>
+      </dsp:spPr>
+      <dsp:style>
+        <a:lnRef idx="2">
+          <a:scrgbClr r="0" g="0" b="0"/>
+        </a:lnRef>
+        <a:fillRef idx="1">
+          <a:scrgbClr r="0" g="0" b="0"/>
+        </a:fillRef>
+        <a:effectRef idx="0">
+          <a:scrgbClr r="0" g="0" b="0"/>
+        </a:effectRef>
+        <a:fontRef idx="minor"/>
+      </dsp:style>
+      <dsp:txBody>
+        <a:bodyPr spcFirstLastPara="0" vert="horz" wrap="square" lIns="38100" tIns="38100" rIns="38100" bIns="38100" numCol="1" spcCol="1270" anchor="ctr" anchorCtr="0">
+          <a:noAutofit/>
+        </a:bodyPr>
+        <a:lstStyle/>
+        <a:p>
+          <a:pPr marL="0" lvl="0" indent="0" algn="ctr" defTabSz="444500" latinLnBrk="1">
+            <a:lnSpc>
+              <a:spcPct val="90000"/>
+            </a:lnSpc>
+            <a:spcBef>
+              <a:spcPct val="0"/>
+            </a:spcBef>
+            <a:spcAft>
+              <a:spcPct val="35000"/>
+            </a:spcAft>
+            <a:buNone/>
+          </a:pPr>
+          <a:r>
+            <a:rPr lang="en-US" altLang="ko-KR" sz="1000" kern="1200"/>
+            <a:t>EventDateCollect</a:t>
+          </a:r>
+          <a:endParaRPr lang="ko-KR" altLang="en-US" sz="1000" kern="1200"/>
+        </a:p>
+      </dsp:txBody>
+      <dsp:txXfrm>
+        <a:off x="5282271" y="2839954"/>
+        <a:ext cx="903271" cy="560839"/>
+      </dsp:txXfrm>
+    </dsp:sp>
+    <dsp:sp modelId="{36249478-2A69-44C8-99A0-9D95F01462EB}">
+      <dsp:nvSpPr>
+        <dsp:cNvPr id="0" name=""/>
+        <dsp:cNvSpPr/>
+      </dsp:nvSpPr>
+      <dsp:spPr>
+        <a:xfrm>
+          <a:off x="6880559" y="1854887"/>
+          <a:ext cx="938169" cy="595737"/>
+        </a:xfrm>
+        <a:prstGeom prst="roundRect">
+          <a:avLst>
+            <a:gd name="adj" fmla="val 10000"/>
+          </a:avLst>
+        </a:prstGeom>
+        <a:solidFill>
+          <a:schemeClr val="accent1">
+            <a:hueOff val="0"/>
+            <a:satOff val="0"/>
+            <a:lumOff val="0"/>
+            <a:alphaOff val="0"/>
+          </a:schemeClr>
+        </a:solidFill>
+        <a:ln w="25400" cap="flat" cmpd="sng" algn="ctr">
+          <a:solidFill>
+            <a:schemeClr val="lt1">
+              <a:hueOff val="0"/>
+              <a:satOff val="0"/>
+              <a:lumOff val="0"/>
+              <a:alphaOff val="0"/>
+            </a:schemeClr>
+          </a:solidFill>
+          <a:prstDash val="solid"/>
+        </a:ln>
+        <a:effectLst/>
+      </dsp:spPr>
+      <dsp:style>
+        <a:lnRef idx="2">
+          <a:scrgbClr r="0" g="0" b="0"/>
+        </a:lnRef>
+        <a:fillRef idx="1">
+          <a:scrgbClr r="0" g="0" b="0"/>
+        </a:fillRef>
+        <a:effectRef idx="0">
+          <a:scrgbClr r="0" g="0" b="0"/>
+        </a:effectRef>
+        <a:fontRef idx="minor">
+          <a:schemeClr val="lt1"/>
+        </a:fontRef>
+      </dsp:style>
+    </dsp:sp>
+    <dsp:sp modelId="{879C7149-15BC-4CCB-A468-2E697D248BBF}">
+      <dsp:nvSpPr>
+        <dsp:cNvPr id="0" name=""/>
+        <dsp:cNvSpPr/>
+      </dsp:nvSpPr>
+      <dsp:spPr>
+        <a:xfrm>
+          <a:off x="6984800" y="1953916"/>
+          <a:ext cx="938169" cy="595737"/>
+        </a:xfrm>
+        <a:prstGeom prst="roundRect">
+          <a:avLst>
+            <a:gd name="adj" fmla="val 10000"/>
+          </a:avLst>
+        </a:prstGeom>
+        <a:solidFill>
+          <a:schemeClr val="lt1">
+            <a:alpha val="90000"/>
+            <a:hueOff val="0"/>
+            <a:satOff val="0"/>
+            <a:lumOff val="0"/>
+            <a:alphaOff val="0"/>
+          </a:schemeClr>
+        </a:solidFill>
+        <a:ln w="25400" cap="flat" cmpd="sng" algn="ctr">
+          <a:solidFill>
+            <a:schemeClr val="accent1">
+              <a:hueOff val="0"/>
+              <a:satOff val="0"/>
+              <a:lumOff val="0"/>
+              <a:alphaOff val="0"/>
+            </a:schemeClr>
+          </a:solidFill>
+          <a:prstDash val="solid"/>
+        </a:ln>
+        <a:effectLst/>
+      </dsp:spPr>
+      <dsp:style>
+        <a:lnRef idx="2">
+          <a:scrgbClr r="0" g="0" b="0"/>
+        </a:lnRef>
+        <a:fillRef idx="1">
+          <a:scrgbClr r="0" g="0" b="0"/>
+        </a:fillRef>
+        <a:effectRef idx="0">
+          <a:scrgbClr r="0" g="0" b="0"/>
+        </a:effectRef>
+        <a:fontRef idx="minor"/>
+      </dsp:style>
+      <dsp:txBody>
+        <a:bodyPr spcFirstLastPara="0" vert="horz" wrap="square" lIns="38100" tIns="38100" rIns="38100" bIns="38100" numCol="1" spcCol="1270" anchor="ctr" anchorCtr="0">
+          <a:noAutofit/>
+        </a:bodyPr>
+        <a:lstStyle/>
+        <a:p>
+          <a:pPr marL="0" lvl="0" indent="0" algn="ctr" defTabSz="444500" latinLnBrk="1">
+            <a:lnSpc>
+              <a:spcPct val="90000"/>
+            </a:lnSpc>
+            <a:spcBef>
+              <a:spcPct val="0"/>
+            </a:spcBef>
+            <a:spcAft>
+              <a:spcPct val="35000"/>
+            </a:spcAft>
+            <a:buNone/>
+          </a:pPr>
+          <a:r>
+            <a:rPr lang="en-US" altLang="ko-KR" sz="1000" b="1" kern="1200">
+              <a:solidFill>
+                <a:srgbClr val="FF0000"/>
+              </a:solidFill>
+            </a:rPr>
+            <a:t>Logger</a:t>
+          </a:r>
+          <a:endParaRPr lang="ko-KR" altLang="en-US" sz="1000" b="1" kern="1200">
+            <a:solidFill>
+              <a:srgbClr val="FF0000"/>
+            </a:solidFill>
+          </a:endParaRPr>
+        </a:p>
+      </dsp:txBody>
+      <dsp:txXfrm>
+        <a:off x="7002249" y="1971365"/>
+        <a:ext cx="903271" cy="560839"/>
+      </dsp:txXfrm>
+    </dsp:sp>
+    <dsp:sp modelId="{4CA0F8CB-AE58-430D-858A-8C1C8E1E2BDF}">
+      <dsp:nvSpPr>
+        <dsp:cNvPr id="0" name=""/>
+        <dsp:cNvSpPr/>
+      </dsp:nvSpPr>
+      <dsp:spPr>
+        <a:xfrm>
+          <a:off x="6307233" y="2723476"/>
+          <a:ext cx="938169" cy="595737"/>
+        </a:xfrm>
+        <a:prstGeom prst="roundRect">
+          <a:avLst>
+            <a:gd name="adj" fmla="val 10000"/>
+          </a:avLst>
+        </a:prstGeom>
+        <a:solidFill>
+          <a:schemeClr val="accent1">
+            <a:hueOff val="0"/>
+            <a:satOff val="0"/>
+            <a:lumOff val="0"/>
+            <a:alphaOff val="0"/>
+          </a:schemeClr>
+        </a:solidFill>
+        <a:ln w="25400" cap="flat" cmpd="sng" algn="ctr">
+          <a:solidFill>
+            <a:schemeClr val="lt1">
+              <a:hueOff val="0"/>
+              <a:satOff val="0"/>
+              <a:lumOff val="0"/>
+              <a:alphaOff val="0"/>
+            </a:schemeClr>
+          </a:solidFill>
+          <a:prstDash val="solid"/>
+        </a:ln>
+        <a:effectLst/>
+      </dsp:spPr>
+      <dsp:style>
+        <a:lnRef idx="2">
+          <a:scrgbClr r="0" g="0" b="0"/>
+        </a:lnRef>
+        <a:fillRef idx="1">
+          <a:scrgbClr r="0" g="0" b="0"/>
+        </a:fillRef>
+        <a:effectRef idx="0">
+          <a:scrgbClr r="0" g="0" b="0"/>
+        </a:effectRef>
+        <a:fontRef idx="minor">
+          <a:schemeClr val="lt1"/>
+        </a:fontRef>
+      </dsp:style>
+    </dsp:sp>
+    <dsp:sp modelId="{B63E313F-C1C7-4EED-8C1F-EEDC87A81FEE}">
+      <dsp:nvSpPr>
+        <dsp:cNvPr id="0" name=""/>
+        <dsp:cNvSpPr/>
+      </dsp:nvSpPr>
+      <dsp:spPr>
+        <a:xfrm>
+          <a:off x="6411474" y="2822505"/>
+          <a:ext cx="938169" cy="595737"/>
+        </a:xfrm>
+        <a:prstGeom prst="roundRect">
+          <a:avLst>
+            <a:gd name="adj" fmla="val 10000"/>
+          </a:avLst>
+        </a:prstGeom>
+        <a:solidFill>
+          <a:schemeClr val="lt1">
+            <a:alpha val="90000"/>
+            <a:hueOff val="0"/>
+            <a:satOff val="0"/>
+            <a:lumOff val="0"/>
+            <a:alphaOff val="0"/>
+          </a:schemeClr>
+        </a:solidFill>
+        <a:ln w="25400" cap="flat" cmpd="sng" algn="ctr">
+          <a:solidFill>
+            <a:schemeClr val="accent1">
+              <a:hueOff val="0"/>
+              <a:satOff val="0"/>
+              <a:lumOff val="0"/>
+              <a:alphaOff val="0"/>
+            </a:schemeClr>
+          </a:solidFill>
+          <a:prstDash val="solid"/>
+        </a:ln>
+        <a:effectLst/>
+      </dsp:spPr>
+      <dsp:style>
+        <a:lnRef idx="2">
+          <a:scrgbClr r="0" g="0" b="0"/>
+        </a:lnRef>
+        <a:fillRef idx="1">
+          <a:scrgbClr r="0" g="0" b="0"/>
+        </a:fillRef>
+        <a:effectRef idx="0">
+          <a:scrgbClr r="0" g="0" b="0"/>
+        </a:effectRef>
+        <a:fontRef idx="minor"/>
+      </dsp:style>
+      <dsp:txBody>
+        <a:bodyPr spcFirstLastPara="0" vert="horz" wrap="square" lIns="38100" tIns="38100" rIns="38100" bIns="38100" numCol="1" spcCol="1270" anchor="ctr" anchorCtr="0">
+          <a:noAutofit/>
+        </a:bodyPr>
+        <a:lstStyle/>
+        <a:p>
+          <a:pPr marL="0" lvl="0" indent="0" algn="ctr" defTabSz="444500" latinLnBrk="1">
+            <a:lnSpc>
+              <a:spcPct val="90000"/>
+            </a:lnSpc>
+            <a:spcBef>
+              <a:spcPct val="0"/>
+            </a:spcBef>
+            <a:spcAft>
+              <a:spcPct val="35000"/>
+            </a:spcAft>
+            <a:buNone/>
+          </a:pPr>
+          <a:r>
+            <a:rPr lang="en-US" altLang="ko-KR" sz="1000" kern="1200"/>
+            <a:t>DeviceLogger</a:t>
+          </a:r>
+          <a:endParaRPr lang="ko-KR" altLang="en-US" sz="1000" kern="1200"/>
+        </a:p>
+      </dsp:txBody>
+      <dsp:txXfrm>
+        <a:off x="6428923" y="2839954"/>
+        <a:ext cx="903271" cy="560839"/>
+      </dsp:txXfrm>
+    </dsp:sp>
+    <dsp:sp modelId="{5F006663-1975-4744-9D09-A2E1870E1A87}">
+      <dsp:nvSpPr>
+        <dsp:cNvPr id="0" name=""/>
+        <dsp:cNvSpPr/>
+      </dsp:nvSpPr>
+      <dsp:spPr>
+        <a:xfrm>
+          <a:off x="7453885" y="2723476"/>
+          <a:ext cx="938169" cy="595737"/>
+        </a:xfrm>
+        <a:prstGeom prst="roundRect">
+          <a:avLst>
+            <a:gd name="adj" fmla="val 10000"/>
+          </a:avLst>
+        </a:prstGeom>
+        <a:solidFill>
+          <a:schemeClr val="accent1">
+            <a:hueOff val="0"/>
+            <a:satOff val="0"/>
+            <a:lumOff val="0"/>
+            <a:alphaOff val="0"/>
+          </a:schemeClr>
+        </a:solidFill>
+        <a:ln w="25400" cap="flat" cmpd="sng" algn="ctr">
+          <a:solidFill>
+            <a:schemeClr val="lt1">
+              <a:hueOff val="0"/>
+              <a:satOff val="0"/>
+              <a:lumOff val="0"/>
+              <a:alphaOff val="0"/>
+            </a:schemeClr>
+          </a:solidFill>
+          <a:prstDash val="solid"/>
+        </a:ln>
+        <a:effectLst/>
+      </dsp:spPr>
+      <dsp:style>
+        <a:lnRef idx="2">
+          <a:scrgbClr r="0" g="0" b="0"/>
+        </a:lnRef>
+        <a:fillRef idx="1">
+          <a:scrgbClr r="0" g="0" b="0"/>
+        </a:fillRef>
+        <a:effectRef idx="0">
+          <a:scrgbClr r="0" g="0" b="0"/>
+        </a:effectRef>
+        <a:fontRef idx="minor">
+          <a:schemeClr val="lt1"/>
+        </a:fontRef>
+      </dsp:style>
+    </dsp:sp>
+    <dsp:sp modelId="{22CC8A8F-FF5E-4B76-991F-6B73E2D8DEE4}">
+      <dsp:nvSpPr>
+        <dsp:cNvPr id="0" name=""/>
+        <dsp:cNvSpPr/>
+      </dsp:nvSpPr>
+      <dsp:spPr>
+        <a:xfrm>
+          <a:off x="7558126" y="2822505"/>
+          <a:ext cx="938169" cy="595737"/>
+        </a:xfrm>
+        <a:prstGeom prst="roundRect">
+          <a:avLst>
+            <a:gd name="adj" fmla="val 10000"/>
+          </a:avLst>
+        </a:prstGeom>
+        <a:solidFill>
+          <a:schemeClr val="lt1">
+            <a:alpha val="90000"/>
+            <a:hueOff val="0"/>
+            <a:satOff val="0"/>
+            <a:lumOff val="0"/>
+            <a:alphaOff val="0"/>
+          </a:schemeClr>
+        </a:solidFill>
+        <a:ln w="25400" cap="flat" cmpd="sng" algn="ctr">
+          <a:solidFill>
+            <a:schemeClr val="accent1">
+              <a:hueOff val="0"/>
+              <a:satOff val="0"/>
+              <a:lumOff val="0"/>
+              <a:alphaOff val="0"/>
+            </a:schemeClr>
+          </a:solidFill>
+          <a:prstDash val="solid"/>
+        </a:ln>
+        <a:effectLst/>
+      </dsp:spPr>
+      <dsp:style>
+        <a:lnRef idx="2">
+          <a:scrgbClr r="0" g="0" b="0"/>
+        </a:lnRef>
+        <a:fillRef idx="1">
+          <a:scrgbClr r="0" g="0" b="0"/>
+        </a:fillRef>
+        <a:effectRef idx="0">
+          <a:scrgbClr r="0" g="0" b="0"/>
+        </a:effectRef>
+        <a:fontRef idx="minor"/>
+      </dsp:style>
+      <dsp:txBody>
+        <a:bodyPr spcFirstLastPara="0" vert="horz" wrap="square" lIns="38100" tIns="38100" rIns="38100" bIns="38100" numCol="1" spcCol="1270" anchor="ctr" anchorCtr="0">
+          <a:noAutofit/>
+        </a:bodyPr>
+        <a:lstStyle/>
+        <a:p>
+          <a:pPr marL="0" lvl="0" indent="0" algn="ctr" defTabSz="444500" latinLnBrk="1">
+            <a:lnSpc>
+              <a:spcPct val="90000"/>
+            </a:lnSpc>
+            <a:spcBef>
+              <a:spcPct val="0"/>
+            </a:spcBef>
+            <a:spcAft>
+              <a:spcPct val="35000"/>
+            </a:spcAft>
+            <a:buNone/>
+          </a:pPr>
+          <a:r>
+            <a:rPr lang="en-US" altLang="ko-KR" sz="1000" kern="1200"/>
+            <a:t>CsvLogger</a:t>
+          </a:r>
+          <a:endParaRPr lang="ko-KR" altLang="en-US" sz="1000" kern="1200"/>
+        </a:p>
+      </dsp:txBody>
+      <dsp:txXfrm>
+        <a:off x="7575575" y="2839954"/>
+        <a:ext cx="903271" cy="560839"/>
+      </dsp:txXfrm>
+    </dsp:sp>
+  </dsp:spTree>
+</dsp:drawing>
+</file>
+
+<file path=ppt/diagrams/drawing7.xml><?xml version="1.0" encoding="utf-8"?>
+<dsp:drawing xmlns:dgm="http://schemas.openxmlformats.org/drawingml/2006/diagram" xmlns:dsp="http://schemas.microsoft.com/office/drawing/2008/diagram" xmlns:a="http://schemas.openxmlformats.org/drawingml/2006/main">
+  <dsp:spTree>
+    <dsp:nvGrpSpPr>
+      <dsp:cNvPr id="0" name=""/>
+      <dsp:cNvGrpSpPr/>
+    </dsp:nvGrpSpPr>
+    <dsp:grpSpPr/>
+    <dsp:sp modelId="{6C6D2716-F8A2-4416-A309-CACB299A674F}">
+      <dsp:nvSpPr>
+        <dsp:cNvPr id="0" name=""/>
+        <dsp:cNvSpPr/>
+      </dsp:nvSpPr>
+      <dsp:spPr>
+        <a:xfrm>
+          <a:off x="1629582" y="958438"/>
+          <a:ext cx="1156477" cy="275189"/>
+        </a:xfrm>
+        <a:custGeom>
+          <a:avLst/>
+          <a:gdLst/>
+          <a:ahLst/>
+          <a:cxnLst/>
+          <a:rect l="0" t="0" r="0" b="0"/>
+          <a:pathLst>
+            <a:path>
+              <a:moveTo>
+                <a:pt x="0" y="0"/>
+              </a:moveTo>
+              <a:lnTo>
+                <a:pt x="0" y="187533"/>
+              </a:lnTo>
+              <a:lnTo>
+                <a:pt x="1156477" y="187533"/>
+              </a:lnTo>
+              <a:lnTo>
+                <a:pt x="1156477" y="275189"/>
+              </a:lnTo>
+            </a:path>
+          </a:pathLst>
+        </a:custGeom>
+        <a:noFill/>
+        <a:ln w="25400" cap="flat" cmpd="sng" algn="ctr">
+          <a:solidFill>
+            <a:schemeClr val="accent1">
+              <a:shade val="60000"/>
+              <a:hueOff val="0"/>
+              <a:satOff val="0"/>
+              <a:lumOff val="0"/>
+              <a:alphaOff val="0"/>
+            </a:schemeClr>
+          </a:solidFill>
+          <a:prstDash val="solid"/>
+        </a:ln>
+        <a:effectLst/>
+      </dsp:spPr>
+      <dsp:style>
+        <a:lnRef idx="2">
+          <a:scrgbClr r="0" g="0" b="0"/>
+        </a:lnRef>
+        <a:fillRef idx="0">
+          <a:scrgbClr r="0" g="0" b="0"/>
+        </a:fillRef>
+        <a:effectRef idx="0">
+          <a:scrgbClr r="0" g="0" b="0"/>
+        </a:effectRef>
+        <a:fontRef idx="minor"/>
+      </dsp:style>
+    </dsp:sp>
+    <dsp:sp modelId="{E20FD126-5A13-4EC5-B9CC-BA7CF3C96876}">
+      <dsp:nvSpPr>
+        <dsp:cNvPr id="0" name=""/>
+        <dsp:cNvSpPr/>
+      </dsp:nvSpPr>
+      <dsp:spPr>
+        <a:xfrm>
+          <a:off x="1583862" y="958438"/>
+          <a:ext cx="91440" cy="275189"/>
+        </a:xfrm>
+        <a:custGeom>
+          <a:avLst/>
+          <a:gdLst/>
+          <a:ahLst/>
+          <a:cxnLst/>
+          <a:rect l="0" t="0" r="0" b="0"/>
+          <a:pathLst>
+            <a:path>
+              <a:moveTo>
+                <a:pt x="45720" y="0"/>
+              </a:moveTo>
+              <a:lnTo>
+                <a:pt x="45720" y="275189"/>
+              </a:lnTo>
+            </a:path>
+          </a:pathLst>
+        </a:custGeom>
+        <a:noFill/>
+        <a:ln w="25400" cap="flat" cmpd="sng" algn="ctr">
+          <a:solidFill>
+            <a:schemeClr val="accent1">
+              <a:shade val="60000"/>
+              <a:hueOff val="0"/>
+              <a:satOff val="0"/>
+              <a:lumOff val="0"/>
+              <a:alphaOff val="0"/>
+            </a:schemeClr>
+          </a:solidFill>
+          <a:prstDash val="solid"/>
+        </a:ln>
+        <a:effectLst/>
+      </dsp:spPr>
+      <dsp:style>
+        <a:lnRef idx="2">
+          <a:scrgbClr r="0" g="0" b="0"/>
+        </a:lnRef>
+        <a:fillRef idx="0">
+          <a:scrgbClr r="0" g="0" b="0"/>
+        </a:fillRef>
+        <a:effectRef idx="0">
+          <a:scrgbClr r="0" g="0" b="0"/>
+        </a:effectRef>
+        <a:fontRef idx="minor"/>
+      </dsp:style>
+    </dsp:sp>
+    <dsp:sp modelId="{6723C8A6-3BAA-47F0-A866-13A7CB98F77E}">
+      <dsp:nvSpPr>
+        <dsp:cNvPr id="0" name=""/>
+        <dsp:cNvSpPr/>
+      </dsp:nvSpPr>
+      <dsp:spPr>
+        <a:xfrm>
+          <a:off x="473104" y="958438"/>
+          <a:ext cx="1156477" cy="275189"/>
+        </a:xfrm>
+        <a:custGeom>
+          <a:avLst/>
+          <a:gdLst/>
+          <a:ahLst/>
+          <a:cxnLst/>
+          <a:rect l="0" t="0" r="0" b="0"/>
+          <a:pathLst>
+            <a:path>
+              <a:moveTo>
+                <a:pt x="1156477" y="0"/>
+              </a:moveTo>
+              <a:lnTo>
+                <a:pt x="1156477" y="187533"/>
+              </a:lnTo>
+              <a:lnTo>
+                <a:pt x="0" y="187533"/>
+              </a:lnTo>
+              <a:lnTo>
+                <a:pt x="0" y="275189"/>
+              </a:lnTo>
+            </a:path>
+          </a:pathLst>
+        </a:custGeom>
+        <a:noFill/>
+        <a:ln w="25400" cap="flat" cmpd="sng" algn="ctr">
+          <a:solidFill>
+            <a:schemeClr val="accent1">
+              <a:shade val="60000"/>
+              <a:hueOff val="0"/>
+              <a:satOff val="0"/>
+              <a:lumOff val="0"/>
+              <a:alphaOff val="0"/>
+            </a:schemeClr>
+          </a:solidFill>
+          <a:prstDash val="solid"/>
+        </a:ln>
+        <a:effectLst/>
+      </dsp:spPr>
+      <dsp:style>
+        <a:lnRef idx="2">
+          <a:scrgbClr r="0" g="0" b="0"/>
+        </a:lnRef>
+        <a:fillRef idx="0">
+          <a:scrgbClr r="0" g="0" b="0"/>
+        </a:fillRef>
+        <a:effectRef idx="0">
+          <a:scrgbClr r="0" g="0" b="0"/>
+        </a:effectRef>
+        <a:fontRef idx="minor"/>
+      </dsp:style>
+    </dsp:sp>
+    <dsp:sp modelId="{95544506-DCD0-4732-84D3-F137EC30B18B}">
+      <dsp:nvSpPr>
+        <dsp:cNvPr id="0" name=""/>
+        <dsp:cNvSpPr/>
+      </dsp:nvSpPr>
+      <dsp:spPr>
+        <a:xfrm>
+          <a:off x="1156477" y="357595"/>
+          <a:ext cx="946209" cy="600842"/>
+        </a:xfrm>
+        <a:prstGeom prst="roundRect">
+          <a:avLst>
+            <a:gd name="adj" fmla="val 10000"/>
+          </a:avLst>
+        </a:prstGeom>
+        <a:solidFill>
+          <a:schemeClr val="accent1">
+            <a:hueOff val="0"/>
+            <a:satOff val="0"/>
+            <a:lumOff val="0"/>
+            <a:alphaOff val="0"/>
+          </a:schemeClr>
+        </a:solidFill>
+        <a:ln w="25400" cap="flat" cmpd="sng" algn="ctr">
+          <a:solidFill>
+            <a:schemeClr val="lt1">
+              <a:hueOff val="0"/>
+              <a:satOff val="0"/>
+              <a:lumOff val="0"/>
+              <a:alphaOff val="0"/>
+            </a:schemeClr>
+          </a:solidFill>
+          <a:prstDash val="solid"/>
+        </a:ln>
+        <a:effectLst/>
+      </dsp:spPr>
+      <dsp:style>
+        <a:lnRef idx="2">
+          <a:scrgbClr r="0" g="0" b="0"/>
+        </a:lnRef>
+        <a:fillRef idx="1">
+          <a:scrgbClr r="0" g="0" b="0"/>
+        </a:fillRef>
+        <a:effectRef idx="0">
+          <a:scrgbClr r="0" g="0" b="0"/>
+        </a:effectRef>
+        <a:fontRef idx="minor">
+          <a:schemeClr val="lt1"/>
+        </a:fontRef>
+      </dsp:style>
+    </dsp:sp>
+    <dsp:sp modelId="{CD14573F-E355-44A1-9D05-97D98CDB0F2F}">
+      <dsp:nvSpPr>
+        <dsp:cNvPr id="0" name=""/>
+        <dsp:cNvSpPr/>
+      </dsp:nvSpPr>
+      <dsp:spPr>
+        <a:xfrm>
+          <a:off x="1261612" y="457472"/>
+          <a:ext cx="946209" cy="600842"/>
         </a:xfrm>
         <a:prstGeom prst="roundRect">
           <a:avLst>
@@ -10782,23 +13259,27 @@
             <a:rPr lang="en-US" altLang="ko-KR" sz="1000" kern="1200"/>
             <a:t>Model</a:t>
           </a:r>
-          <a:endParaRPr lang="ko-KR" altLang="en-US" sz="1000" kern="1200"/>
+          <a:endParaRPr lang="ko-KR" altLang="en-US" sz="1000" b="1" kern="1200">
+            <a:solidFill>
+              <a:srgbClr val="FF0000"/>
+            </a:solidFill>
+          </a:endParaRPr>
         </a:p>
       </dsp:txBody>
       <dsp:txXfrm>
-        <a:off x="1289422" y="1534014"/>
-        <a:ext cx="915229" cy="568264"/>
+        <a:off x="1279210" y="475070"/>
+        <a:ext cx="911013" cy="565646"/>
       </dsp:txXfrm>
     </dsp:sp>
-    <dsp:sp modelId="{BA5A5BD2-D7E3-420D-B2E7-44EFB9D473E4}">
+    <dsp:sp modelId="{AE11E54F-6481-40AE-8472-D904D41AD008}">
       <dsp:nvSpPr>
         <dsp:cNvPr id="0" name=""/>
         <dsp:cNvSpPr/>
       </dsp:nvSpPr>
       <dsp:spPr>
         <a:xfrm>
-          <a:off x="4289" y="2296082"/>
-          <a:ext cx="950589" cy="603624"/>
+          <a:off x="0" y="1233627"/>
+          <a:ext cx="946209" cy="600842"/>
         </a:xfrm>
         <a:prstGeom prst="roundRect">
           <a:avLst>
@@ -10841,15 +13322,15 @@
         </a:fontRef>
       </dsp:style>
     </dsp:sp>
-    <dsp:sp modelId="{9D4089DF-8ADC-4CEB-A174-0D6C046DF97C}">
+    <dsp:sp modelId="{40088974-41DD-4C0F-821C-708972EB23B3}">
       <dsp:nvSpPr>
         <dsp:cNvPr id="0" name=""/>
         <dsp:cNvSpPr/>
       </dsp:nvSpPr>
       <dsp:spPr>
         <a:xfrm>
-          <a:off x="109910" y="2396422"/>
-          <a:ext cx="950589" cy="603624"/>
+          <a:off x="105134" y="1333504"/>
+          <a:ext cx="946209" cy="600842"/>
         </a:xfrm>
         <a:prstGeom prst="roundRect">
           <a:avLst>
@@ -10924,19 +13405,19 @@
         </a:p>
       </dsp:txBody>
       <dsp:txXfrm>
-        <a:off x="127590" y="2414102"/>
-        <a:ext cx="915229" cy="568264"/>
+        <a:off x="122732" y="1351102"/>
+        <a:ext cx="911013" cy="565646"/>
       </dsp:txXfrm>
     </dsp:sp>
-    <dsp:sp modelId="{4211533D-B124-4AF1-8EEA-EDD82B387853}">
+    <dsp:sp modelId="{D7776FE8-5D10-4E55-BD37-35E72DF493A2}">
       <dsp:nvSpPr>
         <dsp:cNvPr id="0" name=""/>
         <dsp:cNvSpPr/>
       </dsp:nvSpPr>
       <dsp:spPr>
         <a:xfrm>
-          <a:off x="1166121" y="2296082"/>
-          <a:ext cx="950589" cy="603624"/>
+          <a:off x="1156477" y="1233627"/>
+          <a:ext cx="946209" cy="600842"/>
         </a:xfrm>
         <a:prstGeom prst="roundRect">
           <a:avLst>
@@ -10979,15 +13460,15 @@
         </a:fontRef>
       </dsp:style>
     </dsp:sp>
-    <dsp:sp modelId="{5A2C8D3E-17BD-4AF0-8FD6-D7779CDC680A}">
+    <dsp:sp modelId="{D64CACF3-8626-4A03-A976-297FA2EA7200}">
       <dsp:nvSpPr>
         <dsp:cNvPr id="0" name=""/>
         <dsp:cNvSpPr/>
       </dsp:nvSpPr>
       <dsp:spPr>
         <a:xfrm>
-          <a:off x="1271742" y="2396422"/>
-          <a:ext cx="950589" cy="603624"/>
+          <a:off x="1261612" y="1333504"/>
+          <a:ext cx="946209" cy="600842"/>
         </a:xfrm>
         <a:prstGeom prst="roundRect">
           <a:avLst>
@@ -11062,19 +13543,19 @@
         </a:p>
       </dsp:txBody>
       <dsp:txXfrm>
-        <a:off x="1289422" y="2414102"/>
-        <a:ext cx="915229" cy="568264"/>
+        <a:off x="1279210" y="1351102"/>
+        <a:ext cx="911013" cy="565646"/>
       </dsp:txXfrm>
     </dsp:sp>
-    <dsp:sp modelId="{FD05FFDB-8A58-42FF-B8D3-70D841631AE2}">
+    <dsp:sp modelId="{60F794EA-4F0A-4A5A-86CF-83CF829D002B}">
       <dsp:nvSpPr>
         <dsp:cNvPr id="0" name=""/>
         <dsp:cNvSpPr/>
       </dsp:nvSpPr>
       <dsp:spPr>
         <a:xfrm>
-          <a:off x="2327953" y="2296082"/>
-          <a:ext cx="950589" cy="603624"/>
+          <a:off x="2312955" y="1233627"/>
+          <a:ext cx="946209" cy="600842"/>
         </a:xfrm>
         <a:prstGeom prst="roundRect">
           <a:avLst>
@@ -11117,15 +13598,15 @@
         </a:fontRef>
       </dsp:style>
     </dsp:sp>
-    <dsp:sp modelId="{6EE4F236-E7BF-42DC-B5E0-10F8B59B5417}">
+    <dsp:sp modelId="{6F69136E-A889-4381-BA9A-D9D0288F82DA}">
       <dsp:nvSpPr>
         <dsp:cNvPr id="0" name=""/>
         <dsp:cNvSpPr/>
       </dsp:nvSpPr>
       <dsp:spPr>
         <a:xfrm>
-          <a:off x="2433575" y="2396422"/>
-          <a:ext cx="950589" cy="603624"/>
+          <a:off x="2418089" y="1333504"/>
+          <a:ext cx="946209" cy="600842"/>
         </a:xfrm>
         <a:prstGeom prst="roundRect">
           <a:avLst>
@@ -11200,1470 +13681,8 @@
         </a:p>
       </dsp:txBody>
       <dsp:txXfrm>
-        <a:off x="2451255" y="2414102"/>
-        <a:ext cx="915229" cy="568264"/>
-      </dsp:txXfrm>
-    </dsp:sp>
-    <dsp:sp modelId="{78AF28BA-70B9-43C8-AA74-D4B1C046B98A}">
-      <dsp:nvSpPr>
-        <dsp:cNvPr id="0" name=""/>
-        <dsp:cNvSpPr/>
-      </dsp:nvSpPr>
-      <dsp:spPr>
-        <a:xfrm>
-          <a:off x="4070702" y="1415994"/>
-          <a:ext cx="950589" cy="603624"/>
-        </a:xfrm>
-        <a:prstGeom prst="roundRect">
-          <a:avLst>
-            <a:gd name="adj" fmla="val 10000"/>
-          </a:avLst>
-        </a:prstGeom>
-        <a:solidFill>
-          <a:schemeClr val="accent1">
-            <a:hueOff val="0"/>
-            <a:satOff val="0"/>
-            <a:lumOff val="0"/>
-            <a:alphaOff val="0"/>
-          </a:schemeClr>
-        </a:solidFill>
-        <a:ln w="25400" cap="flat" cmpd="sng" algn="ctr">
-          <a:solidFill>
-            <a:schemeClr val="lt1">
-              <a:hueOff val="0"/>
-              <a:satOff val="0"/>
-              <a:lumOff val="0"/>
-              <a:alphaOff val="0"/>
-            </a:schemeClr>
-          </a:solidFill>
-          <a:prstDash val="solid"/>
-        </a:ln>
-        <a:effectLst/>
-      </dsp:spPr>
-      <dsp:style>
-        <a:lnRef idx="2">
-          <a:scrgbClr r="0" g="0" b="0"/>
-        </a:lnRef>
-        <a:fillRef idx="1">
-          <a:scrgbClr r="0" g="0" b="0"/>
-        </a:fillRef>
-        <a:effectRef idx="0">
-          <a:scrgbClr r="0" g="0" b="0"/>
-        </a:effectRef>
-        <a:fontRef idx="minor">
-          <a:schemeClr val="lt1"/>
-        </a:fontRef>
-      </dsp:style>
-    </dsp:sp>
-    <dsp:sp modelId="{92312FD4-07AA-4920-872D-1AC3A82A7419}">
-      <dsp:nvSpPr>
-        <dsp:cNvPr id="0" name=""/>
-        <dsp:cNvSpPr/>
-      </dsp:nvSpPr>
-      <dsp:spPr>
-        <a:xfrm>
-          <a:off x="4176323" y="1516334"/>
-          <a:ext cx="950589" cy="603624"/>
-        </a:xfrm>
-        <a:prstGeom prst="roundRect">
-          <a:avLst>
-            <a:gd name="adj" fmla="val 10000"/>
-          </a:avLst>
-        </a:prstGeom>
-        <a:solidFill>
-          <a:schemeClr val="lt1">
-            <a:alpha val="90000"/>
-            <a:hueOff val="0"/>
-            <a:satOff val="0"/>
-            <a:lumOff val="0"/>
-            <a:alphaOff val="0"/>
-          </a:schemeClr>
-        </a:solidFill>
-        <a:ln w="25400" cap="flat" cmpd="sng" algn="ctr">
-          <a:solidFill>
-            <a:schemeClr val="accent1">
-              <a:hueOff val="0"/>
-              <a:satOff val="0"/>
-              <a:lumOff val="0"/>
-              <a:alphaOff val="0"/>
-            </a:schemeClr>
-          </a:solidFill>
-          <a:prstDash val="solid"/>
-        </a:ln>
-        <a:effectLst/>
-      </dsp:spPr>
-      <dsp:style>
-        <a:lnRef idx="2">
-          <a:scrgbClr r="0" g="0" b="0"/>
-        </a:lnRef>
-        <a:fillRef idx="1">
-          <a:scrgbClr r="0" g="0" b="0"/>
-        </a:fillRef>
-        <a:effectRef idx="0">
-          <a:scrgbClr r="0" g="0" b="0"/>
-        </a:effectRef>
-        <a:fontRef idx="minor"/>
-      </dsp:style>
-      <dsp:txBody>
-        <a:bodyPr spcFirstLastPara="0" vert="horz" wrap="square" lIns="38100" tIns="38100" rIns="38100" bIns="38100" numCol="1" spcCol="1270" anchor="ctr" anchorCtr="0">
-          <a:noAutofit/>
-        </a:bodyPr>
-        <a:lstStyle/>
-        <a:p>
-          <a:pPr marL="0" lvl="0" indent="0" algn="ctr" defTabSz="444500" latinLnBrk="1">
-            <a:lnSpc>
-              <a:spcPct val="90000"/>
-            </a:lnSpc>
-            <a:spcBef>
-              <a:spcPct val="0"/>
-            </a:spcBef>
-            <a:spcAft>
-              <a:spcPct val="35000"/>
-            </a:spcAft>
-            <a:buNone/>
-          </a:pPr>
-          <a:r>
-            <a:rPr lang="en-US" altLang="ko-KR" sz="1000" b="1" kern="1200">
-              <a:solidFill>
-                <a:srgbClr val="FF0000"/>
-              </a:solidFill>
-            </a:rPr>
-            <a:t>IDriver</a:t>
-          </a:r>
-          <a:endParaRPr lang="ko-KR" altLang="en-US" sz="1000" b="1" kern="1200">
-            <a:solidFill>
-              <a:srgbClr val="FF0000"/>
-            </a:solidFill>
-          </a:endParaRPr>
-        </a:p>
-      </dsp:txBody>
-      <dsp:txXfrm>
-        <a:off x="4194003" y="1534014"/>
-        <a:ext cx="915229" cy="568264"/>
-      </dsp:txXfrm>
-    </dsp:sp>
-    <dsp:sp modelId="{F2F27772-E097-421E-8974-D72D3C02463D}">
-      <dsp:nvSpPr>
-        <dsp:cNvPr id="0" name=""/>
-        <dsp:cNvSpPr/>
-      </dsp:nvSpPr>
-      <dsp:spPr>
-        <a:xfrm>
-          <a:off x="3489786" y="2296082"/>
-          <a:ext cx="950589" cy="603624"/>
-        </a:xfrm>
-        <a:prstGeom prst="roundRect">
-          <a:avLst>
-            <a:gd name="adj" fmla="val 10000"/>
-          </a:avLst>
-        </a:prstGeom>
-        <a:solidFill>
-          <a:schemeClr val="accent1">
-            <a:hueOff val="0"/>
-            <a:satOff val="0"/>
-            <a:lumOff val="0"/>
-            <a:alphaOff val="0"/>
-          </a:schemeClr>
-        </a:solidFill>
-        <a:ln w="25400" cap="flat" cmpd="sng" algn="ctr">
-          <a:solidFill>
-            <a:schemeClr val="lt1">
-              <a:hueOff val="0"/>
-              <a:satOff val="0"/>
-              <a:lumOff val="0"/>
-              <a:alphaOff val="0"/>
-            </a:schemeClr>
-          </a:solidFill>
-          <a:prstDash val="solid"/>
-        </a:ln>
-        <a:effectLst/>
-      </dsp:spPr>
-      <dsp:style>
-        <a:lnRef idx="2">
-          <a:scrgbClr r="0" g="0" b="0"/>
-        </a:lnRef>
-        <a:fillRef idx="1">
-          <a:scrgbClr r="0" g="0" b="0"/>
-        </a:fillRef>
-        <a:effectRef idx="0">
-          <a:scrgbClr r="0" g="0" b="0"/>
-        </a:effectRef>
-        <a:fontRef idx="minor">
-          <a:schemeClr val="lt1"/>
-        </a:fontRef>
-      </dsp:style>
-    </dsp:sp>
-    <dsp:sp modelId="{517F49BA-16FB-45D3-9144-5B61CEF844E9}">
-      <dsp:nvSpPr>
-        <dsp:cNvPr id="0" name=""/>
-        <dsp:cNvSpPr/>
-      </dsp:nvSpPr>
-      <dsp:spPr>
-        <a:xfrm>
-          <a:off x="3595407" y="2396422"/>
-          <a:ext cx="950589" cy="603624"/>
-        </a:xfrm>
-        <a:prstGeom prst="roundRect">
-          <a:avLst>
-            <a:gd name="adj" fmla="val 10000"/>
-          </a:avLst>
-        </a:prstGeom>
-        <a:solidFill>
-          <a:schemeClr val="lt1">
-            <a:alpha val="90000"/>
-            <a:hueOff val="0"/>
-            <a:satOff val="0"/>
-            <a:lumOff val="0"/>
-            <a:alphaOff val="0"/>
-          </a:schemeClr>
-        </a:solidFill>
-        <a:ln w="25400" cap="flat" cmpd="sng" algn="ctr">
-          <a:solidFill>
-            <a:schemeClr val="accent1">
-              <a:hueOff val="0"/>
-              <a:satOff val="0"/>
-              <a:lumOff val="0"/>
-              <a:alphaOff val="0"/>
-            </a:schemeClr>
-          </a:solidFill>
-          <a:prstDash val="solid"/>
-        </a:ln>
-        <a:effectLst/>
-      </dsp:spPr>
-      <dsp:style>
-        <a:lnRef idx="2">
-          <a:scrgbClr r="0" g="0" b="0"/>
-        </a:lnRef>
-        <a:fillRef idx="1">
-          <a:scrgbClr r="0" g="0" b="0"/>
-        </a:fillRef>
-        <a:effectRef idx="0">
-          <a:scrgbClr r="0" g="0" b="0"/>
-        </a:effectRef>
-        <a:fontRef idx="minor"/>
-      </dsp:style>
-      <dsp:txBody>
-        <a:bodyPr spcFirstLastPara="0" vert="horz" wrap="square" lIns="38100" tIns="38100" rIns="38100" bIns="38100" numCol="1" spcCol="1270" anchor="ctr" anchorCtr="0">
-          <a:noAutofit/>
-        </a:bodyPr>
-        <a:lstStyle/>
-        <a:p>
-          <a:pPr marL="0" lvl="0" indent="0" algn="ctr" defTabSz="444500" latinLnBrk="1">
-            <a:lnSpc>
-              <a:spcPct val="90000"/>
-            </a:lnSpc>
-            <a:spcBef>
-              <a:spcPct val="0"/>
-            </a:spcBef>
-            <a:spcAft>
-              <a:spcPct val="35000"/>
-            </a:spcAft>
-            <a:buNone/>
-          </a:pPr>
-          <a:r>
-            <a:rPr lang="en-US" altLang="ko-KR" sz="1000" kern="1200"/>
-            <a:t>MelsecDriver</a:t>
-          </a:r>
-          <a:endParaRPr lang="ko-KR" altLang="en-US" sz="1000" kern="1200"/>
-        </a:p>
-      </dsp:txBody>
-      <dsp:txXfrm>
-        <a:off x="3613087" y="2414102"/>
-        <a:ext cx="915229" cy="568264"/>
-      </dsp:txXfrm>
-    </dsp:sp>
-    <dsp:sp modelId="{5F5550A5-40CC-4005-86BC-E4C04542056F}">
-      <dsp:nvSpPr>
-        <dsp:cNvPr id="0" name=""/>
-        <dsp:cNvSpPr/>
-      </dsp:nvSpPr>
-      <dsp:spPr>
-        <a:xfrm>
-          <a:off x="4651618" y="2296082"/>
-          <a:ext cx="950589" cy="603624"/>
-        </a:xfrm>
-        <a:prstGeom prst="roundRect">
-          <a:avLst>
-            <a:gd name="adj" fmla="val 10000"/>
-          </a:avLst>
-        </a:prstGeom>
-        <a:solidFill>
-          <a:schemeClr val="accent1">
-            <a:hueOff val="0"/>
-            <a:satOff val="0"/>
-            <a:lumOff val="0"/>
-            <a:alphaOff val="0"/>
-          </a:schemeClr>
-        </a:solidFill>
-        <a:ln w="25400" cap="flat" cmpd="sng" algn="ctr">
-          <a:solidFill>
-            <a:schemeClr val="lt1">
-              <a:hueOff val="0"/>
-              <a:satOff val="0"/>
-              <a:lumOff val="0"/>
-              <a:alphaOff val="0"/>
-            </a:schemeClr>
-          </a:solidFill>
-          <a:prstDash val="solid"/>
-        </a:ln>
-        <a:effectLst/>
-      </dsp:spPr>
-      <dsp:style>
-        <a:lnRef idx="2">
-          <a:scrgbClr r="0" g="0" b="0"/>
-        </a:lnRef>
-        <a:fillRef idx="1">
-          <a:scrgbClr r="0" g="0" b="0"/>
-        </a:fillRef>
-        <a:effectRef idx="0">
-          <a:scrgbClr r="0" g="0" b="0"/>
-        </a:effectRef>
-        <a:fontRef idx="minor">
-          <a:schemeClr val="lt1"/>
-        </a:fontRef>
-      </dsp:style>
-    </dsp:sp>
-    <dsp:sp modelId="{0D3A65CC-00FA-4284-A1A4-0AC6B36EEE8C}">
-      <dsp:nvSpPr>
-        <dsp:cNvPr id="0" name=""/>
-        <dsp:cNvSpPr/>
-      </dsp:nvSpPr>
-      <dsp:spPr>
-        <a:xfrm>
-          <a:off x="4757239" y="2396422"/>
-          <a:ext cx="950589" cy="603624"/>
-        </a:xfrm>
-        <a:prstGeom prst="roundRect">
-          <a:avLst>
-            <a:gd name="adj" fmla="val 10000"/>
-          </a:avLst>
-        </a:prstGeom>
-        <a:solidFill>
-          <a:schemeClr val="lt1">
-            <a:alpha val="90000"/>
-            <a:hueOff val="0"/>
-            <a:satOff val="0"/>
-            <a:lumOff val="0"/>
-            <a:alphaOff val="0"/>
-          </a:schemeClr>
-        </a:solidFill>
-        <a:ln w="25400" cap="flat" cmpd="sng" algn="ctr">
-          <a:solidFill>
-            <a:schemeClr val="accent1">
-              <a:hueOff val="0"/>
-              <a:satOff val="0"/>
-              <a:lumOff val="0"/>
-              <a:alphaOff val="0"/>
-            </a:schemeClr>
-          </a:solidFill>
-          <a:prstDash val="solid"/>
-        </a:ln>
-        <a:effectLst/>
-      </dsp:spPr>
-      <dsp:style>
-        <a:lnRef idx="2">
-          <a:scrgbClr r="0" g="0" b="0"/>
-        </a:lnRef>
-        <a:fillRef idx="1">
-          <a:scrgbClr r="0" g="0" b="0"/>
-        </a:fillRef>
-        <a:effectRef idx="0">
-          <a:scrgbClr r="0" g="0" b="0"/>
-        </a:effectRef>
-        <a:fontRef idx="minor"/>
-      </dsp:style>
-      <dsp:txBody>
-        <a:bodyPr spcFirstLastPara="0" vert="horz" wrap="square" lIns="38100" tIns="38100" rIns="38100" bIns="38100" numCol="1" spcCol="1270" anchor="ctr" anchorCtr="0">
-          <a:noAutofit/>
-        </a:bodyPr>
-        <a:lstStyle/>
-        <a:p>
-          <a:pPr marL="0" lvl="0" indent="0" algn="ctr" defTabSz="444500" latinLnBrk="1">
-            <a:lnSpc>
-              <a:spcPct val="90000"/>
-            </a:lnSpc>
-            <a:spcBef>
-              <a:spcPct val="0"/>
-            </a:spcBef>
-            <a:spcAft>
-              <a:spcPct val="35000"/>
-            </a:spcAft>
-            <a:buNone/>
-          </a:pPr>
-          <a:r>
-            <a:rPr lang="en-US" altLang="ko-KR" sz="1000" kern="1200"/>
-            <a:t>ModbusDriver</a:t>
-          </a:r>
-          <a:endParaRPr lang="ko-KR" altLang="en-US" sz="1000" kern="1200"/>
-        </a:p>
-      </dsp:txBody>
-      <dsp:txXfrm>
-        <a:off x="4774919" y="2414102"/>
-        <a:ext cx="915229" cy="568264"/>
-      </dsp:txXfrm>
-    </dsp:sp>
-    <dsp:sp modelId="{7703711D-DF7C-48F8-91EA-D3100E8F4581}">
-      <dsp:nvSpPr>
-        <dsp:cNvPr id="0" name=""/>
-        <dsp:cNvSpPr/>
-      </dsp:nvSpPr>
-      <dsp:spPr>
-        <a:xfrm>
-          <a:off x="6394366" y="1415994"/>
-          <a:ext cx="950589" cy="603624"/>
-        </a:xfrm>
-        <a:prstGeom prst="roundRect">
-          <a:avLst>
-            <a:gd name="adj" fmla="val 10000"/>
-          </a:avLst>
-        </a:prstGeom>
-        <a:solidFill>
-          <a:schemeClr val="accent1">
-            <a:hueOff val="0"/>
-            <a:satOff val="0"/>
-            <a:lumOff val="0"/>
-            <a:alphaOff val="0"/>
-          </a:schemeClr>
-        </a:solidFill>
-        <a:ln w="25400" cap="flat" cmpd="sng" algn="ctr">
-          <a:solidFill>
-            <a:schemeClr val="lt1">
-              <a:hueOff val="0"/>
-              <a:satOff val="0"/>
-              <a:lumOff val="0"/>
-              <a:alphaOff val="0"/>
-            </a:schemeClr>
-          </a:solidFill>
-          <a:prstDash val="solid"/>
-        </a:ln>
-        <a:effectLst/>
-      </dsp:spPr>
-      <dsp:style>
-        <a:lnRef idx="2">
-          <a:scrgbClr r="0" g="0" b="0"/>
-        </a:lnRef>
-        <a:fillRef idx="1">
-          <a:scrgbClr r="0" g="0" b="0"/>
-        </a:fillRef>
-        <a:effectRef idx="0">
-          <a:scrgbClr r="0" g="0" b="0"/>
-        </a:effectRef>
-        <a:fontRef idx="minor">
-          <a:schemeClr val="lt1"/>
-        </a:fontRef>
-      </dsp:style>
-    </dsp:sp>
-    <dsp:sp modelId="{A3E264F6-FCE2-44A2-8A0B-513C933A631A}">
-      <dsp:nvSpPr>
-        <dsp:cNvPr id="0" name=""/>
-        <dsp:cNvSpPr/>
-      </dsp:nvSpPr>
-      <dsp:spPr>
-        <a:xfrm>
-          <a:off x="6499987" y="1516334"/>
-          <a:ext cx="950589" cy="603624"/>
-        </a:xfrm>
-        <a:prstGeom prst="roundRect">
-          <a:avLst>
-            <a:gd name="adj" fmla="val 10000"/>
-          </a:avLst>
-        </a:prstGeom>
-        <a:solidFill>
-          <a:schemeClr val="lt1">
-            <a:alpha val="90000"/>
-            <a:hueOff val="0"/>
-            <a:satOff val="0"/>
-            <a:lumOff val="0"/>
-            <a:alphaOff val="0"/>
-          </a:schemeClr>
-        </a:solidFill>
-        <a:ln w="25400" cap="flat" cmpd="sng" algn="ctr">
-          <a:solidFill>
-            <a:schemeClr val="accent1">
-              <a:hueOff val="0"/>
-              <a:satOff val="0"/>
-              <a:lumOff val="0"/>
-              <a:alphaOff val="0"/>
-            </a:schemeClr>
-          </a:solidFill>
-          <a:prstDash val="solid"/>
-        </a:ln>
-        <a:effectLst/>
-      </dsp:spPr>
-      <dsp:style>
-        <a:lnRef idx="2">
-          <a:scrgbClr r="0" g="0" b="0"/>
-        </a:lnRef>
-        <a:fillRef idx="1">
-          <a:scrgbClr r="0" g="0" b="0"/>
-        </a:fillRef>
-        <a:effectRef idx="0">
-          <a:scrgbClr r="0" g="0" b="0"/>
-        </a:effectRef>
-        <a:fontRef idx="minor"/>
-      </dsp:style>
-      <dsp:txBody>
-        <a:bodyPr spcFirstLastPara="0" vert="horz" wrap="square" lIns="38100" tIns="38100" rIns="38100" bIns="38100" numCol="1" spcCol="1270" anchor="ctr" anchorCtr="0">
-          <a:noAutofit/>
-        </a:bodyPr>
-        <a:lstStyle/>
-        <a:p>
-          <a:pPr marL="0" lvl="0" indent="0" algn="ctr" defTabSz="444500" latinLnBrk="1">
-            <a:lnSpc>
-              <a:spcPct val="90000"/>
-            </a:lnSpc>
-            <a:spcBef>
-              <a:spcPct val="0"/>
-            </a:spcBef>
-            <a:spcAft>
-              <a:spcPct val="35000"/>
-            </a:spcAft>
-            <a:buNone/>
-          </a:pPr>
-          <a:r>
-            <a:rPr lang="en-US" altLang="ko-KR" sz="1000" b="1" kern="1200">
-              <a:solidFill>
-                <a:srgbClr val="FF0000"/>
-              </a:solidFill>
-            </a:rPr>
-            <a:t>IDataCollect</a:t>
-          </a:r>
-          <a:endParaRPr lang="ko-KR" altLang="en-US" sz="1000" b="1" kern="1200">
-            <a:solidFill>
-              <a:srgbClr val="FF0000"/>
-            </a:solidFill>
-          </a:endParaRPr>
-        </a:p>
-      </dsp:txBody>
-      <dsp:txXfrm>
-        <a:off x="6517667" y="1534014"/>
-        <a:ext cx="915229" cy="568264"/>
-      </dsp:txXfrm>
-    </dsp:sp>
-    <dsp:sp modelId="{2EE76C6A-F472-489D-AF10-38C9F77E1887}">
-      <dsp:nvSpPr>
-        <dsp:cNvPr id="0" name=""/>
-        <dsp:cNvSpPr/>
-      </dsp:nvSpPr>
-      <dsp:spPr>
-        <a:xfrm>
-          <a:off x="5813450" y="2296082"/>
-          <a:ext cx="950589" cy="603624"/>
-        </a:xfrm>
-        <a:prstGeom prst="roundRect">
-          <a:avLst>
-            <a:gd name="adj" fmla="val 10000"/>
-          </a:avLst>
-        </a:prstGeom>
-        <a:solidFill>
-          <a:schemeClr val="accent1">
-            <a:hueOff val="0"/>
-            <a:satOff val="0"/>
-            <a:lumOff val="0"/>
-            <a:alphaOff val="0"/>
-          </a:schemeClr>
-        </a:solidFill>
-        <a:ln w="25400" cap="flat" cmpd="sng" algn="ctr">
-          <a:solidFill>
-            <a:schemeClr val="lt1">
-              <a:hueOff val="0"/>
-              <a:satOff val="0"/>
-              <a:lumOff val="0"/>
-              <a:alphaOff val="0"/>
-            </a:schemeClr>
-          </a:solidFill>
-          <a:prstDash val="solid"/>
-        </a:ln>
-        <a:effectLst/>
-      </dsp:spPr>
-      <dsp:style>
-        <a:lnRef idx="2">
-          <a:scrgbClr r="0" g="0" b="0"/>
-        </a:lnRef>
-        <a:fillRef idx="1">
-          <a:scrgbClr r="0" g="0" b="0"/>
-        </a:fillRef>
-        <a:effectRef idx="0">
-          <a:scrgbClr r="0" g="0" b="0"/>
-        </a:effectRef>
-        <a:fontRef idx="minor">
-          <a:schemeClr val="lt1"/>
-        </a:fontRef>
-      </dsp:style>
-    </dsp:sp>
-    <dsp:sp modelId="{892C51A0-CAED-4BCA-8BB1-C8444016A5C2}">
-      <dsp:nvSpPr>
-        <dsp:cNvPr id="0" name=""/>
-        <dsp:cNvSpPr/>
-      </dsp:nvSpPr>
-      <dsp:spPr>
-        <a:xfrm>
-          <a:off x="5919071" y="2396422"/>
-          <a:ext cx="950589" cy="603624"/>
-        </a:xfrm>
-        <a:prstGeom prst="roundRect">
-          <a:avLst>
-            <a:gd name="adj" fmla="val 10000"/>
-          </a:avLst>
-        </a:prstGeom>
-        <a:solidFill>
-          <a:schemeClr val="lt1">
-            <a:alpha val="90000"/>
-            <a:hueOff val="0"/>
-            <a:satOff val="0"/>
-            <a:lumOff val="0"/>
-            <a:alphaOff val="0"/>
-          </a:schemeClr>
-        </a:solidFill>
-        <a:ln w="25400" cap="flat" cmpd="sng" algn="ctr">
-          <a:solidFill>
-            <a:schemeClr val="accent1">
-              <a:hueOff val="0"/>
-              <a:satOff val="0"/>
-              <a:lumOff val="0"/>
-              <a:alphaOff val="0"/>
-            </a:schemeClr>
-          </a:solidFill>
-          <a:prstDash val="solid"/>
-        </a:ln>
-        <a:effectLst/>
-      </dsp:spPr>
-      <dsp:style>
-        <a:lnRef idx="2">
-          <a:scrgbClr r="0" g="0" b="0"/>
-        </a:lnRef>
-        <a:fillRef idx="1">
-          <a:scrgbClr r="0" g="0" b="0"/>
-        </a:fillRef>
-        <a:effectRef idx="0">
-          <a:scrgbClr r="0" g="0" b="0"/>
-        </a:effectRef>
-        <a:fontRef idx="minor"/>
-      </dsp:style>
-      <dsp:txBody>
-        <a:bodyPr spcFirstLastPara="0" vert="horz" wrap="square" lIns="38100" tIns="38100" rIns="38100" bIns="38100" numCol="1" spcCol="1270" anchor="ctr" anchorCtr="0">
-          <a:noAutofit/>
-        </a:bodyPr>
-        <a:lstStyle/>
-        <a:p>
-          <a:pPr marL="0" lvl="0" indent="0" algn="ctr" defTabSz="444500" latinLnBrk="1">
-            <a:lnSpc>
-              <a:spcPct val="90000"/>
-            </a:lnSpc>
-            <a:spcBef>
-              <a:spcPct val="0"/>
-            </a:spcBef>
-            <a:spcAft>
-              <a:spcPct val="35000"/>
-            </a:spcAft>
-            <a:buNone/>
-          </a:pPr>
-          <a:r>
-            <a:rPr lang="en-US" altLang="ko-KR" sz="1000" kern="1200"/>
-            <a:t>TimerDataCollect</a:t>
-          </a:r>
-          <a:endParaRPr lang="ko-KR" altLang="en-US" sz="1000" kern="1200"/>
-        </a:p>
-      </dsp:txBody>
-      <dsp:txXfrm>
-        <a:off x="5936751" y="2414102"/>
-        <a:ext cx="915229" cy="568264"/>
-      </dsp:txXfrm>
-    </dsp:sp>
-    <dsp:sp modelId="{ACBA90E2-2B86-485C-92AC-FC9A159285C3}">
-      <dsp:nvSpPr>
-        <dsp:cNvPr id="0" name=""/>
-        <dsp:cNvSpPr/>
-      </dsp:nvSpPr>
-      <dsp:spPr>
-        <a:xfrm>
-          <a:off x="6975282" y="2296082"/>
-          <a:ext cx="950589" cy="603624"/>
-        </a:xfrm>
-        <a:prstGeom prst="roundRect">
-          <a:avLst>
-            <a:gd name="adj" fmla="val 10000"/>
-          </a:avLst>
-        </a:prstGeom>
-        <a:solidFill>
-          <a:schemeClr val="accent1">
-            <a:hueOff val="0"/>
-            <a:satOff val="0"/>
-            <a:lumOff val="0"/>
-            <a:alphaOff val="0"/>
-          </a:schemeClr>
-        </a:solidFill>
-        <a:ln w="25400" cap="flat" cmpd="sng" algn="ctr">
-          <a:solidFill>
-            <a:schemeClr val="lt1">
-              <a:hueOff val="0"/>
-              <a:satOff val="0"/>
-              <a:lumOff val="0"/>
-              <a:alphaOff val="0"/>
-            </a:schemeClr>
-          </a:solidFill>
-          <a:prstDash val="solid"/>
-        </a:ln>
-        <a:effectLst/>
-      </dsp:spPr>
-      <dsp:style>
-        <a:lnRef idx="2">
-          <a:scrgbClr r="0" g="0" b="0"/>
-        </a:lnRef>
-        <a:fillRef idx="1">
-          <a:scrgbClr r="0" g="0" b="0"/>
-        </a:fillRef>
-        <a:effectRef idx="0">
-          <a:scrgbClr r="0" g="0" b="0"/>
-        </a:effectRef>
-        <a:fontRef idx="minor">
-          <a:schemeClr val="lt1"/>
-        </a:fontRef>
-      </dsp:style>
-    </dsp:sp>
-    <dsp:sp modelId="{EA4FA045-1DEE-434A-AA47-9ABE50FD8364}">
-      <dsp:nvSpPr>
-        <dsp:cNvPr id="0" name=""/>
-        <dsp:cNvSpPr/>
-      </dsp:nvSpPr>
-      <dsp:spPr>
-        <a:xfrm>
-          <a:off x="7080903" y="2396422"/>
-          <a:ext cx="950589" cy="603624"/>
-        </a:xfrm>
-        <a:prstGeom prst="roundRect">
-          <a:avLst>
-            <a:gd name="adj" fmla="val 10000"/>
-          </a:avLst>
-        </a:prstGeom>
-        <a:solidFill>
-          <a:schemeClr val="lt1">
-            <a:alpha val="90000"/>
-            <a:hueOff val="0"/>
-            <a:satOff val="0"/>
-            <a:lumOff val="0"/>
-            <a:alphaOff val="0"/>
-          </a:schemeClr>
-        </a:solidFill>
-        <a:ln w="25400" cap="flat" cmpd="sng" algn="ctr">
-          <a:solidFill>
-            <a:schemeClr val="accent1">
-              <a:hueOff val="0"/>
-              <a:satOff val="0"/>
-              <a:lumOff val="0"/>
-              <a:alphaOff val="0"/>
-            </a:schemeClr>
-          </a:solidFill>
-          <a:prstDash val="solid"/>
-        </a:ln>
-        <a:effectLst/>
-      </dsp:spPr>
-      <dsp:style>
-        <a:lnRef idx="2">
-          <a:scrgbClr r="0" g="0" b="0"/>
-        </a:lnRef>
-        <a:fillRef idx="1">
-          <a:scrgbClr r="0" g="0" b="0"/>
-        </a:fillRef>
-        <a:effectRef idx="0">
-          <a:scrgbClr r="0" g="0" b="0"/>
-        </a:effectRef>
-        <a:fontRef idx="minor"/>
-      </dsp:style>
-      <dsp:txBody>
-        <a:bodyPr spcFirstLastPara="0" vert="horz" wrap="square" lIns="38100" tIns="38100" rIns="38100" bIns="38100" numCol="1" spcCol="1270" anchor="ctr" anchorCtr="0">
-          <a:noAutofit/>
-        </a:bodyPr>
-        <a:lstStyle/>
-        <a:p>
-          <a:pPr marL="0" lvl="0" indent="0" algn="ctr" defTabSz="444500" latinLnBrk="1">
-            <a:lnSpc>
-              <a:spcPct val="90000"/>
-            </a:lnSpc>
-            <a:spcBef>
-              <a:spcPct val="0"/>
-            </a:spcBef>
-            <a:spcAft>
-              <a:spcPct val="35000"/>
-            </a:spcAft>
-            <a:buNone/>
-          </a:pPr>
-          <a:r>
-            <a:rPr lang="en-US" altLang="ko-KR" sz="1000" kern="1200"/>
-            <a:t>EventDateCollect</a:t>
-          </a:r>
-          <a:endParaRPr lang="ko-KR" altLang="en-US" sz="1000" kern="1200"/>
-        </a:p>
-      </dsp:txBody>
-      <dsp:txXfrm>
-        <a:off x="7098583" y="2414102"/>
-        <a:ext cx="915229" cy="568264"/>
-      </dsp:txXfrm>
-    </dsp:sp>
-    <dsp:sp modelId="{D106DAD3-7711-4D0F-8408-47FC5F3D3FA8}">
-      <dsp:nvSpPr>
-        <dsp:cNvPr id="0" name=""/>
-        <dsp:cNvSpPr/>
-      </dsp:nvSpPr>
-      <dsp:spPr>
-        <a:xfrm>
-          <a:off x="8137114" y="1415994"/>
-          <a:ext cx="950589" cy="603624"/>
-        </a:xfrm>
-        <a:prstGeom prst="roundRect">
-          <a:avLst>
-            <a:gd name="adj" fmla="val 10000"/>
-          </a:avLst>
-        </a:prstGeom>
-        <a:solidFill>
-          <a:schemeClr val="accent1">
-            <a:hueOff val="0"/>
-            <a:satOff val="0"/>
-            <a:lumOff val="0"/>
-            <a:alphaOff val="0"/>
-          </a:schemeClr>
-        </a:solidFill>
-        <a:ln w="25400" cap="flat" cmpd="sng" algn="ctr">
-          <a:solidFill>
-            <a:schemeClr val="lt1">
-              <a:hueOff val="0"/>
-              <a:satOff val="0"/>
-              <a:lumOff val="0"/>
-              <a:alphaOff val="0"/>
-            </a:schemeClr>
-          </a:solidFill>
-          <a:prstDash val="solid"/>
-        </a:ln>
-        <a:effectLst/>
-      </dsp:spPr>
-      <dsp:style>
-        <a:lnRef idx="2">
-          <a:scrgbClr r="0" g="0" b="0"/>
-        </a:lnRef>
-        <a:fillRef idx="1">
-          <a:scrgbClr r="0" g="0" b="0"/>
-        </a:fillRef>
-        <a:effectRef idx="0">
-          <a:scrgbClr r="0" g="0" b="0"/>
-        </a:effectRef>
-        <a:fontRef idx="minor">
-          <a:schemeClr val="lt1"/>
-        </a:fontRef>
-      </dsp:style>
-    </dsp:sp>
-    <dsp:sp modelId="{55688118-0E07-41A0-B926-C9A531417961}">
-      <dsp:nvSpPr>
-        <dsp:cNvPr id="0" name=""/>
-        <dsp:cNvSpPr/>
-      </dsp:nvSpPr>
-      <dsp:spPr>
-        <a:xfrm>
-          <a:off x="8242736" y="1516334"/>
-          <a:ext cx="950589" cy="603624"/>
-        </a:xfrm>
-        <a:prstGeom prst="roundRect">
-          <a:avLst>
-            <a:gd name="adj" fmla="val 10000"/>
-          </a:avLst>
-        </a:prstGeom>
-        <a:solidFill>
-          <a:schemeClr val="lt1">
-            <a:alpha val="90000"/>
-            <a:hueOff val="0"/>
-            <a:satOff val="0"/>
-            <a:lumOff val="0"/>
-            <a:alphaOff val="0"/>
-          </a:schemeClr>
-        </a:solidFill>
-        <a:ln w="25400" cap="flat" cmpd="sng" algn="ctr">
-          <a:solidFill>
-            <a:schemeClr val="accent1">
-              <a:hueOff val="0"/>
-              <a:satOff val="0"/>
-              <a:lumOff val="0"/>
-              <a:alphaOff val="0"/>
-            </a:schemeClr>
-          </a:solidFill>
-          <a:prstDash val="solid"/>
-        </a:ln>
-        <a:effectLst/>
-      </dsp:spPr>
-      <dsp:style>
-        <a:lnRef idx="2">
-          <a:scrgbClr r="0" g="0" b="0"/>
-        </a:lnRef>
-        <a:fillRef idx="1">
-          <a:scrgbClr r="0" g="0" b="0"/>
-        </a:fillRef>
-        <a:effectRef idx="0">
-          <a:scrgbClr r="0" g="0" b="0"/>
-        </a:effectRef>
-        <a:fontRef idx="minor"/>
-      </dsp:style>
-      <dsp:txBody>
-        <a:bodyPr spcFirstLastPara="0" vert="horz" wrap="square" lIns="38100" tIns="38100" rIns="38100" bIns="38100" numCol="1" spcCol="1270" anchor="ctr" anchorCtr="0">
-          <a:noAutofit/>
-        </a:bodyPr>
-        <a:lstStyle/>
-        <a:p>
-          <a:pPr marL="0" lvl="0" indent="0" algn="ctr" defTabSz="444500" latinLnBrk="1">
-            <a:lnSpc>
-              <a:spcPct val="90000"/>
-            </a:lnSpc>
-            <a:spcBef>
-              <a:spcPct val="0"/>
-            </a:spcBef>
-            <a:spcAft>
-              <a:spcPct val="35000"/>
-            </a:spcAft>
-            <a:buNone/>
-          </a:pPr>
-          <a:r>
-            <a:rPr lang="en-US" altLang="ko-KR" sz="1000" b="1" kern="1200">
-              <a:solidFill>
-                <a:srgbClr val="FF0000"/>
-              </a:solidFill>
-            </a:rPr>
-            <a:t>ITransfer</a:t>
-          </a:r>
-          <a:endParaRPr lang="ko-KR" altLang="en-US" sz="1000" b="1" kern="1200">
-            <a:solidFill>
-              <a:srgbClr val="FF0000"/>
-            </a:solidFill>
-          </a:endParaRPr>
-        </a:p>
-      </dsp:txBody>
-      <dsp:txXfrm>
-        <a:off x="8260416" y="1534014"/>
-        <a:ext cx="915229" cy="568264"/>
-      </dsp:txXfrm>
-    </dsp:sp>
-    <dsp:sp modelId="{F1B3B661-9996-49CD-93E7-F72F5F0F8210}">
-      <dsp:nvSpPr>
-        <dsp:cNvPr id="0" name=""/>
-        <dsp:cNvSpPr/>
-      </dsp:nvSpPr>
-      <dsp:spPr>
-        <a:xfrm>
-          <a:off x="8137114" y="2296082"/>
-          <a:ext cx="950589" cy="603624"/>
-        </a:xfrm>
-        <a:prstGeom prst="roundRect">
-          <a:avLst>
-            <a:gd name="adj" fmla="val 10000"/>
-          </a:avLst>
-        </a:prstGeom>
-        <a:solidFill>
-          <a:schemeClr val="accent1">
-            <a:hueOff val="0"/>
-            <a:satOff val="0"/>
-            <a:lumOff val="0"/>
-            <a:alphaOff val="0"/>
-          </a:schemeClr>
-        </a:solidFill>
-        <a:ln w="25400" cap="flat" cmpd="sng" algn="ctr">
-          <a:solidFill>
-            <a:schemeClr val="lt1">
-              <a:hueOff val="0"/>
-              <a:satOff val="0"/>
-              <a:lumOff val="0"/>
-              <a:alphaOff val="0"/>
-            </a:schemeClr>
-          </a:solidFill>
-          <a:prstDash val="solid"/>
-        </a:ln>
-        <a:effectLst/>
-      </dsp:spPr>
-      <dsp:style>
-        <a:lnRef idx="2">
-          <a:scrgbClr r="0" g="0" b="0"/>
-        </a:lnRef>
-        <a:fillRef idx="1">
-          <a:scrgbClr r="0" g="0" b="0"/>
-        </a:fillRef>
-        <a:effectRef idx="0">
-          <a:scrgbClr r="0" g="0" b="0"/>
-        </a:effectRef>
-        <a:fontRef idx="minor">
-          <a:schemeClr val="lt1"/>
-        </a:fontRef>
-      </dsp:style>
-    </dsp:sp>
-    <dsp:sp modelId="{959C23C1-4EE8-4FEE-83C5-60692A591F02}">
-      <dsp:nvSpPr>
-        <dsp:cNvPr id="0" name=""/>
-        <dsp:cNvSpPr/>
-      </dsp:nvSpPr>
-      <dsp:spPr>
-        <a:xfrm>
-          <a:off x="8242736" y="2396422"/>
-          <a:ext cx="950589" cy="603624"/>
-        </a:xfrm>
-        <a:prstGeom prst="roundRect">
-          <a:avLst>
-            <a:gd name="adj" fmla="val 10000"/>
-          </a:avLst>
-        </a:prstGeom>
-        <a:solidFill>
-          <a:schemeClr val="lt1">
-            <a:alpha val="90000"/>
-            <a:hueOff val="0"/>
-            <a:satOff val="0"/>
-            <a:lumOff val="0"/>
-            <a:alphaOff val="0"/>
-          </a:schemeClr>
-        </a:solidFill>
-        <a:ln w="25400" cap="flat" cmpd="sng" algn="ctr">
-          <a:solidFill>
-            <a:schemeClr val="accent1">
-              <a:hueOff val="0"/>
-              <a:satOff val="0"/>
-              <a:lumOff val="0"/>
-              <a:alphaOff val="0"/>
-            </a:schemeClr>
-          </a:solidFill>
-          <a:prstDash val="solid"/>
-        </a:ln>
-        <a:effectLst/>
-      </dsp:spPr>
-      <dsp:style>
-        <a:lnRef idx="2">
-          <a:scrgbClr r="0" g="0" b="0"/>
-        </a:lnRef>
-        <a:fillRef idx="1">
-          <a:scrgbClr r="0" g="0" b="0"/>
-        </a:fillRef>
-        <a:effectRef idx="0">
-          <a:scrgbClr r="0" g="0" b="0"/>
-        </a:effectRef>
-        <a:fontRef idx="minor"/>
-      </dsp:style>
-      <dsp:txBody>
-        <a:bodyPr spcFirstLastPara="0" vert="horz" wrap="square" lIns="38100" tIns="38100" rIns="38100" bIns="38100" numCol="1" spcCol="1270" anchor="ctr" anchorCtr="0">
-          <a:noAutofit/>
-        </a:bodyPr>
-        <a:lstStyle/>
-        <a:p>
-          <a:pPr marL="0" lvl="0" indent="0" algn="ctr" defTabSz="444500" latinLnBrk="1">
-            <a:lnSpc>
-              <a:spcPct val="90000"/>
-            </a:lnSpc>
-            <a:spcBef>
-              <a:spcPct val="0"/>
-            </a:spcBef>
-            <a:spcAft>
-              <a:spcPct val="35000"/>
-            </a:spcAft>
-            <a:buNone/>
-          </a:pPr>
-          <a:r>
-            <a:rPr lang="en-US" altLang="ko-KR" sz="1000" kern="1200"/>
-            <a:t>MqTransfer</a:t>
-          </a:r>
-          <a:endParaRPr lang="ko-KR" altLang="en-US" sz="1000" kern="1200"/>
-        </a:p>
-      </dsp:txBody>
-      <dsp:txXfrm>
-        <a:off x="8260416" y="2414102"/>
-        <a:ext cx="915229" cy="568264"/>
-      </dsp:txXfrm>
-    </dsp:sp>
-    <dsp:sp modelId="{E483292C-D5E6-4593-8298-650311FF0C8F}">
-      <dsp:nvSpPr>
-        <dsp:cNvPr id="0" name=""/>
-        <dsp:cNvSpPr/>
-      </dsp:nvSpPr>
-      <dsp:spPr>
-        <a:xfrm>
-          <a:off x="9879863" y="1415994"/>
-          <a:ext cx="950589" cy="603624"/>
-        </a:xfrm>
-        <a:prstGeom prst="roundRect">
-          <a:avLst>
-            <a:gd name="adj" fmla="val 10000"/>
-          </a:avLst>
-        </a:prstGeom>
-        <a:solidFill>
-          <a:schemeClr val="accent1">
-            <a:hueOff val="0"/>
-            <a:satOff val="0"/>
-            <a:lumOff val="0"/>
-            <a:alphaOff val="0"/>
-          </a:schemeClr>
-        </a:solidFill>
-        <a:ln w="25400" cap="flat" cmpd="sng" algn="ctr">
-          <a:solidFill>
-            <a:schemeClr val="lt1">
-              <a:hueOff val="0"/>
-              <a:satOff val="0"/>
-              <a:lumOff val="0"/>
-              <a:alphaOff val="0"/>
-            </a:schemeClr>
-          </a:solidFill>
-          <a:prstDash val="solid"/>
-        </a:ln>
-        <a:effectLst/>
-      </dsp:spPr>
-      <dsp:style>
-        <a:lnRef idx="2">
-          <a:scrgbClr r="0" g="0" b="0"/>
-        </a:lnRef>
-        <a:fillRef idx="1">
-          <a:scrgbClr r="0" g="0" b="0"/>
-        </a:fillRef>
-        <a:effectRef idx="0">
-          <a:scrgbClr r="0" g="0" b="0"/>
-        </a:effectRef>
-        <a:fontRef idx="minor">
-          <a:schemeClr val="lt1"/>
-        </a:fontRef>
-      </dsp:style>
-    </dsp:sp>
-    <dsp:sp modelId="{15AA37A3-E215-4382-B03D-BCA35D3FCD44}">
-      <dsp:nvSpPr>
-        <dsp:cNvPr id="0" name=""/>
-        <dsp:cNvSpPr/>
-      </dsp:nvSpPr>
-      <dsp:spPr>
-        <a:xfrm>
-          <a:off x="9985484" y="1516334"/>
-          <a:ext cx="950589" cy="603624"/>
-        </a:xfrm>
-        <a:prstGeom prst="roundRect">
-          <a:avLst>
-            <a:gd name="adj" fmla="val 10000"/>
-          </a:avLst>
-        </a:prstGeom>
-        <a:solidFill>
-          <a:schemeClr val="lt1">
-            <a:alpha val="90000"/>
-            <a:hueOff val="0"/>
-            <a:satOff val="0"/>
-            <a:lumOff val="0"/>
-            <a:alphaOff val="0"/>
-          </a:schemeClr>
-        </a:solidFill>
-        <a:ln w="25400" cap="flat" cmpd="sng" algn="ctr">
-          <a:solidFill>
-            <a:schemeClr val="accent1">
-              <a:hueOff val="0"/>
-              <a:satOff val="0"/>
-              <a:lumOff val="0"/>
-              <a:alphaOff val="0"/>
-            </a:schemeClr>
-          </a:solidFill>
-          <a:prstDash val="solid"/>
-        </a:ln>
-        <a:effectLst/>
-      </dsp:spPr>
-      <dsp:style>
-        <a:lnRef idx="2">
-          <a:scrgbClr r="0" g="0" b="0"/>
-        </a:lnRef>
-        <a:fillRef idx="1">
-          <a:scrgbClr r="0" g="0" b="0"/>
-        </a:fillRef>
-        <a:effectRef idx="0">
-          <a:scrgbClr r="0" g="0" b="0"/>
-        </a:effectRef>
-        <a:fontRef idx="minor"/>
-      </dsp:style>
-      <dsp:txBody>
-        <a:bodyPr spcFirstLastPara="0" vert="horz" wrap="square" lIns="38100" tIns="38100" rIns="38100" bIns="38100" numCol="1" spcCol="1270" anchor="ctr" anchorCtr="0">
-          <a:noAutofit/>
-        </a:bodyPr>
-        <a:lstStyle/>
-        <a:p>
-          <a:pPr marL="0" lvl="0" indent="0" algn="ctr" defTabSz="444500" latinLnBrk="1">
-            <a:lnSpc>
-              <a:spcPct val="90000"/>
-            </a:lnSpc>
-            <a:spcBef>
-              <a:spcPct val="0"/>
-            </a:spcBef>
-            <a:spcAft>
-              <a:spcPct val="35000"/>
-            </a:spcAft>
-            <a:buNone/>
-          </a:pPr>
-          <a:r>
-            <a:rPr lang="en-US" altLang="ko-KR" sz="1000" b="1" kern="1200">
-              <a:solidFill>
-                <a:srgbClr val="FF0000"/>
-              </a:solidFill>
-            </a:rPr>
-            <a:t>Logger</a:t>
-          </a:r>
-          <a:endParaRPr lang="ko-KR" altLang="en-US" sz="1000" b="1" kern="1200">
-            <a:solidFill>
-              <a:srgbClr val="FF0000"/>
-            </a:solidFill>
-          </a:endParaRPr>
-        </a:p>
-      </dsp:txBody>
-      <dsp:txXfrm>
-        <a:off x="10003164" y="1534014"/>
-        <a:ext cx="915229" cy="568264"/>
-      </dsp:txXfrm>
-    </dsp:sp>
-    <dsp:sp modelId="{3EBCD798-125E-4358-A0E6-137AFA41639E}">
-      <dsp:nvSpPr>
-        <dsp:cNvPr id="0" name=""/>
-        <dsp:cNvSpPr/>
-      </dsp:nvSpPr>
-      <dsp:spPr>
-        <a:xfrm>
-          <a:off x="9298947" y="2296082"/>
-          <a:ext cx="950589" cy="603624"/>
-        </a:xfrm>
-        <a:prstGeom prst="roundRect">
-          <a:avLst>
-            <a:gd name="adj" fmla="val 10000"/>
-          </a:avLst>
-        </a:prstGeom>
-        <a:solidFill>
-          <a:schemeClr val="accent1">
-            <a:hueOff val="0"/>
-            <a:satOff val="0"/>
-            <a:lumOff val="0"/>
-            <a:alphaOff val="0"/>
-          </a:schemeClr>
-        </a:solidFill>
-        <a:ln w="25400" cap="flat" cmpd="sng" algn="ctr">
-          <a:solidFill>
-            <a:schemeClr val="lt1">
-              <a:hueOff val="0"/>
-              <a:satOff val="0"/>
-              <a:lumOff val="0"/>
-              <a:alphaOff val="0"/>
-            </a:schemeClr>
-          </a:solidFill>
-          <a:prstDash val="solid"/>
-        </a:ln>
-        <a:effectLst/>
-      </dsp:spPr>
-      <dsp:style>
-        <a:lnRef idx="2">
-          <a:scrgbClr r="0" g="0" b="0"/>
-        </a:lnRef>
-        <a:fillRef idx="1">
-          <a:scrgbClr r="0" g="0" b="0"/>
-        </a:fillRef>
-        <a:effectRef idx="0">
-          <a:scrgbClr r="0" g="0" b="0"/>
-        </a:effectRef>
-        <a:fontRef idx="minor">
-          <a:schemeClr val="lt1"/>
-        </a:fontRef>
-      </dsp:style>
-    </dsp:sp>
-    <dsp:sp modelId="{82EF6665-5A49-45F2-A9DB-C2F7B2E68F0A}">
-      <dsp:nvSpPr>
-        <dsp:cNvPr id="0" name=""/>
-        <dsp:cNvSpPr/>
-      </dsp:nvSpPr>
-      <dsp:spPr>
-        <a:xfrm>
-          <a:off x="9404568" y="2396422"/>
-          <a:ext cx="950589" cy="603624"/>
-        </a:xfrm>
-        <a:prstGeom prst="roundRect">
-          <a:avLst>
-            <a:gd name="adj" fmla="val 10000"/>
-          </a:avLst>
-        </a:prstGeom>
-        <a:solidFill>
-          <a:schemeClr val="lt1">
-            <a:alpha val="90000"/>
-            <a:hueOff val="0"/>
-            <a:satOff val="0"/>
-            <a:lumOff val="0"/>
-            <a:alphaOff val="0"/>
-          </a:schemeClr>
-        </a:solidFill>
-        <a:ln w="25400" cap="flat" cmpd="sng" algn="ctr">
-          <a:solidFill>
-            <a:schemeClr val="accent1">
-              <a:hueOff val="0"/>
-              <a:satOff val="0"/>
-              <a:lumOff val="0"/>
-              <a:alphaOff val="0"/>
-            </a:schemeClr>
-          </a:solidFill>
-          <a:prstDash val="solid"/>
-        </a:ln>
-        <a:effectLst/>
-      </dsp:spPr>
-      <dsp:style>
-        <a:lnRef idx="2">
-          <a:scrgbClr r="0" g="0" b="0"/>
-        </a:lnRef>
-        <a:fillRef idx="1">
-          <a:scrgbClr r="0" g="0" b="0"/>
-        </a:fillRef>
-        <a:effectRef idx="0">
-          <a:scrgbClr r="0" g="0" b="0"/>
-        </a:effectRef>
-        <a:fontRef idx="minor"/>
-      </dsp:style>
-      <dsp:txBody>
-        <a:bodyPr spcFirstLastPara="0" vert="horz" wrap="square" lIns="38100" tIns="38100" rIns="38100" bIns="38100" numCol="1" spcCol="1270" anchor="ctr" anchorCtr="0">
-          <a:noAutofit/>
-        </a:bodyPr>
-        <a:lstStyle/>
-        <a:p>
-          <a:pPr marL="0" lvl="0" indent="0" algn="ctr" defTabSz="444500" latinLnBrk="1">
-            <a:lnSpc>
-              <a:spcPct val="90000"/>
-            </a:lnSpc>
-            <a:spcBef>
-              <a:spcPct val="0"/>
-            </a:spcBef>
-            <a:spcAft>
-              <a:spcPct val="35000"/>
-            </a:spcAft>
-            <a:buNone/>
-          </a:pPr>
-          <a:r>
-            <a:rPr lang="en-US" altLang="ko-KR" sz="1000" kern="1200"/>
-            <a:t>DeviceLogger</a:t>
-          </a:r>
-          <a:endParaRPr lang="ko-KR" altLang="en-US" sz="1000" kern="1200"/>
-        </a:p>
-      </dsp:txBody>
-      <dsp:txXfrm>
-        <a:off x="9422248" y="2414102"/>
-        <a:ext cx="915229" cy="568264"/>
-      </dsp:txXfrm>
-    </dsp:sp>
-    <dsp:sp modelId="{81EFDDE4-8199-4220-831F-862B75923456}">
-      <dsp:nvSpPr>
-        <dsp:cNvPr id="0" name=""/>
-        <dsp:cNvSpPr/>
-      </dsp:nvSpPr>
-      <dsp:spPr>
-        <a:xfrm>
-          <a:off x="10460779" y="2296082"/>
-          <a:ext cx="950589" cy="603624"/>
-        </a:xfrm>
-        <a:prstGeom prst="roundRect">
-          <a:avLst>
-            <a:gd name="adj" fmla="val 10000"/>
-          </a:avLst>
-        </a:prstGeom>
-        <a:solidFill>
-          <a:schemeClr val="accent1">
-            <a:hueOff val="0"/>
-            <a:satOff val="0"/>
-            <a:lumOff val="0"/>
-            <a:alphaOff val="0"/>
-          </a:schemeClr>
-        </a:solidFill>
-        <a:ln w="25400" cap="flat" cmpd="sng" algn="ctr">
-          <a:solidFill>
-            <a:schemeClr val="lt1">
-              <a:hueOff val="0"/>
-              <a:satOff val="0"/>
-              <a:lumOff val="0"/>
-              <a:alphaOff val="0"/>
-            </a:schemeClr>
-          </a:solidFill>
-          <a:prstDash val="solid"/>
-        </a:ln>
-        <a:effectLst/>
-      </dsp:spPr>
-      <dsp:style>
-        <a:lnRef idx="2">
-          <a:scrgbClr r="0" g="0" b="0"/>
-        </a:lnRef>
-        <a:fillRef idx="1">
-          <a:scrgbClr r="0" g="0" b="0"/>
-        </a:fillRef>
-        <a:effectRef idx="0">
-          <a:scrgbClr r="0" g="0" b="0"/>
-        </a:effectRef>
-        <a:fontRef idx="minor">
-          <a:schemeClr val="lt1"/>
-        </a:fontRef>
-      </dsp:style>
-    </dsp:sp>
-    <dsp:sp modelId="{44408C57-3815-4766-A161-8FE90EE42DA1}">
-      <dsp:nvSpPr>
-        <dsp:cNvPr id="0" name=""/>
-        <dsp:cNvSpPr/>
-      </dsp:nvSpPr>
-      <dsp:spPr>
-        <a:xfrm>
-          <a:off x="10566400" y="2396422"/>
-          <a:ext cx="950589" cy="603624"/>
-        </a:xfrm>
-        <a:prstGeom prst="roundRect">
-          <a:avLst>
-            <a:gd name="adj" fmla="val 10000"/>
-          </a:avLst>
-        </a:prstGeom>
-        <a:solidFill>
-          <a:schemeClr val="lt1">
-            <a:alpha val="90000"/>
-            <a:hueOff val="0"/>
-            <a:satOff val="0"/>
-            <a:lumOff val="0"/>
-            <a:alphaOff val="0"/>
-          </a:schemeClr>
-        </a:solidFill>
-        <a:ln w="25400" cap="flat" cmpd="sng" algn="ctr">
-          <a:solidFill>
-            <a:schemeClr val="accent1">
-              <a:hueOff val="0"/>
-              <a:satOff val="0"/>
-              <a:lumOff val="0"/>
-              <a:alphaOff val="0"/>
-            </a:schemeClr>
-          </a:solidFill>
-          <a:prstDash val="solid"/>
-        </a:ln>
-        <a:effectLst/>
-      </dsp:spPr>
-      <dsp:style>
-        <a:lnRef idx="2">
-          <a:scrgbClr r="0" g="0" b="0"/>
-        </a:lnRef>
-        <a:fillRef idx="1">
-          <a:scrgbClr r="0" g="0" b="0"/>
-        </a:fillRef>
-        <a:effectRef idx="0">
-          <a:scrgbClr r="0" g="0" b="0"/>
-        </a:effectRef>
-        <a:fontRef idx="minor"/>
-      </dsp:style>
-      <dsp:txBody>
-        <a:bodyPr spcFirstLastPara="0" vert="horz" wrap="square" lIns="38100" tIns="38100" rIns="38100" bIns="38100" numCol="1" spcCol="1270" anchor="ctr" anchorCtr="0">
-          <a:noAutofit/>
-        </a:bodyPr>
-        <a:lstStyle/>
-        <a:p>
-          <a:pPr marL="0" lvl="0" indent="0" algn="ctr" defTabSz="444500" latinLnBrk="1">
-            <a:lnSpc>
-              <a:spcPct val="90000"/>
-            </a:lnSpc>
-            <a:spcBef>
-              <a:spcPct val="0"/>
-            </a:spcBef>
-            <a:spcAft>
-              <a:spcPct val="35000"/>
-            </a:spcAft>
-            <a:buNone/>
-          </a:pPr>
-          <a:r>
-            <a:rPr lang="en-US" altLang="ko-KR" sz="1000" kern="1200"/>
-            <a:t>CsvLogger</a:t>
-          </a:r>
-          <a:endParaRPr lang="ko-KR" altLang="en-US" sz="1000" kern="1200"/>
-        </a:p>
-      </dsp:txBody>
-      <dsp:txXfrm>
-        <a:off x="10584080" y="2414102"/>
-        <a:ext cx="915229" cy="568264"/>
+        <a:off x="2435687" y="1351102"/>
+        <a:ext cx="911013" cy="565646"/>
       </dsp:txXfrm>
     </dsp:sp>
   </dsp:spTree>
@@ -15577,6 +16596,569 @@
 </dgm:layoutDef>
 </file>
 
+<file path=ppt/diagrams/layout7.xml><?xml version="1.0" encoding="utf-8"?>
+<dgm:layoutDef xmlns:dgm="http://schemas.openxmlformats.org/drawingml/2006/diagram" xmlns:a="http://schemas.openxmlformats.org/drawingml/2006/main" uniqueId="urn:microsoft.com/office/officeart/2005/8/layout/hierarchy1">
+  <dgm:title val=""/>
+  <dgm:desc val=""/>
+  <dgm:catLst>
+    <dgm:cat type="hierarchy" pri="2000"/>
+  </dgm:catLst>
+  <dgm:sampData>
+    <dgm:dataModel>
+      <dgm:ptLst>
+        <dgm:pt modelId="0" type="doc"/>
+        <dgm:pt modelId="1">
+          <dgm:prSet phldr="1"/>
+        </dgm:pt>
+        <dgm:pt modelId="2">
+          <dgm:prSet phldr="1"/>
+        </dgm:pt>
+        <dgm:pt modelId="21">
+          <dgm:prSet phldr="1"/>
+        </dgm:pt>
+        <dgm:pt modelId="22">
+          <dgm:prSet phldr="1"/>
+        </dgm:pt>
+        <dgm:pt modelId="3">
+          <dgm:prSet phldr="1"/>
+        </dgm:pt>
+        <dgm:pt modelId="31">
+          <dgm:prSet phldr="1"/>
+        </dgm:pt>
+      </dgm:ptLst>
+      <dgm:cxnLst>
+        <dgm:cxn modelId="4" srcId="0" destId="1" srcOrd="0" destOrd="0"/>
+        <dgm:cxn modelId="5" srcId="1" destId="2" srcOrd="0" destOrd="0"/>
+        <dgm:cxn modelId="6" srcId="1" destId="3" srcOrd="1" destOrd="0"/>
+        <dgm:cxn modelId="23" srcId="2" destId="21" srcOrd="0" destOrd="0"/>
+        <dgm:cxn modelId="24" srcId="2" destId="22" srcOrd="1" destOrd="0"/>
+        <dgm:cxn modelId="33" srcId="3" destId="31" srcOrd="0" destOrd="0"/>
+      </dgm:cxnLst>
+      <dgm:bg/>
+      <dgm:whole/>
+    </dgm:dataModel>
+  </dgm:sampData>
+  <dgm:styleData>
+    <dgm:dataModel>
+      <dgm:ptLst>
+        <dgm:pt modelId="0" type="doc"/>
+        <dgm:pt modelId="1"/>
+        <dgm:pt modelId="11"/>
+        <dgm:pt modelId="12"/>
+      </dgm:ptLst>
+      <dgm:cxnLst>
+        <dgm:cxn modelId="2" srcId="0" destId="1" srcOrd="0" destOrd="0"/>
+        <dgm:cxn modelId="13" srcId="1" destId="11" srcOrd="0" destOrd="0"/>
+        <dgm:cxn modelId="14" srcId="1" destId="12" srcOrd="1" destOrd="0"/>
+      </dgm:cxnLst>
+      <dgm:bg/>
+      <dgm:whole/>
+    </dgm:dataModel>
+  </dgm:styleData>
+  <dgm:clrData>
+    <dgm:dataModel>
+      <dgm:ptLst>
+        <dgm:pt modelId="0" type="doc"/>
+        <dgm:pt modelId="1"/>
+        <dgm:pt modelId="2"/>
+        <dgm:pt modelId="21"/>
+        <dgm:pt modelId="211"/>
+        <dgm:pt modelId="3"/>
+        <dgm:pt modelId="31"/>
+        <dgm:pt modelId="311"/>
+      </dgm:ptLst>
+      <dgm:cxnLst>
+        <dgm:cxn modelId="4" srcId="0" destId="1" srcOrd="0" destOrd="0"/>
+        <dgm:cxn modelId="5" srcId="1" destId="2" srcOrd="0" destOrd="0"/>
+        <dgm:cxn modelId="6" srcId="1" destId="3" srcOrd="1" destOrd="0"/>
+        <dgm:cxn modelId="23" srcId="2" destId="21" srcOrd="0" destOrd="0"/>
+        <dgm:cxn modelId="24" srcId="21" destId="211" srcOrd="0" destOrd="0"/>
+        <dgm:cxn modelId="33" srcId="3" destId="31" srcOrd="0" destOrd="0"/>
+        <dgm:cxn modelId="34" srcId="31" destId="311" srcOrd="0" destOrd="0"/>
+      </dgm:cxnLst>
+      <dgm:bg/>
+      <dgm:whole/>
+    </dgm:dataModel>
+  </dgm:clrData>
+  <dgm:layoutNode name="hierChild1">
+    <dgm:varLst>
+      <dgm:chPref val="1"/>
+      <dgm:dir/>
+      <dgm:animOne val="branch"/>
+      <dgm:animLvl val="lvl"/>
+      <dgm:resizeHandles/>
+    </dgm:varLst>
+    <dgm:choose name="Name0">
+      <dgm:if name="Name1" func="var" arg="dir" op="equ" val="norm">
+        <dgm:alg type="hierChild">
+          <dgm:param type="linDir" val="fromL"/>
+        </dgm:alg>
+      </dgm:if>
+      <dgm:else name="Name2">
+        <dgm:alg type="hierChild">
+          <dgm:param type="linDir" val="fromR"/>
+        </dgm:alg>
+      </dgm:else>
+    </dgm:choose>
+    <dgm:shape xmlns:r="http://schemas.openxmlformats.org/officeDocument/2006/relationships" r:blip="">
+      <dgm:adjLst/>
+    </dgm:shape>
+    <dgm:presOf/>
+    <dgm:constrLst>
+      <dgm:constr type="primFontSz" for="des" ptType="node" op="equ" val="65"/>
+      <dgm:constr type="w" for="des" forName="composite" refType="w"/>
+      <dgm:constr type="h" for="des" forName="composite" refType="w" refFor="des" refForName="composite" fact="0.667"/>
+      <dgm:constr type="w" for="des" forName="composite2" refType="w" refFor="des" refForName="composite"/>
+      <dgm:constr type="h" for="des" forName="composite2" refType="h" refFor="des" refForName="composite"/>
+      <dgm:constr type="w" for="des" forName="composite3" refType="w" refFor="des" refForName="composite"/>
+      <dgm:constr type="h" for="des" forName="composite3" refType="h" refFor="des" refForName="composite"/>
+      <dgm:constr type="w" for="des" forName="composite4" refType="w" refFor="des" refForName="composite"/>
+      <dgm:constr type="h" for="des" forName="composite4" refType="h" refFor="des" refForName="composite"/>
+      <dgm:constr type="w" for="des" forName="composite5" refType="w" refFor="des" refForName="composite"/>
+      <dgm:constr type="h" for="des" forName="composite5" refType="h" refFor="des" refForName="composite"/>
+      <dgm:constr type="sibSp" refType="w" refFor="des" refForName="composite" fact="0.1"/>
+      <dgm:constr type="sibSp" for="des" forName="hierChild2" refType="sibSp"/>
+      <dgm:constr type="sibSp" for="des" forName="hierChild3" refType="sibSp"/>
+      <dgm:constr type="sibSp" for="des" forName="hierChild4" refType="sibSp"/>
+      <dgm:constr type="sibSp" for="des" forName="hierChild5" refType="sibSp"/>
+      <dgm:constr type="sibSp" for="des" forName="hierChild6" refType="sibSp"/>
+      <dgm:constr type="sp" for="des" forName="hierRoot1" refType="h" refFor="des" refForName="composite" fact="0.25"/>
+      <dgm:constr type="sp" for="des" forName="hierRoot2" refType="sp" refFor="des" refForName="hierRoot1"/>
+      <dgm:constr type="sp" for="des" forName="hierRoot3" refType="sp" refFor="des" refForName="hierRoot1"/>
+      <dgm:constr type="sp" for="des" forName="hierRoot4" refType="sp" refFor="des" refForName="hierRoot1"/>
+      <dgm:constr type="sp" for="des" forName="hierRoot5" refType="sp" refFor="des" refForName="hierRoot1"/>
+    </dgm:constrLst>
+    <dgm:ruleLst/>
+    <dgm:forEach name="Name3" axis="ch">
+      <dgm:forEach name="Name4" axis="self" ptType="node">
+        <dgm:layoutNode name="hierRoot1">
+          <dgm:alg type="hierRoot"/>
+          <dgm:shape xmlns:r="http://schemas.openxmlformats.org/officeDocument/2006/relationships" r:blip="">
+            <dgm:adjLst/>
+          </dgm:shape>
+          <dgm:presOf/>
+          <dgm:constrLst>
+            <dgm:constr type="bendDist" for="des" ptType="parTrans" refType="sp" fact="0.5"/>
+          </dgm:constrLst>
+          <dgm:ruleLst/>
+          <dgm:layoutNode name="composite">
+            <dgm:alg type="composite"/>
+            <dgm:shape xmlns:r="http://schemas.openxmlformats.org/officeDocument/2006/relationships" r:blip="">
+              <dgm:adjLst/>
+            </dgm:shape>
+            <dgm:presOf/>
+            <dgm:constrLst>
+              <dgm:constr type="w" for="ch" forName="background" refType="w" fact="0.9"/>
+              <dgm:constr type="h" for="ch" forName="background" refType="w" refFor="ch" refForName="background" fact="0.635"/>
+              <dgm:constr type="t" for="ch" forName="background"/>
+              <dgm:constr type="l" for="ch" forName="background"/>
+              <dgm:constr type="w" for="ch" forName="text" refType="w" fact="0.9"/>
+              <dgm:constr type="h" for="ch" forName="text" refType="w" refFor="ch" refForName="text" fact="0.635"/>
+              <dgm:constr type="t" for="ch" forName="text" refType="w" fact="0.095"/>
+              <dgm:constr type="l" for="ch" forName="text" refType="w" fact="0.1"/>
+            </dgm:constrLst>
+            <dgm:ruleLst/>
+            <dgm:layoutNode name="background" styleLbl="node0" moveWith="text">
+              <dgm:alg type="sp"/>
+              <dgm:shape xmlns:r="http://schemas.openxmlformats.org/officeDocument/2006/relationships" type="roundRect" r:blip="">
+                <dgm:adjLst>
+                  <dgm:adj idx="1" val="0.1"/>
+                </dgm:adjLst>
+              </dgm:shape>
+              <dgm:presOf/>
+              <dgm:constrLst/>
+              <dgm:ruleLst/>
+            </dgm:layoutNode>
+            <dgm:layoutNode name="text" styleLbl="fgAcc0">
+              <dgm:varLst>
+                <dgm:chPref val="3"/>
+              </dgm:varLst>
+              <dgm:alg type="tx"/>
+              <dgm:shape xmlns:r="http://schemas.openxmlformats.org/officeDocument/2006/relationships" type="roundRect" r:blip="">
+                <dgm:adjLst>
+                  <dgm:adj idx="1" val="0.1"/>
+                </dgm:adjLst>
+              </dgm:shape>
+              <dgm:presOf axis="self"/>
+              <dgm:constrLst>
+                <dgm:constr type="tMarg" refType="primFontSz" fact="0.3"/>
+                <dgm:constr type="bMarg" refType="primFontSz" fact="0.3"/>
+                <dgm:constr type="lMarg" refType="primFontSz" fact="0.3"/>
+                <dgm:constr type="rMarg" refType="primFontSz" fact="0.3"/>
+              </dgm:constrLst>
+              <dgm:ruleLst>
+                <dgm:rule type="primFontSz" val="5" fact="NaN" max="NaN"/>
+              </dgm:ruleLst>
+            </dgm:layoutNode>
+          </dgm:layoutNode>
+          <dgm:layoutNode name="hierChild2">
+            <dgm:choose name="Name5">
+              <dgm:if name="Name6" func="var" arg="dir" op="equ" val="norm">
+                <dgm:alg type="hierChild">
+                  <dgm:param type="linDir" val="fromL"/>
+                </dgm:alg>
+              </dgm:if>
+              <dgm:else name="Name7">
+                <dgm:alg type="hierChild">
+                  <dgm:param type="linDir" val="fromR"/>
+                </dgm:alg>
+              </dgm:else>
+            </dgm:choose>
+            <dgm:shape xmlns:r="http://schemas.openxmlformats.org/officeDocument/2006/relationships" r:blip="">
+              <dgm:adjLst/>
+            </dgm:shape>
+            <dgm:presOf/>
+            <dgm:constrLst/>
+            <dgm:ruleLst/>
+            <dgm:forEach name="Name8" axis="ch">
+              <dgm:forEach name="Name9" axis="self" ptType="parTrans" cnt="1">
+                <dgm:layoutNode name="Name10">
+                  <dgm:alg type="conn">
+                    <dgm:param type="dim" val="1D"/>
+                    <dgm:param type="endSty" val="noArr"/>
+                    <dgm:param type="connRout" val="bend"/>
+                    <dgm:param type="bendPt" val="end"/>
+                    <dgm:param type="begPts" val="bCtr"/>
+                    <dgm:param type="endPts" val="tCtr"/>
+                    <dgm:param type="srcNode" val="background"/>
+                    <dgm:param type="dstNode" val="background2"/>
+                  </dgm:alg>
+                  <dgm:shape xmlns:r="http://schemas.openxmlformats.org/officeDocument/2006/relationships" type="conn" r:blip="" zOrderOff="-999">
+                    <dgm:adjLst/>
+                  </dgm:shape>
+                  <dgm:presOf axis="self"/>
+                  <dgm:constrLst>
+                    <dgm:constr type="begPad"/>
+                    <dgm:constr type="endPad"/>
+                  </dgm:constrLst>
+                  <dgm:ruleLst/>
+                </dgm:layoutNode>
+              </dgm:forEach>
+              <dgm:forEach name="Name11" axis="self" ptType="node">
+                <dgm:layoutNode name="hierRoot2">
+                  <dgm:alg type="hierRoot"/>
+                  <dgm:shape xmlns:r="http://schemas.openxmlformats.org/officeDocument/2006/relationships" r:blip="">
+                    <dgm:adjLst/>
+                  </dgm:shape>
+                  <dgm:presOf/>
+                  <dgm:constrLst>
+                    <dgm:constr type="bendDist" for="des" ptType="parTrans" refType="sp" fact="0.5"/>
+                  </dgm:constrLst>
+                  <dgm:ruleLst/>
+                  <dgm:layoutNode name="composite2">
+                    <dgm:alg type="composite"/>
+                    <dgm:shape xmlns:r="http://schemas.openxmlformats.org/officeDocument/2006/relationships" r:blip="">
+                      <dgm:adjLst/>
+                    </dgm:shape>
+                    <dgm:presOf/>
+                    <dgm:constrLst>
+                      <dgm:constr type="w" for="ch" forName="background2" refType="w" fact="0.9"/>
+                      <dgm:constr type="h" for="ch" forName="background2" refType="w" refFor="ch" refForName="background2" fact="0.635"/>
+                      <dgm:constr type="t" for="ch" forName="background2"/>
+                      <dgm:constr type="l" for="ch" forName="background2"/>
+                      <dgm:constr type="w" for="ch" forName="text2" refType="w" fact="0.9"/>
+                      <dgm:constr type="h" for="ch" forName="text2" refType="w" refFor="ch" refForName="text2" fact="0.635"/>
+                      <dgm:constr type="t" for="ch" forName="text2" refType="w" fact="0.095"/>
+                      <dgm:constr type="l" for="ch" forName="text2" refType="w" fact="0.1"/>
+                    </dgm:constrLst>
+                    <dgm:ruleLst/>
+                    <dgm:layoutNode name="background2" moveWith="text2">
+                      <dgm:alg type="sp"/>
+                      <dgm:shape xmlns:r="http://schemas.openxmlformats.org/officeDocument/2006/relationships" type="roundRect" r:blip="">
+                        <dgm:adjLst>
+                          <dgm:adj idx="1" val="0.1"/>
+                        </dgm:adjLst>
+                      </dgm:shape>
+                      <dgm:presOf/>
+                      <dgm:constrLst/>
+                      <dgm:ruleLst/>
+                    </dgm:layoutNode>
+                    <dgm:layoutNode name="text2" styleLbl="fgAcc2">
+                      <dgm:varLst>
+                        <dgm:chPref val="3"/>
+                      </dgm:varLst>
+                      <dgm:alg type="tx"/>
+                      <dgm:shape xmlns:r="http://schemas.openxmlformats.org/officeDocument/2006/relationships" type="roundRect" r:blip="">
+                        <dgm:adjLst>
+                          <dgm:adj idx="1" val="0.1"/>
+                        </dgm:adjLst>
+                      </dgm:shape>
+                      <dgm:presOf axis="self"/>
+                      <dgm:constrLst>
+                        <dgm:constr type="tMarg" refType="primFontSz" fact="0.3"/>
+                        <dgm:constr type="bMarg" refType="primFontSz" fact="0.3"/>
+                        <dgm:constr type="lMarg" refType="primFontSz" fact="0.3"/>
+                        <dgm:constr type="rMarg" refType="primFontSz" fact="0.3"/>
+                      </dgm:constrLst>
+                      <dgm:ruleLst>
+                        <dgm:rule type="primFontSz" val="5" fact="NaN" max="NaN"/>
+                      </dgm:ruleLst>
+                    </dgm:layoutNode>
+                  </dgm:layoutNode>
+                  <dgm:layoutNode name="hierChild3">
+                    <dgm:choose name="Name12">
+                      <dgm:if name="Name13" func="var" arg="dir" op="equ" val="norm">
+                        <dgm:alg type="hierChild">
+                          <dgm:param type="linDir" val="fromL"/>
+                        </dgm:alg>
+                      </dgm:if>
+                      <dgm:else name="Name14">
+                        <dgm:alg type="hierChild">
+                          <dgm:param type="linDir" val="fromR"/>
+                        </dgm:alg>
+                      </dgm:else>
+                    </dgm:choose>
+                    <dgm:shape xmlns:r="http://schemas.openxmlformats.org/officeDocument/2006/relationships" r:blip="">
+                      <dgm:adjLst/>
+                    </dgm:shape>
+                    <dgm:presOf/>
+                    <dgm:constrLst/>
+                    <dgm:ruleLst/>
+                    <dgm:forEach name="Name15" axis="ch">
+                      <dgm:forEach name="Name16" axis="self" ptType="parTrans" cnt="1">
+                        <dgm:layoutNode name="Name17">
+                          <dgm:alg type="conn">
+                            <dgm:param type="dim" val="1D"/>
+                            <dgm:param type="endSty" val="noArr"/>
+                            <dgm:param type="connRout" val="bend"/>
+                            <dgm:param type="bendPt" val="end"/>
+                            <dgm:param type="begPts" val="bCtr"/>
+                            <dgm:param type="endPts" val="tCtr"/>
+                            <dgm:param type="srcNode" val="background2"/>
+                            <dgm:param type="dstNode" val="background3"/>
+                          </dgm:alg>
+                          <dgm:shape xmlns:r="http://schemas.openxmlformats.org/officeDocument/2006/relationships" type="conn" r:blip="" zOrderOff="-999">
+                            <dgm:adjLst/>
+                          </dgm:shape>
+                          <dgm:presOf axis="self"/>
+                          <dgm:constrLst>
+                            <dgm:constr type="begPad"/>
+                            <dgm:constr type="endPad"/>
+                          </dgm:constrLst>
+                          <dgm:ruleLst/>
+                        </dgm:layoutNode>
+                      </dgm:forEach>
+                      <dgm:forEach name="Name18" axis="self" ptType="node">
+                        <dgm:layoutNode name="hierRoot3">
+                          <dgm:alg type="hierRoot"/>
+                          <dgm:shape xmlns:r="http://schemas.openxmlformats.org/officeDocument/2006/relationships" r:blip="">
+                            <dgm:adjLst/>
+                          </dgm:shape>
+                          <dgm:presOf/>
+                          <dgm:constrLst>
+                            <dgm:constr type="bendDist" for="des" ptType="parTrans" refType="sp" fact="0.5"/>
+                          </dgm:constrLst>
+                          <dgm:ruleLst/>
+                          <dgm:layoutNode name="composite3">
+                            <dgm:alg type="composite"/>
+                            <dgm:shape xmlns:r="http://schemas.openxmlformats.org/officeDocument/2006/relationships" r:blip="">
+                              <dgm:adjLst/>
+                            </dgm:shape>
+                            <dgm:presOf/>
+                            <dgm:constrLst>
+                              <dgm:constr type="w" for="ch" forName="background3" refType="w" fact="0.9"/>
+                              <dgm:constr type="h" for="ch" forName="background3" refType="w" refFor="ch" refForName="background3" fact="0.635"/>
+                              <dgm:constr type="t" for="ch" forName="background3"/>
+                              <dgm:constr type="l" for="ch" forName="background3"/>
+                              <dgm:constr type="w" for="ch" forName="text3" refType="w" fact="0.9"/>
+                              <dgm:constr type="h" for="ch" forName="text3" refType="w" refFor="ch" refForName="text3" fact="0.635"/>
+                              <dgm:constr type="t" for="ch" forName="text3" refType="w" fact="0.095"/>
+                              <dgm:constr type="l" for="ch" forName="text3" refType="w" fact="0.1"/>
+                            </dgm:constrLst>
+                            <dgm:ruleLst/>
+                            <dgm:layoutNode name="background3" moveWith="text3">
+                              <dgm:alg type="sp"/>
+                              <dgm:shape xmlns:r="http://schemas.openxmlformats.org/officeDocument/2006/relationships" type="roundRect" r:blip="">
+                                <dgm:adjLst>
+                                  <dgm:adj idx="1" val="0.1"/>
+                                </dgm:adjLst>
+                              </dgm:shape>
+                              <dgm:presOf/>
+                              <dgm:constrLst/>
+                              <dgm:ruleLst/>
+                            </dgm:layoutNode>
+                            <dgm:layoutNode name="text3" styleLbl="fgAcc3">
+                              <dgm:varLst>
+                                <dgm:chPref val="3"/>
+                              </dgm:varLst>
+                              <dgm:alg type="tx"/>
+                              <dgm:shape xmlns:r="http://schemas.openxmlformats.org/officeDocument/2006/relationships" type="roundRect" r:blip="">
+                                <dgm:adjLst>
+                                  <dgm:adj idx="1" val="0.1"/>
+                                </dgm:adjLst>
+                              </dgm:shape>
+                              <dgm:presOf axis="self"/>
+                              <dgm:constrLst>
+                                <dgm:constr type="tMarg" refType="primFontSz" fact="0.3"/>
+                                <dgm:constr type="bMarg" refType="primFontSz" fact="0.3"/>
+                                <dgm:constr type="lMarg" refType="primFontSz" fact="0.3"/>
+                                <dgm:constr type="rMarg" refType="primFontSz" fact="0.3"/>
+                              </dgm:constrLst>
+                              <dgm:ruleLst>
+                                <dgm:rule type="primFontSz" val="5" fact="NaN" max="NaN"/>
+                              </dgm:ruleLst>
+                            </dgm:layoutNode>
+                          </dgm:layoutNode>
+                          <dgm:layoutNode name="hierChild4">
+                            <dgm:choose name="Name19">
+                              <dgm:if name="Name20" func="var" arg="dir" op="equ" val="norm">
+                                <dgm:alg type="hierChild">
+                                  <dgm:param type="linDir" val="fromL"/>
+                                </dgm:alg>
+                              </dgm:if>
+                              <dgm:else name="Name21">
+                                <dgm:alg type="hierChild">
+                                  <dgm:param type="linDir" val="fromR"/>
+                                </dgm:alg>
+                              </dgm:else>
+                            </dgm:choose>
+                            <dgm:shape xmlns:r="http://schemas.openxmlformats.org/officeDocument/2006/relationships" r:blip="">
+                              <dgm:adjLst/>
+                            </dgm:shape>
+                            <dgm:presOf/>
+                            <dgm:constrLst/>
+                            <dgm:ruleLst/>
+                            <dgm:forEach name="repeat" axis="ch">
+                              <dgm:forEach name="Name22" axis="self" ptType="parTrans" cnt="1">
+                                <dgm:layoutNode name="Name23">
+                                  <dgm:choose name="Name24">
+                                    <dgm:if name="Name25" axis="self" func="depth" op="lte" val="4">
+                                      <dgm:alg type="conn">
+                                        <dgm:param type="dim" val="1D"/>
+                                        <dgm:param type="endSty" val="noArr"/>
+                                        <dgm:param type="connRout" val="bend"/>
+                                        <dgm:param type="bendPt" val="end"/>
+                                        <dgm:param type="begPts" val="bCtr"/>
+                                        <dgm:param type="endPts" val="tCtr"/>
+                                        <dgm:param type="srcNode" val="background3"/>
+                                        <dgm:param type="dstNode" val="background4"/>
+                                      </dgm:alg>
+                                    </dgm:if>
+                                    <dgm:else name="Name26">
+                                      <dgm:alg type="conn">
+                                        <dgm:param type="dim" val="1D"/>
+                                        <dgm:param type="endSty" val="noArr"/>
+                                        <dgm:param type="connRout" val="bend"/>
+                                        <dgm:param type="bendPt" val="end"/>
+                                        <dgm:param type="begPts" val="bCtr"/>
+                                        <dgm:param type="endPts" val="tCtr"/>
+                                        <dgm:param type="srcNode" val="background4"/>
+                                        <dgm:param type="dstNode" val="background4"/>
+                                      </dgm:alg>
+                                    </dgm:else>
+                                  </dgm:choose>
+                                  <dgm:shape xmlns:r="http://schemas.openxmlformats.org/officeDocument/2006/relationships" type="conn" r:blip="" zOrderOff="-999">
+                                    <dgm:adjLst/>
+                                  </dgm:shape>
+                                  <dgm:presOf axis="self"/>
+                                  <dgm:constrLst>
+                                    <dgm:constr type="begPad"/>
+                                    <dgm:constr type="endPad"/>
+                                  </dgm:constrLst>
+                                  <dgm:ruleLst/>
+                                </dgm:layoutNode>
+                              </dgm:forEach>
+                              <dgm:forEach name="Name27" axis="self" ptType="node">
+                                <dgm:layoutNode name="hierRoot4">
+                                  <dgm:alg type="hierRoot"/>
+                                  <dgm:shape xmlns:r="http://schemas.openxmlformats.org/officeDocument/2006/relationships" r:blip="">
+                                    <dgm:adjLst/>
+                                  </dgm:shape>
+                                  <dgm:presOf/>
+                                  <dgm:constrLst>
+                                    <dgm:constr type="bendDist" for="des" ptType="parTrans" refType="sp" fact="0.5"/>
+                                  </dgm:constrLst>
+                                  <dgm:ruleLst/>
+                                  <dgm:layoutNode name="composite4">
+                                    <dgm:alg type="composite"/>
+                                    <dgm:shape xmlns:r="http://schemas.openxmlformats.org/officeDocument/2006/relationships" r:blip="">
+                                      <dgm:adjLst/>
+                                    </dgm:shape>
+                                    <dgm:presOf/>
+                                    <dgm:constrLst>
+                                      <dgm:constr type="w" for="ch" forName="background4" refType="w" fact="0.9"/>
+                                      <dgm:constr type="h" for="ch" forName="background4" refType="w" refFor="ch" refForName="background4" fact="0.635"/>
+                                      <dgm:constr type="t" for="ch" forName="background4"/>
+                                      <dgm:constr type="l" for="ch" forName="background4"/>
+                                      <dgm:constr type="w" for="ch" forName="text4" refType="w" fact="0.9"/>
+                                      <dgm:constr type="h" for="ch" forName="text4" refType="w" refFor="ch" refForName="text4" fact="0.635"/>
+                                      <dgm:constr type="t" for="ch" forName="text4" refType="w" fact="0.095"/>
+                                      <dgm:constr type="l" for="ch" forName="text4" refType="w" fact="0.1"/>
+                                    </dgm:constrLst>
+                                    <dgm:ruleLst/>
+                                    <dgm:layoutNode name="background4" moveWith="text4">
+                                      <dgm:alg type="sp"/>
+                                      <dgm:shape xmlns:r="http://schemas.openxmlformats.org/officeDocument/2006/relationships" type="roundRect" r:blip="">
+                                        <dgm:adjLst>
+                                          <dgm:adj idx="1" val="0.1"/>
+                                        </dgm:adjLst>
+                                      </dgm:shape>
+                                      <dgm:presOf/>
+                                      <dgm:constrLst/>
+                                      <dgm:ruleLst/>
+                                    </dgm:layoutNode>
+                                    <dgm:layoutNode name="text4" styleLbl="fgAcc4">
+                                      <dgm:varLst>
+                                        <dgm:chPref val="3"/>
+                                      </dgm:varLst>
+                                      <dgm:alg type="tx"/>
+                                      <dgm:shape xmlns:r="http://schemas.openxmlformats.org/officeDocument/2006/relationships" type="roundRect" r:blip="">
+                                        <dgm:adjLst>
+                                          <dgm:adj idx="1" val="0.1"/>
+                                        </dgm:adjLst>
+                                      </dgm:shape>
+                                      <dgm:presOf axis="self"/>
+                                      <dgm:constrLst>
+                                        <dgm:constr type="tMarg" refType="primFontSz" fact="0.3"/>
+                                        <dgm:constr type="bMarg" refType="primFontSz" fact="0.3"/>
+                                        <dgm:constr type="lMarg" refType="primFontSz" fact="0.3"/>
+                                        <dgm:constr type="rMarg" refType="primFontSz" fact="0.3"/>
+                                      </dgm:constrLst>
+                                      <dgm:ruleLst>
+                                        <dgm:rule type="primFontSz" val="5" fact="NaN" max="NaN"/>
+                                      </dgm:ruleLst>
+                                    </dgm:layoutNode>
+                                  </dgm:layoutNode>
+                                  <dgm:layoutNode name="hierChild5">
+                                    <dgm:choose name="Name28">
+                                      <dgm:if name="Name29" func="var" arg="dir" op="equ" val="norm">
+                                        <dgm:alg type="hierChild">
+                                          <dgm:param type="linDir" val="fromL"/>
+                                        </dgm:alg>
+                                      </dgm:if>
+                                      <dgm:else name="Name30">
+                                        <dgm:alg type="hierChild">
+                                          <dgm:param type="linDir" val="fromR"/>
+                                        </dgm:alg>
+                                      </dgm:else>
+                                    </dgm:choose>
+                                    <dgm:shape xmlns:r="http://schemas.openxmlformats.org/officeDocument/2006/relationships" r:blip="">
+                                      <dgm:adjLst/>
+                                    </dgm:shape>
+                                    <dgm:presOf/>
+                                    <dgm:constrLst/>
+                                    <dgm:ruleLst/>
+                                    <dgm:forEach name="Name31" ref="repeat"/>
+                                  </dgm:layoutNode>
+                                </dgm:layoutNode>
+                              </dgm:forEach>
+                            </dgm:forEach>
+                          </dgm:layoutNode>
+                        </dgm:layoutNode>
+                      </dgm:forEach>
+                    </dgm:forEach>
+                  </dgm:layoutNode>
+                </dgm:layoutNode>
+              </dgm:forEach>
+            </dgm:forEach>
+          </dgm:layoutNode>
+        </dgm:layoutNode>
+      </dgm:forEach>
+    </dgm:forEach>
+  </dgm:layoutNode>
+</dgm:layoutDef>
+</file>
+
 <file path=ppt/diagrams/quickStyle1.xml><?xml version="1.0" encoding="utf-8"?>
 <dgm:styleDef xmlns:dgm="http://schemas.openxmlformats.org/drawingml/2006/diagram" xmlns:a="http://schemas.openxmlformats.org/drawingml/2006/main" uniqueId="urn:microsoft.com/office/officeart/2005/8/quickstyle/3d2">
   <dgm:title val=""/>
@@ -20976,6 +22558,1040 @@
 </file>
 
 <file path=ppt/diagrams/quickStyle6.xml><?xml version="1.0" encoding="utf-8"?>
+<dgm:styleDef xmlns:dgm="http://schemas.openxmlformats.org/drawingml/2006/diagram" xmlns:a="http://schemas.openxmlformats.org/drawingml/2006/main" uniqueId="urn:microsoft.com/office/officeart/2005/8/quickstyle/simple1">
+  <dgm:title val=""/>
+  <dgm:desc val=""/>
+  <dgm:catLst>
+    <dgm:cat type="simple" pri="10100"/>
+  </dgm:catLst>
+  <dgm:scene3d>
+    <a:camera prst="orthographicFront"/>
+    <a:lightRig rig="threePt" dir="t"/>
+  </dgm:scene3d>
+  <dgm:styleLbl name="node0">
+    <dgm:scene3d>
+      <a:camera prst="orthographicFront"/>
+      <a:lightRig rig="threePt" dir="t"/>
+    </dgm:scene3d>
+    <dgm:sp3d/>
+    <dgm:txPr/>
+    <dgm:style>
+      <a:lnRef idx="2">
+        <a:scrgbClr r="0" g="0" b="0"/>
+      </a:lnRef>
+      <a:fillRef idx="1">
+        <a:scrgbClr r="0" g="0" b="0"/>
+      </a:fillRef>
+      <a:effectRef idx="0">
+        <a:scrgbClr r="0" g="0" b="0"/>
+      </a:effectRef>
+      <a:fontRef idx="minor">
+        <a:schemeClr val="lt1"/>
+      </a:fontRef>
+    </dgm:style>
+  </dgm:styleLbl>
+  <dgm:styleLbl name="lnNode1">
+    <dgm:scene3d>
+      <a:camera prst="orthographicFront"/>
+      <a:lightRig rig="threePt" dir="t"/>
+    </dgm:scene3d>
+    <dgm:sp3d/>
+    <dgm:txPr/>
+    <dgm:style>
+      <a:lnRef idx="2">
+        <a:scrgbClr r="0" g="0" b="0"/>
+      </a:lnRef>
+      <a:fillRef idx="1">
+        <a:scrgbClr r="0" g="0" b="0"/>
+      </a:fillRef>
+      <a:effectRef idx="0">
+        <a:scrgbClr r="0" g="0" b="0"/>
+      </a:effectRef>
+      <a:fontRef idx="minor">
+        <a:schemeClr val="lt1"/>
+      </a:fontRef>
+    </dgm:style>
+  </dgm:styleLbl>
+  <dgm:styleLbl name="vennNode1">
+    <dgm:scene3d>
+      <a:camera prst="orthographicFront"/>
+      <a:lightRig rig="threePt" dir="t"/>
+    </dgm:scene3d>
+    <dgm:sp3d/>
+    <dgm:txPr/>
+    <dgm:style>
+      <a:lnRef idx="2">
+        <a:scrgbClr r="0" g="0" b="0"/>
+      </a:lnRef>
+      <a:fillRef idx="1">
+        <a:scrgbClr r="0" g="0" b="0"/>
+      </a:fillRef>
+      <a:effectRef idx="0">
+        <a:scrgbClr r="0" g="0" b="0"/>
+      </a:effectRef>
+      <a:fontRef idx="minor">
+        <a:schemeClr val="tx1"/>
+      </a:fontRef>
+    </dgm:style>
+  </dgm:styleLbl>
+  <dgm:styleLbl name="alignNode1">
+    <dgm:scene3d>
+      <a:camera prst="orthographicFront"/>
+      <a:lightRig rig="threePt" dir="t"/>
+    </dgm:scene3d>
+    <dgm:sp3d/>
+    <dgm:txPr/>
+    <dgm:style>
+      <a:lnRef idx="2">
+        <a:scrgbClr r="0" g="0" b="0"/>
+      </a:lnRef>
+      <a:fillRef idx="1">
+        <a:scrgbClr r="0" g="0" b="0"/>
+      </a:fillRef>
+      <a:effectRef idx="0">
+        <a:scrgbClr r="0" g="0" b="0"/>
+      </a:effectRef>
+      <a:fontRef idx="minor">
+        <a:schemeClr val="lt1"/>
+      </a:fontRef>
+    </dgm:style>
+  </dgm:styleLbl>
+  <dgm:styleLbl name="node1">
+    <dgm:scene3d>
+      <a:camera prst="orthographicFront"/>
+      <a:lightRig rig="threePt" dir="t"/>
+    </dgm:scene3d>
+    <dgm:sp3d/>
+    <dgm:txPr/>
+    <dgm:style>
+      <a:lnRef idx="2">
+        <a:scrgbClr r="0" g="0" b="0"/>
+      </a:lnRef>
+      <a:fillRef idx="1">
+        <a:scrgbClr r="0" g="0" b="0"/>
+      </a:fillRef>
+      <a:effectRef idx="0">
+        <a:scrgbClr r="0" g="0" b="0"/>
+      </a:effectRef>
+      <a:fontRef idx="minor">
+        <a:schemeClr val="lt1"/>
+      </a:fontRef>
+    </dgm:style>
+  </dgm:styleLbl>
+  <dgm:styleLbl name="node2">
+    <dgm:scene3d>
+      <a:camera prst="orthographicFront"/>
+      <a:lightRig rig="threePt" dir="t"/>
+    </dgm:scene3d>
+    <dgm:sp3d/>
+    <dgm:txPr/>
+    <dgm:style>
+      <a:lnRef idx="2">
+        <a:scrgbClr r="0" g="0" b="0"/>
+      </a:lnRef>
+      <a:fillRef idx="1">
+        <a:scrgbClr r="0" g="0" b="0"/>
+      </a:fillRef>
+      <a:effectRef idx="0">
+        <a:scrgbClr r="0" g="0" b="0"/>
+      </a:effectRef>
+      <a:fontRef idx="minor">
+        <a:schemeClr val="lt1"/>
+      </a:fontRef>
+    </dgm:style>
+  </dgm:styleLbl>
+  <dgm:styleLbl name="node3">
+    <dgm:scene3d>
+      <a:camera prst="orthographicFront"/>
+      <a:lightRig rig="threePt" dir="t"/>
+    </dgm:scene3d>
+    <dgm:sp3d/>
+    <dgm:txPr/>
+    <dgm:style>
+      <a:lnRef idx="2">
+        <a:scrgbClr r="0" g="0" b="0"/>
+      </a:lnRef>
+      <a:fillRef idx="1">
+        <a:scrgbClr r="0" g="0" b="0"/>
+      </a:fillRef>
+      <a:effectRef idx="0">
+        <a:scrgbClr r="0" g="0" b="0"/>
+      </a:effectRef>
+      <a:fontRef idx="minor">
+        <a:schemeClr val="lt1"/>
+      </a:fontRef>
+    </dgm:style>
+  </dgm:styleLbl>
+  <dgm:styleLbl name="node4">
+    <dgm:scene3d>
+      <a:camera prst="orthographicFront"/>
+      <a:lightRig rig="threePt" dir="t"/>
+    </dgm:scene3d>
+    <dgm:sp3d/>
+    <dgm:txPr/>
+    <dgm:style>
+      <a:lnRef idx="2">
+        <a:scrgbClr r="0" g="0" b="0"/>
+      </a:lnRef>
+      <a:fillRef idx="1">
+        <a:scrgbClr r="0" g="0" b="0"/>
+      </a:fillRef>
+      <a:effectRef idx="0">
+        <a:scrgbClr r="0" g="0" b="0"/>
+      </a:effectRef>
+      <a:fontRef idx="minor">
+        <a:schemeClr val="lt1"/>
+      </a:fontRef>
+    </dgm:style>
+  </dgm:styleLbl>
+  <dgm:styleLbl name="fgImgPlace1">
+    <dgm:scene3d>
+      <a:camera prst="orthographicFront"/>
+      <a:lightRig rig="threePt" dir="t"/>
+    </dgm:scene3d>
+    <dgm:sp3d/>
+    <dgm:txPr/>
+    <dgm:style>
+      <a:lnRef idx="2">
+        <a:scrgbClr r="0" g="0" b="0"/>
+      </a:lnRef>
+      <a:fillRef idx="1">
+        <a:scrgbClr r="0" g="0" b="0"/>
+      </a:fillRef>
+      <a:effectRef idx="0">
+        <a:scrgbClr r="0" g="0" b="0"/>
+      </a:effectRef>
+      <a:fontRef idx="minor"/>
+    </dgm:style>
+  </dgm:styleLbl>
+  <dgm:styleLbl name="alignImgPlace1">
+    <dgm:scene3d>
+      <a:camera prst="orthographicFront"/>
+      <a:lightRig rig="threePt" dir="t"/>
+    </dgm:scene3d>
+    <dgm:sp3d/>
+    <dgm:txPr/>
+    <dgm:style>
+      <a:lnRef idx="2">
+        <a:scrgbClr r="0" g="0" b="0"/>
+      </a:lnRef>
+      <a:fillRef idx="1">
+        <a:scrgbClr r="0" g="0" b="0"/>
+      </a:fillRef>
+      <a:effectRef idx="0">
+        <a:scrgbClr r="0" g="0" b="0"/>
+      </a:effectRef>
+      <a:fontRef idx="minor"/>
+    </dgm:style>
+  </dgm:styleLbl>
+  <dgm:styleLbl name="bgImgPlace1">
+    <dgm:scene3d>
+      <a:camera prst="orthographicFront"/>
+      <a:lightRig rig="threePt" dir="t"/>
+    </dgm:scene3d>
+    <dgm:sp3d/>
+    <dgm:txPr/>
+    <dgm:style>
+      <a:lnRef idx="2">
+        <a:scrgbClr r="0" g="0" b="0"/>
+      </a:lnRef>
+      <a:fillRef idx="1">
+        <a:scrgbClr r="0" g="0" b="0"/>
+      </a:fillRef>
+      <a:effectRef idx="0">
+        <a:scrgbClr r="0" g="0" b="0"/>
+      </a:effectRef>
+      <a:fontRef idx="minor"/>
+    </dgm:style>
+  </dgm:styleLbl>
+  <dgm:styleLbl name="sibTrans2D1">
+    <dgm:scene3d>
+      <a:camera prst="orthographicFront"/>
+      <a:lightRig rig="threePt" dir="t"/>
+    </dgm:scene3d>
+    <dgm:sp3d/>
+    <dgm:txPr/>
+    <dgm:style>
+      <a:lnRef idx="0">
+        <a:scrgbClr r="0" g="0" b="0"/>
+      </a:lnRef>
+      <a:fillRef idx="1">
+        <a:scrgbClr r="0" g="0" b="0"/>
+      </a:fillRef>
+      <a:effectRef idx="0">
+        <a:scrgbClr r="0" g="0" b="0"/>
+      </a:effectRef>
+      <a:fontRef idx="minor">
+        <a:schemeClr val="lt1"/>
+      </a:fontRef>
+    </dgm:style>
+  </dgm:styleLbl>
+  <dgm:styleLbl name="fgSibTrans2D1">
+    <dgm:scene3d>
+      <a:camera prst="orthographicFront"/>
+      <a:lightRig rig="threePt" dir="t"/>
+    </dgm:scene3d>
+    <dgm:sp3d/>
+    <dgm:txPr/>
+    <dgm:style>
+      <a:lnRef idx="0">
+        <a:scrgbClr r="0" g="0" b="0"/>
+      </a:lnRef>
+      <a:fillRef idx="1">
+        <a:scrgbClr r="0" g="0" b="0"/>
+      </a:fillRef>
+      <a:effectRef idx="0">
+        <a:scrgbClr r="0" g="0" b="0"/>
+      </a:effectRef>
+      <a:fontRef idx="minor">
+        <a:schemeClr val="lt1"/>
+      </a:fontRef>
+    </dgm:style>
+  </dgm:styleLbl>
+  <dgm:styleLbl name="bgSibTrans2D1">
+    <dgm:scene3d>
+      <a:camera prst="orthographicFront"/>
+      <a:lightRig rig="threePt" dir="t"/>
+    </dgm:scene3d>
+    <dgm:sp3d/>
+    <dgm:txPr/>
+    <dgm:style>
+      <a:lnRef idx="0">
+        <a:scrgbClr r="0" g="0" b="0"/>
+      </a:lnRef>
+      <a:fillRef idx="1">
+        <a:scrgbClr r="0" g="0" b="0"/>
+      </a:fillRef>
+      <a:effectRef idx="0">
+        <a:scrgbClr r="0" g="0" b="0"/>
+      </a:effectRef>
+      <a:fontRef idx="minor">
+        <a:schemeClr val="lt1"/>
+      </a:fontRef>
+    </dgm:style>
+  </dgm:styleLbl>
+  <dgm:styleLbl name="sibTrans1D1">
+    <dgm:scene3d>
+      <a:camera prst="orthographicFront"/>
+      <a:lightRig rig="threePt" dir="t"/>
+    </dgm:scene3d>
+    <dgm:sp3d/>
+    <dgm:txPr/>
+    <dgm:style>
+      <a:lnRef idx="1">
+        <a:scrgbClr r="0" g="0" b="0"/>
+      </a:lnRef>
+      <a:fillRef idx="0">
+        <a:scrgbClr r="0" g="0" b="0"/>
+      </a:fillRef>
+      <a:effectRef idx="0">
+        <a:scrgbClr r="0" g="0" b="0"/>
+      </a:effectRef>
+      <a:fontRef idx="minor"/>
+    </dgm:style>
+  </dgm:styleLbl>
+  <dgm:styleLbl name="callout">
+    <dgm:scene3d>
+      <a:camera prst="orthographicFront"/>
+      <a:lightRig rig="threePt" dir="t"/>
+    </dgm:scene3d>
+    <dgm:sp3d/>
+    <dgm:txPr/>
+    <dgm:style>
+      <a:lnRef idx="2">
+        <a:scrgbClr r="0" g="0" b="0"/>
+      </a:lnRef>
+      <a:fillRef idx="1">
+        <a:scrgbClr r="0" g="0" b="0"/>
+      </a:fillRef>
+      <a:effectRef idx="0">
+        <a:scrgbClr r="0" g="0" b="0"/>
+      </a:effectRef>
+      <a:fontRef idx="minor"/>
+    </dgm:style>
+  </dgm:styleLbl>
+  <dgm:styleLbl name="asst0">
+    <dgm:scene3d>
+      <a:camera prst="orthographicFront"/>
+      <a:lightRig rig="threePt" dir="t"/>
+    </dgm:scene3d>
+    <dgm:sp3d/>
+    <dgm:txPr/>
+    <dgm:style>
+      <a:lnRef idx="2">
+        <a:scrgbClr r="0" g="0" b="0"/>
+      </a:lnRef>
+      <a:fillRef idx="1">
+        <a:scrgbClr r="0" g="0" b="0"/>
+      </a:fillRef>
+      <a:effectRef idx="0">
+        <a:scrgbClr r="0" g="0" b="0"/>
+      </a:effectRef>
+      <a:fontRef idx="minor">
+        <a:schemeClr val="lt1"/>
+      </a:fontRef>
+    </dgm:style>
+  </dgm:styleLbl>
+  <dgm:styleLbl name="asst1">
+    <dgm:scene3d>
+      <a:camera prst="orthographicFront"/>
+      <a:lightRig rig="threePt" dir="t"/>
+    </dgm:scene3d>
+    <dgm:sp3d/>
+    <dgm:txPr/>
+    <dgm:style>
+      <a:lnRef idx="2">
+        <a:scrgbClr r="0" g="0" b="0"/>
+      </a:lnRef>
+      <a:fillRef idx="1">
+        <a:scrgbClr r="0" g="0" b="0"/>
+      </a:fillRef>
+      <a:effectRef idx="0">
+        <a:scrgbClr r="0" g="0" b="0"/>
+      </a:effectRef>
+      <a:fontRef idx="minor">
+        <a:schemeClr val="lt1"/>
+      </a:fontRef>
+    </dgm:style>
+  </dgm:styleLbl>
+  <dgm:styleLbl name="asst2">
+    <dgm:scene3d>
+      <a:camera prst="orthographicFront"/>
+      <a:lightRig rig="threePt" dir="t"/>
+    </dgm:scene3d>
+    <dgm:sp3d/>
+    <dgm:txPr/>
+    <dgm:style>
+      <a:lnRef idx="2">
+        <a:scrgbClr r="0" g="0" b="0"/>
+      </a:lnRef>
+      <a:fillRef idx="1">
+        <a:scrgbClr r="0" g="0" b="0"/>
+      </a:fillRef>
+      <a:effectRef idx="0">
+        <a:scrgbClr r="0" g="0" b="0"/>
+      </a:effectRef>
+      <a:fontRef idx="minor">
+        <a:schemeClr val="lt1"/>
+      </a:fontRef>
+    </dgm:style>
+  </dgm:styleLbl>
+  <dgm:styleLbl name="asst3">
+    <dgm:scene3d>
+      <a:camera prst="orthographicFront"/>
+      <a:lightRig rig="threePt" dir="t"/>
+    </dgm:scene3d>
+    <dgm:sp3d/>
+    <dgm:txPr/>
+    <dgm:style>
+      <a:lnRef idx="2">
+        <a:scrgbClr r="0" g="0" b="0"/>
+      </a:lnRef>
+      <a:fillRef idx="1">
+        <a:scrgbClr r="0" g="0" b="0"/>
+      </a:fillRef>
+      <a:effectRef idx="0">
+        <a:scrgbClr r="0" g="0" b="0"/>
+      </a:effectRef>
+      <a:fontRef idx="minor">
+        <a:schemeClr val="lt1"/>
+      </a:fontRef>
+    </dgm:style>
+  </dgm:styleLbl>
+  <dgm:styleLbl name="asst4">
+    <dgm:scene3d>
+      <a:camera prst="orthographicFront"/>
+      <a:lightRig rig="threePt" dir="t"/>
+    </dgm:scene3d>
+    <dgm:sp3d/>
+    <dgm:txPr/>
+    <dgm:style>
+      <a:lnRef idx="2">
+        <a:scrgbClr r="0" g="0" b="0"/>
+      </a:lnRef>
+      <a:fillRef idx="1">
+        <a:scrgbClr r="0" g="0" b="0"/>
+      </a:fillRef>
+      <a:effectRef idx="0">
+        <a:scrgbClr r="0" g="0" b="0"/>
+      </a:effectRef>
+      <a:fontRef idx="minor">
+        <a:schemeClr val="lt1"/>
+      </a:fontRef>
+    </dgm:style>
+  </dgm:styleLbl>
+  <dgm:styleLbl name="parChTrans2D1">
+    <dgm:scene3d>
+      <a:camera prst="orthographicFront"/>
+      <a:lightRig rig="threePt" dir="t"/>
+    </dgm:scene3d>
+    <dgm:sp3d/>
+    <dgm:txPr/>
+    <dgm:style>
+      <a:lnRef idx="2">
+        <a:scrgbClr r="0" g="0" b="0"/>
+      </a:lnRef>
+      <a:fillRef idx="1">
+        <a:scrgbClr r="0" g="0" b="0"/>
+      </a:fillRef>
+      <a:effectRef idx="0">
+        <a:scrgbClr r="0" g="0" b="0"/>
+      </a:effectRef>
+      <a:fontRef idx="minor">
+        <a:schemeClr val="lt1"/>
+      </a:fontRef>
+    </dgm:style>
+  </dgm:styleLbl>
+  <dgm:styleLbl name="parChTrans2D2">
+    <dgm:scene3d>
+      <a:camera prst="orthographicFront"/>
+      <a:lightRig rig="threePt" dir="t"/>
+    </dgm:scene3d>
+    <dgm:sp3d/>
+    <dgm:txPr/>
+    <dgm:style>
+      <a:lnRef idx="2">
+        <a:scrgbClr r="0" g="0" b="0"/>
+      </a:lnRef>
+      <a:fillRef idx="1">
+        <a:scrgbClr r="0" g="0" b="0"/>
+      </a:fillRef>
+      <a:effectRef idx="0">
+        <a:scrgbClr r="0" g="0" b="0"/>
+      </a:effectRef>
+      <a:fontRef idx="minor">
+        <a:schemeClr val="lt1"/>
+      </a:fontRef>
+    </dgm:style>
+  </dgm:styleLbl>
+  <dgm:styleLbl name="parChTrans2D3">
+    <dgm:scene3d>
+      <a:camera prst="orthographicFront"/>
+      <a:lightRig rig="threePt" dir="t"/>
+    </dgm:scene3d>
+    <dgm:sp3d/>
+    <dgm:txPr/>
+    <dgm:style>
+      <a:lnRef idx="2">
+        <a:scrgbClr r="0" g="0" b="0"/>
+      </a:lnRef>
+      <a:fillRef idx="1">
+        <a:scrgbClr r="0" g="0" b="0"/>
+      </a:fillRef>
+      <a:effectRef idx="0">
+        <a:scrgbClr r="0" g="0" b="0"/>
+      </a:effectRef>
+      <a:fontRef idx="minor">
+        <a:schemeClr val="lt1"/>
+      </a:fontRef>
+    </dgm:style>
+  </dgm:styleLbl>
+  <dgm:styleLbl name="parChTrans2D4">
+    <dgm:scene3d>
+      <a:camera prst="orthographicFront"/>
+      <a:lightRig rig="threePt" dir="t"/>
+    </dgm:scene3d>
+    <dgm:sp3d/>
+    <dgm:txPr/>
+    <dgm:style>
+      <a:lnRef idx="2">
+        <a:scrgbClr r="0" g="0" b="0"/>
+      </a:lnRef>
+      <a:fillRef idx="1">
+        <a:scrgbClr r="0" g="0" b="0"/>
+      </a:fillRef>
+      <a:effectRef idx="0">
+        <a:scrgbClr r="0" g="0" b="0"/>
+      </a:effectRef>
+      <a:fontRef idx="minor">
+        <a:schemeClr val="lt1"/>
+      </a:fontRef>
+    </dgm:style>
+  </dgm:styleLbl>
+  <dgm:styleLbl name="parChTrans1D1">
+    <dgm:scene3d>
+      <a:camera prst="orthographicFront"/>
+      <a:lightRig rig="threePt" dir="t"/>
+    </dgm:scene3d>
+    <dgm:sp3d/>
+    <dgm:txPr/>
+    <dgm:style>
+      <a:lnRef idx="2">
+        <a:scrgbClr r="0" g="0" b="0"/>
+      </a:lnRef>
+      <a:fillRef idx="0">
+        <a:scrgbClr r="0" g="0" b="0"/>
+      </a:fillRef>
+      <a:effectRef idx="0">
+        <a:scrgbClr r="0" g="0" b="0"/>
+      </a:effectRef>
+      <a:fontRef idx="minor"/>
+    </dgm:style>
+  </dgm:styleLbl>
+  <dgm:styleLbl name="parChTrans1D2">
+    <dgm:scene3d>
+      <a:camera prst="orthographicFront"/>
+      <a:lightRig rig="threePt" dir="t"/>
+    </dgm:scene3d>
+    <dgm:sp3d/>
+    <dgm:txPr/>
+    <dgm:style>
+      <a:lnRef idx="2">
+        <a:scrgbClr r="0" g="0" b="0"/>
+      </a:lnRef>
+      <a:fillRef idx="0">
+        <a:scrgbClr r="0" g="0" b="0"/>
+      </a:fillRef>
+      <a:effectRef idx="0">
+        <a:scrgbClr r="0" g="0" b="0"/>
+      </a:effectRef>
+      <a:fontRef idx="minor"/>
+    </dgm:style>
+  </dgm:styleLbl>
+  <dgm:styleLbl name="parChTrans1D3">
+    <dgm:scene3d>
+      <a:camera prst="orthographicFront"/>
+      <a:lightRig rig="threePt" dir="t"/>
+    </dgm:scene3d>
+    <dgm:sp3d/>
+    <dgm:txPr/>
+    <dgm:style>
+      <a:lnRef idx="2">
+        <a:scrgbClr r="0" g="0" b="0"/>
+      </a:lnRef>
+      <a:fillRef idx="0">
+        <a:scrgbClr r="0" g="0" b="0"/>
+      </a:fillRef>
+      <a:effectRef idx="0">
+        <a:scrgbClr r="0" g="0" b="0"/>
+      </a:effectRef>
+      <a:fontRef idx="minor"/>
+    </dgm:style>
+  </dgm:styleLbl>
+  <dgm:styleLbl name="parChTrans1D4">
+    <dgm:scene3d>
+      <a:camera prst="orthographicFront"/>
+      <a:lightRig rig="threePt" dir="t"/>
+    </dgm:scene3d>
+    <dgm:sp3d/>
+    <dgm:txPr/>
+    <dgm:style>
+      <a:lnRef idx="2">
+        <a:scrgbClr r="0" g="0" b="0"/>
+      </a:lnRef>
+      <a:fillRef idx="0">
+        <a:scrgbClr r="0" g="0" b="0"/>
+      </a:fillRef>
+      <a:effectRef idx="0">
+        <a:scrgbClr r="0" g="0" b="0"/>
+      </a:effectRef>
+      <a:fontRef idx="minor"/>
+    </dgm:style>
+  </dgm:styleLbl>
+  <dgm:styleLbl name="fgAcc1">
+    <dgm:scene3d>
+      <a:camera prst="orthographicFront"/>
+      <a:lightRig rig="threePt" dir="t"/>
+    </dgm:scene3d>
+    <dgm:sp3d/>
+    <dgm:txPr/>
+    <dgm:style>
+      <a:lnRef idx="2">
+        <a:scrgbClr r="0" g="0" b="0"/>
+      </a:lnRef>
+      <a:fillRef idx="1">
+        <a:scrgbClr r="0" g="0" b="0"/>
+      </a:fillRef>
+      <a:effectRef idx="0">
+        <a:scrgbClr r="0" g="0" b="0"/>
+      </a:effectRef>
+      <a:fontRef idx="minor"/>
+    </dgm:style>
+  </dgm:styleLbl>
+  <dgm:styleLbl name="conFgAcc1">
+    <dgm:scene3d>
+      <a:camera prst="orthographicFront"/>
+      <a:lightRig rig="threePt" dir="t"/>
+    </dgm:scene3d>
+    <dgm:sp3d/>
+    <dgm:txPr/>
+    <dgm:style>
+      <a:lnRef idx="2">
+        <a:scrgbClr r="0" g="0" b="0"/>
+      </a:lnRef>
+      <a:fillRef idx="1">
+        <a:scrgbClr r="0" g="0" b="0"/>
+      </a:fillRef>
+      <a:effectRef idx="0">
+        <a:scrgbClr r="0" g="0" b="0"/>
+      </a:effectRef>
+      <a:fontRef idx="minor"/>
+    </dgm:style>
+  </dgm:styleLbl>
+  <dgm:styleLbl name="alignAcc1">
+    <dgm:scene3d>
+      <a:camera prst="orthographicFront"/>
+      <a:lightRig rig="threePt" dir="t"/>
+    </dgm:scene3d>
+    <dgm:sp3d/>
+    <dgm:txPr/>
+    <dgm:style>
+      <a:lnRef idx="2">
+        <a:scrgbClr r="0" g="0" b="0"/>
+      </a:lnRef>
+      <a:fillRef idx="1">
+        <a:scrgbClr r="0" g="0" b="0"/>
+      </a:fillRef>
+      <a:effectRef idx="0">
+        <a:scrgbClr r="0" g="0" b="0"/>
+      </a:effectRef>
+      <a:fontRef idx="minor"/>
+    </dgm:style>
+  </dgm:styleLbl>
+  <dgm:styleLbl name="trAlignAcc1">
+    <dgm:scene3d>
+      <a:camera prst="orthographicFront"/>
+      <a:lightRig rig="threePt" dir="t"/>
+    </dgm:scene3d>
+    <dgm:sp3d/>
+    <dgm:txPr/>
+    <dgm:style>
+      <a:lnRef idx="1">
+        <a:scrgbClr r="0" g="0" b="0"/>
+      </a:lnRef>
+      <a:fillRef idx="1">
+        <a:scrgbClr r="0" g="0" b="0"/>
+      </a:fillRef>
+      <a:effectRef idx="0">
+        <a:scrgbClr r="0" g="0" b="0"/>
+      </a:effectRef>
+      <a:fontRef idx="minor"/>
+    </dgm:style>
+  </dgm:styleLbl>
+  <dgm:styleLbl name="bgAcc1">
+    <dgm:scene3d>
+      <a:camera prst="orthographicFront"/>
+      <a:lightRig rig="threePt" dir="t"/>
+    </dgm:scene3d>
+    <dgm:sp3d/>
+    <dgm:txPr/>
+    <dgm:style>
+      <a:lnRef idx="2">
+        <a:scrgbClr r="0" g="0" b="0"/>
+      </a:lnRef>
+      <a:fillRef idx="1">
+        <a:scrgbClr r="0" g="0" b="0"/>
+      </a:fillRef>
+      <a:effectRef idx="0">
+        <a:scrgbClr r="0" g="0" b="0"/>
+      </a:effectRef>
+      <a:fontRef idx="minor"/>
+    </dgm:style>
+  </dgm:styleLbl>
+  <dgm:styleLbl name="solidFgAcc1">
+    <dgm:scene3d>
+      <a:camera prst="orthographicFront"/>
+      <a:lightRig rig="threePt" dir="t"/>
+    </dgm:scene3d>
+    <dgm:sp3d/>
+    <dgm:txPr/>
+    <dgm:style>
+      <a:lnRef idx="2">
+        <a:scrgbClr r="0" g="0" b="0"/>
+      </a:lnRef>
+      <a:fillRef idx="1">
+        <a:scrgbClr r="0" g="0" b="0"/>
+      </a:fillRef>
+      <a:effectRef idx="0">
+        <a:scrgbClr r="0" g="0" b="0"/>
+      </a:effectRef>
+      <a:fontRef idx="minor"/>
+    </dgm:style>
+  </dgm:styleLbl>
+  <dgm:styleLbl name="solidAlignAcc1">
+    <dgm:scene3d>
+      <a:camera prst="orthographicFront"/>
+      <a:lightRig rig="threePt" dir="t"/>
+    </dgm:scene3d>
+    <dgm:sp3d/>
+    <dgm:txPr/>
+    <dgm:style>
+      <a:lnRef idx="2">
+        <a:scrgbClr r="0" g="0" b="0"/>
+      </a:lnRef>
+      <a:fillRef idx="1">
+        <a:scrgbClr r="0" g="0" b="0"/>
+      </a:fillRef>
+      <a:effectRef idx="0">
+        <a:scrgbClr r="0" g="0" b="0"/>
+      </a:effectRef>
+      <a:fontRef idx="minor"/>
+    </dgm:style>
+  </dgm:styleLbl>
+  <dgm:styleLbl name="solidBgAcc1">
+    <dgm:scene3d>
+      <a:camera prst="orthographicFront"/>
+      <a:lightRig rig="threePt" dir="t"/>
+    </dgm:scene3d>
+    <dgm:sp3d/>
+    <dgm:txPr/>
+    <dgm:style>
+      <a:lnRef idx="2">
+        <a:scrgbClr r="0" g="0" b="0"/>
+      </a:lnRef>
+      <a:fillRef idx="1">
+        <a:scrgbClr r="0" g="0" b="0"/>
+      </a:fillRef>
+      <a:effectRef idx="0">
+        <a:scrgbClr r="0" g="0" b="0"/>
+      </a:effectRef>
+      <a:fontRef idx="minor"/>
+    </dgm:style>
+  </dgm:styleLbl>
+  <dgm:styleLbl name="fgAccFollowNode1">
+    <dgm:scene3d>
+      <a:camera prst="orthographicFront"/>
+      <a:lightRig rig="threePt" dir="t"/>
+    </dgm:scene3d>
+    <dgm:sp3d/>
+    <dgm:txPr/>
+    <dgm:style>
+      <a:lnRef idx="2">
+        <a:scrgbClr r="0" g="0" b="0"/>
+      </a:lnRef>
+      <a:fillRef idx="1">
+        <a:scrgbClr r="0" g="0" b="0"/>
+      </a:fillRef>
+      <a:effectRef idx="0">
+        <a:scrgbClr r="0" g="0" b="0"/>
+      </a:effectRef>
+      <a:fontRef idx="minor"/>
+    </dgm:style>
+  </dgm:styleLbl>
+  <dgm:styleLbl name="alignAccFollowNode1">
+    <dgm:scene3d>
+      <a:camera prst="orthographicFront"/>
+      <a:lightRig rig="threePt" dir="t"/>
+    </dgm:scene3d>
+    <dgm:sp3d/>
+    <dgm:txPr/>
+    <dgm:style>
+      <a:lnRef idx="2">
+        <a:scrgbClr r="0" g="0" b="0"/>
+      </a:lnRef>
+      <a:fillRef idx="1">
+        <a:scrgbClr r="0" g="0" b="0"/>
+      </a:fillRef>
+      <a:effectRef idx="0">
+        <a:scrgbClr r="0" g="0" b="0"/>
+      </a:effectRef>
+      <a:fontRef idx="minor"/>
+    </dgm:style>
+  </dgm:styleLbl>
+  <dgm:styleLbl name="bgAccFollowNode1">
+    <dgm:scene3d>
+      <a:camera prst="orthographicFront"/>
+      <a:lightRig rig="threePt" dir="t"/>
+    </dgm:scene3d>
+    <dgm:sp3d/>
+    <dgm:txPr/>
+    <dgm:style>
+      <a:lnRef idx="2">
+        <a:scrgbClr r="0" g="0" b="0"/>
+      </a:lnRef>
+      <a:fillRef idx="1">
+        <a:scrgbClr r="0" g="0" b="0"/>
+      </a:fillRef>
+      <a:effectRef idx="0">
+        <a:scrgbClr r="0" g="0" b="0"/>
+      </a:effectRef>
+      <a:fontRef idx="minor"/>
+    </dgm:style>
+  </dgm:styleLbl>
+  <dgm:styleLbl name="fgAcc0">
+    <dgm:scene3d>
+      <a:camera prst="orthographicFront"/>
+      <a:lightRig rig="threePt" dir="t"/>
+    </dgm:scene3d>
+    <dgm:sp3d/>
+    <dgm:txPr/>
+    <dgm:style>
+      <a:lnRef idx="2">
+        <a:scrgbClr r="0" g="0" b="0"/>
+      </a:lnRef>
+      <a:fillRef idx="1">
+        <a:scrgbClr r="0" g="0" b="0"/>
+      </a:fillRef>
+      <a:effectRef idx="0">
+        <a:scrgbClr r="0" g="0" b="0"/>
+      </a:effectRef>
+      <a:fontRef idx="minor"/>
+    </dgm:style>
+  </dgm:styleLbl>
+  <dgm:styleLbl name="fgAcc2">
+    <dgm:scene3d>
+      <a:camera prst="orthographicFront"/>
+      <a:lightRig rig="threePt" dir="t"/>
+    </dgm:scene3d>
+    <dgm:sp3d/>
+    <dgm:txPr/>
+    <dgm:style>
+      <a:lnRef idx="2">
+        <a:scrgbClr r="0" g="0" b="0"/>
+      </a:lnRef>
+      <a:fillRef idx="1">
+        <a:scrgbClr r="0" g="0" b="0"/>
+      </a:fillRef>
+      <a:effectRef idx="0">
+        <a:scrgbClr r="0" g="0" b="0"/>
+      </a:effectRef>
+      <a:fontRef idx="minor"/>
+    </dgm:style>
+  </dgm:styleLbl>
+  <dgm:styleLbl name="fgAcc3">
+    <dgm:scene3d>
+      <a:camera prst="orthographicFront"/>
+      <a:lightRig rig="threePt" dir="t"/>
+    </dgm:scene3d>
+    <dgm:sp3d/>
+    <dgm:txPr/>
+    <dgm:style>
+      <a:lnRef idx="2">
+        <a:scrgbClr r="0" g="0" b="0"/>
+      </a:lnRef>
+      <a:fillRef idx="1">
+        <a:scrgbClr r="0" g="0" b="0"/>
+      </a:fillRef>
+      <a:effectRef idx="0">
+        <a:scrgbClr r="0" g="0" b="0"/>
+      </a:effectRef>
+      <a:fontRef idx="minor"/>
+    </dgm:style>
+  </dgm:styleLbl>
+  <dgm:styleLbl name="fgAcc4">
+    <dgm:scene3d>
+      <a:camera prst="orthographicFront"/>
+      <a:lightRig rig="threePt" dir="t"/>
+    </dgm:scene3d>
+    <dgm:sp3d/>
+    <dgm:txPr/>
+    <dgm:style>
+      <a:lnRef idx="2">
+        <a:scrgbClr r="0" g="0" b="0"/>
+      </a:lnRef>
+      <a:fillRef idx="1">
+        <a:scrgbClr r="0" g="0" b="0"/>
+      </a:fillRef>
+      <a:effectRef idx="0">
+        <a:scrgbClr r="0" g="0" b="0"/>
+      </a:effectRef>
+      <a:fontRef idx="minor"/>
+    </dgm:style>
+  </dgm:styleLbl>
+  <dgm:styleLbl name="bgShp">
+    <dgm:scene3d>
+      <a:camera prst="orthographicFront"/>
+      <a:lightRig rig="threePt" dir="t"/>
+    </dgm:scene3d>
+    <dgm:sp3d/>
+    <dgm:txPr/>
+    <dgm:style>
+      <a:lnRef idx="0">
+        <a:scrgbClr r="0" g="0" b="0"/>
+      </a:lnRef>
+      <a:fillRef idx="1">
+        <a:scrgbClr r="0" g="0" b="0"/>
+      </a:fillRef>
+      <a:effectRef idx="0">
+        <a:scrgbClr r="0" g="0" b="0"/>
+      </a:effectRef>
+      <a:fontRef idx="minor"/>
+    </dgm:style>
+  </dgm:styleLbl>
+  <dgm:styleLbl name="dkBgShp">
+    <dgm:scene3d>
+      <a:camera prst="orthographicFront"/>
+      <a:lightRig rig="threePt" dir="t"/>
+    </dgm:scene3d>
+    <dgm:sp3d/>
+    <dgm:txPr/>
+    <dgm:style>
+      <a:lnRef idx="0">
+        <a:scrgbClr r="0" g="0" b="0"/>
+      </a:lnRef>
+      <a:fillRef idx="1">
+        <a:scrgbClr r="0" g="0" b="0"/>
+      </a:fillRef>
+      <a:effectRef idx="0">
+        <a:scrgbClr r="0" g="0" b="0"/>
+      </a:effectRef>
+      <a:fontRef idx="minor"/>
+    </dgm:style>
+  </dgm:styleLbl>
+  <dgm:styleLbl name="trBgShp">
+    <dgm:scene3d>
+      <a:camera prst="orthographicFront"/>
+      <a:lightRig rig="threePt" dir="t"/>
+    </dgm:scene3d>
+    <dgm:sp3d/>
+    <dgm:txPr/>
+    <dgm:style>
+      <a:lnRef idx="0">
+        <a:scrgbClr r="0" g="0" b="0"/>
+      </a:lnRef>
+      <a:fillRef idx="1">
+        <a:scrgbClr r="0" g="0" b="0"/>
+      </a:fillRef>
+      <a:effectRef idx="0">
+        <a:scrgbClr r="0" g="0" b="0"/>
+      </a:effectRef>
+      <a:fontRef idx="minor"/>
+    </dgm:style>
+  </dgm:styleLbl>
+  <dgm:styleLbl name="fgShp">
+    <dgm:scene3d>
+      <a:camera prst="orthographicFront"/>
+      <a:lightRig rig="threePt" dir="t"/>
+    </dgm:scene3d>
+    <dgm:sp3d/>
+    <dgm:txPr/>
+    <dgm:style>
+      <a:lnRef idx="2">
+        <a:scrgbClr r="0" g="0" b="0"/>
+      </a:lnRef>
+      <a:fillRef idx="1">
+        <a:scrgbClr r="0" g="0" b="0"/>
+      </a:fillRef>
+      <a:effectRef idx="0">
+        <a:scrgbClr r="0" g="0" b="0"/>
+      </a:effectRef>
+      <a:fontRef idx="minor"/>
+    </dgm:style>
+  </dgm:styleLbl>
+  <dgm:styleLbl name="revTx">
+    <dgm:scene3d>
+      <a:camera prst="orthographicFront"/>
+      <a:lightRig rig="threePt" dir="t"/>
+    </dgm:scene3d>
+    <dgm:sp3d/>
+    <dgm:txPr/>
+    <dgm:style>
+      <a:lnRef idx="0">
+        <a:scrgbClr r="0" g="0" b="0"/>
+      </a:lnRef>
+      <a:fillRef idx="0">
+        <a:scrgbClr r="0" g="0" b="0"/>
+      </a:fillRef>
+      <a:effectRef idx="0">
+        <a:scrgbClr r="0" g="0" b="0"/>
+      </a:effectRef>
+      <a:fontRef idx="minor"/>
+    </dgm:style>
+  </dgm:styleLbl>
+</dgm:styleDef>
+</file>
+
+<file path=ppt/diagrams/quickStyle7.xml><?xml version="1.0" encoding="utf-8"?>
 <dgm:styleDef xmlns:dgm="http://schemas.openxmlformats.org/drawingml/2006/diagram" xmlns:a="http://schemas.openxmlformats.org/drawingml/2006/main" uniqueId="urn:microsoft.com/office/officeart/2005/8/quickstyle/simple1">
   <dgm:title val=""/>
   <dgm:desc val=""/>
@@ -22091,7 +24707,7 @@
           <a:p>
             <a:fld id="{CA9931B0-C60F-4F23-B892-72C688795722}" type="datetimeFigureOut">
               <a:rPr lang="ko-KR" altLang="en-US" smtClean="0"/>
-              <a:t>2020-09-03</a:t>
+              <a:t>2020-09-06</a:t>
             </a:fld>
             <a:endParaRPr lang="ko-KR" altLang="en-US"/>
           </a:p>
@@ -22592,7 +25208,7 @@
           <a:p>
             <a:fld id="{5F507879-A33B-4C3D-B11A-121AB4CFB71F}" type="datetimeFigureOut">
               <a:rPr lang="ko-KR" altLang="en-US" smtClean="0"/>
-              <a:t>2020-09-03</a:t>
+              <a:t>2020-09-06</a:t>
             </a:fld>
             <a:endParaRPr lang="ko-KR" altLang="en-US"/>
           </a:p>
@@ -22798,7 +25414,7 @@
           <a:p>
             <a:fld id="{5F507879-A33B-4C3D-B11A-121AB4CFB71F}" type="datetimeFigureOut">
               <a:rPr lang="ko-KR" altLang="en-US" smtClean="0"/>
-              <a:t>2020-09-03</a:t>
+              <a:t>2020-09-06</a:t>
             </a:fld>
             <a:endParaRPr lang="ko-KR" altLang="en-US"/>
           </a:p>
@@ -24125,14 +26741,14 @@
           <p:nvPr>
             <p:extLst>
               <p:ext uri="{D42A27DB-BD31-4B8C-83A1-F6EECF244321}">
-                <p14:modId xmlns:p14="http://schemas.microsoft.com/office/powerpoint/2010/main" val="3391122550"/>
+                <p14:modId xmlns:p14="http://schemas.microsoft.com/office/powerpoint/2010/main" val="2015059960"/>
               </p:ext>
             </p:extLst>
           </p:nvPr>
         </p:nvGraphicFramePr>
         <p:xfrm>
           <a:off x="407368" y="2996952"/>
-          <a:ext cx="11521280" cy="3535953"/>
+          <a:ext cx="8496944" cy="3535953"/>
         </p:xfrm>
         <a:graphic>
           <a:graphicData uri="http://schemas.openxmlformats.org/drawingml/2006/diagram">
@@ -24417,6 +27033,34 @@
           </a:p>
         </p:txBody>
       </p:sp>
+      <p:graphicFrame>
+        <p:nvGraphicFramePr>
+          <p:cNvPr id="4" name="다이어그램 3">
+            <a:extLst>
+              <a:ext uri="{FF2B5EF4-FFF2-40B4-BE49-F238E27FC236}">
+                <a16:creationId xmlns:a16="http://schemas.microsoft.com/office/drawing/2014/main" id="{CF2CC86B-33DC-4F9B-A4A1-F11AE3BFC167}"/>
+              </a:ext>
+            </a:extLst>
+          </p:cNvPr>
+          <p:cNvGraphicFramePr/>
+          <p:nvPr>
+            <p:extLst>
+              <p:ext uri="{D42A27DB-BD31-4B8C-83A1-F6EECF244321}">
+                <p14:modId xmlns:p14="http://schemas.microsoft.com/office/powerpoint/2010/main" val="3484539021"/>
+              </p:ext>
+            </p:extLst>
+          </p:nvPr>
+        </p:nvGraphicFramePr>
+        <p:xfrm>
+          <a:off x="8446731" y="2283028"/>
+          <a:ext cx="3364299" cy="2291943"/>
+        </p:xfrm>
+        <a:graphic>
+          <a:graphicData uri="http://schemas.openxmlformats.org/drawingml/2006/diagram">
+            <dgm:relIds xmlns:dgm="http://schemas.openxmlformats.org/drawingml/2006/diagram" xmlns:r="http://schemas.openxmlformats.org/officeDocument/2006/relationships" r:dm="rId7" r:lo="rId8" r:qs="rId9" r:cs="rId10"/>
+          </a:graphicData>
+        </a:graphic>
+      </p:graphicFrame>
     </p:spTree>
     <p:extLst>
       <p:ext uri="{BB962C8B-B14F-4D97-AF65-F5344CB8AC3E}">

--- a/CIM_V4/src/Cim/Doc/Cim V4 설계.pptx
+++ b/CIM_V4/src/Cim/Doc/Cim V4 설계.pptx
@@ -5,7 +5,7 @@
     <p:sldMasterId id="2147483648" r:id="rId1"/>
   </p:sldMasterIdLst>
   <p:notesMasterIdLst>
-    <p:notesMasterId r:id="rId18"/>
+    <p:notesMasterId r:id="rId19"/>
   </p:notesMasterIdLst>
   <p:sldIdLst>
     <p:sldId id="256" r:id="rId2"/>
@@ -23,7 +23,8 @@
     <p:sldId id="321" r:id="rId14"/>
     <p:sldId id="323" r:id="rId15"/>
     <p:sldId id="324" r:id="rId16"/>
-    <p:sldId id="314" r:id="rId17"/>
+    <p:sldId id="329" r:id="rId17"/>
+    <p:sldId id="314" r:id="rId18"/>
   </p:sldIdLst>
   <p:sldSz cx="12192000" cy="6858000"/>
   <p:notesSz cx="6858000" cy="9144000"/>
@@ -160,6 +161,11 @@
             <p14:sldId id="324"/>
           </p14:sldIdLst>
         </p14:section>
+        <p14:section name="기타" id="{68695C98-D0A4-445F-AB33-E90765ADD2A4}">
+          <p14:sldIdLst>
+            <p14:sldId id="329"/>
+          </p14:sldIdLst>
+        </p14:section>
         <p14:section name="QnA" id="{941A9599-023B-4A32-ACBC-40BE01D723E1}">
           <p14:sldIdLst>
             <p14:sldId id="314"/>
@@ -5542,6 +5548,1500 @@
 </file>
 
 <file path=ppt/diagrams/colors7.xml><?xml version="1.0" encoding="utf-8"?>
+<dgm:colorsDef xmlns:dgm="http://schemas.openxmlformats.org/drawingml/2006/diagram" xmlns:a="http://schemas.openxmlformats.org/drawingml/2006/main" uniqueId="urn:microsoft.com/office/officeart/2005/8/colors/accent1_2">
+  <dgm:title val=""/>
+  <dgm:desc val=""/>
+  <dgm:catLst>
+    <dgm:cat type="accent1" pri="11200"/>
+  </dgm:catLst>
+  <dgm:styleLbl name="node0">
+    <dgm:fillClrLst meth="repeat">
+      <a:schemeClr val="accent1"/>
+    </dgm:fillClrLst>
+    <dgm:linClrLst meth="repeat">
+      <a:schemeClr val="lt1"/>
+    </dgm:linClrLst>
+    <dgm:effectClrLst/>
+    <dgm:txLinClrLst/>
+    <dgm:txFillClrLst/>
+    <dgm:txEffectClrLst/>
+  </dgm:styleLbl>
+  <dgm:styleLbl name="alignNode1">
+    <dgm:fillClrLst meth="repeat">
+      <a:schemeClr val="accent1"/>
+    </dgm:fillClrLst>
+    <dgm:linClrLst meth="repeat">
+      <a:schemeClr val="accent1"/>
+    </dgm:linClrLst>
+    <dgm:effectClrLst/>
+    <dgm:txLinClrLst/>
+    <dgm:txFillClrLst/>
+    <dgm:txEffectClrLst/>
+  </dgm:styleLbl>
+  <dgm:styleLbl name="node1">
+    <dgm:fillClrLst meth="repeat">
+      <a:schemeClr val="accent1"/>
+    </dgm:fillClrLst>
+    <dgm:linClrLst meth="repeat">
+      <a:schemeClr val="lt1"/>
+    </dgm:linClrLst>
+    <dgm:effectClrLst/>
+    <dgm:txLinClrLst/>
+    <dgm:txFillClrLst/>
+    <dgm:txEffectClrLst/>
+  </dgm:styleLbl>
+  <dgm:styleLbl name="lnNode1">
+    <dgm:fillClrLst meth="repeat">
+      <a:schemeClr val="accent1"/>
+    </dgm:fillClrLst>
+    <dgm:linClrLst meth="repeat">
+      <a:schemeClr val="lt1"/>
+    </dgm:linClrLst>
+    <dgm:effectClrLst/>
+    <dgm:txLinClrLst/>
+    <dgm:txFillClrLst/>
+    <dgm:txEffectClrLst/>
+  </dgm:styleLbl>
+  <dgm:styleLbl name="vennNode1">
+    <dgm:fillClrLst meth="repeat">
+      <a:schemeClr val="accent1">
+        <a:alpha val="50000"/>
+      </a:schemeClr>
+    </dgm:fillClrLst>
+    <dgm:linClrLst meth="repeat">
+      <a:schemeClr val="lt1"/>
+    </dgm:linClrLst>
+    <dgm:effectClrLst/>
+    <dgm:txLinClrLst/>
+    <dgm:txFillClrLst/>
+    <dgm:txEffectClrLst/>
+  </dgm:styleLbl>
+  <dgm:styleLbl name="node2">
+    <dgm:fillClrLst meth="repeat">
+      <a:schemeClr val="accent1"/>
+    </dgm:fillClrLst>
+    <dgm:linClrLst meth="repeat">
+      <a:schemeClr val="lt1"/>
+    </dgm:linClrLst>
+    <dgm:effectClrLst/>
+    <dgm:txLinClrLst/>
+    <dgm:txFillClrLst/>
+    <dgm:txEffectClrLst/>
+  </dgm:styleLbl>
+  <dgm:styleLbl name="node3">
+    <dgm:fillClrLst meth="repeat">
+      <a:schemeClr val="accent1"/>
+    </dgm:fillClrLst>
+    <dgm:linClrLst meth="repeat">
+      <a:schemeClr val="lt1"/>
+    </dgm:linClrLst>
+    <dgm:effectClrLst/>
+    <dgm:txLinClrLst/>
+    <dgm:txFillClrLst/>
+    <dgm:txEffectClrLst/>
+  </dgm:styleLbl>
+  <dgm:styleLbl name="node4">
+    <dgm:fillClrLst meth="repeat">
+      <a:schemeClr val="accent1"/>
+    </dgm:fillClrLst>
+    <dgm:linClrLst meth="repeat">
+      <a:schemeClr val="lt1"/>
+    </dgm:linClrLst>
+    <dgm:effectClrLst/>
+    <dgm:txLinClrLst/>
+    <dgm:txFillClrLst/>
+    <dgm:txEffectClrLst/>
+  </dgm:styleLbl>
+  <dgm:styleLbl name="fgImgPlace1">
+    <dgm:fillClrLst meth="repeat">
+      <a:schemeClr val="accent1">
+        <a:tint val="50000"/>
+      </a:schemeClr>
+    </dgm:fillClrLst>
+    <dgm:linClrLst meth="repeat">
+      <a:schemeClr val="lt1"/>
+    </dgm:linClrLst>
+    <dgm:effectClrLst/>
+    <dgm:txLinClrLst/>
+    <dgm:txFillClrLst meth="repeat">
+      <a:schemeClr val="lt1"/>
+    </dgm:txFillClrLst>
+    <dgm:txEffectClrLst/>
+  </dgm:styleLbl>
+  <dgm:styleLbl name="alignImgPlace1">
+    <dgm:fillClrLst meth="repeat">
+      <a:schemeClr val="accent1">
+        <a:tint val="50000"/>
+      </a:schemeClr>
+    </dgm:fillClrLst>
+    <dgm:linClrLst meth="repeat">
+      <a:schemeClr val="lt1"/>
+    </dgm:linClrLst>
+    <dgm:effectClrLst/>
+    <dgm:txLinClrLst/>
+    <dgm:txFillClrLst meth="repeat">
+      <a:schemeClr val="lt1"/>
+    </dgm:txFillClrLst>
+    <dgm:txEffectClrLst/>
+  </dgm:styleLbl>
+  <dgm:styleLbl name="bgImgPlace1">
+    <dgm:fillClrLst meth="repeat">
+      <a:schemeClr val="accent1">
+        <a:tint val="50000"/>
+      </a:schemeClr>
+    </dgm:fillClrLst>
+    <dgm:linClrLst meth="repeat">
+      <a:schemeClr val="lt1"/>
+    </dgm:linClrLst>
+    <dgm:effectClrLst/>
+    <dgm:txLinClrLst/>
+    <dgm:txFillClrLst meth="repeat">
+      <a:schemeClr val="lt1"/>
+    </dgm:txFillClrLst>
+    <dgm:txEffectClrLst/>
+  </dgm:styleLbl>
+  <dgm:styleLbl name="sibTrans2D1">
+    <dgm:fillClrLst meth="repeat">
+      <a:schemeClr val="accent1">
+        <a:tint val="60000"/>
+      </a:schemeClr>
+    </dgm:fillClrLst>
+    <dgm:linClrLst meth="repeat">
+      <a:schemeClr val="accent1">
+        <a:tint val="60000"/>
+      </a:schemeClr>
+    </dgm:linClrLst>
+    <dgm:effectClrLst/>
+    <dgm:txLinClrLst/>
+    <dgm:txFillClrLst/>
+    <dgm:txEffectClrLst/>
+  </dgm:styleLbl>
+  <dgm:styleLbl name="fgSibTrans2D1">
+    <dgm:fillClrLst meth="repeat">
+      <a:schemeClr val="accent1">
+        <a:tint val="60000"/>
+      </a:schemeClr>
+    </dgm:fillClrLst>
+    <dgm:linClrLst meth="repeat">
+      <a:schemeClr val="accent1">
+        <a:tint val="60000"/>
+      </a:schemeClr>
+    </dgm:linClrLst>
+    <dgm:effectClrLst/>
+    <dgm:txLinClrLst/>
+    <dgm:txFillClrLst/>
+    <dgm:txEffectClrLst/>
+  </dgm:styleLbl>
+  <dgm:styleLbl name="bgSibTrans2D1">
+    <dgm:fillClrLst meth="repeat">
+      <a:schemeClr val="accent1">
+        <a:tint val="60000"/>
+      </a:schemeClr>
+    </dgm:fillClrLst>
+    <dgm:linClrLst meth="repeat">
+      <a:schemeClr val="accent1">
+        <a:tint val="60000"/>
+      </a:schemeClr>
+    </dgm:linClrLst>
+    <dgm:effectClrLst/>
+    <dgm:txLinClrLst/>
+    <dgm:txFillClrLst/>
+    <dgm:txEffectClrLst/>
+  </dgm:styleLbl>
+  <dgm:styleLbl name="sibTrans1D1">
+    <dgm:fillClrLst meth="repeat">
+      <a:schemeClr val="accent1"/>
+    </dgm:fillClrLst>
+    <dgm:linClrLst meth="repeat">
+      <a:schemeClr val="accent1"/>
+    </dgm:linClrLst>
+    <dgm:effectClrLst/>
+    <dgm:txLinClrLst/>
+    <dgm:txFillClrLst meth="repeat">
+      <a:schemeClr val="tx1"/>
+    </dgm:txFillClrLst>
+    <dgm:txEffectClrLst/>
+  </dgm:styleLbl>
+  <dgm:styleLbl name="callout">
+    <dgm:fillClrLst meth="repeat">
+      <a:schemeClr val="accent1"/>
+    </dgm:fillClrLst>
+    <dgm:linClrLst meth="repeat">
+      <a:schemeClr val="accent1">
+        <a:tint val="50000"/>
+      </a:schemeClr>
+    </dgm:linClrLst>
+    <dgm:effectClrLst/>
+    <dgm:txLinClrLst/>
+    <dgm:txFillClrLst meth="repeat">
+      <a:schemeClr val="tx1"/>
+    </dgm:txFillClrLst>
+    <dgm:txEffectClrLst/>
+  </dgm:styleLbl>
+  <dgm:styleLbl name="asst0">
+    <dgm:fillClrLst meth="repeat">
+      <a:schemeClr val="accent1"/>
+    </dgm:fillClrLst>
+    <dgm:linClrLst meth="repeat">
+      <a:schemeClr val="lt1"/>
+    </dgm:linClrLst>
+    <dgm:effectClrLst/>
+    <dgm:txLinClrLst/>
+    <dgm:txFillClrLst/>
+    <dgm:txEffectClrLst/>
+  </dgm:styleLbl>
+  <dgm:styleLbl name="asst1">
+    <dgm:fillClrLst meth="repeat">
+      <a:schemeClr val="accent1"/>
+    </dgm:fillClrLst>
+    <dgm:linClrLst meth="repeat">
+      <a:schemeClr val="lt1"/>
+    </dgm:linClrLst>
+    <dgm:effectClrLst/>
+    <dgm:txLinClrLst/>
+    <dgm:txFillClrLst/>
+    <dgm:txEffectClrLst/>
+  </dgm:styleLbl>
+  <dgm:styleLbl name="asst2">
+    <dgm:fillClrLst meth="repeat">
+      <a:schemeClr val="accent1"/>
+    </dgm:fillClrLst>
+    <dgm:linClrLst meth="repeat">
+      <a:schemeClr val="lt1"/>
+    </dgm:linClrLst>
+    <dgm:effectClrLst/>
+    <dgm:txLinClrLst/>
+    <dgm:txFillClrLst/>
+    <dgm:txEffectClrLst/>
+  </dgm:styleLbl>
+  <dgm:styleLbl name="asst3">
+    <dgm:fillClrLst meth="repeat">
+      <a:schemeClr val="accent1"/>
+    </dgm:fillClrLst>
+    <dgm:linClrLst meth="repeat">
+      <a:schemeClr val="lt1"/>
+    </dgm:linClrLst>
+    <dgm:effectClrLst/>
+    <dgm:txLinClrLst/>
+    <dgm:txFillClrLst/>
+    <dgm:txEffectClrLst/>
+  </dgm:styleLbl>
+  <dgm:styleLbl name="asst4">
+    <dgm:fillClrLst meth="repeat">
+      <a:schemeClr val="accent1"/>
+    </dgm:fillClrLst>
+    <dgm:linClrLst meth="repeat">
+      <a:schemeClr val="lt1"/>
+    </dgm:linClrLst>
+    <dgm:effectClrLst/>
+    <dgm:txLinClrLst/>
+    <dgm:txFillClrLst/>
+    <dgm:txEffectClrLst/>
+  </dgm:styleLbl>
+  <dgm:styleLbl name="parChTrans2D1">
+    <dgm:fillClrLst meth="repeat">
+      <a:schemeClr val="accent1">
+        <a:tint val="60000"/>
+      </a:schemeClr>
+    </dgm:fillClrLst>
+    <dgm:linClrLst meth="repeat">
+      <a:schemeClr val="accent1">
+        <a:tint val="60000"/>
+      </a:schemeClr>
+    </dgm:linClrLst>
+    <dgm:effectClrLst/>
+    <dgm:txLinClrLst/>
+    <dgm:txFillClrLst meth="repeat">
+      <a:schemeClr val="lt1"/>
+    </dgm:txFillClrLst>
+    <dgm:txEffectClrLst/>
+  </dgm:styleLbl>
+  <dgm:styleLbl name="parChTrans2D2">
+    <dgm:fillClrLst meth="repeat">
+      <a:schemeClr val="accent1"/>
+    </dgm:fillClrLst>
+    <dgm:linClrLst meth="repeat">
+      <a:schemeClr val="accent1"/>
+    </dgm:linClrLst>
+    <dgm:effectClrLst/>
+    <dgm:txLinClrLst/>
+    <dgm:txFillClrLst meth="repeat">
+      <a:schemeClr val="lt1"/>
+    </dgm:txFillClrLst>
+    <dgm:txEffectClrLst/>
+  </dgm:styleLbl>
+  <dgm:styleLbl name="parChTrans2D3">
+    <dgm:fillClrLst meth="repeat">
+      <a:schemeClr val="accent1"/>
+    </dgm:fillClrLst>
+    <dgm:linClrLst meth="repeat">
+      <a:schemeClr val="accent1"/>
+    </dgm:linClrLst>
+    <dgm:effectClrLst/>
+    <dgm:txLinClrLst/>
+    <dgm:txFillClrLst meth="repeat">
+      <a:schemeClr val="lt1"/>
+    </dgm:txFillClrLst>
+    <dgm:txEffectClrLst/>
+  </dgm:styleLbl>
+  <dgm:styleLbl name="parChTrans2D4">
+    <dgm:fillClrLst meth="repeat">
+      <a:schemeClr val="accent1"/>
+    </dgm:fillClrLst>
+    <dgm:linClrLst meth="repeat">
+      <a:schemeClr val="accent1"/>
+    </dgm:linClrLst>
+    <dgm:effectClrLst/>
+    <dgm:txLinClrLst/>
+    <dgm:txFillClrLst meth="repeat">
+      <a:schemeClr val="lt1"/>
+    </dgm:txFillClrLst>
+    <dgm:txEffectClrLst/>
+  </dgm:styleLbl>
+  <dgm:styleLbl name="parChTrans1D1">
+    <dgm:fillClrLst meth="repeat">
+      <a:schemeClr val="accent1"/>
+    </dgm:fillClrLst>
+    <dgm:linClrLst meth="repeat">
+      <a:schemeClr val="accent1">
+        <a:shade val="60000"/>
+      </a:schemeClr>
+    </dgm:linClrLst>
+    <dgm:effectClrLst/>
+    <dgm:txLinClrLst/>
+    <dgm:txFillClrLst meth="repeat">
+      <a:schemeClr val="tx1"/>
+    </dgm:txFillClrLst>
+    <dgm:txEffectClrLst/>
+  </dgm:styleLbl>
+  <dgm:styleLbl name="parChTrans1D2">
+    <dgm:fillClrLst meth="repeat">
+      <a:schemeClr val="accent1"/>
+    </dgm:fillClrLst>
+    <dgm:linClrLst meth="repeat">
+      <a:schemeClr val="accent1">
+        <a:shade val="60000"/>
+      </a:schemeClr>
+    </dgm:linClrLst>
+    <dgm:effectClrLst/>
+    <dgm:txLinClrLst/>
+    <dgm:txFillClrLst meth="repeat">
+      <a:schemeClr val="tx1"/>
+    </dgm:txFillClrLst>
+    <dgm:txEffectClrLst/>
+  </dgm:styleLbl>
+  <dgm:styleLbl name="parChTrans1D3">
+    <dgm:fillClrLst meth="repeat">
+      <a:schemeClr val="accent1"/>
+    </dgm:fillClrLst>
+    <dgm:linClrLst meth="repeat">
+      <a:schemeClr val="accent1">
+        <a:shade val="80000"/>
+      </a:schemeClr>
+    </dgm:linClrLst>
+    <dgm:effectClrLst/>
+    <dgm:txLinClrLst/>
+    <dgm:txFillClrLst meth="repeat">
+      <a:schemeClr val="tx1"/>
+    </dgm:txFillClrLst>
+    <dgm:txEffectClrLst/>
+  </dgm:styleLbl>
+  <dgm:styleLbl name="parChTrans1D4">
+    <dgm:fillClrLst meth="repeat">
+      <a:schemeClr val="accent1"/>
+    </dgm:fillClrLst>
+    <dgm:linClrLst meth="repeat">
+      <a:schemeClr val="accent1">
+        <a:shade val="80000"/>
+      </a:schemeClr>
+    </dgm:linClrLst>
+    <dgm:effectClrLst/>
+    <dgm:txLinClrLst/>
+    <dgm:txFillClrLst meth="repeat">
+      <a:schemeClr val="tx1"/>
+    </dgm:txFillClrLst>
+    <dgm:txEffectClrLst/>
+  </dgm:styleLbl>
+  <dgm:styleLbl name="fgAcc1">
+    <dgm:fillClrLst meth="repeat">
+      <a:schemeClr val="lt1">
+        <a:alpha val="90000"/>
+      </a:schemeClr>
+    </dgm:fillClrLst>
+    <dgm:linClrLst meth="repeat">
+      <a:schemeClr val="accent1"/>
+    </dgm:linClrLst>
+    <dgm:effectClrLst/>
+    <dgm:txLinClrLst/>
+    <dgm:txFillClrLst meth="repeat">
+      <a:schemeClr val="dk1"/>
+    </dgm:txFillClrLst>
+    <dgm:txEffectClrLst/>
+  </dgm:styleLbl>
+  <dgm:styleLbl name="conFgAcc1">
+    <dgm:fillClrLst meth="repeat">
+      <a:schemeClr val="lt1">
+        <a:alpha val="90000"/>
+      </a:schemeClr>
+    </dgm:fillClrLst>
+    <dgm:linClrLst meth="repeat">
+      <a:schemeClr val="accent1"/>
+    </dgm:linClrLst>
+    <dgm:effectClrLst/>
+    <dgm:txLinClrLst/>
+    <dgm:txFillClrLst meth="repeat">
+      <a:schemeClr val="dk1"/>
+    </dgm:txFillClrLst>
+    <dgm:txEffectClrLst/>
+  </dgm:styleLbl>
+  <dgm:styleLbl name="alignAcc1">
+    <dgm:fillClrLst meth="repeat">
+      <a:schemeClr val="lt1">
+        <a:alpha val="90000"/>
+      </a:schemeClr>
+    </dgm:fillClrLst>
+    <dgm:linClrLst meth="repeat">
+      <a:schemeClr val="accent1"/>
+    </dgm:linClrLst>
+    <dgm:effectClrLst/>
+    <dgm:txLinClrLst/>
+    <dgm:txFillClrLst meth="repeat">
+      <a:schemeClr val="dk1"/>
+    </dgm:txFillClrLst>
+    <dgm:txEffectClrLst/>
+  </dgm:styleLbl>
+  <dgm:styleLbl name="trAlignAcc1">
+    <dgm:fillClrLst meth="repeat">
+      <a:schemeClr val="lt1">
+        <a:alpha val="40000"/>
+      </a:schemeClr>
+    </dgm:fillClrLst>
+    <dgm:linClrLst meth="repeat">
+      <a:schemeClr val="accent1"/>
+    </dgm:linClrLst>
+    <dgm:effectClrLst/>
+    <dgm:txLinClrLst/>
+    <dgm:txFillClrLst meth="repeat">
+      <a:schemeClr val="dk1"/>
+    </dgm:txFillClrLst>
+    <dgm:txEffectClrLst/>
+  </dgm:styleLbl>
+  <dgm:styleLbl name="bgAcc1">
+    <dgm:fillClrLst meth="repeat">
+      <a:schemeClr val="lt1">
+        <a:alpha val="90000"/>
+      </a:schemeClr>
+    </dgm:fillClrLst>
+    <dgm:linClrLst meth="repeat">
+      <a:schemeClr val="accent1"/>
+    </dgm:linClrLst>
+    <dgm:effectClrLst/>
+    <dgm:txLinClrLst/>
+    <dgm:txFillClrLst meth="repeat">
+      <a:schemeClr val="dk1"/>
+    </dgm:txFillClrLst>
+    <dgm:txEffectClrLst/>
+  </dgm:styleLbl>
+  <dgm:styleLbl name="solidFgAcc1">
+    <dgm:fillClrLst meth="repeat">
+      <a:schemeClr val="lt1"/>
+    </dgm:fillClrLst>
+    <dgm:linClrLst meth="repeat">
+      <a:schemeClr val="accent1"/>
+    </dgm:linClrLst>
+    <dgm:effectClrLst/>
+    <dgm:txLinClrLst/>
+    <dgm:txFillClrLst meth="repeat">
+      <a:schemeClr val="dk1"/>
+    </dgm:txFillClrLst>
+    <dgm:txEffectClrLst/>
+  </dgm:styleLbl>
+  <dgm:styleLbl name="solidAlignAcc1">
+    <dgm:fillClrLst meth="repeat">
+      <a:schemeClr val="lt1"/>
+    </dgm:fillClrLst>
+    <dgm:linClrLst meth="repeat">
+      <a:schemeClr val="accent1"/>
+    </dgm:linClrLst>
+    <dgm:effectClrLst/>
+    <dgm:txLinClrLst/>
+    <dgm:txFillClrLst meth="repeat">
+      <a:schemeClr val="dk1"/>
+    </dgm:txFillClrLst>
+    <dgm:txEffectClrLst/>
+  </dgm:styleLbl>
+  <dgm:styleLbl name="solidBgAcc1">
+    <dgm:fillClrLst meth="repeat">
+      <a:schemeClr val="lt1"/>
+    </dgm:fillClrLst>
+    <dgm:linClrLst meth="repeat">
+      <a:schemeClr val="accent1"/>
+    </dgm:linClrLst>
+    <dgm:effectClrLst/>
+    <dgm:txLinClrLst/>
+    <dgm:txFillClrLst meth="repeat">
+      <a:schemeClr val="dk1"/>
+    </dgm:txFillClrLst>
+    <dgm:txEffectClrLst/>
+  </dgm:styleLbl>
+  <dgm:styleLbl name="fgAccFollowNode1">
+    <dgm:fillClrLst meth="repeat">
+      <a:schemeClr val="accent1">
+        <a:alpha val="90000"/>
+        <a:tint val="40000"/>
+      </a:schemeClr>
+    </dgm:fillClrLst>
+    <dgm:linClrLst meth="repeat">
+      <a:schemeClr val="accent1">
+        <a:alpha val="90000"/>
+        <a:tint val="40000"/>
+      </a:schemeClr>
+    </dgm:linClrLst>
+    <dgm:effectClrLst/>
+    <dgm:txLinClrLst/>
+    <dgm:txFillClrLst meth="repeat">
+      <a:schemeClr val="dk1"/>
+    </dgm:txFillClrLst>
+    <dgm:txEffectClrLst/>
+  </dgm:styleLbl>
+  <dgm:styleLbl name="alignAccFollowNode1">
+    <dgm:fillClrLst meth="repeat">
+      <a:schemeClr val="accent1">
+        <a:alpha val="90000"/>
+        <a:tint val="40000"/>
+      </a:schemeClr>
+    </dgm:fillClrLst>
+    <dgm:linClrLst meth="repeat">
+      <a:schemeClr val="accent1">
+        <a:alpha val="90000"/>
+        <a:tint val="40000"/>
+      </a:schemeClr>
+    </dgm:linClrLst>
+    <dgm:effectClrLst/>
+    <dgm:txLinClrLst/>
+    <dgm:txFillClrLst meth="repeat">
+      <a:schemeClr val="dk1"/>
+    </dgm:txFillClrLst>
+    <dgm:txEffectClrLst/>
+  </dgm:styleLbl>
+  <dgm:styleLbl name="bgAccFollowNode1">
+    <dgm:fillClrLst meth="repeat">
+      <a:schemeClr val="accent1">
+        <a:alpha val="90000"/>
+        <a:tint val="40000"/>
+      </a:schemeClr>
+    </dgm:fillClrLst>
+    <dgm:linClrLst meth="repeat">
+      <a:schemeClr val="accent1">
+        <a:alpha val="90000"/>
+        <a:tint val="40000"/>
+      </a:schemeClr>
+    </dgm:linClrLst>
+    <dgm:effectClrLst/>
+    <dgm:txLinClrLst/>
+    <dgm:txFillClrLst meth="repeat">
+      <a:schemeClr val="dk1"/>
+    </dgm:txFillClrLst>
+    <dgm:txEffectClrLst/>
+  </dgm:styleLbl>
+  <dgm:styleLbl name="fgAcc0">
+    <dgm:fillClrLst meth="repeat">
+      <a:schemeClr val="lt1">
+        <a:alpha val="90000"/>
+      </a:schemeClr>
+    </dgm:fillClrLst>
+    <dgm:linClrLst meth="repeat">
+      <a:schemeClr val="accent1"/>
+    </dgm:linClrLst>
+    <dgm:effectClrLst/>
+    <dgm:txLinClrLst/>
+    <dgm:txFillClrLst meth="repeat">
+      <a:schemeClr val="dk1"/>
+    </dgm:txFillClrLst>
+    <dgm:txEffectClrLst/>
+  </dgm:styleLbl>
+  <dgm:styleLbl name="fgAcc2">
+    <dgm:fillClrLst meth="repeat">
+      <a:schemeClr val="lt1">
+        <a:alpha val="90000"/>
+      </a:schemeClr>
+    </dgm:fillClrLst>
+    <dgm:linClrLst meth="repeat">
+      <a:schemeClr val="accent1"/>
+    </dgm:linClrLst>
+    <dgm:effectClrLst/>
+    <dgm:txLinClrLst/>
+    <dgm:txFillClrLst meth="repeat">
+      <a:schemeClr val="dk1"/>
+    </dgm:txFillClrLst>
+    <dgm:txEffectClrLst/>
+  </dgm:styleLbl>
+  <dgm:styleLbl name="fgAcc3">
+    <dgm:fillClrLst meth="repeat">
+      <a:schemeClr val="lt1">
+        <a:alpha val="90000"/>
+      </a:schemeClr>
+    </dgm:fillClrLst>
+    <dgm:linClrLst meth="repeat">
+      <a:schemeClr val="accent1"/>
+    </dgm:linClrLst>
+    <dgm:effectClrLst/>
+    <dgm:txLinClrLst/>
+    <dgm:txFillClrLst meth="repeat">
+      <a:schemeClr val="dk1"/>
+    </dgm:txFillClrLst>
+    <dgm:txEffectClrLst/>
+  </dgm:styleLbl>
+  <dgm:styleLbl name="fgAcc4">
+    <dgm:fillClrLst meth="repeat">
+      <a:schemeClr val="lt1">
+        <a:alpha val="90000"/>
+      </a:schemeClr>
+    </dgm:fillClrLst>
+    <dgm:linClrLst meth="repeat">
+      <a:schemeClr val="accent1"/>
+    </dgm:linClrLst>
+    <dgm:effectClrLst/>
+    <dgm:txLinClrLst/>
+    <dgm:txFillClrLst meth="repeat">
+      <a:schemeClr val="dk1"/>
+    </dgm:txFillClrLst>
+    <dgm:txEffectClrLst/>
+  </dgm:styleLbl>
+  <dgm:styleLbl name="bgShp">
+    <dgm:fillClrLst meth="repeat">
+      <a:schemeClr val="accent1">
+        <a:tint val="40000"/>
+      </a:schemeClr>
+    </dgm:fillClrLst>
+    <dgm:linClrLst meth="repeat">
+      <a:schemeClr val="accent1"/>
+    </dgm:linClrLst>
+    <dgm:effectClrLst/>
+    <dgm:txLinClrLst/>
+    <dgm:txFillClrLst meth="repeat">
+      <a:schemeClr val="dk1"/>
+    </dgm:txFillClrLst>
+    <dgm:txEffectClrLst/>
+  </dgm:styleLbl>
+  <dgm:styleLbl name="dkBgShp">
+    <dgm:fillClrLst meth="repeat">
+      <a:schemeClr val="accent1">
+        <a:shade val="80000"/>
+      </a:schemeClr>
+    </dgm:fillClrLst>
+    <dgm:linClrLst meth="repeat">
+      <a:schemeClr val="accent1"/>
+    </dgm:linClrLst>
+    <dgm:effectClrLst/>
+    <dgm:txLinClrLst/>
+    <dgm:txFillClrLst meth="repeat">
+      <a:schemeClr val="lt1"/>
+    </dgm:txFillClrLst>
+    <dgm:txEffectClrLst/>
+  </dgm:styleLbl>
+  <dgm:styleLbl name="trBgShp">
+    <dgm:fillClrLst meth="repeat">
+      <a:schemeClr val="accent1">
+        <a:tint val="50000"/>
+        <a:alpha val="40000"/>
+      </a:schemeClr>
+    </dgm:fillClrLst>
+    <dgm:linClrLst meth="repeat">
+      <a:schemeClr val="accent1"/>
+    </dgm:linClrLst>
+    <dgm:effectClrLst/>
+    <dgm:txLinClrLst/>
+    <dgm:txFillClrLst meth="repeat">
+      <a:schemeClr val="lt1"/>
+    </dgm:txFillClrLst>
+    <dgm:txEffectClrLst/>
+  </dgm:styleLbl>
+  <dgm:styleLbl name="fgShp">
+    <dgm:fillClrLst meth="repeat">
+      <a:schemeClr val="accent1">
+        <a:tint val="60000"/>
+      </a:schemeClr>
+    </dgm:fillClrLst>
+    <dgm:linClrLst meth="repeat">
+      <a:schemeClr val="lt1"/>
+    </dgm:linClrLst>
+    <dgm:effectClrLst/>
+    <dgm:txLinClrLst/>
+    <dgm:txFillClrLst meth="repeat">
+      <a:schemeClr val="dk1"/>
+    </dgm:txFillClrLst>
+    <dgm:txEffectClrLst/>
+  </dgm:styleLbl>
+  <dgm:styleLbl name="revTx">
+    <dgm:fillClrLst meth="repeat">
+      <a:schemeClr val="lt1">
+        <a:alpha val="0"/>
+      </a:schemeClr>
+    </dgm:fillClrLst>
+    <dgm:linClrLst meth="repeat">
+      <a:schemeClr val="dk1">
+        <a:alpha val="0"/>
+      </a:schemeClr>
+    </dgm:linClrLst>
+    <dgm:effectClrLst/>
+    <dgm:txLinClrLst/>
+    <dgm:txFillClrLst meth="repeat">
+      <a:schemeClr val="tx1"/>
+    </dgm:txFillClrLst>
+    <dgm:txEffectClrLst/>
+  </dgm:styleLbl>
+</dgm:colorsDef>
+</file>
+
+<file path=ppt/diagrams/colors8.xml><?xml version="1.0" encoding="utf-8"?>
+<dgm:colorsDef xmlns:dgm="http://schemas.openxmlformats.org/drawingml/2006/diagram" xmlns:a="http://schemas.openxmlformats.org/drawingml/2006/main" uniqueId="urn:microsoft.com/office/officeart/2005/8/colors/accent1_2">
+  <dgm:title val=""/>
+  <dgm:desc val=""/>
+  <dgm:catLst>
+    <dgm:cat type="accent1" pri="11200"/>
+  </dgm:catLst>
+  <dgm:styleLbl name="node0">
+    <dgm:fillClrLst meth="repeat">
+      <a:schemeClr val="accent1"/>
+    </dgm:fillClrLst>
+    <dgm:linClrLst meth="repeat">
+      <a:schemeClr val="lt1"/>
+    </dgm:linClrLst>
+    <dgm:effectClrLst/>
+    <dgm:txLinClrLst/>
+    <dgm:txFillClrLst/>
+    <dgm:txEffectClrLst/>
+  </dgm:styleLbl>
+  <dgm:styleLbl name="alignNode1">
+    <dgm:fillClrLst meth="repeat">
+      <a:schemeClr val="accent1"/>
+    </dgm:fillClrLst>
+    <dgm:linClrLst meth="repeat">
+      <a:schemeClr val="accent1"/>
+    </dgm:linClrLst>
+    <dgm:effectClrLst/>
+    <dgm:txLinClrLst/>
+    <dgm:txFillClrLst/>
+    <dgm:txEffectClrLst/>
+  </dgm:styleLbl>
+  <dgm:styleLbl name="node1">
+    <dgm:fillClrLst meth="repeat">
+      <a:schemeClr val="accent1"/>
+    </dgm:fillClrLst>
+    <dgm:linClrLst meth="repeat">
+      <a:schemeClr val="lt1"/>
+    </dgm:linClrLst>
+    <dgm:effectClrLst/>
+    <dgm:txLinClrLst/>
+    <dgm:txFillClrLst/>
+    <dgm:txEffectClrLst/>
+  </dgm:styleLbl>
+  <dgm:styleLbl name="lnNode1">
+    <dgm:fillClrLst meth="repeat">
+      <a:schemeClr val="accent1"/>
+    </dgm:fillClrLst>
+    <dgm:linClrLst meth="repeat">
+      <a:schemeClr val="lt1"/>
+    </dgm:linClrLst>
+    <dgm:effectClrLst/>
+    <dgm:txLinClrLst/>
+    <dgm:txFillClrLst/>
+    <dgm:txEffectClrLst/>
+  </dgm:styleLbl>
+  <dgm:styleLbl name="vennNode1">
+    <dgm:fillClrLst meth="repeat">
+      <a:schemeClr val="accent1">
+        <a:alpha val="50000"/>
+      </a:schemeClr>
+    </dgm:fillClrLst>
+    <dgm:linClrLst meth="repeat">
+      <a:schemeClr val="lt1"/>
+    </dgm:linClrLst>
+    <dgm:effectClrLst/>
+    <dgm:txLinClrLst/>
+    <dgm:txFillClrLst/>
+    <dgm:txEffectClrLst/>
+  </dgm:styleLbl>
+  <dgm:styleLbl name="node2">
+    <dgm:fillClrLst meth="repeat">
+      <a:schemeClr val="accent1"/>
+    </dgm:fillClrLst>
+    <dgm:linClrLst meth="repeat">
+      <a:schemeClr val="lt1"/>
+    </dgm:linClrLst>
+    <dgm:effectClrLst/>
+    <dgm:txLinClrLst/>
+    <dgm:txFillClrLst/>
+    <dgm:txEffectClrLst/>
+  </dgm:styleLbl>
+  <dgm:styleLbl name="node3">
+    <dgm:fillClrLst meth="repeat">
+      <a:schemeClr val="accent1"/>
+    </dgm:fillClrLst>
+    <dgm:linClrLst meth="repeat">
+      <a:schemeClr val="lt1"/>
+    </dgm:linClrLst>
+    <dgm:effectClrLst/>
+    <dgm:txLinClrLst/>
+    <dgm:txFillClrLst/>
+    <dgm:txEffectClrLst/>
+  </dgm:styleLbl>
+  <dgm:styleLbl name="node4">
+    <dgm:fillClrLst meth="repeat">
+      <a:schemeClr val="accent1"/>
+    </dgm:fillClrLst>
+    <dgm:linClrLst meth="repeat">
+      <a:schemeClr val="lt1"/>
+    </dgm:linClrLst>
+    <dgm:effectClrLst/>
+    <dgm:txLinClrLst/>
+    <dgm:txFillClrLst/>
+    <dgm:txEffectClrLst/>
+  </dgm:styleLbl>
+  <dgm:styleLbl name="fgImgPlace1">
+    <dgm:fillClrLst meth="repeat">
+      <a:schemeClr val="accent1">
+        <a:tint val="50000"/>
+      </a:schemeClr>
+    </dgm:fillClrLst>
+    <dgm:linClrLst meth="repeat">
+      <a:schemeClr val="lt1"/>
+    </dgm:linClrLst>
+    <dgm:effectClrLst/>
+    <dgm:txLinClrLst/>
+    <dgm:txFillClrLst meth="repeat">
+      <a:schemeClr val="lt1"/>
+    </dgm:txFillClrLst>
+    <dgm:txEffectClrLst/>
+  </dgm:styleLbl>
+  <dgm:styleLbl name="alignImgPlace1">
+    <dgm:fillClrLst meth="repeat">
+      <a:schemeClr val="accent1">
+        <a:tint val="50000"/>
+      </a:schemeClr>
+    </dgm:fillClrLst>
+    <dgm:linClrLst meth="repeat">
+      <a:schemeClr val="lt1"/>
+    </dgm:linClrLst>
+    <dgm:effectClrLst/>
+    <dgm:txLinClrLst/>
+    <dgm:txFillClrLst meth="repeat">
+      <a:schemeClr val="lt1"/>
+    </dgm:txFillClrLst>
+    <dgm:txEffectClrLst/>
+  </dgm:styleLbl>
+  <dgm:styleLbl name="bgImgPlace1">
+    <dgm:fillClrLst meth="repeat">
+      <a:schemeClr val="accent1">
+        <a:tint val="50000"/>
+      </a:schemeClr>
+    </dgm:fillClrLst>
+    <dgm:linClrLst meth="repeat">
+      <a:schemeClr val="lt1"/>
+    </dgm:linClrLst>
+    <dgm:effectClrLst/>
+    <dgm:txLinClrLst/>
+    <dgm:txFillClrLst meth="repeat">
+      <a:schemeClr val="lt1"/>
+    </dgm:txFillClrLst>
+    <dgm:txEffectClrLst/>
+  </dgm:styleLbl>
+  <dgm:styleLbl name="sibTrans2D1">
+    <dgm:fillClrLst meth="repeat">
+      <a:schemeClr val="accent1">
+        <a:tint val="60000"/>
+      </a:schemeClr>
+    </dgm:fillClrLst>
+    <dgm:linClrLst meth="repeat">
+      <a:schemeClr val="accent1">
+        <a:tint val="60000"/>
+      </a:schemeClr>
+    </dgm:linClrLst>
+    <dgm:effectClrLst/>
+    <dgm:txLinClrLst/>
+    <dgm:txFillClrLst/>
+    <dgm:txEffectClrLst/>
+  </dgm:styleLbl>
+  <dgm:styleLbl name="fgSibTrans2D1">
+    <dgm:fillClrLst meth="repeat">
+      <a:schemeClr val="accent1">
+        <a:tint val="60000"/>
+      </a:schemeClr>
+    </dgm:fillClrLst>
+    <dgm:linClrLst meth="repeat">
+      <a:schemeClr val="accent1">
+        <a:tint val="60000"/>
+      </a:schemeClr>
+    </dgm:linClrLst>
+    <dgm:effectClrLst/>
+    <dgm:txLinClrLst/>
+    <dgm:txFillClrLst/>
+    <dgm:txEffectClrLst/>
+  </dgm:styleLbl>
+  <dgm:styleLbl name="bgSibTrans2D1">
+    <dgm:fillClrLst meth="repeat">
+      <a:schemeClr val="accent1">
+        <a:tint val="60000"/>
+      </a:schemeClr>
+    </dgm:fillClrLst>
+    <dgm:linClrLst meth="repeat">
+      <a:schemeClr val="accent1">
+        <a:tint val="60000"/>
+      </a:schemeClr>
+    </dgm:linClrLst>
+    <dgm:effectClrLst/>
+    <dgm:txLinClrLst/>
+    <dgm:txFillClrLst/>
+    <dgm:txEffectClrLst/>
+  </dgm:styleLbl>
+  <dgm:styleLbl name="sibTrans1D1">
+    <dgm:fillClrLst meth="repeat">
+      <a:schemeClr val="accent1"/>
+    </dgm:fillClrLst>
+    <dgm:linClrLst meth="repeat">
+      <a:schemeClr val="accent1"/>
+    </dgm:linClrLst>
+    <dgm:effectClrLst/>
+    <dgm:txLinClrLst/>
+    <dgm:txFillClrLst meth="repeat">
+      <a:schemeClr val="tx1"/>
+    </dgm:txFillClrLst>
+    <dgm:txEffectClrLst/>
+  </dgm:styleLbl>
+  <dgm:styleLbl name="callout">
+    <dgm:fillClrLst meth="repeat">
+      <a:schemeClr val="accent1"/>
+    </dgm:fillClrLst>
+    <dgm:linClrLst meth="repeat">
+      <a:schemeClr val="accent1">
+        <a:tint val="50000"/>
+      </a:schemeClr>
+    </dgm:linClrLst>
+    <dgm:effectClrLst/>
+    <dgm:txLinClrLst/>
+    <dgm:txFillClrLst meth="repeat">
+      <a:schemeClr val="tx1"/>
+    </dgm:txFillClrLst>
+    <dgm:txEffectClrLst/>
+  </dgm:styleLbl>
+  <dgm:styleLbl name="asst0">
+    <dgm:fillClrLst meth="repeat">
+      <a:schemeClr val="accent1"/>
+    </dgm:fillClrLst>
+    <dgm:linClrLst meth="repeat">
+      <a:schemeClr val="lt1"/>
+    </dgm:linClrLst>
+    <dgm:effectClrLst/>
+    <dgm:txLinClrLst/>
+    <dgm:txFillClrLst/>
+    <dgm:txEffectClrLst/>
+  </dgm:styleLbl>
+  <dgm:styleLbl name="asst1">
+    <dgm:fillClrLst meth="repeat">
+      <a:schemeClr val="accent1"/>
+    </dgm:fillClrLst>
+    <dgm:linClrLst meth="repeat">
+      <a:schemeClr val="lt1"/>
+    </dgm:linClrLst>
+    <dgm:effectClrLst/>
+    <dgm:txLinClrLst/>
+    <dgm:txFillClrLst/>
+    <dgm:txEffectClrLst/>
+  </dgm:styleLbl>
+  <dgm:styleLbl name="asst2">
+    <dgm:fillClrLst meth="repeat">
+      <a:schemeClr val="accent1"/>
+    </dgm:fillClrLst>
+    <dgm:linClrLst meth="repeat">
+      <a:schemeClr val="lt1"/>
+    </dgm:linClrLst>
+    <dgm:effectClrLst/>
+    <dgm:txLinClrLst/>
+    <dgm:txFillClrLst/>
+    <dgm:txEffectClrLst/>
+  </dgm:styleLbl>
+  <dgm:styleLbl name="asst3">
+    <dgm:fillClrLst meth="repeat">
+      <a:schemeClr val="accent1"/>
+    </dgm:fillClrLst>
+    <dgm:linClrLst meth="repeat">
+      <a:schemeClr val="lt1"/>
+    </dgm:linClrLst>
+    <dgm:effectClrLst/>
+    <dgm:txLinClrLst/>
+    <dgm:txFillClrLst/>
+    <dgm:txEffectClrLst/>
+  </dgm:styleLbl>
+  <dgm:styleLbl name="asst4">
+    <dgm:fillClrLst meth="repeat">
+      <a:schemeClr val="accent1"/>
+    </dgm:fillClrLst>
+    <dgm:linClrLst meth="repeat">
+      <a:schemeClr val="lt1"/>
+    </dgm:linClrLst>
+    <dgm:effectClrLst/>
+    <dgm:txLinClrLst/>
+    <dgm:txFillClrLst/>
+    <dgm:txEffectClrLst/>
+  </dgm:styleLbl>
+  <dgm:styleLbl name="parChTrans2D1">
+    <dgm:fillClrLst meth="repeat">
+      <a:schemeClr val="accent1">
+        <a:tint val="60000"/>
+      </a:schemeClr>
+    </dgm:fillClrLst>
+    <dgm:linClrLst meth="repeat">
+      <a:schemeClr val="accent1">
+        <a:tint val="60000"/>
+      </a:schemeClr>
+    </dgm:linClrLst>
+    <dgm:effectClrLst/>
+    <dgm:txLinClrLst/>
+    <dgm:txFillClrLst meth="repeat">
+      <a:schemeClr val="lt1"/>
+    </dgm:txFillClrLst>
+    <dgm:txEffectClrLst/>
+  </dgm:styleLbl>
+  <dgm:styleLbl name="parChTrans2D2">
+    <dgm:fillClrLst meth="repeat">
+      <a:schemeClr val="accent1"/>
+    </dgm:fillClrLst>
+    <dgm:linClrLst meth="repeat">
+      <a:schemeClr val="accent1"/>
+    </dgm:linClrLst>
+    <dgm:effectClrLst/>
+    <dgm:txLinClrLst/>
+    <dgm:txFillClrLst meth="repeat">
+      <a:schemeClr val="lt1"/>
+    </dgm:txFillClrLst>
+    <dgm:txEffectClrLst/>
+  </dgm:styleLbl>
+  <dgm:styleLbl name="parChTrans2D3">
+    <dgm:fillClrLst meth="repeat">
+      <a:schemeClr val="accent1"/>
+    </dgm:fillClrLst>
+    <dgm:linClrLst meth="repeat">
+      <a:schemeClr val="accent1"/>
+    </dgm:linClrLst>
+    <dgm:effectClrLst/>
+    <dgm:txLinClrLst/>
+    <dgm:txFillClrLst meth="repeat">
+      <a:schemeClr val="lt1"/>
+    </dgm:txFillClrLst>
+    <dgm:txEffectClrLst/>
+  </dgm:styleLbl>
+  <dgm:styleLbl name="parChTrans2D4">
+    <dgm:fillClrLst meth="repeat">
+      <a:schemeClr val="accent1"/>
+    </dgm:fillClrLst>
+    <dgm:linClrLst meth="repeat">
+      <a:schemeClr val="accent1"/>
+    </dgm:linClrLst>
+    <dgm:effectClrLst/>
+    <dgm:txLinClrLst/>
+    <dgm:txFillClrLst meth="repeat">
+      <a:schemeClr val="lt1"/>
+    </dgm:txFillClrLst>
+    <dgm:txEffectClrLst/>
+  </dgm:styleLbl>
+  <dgm:styleLbl name="parChTrans1D1">
+    <dgm:fillClrLst meth="repeat">
+      <a:schemeClr val="accent1"/>
+    </dgm:fillClrLst>
+    <dgm:linClrLst meth="repeat">
+      <a:schemeClr val="accent1">
+        <a:shade val="60000"/>
+      </a:schemeClr>
+    </dgm:linClrLst>
+    <dgm:effectClrLst/>
+    <dgm:txLinClrLst/>
+    <dgm:txFillClrLst meth="repeat">
+      <a:schemeClr val="tx1"/>
+    </dgm:txFillClrLst>
+    <dgm:txEffectClrLst/>
+  </dgm:styleLbl>
+  <dgm:styleLbl name="parChTrans1D2">
+    <dgm:fillClrLst meth="repeat">
+      <a:schemeClr val="accent1"/>
+    </dgm:fillClrLst>
+    <dgm:linClrLst meth="repeat">
+      <a:schemeClr val="accent1">
+        <a:shade val="60000"/>
+      </a:schemeClr>
+    </dgm:linClrLst>
+    <dgm:effectClrLst/>
+    <dgm:txLinClrLst/>
+    <dgm:txFillClrLst meth="repeat">
+      <a:schemeClr val="tx1"/>
+    </dgm:txFillClrLst>
+    <dgm:txEffectClrLst/>
+  </dgm:styleLbl>
+  <dgm:styleLbl name="parChTrans1D3">
+    <dgm:fillClrLst meth="repeat">
+      <a:schemeClr val="accent1"/>
+    </dgm:fillClrLst>
+    <dgm:linClrLst meth="repeat">
+      <a:schemeClr val="accent1">
+        <a:shade val="80000"/>
+      </a:schemeClr>
+    </dgm:linClrLst>
+    <dgm:effectClrLst/>
+    <dgm:txLinClrLst/>
+    <dgm:txFillClrLst meth="repeat">
+      <a:schemeClr val="tx1"/>
+    </dgm:txFillClrLst>
+    <dgm:txEffectClrLst/>
+  </dgm:styleLbl>
+  <dgm:styleLbl name="parChTrans1D4">
+    <dgm:fillClrLst meth="repeat">
+      <a:schemeClr val="accent1"/>
+    </dgm:fillClrLst>
+    <dgm:linClrLst meth="repeat">
+      <a:schemeClr val="accent1">
+        <a:shade val="80000"/>
+      </a:schemeClr>
+    </dgm:linClrLst>
+    <dgm:effectClrLst/>
+    <dgm:txLinClrLst/>
+    <dgm:txFillClrLst meth="repeat">
+      <a:schemeClr val="tx1"/>
+    </dgm:txFillClrLst>
+    <dgm:txEffectClrLst/>
+  </dgm:styleLbl>
+  <dgm:styleLbl name="fgAcc1">
+    <dgm:fillClrLst meth="repeat">
+      <a:schemeClr val="lt1">
+        <a:alpha val="90000"/>
+      </a:schemeClr>
+    </dgm:fillClrLst>
+    <dgm:linClrLst meth="repeat">
+      <a:schemeClr val="accent1"/>
+    </dgm:linClrLst>
+    <dgm:effectClrLst/>
+    <dgm:txLinClrLst/>
+    <dgm:txFillClrLst meth="repeat">
+      <a:schemeClr val="dk1"/>
+    </dgm:txFillClrLst>
+    <dgm:txEffectClrLst/>
+  </dgm:styleLbl>
+  <dgm:styleLbl name="conFgAcc1">
+    <dgm:fillClrLst meth="repeat">
+      <a:schemeClr val="lt1">
+        <a:alpha val="90000"/>
+      </a:schemeClr>
+    </dgm:fillClrLst>
+    <dgm:linClrLst meth="repeat">
+      <a:schemeClr val="accent1"/>
+    </dgm:linClrLst>
+    <dgm:effectClrLst/>
+    <dgm:txLinClrLst/>
+    <dgm:txFillClrLst meth="repeat">
+      <a:schemeClr val="dk1"/>
+    </dgm:txFillClrLst>
+    <dgm:txEffectClrLst/>
+  </dgm:styleLbl>
+  <dgm:styleLbl name="alignAcc1">
+    <dgm:fillClrLst meth="repeat">
+      <a:schemeClr val="lt1">
+        <a:alpha val="90000"/>
+      </a:schemeClr>
+    </dgm:fillClrLst>
+    <dgm:linClrLst meth="repeat">
+      <a:schemeClr val="accent1"/>
+    </dgm:linClrLst>
+    <dgm:effectClrLst/>
+    <dgm:txLinClrLst/>
+    <dgm:txFillClrLst meth="repeat">
+      <a:schemeClr val="dk1"/>
+    </dgm:txFillClrLst>
+    <dgm:txEffectClrLst/>
+  </dgm:styleLbl>
+  <dgm:styleLbl name="trAlignAcc1">
+    <dgm:fillClrLst meth="repeat">
+      <a:schemeClr val="lt1">
+        <a:alpha val="40000"/>
+      </a:schemeClr>
+    </dgm:fillClrLst>
+    <dgm:linClrLst meth="repeat">
+      <a:schemeClr val="accent1"/>
+    </dgm:linClrLst>
+    <dgm:effectClrLst/>
+    <dgm:txLinClrLst/>
+    <dgm:txFillClrLst meth="repeat">
+      <a:schemeClr val="dk1"/>
+    </dgm:txFillClrLst>
+    <dgm:txEffectClrLst/>
+  </dgm:styleLbl>
+  <dgm:styleLbl name="bgAcc1">
+    <dgm:fillClrLst meth="repeat">
+      <a:schemeClr val="lt1">
+        <a:alpha val="90000"/>
+      </a:schemeClr>
+    </dgm:fillClrLst>
+    <dgm:linClrLst meth="repeat">
+      <a:schemeClr val="accent1"/>
+    </dgm:linClrLst>
+    <dgm:effectClrLst/>
+    <dgm:txLinClrLst/>
+    <dgm:txFillClrLst meth="repeat">
+      <a:schemeClr val="dk1"/>
+    </dgm:txFillClrLst>
+    <dgm:txEffectClrLst/>
+  </dgm:styleLbl>
+  <dgm:styleLbl name="solidFgAcc1">
+    <dgm:fillClrLst meth="repeat">
+      <a:schemeClr val="lt1"/>
+    </dgm:fillClrLst>
+    <dgm:linClrLst meth="repeat">
+      <a:schemeClr val="accent1"/>
+    </dgm:linClrLst>
+    <dgm:effectClrLst/>
+    <dgm:txLinClrLst/>
+    <dgm:txFillClrLst meth="repeat">
+      <a:schemeClr val="dk1"/>
+    </dgm:txFillClrLst>
+    <dgm:txEffectClrLst/>
+  </dgm:styleLbl>
+  <dgm:styleLbl name="solidAlignAcc1">
+    <dgm:fillClrLst meth="repeat">
+      <a:schemeClr val="lt1"/>
+    </dgm:fillClrLst>
+    <dgm:linClrLst meth="repeat">
+      <a:schemeClr val="accent1"/>
+    </dgm:linClrLst>
+    <dgm:effectClrLst/>
+    <dgm:txLinClrLst/>
+    <dgm:txFillClrLst meth="repeat">
+      <a:schemeClr val="dk1"/>
+    </dgm:txFillClrLst>
+    <dgm:txEffectClrLst/>
+  </dgm:styleLbl>
+  <dgm:styleLbl name="solidBgAcc1">
+    <dgm:fillClrLst meth="repeat">
+      <a:schemeClr val="lt1"/>
+    </dgm:fillClrLst>
+    <dgm:linClrLst meth="repeat">
+      <a:schemeClr val="accent1"/>
+    </dgm:linClrLst>
+    <dgm:effectClrLst/>
+    <dgm:txLinClrLst/>
+    <dgm:txFillClrLst meth="repeat">
+      <a:schemeClr val="dk1"/>
+    </dgm:txFillClrLst>
+    <dgm:txEffectClrLst/>
+  </dgm:styleLbl>
+  <dgm:styleLbl name="fgAccFollowNode1">
+    <dgm:fillClrLst meth="repeat">
+      <a:schemeClr val="accent1">
+        <a:alpha val="90000"/>
+        <a:tint val="40000"/>
+      </a:schemeClr>
+    </dgm:fillClrLst>
+    <dgm:linClrLst meth="repeat">
+      <a:schemeClr val="accent1">
+        <a:alpha val="90000"/>
+        <a:tint val="40000"/>
+      </a:schemeClr>
+    </dgm:linClrLst>
+    <dgm:effectClrLst/>
+    <dgm:txLinClrLst/>
+    <dgm:txFillClrLst meth="repeat">
+      <a:schemeClr val="dk1"/>
+    </dgm:txFillClrLst>
+    <dgm:txEffectClrLst/>
+  </dgm:styleLbl>
+  <dgm:styleLbl name="alignAccFollowNode1">
+    <dgm:fillClrLst meth="repeat">
+      <a:schemeClr val="accent1">
+        <a:alpha val="90000"/>
+        <a:tint val="40000"/>
+      </a:schemeClr>
+    </dgm:fillClrLst>
+    <dgm:linClrLst meth="repeat">
+      <a:schemeClr val="accent1">
+        <a:alpha val="90000"/>
+        <a:tint val="40000"/>
+      </a:schemeClr>
+    </dgm:linClrLst>
+    <dgm:effectClrLst/>
+    <dgm:txLinClrLst/>
+    <dgm:txFillClrLst meth="repeat">
+      <a:schemeClr val="dk1"/>
+    </dgm:txFillClrLst>
+    <dgm:txEffectClrLst/>
+  </dgm:styleLbl>
+  <dgm:styleLbl name="bgAccFollowNode1">
+    <dgm:fillClrLst meth="repeat">
+      <a:schemeClr val="accent1">
+        <a:alpha val="90000"/>
+        <a:tint val="40000"/>
+      </a:schemeClr>
+    </dgm:fillClrLst>
+    <dgm:linClrLst meth="repeat">
+      <a:schemeClr val="accent1">
+        <a:alpha val="90000"/>
+        <a:tint val="40000"/>
+      </a:schemeClr>
+    </dgm:linClrLst>
+    <dgm:effectClrLst/>
+    <dgm:txLinClrLst/>
+    <dgm:txFillClrLst meth="repeat">
+      <a:schemeClr val="dk1"/>
+    </dgm:txFillClrLst>
+    <dgm:txEffectClrLst/>
+  </dgm:styleLbl>
+  <dgm:styleLbl name="fgAcc0">
+    <dgm:fillClrLst meth="repeat">
+      <a:schemeClr val="lt1">
+        <a:alpha val="90000"/>
+      </a:schemeClr>
+    </dgm:fillClrLst>
+    <dgm:linClrLst meth="repeat">
+      <a:schemeClr val="accent1"/>
+    </dgm:linClrLst>
+    <dgm:effectClrLst/>
+    <dgm:txLinClrLst/>
+    <dgm:txFillClrLst meth="repeat">
+      <a:schemeClr val="dk1"/>
+    </dgm:txFillClrLst>
+    <dgm:txEffectClrLst/>
+  </dgm:styleLbl>
+  <dgm:styleLbl name="fgAcc2">
+    <dgm:fillClrLst meth="repeat">
+      <a:schemeClr val="lt1">
+        <a:alpha val="90000"/>
+      </a:schemeClr>
+    </dgm:fillClrLst>
+    <dgm:linClrLst meth="repeat">
+      <a:schemeClr val="accent1"/>
+    </dgm:linClrLst>
+    <dgm:effectClrLst/>
+    <dgm:txLinClrLst/>
+    <dgm:txFillClrLst meth="repeat">
+      <a:schemeClr val="dk1"/>
+    </dgm:txFillClrLst>
+    <dgm:txEffectClrLst/>
+  </dgm:styleLbl>
+  <dgm:styleLbl name="fgAcc3">
+    <dgm:fillClrLst meth="repeat">
+      <a:schemeClr val="lt1">
+        <a:alpha val="90000"/>
+      </a:schemeClr>
+    </dgm:fillClrLst>
+    <dgm:linClrLst meth="repeat">
+      <a:schemeClr val="accent1"/>
+    </dgm:linClrLst>
+    <dgm:effectClrLst/>
+    <dgm:txLinClrLst/>
+    <dgm:txFillClrLst meth="repeat">
+      <a:schemeClr val="dk1"/>
+    </dgm:txFillClrLst>
+    <dgm:txEffectClrLst/>
+  </dgm:styleLbl>
+  <dgm:styleLbl name="fgAcc4">
+    <dgm:fillClrLst meth="repeat">
+      <a:schemeClr val="lt1">
+        <a:alpha val="90000"/>
+      </a:schemeClr>
+    </dgm:fillClrLst>
+    <dgm:linClrLst meth="repeat">
+      <a:schemeClr val="accent1"/>
+    </dgm:linClrLst>
+    <dgm:effectClrLst/>
+    <dgm:txLinClrLst/>
+    <dgm:txFillClrLst meth="repeat">
+      <a:schemeClr val="dk1"/>
+    </dgm:txFillClrLst>
+    <dgm:txEffectClrLst/>
+  </dgm:styleLbl>
+  <dgm:styleLbl name="bgShp">
+    <dgm:fillClrLst meth="repeat">
+      <a:schemeClr val="accent1">
+        <a:tint val="40000"/>
+      </a:schemeClr>
+    </dgm:fillClrLst>
+    <dgm:linClrLst meth="repeat">
+      <a:schemeClr val="accent1"/>
+    </dgm:linClrLst>
+    <dgm:effectClrLst/>
+    <dgm:txLinClrLst/>
+    <dgm:txFillClrLst meth="repeat">
+      <a:schemeClr val="dk1"/>
+    </dgm:txFillClrLst>
+    <dgm:txEffectClrLst/>
+  </dgm:styleLbl>
+  <dgm:styleLbl name="dkBgShp">
+    <dgm:fillClrLst meth="repeat">
+      <a:schemeClr val="accent1">
+        <a:shade val="80000"/>
+      </a:schemeClr>
+    </dgm:fillClrLst>
+    <dgm:linClrLst meth="repeat">
+      <a:schemeClr val="accent1"/>
+    </dgm:linClrLst>
+    <dgm:effectClrLst/>
+    <dgm:txLinClrLst/>
+    <dgm:txFillClrLst meth="repeat">
+      <a:schemeClr val="lt1"/>
+    </dgm:txFillClrLst>
+    <dgm:txEffectClrLst/>
+  </dgm:styleLbl>
+  <dgm:styleLbl name="trBgShp">
+    <dgm:fillClrLst meth="repeat">
+      <a:schemeClr val="accent1">
+        <a:tint val="50000"/>
+        <a:alpha val="40000"/>
+      </a:schemeClr>
+    </dgm:fillClrLst>
+    <dgm:linClrLst meth="repeat">
+      <a:schemeClr val="accent1"/>
+    </dgm:linClrLst>
+    <dgm:effectClrLst/>
+    <dgm:txLinClrLst/>
+    <dgm:txFillClrLst meth="repeat">
+      <a:schemeClr val="lt1"/>
+    </dgm:txFillClrLst>
+    <dgm:txEffectClrLst/>
+  </dgm:styleLbl>
+  <dgm:styleLbl name="fgShp">
+    <dgm:fillClrLst meth="repeat">
+      <a:schemeClr val="accent1">
+        <a:tint val="60000"/>
+      </a:schemeClr>
+    </dgm:fillClrLst>
+    <dgm:linClrLst meth="repeat">
+      <a:schemeClr val="lt1"/>
+    </dgm:linClrLst>
+    <dgm:effectClrLst/>
+    <dgm:txLinClrLst/>
+    <dgm:txFillClrLst meth="repeat">
+      <a:schemeClr val="dk1"/>
+    </dgm:txFillClrLst>
+    <dgm:txEffectClrLst/>
+  </dgm:styleLbl>
+  <dgm:styleLbl name="revTx">
+    <dgm:fillClrLst meth="repeat">
+      <a:schemeClr val="lt1">
+        <a:alpha val="0"/>
+      </a:schemeClr>
+    </dgm:fillClrLst>
+    <dgm:linClrLst meth="repeat">
+      <a:schemeClr val="dk1">
+        <a:alpha val="0"/>
+      </a:schemeClr>
+    </dgm:linClrLst>
+    <dgm:effectClrLst/>
+    <dgm:txLinClrLst/>
+    <dgm:txFillClrLst meth="repeat">
+      <a:schemeClr val="tx1"/>
+    </dgm:txFillClrLst>
+    <dgm:txEffectClrLst/>
+  </dgm:styleLbl>
+</dgm:colorsDef>
+</file>
+
+<file path=ppt/diagrams/colors9.xml><?xml version="1.0" encoding="utf-8"?>
 <dgm:colorsDef xmlns:dgm="http://schemas.openxmlformats.org/drawingml/2006/diagram" xmlns:a="http://schemas.openxmlformats.org/drawingml/2006/main" uniqueId="urn:microsoft.com/office/officeart/2005/8/colors/accent1_2">
   <dgm:title val=""/>
   <dgm:desc val=""/>
@@ -8697,6 +10197,828 @@
     <dgm:cxn modelId="{D9F06679-FED1-4CCB-AEAC-57F2E12B0B48}" type="presParOf" srcId="{719DD1D0-01F1-44A9-8BA4-2D8516DE3D1A}" destId="{C69B27C6-5865-407F-A4BA-F5DB5F598C46}" srcOrd="1" destOrd="0" presId="urn:microsoft.com/office/officeart/2005/8/layout/hierarchy1"/>
     <dgm:cxn modelId="{41CAB0E5-E480-4F19-8DC9-5363768358B3}" type="presParOf" srcId="{01E44220-B41A-4F8D-8053-8C9D27ADCB69}" destId="{6C6D2716-F8A2-4416-A309-CACB299A674F}" srcOrd="4" destOrd="0" presId="urn:microsoft.com/office/officeart/2005/8/layout/hierarchy1"/>
     <dgm:cxn modelId="{5DB402E5-3ED3-4CEB-AF89-15933530B580}" type="presParOf" srcId="{01E44220-B41A-4F8D-8053-8C9D27ADCB69}" destId="{26417D13-AB26-4D13-8E1F-8A3580C1B051}" srcOrd="5" destOrd="0" presId="urn:microsoft.com/office/officeart/2005/8/layout/hierarchy1"/>
+    <dgm:cxn modelId="{90557BB6-FDCD-4ABB-AB3D-A436272A0C01}" type="presParOf" srcId="{26417D13-AB26-4D13-8E1F-8A3580C1B051}" destId="{E3C5A4F2-9170-41B3-AAE2-2DC7F770FCBA}" srcOrd="0" destOrd="0" presId="urn:microsoft.com/office/officeart/2005/8/layout/hierarchy1"/>
+    <dgm:cxn modelId="{1F147202-AADE-4E74-923C-5D7E05C5DBED}" type="presParOf" srcId="{E3C5A4F2-9170-41B3-AAE2-2DC7F770FCBA}" destId="{60F794EA-4F0A-4A5A-86CF-83CF829D002B}" srcOrd="0" destOrd="0" presId="urn:microsoft.com/office/officeart/2005/8/layout/hierarchy1"/>
+    <dgm:cxn modelId="{B8184E8D-B574-442B-A2FF-B8DC17FC3121}" type="presParOf" srcId="{E3C5A4F2-9170-41B3-AAE2-2DC7F770FCBA}" destId="{6F69136E-A889-4381-BA9A-D9D0288F82DA}" srcOrd="1" destOrd="0" presId="urn:microsoft.com/office/officeart/2005/8/layout/hierarchy1"/>
+    <dgm:cxn modelId="{D0FF04B9-06AD-44CF-99A3-4CE641F05407}" type="presParOf" srcId="{26417D13-AB26-4D13-8E1F-8A3580C1B051}" destId="{A4A8B116-33CF-4468-9AA4-544771881ABE}" srcOrd="1" destOrd="0" presId="urn:microsoft.com/office/officeart/2005/8/layout/hierarchy1"/>
+  </dgm:cxnLst>
+  <dgm:bg/>
+  <dgm:whole/>
+  <dgm:extLst>
+    <a:ext uri="http://schemas.microsoft.com/office/drawing/2008/diagram">
+      <dsp:dataModelExt xmlns:dsp="http://schemas.microsoft.com/office/drawing/2008/diagram" relId="rId11" minVer="http://schemas.openxmlformats.org/drawingml/2006/diagram"/>
+    </a:ext>
+  </dgm:extLst>
+</dgm:dataModel>
+</file>
+
+<file path=ppt/diagrams/data8.xml><?xml version="1.0" encoding="utf-8"?>
+<dgm:dataModel xmlns:dgm="http://schemas.openxmlformats.org/drawingml/2006/diagram" xmlns:a="http://schemas.openxmlformats.org/drawingml/2006/main">
+  <dgm:ptLst>
+    <dgm:pt modelId="{95BB7939-8913-4B3C-8916-30ABC495FDED}" type="doc">
+      <dgm:prSet loTypeId="urn:microsoft.com/office/officeart/2005/8/layout/hierarchy1" loCatId="hierarchy" qsTypeId="urn:microsoft.com/office/officeart/2005/8/quickstyle/simple1" qsCatId="simple" csTypeId="urn:microsoft.com/office/officeart/2005/8/colors/accent1_2" csCatId="accent1" phldr="1"/>
+      <dgm:spPr/>
+      <dgm:t>
+        <a:bodyPr/>
+        <a:lstStyle/>
+        <a:p>
+          <a:pPr latinLnBrk="1"/>
+          <a:endParaRPr lang="ko-KR" altLang="en-US"/>
+        </a:p>
+      </dgm:t>
+    </dgm:pt>
+    <dgm:pt modelId="{A76B50C3-AF9A-4BFA-AA31-E8622AE3CEDE}">
+      <dgm:prSet phldrT="[텍스트]" custT="1"/>
+      <dgm:spPr/>
+      <dgm:t>
+        <a:bodyPr/>
+        <a:lstStyle/>
+        <a:p>
+          <a:pPr latinLnBrk="1"/>
+          <a:r>
+            <a:rPr lang="ko-KR" altLang="en-US" sz="1000"/>
+            <a:t>김선관</a:t>
+          </a:r>
+          <a:endParaRPr lang="ko-KR" altLang="en-US" sz="1000" b="1">
+            <a:solidFill>
+              <a:srgbClr val="FF0000"/>
+            </a:solidFill>
+          </a:endParaRPr>
+        </a:p>
+      </dgm:t>
+    </dgm:pt>
+    <dgm:pt modelId="{624EBC63-F38A-4FCD-8077-8C3E4163EAF7}" type="parTrans" cxnId="{1BFB67B7-B6C1-429B-8429-0F37C0A0994C}">
+      <dgm:prSet/>
+      <dgm:spPr/>
+      <dgm:t>
+        <a:bodyPr/>
+        <a:lstStyle/>
+        <a:p>
+          <a:pPr latinLnBrk="1"/>
+          <a:endParaRPr lang="ko-KR" altLang="en-US"/>
+        </a:p>
+      </dgm:t>
+    </dgm:pt>
+    <dgm:pt modelId="{93CC81A4-A403-47AF-A3E6-37CEA407E556}" type="sibTrans" cxnId="{1BFB67B7-B6C1-429B-8429-0F37C0A0994C}">
+      <dgm:prSet/>
+      <dgm:spPr/>
+      <dgm:t>
+        <a:bodyPr/>
+        <a:lstStyle/>
+        <a:p>
+          <a:pPr latinLnBrk="1"/>
+          <a:endParaRPr lang="ko-KR" altLang="en-US"/>
+        </a:p>
+      </dgm:t>
+    </dgm:pt>
+    <dgm:pt modelId="{75C2E9D3-D15E-4C2B-AAE3-1BDF3FD3B2E9}">
+      <dgm:prSet phldrT="[텍스트]" custT="1"/>
+      <dgm:spPr/>
+      <dgm:t>
+        <a:bodyPr/>
+        <a:lstStyle/>
+        <a:p>
+          <a:pPr latinLnBrk="1"/>
+          <a:r>
+            <a:rPr lang="ko-KR" altLang="en-US" sz="1000" b="1">
+              <a:solidFill>
+                <a:srgbClr val="FF0000"/>
+              </a:solidFill>
+            </a:rPr>
+            <a:t>아키텍처</a:t>
+          </a:r>
+        </a:p>
+      </dgm:t>
+    </dgm:pt>
+    <dgm:pt modelId="{9FC99459-3621-4EFC-9211-8287486456A7}" type="parTrans" cxnId="{B73B987D-6097-4B35-B704-62EF1345E002}">
+      <dgm:prSet/>
+      <dgm:spPr/>
+      <dgm:t>
+        <a:bodyPr/>
+        <a:lstStyle/>
+        <a:p>
+          <a:pPr latinLnBrk="1"/>
+          <a:endParaRPr lang="ko-KR" altLang="en-US"/>
+        </a:p>
+      </dgm:t>
+    </dgm:pt>
+    <dgm:pt modelId="{980B5443-3CCF-4CB9-A0CB-391BD85251A3}" type="sibTrans" cxnId="{B73B987D-6097-4B35-B704-62EF1345E002}">
+      <dgm:prSet/>
+      <dgm:spPr/>
+      <dgm:t>
+        <a:bodyPr/>
+        <a:lstStyle/>
+        <a:p>
+          <a:pPr latinLnBrk="1"/>
+          <a:endParaRPr lang="ko-KR" altLang="en-US"/>
+        </a:p>
+      </dgm:t>
+    </dgm:pt>
+    <dgm:pt modelId="{8EA59DA5-0E52-49AD-8DE9-EAAABE70D1AB}">
+      <dgm:prSet phldrT="[텍스트]" custT="1"/>
+      <dgm:spPr/>
+      <dgm:t>
+        <a:bodyPr/>
+        <a:lstStyle/>
+        <a:p>
+          <a:pPr latinLnBrk="1"/>
+          <a:r>
+            <a:rPr lang="en-US" altLang="ko-KR" sz="1000" b="1">
+              <a:solidFill>
+                <a:srgbClr val="FF0000"/>
+              </a:solidFill>
+            </a:rPr>
+            <a:t>Excel AddressMap</a:t>
+          </a:r>
+          <a:endParaRPr lang="ko-KR" altLang="en-US" sz="1000" b="1">
+            <a:solidFill>
+              <a:srgbClr val="FF0000"/>
+            </a:solidFill>
+          </a:endParaRPr>
+        </a:p>
+      </dgm:t>
+    </dgm:pt>
+    <dgm:pt modelId="{2BE9CA1F-D39D-460C-882C-7420CF928D16}" type="parTrans" cxnId="{D8ADAE59-4653-4F90-836E-03202B70E538}">
+      <dgm:prSet/>
+      <dgm:spPr/>
+      <dgm:t>
+        <a:bodyPr/>
+        <a:lstStyle/>
+        <a:p>
+          <a:pPr latinLnBrk="1"/>
+          <a:endParaRPr lang="ko-KR" altLang="en-US"/>
+        </a:p>
+      </dgm:t>
+    </dgm:pt>
+    <dgm:pt modelId="{E2BE6255-E7C1-41F4-9251-2AD3973EB298}" type="sibTrans" cxnId="{D8ADAE59-4653-4F90-836E-03202B70E538}">
+      <dgm:prSet/>
+      <dgm:spPr/>
+      <dgm:t>
+        <a:bodyPr/>
+        <a:lstStyle/>
+        <a:p>
+          <a:pPr latinLnBrk="1"/>
+          <a:endParaRPr lang="ko-KR" altLang="en-US"/>
+        </a:p>
+      </dgm:t>
+    </dgm:pt>
+    <dgm:pt modelId="{AA2F1584-E706-4521-939A-01207AE207E9}">
+      <dgm:prSet phldrT="[텍스트]" custT="1"/>
+      <dgm:spPr/>
+      <dgm:t>
+        <a:bodyPr/>
+        <a:lstStyle/>
+        <a:p>
+          <a:pPr latinLnBrk="1"/>
+          <a:r>
+            <a:rPr lang="en-US" altLang="ko-KR" sz="1000" b="1">
+              <a:solidFill>
+                <a:srgbClr val="FF0000"/>
+              </a:solidFill>
+            </a:rPr>
+            <a:t>DbSync</a:t>
+          </a:r>
+          <a:endParaRPr lang="ko-KR" altLang="en-US" sz="1000" b="1">
+            <a:solidFill>
+              <a:srgbClr val="FF0000"/>
+            </a:solidFill>
+          </a:endParaRPr>
+        </a:p>
+      </dgm:t>
+    </dgm:pt>
+    <dgm:pt modelId="{99BA4B55-01B7-4043-B9FC-C908D7296434}" type="parTrans" cxnId="{D362BFE9-0B2B-4470-99F5-8835F9A63B4D}">
+      <dgm:prSet/>
+      <dgm:spPr/>
+      <dgm:t>
+        <a:bodyPr/>
+        <a:lstStyle/>
+        <a:p>
+          <a:pPr latinLnBrk="1"/>
+          <a:endParaRPr lang="ko-KR" altLang="en-US"/>
+        </a:p>
+      </dgm:t>
+    </dgm:pt>
+    <dgm:pt modelId="{99DF86DC-2350-42FC-B4EA-F61337A71827}" type="sibTrans" cxnId="{D362BFE9-0B2B-4470-99F5-8835F9A63B4D}">
+      <dgm:prSet/>
+      <dgm:spPr/>
+      <dgm:t>
+        <a:bodyPr/>
+        <a:lstStyle/>
+        <a:p>
+          <a:pPr latinLnBrk="1"/>
+          <a:endParaRPr lang="ko-KR" altLang="en-US"/>
+        </a:p>
+      </dgm:t>
+    </dgm:pt>
+    <dgm:pt modelId="{FD342FC6-0CB7-4586-813B-B5FC711C4D0C}" type="pres">
+      <dgm:prSet presAssocID="{95BB7939-8913-4B3C-8916-30ABC495FDED}" presName="hierChild1" presStyleCnt="0">
+        <dgm:presLayoutVars>
+          <dgm:chPref val="1"/>
+          <dgm:dir/>
+          <dgm:animOne val="branch"/>
+          <dgm:animLvl val="lvl"/>
+          <dgm:resizeHandles/>
+        </dgm:presLayoutVars>
+      </dgm:prSet>
+      <dgm:spPr/>
+    </dgm:pt>
+    <dgm:pt modelId="{E05B75A5-D352-43AC-93A6-8A5AB11F19E2}" type="pres">
+      <dgm:prSet presAssocID="{A76B50C3-AF9A-4BFA-AA31-E8622AE3CEDE}" presName="hierRoot1" presStyleCnt="0"/>
+      <dgm:spPr/>
+    </dgm:pt>
+    <dgm:pt modelId="{6B891DEB-087B-4903-A3FB-46EACF02429C}" type="pres">
+      <dgm:prSet presAssocID="{A76B50C3-AF9A-4BFA-AA31-E8622AE3CEDE}" presName="composite" presStyleCnt="0"/>
+      <dgm:spPr/>
+    </dgm:pt>
+    <dgm:pt modelId="{95544506-DCD0-4732-84D3-F137EC30B18B}" type="pres">
+      <dgm:prSet presAssocID="{A76B50C3-AF9A-4BFA-AA31-E8622AE3CEDE}" presName="background" presStyleLbl="node0" presStyleIdx="0" presStyleCnt="1"/>
+      <dgm:spPr/>
+    </dgm:pt>
+    <dgm:pt modelId="{CD14573F-E355-44A1-9D05-97D98CDB0F2F}" type="pres">
+      <dgm:prSet presAssocID="{A76B50C3-AF9A-4BFA-AA31-E8622AE3CEDE}" presName="text" presStyleLbl="fgAcc0" presStyleIdx="0" presStyleCnt="1">
+        <dgm:presLayoutVars>
+          <dgm:chPref val="3"/>
+        </dgm:presLayoutVars>
+      </dgm:prSet>
+      <dgm:spPr/>
+    </dgm:pt>
+    <dgm:pt modelId="{01E44220-B41A-4F8D-8053-8C9D27ADCB69}" type="pres">
+      <dgm:prSet presAssocID="{A76B50C3-AF9A-4BFA-AA31-E8622AE3CEDE}" presName="hierChild2" presStyleCnt="0"/>
+      <dgm:spPr/>
+    </dgm:pt>
+    <dgm:pt modelId="{6723C8A6-3BAA-47F0-A866-13A7CB98F77E}" type="pres">
+      <dgm:prSet presAssocID="{9FC99459-3621-4EFC-9211-8287486456A7}" presName="Name10" presStyleLbl="parChTrans1D2" presStyleIdx="0" presStyleCnt="3"/>
+      <dgm:spPr/>
+    </dgm:pt>
+    <dgm:pt modelId="{8365E282-303E-40FD-B626-E3AA5E89AA92}" type="pres">
+      <dgm:prSet presAssocID="{75C2E9D3-D15E-4C2B-AAE3-1BDF3FD3B2E9}" presName="hierRoot2" presStyleCnt="0"/>
+      <dgm:spPr/>
+    </dgm:pt>
+    <dgm:pt modelId="{00CDC95B-DA65-4151-97C2-A500735FB825}" type="pres">
+      <dgm:prSet presAssocID="{75C2E9D3-D15E-4C2B-AAE3-1BDF3FD3B2E9}" presName="composite2" presStyleCnt="0"/>
+      <dgm:spPr/>
+    </dgm:pt>
+    <dgm:pt modelId="{AE11E54F-6481-40AE-8472-D904D41AD008}" type="pres">
+      <dgm:prSet presAssocID="{75C2E9D3-D15E-4C2B-AAE3-1BDF3FD3B2E9}" presName="background2" presStyleLbl="node2" presStyleIdx="0" presStyleCnt="3"/>
+      <dgm:spPr/>
+    </dgm:pt>
+    <dgm:pt modelId="{40088974-41DD-4C0F-821C-708972EB23B3}" type="pres">
+      <dgm:prSet presAssocID="{75C2E9D3-D15E-4C2B-AAE3-1BDF3FD3B2E9}" presName="text2" presStyleLbl="fgAcc2" presStyleIdx="0" presStyleCnt="3">
+        <dgm:presLayoutVars>
+          <dgm:chPref val="3"/>
+        </dgm:presLayoutVars>
+      </dgm:prSet>
+      <dgm:spPr/>
+    </dgm:pt>
+    <dgm:pt modelId="{60B0C0FD-6527-409F-8BB5-2F489FC35B65}" type="pres">
+      <dgm:prSet presAssocID="{75C2E9D3-D15E-4C2B-AAE3-1BDF3FD3B2E9}" presName="hierChild3" presStyleCnt="0"/>
+      <dgm:spPr/>
+    </dgm:pt>
+    <dgm:pt modelId="{E20FD126-5A13-4EC5-B9CC-BA7CF3C96876}" type="pres">
+      <dgm:prSet presAssocID="{2BE9CA1F-D39D-460C-882C-7420CF928D16}" presName="Name10" presStyleLbl="parChTrans1D2" presStyleIdx="1" presStyleCnt="3"/>
+      <dgm:spPr/>
+    </dgm:pt>
+    <dgm:pt modelId="{719DD1D0-01F1-44A9-8BA4-2D8516DE3D1A}" type="pres">
+      <dgm:prSet presAssocID="{8EA59DA5-0E52-49AD-8DE9-EAAABE70D1AB}" presName="hierRoot2" presStyleCnt="0"/>
+      <dgm:spPr/>
+    </dgm:pt>
+    <dgm:pt modelId="{718463D4-E0A6-4932-B27F-D1B809FA06BD}" type="pres">
+      <dgm:prSet presAssocID="{8EA59DA5-0E52-49AD-8DE9-EAAABE70D1AB}" presName="composite2" presStyleCnt="0"/>
+      <dgm:spPr/>
+    </dgm:pt>
+    <dgm:pt modelId="{D7776FE8-5D10-4E55-BD37-35E72DF493A2}" type="pres">
+      <dgm:prSet presAssocID="{8EA59DA5-0E52-49AD-8DE9-EAAABE70D1AB}" presName="background2" presStyleLbl="node2" presStyleIdx="1" presStyleCnt="3"/>
+      <dgm:spPr/>
+    </dgm:pt>
+    <dgm:pt modelId="{D64CACF3-8626-4A03-A976-297FA2EA7200}" type="pres">
+      <dgm:prSet presAssocID="{8EA59DA5-0E52-49AD-8DE9-EAAABE70D1AB}" presName="text2" presStyleLbl="fgAcc2" presStyleIdx="1" presStyleCnt="3">
+        <dgm:presLayoutVars>
+          <dgm:chPref val="3"/>
+        </dgm:presLayoutVars>
+      </dgm:prSet>
+      <dgm:spPr/>
+    </dgm:pt>
+    <dgm:pt modelId="{C69B27C6-5865-407F-A4BA-F5DB5F598C46}" type="pres">
+      <dgm:prSet presAssocID="{8EA59DA5-0E52-49AD-8DE9-EAAABE70D1AB}" presName="hierChild3" presStyleCnt="0"/>
+      <dgm:spPr/>
+    </dgm:pt>
+    <dgm:pt modelId="{6C6D2716-F8A2-4416-A309-CACB299A674F}" type="pres">
+      <dgm:prSet presAssocID="{99BA4B55-01B7-4043-B9FC-C908D7296434}" presName="Name10" presStyleLbl="parChTrans1D2" presStyleIdx="2" presStyleCnt="3"/>
+      <dgm:spPr/>
+    </dgm:pt>
+    <dgm:pt modelId="{26417D13-AB26-4D13-8E1F-8A3580C1B051}" type="pres">
+      <dgm:prSet presAssocID="{AA2F1584-E706-4521-939A-01207AE207E9}" presName="hierRoot2" presStyleCnt="0"/>
+      <dgm:spPr/>
+    </dgm:pt>
+    <dgm:pt modelId="{E3C5A4F2-9170-41B3-AAE2-2DC7F770FCBA}" type="pres">
+      <dgm:prSet presAssocID="{AA2F1584-E706-4521-939A-01207AE207E9}" presName="composite2" presStyleCnt="0"/>
+      <dgm:spPr/>
+    </dgm:pt>
+    <dgm:pt modelId="{60F794EA-4F0A-4A5A-86CF-83CF829D002B}" type="pres">
+      <dgm:prSet presAssocID="{AA2F1584-E706-4521-939A-01207AE207E9}" presName="background2" presStyleLbl="node2" presStyleIdx="2" presStyleCnt="3"/>
+      <dgm:spPr/>
+    </dgm:pt>
+    <dgm:pt modelId="{6F69136E-A889-4381-BA9A-D9D0288F82DA}" type="pres">
+      <dgm:prSet presAssocID="{AA2F1584-E706-4521-939A-01207AE207E9}" presName="text2" presStyleLbl="fgAcc2" presStyleIdx="2" presStyleCnt="3">
+        <dgm:presLayoutVars>
+          <dgm:chPref val="3"/>
+        </dgm:presLayoutVars>
+      </dgm:prSet>
+      <dgm:spPr/>
+    </dgm:pt>
+    <dgm:pt modelId="{A4A8B116-33CF-4468-9AA4-544771881ABE}" type="pres">
+      <dgm:prSet presAssocID="{AA2F1584-E706-4521-939A-01207AE207E9}" presName="hierChild3" presStyleCnt="0"/>
+      <dgm:spPr/>
+    </dgm:pt>
+  </dgm:ptLst>
+  <dgm:cxnLst>
+    <dgm:cxn modelId="{791F1061-4714-4432-B972-159C061F7307}" type="presOf" srcId="{AA2F1584-E706-4521-939A-01207AE207E9}" destId="{6F69136E-A889-4381-BA9A-D9D0288F82DA}" srcOrd="0" destOrd="0" presId="urn:microsoft.com/office/officeart/2005/8/layout/hierarchy1"/>
+    <dgm:cxn modelId="{7D942069-3E6E-4C66-BDED-80435DE28726}" type="presOf" srcId="{95BB7939-8913-4B3C-8916-30ABC495FDED}" destId="{FD342FC6-0CB7-4586-813B-B5FC711C4D0C}" srcOrd="0" destOrd="0" presId="urn:microsoft.com/office/officeart/2005/8/layout/hierarchy1"/>
+    <dgm:cxn modelId="{31EA6F6D-DC2E-49A7-8114-B70323F3CC70}" type="presOf" srcId="{8EA59DA5-0E52-49AD-8DE9-EAAABE70D1AB}" destId="{D64CACF3-8626-4A03-A976-297FA2EA7200}" srcOrd="0" destOrd="0" presId="urn:microsoft.com/office/officeart/2005/8/layout/hierarchy1"/>
+    <dgm:cxn modelId="{D8ADAE59-4653-4F90-836E-03202B70E538}" srcId="{A76B50C3-AF9A-4BFA-AA31-E8622AE3CEDE}" destId="{8EA59DA5-0E52-49AD-8DE9-EAAABE70D1AB}" srcOrd="1" destOrd="0" parTransId="{2BE9CA1F-D39D-460C-882C-7420CF928D16}" sibTransId="{E2BE6255-E7C1-41F4-9251-2AD3973EB298}"/>
+    <dgm:cxn modelId="{B73B987D-6097-4B35-B704-62EF1345E002}" srcId="{A76B50C3-AF9A-4BFA-AA31-E8622AE3CEDE}" destId="{75C2E9D3-D15E-4C2B-AAE3-1BDF3FD3B2E9}" srcOrd="0" destOrd="0" parTransId="{9FC99459-3621-4EFC-9211-8287486456A7}" sibTransId="{980B5443-3CCF-4CB9-A0CB-391BD85251A3}"/>
+    <dgm:cxn modelId="{C8E00D82-B322-4D12-9D68-00D854FD9C68}" type="presOf" srcId="{75C2E9D3-D15E-4C2B-AAE3-1BDF3FD3B2E9}" destId="{40088974-41DD-4C0F-821C-708972EB23B3}" srcOrd="0" destOrd="0" presId="urn:microsoft.com/office/officeart/2005/8/layout/hierarchy1"/>
+    <dgm:cxn modelId="{1BFB67B7-B6C1-429B-8429-0F37C0A0994C}" srcId="{95BB7939-8913-4B3C-8916-30ABC495FDED}" destId="{A76B50C3-AF9A-4BFA-AA31-E8622AE3CEDE}" srcOrd="0" destOrd="0" parTransId="{624EBC63-F38A-4FCD-8077-8C3E4163EAF7}" sibTransId="{93CC81A4-A403-47AF-A3E6-37CEA407E556}"/>
+    <dgm:cxn modelId="{81C229C3-FAF4-493D-8BAC-EC7F0309831D}" type="presOf" srcId="{9FC99459-3621-4EFC-9211-8287486456A7}" destId="{6723C8A6-3BAA-47F0-A866-13A7CB98F77E}" srcOrd="0" destOrd="0" presId="urn:microsoft.com/office/officeart/2005/8/layout/hierarchy1"/>
+    <dgm:cxn modelId="{8F43A7D3-B121-4243-A353-BDDB96152219}" type="presOf" srcId="{99BA4B55-01B7-4043-B9FC-C908D7296434}" destId="{6C6D2716-F8A2-4416-A309-CACB299A674F}" srcOrd="0" destOrd="0" presId="urn:microsoft.com/office/officeart/2005/8/layout/hierarchy1"/>
+    <dgm:cxn modelId="{D362BFE9-0B2B-4470-99F5-8835F9A63B4D}" srcId="{A76B50C3-AF9A-4BFA-AA31-E8622AE3CEDE}" destId="{AA2F1584-E706-4521-939A-01207AE207E9}" srcOrd="2" destOrd="0" parTransId="{99BA4B55-01B7-4043-B9FC-C908D7296434}" sibTransId="{99DF86DC-2350-42FC-B4EA-F61337A71827}"/>
+    <dgm:cxn modelId="{019052F9-F3CD-4422-B0C9-87AC005252E2}" type="presOf" srcId="{A76B50C3-AF9A-4BFA-AA31-E8622AE3CEDE}" destId="{CD14573F-E355-44A1-9D05-97D98CDB0F2F}" srcOrd="0" destOrd="0" presId="urn:microsoft.com/office/officeart/2005/8/layout/hierarchy1"/>
+    <dgm:cxn modelId="{E8A11CFC-D67F-4136-8DBF-0F83376D0909}" type="presOf" srcId="{2BE9CA1F-D39D-460C-882C-7420CF928D16}" destId="{E20FD126-5A13-4EC5-B9CC-BA7CF3C96876}" srcOrd="0" destOrd="0" presId="urn:microsoft.com/office/officeart/2005/8/layout/hierarchy1"/>
+    <dgm:cxn modelId="{CCCE1D82-E75D-4D8B-9A8D-EBB2B658A86E}" type="presParOf" srcId="{FD342FC6-0CB7-4586-813B-B5FC711C4D0C}" destId="{E05B75A5-D352-43AC-93A6-8A5AB11F19E2}" srcOrd="0" destOrd="0" presId="urn:microsoft.com/office/officeart/2005/8/layout/hierarchy1"/>
+    <dgm:cxn modelId="{1931B2CB-86DE-4DBA-80A2-9644554923CF}" type="presParOf" srcId="{E05B75A5-D352-43AC-93A6-8A5AB11F19E2}" destId="{6B891DEB-087B-4903-A3FB-46EACF02429C}" srcOrd="0" destOrd="0" presId="urn:microsoft.com/office/officeart/2005/8/layout/hierarchy1"/>
+    <dgm:cxn modelId="{5AE2D021-DCF8-4517-BF24-B86E530C141E}" type="presParOf" srcId="{6B891DEB-087B-4903-A3FB-46EACF02429C}" destId="{95544506-DCD0-4732-84D3-F137EC30B18B}" srcOrd="0" destOrd="0" presId="urn:microsoft.com/office/officeart/2005/8/layout/hierarchy1"/>
+    <dgm:cxn modelId="{CDCEE291-19FE-4C18-8177-C80AEF705726}" type="presParOf" srcId="{6B891DEB-087B-4903-A3FB-46EACF02429C}" destId="{CD14573F-E355-44A1-9D05-97D98CDB0F2F}" srcOrd="1" destOrd="0" presId="urn:microsoft.com/office/officeart/2005/8/layout/hierarchy1"/>
+    <dgm:cxn modelId="{1D693C49-4BBE-4B18-AB18-4AB3C67B2720}" type="presParOf" srcId="{E05B75A5-D352-43AC-93A6-8A5AB11F19E2}" destId="{01E44220-B41A-4F8D-8053-8C9D27ADCB69}" srcOrd="1" destOrd="0" presId="urn:microsoft.com/office/officeart/2005/8/layout/hierarchy1"/>
+    <dgm:cxn modelId="{E9E9DF1A-4AD4-4274-96D7-01096763A904}" type="presParOf" srcId="{01E44220-B41A-4F8D-8053-8C9D27ADCB69}" destId="{6723C8A6-3BAA-47F0-A866-13A7CB98F77E}" srcOrd="0" destOrd="0" presId="urn:microsoft.com/office/officeart/2005/8/layout/hierarchy1"/>
+    <dgm:cxn modelId="{3412F601-0A82-4E34-B70C-EAA31BE66694}" type="presParOf" srcId="{01E44220-B41A-4F8D-8053-8C9D27ADCB69}" destId="{8365E282-303E-40FD-B626-E3AA5E89AA92}" srcOrd="1" destOrd="0" presId="urn:microsoft.com/office/officeart/2005/8/layout/hierarchy1"/>
+    <dgm:cxn modelId="{E8454A76-4C52-4A0B-9E4F-F3605B4F0D2C}" type="presParOf" srcId="{8365E282-303E-40FD-B626-E3AA5E89AA92}" destId="{00CDC95B-DA65-4151-97C2-A500735FB825}" srcOrd="0" destOrd="0" presId="urn:microsoft.com/office/officeart/2005/8/layout/hierarchy1"/>
+    <dgm:cxn modelId="{4D300F36-AE68-4AED-A287-D174030CAFBC}" type="presParOf" srcId="{00CDC95B-DA65-4151-97C2-A500735FB825}" destId="{AE11E54F-6481-40AE-8472-D904D41AD008}" srcOrd="0" destOrd="0" presId="urn:microsoft.com/office/officeart/2005/8/layout/hierarchy1"/>
+    <dgm:cxn modelId="{37800DA4-342D-4F76-AC80-0E56D409B265}" type="presParOf" srcId="{00CDC95B-DA65-4151-97C2-A500735FB825}" destId="{40088974-41DD-4C0F-821C-708972EB23B3}" srcOrd="1" destOrd="0" presId="urn:microsoft.com/office/officeart/2005/8/layout/hierarchy1"/>
+    <dgm:cxn modelId="{127DE4B4-588A-4204-ACE2-5CA1A199B91B}" type="presParOf" srcId="{8365E282-303E-40FD-B626-E3AA5E89AA92}" destId="{60B0C0FD-6527-409F-8BB5-2F489FC35B65}" srcOrd="1" destOrd="0" presId="urn:microsoft.com/office/officeart/2005/8/layout/hierarchy1"/>
+    <dgm:cxn modelId="{4FA2805A-38BE-481C-A794-0107EE2D3188}" type="presParOf" srcId="{01E44220-B41A-4F8D-8053-8C9D27ADCB69}" destId="{E20FD126-5A13-4EC5-B9CC-BA7CF3C96876}" srcOrd="2" destOrd="0" presId="urn:microsoft.com/office/officeart/2005/8/layout/hierarchy1"/>
+    <dgm:cxn modelId="{BEA10F2B-ABF1-4476-AA24-6C7073527F00}" type="presParOf" srcId="{01E44220-B41A-4F8D-8053-8C9D27ADCB69}" destId="{719DD1D0-01F1-44A9-8BA4-2D8516DE3D1A}" srcOrd="3" destOrd="0" presId="urn:microsoft.com/office/officeart/2005/8/layout/hierarchy1"/>
+    <dgm:cxn modelId="{63F06B67-D5FB-4D30-B6DC-86321B692CAB}" type="presParOf" srcId="{719DD1D0-01F1-44A9-8BA4-2D8516DE3D1A}" destId="{718463D4-E0A6-4932-B27F-D1B809FA06BD}" srcOrd="0" destOrd="0" presId="urn:microsoft.com/office/officeart/2005/8/layout/hierarchy1"/>
+    <dgm:cxn modelId="{35EAD636-0A74-433C-BC12-4B7091C4704A}" type="presParOf" srcId="{718463D4-E0A6-4932-B27F-D1B809FA06BD}" destId="{D7776FE8-5D10-4E55-BD37-35E72DF493A2}" srcOrd="0" destOrd="0" presId="urn:microsoft.com/office/officeart/2005/8/layout/hierarchy1"/>
+    <dgm:cxn modelId="{55949123-4EFD-455F-9CCB-D4F97440AE96}" type="presParOf" srcId="{718463D4-E0A6-4932-B27F-D1B809FA06BD}" destId="{D64CACF3-8626-4A03-A976-297FA2EA7200}" srcOrd="1" destOrd="0" presId="urn:microsoft.com/office/officeart/2005/8/layout/hierarchy1"/>
+    <dgm:cxn modelId="{D9F06679-FED1-4CCB-AEAC-57F2E12B0B48}" type="presParOf" srcId="{719DD1D0-01F1-44A9-8BA4-2D8516DE3D1A}" destId="{C69B27C6-5865-407F-A4BA-F5DB5F598C46}" srcOrd="1" destOrd="0" presId="urn:microsoft.com/office/officeart/2005/8/layout/hierarchy1"/>
+    <dgm:cxn modelId="{41CAB0E5-E480-4F19-8DC9-5363768358B3}" type="presParOf" srcId="{01E44220-B41A-4F8D-8053-8C9D27ADCB69}" destId="{6C6D2716-F8A2-4416-A309-CACB299A674F}" srcOrd="4" destOrd="0" presId="urn:microsoft.com/office/officeart/2005/8/layout/hierarchy1"/>
+    <dgm:cxn modelId="{5DB402E5-3ED3-4CEB-AF89-15933530B580}" type="presParOf" srcId="{01E44220-B41A-4F8D-8053-8C9D27ADCB69}" destId="{26417D13-AB26-4D13-8E1F-8A3580C1B051}" srcOrd="5" destOrd="0" presId="urn:microsoft.com/office/officeart/2005/8/layout/hierarchy1"/>
+    <dgm:cxn modelId="{90557BB6-FDCD-4ABB-AB3D-A436272A0C01}" type="presParOf" srcId="{26417D13-AB26-4D13-8E1F-8A3580C1B051}" destId="{E3C5A4F2-9170-41B3-AAE2-2DC7F770FCBA}" srcOrd="0" destOrd="0" presId="urn:microsoft.com/office/officeart/2005/8/layout/hierarchy1"/>
+    <dgm:cxn modelId="{1F147202-AADE-4E74-923C-5D7E05C5DBED}" type="presParOf" srcId="{E3C5A4F2-9170-41B3-AAE2-2DC7F770FCBA}" destId="{60F794EA-4F0A-4A5A-86CF-83CF829D002B}" srcOrd="0" destOrd="0" presId="urn:microsoft.com/office/officeart/2005/8/layout/hierarchy1"/>
+    <dgm:cxn modelId="{B8184E8D-B574-442B-A2FF-B8DC17FC3121}" type="presParOf" srcId="{E3C5A4F2-9170-41B3-AAE2-2DC7F770FCBA}" destId="{6F69136E-A889-4381-BA9A-D9D0288F82DA}" srcOrd="1" destOrd="0" presId="urn:microsoft.com/office/officeart/2005/8/layout/hierarchy1"/>
+    <dgm:cxn modelId="{D0FF04B9-06AD-44CF-99A3-4CE641F05407}" type="presParOf" srcId="{26417D13-AB26-4D13-8E1F-8A3580C1B051}" destId="{A4A8B116-33CF-4468-9AA4-544771881ABE}" srcOrd="1" destOrd="0" presId="urn:microsoft.com/office/officeart/2005/8/layout/hierarchy1"/>
+  </dgm:cxnLst>
+  <dgm:bg/>
+  <dgm:whole/>
+  <dgm:extLst>
+    <a:ext uri="http://schemas.microsoft.com/office/drawing/2008/diagram">
+      <dsp:dataModelExt xmlns:dsp="http://schemas.microsoft.com/office/drawing/2008/diagram" relId="rId6" minVer="http://schemas.openxmlformats.org/drawingml/2006/diagram"/>
+    </a:ext>
+  </dgm:extLst>
+</dgm:dataModel>
+</file>
+
+<file path=ppt/diagrams/data9.xml><?xml version="1.0" encoding="utf-8"?>
+<dgm:dataModel xmlns:dgm="http://schemas.openxmlformats.org/drawingml/2006/diagram" xmlns:a="http://schemas.openxmlformats.org/drawingml/2006/main">
+  <dgm:ptLst>
+    <dgm:pt modelId="{95BB7939-8913-4B3C-8916-30ABC495FDED}" type="doc">
+      <dgm:prSet loTypeId="urn:microsoft.com/office/officeart/2005/8/layout/hierarchy1" loCatId="hierarchy" qsTypeId="urn:microsoft.com/office/officeart/2005/8/quickstyle/simple1" qsCatId="simple" csTypeId="urn:microsoft.com/office/officeart/2005/8/colors/accent1_2" csCatId="accent1" phldr="1"/>
+      <dgm:spPr/>
+      <dgm:t>
+        <a:bodyPr/>
+        <a:lstStyle/>
+        <a:p>
+          <a:pPr latinLnBrk="1"/>
+          <a:endParaRPr lang="ko-KR" altLang="en-US"/>
+        </a:p>
+      </dgm:t>
+    </dgm:pt>
+    <dgm:pt modelId="{A76B50C3-AF9A-4BFA-AA31-E8622AE3CEDE}">
+      <dgm:prSet phldrT="[텍스트]" custT="1"/>
+      <dgm:spPr/>
+      <dgm:t>
+        <a:bodyPr/>
+        <a:lstStyle/>
+        <a:p>
+          <a:pPr latinLnBrk="1"/>
+          <a:r>
+            <a:rPr lang="ko-KR" altLang="en-US" sz="1000"/>
+            <a:t>이태희</a:t>
+          </a:r>
+          <a:endParaRPr lang="ko-KR" altLang="en-US" sz="1000" b="1">
+            <a:solidFill>
+              <a:srgbClr val="FF0000"/>
+            </a:solidFill>
+          </a:endParaRPr>
+        </a:p>
+      </dgm:t>
+    </dgm:pt>
+    <dgm:pt modelId="{624EBC63-F38A-4FCD-8077-8C3E4163EAF7}" type="parTrans" cxnId="{1BFB67B7-B6C1-429B-8429-0F37C0A0994C}">
+      <dgm:prSet/>
+      <dgm:spPr/>
+      <dgm:t>
+        <a:bodyPr/>
+        <a:lstStyle/>
+        <a:p>
+          <a:pPr latinLnBrk="1"/>
+          <a:endParaRPr lang="ko-KR" altLang="en-US"/>
+        </a:p>
+      </dgm:t>
+    </dgm:pt>
+    <dgm:pt modelId="{93CC81A4-A403-47AF-A3E6-37CEA407E556}" type="sibTrans" cxnId="{1BFB67B7-B6C1-429B-8429-0F37C0A0994C}">
+      <dgm:prSet/>
+      <dgm:spPr/>
+      <dgm:t>
+        <a:bodyPr/>
+        <a:lstStyle/>
+        <a:p>
+          <a:pPr latinLnBrk="1"/>
+          <a:endParaRPr lang="ko-KR" altLang="en-US"/>
+        </a:p>
+      </dgm:t>
+    </dgm:pt>
+    <dgm:pt modelId="{75C2E9D3-D15E-4C2B-AAE3-1BDF3FD3B2E9}">
+      <dgm:prSet phldrT="[텍스트]" custT="1"/>
+      <dgm:spPr/>
+      <dgm:t>
+        <a:bodyPr/>
+        <a:lstStyle/>
+        <a:p>
+          <a:pPr latinLnBrk="1"/>
+          <a:r>
+            <a:rPr lang="en-US" altLang="ko-KR" sz="1000" b="1">
+              <a:solidFill>
+                <a:srgbClr val="FF0000"/>
+              </a:solidFill>
+            </a:rPr>
+            <a:t>MelsecDriver</a:t>
+          </a:r>
+          <a:endParaRPr lang="ko-KR" altLang="en-US" sz="1000" b="1">
+            <a:solidFill>
+              <a:srgbClr val="FF0000"/>
+            </a:solidFill>
+          </a:endParaRPr>
+        </a:p>
+      </dgm:t>
+    </dgm:pt>
+    <dgm:pt modelId="{9FC99459-3621-4EFC-9211-8287486456A7}" type="parTrans" cxnId="{B73B987D-6097-4B35-B704-62EF1345E002}">
+      <dgm:prSet/>
+      <dgm:spPr/>
+      <dgm:t>
+        <a:bodyPr/>
+        <a:lstStyle/>
+        <a:p>
+          <a:pPr latinLnBrk="1"/>
+          <a:endParaRPr lang="ko-KR" altLang="en-US"/>
+        </a:p>
+      </dgm:t>
+    </dgm:pt>
+    <dgm:pt modelId="{980B5443-3CCF-4CB9-A0CB-391BD85251A3}" type="sibTrans" cxnId="{B73B987D-6097-4B35-B704-62EF1345E002}">
+      <dgm:prSet/>
+      <dgm:spPr/>
+      <dgm:t>
+        <a:bodyPr/>
+        <a:lstStyle/>
+        <a:p>
+          <a:pPr latinLnBrk="1"/>
+          <a:endParaRPr lang="ko-KR" altLang="en-US"/>
+        </a:p>
+      </dgm:t>
+    </dgm:pt>
+    <dgm:pt modelId="{8EA59DA5-0E52-49AD-8DE9-EAAABE70D1AB}">
+      <dgm:prSet phldrT="[텍스트]" custT="1"/>
+      <dgm:spPr/>
+      <dgm:t>
+        <a:bodyPr/>
+        <a:lstStyle/>
+        <a:p>
+          <a:pPr latinLnBrk="1"/>
+          <a:r>
+            <a:rPr lang="en-US" altLang="ko-KR" sz="1000" b="1">
+              <a:solidFill>
+                <a:srgbClr val="FF0000"/>
+              </a:solidFill>
+            </a:rPr>
+            <a:t>ModbusDriver</a:t>
+          </a:r>
+          <a:endParaRPr lang="ko-KR" altLang="en-US" sz="1000" b="1">
+            <a:solidFill>
+              <a:srgbClr val="FF0000"/>
+            </a:solidFill>
+          </a:endParaRPr>
+        </a:p>
+      </dgm:t>
+    </dgm:pt>
+    <dgm:pt modelId="{2BE9CA1F-D39D-460C-882C-7420CF928D16}" type="parTrans" cxnId="{D8ADAE59-4653-4F90-836E-03202B70E538}">
+      <dgm:prSet/>
+      <dgm:spPr/>
+      <dgm:t>
+        <a:bodyPr/>
+        <a:lstStyle/>
+        <a:p>
+          <a:pPr latinLnBrk="1"/>
+          <a:endParaRPr lang="ko-KR" altLang="en-US"/>
+        </a:p>
+      </dgm:t>
+    </dgm:pt>
+    <dgm:pt modelId="{E2BE6255-E7C1-41F4-9251-2AD3973EB298}" type="sibTrans" cxnId="{D8ADAE59-4653-4F90-836E-03202B70E538}">
+      <dgm:prSet/>
+      <dgm:spPr/>
+      <dgm:t>
+        <a:bodyPr/>
+        <a:lstStyle/>
+        <a:p>
+          <a:pPr latinLnBrk="1"/>
+          <a:endParaRPr lang="ko-KR" altLang="en-US"/>
+        </a:p>
+      </dgm:t>
+    </dgm:pt>
+    <dgm:pt modelId="{AA2F1584-E706-4521-939A-01207AE207E9}">
+      <dgm:prSet phldrT="[텍스트]" custT="1"/>
+      <dgm:spPr/>
+      <dgm:t>
+        <a:bodyPr/>
+        <a:lstStyle/>
+        <a:p>
+          <a:pPr latinLnBrk="1"/>
+          <a:r>
+            <a:rPr lang="en-US" altLang="ko-KR" sz="1000" b="1">
+              <a:solidFill>
+                <a:srgbClr val="FF0000"/>
+              </a:solidFill>
+            </a:rPr>
+            <a:t>UI</a:t>
+          </a:r>
+          <a:endParaRPr lang="ko-KR" altLang="en-US" sz="1000" b="1">
+            <a:solidFill>
+              <a:srgbClr val="FF0000"/>
+            </a:solidFill>
+          </a:endParaRPr>
+        </a:p>
+      </dgm:t>
+    </dgm:pt>
+    <dgm:pt modelId="{99BA4B55-01B7-4043-B9FC-C908D7296434}" type="parTrans" cxnId="{D362BFE9-0B2B-4470-99F5-8835F9A63B4D}">
+      <dgm:prSet/>
+      <dgm:spPr/>
+      <dgm:t>
+        <a:bodyPr/>
+        <a:lstStyle/>
+        <a:p>
+          <a:pPr latinLnBrk="1"/>
+          <a:endParaRPr lang="ko-KR" altLang="en-US"/>
+        </a:p>
+      </dgm:t>
+    </dgm:pt>
+    <dgm:pt modelId="{99DF86DC-2350-42FC-B4EA-F61337A71827}" type="sibTrans" cxnId="{D362BFE9-0B2B-4470-99F5-8835F9A63B4D}">
+      <dgm:prSet/>
+      <dgm:spPr/>
+      <dgm:t>
+        <a:bodyPr/>
+        <a:lstStyle/>
+        <a:p>
+          <a:pPr latinLnBrk="1"/>
+          <a:endParaRPr lang="ko-KR" altLang="en-US"/>
+        </a:p>
+      </dgm:t>
+    </dgm:pt>
+    <dgm:pt modelId="{387E5098-A5EB-4672-956D-F3FB26790931}">
+      <dgm:prSet phldrT="[텍스트]" custT="1"/>
+      <dgm:spPr/>
+      <dgm:t>
+        <a:bodyPr/>
+        <a:lstStyle/>
+        <a:p>
+          <a:pPr latinLnBrk="1"/>
+          <a:r>
+            <a:rPr lang="en-US" altLang="ko-KR" sz="1000" b="1">
+              <a:solidFill>
+                <a:srgbClr val="FF0000"/>
+              </a:solidFill>
+            </a:rPr>
+            <a:t>MqTransfer</a:t>
+          </a:r>
+          <a:endParaRPr lang="ko-KR" altLang="en-US" sz="1000" b="1">
+            <a:solidFill>
+              <a:srgbClr val="FF0000"/>
+            </a:solidFill>
+          </a:endParaRPr>
+        </a:p>
+      </dgm:t>
+    </dgm:pt>
+    <dgm:pt modelId="{F92F817B-7583-48EE-A67B-07C66FA618B0}" type="parTrans" cxnId="{23D7BFF0-33ED-454F-8B4B-23D48189A86A}">
+      <dgm:prSet/>
+      <dgm:spPr/>
+      <dgm:t>
+        <a:bodyPr/>
+        <a:lstStyle/>
+        <a:p>
+          <a:pPr latinLnBrk="1"/>
+          <a:endParaRPr lang="ko-KR" altLang="en-US"/>
+        </a:p>
+      </dgm:t>
+    </dgm:pt>
+    <dgm:pt modelId="{813D2FBF-AF48-438B-BE9C-5E294AC669AC}" type="sibTrans" cxnId="{23D7BFF0-33ED-454F-8B4B-23D48189A86A}">
+      <dgm:prSet/>
+      <dgm:spPr/>
+      <dgm:t>
+        <a:bodyPr/>
+        <a:lstStyle/>
+        <a:p>
+          <a:pPr latinLnBrk="1"/>
+          <a:endParaRPr lang="ko-KR" altLang="en-US"/>
+        </a:p>
+      </dgm:t>
+    </dgm:pt>
+    <dgm:pt modelId="{FD342FC6-0CB7-4586-813B-B5FC711C4D0C}" type="pres">
+      <dgm:prSet presAssocID="{95BB7939-8913-4B3C-8916-30ABC495FDED}" presName="hierChild1" presStyleCnt="0">
+        <dgm:presLayoutVars>
+          <dgm:chPref val="1"/>
+          <dgm:dir/>
+          <dgm:animOne val="branch"/>
+          <dgm:animLvl val="lvl"/>
+          <dgm:resizeHandles/>
+        </dgm:presLayoutVars>
+      </dgm:prSet>
+      <dgm:spPr/>
+    </dgm:pt>
+    <dgm:pt modelId="{E05B75A5-D352-43AC-93A6-8A5AB11F19E2}" type="pres">
+      <dgm:prSet presAssocID="{A76B50C3-AF9A-4BFA-AA31-E8622AE3CEDE}" presName="hierRoot1" presStyleCnt="0"/>
+      <dgm:spPr/>
+    </dgm:pt>
+    <dgm:pt modelId="{6B891DEB-087B-4903-A3FB-46EACF02429C}" type="pres">
+      <dgm:prSet presAssocID="{A76B50C3-AF9A-4BFA-AA31-E8622AE3CEDE}" presName="composite" presStyleCnt="0"/>
+      <dgm:spPr/>
+    </dgm:pt>
+    <dgm:pt modelId="{95544506-DCD0-4732-84D3-F137EC30B18B}" type="pres">
+      <dgm:prSet presAssocID="{A76B50C3-AF9A-4BFA-AA31-E8622AE3CEDE}" presName="background" presStyleLbl="node0" presStyleIdx="0" presStyleCnt="1"/>
+      <dgm:spPr/>
+    </dgm:pt>
+    <dgm:pt modelId="{CD14573F-E355-44A1-9D05-97D98CDB0F2F}" type="pres">
+      <dgm:prSet presAssocID="{A76B50C3-AF9A-4BFA-AA31-E8622AE3CEDE}" presName="text" presStyleLbl="fgAcc0" presStyleIdx="0" presStyleCnt="1">
+        <dgm:presLayoutVars>
+          <dgm:chPref val="3"/>
+        </dgm:presLayoutVars>
+      </dgm:prSet>
+      <dgm:spPr/>
+    </dgm:pt>
+    <dgm:pt modelId="{01E44220-B41A-4F8D-8053-8C9D27ADCB69}" type="pres">
+      <dgm:prSet presAssocID="{A76B50C3-AF9A-4BFA-AA31-E8622AE3CEDE}" presName="hierChild2" presStyleCnt="0"/>
+      <dgm:spPr/>
+    </dgm:pt>
+    <dgm:pt modelId="{6723C8A6-3BAA-47F0-A866-13A7CB98F77E}" type="pres">
+      <dgm:prSet presAssocID="{9FC99459-3621-4EFC-9211-8287486456A7}" presName="Name10" presStyleLbl="parChTrans1D2" presStyleIdx="0" presStyleCnt="4"/>
+      <dgm:spPr/>
+    </dgm:pt>
+    <dgm:pt modelId="{8365E282-303E-40FD-B626-E3AA5E89AA92}" type="pres">
+      <dgm:prSet presAssocID="{75C2E9D3-D15E-4C2B-AAE3-1BDF3FD3B2E9}" presName="hierRoot2" presStyleCnt="0"/>
+      <dgm:spPr/>
+    </dgm:pt>
+    <dgm:pt modelId="{00CDC95B-DA65-4151-97C2-A500735FB825}" type="pres">
+      <dgm:prSet presAssocID="{75C2E9D3-D15E-4C2B-AAE3-1BDF3FD3B2E9}" presName="composite2" presStyleCnt="0"/>
+      <dgm:spPr/>
+    </dgm:pt>
+    <dgm:pt modelId="{AE11E54F-6481-40AE-8472-D904D41AD008}" type="pres">
+      <dgm:prSet presAssocID="{75C2E9D3-D15E-4C2B-AAE3-1BDF3FD3B2E9}" presName="background2" presStyleLbl="node2" presStyleIdx="0" presStyleCnt="4"/>
+      <dgm:spPr/>
+    </dgm:pt>
+    <dgm:pt modelId="{40088974-41DD-4C0F-821C-708972EB23B3}" type="pres">
+      <dgm:prSet presAssocID="{75C2E9D3-D15E-4C2B-AAE3-1BDF3FD3B2E9}" presName="text2" presStyleLbl="fgAcc2" presStyleIdx="0" presStyleCnt="4">
+        <dgm:presLayoutVars>
+          <dgm:chPref val="3"/>
+        </dgm:presLayoutVars>
+      </dgm:prSet>
+      <dgm:spPr/>
+    </dgm:pt>
+    <dgm:pt modelId="{60B0C0FD-6527-409F-8BB5-2F489FC35B65}" type="pres">
+      <dgm:prSet presAssocID="{75C2E9D3-D15E-4C2B-AAE3-1BDF3FD3B2E9}" presName="hierChild3" presStyleCnt="0"/>
+      <dgm:spPr/>
+    </dgm:pt>
+    <dgm:pt modelId="{E20FD126-5A13-4EC5-B9CC-BA7CF3C96876}" type="pres">
+      <dgm:prSet presAssocID="{2BE9CA1F-D39D-460C-882C-7420CF928D16}" presName="Name10" presStyleLbl="parChTrans1D2" presStyleIdx="1" presStyleCnt="4"/>
+      <dgm:spPr/>
+    </dgm:pt>
+    <dgm:pt modelId="{719DD1D0-01F1-44A9-8BA4-2D8516DE3D1A}" type="pres">
+      <dgm:prSet presAssocID="{8EA59DA5-0E52-49AD-8DE9-EAAABE70D1AB}" presName="hierRoot2" presStyleCnt="0"/>
+      <dgm:spPr/>
+    </dgm:pt>
+    <dgm:pt modelId="{718463D4-E0A6-4932-B27F-D1B809FA06BD}" type="pres">
+      <dgm:prSet presAssocID="{8EA59DA5-0E52-49AD-8DE9-EAAABE70D1AB}" presName="composite2" presStyleCnt="0"/>
+      <dgm:spPr/>
+    </dgm:pt>
+    <dgm:pt modelId="{D7776FE8-5D10-4E55-BD37-35E72DF493A2}" type="pres">
+      <dgm:prSet presAssocID="{8EA59DA5-0E52-49AD-8DE9-EAAABE70D1AB}" presName="background2" presStyleLbl="node2" presStyleIdx="1" presStyleCnt="4"/>
+      <dgm:spPr/>
+    </dgm:pt>
+    <dgm:pt modelId="{D64CACF3-8626-4A03-A976-297FA2EA7200}" type="pres">
+      <dgm:prSet presAssocID="{8EA59DA5-0E52-49AD-8DE9-EAAABE70D1AB}" presName="text2" presStyleLbl="fgAcc2" presStyleIdx="1" presStyleCnt="4">
+        <dgm:presLayoutVars>
+          <dgm:chPref val="3"/>
+        </dgm:presLayoutVars>
+      </dgm:prSet>
+      <dgm:spPr/>
+    </dgm:pt>
+    <dgm:pt modelId="{C69B27C6-5865-407F-A4BA-F5DB5F598C46}" type="pres">
+      <dgm:prSet presAssocID="{8EA59DA5-0E52-49AD-8DE9-EAAABE70D1AB}" presName="hierChild3" presStyleCnt="0"/>
+      <dgm:spPr/>
+    </dgm:pt>
+    <dgm:pt modelId="{C8E66629-FD35-4D87-9126-BB98DD825235}" type="pres">
+      <dgm:prSet presAssocID="{F92F817B-7583-48EE-A67B-07C66FA618B0}" presName="Name10" presStyleLbl="parChTrans1D2" presStyleIdx="2" presStyleCnt="4"/>
+      <dgm:spPr/>
+    </dgm:pt>
+    <dgm:pt modelId="{B2DC4695-5EF4-460F-8F7B-86FE6F276BF7}" type="pres">
+      <dgm:prSet presAssocID="{387E5098-A5EB-4672-956D-F3FB26790931}" presName="hierRoot2" presStyleCnt="0"/>
+      <dgm:spPr/>
+    </dgm:pt>
+    <dgm:pt modelId="{9FAE5021-AA18-4CC3-8FA5-585A8CBF5FFB}" type="pres">
+      <dgm:prSet presAssocID="{387E5098-A5EB-4672-956D-F3FB26790931}" presName="composite2" presStyleCnt="0"/>
+      <dgm:spPr/>
+    </dgm:pt>
+    <dgm:pt modelId="{126E3C57-D068-4345-9D11-55506F586112}" type="pres">
+      <dgm:prSet presAssocID="{387E5098-A5EB-4672-956D-F3FB26790931}" presName="background2" presStyleLbl="node2" presStyleIdx="2" presStyleCnt="4"/>
+      <dgm:spPr/>
+    </dgm:pt>
+    <dgm:pt modelId="{70E27536-15BF-49F3-A0F0-43BC197B6496}" type="pres">
+      <dgm:prSet presAssocID="{387E5098-A5EB-4672-956D-F3FB26790931}" presName="text2" presStyleLbl="fgAcc2" presStyleIdx="2" presStyleCnt="4">
+        <dgm:presLayoutVars>
+          <dgm:chPref val="3"/>
+        </dgm:presLayoutVars>
+      </dgm:prSet>
+      <dgm:spPr/>
+    </dgm:pt>
+    <dgm:pt modelId="{970E60AB-1B57-412F-A7E4-3F2AC04B7547}" type="pres">
+      <dgm:prSet presAssocID="{387E5098-A5EB-4672-956D-F3FB26790931}" presName="hierChild3" presStyleCnt="0"/>
+      <dgm:spPr/>
+    </dgm:pt>
+    <dgm:pt modelId="{6C6D2716-F8A2-4416-A309-CACB299A674F}" type="pres">
+      <dgm:prSet presAssocID="{99BA4B55-01B7-4043-B9FC-C908D7296434}" presName="Name10" presStyleLbl="parChTrans1D2" presStyleIdx="3" presStyleCnt="4"/>
+      <dgm:spPr/>
+    </dgm:pt>
+    <dgm:pt modelId="{26417D13-AB26-4D13-8E1F-8A3580C1B051}" type="pres">
+      <dgm:prSet presAssocID="{AA2F1584-E706-4521-939A-01207AE207E9}" presName="hierRoot2" presStyleCnt="0"/>
+      <dgm:spPr/>
+    </dgm:pt>
+    <dgm:pt modelId="{E3C5A4F2-9170-41B3-AAE2-2DC7F770FCBA}" type="pres">
+      <dgm:prSet presAssocID="{AA2F1584-E706-4521-939A-01207AE207E9}" presName="composite2" presStyleCnt="0"/>
+      <dgm:spPr/>
+    </dgm:pt>
+    <dgm:pt modelId="{60F794EA-4F0A-4A5A-86CF-83CF829D002B}" type="pres">
+      <dgm:prSet presAssocID="{AA2F1584-E706-4521-939A-01207AE207E9}" presName="background2" presStyleLbl="node2" presStyleIdx="3" presStyleCnt="4"/>
+      <dgm:spPr/>
+    </dgm:pt>
+    <dgm:pt modelId="{6F69136E-A889-4381-BA9A-D9D0288F82DA}" type="pres">
+      <dgm:prSet presAssocID="{AA2F1584-E706-4521-939A-01207AE207E9}" presName="text2" presStyleLbl="fgAcc2" presStyleIdx="3" presStyleCnt="4">
+        <dgm:presLayoutVars>
+          <dgm:chPref val="3"/>
+        </dgm:presLayoutVars>
+      </dgm:prSet>
+      <dgm:spPr/>
+    </dgm:pt>
+    <dgm:pt modelId="{A4A8B116-33CF-4468-9AA4-544771881ABE}" type="pres">
+      <dgm:prSet presAssocID="{AA2F1584-E706-4521-939A-01207AE207E9}" presName="hierChild3" presStyleCnt="0"/>
+      <dgm:spPr/>
+    </dgm:pt>
+  </dgm:ptLst>
+  <dgm:cxnLst>
+    <dgm:cxn modelId="{791F1061-4714-4432-B972-159C061F7307}" type="presOf" srcId="{AA2F1584-E706-4521-939A-01207AE207E9}" destId="{6F69136E-A889-4381-BA9A-D9D0288F82DA}" srcOrd="0" destOrd="0" presId="urn:microsoft.com/office/officeart/2005/8/layout/hierarchy1"/>
+    <dgm:cxn modelId="{7D942069-3E6E-4C66-BDED-80435DE28726}" type="presOf" srcId="{95BB7939-8913-4B3C-8916-30ABC495FDED}" destId="{FD342FC6-0CB7-4586-813B-B5FC711C4D0C}" srcOrd="0" destOrd="0" presId="urn:microsoft.com/office/officeart/2005/8/layout/hierarchy1"/>
+    <dgm:cxn modelId="{31EA6F6D-DC2E-49A7-8114-B70323F3CC70}" type="presOf" srcId="{8EA59DA5-0E52-49AD-8DE9-EAAABE70D1AB}" destId="{D64CACF3-8626-4A03-A976-297FA2EA7200}" srcOrd="0" destOrd="0" presId="urn:microsoft.com/office/officeart/2005/8/layout/hierarchy1"/>
+    <dgm:cxn modelId="{D8ADAE59-4653-4F90-836E-03202B70E538}" srcId="{A76B50C3-AF9A-4BFA-AA31-E8622AE3CEDE}" destId="{8EA59DA5-0E52-49AD-8DE9-EAAABE70D1AB}" srcOrd="1" destOrd="0" parTransId="{2BE9CA1F-D39D-460C-882C-7420CF928D16}" sibTransId="{E2BE6255-E7C1-41F4-9251-2AD3973EB298}"/>
+    <dgm:cxn modelId="{B73B987D-6097-4B35-B704-62EF1345E002}" srcId="{A76B50C3-AF9A-4BFA-AA31-E8622AE3CEDE}" destId="{75C2E9D3-D15E-4C2B-AAE3-1BDF3FD3B2E9}" srcOrd="0" destOrd="0" parTransId="{9FC99459-3621-4EFC-9211-8287486456A7}" sibTransId="{980B5443-3CCF-4CB9-A0CB-391BD85251A3}"/>
+    <dgm:cxn modelId="{C8E00D82-B322-4D12-9D68-00D854FD9C68}" type="presOf" srcId="{75C2E9D3-D15E-4C2B-AAE3-1BDF3FD3B2E9}" destId="{40088974-41DD-4C0F-821C-708972EB23B3}" srcOrd="0" destOrd="0" presId="urn:microsoft.com/office/officeart/2005/8/layout/hierarchy1"/>
+    <dgm:cxn modelId="{CD1C3599-BC4B-423F-BCB1-B68FCBDBED1F}" type="presOf" srcId="{387E5098-A5EB-4672-956D-F3FB26790931}" destId="{70E27536-15BF-49F3-A0F0-43BC197B6496}" srcOrd="0" destOrd="0" presId="urn:microsoft.com/office/officeart/2005/8/layout/hierarchy1"/>
+    <dgm:cxn modelId="{1BFB67B7-B6C1-429B-8429-0F37C0A0994C}" srcId="{95BB7939-8913-4B3C-8916-30ABC495FDED}" destId="{A76B50C3-AF9A-4BFA-AA31-E8622AE3CEDE}" srcOrd="0" destOrd="0" parTransId="{624EBC63-F38A-4FCD-8077-8C3E4163EAF7}" sibTransId="{93CC81A4-A403-47AF-A3E6-37CEA407E556}"/>
+    <dgm:cxn modelId="{81C229C3-FAF4-493D-8BAC-EC7F0309831D}" type="presOf" srcId="{9FC99459-3621-4EFC-9211-8287486456A7}" destId="{6723C8A6-3BAA-47F0-A866-13A7CB98F77E}" srcOrd="0" destOrd="0" presId="urn:microsoft.com/office/officeart/2005/8/layout/hierarchy1"/>
+    <dgm:cxn modelId="{8F43A7D3-B121-4243-A353-BDDB96152219}" type="presOf" srcId="{99BA4B55-01B7-4043-B9FC-C908D7296434}" destId="{6C6D2716-F8A2-4416-A309-CACB299A674F}" srcOrd="0" destOrd="0" presId="urn:microsoft.com/office/officeart/2005/8/layout/hierarchy1"/>
+    <dgm:cxn modelId="{D362BFE9-0B2B-4470-99F5-8835F9A63B4D}" srcId="{A76B50C3-AF9A-4BFA-AA31-E8622AE3CEDE}" destId="{AA2F1584-E706-4521-939A-01207AE207E9}" srcOrd="3" destOrd="0" parTransId="{99BA4B55-01B7-4043-B9FC-C908D7296434}" sibTransId="{99DF86DC-2350-42FC-B4EA-F61337A71827}"/>
+    <dgm:cxn modelId="{23D7BFF0-33ED-454F-8B4B-23D48189A86A}" srcId="{A76B50C3-AF9A-4BFA-AA31-E8622AE3CEDE}" destId="{387E5098-A5EB-4672-956D-F3FB26790931}" srcOrd="2" destOrd="0" parTransId="{F92F817B-7583-48EE-A67B-07C66FA618B0}" sibTransId="{813D2FBF-AF48-438B-BE9C-5E294AC669AC}"/>
+    <dgm:cxn modelId="{019052F9-F3CD-4422-B0C9-87AC005252E2}" type="presOf" srcId="{A76B50C3-AF9A-4BFA-AA31-E8622AE3CEDE}" destId="{CD14573F-E355-44A1-9D05-97D98CDB0F2F}" srcOrd="0" destOrd="0" presId="urn:microsoft.com/office/officeart/2005/8/layout/hierarchy1"/>
+    <dgm:cxn modelId="{B67E17FC-DDB8-4C7B-AD5D-F34D519E4D0D}" type="presOf" srcId="{F92F817B-7583-48EE-A67B-07C66FA618B0}" destId="{C8E66629-FD35-4D87-9126-BB98DD825235}" srcOrd="0" destOrd="0" presId="urn:microsoft.com/office/officeart/2005/8/layout/hierarchy1"/>
+    <dgm:cxn modelId="{E8A11CFC-D67F-4136-8DBF-0F83376D0909}" type="presOf" srcId="{2BE9CA1F-D39D-460C-882C-7420CF928D16}" destId="{E20FD126-5A13-4EC5-B9CC-BA7CF3C96876}" srcOrd="0" destOrd="0" presId="urn:microsoft.com/office/officeart/2005/8/layout/hierarchy1"/>
+    <dgm:cxn modelId="{CCCE1D82-E75D-4D8B-9A8D-EBB2B658A86E}" type="presParOf" srcId="{FD342FC6-0CB7-4586-813B-B5FC711C4D0C}" destId="{E05B75A5-D352-43AC-93A6-8A5AB11F19E2}" srcOrd="0" destOrd="0" presId="urn:microsoft.com/office/officeart/2005/8/layout/hierarchy1"/>
+    <dgm:cxn modelId="{1931B2CB-86DE-4DBA-80A2-9644554923CF}" type="presParOf" srcId="{E05B75A5-D352-43AC-93A6-8A5AB11F19E2}" destId="{6B891DEB-087B-4903-A3FB-46EACF02429C}" srcOrd="0" destOrd="0" presId="urn:microsoft.com/office/officeart/2005/8/layout/hierarchy1"/>
+    <dgm:cxn modelId="{5AE2D021-DCF8-4517-BF24-B86E530C141E}" type="presParOf" srcId="{6B891DEB-087B-4903-A3FB-46EACF02429C}" destId="{95544506-DCD0-4732-84D3-F137EC30B18B}" srcOrd="0" destOrd="0" presId="urn:microsoft.com/office/officeart/2005/8/layout/hierarchy1"/>
+    <dgm:cxn modelId="{CDCEE291-19FE-4C18-8177-C80AEF705726}" type="presParOf" srcId="{6B891DEB-087B-4903-A3FB-46EACF02429C}" destId="{CD14573F-E355-44A1-9D05-97D98CDB0F2F}" srcOrd="1" destOrd="0" presId="urn:microsoft.com/office/officeart/2005/8/layout/hierarchy1"/>
+    <dgm:cxn modelId="{1D693C49-4BBE-4B18-AB18-4AB3C67B2720}" type="presParOf" srcId="{E05B75A5-D352-43AC-93A6-8A5AB11F19E2}" destId="{01E44220-B41A-4F8D-8053-8C9D27ADCB69}" srcOrd="1" destOrd="0" presId="urn:microsoft.com/office/officeart/2005/8/layout/hierarchy1"/>
+    <dgm:cxn modelId="{E9E9DF1A-4AD4-4274-96D7-01096763A904}" type="presParOf" srcId="{01E44220-B41A-4F8D-8053-8C9D27ADCB69}" destId="{6723C8A6-3BAA-47F0-A866-13A7CB98F77E}" srcOrd="0" destOrd="0" presId="urn:microsoft.com/office/officeart/2005/8/layout/hierarchy1"/>
+    <dgm:cxn modelId="{3412F601-0A82-4E34-B70C-EAA31BE66694}" type="presParOf" srcId="{01E44220-B41A-4F8D-8053-8C9D27ADCB69}" destId="{8365E282-303E-40FD-B626-E3AA5E89AA92}" srcOrd="1" destOrd="0" presId="urn:microsoft.com/office/officeart/2005/8/layout/hierarchy1"/>
+    <dgm:cxn modelId="{E8454A76-4C52-4A0B-9E4F-F3605B4F0D2C}" type="presParOf" srcId="{8365E282-303E-40FD-B626-E3AA5E89AA92}" destId="{00CDC95B-DA65-4151-97C2-A500735FB825}" srcOrd="0" destOrd="0" presId="urn:microsoft.com/office/officeart/2005/8/layout/hierarchy1"/>
+    <dgm:cxn modelId="{4D300F36-AE68-4AED-A287-D174030CAFBC}" type="presParOf" srcId="{00CDC95B-DA65-4151-97C2-A500735FB825}" destId="{AE11E54F-6481-40AE-8472-D904D41AD008}" srcOrd="0" destOrd="0" presId="urn:microsoft.com/office/officeart/2005/8/layout/hierarchy1"/>
+    <dgm:cxn modelId="{37800DA4-342D-4F76-AC80-0E56D409B265}" type="presParOf" srcId="{00CDC95B-DA65-4151-97C2-A500735FB825}" destId="{40088974-41DD-4C0F-821C-708972EB23B3}" srcOrd="1" destOrd="0" presId="urn:microsoft.com/office/officeart/2005/8/layout/hierarchy1"/>
+    <dgm:cxn modelId="{127DE4B4-588A-4204-ACE2-5CA1A199B91B}" type="presParOf" srcId="{8365E282-303E-40FD-B626-E3AA5E89AA92}" destId="{60B0C0FD-6527-409F-8BB5-2F489FC35B65}" srcOrd="1" destOrd="0" presId="urn:microsoft.com/office/officeart/2005/8/layout/hierarchy1"/>
+    <dgm:cxn modelId="{4FA2805A-38BE-481C-A794-0107EE2D3188}" type="presParOf" srcId="{01E44220-B41A-4F8D-8053-8C9D27ADCB69}" destId="{E20FD126-5A13-4EC5-B9CC-BA7CF3C96876}" srcOrd="2" destOrd="0" presId="urn:microsoft.com/office/officeart/2005/8/layout/hierarchy1"/>
+    <dgm:cxn modelId="{BEA10F2B-ABF1-4476-AA24-6C7073527F00}" type="presParOf" srcId="{01E44220-B41A-4F8D-8053-8C9D27ADCB69}" destId="{719DD1D0-01F1-44A9-8BA4-2D8516DE3D1A}" srcOrd="3" destOrd="0" presId="urn:microsoft.com/office/officeart/2005/8/layout/hierarchy1"/>
+    <dgm:cxn modelId="{63F06B67-D5FB-4D30-B6DC-86321B692CAB}" type="presParOf" srcId="{719DD1D0-01F1-44A9-8BA4-2D8516DE3D1A}" destId="{718463D4-E0A6-4932-B27F-D1B809FA06BD}" srcOrd="0" destOrd="0" presId="urn:microsoft.com/office/officeart/2005/8/layout/hierarchy1"/>
+    <dgm:cxn modelId="{35EAD636-0A74-433C-BC12-4B7091C4704A}" type="presParOf" srcId="{718463D4-E0A6-4932-B27F-D1B809FA06BD}" destId="{D7776FE8-5D10-4E55-BD37-35E72DF493A2}" srcOrd="0" destOrd="0" presId="urn:microsoft.com/office/officeart/2005/8/layout/hierarchy1"/>
+    <dgm:cxn modelId="{55949123-4EFD-455F-9CCB-D4F97440AE96}" type="presParOf" srcId="{718463D4-E0A6-4932-B27F-D1B809FA06BD}" destId="{D64CACF3-8626-4A03-A976-297FA2EA7200}" srcOrd="1" destOrd="0" presId="urn:microsoft.com/office/officeart/2005/8/layout/hierarchy1"/>
+    <dgm:cxn modelId="{D9F06679-FED1-4CCB-AEAC-57F2E12B0B48}" type="presParOf" srcId="{719DD1D0-01F1-44A9-8BA4-2D8516DE3D1A}" destId="{C69B27C6-5865-407F-A4BA-F5DB5F598C46}" srcOrd="1" destOrd="0" presId="urn:microsoft.com/office/officeart/2005/8/layout/hierarchy1"/>
+    <dgm:cxn modelId="{4C13BC0E-FFEF-43E3-9731-7F3F02BA2B1C}" type="presParOf" srcId="{01E44220-B41A-4F8D-8053-8C9D27ADCB69}" destId="{C8E66629-FD35-4D87-9126-BB98DD825235}" srcOrd="4" destOrd="0" presId="urn:microsoft.com/office/officeart/2005/8/layout/hierarchy1"/>
+    <dgm:cxn modelId="{676AC008-460A-41CA-AE91-983DFC0B0BB1}" type="presParOf" srcId="{01E44220-B41A-4F8D-8053-8C9D27ADCB69}" destId="{B2DC4695-5EF4-460F-8F7B-86FE6F276BF7}" srcOrd="5" destOrd="0" presId="urn:microsoft.com/office/officeart/2005/8/layout/hierarchy1"/>
+    <dgm:cxn modelId="{89B5269B-3859-4AB5-A579-8AAC29841AB5}" type="presParOf" srcId="{B2DC4695-5EF4-460F-8F7B-86FE6F276BF7}" destId="{9FAE5021-AA18-4CC3-8FA5-585A8CBF5FFB}" srcOrd="0" destOrd="0" presId="urn:microsoft.com/office/officeart/2005/8/layout/hierarchy1"/>
+    <dgm:cxn modelId="{684DACF4-907E-4926-A6CB-AA24168FC12B}" type="presParOf" srcId="{9FAE5021-AA18-4CC3-8FA5-585A8CBF5FFB}" destId="{126E3C57-D068-4345-9D11-55506F586112}" srcOrd="0" destOrd="0" presId="urn:microsoft.com/office/officeart/2005/8/layout/hierarchy1"/>
+    <dgm:cxn modelId="{22C9085A-E1DC-40C5-A538-0F1B71F1D6E2}" type="presParOf" srcId="{9FAE5021-AA18-4CC3-8FA5-585A8CBF5FFB}" destId="{70E27536-15BF-49F3-A0F0-43BC197B6496}" srcOrd="1" destOrd="0" presId="urn:microsoft.com/office/officeart/2005/8/layout/hierarchy1"/>
+    <dgm:cxn modelId="{12810F20-00A2-43DB-BDA1-00ACA8F21F00}" type="presParOf" srcId="{B2DC4695-5EF4-460F-8F7B-86FE6F276BF7}" destId="{970E60AB-1B57-412F-A7E4-3F2AC04B7547}" srcOrd="1" destOrd="0" presId="urn:microsoft.com/office/officeart/2005/8/layout/hierarchy1"/>
+    <dgm:cxn modelId="{41CAB0E5-E480-4F19-8DC9-5363768358B3}" type="presParOf" srcId="{01E44220-B41A-4F8D-8053-8C9D27ADCB69}" destId="{6C6D2716-F8A2-4416-A309-CACB299A674F}" srcOrd="6" destOrd="0" presId="urn:microsoft.com/office/officeart/2005/8/layout/hierarchy1"/>
+    <dgm:cxn modelId="{5DB402E5-3ED3-4CEB-AF89-15933530B580}" type="presParOf" srcId="{01E44220-B41A-4F8D-8053-8C9D27ADCB69}" destId="{26417D13-AB26-4D13-8E1F-8A3580C1B051}" srcOrd="7" destOrd="0" presId="urn:microsoft.com/office/officeart/2005/8/layout/hierarchy1"/>
     <dgm:cxn modelId="{90557BB6-FDCD-4ABB-AB3D-A436272A0C01}" type="presParOf" srcId="{26417D13-AB26-4D13-8E1F-8A3580C1B051}" destId="{E3C5A4F2-9170-41B3-AAE2-2DC7F770FCBA}" srcOrd="0" destOrd="0" presId="urn:microsoft.com/office/officeart/2005/8/layout/hierarchy1"/>
     <dgm:cxn modelId="{1F147202-AADE-4E74-923C-5D7E05C5DBED}" type="presParOf" srcId="{E3C5A4F2-9170-41B3-AAE2-2DC7F770FCBA}" destId="{60F794EA-4F0A-4A5A-86CF-83CF829D002B}" srcOrd="0" destOrd="0" presId="urn:microsoft.com/office/officeart/2005/8/layout/hierarchy1"/>
     <dgm:cxn modelId="{B8184E8D-B574-442B-A2FF-B8DC17FC3121}" type="presParOf" srcId="{E3C5A4F2-9170-41B3-AAE2-2DC7F770FCBA}" destId="{6F69136E-A889-4381-BA9A-D9D0288F82DA}" srcOrd="1" destOrd="0" presId="urn:microsoft.com/office/officeart/2005/8/layout/hierarchy1"/>
@@ -13689,6 +16011,1680 @@
 </dsp:drawing>
 </file>
 
+<file path=ppt/diagrams/drawing8.xml><?xml version="1.0" encoding="utf-8"?>
+<dsp:drawing xmlns:dgm="http://schemas.openxmlformats.org/drawingml/2006/diagram" xmlns:dsp="http://schemas.microsoft.com/office/drawing/2008/diagram" xmlns:a="http://schemas.openxmlformats.org/drawingml/2006/main">
+  <dsp:spTree>
+    <dsp:nvGrpSpPr>
+      <dsp:cNvPr id="0" name=""/>
+      <dsp:cNvGrpSpPr/>
+    </dsp:nvGrpSpPr>
+    <dsp:grpSpPr/>
+    <dsp:sp modelId="{6C6D2716-F8A2-4416-A309-CACB299A674F}">
+      <dsp:nvSpPr>
+        <dsp:cNvPr id="0" name=""/>
+        <dsp:cNvSpPr/>
+      </dsp:nvSpPr>
+      <dsp:spPr>
+        <a:xfrm>
+          <a:off x="1883459" y="1115398"/>
+          <a:ext cx="1336648" cy="318061"/>
+        </a:xfrm>
+        <a:custGeom>
+          <a:avLst/>
+          <a:gdLst/>
+          <a:ahLst/>
+          <a:cxnLst/>
+          <a:rect l="0" t="0" r="0" b="0"/>
+          <a:pathLst>
+            <a:path>
+              <a:moveTo>
+                <a:pt x="0" y="0"/>
+              </a:moveTo>
+              <a:lnTo>
+                <a:pt x="0" y="216749"/>
+              </a:lnTo>
+              <a:lnTo>
+                <a:pt x="1336648" y="216749"/>
+              </a:lnTo>
+              <a:lnTo>
+                <a:pt x="1336648" y="318061"/>
+              </a:lnTo>
+            </a:path>
+          </a:pathLst>
+        </a:custGeom>
+        <a:noFill/>
+        <a:ln w="25400" cap="flat" cmpd="sng" algn="ctr">
+          <a:solidFill>
+            <a:schemeClr val="accent1">
+              <a:shade val="60000"/>
+              <a:hueOff val="0"/>
+              <a:satOff val="0"/>
+              <a:lumOff val="0"/>
+              <a:alphaOff val="0"/>
+            </a:schemeClr>
+          </a:solidFill>
+          <a:prstDash val="solid"/>
+        </a:ln>
+        <a:effectLst/>
+      </dsp:spPr>
+      <dsp:style>
+        <a:lnRef idx="2">
+          <a:scrgbClr r="0" g="0" b="0"/>
+        </a:lnRef>
+        <a:fillRef idx="0">
+          <a:scrgbClr r="0" g="0" b="0"/>
+        </a:fillRef>
+        <a:effectRef idx="0">
+          <a:scrgbClr r="0" g="0" b="0"/>
+        </a:effectRef>
+        <a:fontRef idx="minor"/>
+      </dsp:style>
+    </dsp:sp>
+    <dsp:sp modelId="{E20FD126-5A13-4EC5-B9CC-BA7CF3C96876}">
+      <dsp:nvSpPr>
+        <dsp:cNvPr id="0" name=""/>
+        <dsp:cNvSpPr/>
+      </dsp:nvSpPr>
+      <dsp:spPr>
+        <a:xfrm>
+          <a:off x="1837739" y="1115398"/>
+          <a:ext cx="91440" cy="318061"/>
+        </a:xfrm>
+        <a:custGeom>
+          <a:avLst/>
+          <a:gdLst/>
+          <a:ahLst/>
+          <a:cxnLst/>
+          <a:rect l="0" t="0" r="0" b="0"/>
+          <a:pathLst>
+            <a:path>
+              <a:moveTo>
+                <a:pt x="45720" y="0"/>
+              </a:moveTo>
+              <a:lnTo>
+                <a:pt x="45720" y="318061"/>
+              </a:lnTo>
+            </a:path>
+          </a:pathLst>
+        </a:custGeom>
+        <a:noFill/>
+        <a:ln w="25400" cap="flat" cmpd="sng" algn="ctr">
+          <a:solidFill>
+            <a:schemeClr val="accent1">
+              <a:shade val="60000"/>
+              <a:hueOff val="0"/>
+              <a:satOff val="0"/>
+              <a:lumOff val="0"/>
+              <a:alphaOff val="0"/>
+            </a:schemeClr>
+          </a:solidFill>
+          <a:prstDash val="solid"/>
+        </a:ln>
+        <a:effectLst/>
+      </dsp:spPr>
+      <dsp:style>
+        <a:lnRef idx="2">
+          <a:scrgbClr r="0" g="0" b="0"/>
+        </a:lnRef>
+        <a:fillRef idx="0">
+          <a:scrgbClr r="0" g="0" b="0"/>
+        </a:fillRef>
+        <a:effectRef idx="0">
+          <a:scrgbClr r="0" g="0" b="0"/>
+        </a:effectRef>
+        <a:fontRef idx="minor"/>
+      </dsp:style>
+    </dsp:sp>
+    <dsp:sp modelId="{6723C8A6-3BAA-47F0-A866-13A7CB98F77E}">
+      <dsp:nvSpPr>
+        <dsp:cNvPr id="0" name=""/>
+        <dsp:cNvSpPr/>
+      </dsp:nvSpPr>
+      <dsp:spPr>
+        <a:xfrm>
+          <a:off x="546810" y="1115398"/>
+          <a:ext cx="1336648" cy="318061"/>
+        </a:xfrm>
+        <a:custGeom>
+          <a:avLst/>
+          <a:gdLst/>
+          <a:ahLst/>
+          <a:cxnLst/>
+          <a:rect l="0" t="0" r="0" b="0"/>
+          <a:pathLst>
+            <a:path>
+              <a:moveTo>
+                <a:pt x="1336648" y="0"/>
+              </a:moveTo>
+              <a:lnTo>
+                <a:pt x="1336648" y="216749"/>
+              </a:lnTo>
+              <a:lnTo>
+                <a:pt x="0" y="216749"/>
+              </a:lnTo>
+              <a:lnTo>
+                <a:pt x="0" y="318061"/>
+              </a:lnTo>
+            </a:path>
+          </a:pathLst>
+        </a:custGeom>
+        <a:noFill/>
+        <a:ln w="25400" cap="flat" cmpd="sng" algn="ctr">
+          <a:solidFill>
+            <a:schemeClr val="accent1">
+              <a:shade val="60000"/>
+              <a:hueOff val="0"/>
+              <a:satOff val="0"/>
+              <a:lumOff val="0"/>
+              <a:alphaOff val="0"/>
+            </a:schemeClr>
+          </a:solidFill>
+          <a:prstDash val="solid"/>
+        </a:ln>
+        <a:effectLst/>
+      </dsp:spPr>
+      <dsp:style>
+        <a:lnRef idx="2">
+          <a:scrgbClr r="0" g="0" b="0"/>
+        </a:lnRef>
+        <a:fillRef idx="0">
+          <a:scrgbClr r="0" g="0" b="0"/>
+        </a:fillRef>
+        <a:effectRef idx="0">
+          <a:scrgbClr r="0" g="0" b="0"/>
+        </a:effectRef>
+        <a:fontRef idx="minor"/>
+      </dsp:style>
+    </dsp:sp>
+    <dsp:sp modelId="{95544506-DCD0-4732-84D3-F137EC30B18B}">
+      <dsp:nvSpPr>
+        <dsp:cNvPr id="0" name=""/>
+        <dsp:cNvSpPr/>
+      </dsp:nvSpPr>
+      <dsp:spPr>
+        <a:xfrm>
+          <a:off x="1336648" y="420948"/>
+          <a:ext cx="1093621" cy="694449"/>
+        </a:xfrm>
+        <a:prstGeom prst="roundRect">
+          <a:avLst>
+            <a:gd name="adj" fmla="val 10000"/>
+          </a:avLst>
+        </a:prstGeom>
+        <a:solidFill>
+          <a:schemeClr val="accent1">
+            <a:hueOff val="0"/>
+            <a:satOff val="0"/>
+            <a:lumOff val="0"/>
+            <a:alphaOff val="0"/>
+          </a:schemeClr>
+        </a:solidFill>
+        <a:ln w="25400" cap="flat" cmpd="sng" algn="ctr">
+          <a:solidFill>
+            <a:schemeClr val="lt1">
+              <a:hueOff val="0"/>
+              <a:satOff val="0"/>
+              <a:lumOff val="0"/>
+              <a:alphaOff val="0"/>
+            </a:schemeClr>
+          </a:solidFill>
+          <a:prstDash val="solid"/>
+        </a:ln>
+        <a:effectLst/>
+      </dsp:spPr>
+      <dsp:style>
+        <a:lnRef idx="2">
+          <a:scrgbClr r="0" g="0" b="0"/>
+        </a:lnRef>
+        <a:fillRef idx="1">
+          <a:scrgbClr r="0" g="0" b="0"/>
+        </a:fillRef>
+        <a:effectRef idx="0">
+          <a:scrgbClr r="0" g="0" b="0"/>
+        </a:effectRef>
+        <a:fontRef idx="minor">
+          <a:schemeClr val="lt1"/>
+        </a:fontRef>
+      </dsp:style>
+    </dsp:sp>
+    <dsp:sp modelId="{CD14573F-E355-44A1-9D05-97D98CDB0F2F}">
+      <dsp:nvSpPr>
+        <dsp:cNvPr id="0" name=""/>
+        <dsp:cNvSpPr/>
+      </dsp:nvSpPr>
+      <dsp:spPr>
+        <a:xfrm>
+          <a:off x="1458162" y="536386"/>
+          <a:ext cx="1093621" cy="694449"/>
+        </a:xfrm>
+        <a:prstGeom prst="roundRect">
+          <a:avLst>
+            <a:gd name="adj" fmla="val 10000"/>
+          </a:avLst>
+        </a:prstGeom>
+        <a:solidFill>
+          <a:schemeClr val="lt1">
+            <a:alpha val="90000"/>
+            <a:hueOff val="0"/>
+            <a:satOff val="0"/>
+            <a:lumOff val="0"/>
+            <a:alphaOff val="0"/>
+          </a:schemeClr>
+        </a:solidFill>
+        <a:ln w="25400" cap="flat" cmpd="sng" algn="ctr">
+          <a:solidFill>
+            <a:schemeClr val="accent1">
+              <a:hueOff val="0"/>
+              <a:satOff val="0"/>
+              <a:lumOff val="0"/>
+              <a:alphaOff val="0"/>
+            </a:schemeClr>
+          </a:solidFill>
+          <a:prstDash val="solid"/>
+        </a:ln>
+        <a:effectLst/>
+      </dsp:spPr>
+      <dsp:style>
+        <a:lnRef idx="2">
+          <a:scrgbClr r="0" g="0" b="0"/>
+        </a:lnRef>
+        <a:fillRef idx="1">
+          <a:scrgbClr r="0" g="0" b="0"/>
+        </a:fillRef>
+        <a:effectRef idx="0">
+          <a:scrgbClr r="0" g="0" b="0"/>
+        </a:effectRef>
+        <a:fontRef idx="minor"/>
+      </dsp:style>
+      <dsp:txBody>
+        <a:bodyPr spcFirstLastPara="0" vert="horz" wrap="square" lIns="38100" tIns="38100" rIns="38100" bIns="38100" numCol="1" spcCol="1270" anchor="ctr" anchorCtr="0">
+          <a:noAutofit/>
+        </a:bodyPr>
+        <a:lstStyle/>
+        <a:p>
+          <a:pPr marL="0" lvl="0" indent="0" algn="ctr" defTabSz="444500" latinLnBrk="1">
+            <a:lnSpc>
+              <a:spcPct val="90000"/>
+            </a:lnSpc>
+            <a:spcBef>
+              <a:spcPct val="0"/>
+            </a:spcBef>
+            <a:spcAft>
+              <a:spcPct val="35000"/>
+            </a:spcAft>
+            <a:buNone/>
+          </a:pPr>
+          <a:r>
+            <a:rPr lang="ko-KR" altLang="en-US" sz="1000" kern="1200"/>
+            <a:t>김선관</a:t>
+          </a:r>
+          <a:endParaRPr lang="ko-KR" altLang="en-US" sz="1000" b="1" kern="1200">
+            <a:solidFill>
+              <a:srgbClr val="FF0000"/>
+            </a:solidFill>
+          </a:endParaRPr>
+        </a:p>
+      </dsp:txBody>
+      <dsp:txXfrm>
+        <a:off x="1478502" y="556726"/>
+        <a:ext cx="1052941" cy="653769"/>
+      </dsp:txXfrm>
+    </dsp:sp>
+    <dsp:sp modelId="{AE11E54F-6481-40AE-8472-D904D41AD008}">
+      <dsp:nvSpPr>
+        <dsp:cNvPr id="0" name=""/>
+        <dsp:cNvSpPr/>
+      </dsp:nvSpPr>
+      <dsp:spPr>
+        <a:xfrm>
+          <a:off x="0" y="1433459"/>
+          <a:ext cx="1093621" cy="694449"/>
+        </a:xfrm>
+        <a:prstGeom prst="roundRect">
+          <a:avLst>
+            <a:gd name="adj" fmla="val 10000"/>
+          </a:avLst>
+        </a:prstGeom>
+        <a:solidFill>
+          <a:schemeClr val="accent1">
+            <a:hueOff val="0"/>
+            <a:satOff val="0"/>
+            <a:lumOff val="0"/>
+            <a:alphaOff val="0"/>
+          </a:schemeClr>
+        </a:solidFill>
+        <a:ln w="25400" cap="flat" cmpd="sng" algn="ctr">
+          <a:solidFill>
+            <a:schemeClr val="lt1">
+              <a:hueOff val="0"/>
+              <a:satOff val="0"/>
+              <a:lumOff val="0"/>
+              <a:alphaOff val="0"/>
+            </a:schemeClr>
+          </a:solidFill>
+          <a:prstDash val="solid"/>
+        </a:ln>
+        <a:effectLst/>
+      </dsp:spPr>
+      <dsp:style>
+        <a:lnRef idx="2">
+          <a:scrgbClr r="0" g="0" b="0"/>
+        </a:lnRef>
+        <a:fillRef idx="1">
+          <a:scrgbClr r="0" g="0" b="0"/>
+        </a:fillRef>
+        <a:effectRef idx="0">
+          <a:scrgbClr r="0" g="0" b="0"/>
+        </a:effectRef>
+        <a:fontRef idx="minor">
+          <a:schemeClr val="lt1"/>
+        </a:fontRef>
+      </dsp:style>
+    </dsp:sp>
+    <dsp:sp modelId="{40088974-41DD-4C0F-821C-708972EB23B3}">
+      <dsp:nvSpPr>
+        <dsp:cNvPr id="0" name=""/>
+        <dsp:cNvSpPr/>
+      </dsp:nvSpPr>
+      <dsp:spPr>
+        <a:xfrm>
+          <a:off x="121513" y="1548897"/>
+          <a:ext cx="1093621" cy="694449"/>
+        </a:xfrm>
+        <a:prstGeom prst="roundRect">
+          <a:avLst>
+            <a:gd name="adj" fmla="val 10000"/>
+          </a:avLst>
+        </a:prstGeom>
+        <a:solidFill>
+          <a:schemeClr val="lt1">
+            <a:alpha val="90000"/>
+            <a:hueOff val="0"/>
+            <a:satOff val="0"/>
+            <a:lumOff val="0"/>
+            <a:alphaOff val="0"/>
+          </a:schemeClr>
+        </a:solidFill>
+        <a:ln w="25400" cap="flat" cmpd="sng" algn="ctr">
+          <a:solidFill>
+            <a:schemeClr val="accent1">
+              <a:hueOff val="0"/>
+              <a:satOff val="0"/>
+              <a:lumOff val="0"/>
+              <a:alphaOff val="0"/>
+            </a:schemeClr>
+          </a:solidFill>
+          <a:prstDash val="solid"/>
+        </a:ln>
+        <a:effectLst/>
+      </dsp:spPr>
+      <dsp:style>
+        <a:lnRef idx="2">
+          <a:scrgbClr r="0" g="0" b="0"/>
+        </a:lnRef>
+        <a:fillRef idx="1">
+          <a:scrgbClr r="0" g="0" b="0"/>
+        </a:fillRef>
+        <a:effectRef idx="0">
+          <a:scrgbClr r="0" g="0" b="0"/>
+        </a:effectRef>
+        <a:fontRef idx="minor"/>
+      </dsp:style>
+      <dsp:txBody>
+        <a:bodyPr spcFirstLastPara="0" vert="horz" wrap="square" lIns="38100" tIns="38100" rIns="38100" bIns="38100" numCol="1" spcCol="1270" anchor="ctr" anchorCtr="0">
+          <a:noAutofit/>
+        </a:bodyPr>
+        <a:lstStyle/>
+        <a:p>
+          <a:pPr marL="0" lvl="0" indent="0" algn="ctr" defTabSz="444500" latinLnBrk="1">
+            <a:lnSpc>
+              <a:spcPct val="90000"/>
+            </a:lnSpc>
+            <a:spcBef>
+              <a:spcPct val="0"/>
+            </a:spcBef>
+            <a:spcAft>
+              <a:spcPct val="35000"/>
+            </a:spcAft>
+            <a:buNone/>
+          </a:pPr>
+          <a:r>
+            <a:rPr lang="ko-KR" altLang="en-US" sz="1000" b="1" kern="1200">
+              <a:solidFill>
+                <a:srgbClr val="FF0000"/>
+              </a:solidFill>
+            </a:rPr>
+            <a:t>아키텍처</a:t>
+          </a:r>
+        </a:p>
+      </dsp:txBody>
+      <dsp:txXfrm>
+        <a:off x="141853" y="1569237"/>
+        <a:ext cx="1052941" cy="653769"/>
+      </dsp:txXfrm>
+    </dsp:sp>
+    <dsp:sp modelId="{D7776FE8-5D10-4E55-BD37-35E72DF493A2}">
+      <dsp:nvSpPr>
+        <dsp:cNvPr id="0" name=""/>
+        <dsp:cNvSpPr/>
+      </dsp:nvSpPr>
+      <dsp:spPr>
+        <a:xfrm>
+          <a:off x="1336648" y="1433459"/>
+          <a:ext cx="1093621" cy="694449"/>
+        </a:xfrm>
+        <a:prstGeom prst="roundRect">
+          <a:avLst>
+            <a:gd name="adj" fmla="val 10000"/>
+          </a:avLst>
+        </a:prstGeom>
+        <a:solidFill>
+          <a:schemeClr val="accent1">
+            <a:hueOff val="0"/>
+            <a:satOff val="0"/>
+            <a:lumOff val="0"/>
+            <a:alphaOff val="0"/>
+          </a:schemeClr>
+        </a:solidFill>
+        <a:ln w="25400" cap="flat" cmpd="sng" algn="ctr">
+          <a:solidFill>
+            <a:schemeClr val="lt1">
+              <a:hueOff val="0"/>
+              <a:satOff val="0"/>
+              <a:lumOff val="0"/>
+              <a:alphaOff val="0"/>
+            </a:schemeClr>
+          </a:solidFill>
+          <a:prstDash val="solid"/>
+        </a:ln>
+        <a:effectLst/>
+      </dsp:spPr>
+      <dsp:style>
+        <a:lnRef idx="2">
+          <a:scrgbClr r="0" g="0" b="0"/>
+        </a:lnRef>
+        <a:fillRef idx="1">
+          <a:scrgbClr r="0" g="0" b="0"/>
+        </a:fillRef>
+        <a:effectRef idx="0">
+          <a:scrgbClr r="0" g="0" b="0"/>
+        </a:effectRef>
+        <a:fontRef idx="minor">
+          <a:schemeClr val="lt1"/>
+        </a:fontRef>
+      </dsp:style>
+    </dsp:sp>
+    <dsp:sp modelId="{D64CACF3-8626-4A03-A976-297FA2EA7200}">
+      <dsp:nvSpPr>
+        <dsp:cNvPr id="0" name=""/>
+        <dsp:cNvSpPr/>
+      </dsp:nvSpPr>
+      <dsp:spPr>
+        <a:xfrm>
+          <a:off x="1458162" y="1548897"/>
+          <a:ext cx="1093621" cy="694449"/>
+        </a:xfrm>
+        <a:prstGeom prst="roundRect">
+          <a:avLst>
+            <a:gd name="adj" fmla="val 10000"/>
+          </a:avLst>
+        </a:prstGeom>
+        <a:solidFill>
+          <a:schemeClr val="lt1">
+            <a:alpha val="90000"/>
+            <a:hueOff val="0"/>
+            <a:satOff val="0"/>
+            <a:lumOff val="0"/>
+            <a:alphaOff val="0"/>
+          </a:schemeClr>
+        </a:solidFill>
+        <a:ln w="25400" cap="flat" cmpd="sng" algn="ctr">
+          <a:solidFill>
+            <a:schemeClr val="accent1">
+              <a:hueOff val="0"/>
+              <a:satOff val="0"/>
+              <a:lumOff val="0"/>
+              <a:alphaOff val="0"/>
+            </a:schemeClr>
+          </a:solidFill>
+          <a:prstDash val="solid"/>
+        </a:ln>
+        <a:effectLst/>
+      </dsp:spPr>
+      <dsp:style>
+        <a:lnRef idx="2">
+          <a:scrgbClr r="0" g="0" b="0"/>
+        </a:lnRef>
+        <a:fillRef idx="1">
+          <a:scrgbClr r="0" g="0" b="0"/>
+        </a:fillRef>
+        <a:effectRef idx="0">
+          <a:scrgbClr r="0" g="0" b="0"/>
+        </a:effectRef>
+        <a:fontRef idx="minor"/>
+      </dsp:style>
+      <dsp:txBody>
+        <a:bodyPr spcFirstLastPara="0" vert="horz" wrap="square" lIns="38100" tIns="38100" rIns="38100" bIns="38100" numCol="1" spcCol="1270" anchor="ctr" anchorCtr="0">
+          <a:noAutofit/>
+        </a:bodyPr>
+        <a:lstStyle/>
+        <a:p>
+          <a:pPr marL="0" lvl="0" indent="0" algn="ctr" defTabSz="444500" latinLnBrk="1">
+            <a:lnSpc>
+              <a:spcPct val="90000"/>
+            </a:lnSpc>
+            <a:spcBef>
+              <a:spcPct val="0"/>
+            </a:spcBef>
+            <a:spcAft>
+              <a:spcPct val="35000"/>
+            </a:spcAft>
+            <a:buNone/>
+          </a:pPr>
+          <a:r>
+            <a:rPr lang="en-US" altLang="ko-KR" sz="1000" b="1" kern="1200">
+              <a:solidFill>
+                <a:srgbClr val="FF0000"/>
+              </a:solidFill>
+            </a:rPr>
+            <a:t>Excel AddressMap</a:t>
+          </a:r>
+          <a:endParaRPr lang="ko-KR" altLang="en-US" sz="1000" b="1" kern="1200">
+            <a:solidFill>
+              <a:srgbClr val="FF0000"/>
+            </a:solidFill>
+          </a:endParaRPr>
+        </a:p>
+      </dsp:txBody>
+      <dsp:txXfrm>
+        <a:off x="1478502" y="1569237"/>
+        <a:ext cx="1052941" cy="653769"/>
+      </dsp:txXfrm>
+    </dsp:sp>
+    <dsp:sp modelId="{60F794EA-4F0A-4A5A-86CF-83CF829D002B}">
+      <dsp:nvSpPr>
+        <dsp:cNvPr id="0" name=""/>
+        <dsp:cNvSpPr/>
+      </dsp:nvSpPr>
+      <dsp:spPr>
+        <a:xfrm>
+          <a:off x="2673297" y="1433459"/>
+          <a:ext cx="1093621" cy="694449"/>
+        </a:xfrm>
+        <a:prstGeom prst="roundRect">
+          <a:avLst>
+            <a:gd name="adj" fmla="val 10000"/>
+          </a:avLst>
+        </a:prstGeom>
+        <a:solidFill>
+          <a:schemeClr val="accent1">
+            <a:hueOff val="0"/>
+            <a:satOff val="0"/>
+            <a:lumOff val="0"/>
+            <a:alphaOff val="0"/>
+          </a:schemeClr>
+        </a:solidFill>
+        <a:ln w="25400" cap="flat" cmpd="sng" algn="ctr">
+          <a:solidFill>
+            <a:schemeClr val="lt1">
+              <a:hueOff val="0"/>
+              <a:satOff val="0"/>
+              <a:lumOff val="0"/>
+              <a:alphaOff val="0"/>
+            </a:schemeClr>
+          </a:solidFill>
+          <a:prstDash val="solid"/>
+        </a:ln>
+        <a:effectLst/>
+      </dsp:spPr>
+      <dsp:style>
+        <a:lnRef idx="2">
+          <a:scrgbClr r="0" g="0" b="0"/>
+        </a:lnRef>
+        <a:fillRef idx="1">
+          <a:scrgbClr r="0" g="0" b="0"/>
+        </a:fillRef>
+        <a:effectRef idx="0">
+          <a:scrgbClr r="0" g="0" b="0"/>
+        </a:effectRef>
+        <a:fontRef idx="minor">
+          <a:schemeClr val="lt1"/>
+        </a:fontRef>
+      </dsp:style>
+    </dsp:sp>
+    <dsp:sp modelId="{6F69136E-A889-4381-BA9A-D9D0288F82DA}">
+      <dsp:nvSpPr>
+        <dsp:cNvPr id="0" name=""/>
+        <dsp:cNvSpPr/>
+      </dsp:nvSpPr>
+      <dsp:spPr>
+        <a:xfrm>
+          <a:off x="2794810" y="1548897"/>
+          <a:ext cx="1093621" cy="694449"/>
+        </a:xfrm>
+        <a:prstGeom prst="roundRect">
+          <a:avLst>
+            <a:gd name="adj" fmla="val 10000"/>
+          </a:avLst>
+        </a:prstGeom>
+        <a:solidFill>
+          <a:schemeClr val="lt1">
+            <a:alpha val="90000"/>
+            <a:hueOff val="0"/>
+            <a:satOff val="0"/>
+            <a:lumOff val="0"/>
+            <a:alphaOff val="0"/>
+          </a:schemeClr>
+        </a:solidFill>
+        <a:ln w="25400" cap="flat" cmpd="sng" algn="ctr">
+          <a:solidFill>
+            <a:schemeClr val="accent1">
+              <a:hueOff val="0"/>
+              <a:satOff val="0"/>
+              <a:lumOff val="0"/>
+              <a:alphaOff val="0"/>
+            </a:schemeClr>
+          </a:solidFill>
+          <a:prstDash val="solid"/>
+        </a:ln>
+        <a:effectLst/>
+      </dsp:spPr>
+      <dsp:style>
+        <a:lnRef idx="2">
+          <a:scrgbClr r="0" g="0" b="0"/>
+        </a:lnRef>
+        <a:fillRef idx="1">
+          <a:scrgbClr r="0" g="0" b="0"/>
+        </a:fillRef>
+        <a:effectRef idx="0">
+          <a:scrgbClr r="0" g="0" b="0"/>
+        </a:effectRef>
+        <a:fontRef idx="minor"/>
+      </dsp:style>
+      <dsp:txBody>
+        <a:bodyPr spcFirstLastPara="0" vert="horz" wrap="square" lIns="38100" tIns="38100" rIns="38100" bIns="38100" numCol="1" spcCol="1270" anchor="ctr" anchorCtr="0">
+          <a:noAutofit/>
+        </a:bodyPr>
+        <a:lstStyle/>
+        <a:p>
+          <a:pPr marL="0" lvl="0" indent="0" algn="ctr" defTabSz="444500" latinLnBrk="1">
+            <a:lnSpc>
+              <a:spcPct val="90000"/>
+            </a:lnSpc>
+            <a:spcBef>
+              <a:spcPct val="0"/>
+            </a:spcBef>
+            <a:spcAft>
+              <a:spcPct val="35000"/>
+            </a:spcAft>
+            <a:buNone/>
+          </a:pPr>
+          <a:r>
+            <a:rPr lang="en-US" altLang="ko-KR" sz="1000" b="1" kern="1200">
+              <a:solidFill>
+                <a:srgbClr val="FF0000"/>
+              </a:solidFill>
+            </a:rPr>
+            <a:t>DbSync</a:t>
+          </a:r>
+          <a:endParaRPr lang="ko-KR" altLang="en-US" sz="1000" b="1" kern="1200">
+            <a:solidFill>
+              <a:srgbClr val="FF0000"/>
+            </a:solidFill>
+          </a:endParaRPr>
+        </a:p>
+      </dsp:txBody>
+      <dsp:txXfrm>
+        <a:off x="2815150" y="1569237"/>
+        <a:ext cx="1052941" cy="653769"/>
+      </dsp:txXfrm>
+    </dsp:sp>
+  </dsp:spTree>
+</dsp:drawing>
+</file>
+
+<file path=ppt/diagrams/drawing9.xml><?xml version="1.0" encoding="utf-8"?>
+<dsp:drawing xmlns:dgm="http://schemas.openxmlformats.org/drawingml/2006/diagram" xmlns:dsp="http://schemas.microsoft.com/office/drawing/2008/diagram" xmlns:a="http://schemas.openxmlformats.org/drawingml/2006/main">
+  <dsp:spTree>
+    <dsp:nvGrpSpPr>
+      <dsp:cNvPr id="0" name=""/>
+      <dsp:cNvGrpSpPr/>
+    </dsp:nvGrpSpPr>
+    <dsp:grpSpPr/>
+    <dsp:sp modelId="{6C6D2716-F8A2-4416-A309-CACB299A674F}">
+      <dsp:nvSpPr>
+        <dsp:cNvPr id="0" name=""/>
+        <dsp:cNvSpPr/>
+      </dsp:nvSpPr>
+      <dsp:spPr>
+        <a:xfrm>
+          <a:off x="2679442" y="1608747"/>
+          <a:ext cx="2104012" cy="333772"/>
+        </a:xfrm>
+        <a:custGeom>
+          <a:avLst/>
+          <a:gdLst/>
+          <a:ahLst/>
+          <a:cxnLst/>
+          <a:rect l="0" t="0" r="0" b="0"/>
+          <a:pathLst>
+            <a:path>
+              <a:moveTo>
+                <a:pt x="0" y="0"/>
+              </a:moveTo>
+              <a:lnTo>
+                <a:pt x="0" y="227456"/>
+              </a:lnTo>
+              <a:lnTo>
+                <a:pt x="2104012" y="227456"/>
+              </a:lnTo>
+              <a:lnTo>
+                <a:pt x="2104012" y="333772"/>
+              </a:lnTo>
+            </a:path>
+          </a:pathLst>
+        </a:custGeom>
+        <a:noFill/>
+        <a:ln w="25400" cap="flat" cmpd="sng" algn="ctr">
+          <a:solidFill>
+            <a:schemeClr val="accent1">
+              <a:shade val="60000"/>
+              <a:hueOff val="0"/>
+              <a:satOff val="0"/>
+              <a:lumOff val="0"/>
+              <a:alphaOff val="0"/>
+            </a:schemeClr>
+          </a:solidFill>
+          <a:prstDash val="solid"/>
+        </a:ln>
+        <a:effectLst/>
+      </dsp:spPr>
+      <dsp:style>
+        <a:lnRef idx="2">
+          <a:scrgbClr r="0" g="0" b="0"/>
+        </a:lnRef>
+        <a:fillRef idx="0">
+          <a:scrgbClr r="0" g="0" b="0"/>
+        </a:fillRef>
+        <a:effectRef idx="0">
+          <a:scrgbClr r="0" g="0" b="0"/>
+        </a:effectRef>
+        <a:fontRef idx="minor"/>
+      </dsp:style>
+    </dsp:sp>
+    <dsp:sp modelId="{C8E66629-FD35-4D87-9126-BB98DD825235}">
+      <dsp:nvSpPr>
+        <dsp:cNvPr id="0" name=""/>
+        <dsp:cNvSpPr/>
+      </dsp:nvSpPr>
+      <dsp:spPr>
+        <a:xfrm>
+          <a:off x="2679442" y="1608747"/>
+          <a:ext cx="701337" cy="333772"/>
+        </a:xfrm>
+        <a:custGeom>
+          <a:avLst/>
+          <a:gdLst/>
+          <a:ahLst/>
+          <a:cxnLst/>
+          <a:rect l="0" t="0" r="0" b="0"/>
+          <a:pathLst>
+            <a:path>
+              <a:moveTo>
+                <a:pt x="0" y="0"/>
+              </a:moveTo>
+              <a:lnTo>
+                <a:pt x="0" y="227456"/>
+              </a:lnTo>
+              <a:lnTo>
+                <a:pt x="701337" y="227456"/>
+              </a:lnTo>
+              <a:lnTo>
+                <a:pt x="701337" y="333772"/>
+              </a:lnTo>
+            </a:path>
+          </a:pathLst>
+        </a:custGeom>
+        <a:noFill/>
+        <a:ln w="25400" cap="flat" cmpd="sng" algn="ctr">
+          <a:solidFill>
+            <a:schemeClr val="accent1">
+              <a:shade val="60000"/>
+              <a:hueOff val="0"/>
+              <a:satOff val="0"/>
+              <a:lumOff val="0"/>
+              <a:alphaOff val="0"/>
+            </a:schemeClr>
+          </a:solidFill>
+          <a:prstDash val="solid"/>
+        </a:ln>
+        <a:effectLst/>
+      </dsp:spPr>
+      <dsp:style>
+        <a:lnRef idx="2">
+          <a:scrgbClr r="0" g="0" b="0"/>
+        </a:lnRef>
+        <a:fillRef idx="0">
+          <a:scrgbClr r="0" g="0" b="0"/>
+        </a:fillRef>
+        <a:effectRef idx="0">
+          <a:scrgbClr r="0" g="0" b="0"/>
+        </a:effectRef>
+        <a:fontRef idx="minor"/>
+      </dsp:style>
+    </dsp:sp>
+    <dsp:sp modelId="{E20FD126-5A13-4EC5-B9CC-BA7CF3C96876}">
+      <dsp:nvSpPr>
+        <dsp:cNvPr id="0" name=""/>
+        <dsp:cNvSpPr/>
+      </dsp:nvSpPr>
+      <dsp:spPr>
+        <a:xfrm>
+          <a:off x="1978104" y="1608747"/>
+          <a:ext cx="701337" cy="333772"/>
+        </a:xfrm>
+        <a:custGeom>
+          <a:avLst/>
+          <a:gdLst/>
+          <a:ahLst/>
+          <a:cxnLst/>
+          <a:rect l="0" t="0" r="0" b="0"/>
+          <a:pathLst>
+            <a:path>
+              <a:moveTo>
+                <a:pt x="701337" y="0"/>
+              </a:moveTo>
+              <a:lnTo>
+                <a:pt x="701337" y="227456"/>
+              </a:lnTo>
+              <a:lnTo>
+                <a:pt x="0" y="227456"/>
+              </a:lnTo>
+              <a:lnTo>
+                <a:pt x="0" y="333772"/>
+              </a:lnTo>
+            </a:path>
+          </a:pathLst>
+        </a:custGeom>
+        <a:noFill/>
+        <a:ln w="25400" cap="flat" cmpd="sng" algn="ctr">
+          <a:solidFill>
+            <a:schemeClr val="accent1">
+              <a:shade val="60000"/>
+              <a:hueOff val="0"/>
+              <a:satOff val="0"/>
+              <a:lumOff val="0"/>
+              <a:alphaOff val="0"/>
+            </a:schemeClr>
+          </a:solidFill>
+          <a:prstDash val="solid"/>
+        </a:ln>
+        <a:effectLst/>
+      </dsp:spPr>
+      <dsp:style>
+        <a:lnRef idx="2">
+          <a:scrgbClr r="0" g="0" b="0"/>
+        </a:lnRef>
+        <a:fillRef idx="0">
+          <a:scrgbClr r="0" g="0" b="0"/>
+        </a:fillRef>
+        <a:effectRef idx="0">
+          <a:scrgbClr r="0" g="0" b="0"/>
+        </a:effectRef>
+        <a:fontRef idx="minor"/>
+      </dsp:style>
+    </dsp:sp>
+    <dsp:sp modelId="{6723C8A6-3BAA-47F0-A866-13A7CB98F77E}">
+      <dsp:nvSpPr>
+        <dsp:cNvPr id="0" name=""/>
+        <dsp:cNvSpPr/>
+      </dsp:nvSpPr>
+      <dsp:spPr>
+        <a:xfrm>
+          <a:off x="575429" y="1608747"/>
+          <a:ext cx="2104012" cy="333772"/>
+        </a:xfrm>
+        <a:custGeom>
+          <a:avLst/>
+          <a:gdLst/>
+          <a:ahLst/>
+          <a:cxnLst/>
+          <a:rect l="0" t="0" r="0" b="0"/>
+          <a:pathLst>
+            <a:path>
+              <a:moveTo>
+                <a:pt x="2104012" y="0"/>
+              </a:moveTo>
+              <a:lnTo>
+                <a:pt x="2104012" y="227456"/>
+              </a:lnTo>
+              <a:lnTo>
+                <a:pt x="0" y="227456"/>
+              </a:lnTo>
+              <a:lnTo>
+                <a:pt x="0" y="333772"/>
+              </a:lnTo>
+            </a:path>
+          </a:pathLst>
+        </a:custGeom>
+        <a:noFill/>
+        <a:ln w="25400" cap="flat" cmpd="sng" algn="ctr">
+          <a:solidFill>
+            <a:schemeClr val="accent1">
+              <a:shade val="60000"/>
+              <a:hueOff val="0"/>
+              <a:satOff val="0"/>
+              <a:lumOff val="0"/>
+              <a:alphaOff val="0"/>
+            </a:schemeClr>
+          </a:solidFill>
+          <a:prstDash val="solid"/>
+        </a:ln>
+        <a:effectLst/>
+      </dsp:spPr>
+      <dsp:style>
+        <a:lnRef idx="2">
+          <a:scrgbClr r="0" g="0" b="0"/>
+        </a:lnRef>
+        <a:fillRef idx="0">
+          <a:scrgbClr r="0" g="0" b="0"/>
+        </a:fillRef>
+        <a:effectRef idx="0">
+          <a:scrgbClr r="0" g="0" b="0"/>
+        </a:effectRef>
+        <a:fontRef idx="minor"/>
+      </dsp:style>
+    </dsp:sp>
+    <dsp:sp modelId="{95544506-DCD0-4732-84D3-F137EC30B18B}">
+      <dsp:nvSpPr>
+        <dsp:cNvPr id="0" name=""/>
+        <dsp:cNvSpPr/>
+      </dsp:nvSpPr>
+      <dsp:spPr>
+        <a:xfrm>
+          <a:off x="2105620" y="879994"/>
+          <a:ext cx="1147643" cy="728753"/>
+        </a:xfrm>
+        <a:prstGeom prst="roundRect">
+          <a:avLst>
+            <a:gd name="adj" fmla="val 10000"/>
+          </a:avLst>
+        </a:prstGeom>
+        <a:solidFill>
+          <a:schemeClr val="accent1">
+            <a:hueOff val="0"/>
+            <a:satOff val="0"/>
+            <a:lumOff val="0"/>
+            <a:alphaOff val="0"/>
+          </a:schemeClr>
+        </a:solidFill>
+        <a:ln w="25400" cap="flat" cmpd="sng" algn="ctr">
+          <a:solidFill>
+            <a:schemeClr val="lt1">
+              <a:hueOff val="0"/>
+              <a:satOff val="0"/>
+              <a:lumOff val="0"/>
+              <a:alphaOff val="0"/>
+            </a:schemeClr>
+          </a:solidFill>
+          <a:prstDash val="solid"/>
+        </a:ln>
+        <a:effectLst/>
+      </dsp:spPr>
+      <dsp:style>
+        <a:lnRef idx="2">
+          <a:scrgbClr r="0" g="0" b="0"/>
+        </a:lnRef>
+        <a:fillRef idx="1">
+          <a:scrgbClr r="0" g="0" b="0"/>
+        </a:fillRef>
+        <a:effectRef idx="0">
+          <a:scrgbClr r="0" g="0" b="0"/>
+        </a:effectRef>
+        <a:fontRef idx="minor">
+          <a:schemeClr val="lt1"/>
+        </a:fontRef>
+      </dsp:style>
+    </dsp:sp>
+    <dsp:sp modelId="{CD14573F-E355-44A1-9D05-97D98CDB0F2F}">
+      <dsp:nvSpPr>
+        <dsp:cNvPr id="0" name=""/>
+        <dsp:cNvSpPr/>
+      </dsp:nvSpPr>
+      <dsp:spPr>
+        <a:xfrm>
+          <a:off x="2233136" y="1001134"/>
+          <a:ext cx="1147643" cy="728753"/>
+        </a:xfrm>
+        <a:prstGeom prst="roundRect">
+          <a:avLst>
+            <a:gd name="adj" fmla="val 10000"/>
+          </a:avLst>
+        </a:prstGeom>
+        <a:solidFill>
+          <a:schemeClr val="lt1">
+            <a:alpha val="90000"/>
+            <a:hueOff val="0"/>
+            <a:satOff val="0"/>
+            <a:lumOff val="0"/>
+            <a:alphaOff val="0"/>
+          </a:schemeClr>
+        </a:solidFill>
+        <a:ln w="25400" cap="flat" cmpd="sng" algn="ctr">
+          <a:solidFill>
+            <a:schemeClr val="accent1">
+              <a:hueOff val="0"/>
+              <a:satOff val="0"/>
+              <a:lumOff val="0"/>
+              <a:alphaOff val="0"/>
+            </a:schemeClr>
+          </a:solidFill>
+          <a:prstDash val="solid"/>
+        </a:ln>
+        <a:effectLst/>
+      </dsp:spPr>
+      <dsp:style>
+        <a:lnRef idx="2">
+          <a:scrgbClr r="0" g="0" b="0"/>
+        </a:lnRef>
+        <a:fillRef idx="1">
+          <a:scrgbClr r="0" g="0" b="0"/>
+        </a:fillRef>
+        <a:effectRef idx="0">
+          <a:scrgbClr r="0" g="0" b="0"/>
+        </a:effectRef>
+        <a:fontRef idx="minor"/>
+      </dsp:style>
+      <dsp:txBody>
+        <a:bodyPr spcFirstLastPara="0" vert="horz" wrap="square" lIns="38100" tIns="38100" rIns="38100" bIns="38100" numCol="1" spcCol="1270" anchor="ctr" anchorCtr="0">
+          <a:noAutofit/>
+        </a:bodyPr>
+        <a:lstStyle/>
+        <a:p>
+          <a:pPr marL="0" lvl="0" indent="0" algn="ctr" defTabSz="444500" latinLnBrk="1">
+            <a:lnSpc>
+              <a:spcPct val="90000"/>
+            </a:lnSpc>
+            <a:spcBef>
+              <a:spcPct val="0"/>
+            </a:spcBef>
+            <a:spcAft>
+              <a:spcPct val="35000"/>
+            </a:spcAft>
+            <a:buNone/>
+          </a:pPr>
+          <a:r>
+            <a:rPr lang="ko-KR" altLang="en-US" sz="1000" kern="1200"/>
+            <a:t>이태희</a:t>
+          </a:r>
+          <a:endParaRPr lang="ko-KR" altLang="en-US" sz="1000" b="1" kern="1200">
+            <a:solidFill>
+              <a:srgbClr val="FF0000"/>
+            </a:solidFill>
+          </a:endParaRPr>
+        </a:p>
+      </dsp:txBody>
+      <dsp:txXfrm>
+        <a:off x="2254480" y="1022478"/>
+        <a:ext cx="1104955" cy="686065"/>
+      </dsp:txXfrm>
+    </dsp:sp>
+    <dsp:sp modelId="{AE11E54F-6481-40AE-8472-D904D41AD008}">
+      <dsp:nvSpPr>
+        <dsp:cNvPr id="0" name=""/>
+        <dsp:cNvSpPr/>
+      </dsp:nvSpPr>
+      <dsp:spPr>
+        <a:xfrm>
+          <a:off x="1607" y="1942520"/>
+          <a:ext cx="1147643" cy="728753"/>
+        </a:xfrm>
+        <a:prstGeom prst="roundRect">
+          <a:avLst>
+            <a:gd name="adj" fmla="val 10000"/>
+          </a:avLst>
+        </a:prstGeom>
+        <a:solidFill>
+          <a:schemeClr val="accent1">
+            <a:hueOff val="0"/>
+            <a:satOff val="0"/>
+            <a:lumOff val="0"/>
+            <a:alphaOff val="0"/>
+          </a:schemeClr>
+        </a:solidFill>
+        <a:ln w="25400" cap="flat" cmpd="sng" algn="ctr">
+          <a:solidFill>
+            <a:schemeClr val="lt1">
+              <a:hueOff val="0"/>
+              <a:satOff val="0"/>
+              <a:lumOff val="0"/>
+              <a:alphaOff val="0"/>
+            </a:schemeClr>
+          </a:solidFill>
+          <a:prstDash val="solid"/>
+        </a:ln>
+        <a:effectLst/>
+      </dsp:spPr>
+      <dsp:style>
+        <a:lnRef idx="2">
+          <a:scrgbClr r="0" g="0" b="0"/>
+        </a:lnRef>
+        <a:fillRef idx="1">
+          <a:scrgbClr r="0" g="0" b="0"/>
+        </a:fillRef>
+        <a:effectRef idx="0">
+          <a:scrgbClr r="0" g="0" b="0"/>
+        </a:effectRef>
+        <a:fontRef idx="minor">
+          <a:schemeClr val="lt1"/>
+        </a:fontRef>
+      </dsp:style>
+    </dsp:sp>
+    <dsp:sp modelId="{40088974-41DD-4C0F-821C-708972EB23B3}">
+      <dsp:nvSpPr>
+        <dsp:cNvPr id="0" name=""/>
+        <dsp:cNvSpPr/>
+      </dsp:nvSpPr>
+      <dsp:spPr>
+        <a:xfrm>
+          <a:off x="129123" y="2063661"/>
+          <a:ext cx="1147643" cy="728753"/>
+        </a:xfrm>
+        <a:prstGeom prst="roundRect">
+          <a:avLst>
+            <a:gd name="adj" fmla="val 10000"/>
+          </a:avLst>
+        </a:prstGeom>
+        <a:solidFill>
+          <a:schemeClr val="lt1">
+            <a:alpha val="90000"/>
+            <a:hueOff val="0"/>
+            <a:satOff val="0"/>
+            <a:lumOff val="0"/>
+            <a:alphaOff val="0"/>
+          </a:schemeClr>
+        </a:solidFill>
+        <a:ln w="25400" cap="flat" cmpd="sng" algn="ctr">
+          <a:solidFill>
+            <a:schemeClr val="accent1">
+              <a:hueOff val="0"/>
+              <a:satOff val="0"/>
+              <a:lumOff val="0"/>
+              <a:alphaOff val="0"/>
+            </a:schemeClr>
+          </a:solidFill>
+          <a:prstDash val="solid"/>
+        </a:ln>
+        <a:effectLst/>
+      </dsp:spPr>
+      <dsp:style>
+        <a:lnRef idx="2">
+          <a:scrgbClr r="0" g="0" b="0"/>
+        </a:lnRef>
+        <a:fillRef idx="1">
+          <a:scrgbClr r="0" g="0" b="0"/>
+        </a:fillRef>
+        <a:effectRef idx="0">
+          <a:scrgbClr r="0" g="0" b="0"/>
+        </a:effectRef>
+        <a:fontRef idx="minor"/>
+      </dsp:style>
+      <dsp:txBody>
+        <a:bodyPr spcFirstLastPara="0" vert="horz" wrap="square" lIns="38100" tIns="38100" rIns="38100" bIns="38100" numCol="1" spcCol="1270" anchor="ctr" anchorCtr="0">
+          <a:noAutofit/>
+        </a:bodyPr>
+        <a:lstStyle/>
+        <a:p>
+          <a:pPr marL="0" lvl="0" indent="0" algn="ctr" defTabSz="444500" latinLnBrk="1">
+            <a:lnSpc>
+              <a:spcPct val="90000"/>
+            </a:lnSpc>
+            <a:spcBef>
+              <a:spcPct val="0"/>
+            </a:spcBef>
+            <a:spcAft>
+              <a:spcPct val="35000"/>
+            </a:spcAft>
+            <a:buNone/>
+          </a:pPr>
+          <a:r>
+            <a:rPr lang="en-US" altLang="ko-KR" sz="1000" b="1" kern="1200">
+              <a:solidFill>
+                <a:srgbClr val="FF0000"/>
+              </a:solidFill>
+            </a:rPr>
+            <a:t>MelsecDriver</a:t>
+          </a:r>
+          <a:endParaRPr lang="ko-KR" altLang="en-US" sz="1000" b="1" kern="1200">
+            <a:solidFill>
+              <a:srgbClr val="FF0000"/>
+            </a:solidFill>
+          </a:endParaRPr>
+        </a:p>
+      </dsp:txBody>
+      <dsp:txXfrm>
+        <a:off x="150467" y="2085005"/>
+        <a:ext cx="1104955" cy="686065"/>
+      </dsp:txXfrm>
+    </dsp:sp>
+    <dsp:sp modelId="{D7776FE8-5D10-4E55-BD37-35E72DF493A2}">
+      <dsp:nvSpPr>
+        <dsp:cNvPr id="0" name=""/>
+        <dsp:cNvSpPr/>
+      </dsp:nvSpPr>
+      <dsp:spPr>
+        <a:xfrm>
+          <a:off x="1404282" y="1942520"/>
+          <a:ext cx="1147643" cy="728753"/>
+        </a:xfrm>
+        <a:prstGeom prst="roundRect">
+          <a:avLst>
+            <a:gd name="adj" fmla="val 10000"/>
+          </a:avLst>
+        </a:prstGeom>
+        <a:solidFill>
+          <a:schemeClr val="accent1">
+            <a:hueOff val="0"/>
+            <a:satOff val="0"/>
+            <a:lumOff val="0"/>
+            <a:alphaOff val="0"/>
+          </a:schemeClr>
+        </a:solidFill>
+        <a:ln w="25400" cap="flat" cmpd="sng" algn="ctr">
+          <a:solidFill>
+            <a:schemeClr val="lt1">
+              <a:hueOff val="0"/>
+              <a:satOff val="0"/>
+              <a:lumOff val="0"/>
+              <a:alphaOff val="0"/>
+            </a:schemeClr>
+          </a:solidFill>
+          <a:prstDash val="solid"/>
+        </a:ln>
+        <a:effectLst/>
+      </dsp:spPr>
+      <dsp:style>
+        <a:lnRef idx="2">
+          <a:scrgbClr r="0" g="0" b="0"/>
+        </a:lnRef>
+        <a:fillRef idx="1">
+          <a:scrgbClr r="0" g="0" b="0"/>
+        </a:fillRef>
+        <a:effectRef idx="0">
+          <a:scrgbClr r="0" g="0" b="0"/>
+        </a:effectRef>
+        <a:fontRef idx="minor">
+          <a:schemeClr val="lt1"/>
+        </a:fontRef>
+      </dsp:style>
+    </dsp:sp>
+    <dsp:sp modelId="{D64CACF3-8626-4A03-A976-297FA2EA7200}">
+      <dsp:nvSpPr>
+        <dsp:cNvPr id="0" name=""/>
+        <dsp:cNvSpPr/>
+      </dsp:nvSpPr>
+      <dsp:spPr>
+        <a:xfrm>
+          <a:off x="1531798" y="2063661"/>
+          <a:ext cx="1147643" cy="728753"/>
+        </a:xfrm>
+        <a:prstGeom prst="roundRect">
+          <a:avLst>
+            <a:gd name="adj" fmla="val 10000"/>
+          </a:avLst>
+        </a:prstGeom>
+        <a:solidFill>
+          <a:schemeClr val="lt1">
+            <a:alpha val="90000"/>
+            <a:hueOff val="0"/>
+            <a:satOff val="0"/>
+            <a:lumOff val="0"/>
+            <a:alphaOff val="0"/>
+          </a:schemeClr>
+        </a:solidFill>
+        <a:ln w="25400" cap="flat" cmpd="sng" algn="ctr">
+          <a:solidFill>
+            <a:schemeClr val="accent1">
+              <a:hueOff val="0"/>
+              <a:satOff val="0"/>
+              <a:lumOff val="0"/>
+              <a:alphaOff val="0"/>
+            </a:schemeClr>
+          </a:solidFill>
+          <a:prstDash val="solid"/>
+        </a:ln>
+        <a:effectLst/>
+      </dsp:spPr>
+      <dsp:style>
+        <a:lnRef idx="2">
+          <a:scrgbClr r="0" g="0" b="0"/>
+        </a:lnRef>
+        <a:fillRef idx="1">
+          <a:scrgbClr r="0" g="0" b="0"/>
+        </a:fillRef>
+        <a:effectRef idx="0">
+          <a:scrgbClr r="0" g="0" b="0"/>
+        </a:effectRef>
+        <a:fontRef idx="minor"/>
+      </dsp:style>
+      <dsp:txBody>
+        <a:bodyPr spcFirstLastPara="0" vert="horz" wrap="square" lIns="38100" tIns="38100" rIns="38100" bIns="38100" numCol="1" spcCol="1270" anchor="ctr" anchorCtr="0">
+          <a:noAutofit/>
+        </a:bodyPr>
+        <a:lstStyle/>
+        <a:p>
+          <a:pPr marL="0" lvl="0" indent="0" algn="ctr" defTabSz="444500" latinLnBrk="1">
+            <a:lnSpc>
+              <a:spcPct val="90000"/>
+            </a:lnSpc>
+            <a:spcBef>
+              <a:spcPct val="0"/>
+            </a:spcBef>
+            <a:spcAft>
+              <a:spcPct val="35000"/>
+            </a:spcAft>
+            <a:buNone/>
+          </a:pPr>
+          <a:r>
+            <a:rPr lang="en-US" altLang="ko-KR" sz="1000" b="1" kern="1200">
+              <a:solidFill>
+                <a:srgbClr val="FF0000"/>
+              </a:solidFill>
+            </a:rPr>
+            <a:t>ModbusDriver</a:t>
+          </a:r>
+          <a:endParaRPr lang="ko-KR" altLang="en-US" sz="1000" b="1" kern="1200">
+            <a:solidFill>
+              <a:srgbClr val="FF0000"/>
+            </a:solidFill>
+          </a:endParaRPr>
+        </a:p>
+      </dsp:txBody>
+      <dsp:txXfrm>
+        <a:off x="1553142" y="2085005"/>
+        <a:ext cx="1104955" cy="686065"/>
+      </dsp:txXfrm>
+    </dsp:sp>
+    <dsp:sp modelId="{126E3C57-D068-4345-9D11-55506F586112}">
+      <dsp:nvSpPr>
+        <dsp:cNvPr id="0" name=""/>
+        <dsp:cNvSpPr/>
+      </dsp:nvSpPr>
+      <dsp:spPr>
+        <a:xfrm>
+          <a:off x="2806957" y="1942520"/>
+          <a:ext cx="1147643" cy="728753"/>
+        </a:xfrm>
+        <a:prstGeom prst="roundRect">
+          <a:avLst>
+            <a:gd name="adj" fmla="val 10000"/>
+          </a:avLst>
+        </a:prstGeom>
+        <a:solidFill>
+          <a:schemeClr val="accent1">
+            <a:hueOff val="0"/>
+            <a:satOff val="0"/>
+            <a:lumOff val="0"/>
+            <a:alphaOff val="0"/>
+          </a:schemeClr>
+        </a:solidFill>
+        <a:ln w="25400" cap="flat" cmpd="sng" algn="ctr">
+          <a:solidFill>
+            <a:schemeClr val="lt1">
+              <a:hueOff val="0"/>
+              <a:satOff val="0"/>
+              <a:lumOff val="0"/>
+              <a:alphaOff val="0"/>
+            </a:schemeClr>
+          </a:solidFill>
+          <a:prstDash val="solid"/>
+        </a:ln>
+        <a:effectLst/>
+      </dsp:spPr>
+      <dsp:style>
+        <a:lnRef idx="2">
+          <a:scrgbClr r="0" g="0" b="0"/>
+        </a:lnRef>
+        <a:fillRef idx="1">
+          <a:scrgbClr r="0" g="0" b="0"/>
+        </a:fillRef>
+        <a:effectRef idx="0">
+          <a:scrgbClr r="0" g="0" b="0"/>
+        </a:effectRef>
+        <a:fontRef idx="minor">
+          <a:schemeClr val="lt1"/>
+        </a:fontRef>
+      </dsp:style>
+    </dsp:sp>
+    <dsp:sp modelId="{70E27536-15BF-49F3-A0F0-43BC197B6496}">
+      <dsp:nvSpPr>
+        <dsp:cNvPr id="0" name=""/>
+        <dsp:cNvSpPr/>
+      </dsp:nvSpPr>
+      <dsp:spPr>
+        <a:xfrm>
+          <a:off x="2934473" y="2063661"/>
+          <a:ext cx="1147643" cy="728753"/>
+        </a:xfrm>
+        <a:prstGeom prst="roundRect">
+          <a:avLst>
+            <a:gd name="adj" fmla="val 10000"/>
+          </a:avLst>
+        </a:prstGeom>
+        <a:solidFill>
+          <a:schemeClr val="lt1">
+            <a:alpha val="90000"/>
+            <a:hueOff val="0"/>
+            <a:satOff val="0"/>
+            <a:lumOff val="0"/>
+            <a:alphaOff val="0"/>
+          </a:schemeClr>
+        </a:solidFill>
+        <a:ln w="25400" cap="flat" cmpd="sng" algn="ctr">
+          <a:solidFill>
+            <a:schemeClr val="accent1">
+              <a:hueOff val="0"/>
+              <a:satOff val="0"/>
+              <a:lumOff val="0"/>
+              <a:alphaOff val="0"/>
+            </a:schemeClr>
+          </a:solidFill>
+          <a:prstDash val="solid"/>
+        </a:ln>
+        <a:effectLst/>
+      </dsp:spPr>
+      <dsp:style>
+        <a:lnRef idx="2">
+          <a:scrgbClr r="0" g="0" b="0"/>
+        </a:lnRef>
+        <a:fillRef idx="1">
+          <a:scrgbClr r="0" g="0" b="0"/>
+        </a:fillRef>
+        <a:effectRef idx="0">
+          <a:scrgbClr r="0" g="0" b="0"/>
+        </a:effectRef>
+        <a:fontRef idx="minor"/>
+      </dsp:style>
+      <dsp:txBody>
+        <a:bodyPr spcFirstLastPara="0" vert="horz" wrap="square" lIns="38100" tIns="38100" rIns="38100" bIns="38100" numCol="1" spcCol="1270" anchor="ctr" anchorCtr="0">
+          <a:noAutofit/>
+        </a:bodyPr>
+        <a:lstStyle/>
+        <a:p>
+          <a:pPr marL="0" lvl="0" indent="0" algn="ctr" defTabSz="444500" latinLnBrk="1">
+            <a:lnSpc>
+              <a:spcPct val="90000"/>
+            </a:lnSpc>
+            <a:spcBef>
+              <a:spcPct val="0"/>
+            </a:spcBef>
+            <a:spcAft>
+              <a:spcPct val="35000"/>
+            </a:spcAft>
+            <a:buNone/>
+          </a:pPr>
+          <a:r>
+            <a:rPr lang="en-US" altLang="ko-KR" sz="1000" b="1" kern="1200">
+              <a:solidFill>
+                <a:srgbClr val="FF0000"/>
+              </a:solidFill>
+            </a:rPr>
+            <a:t>MqTransfer</a:t>
+          </a:r>
+          <a:endParaRPr lang="ko-KR" altLang="en-US" sz="1000" b="1" kern="1200">
+            <a:solidFill>
+              <a:srgbClr val="FF0000"/>
+            </a:solidFill>
+          </a:endParaRPr>
+        </a:p>
+      </dsp:txBody>
+      <dsp:txXfrm>
+        <a:off x="2955817" y="2085005"/>
+        <a:ext cx="1104955" cy="686065"/>
+      </dsp:txXfrm>
+    </dsp:sp>
+    <dsp:sp modelId="{60F794EA-4F0A-4A5A-86CF-83CF829D002B}">
+      <dsp:nvSpPr>
+        <dsp:cNvPr id="0" name=""/>
+        <dsp:cNvSpPr/>
+      </dsp:nvSpPr>
+      <dsp:spPr>
+        <a:xfrm>
+          <a:off x="4209633" y="1942520"/>
+          <a:ext cx="1147643" cy="728753"/>
+        </a:xfrm>
+        <a:prstGeom prst="roundRect">
+          <a:avLst>
+            <a:gd name="adj" fmla="val 10000"/>
+          </a:avLst>
+        </a:prstGeom>
+        <a:solidFill>
+          <a:schemeClr val="accent1">
+            <a:hueOff val="0"/>
+            <a:satOff val="0"/>
+            <a:lumOff val="0"/>
+            <a:alphaOff val="0"/>
+          </a:schemeClr>
+        </a:solidFill>
+        <a:ln w="25400" cap="flat" cmpd="sng" algn="ctr">
+          <a:solidFill>
+            <a:schemeClr val="lt1">
+              <a:hueOff val="0"/>
+              <a:satOff val="0"/>
+              <a:lumOff val="0"/>
+              <a:alphaOff val="0"/>
+            </a:schemeClr>
+          </a:solidFill>
+          <a:prstDash val="solid"/>
+        </a:ln>
+        <a:effectLst/>
+      </dsp:spPr>
+      <dsp:style>
+        <a:lnRef idx="2">
+          <a:scrgbClr r="0" g="0" b="0"/>
+        </a:lnRef>
+        <a:fillRef idx="1">
+          <a:scrgbClr r="0" g="0" b="0"/>
+        </a:fillRef>
+        <a:effectRef idx="0">
+          <a:scrgbClr r="0" g="0" b="0"/>
+        </a:effectRef>
+        <a:fontRef idx="minor">
+          <a:schemeClr val="lt1"/>
+        </a:fontRef>
+      </dsp:style>
+    </dsp:sp>
+    <dsp:sp modelId="{6F69136E-A889-4381-BA9A-D9D0288F82DA}">
+      <dsp:nvSpPr>
+        <dsp:cNvPr id="0" name=""/>
+        <dsp:cNvSpPr/>
+      </dsp:nvSpPr>
+      <dsp:spPr>
+        <a:xfrm>
+          <a:off x="4337149" y="2063661"/>
+          <a:ext cx="1147643" cy="728753"/>
+        </a:xfrm>
+        <a:prstGeom prst="roundRect">
+          <a:avLst>
+            <a:gd name="adj" fmla="val 10000"/>
+          </a:avLst>
+        </a:prstGeom>
+        <a:solidFill>
+          <a:schemeClr val="lt1">
+            <a:alpha val="90000"/>
+            <a:hueOff val="0"/>
+            <a:satOff val="0"/>
+            <a:lumOff val="0"/>
+            <a:alphaOff val="0"/>
+          </a:schemeClr>
+        </a:solidFill>
+        <a:ln w="25400" cap="flat" cmpd="sng" algn="ctr">
+          <a:solidFill>
+            <a:schemeClr val="accent1">
+              <a:hueOff val="0"/>
+              <a:satOff val="0"/>
+              <a:lumOff val="0"/>
+              <a:alphaOff val="0"/>
+            </a:schemeClr>
+          </a:solidFill>
+          <a:prstDash val="solid"/>
+        </a:ln>
+        <a:effectLst/>
+      </dsp:spPr>
+      <dsp:style>
+        <a:lnRef idx="2">
+          <a:scrgbClr r="0" g="0" b="0"/>
+        </a:lnRef>
+        <a:fillRef idx="1">
+          <a:scrgbClr r="0" g="0" b="0"/>
+        </a:fillRef>
+        <a:effectRef idx="0">
+          <a:scrgbClr r="0" g="0" b="0"/>
+        </a:effectRef>
+        <a:fontRef idx="minor"/>
+      </dsp:style>
+      <dsp:txBody>
+        <a:bodyPr spcFirstLastPara="0" vert="horz" wrap="square" lIns="38100" tIns="38100" rIns="38100" bIns="38100" numCol="1" spcCol="1270" anchor="ctr" anchorCtr="0">
+          <a:noAutofit/>
+        </a:bodyPr>
+        <a:lstStyle/>
+        <a:p>
+          <a:pPr marL="0" lvl="0" indent="0" algn="ctr" defTabSz="444500" latinLnBrk="1">
+            <a:lnSpc>
+              <a:spcPct val="90000"/>
+            </a:lnSpc>
+            <a:spcBef>
+              <a:spcPct val="0"/>
+            </a:spcBef>
+            <a:spcAft>
+              <a:spcPct val="35000"/>
+            </a:spcAft>
+            <a:buNone/>
+          </a:pPr>
+          <a:r>
+            <a:rPr lang="en-US" altLang="ko-KR" sz="1000" b="1" kern="1200">
+              <a:solidFill>
+                <a:srgbClr val="FF0000"/>
+              </a:solidFill>
+            </a:rPr>
+            <a:t>UI</a:t>
+          </a:r>
+          <a:endParaRPr lang="ko-KR" altLang="en-US" sz="1000" b="1" kern="1200">
+            <a:solidFill>
+              <a:srgbClr val="FF0000"/>
+            </a:solidFill>
+          </a:endParaRPr>
+        </a:p>
+      </dsp:txBody>
+      <dsp:txXfrm>
+        <a:off x="4358493" y="2085005"/>
+        <a:ext cx="1104955" cy="686065"/>
+      </dsp:txXfrm>
+    </dsp:sp>
+  </dsp:spTree>
+</dsp:drawing>
+</file>
+
 <file path=ppt/diagrams/layout1.xml><?xml version="1.0" encoding="utf-8"?>
 <dgm:layoutDef xmlns:dgm="http://schemas.openxmlformats.org/drawingml/2006/diagram" xmlns:a="http://schemas.openxmlformats.org/drawingml/2006/main" uniqueId="urn:microsoft.com/office/officeart/2005/8/layout/cycle8">
   <dgm:title val=""/>
@@ -17159,6 +21155,1132 @@
 </dgm:layoutDef>
 </file>
 
+<file path=ppt/diagrams/layout8.xml><?xml version="1.0" encoding="utf-8"?>
+<dgm:layoutDef xmlns:dgm="http://schemas.openxmlformats.org/drawingml/2006/diagram" xmlns:a="http://schemas.openxmlformats.org/drawingml/2006/main" uniqueId="urn:microsoft.com/office/officeart/2005/8/layout/hierarchy1">
+  <dgm:title val=""/>
+  <dgm:desc val=""/>
+  <dgm:catLst>
+    <dgm:cat type="hierarchy" pri="2000"/>
+  </dgm:catLst>
+  <dgm:sampData>
+    <dgm:dataModel>
+      <dgm:ptLst>
+        <dgm:pt modelId="0" type="doc"/>
+        <dgm:pt modelId="1">
+          <dgm:prSet phldr="1"/>
+        </dgm:pt>
+        <dgm:pt modelId="2">
+          <dgm:prSet phldr="1"/>
+        </dgm:pt>
+        <dgm:pt modelId="21">
+          <dgm:prSet phldr="1"/>
+        </dgm:pt>
+        <dgm:pt modelId="22">
+          <dgm:prSet phldr="1"/>
+        </dgm:pt>
+        <dgm:pt modelId="3">
+          <dgm:prSet phldr="1"/>
+        </dgm:pt>
+        <dgm:pt modelId="31">
+          <dgm:prSet phldr="1"/>
+        </dgm:pt>
+      </dgm:ptLst>
+      <dgm:cxnLst>
+        <dgm:cxn modelId="4" srcId="0" destId="1" srcOrd="0" destOrd="0"/>
+        <dgm:cxn modelId="5" srcId="1" destId="2" srcOrd="0" destOrd="0"/>
+        <dgm:cxn modelId="6" srcId="1" destId="3" srcOrd="1" destOrd="0"/>
+        <dgm:cxn modelId="23" srcId="2" destId="21" srcOrd="0" destOrd="0"/>
+        <dgm:cxn modelId="24" srcId="2" destId="22" srcOrd="1" destOrd="0"/>
+        <dgm:cxn modelId="33" srcId="3" destId="31" srcOrd="0" destOrd="0"/>
+      </dgm:cxnLst>
+      <dgm:bg/>
+      <dgm:whole/>
+    </dgm:dataModel>
+  </dgm:sampData>
+  <dgm:styleData>
+    <dgm:dataModel>
+      <dgm:ptLst>
+        <dgm:pt modelId="0" type="doc"/>
+        <dgm:pt modelId="1"/>
+        <dgm:pt modelId="11"/>
+        <dgm:pt modelId="12"/>
+      </dgm:ptLst>
+      <dgm:cxnLst>
+        <dgm:cxn modelId="2" srcId="0" destId="1" srcOrd="0" destOrd="0"/>
+        <dgm:cxn modelId="13" srcId="1" destId="11" srcOrd="0" destOrd="0"/>
+        <dgm:cxn modelId="14" srcId="1" destId="12" srcOrd="1" destOrd="0"/>
+      </dgm:cxnLst>
+      <dgm:bg/>
+      <dgm:whole/>
+    </dgm:dataModel>
+  </dgm:styleData>
+  <dgm:clrData>
+    <dgm:dataModel>
+      <dgm:ptLst>
+        <dgm:pt modelId="0" type="doc"/>
+        <dgm:pt modelId="1"/>
+        <dgm:pt modelId="2"/>
+        <dgm:pt modelId="21"/>
+        <dgm:pt modelId="211"/>
+        <dgm:pt modelId="3"/>
+        <dgm:pt modelId="31"/>
+        <dgm:pt modelId="311"/>
+      </dgm:ptLst>
+      <dgm:cxnLst>
+        <dgm:cxn modelId="4" srcId="0" destId="1" srcOrd="0" destOrd="0"/>
+        <dgm:cxn modelId="5" srcId="1" destId="2" srcOrd="0" destOrd="0"/>
+        <dgm:cxn modelId="6" srcId="1" destId="3" srcOrd="1" destOrd="0"/>
+        <dgm:cxn modelId="23" srcId="2" destId="21" srcOrd="0" destOrd="0"/>
+        <dgm:cxn modelId="24" srcId="21" destId="211" srcOrd="0" destOrd="0"/>
+        <dgm:cxn modelId="33" srcId="3" destId="31" srcOrd="0" destOrd="0"/>
+        <dgm:cxn modelId="34" srcId="31" destId="311" srcOrd="0" destOrd="0"/>
+      </dgm:cxnLst>
+      <dgm:bg/>
+      <dgm:whole/>
+    </dgm:dataModel>
+  </dgm:clrData>
+  <dgm:layoutNode name="hierChild1">
+    <dgm:varLst>
+      <dgm:chPref val="1"/>
+      <dgm:dir/>
+      <dgm:animOne val="branch"/>
+      <dgm:animLvl val="lvl"/>
+      <dgm:resizeHandles/>
+    </dgm:varLst>
+    <dgm:choose name="Name0">
+      <dgm:if name="Name1" func="var" arg="dir" op="equ" val="norm">
+        <dgm:alg type="hierChild">
+          <dgm:param type="linDir" val="fromL"/>
+        </dgm:alg>
+      </dgm:if>
+      <dgm:else name="Name2">
+        <dgm:alg type="hierChild">
+          <dgm:param type="linDir" val="fromR"/>
+        </dgm:alg>
+      </dgm:else>
+    </dgm:choose>
+    <dgm:shape xmlns:r="http://schemas.openxmlformats.org/officeDocument/2006/relationships" r:blip="">
+      <dgm:adjLst/>
+    </dgm:shape>
+    <dgm:presOf/>
+    <dgm:constrLst>
+      <dgm:constr type="primFontSz" for="des" ptType="node" op="equ" val="65"/>
+      <dgm:constr type="w" for="des" forName="composite" refType="w"/>
+      <dgm:constr type="h" for="des" forName="composite" refType="w" refFor="des" refForName="composite" fact="0.667"/>
+      <dgm:constr type="w" for="des" forName="composite2" refType="w" refFor="des" refForName="composite"/>
+      <dgm:constr type="h" for="des" forName="composite2" refType="h" refFor="des" refForName="composite"/>
+      <dgm:constr type="w" for="des" forName="composite3" refType="w" refFor="des" refForName="composite"/>
+      <dgm:constr type="h" for="des" forName="composite3" refType="h" refFor="des" refForName="composite"/>
+      <dgm:constr type="w" for="des" forName="composite4" refType="w" refFor="des" refForName="composite"/>
+      <dgm:constr type="h" for="des" forName="composite4" refType="h" refFor="des" refForName="composite"/>
+      <dgm:constr type="w" for="des" forName="composite5" refType="w" refFor="des" refForName="composite"/>
+      <dgm:constr type="h" for="des" forName="composite5" refType="h" refFor="des" refForName="composite"/>
+      <dgm:constr type="sibSp" refType="w" refFor="des" refForName="composite" fact="0.1"/>
+      <dgm:constr type="sibSp" for="des" forName="hierChild2" refType="sibSp"/>
+      <dgm:constr type="sibSp" for="des" forName="hierChild3" refType="sibSp"/>
+      <dgm:constr type="sibSp" for="des" forName="hierChild4" refType="sibSp"/>
+      <dgm:constr type="sibSp" for="des" forName="hierChild5" refType="sibSp"/>
+      <dgm:constr type="sibSp" for="des" forName="hierChild6" refType="sibSp"/>
+      <dgm:constr type="sp" for="des" forName="hierRoot1" refType="h" refFor="des" refForName="composite" fact="0.25"/>
+      <dgm:constr type="sp" for="des" forName="hierRoot2" refType="sp" refFor="des" refForName="hierRoot1"/>
+      <dgm:constr type="sp" for="des" forName="hierRoot3" refType="sp" refFor="des" refForName="hierRoot1"/>
+      <dgm:constr type="sp" for="des" forName="hierRoot4" refType="sp" refFor="des" refForName="hierRoot1"/>
+      <dgm:constr type="sp" for="des" forName="hierRoot5" refType="sp" refFor="des" refForName="hierRoot1"/>
+    </dgm:constrLst>
+    <dgm:ruleLst/>
+    <dgm:forEach name="Name3" axis="ch">
+      <dgm:forEach name="Name4" axis="self" ptType="node">
+        <dgm:layoutNode name="hierRoot1">
+          <dgm:alg type="hierRoot"/>
+          <dgm:shape xmlns:r="http://schemas.openxmlformats.org/officeDocument/2006/relationships" r:blip="">
+            <dgm:adjLst/>
+          </dgm:shape>
+          <dgm:presOf/>
+          <dgm:constrLst>
+            <dgm:constr type="bendDist" for="des" ptType="parTrans" refType="sp" fact="0.5"/>
+          </dgm:constrLst>
+          <dgm:ruleLst/>
+          <dgm:layoutNode name="composite">
+            <dgm:alg type="composite"/>
+            <dgm:shape xmlns:r="http://schemas.openxmlformats.org/officeDocument/2006/relationships" r:blip="">
+              <dgm:adjLst/>
+            </dgm:shape>
+            <dgm:presOf/>
+            <dgm:constrLst>
+              <dgm:constr type="w" for="ch" forName="background" refType="w" fact="0.9"/>
+              <dgm:constr type="h" for="ch" forName="background" refType="w" refFor="ch" refForName="background" fact="0.635"/>
+              <dgm:constr type="t" for="ch" forName="background"/>
+              <dgm:constr type="l" for="ch" forName="background"/>
+              <dgm:constr type="w" for="ch" forName="text" refType="w" fact="0.9"/>
+              <dgm:constr type="h" for="ch" forName="text" refType="w" refFor="ch" refForName="text" fact="0.635"/>
+              <dgm:constr type="t" for="ch" forName="text" refType="w" fact="0.095"/>
+              <dgm:constr type="l" for="ch" forName="text" refType="w" fact="0.1"/>
+            </dgm:constrLst>
+            <dgm:ruleLst/>
+            <dgm:layoutNode name="background" styleLbl="node0" moveWith="text">
+              <dgm:alg type="sp"/>
+              <dgm:shape xmlns:r="http://schemas.openxmlformats.org/officeDocument/2006/relationships" type="roundRect" r:blip="">
+                <dgm:adjLst>
+                  <dgm:adj idx="1" val="0.1"/>
+                </dgm:adjLst>
+              </dgm:shape>
+              <dgm:presOf/>
+              <dgm:constrLst/>
+              <dgm:ruleLst/>
+            </dgm:layoutNode>
+            <dgm:layoutNode name="text" styleLbl="fgAcc0">
+              <dgm:varLst>
+                <dgm:chPref val="3"/>
+              </dgm:varLst>
+              <dgm:alg type="tx"/>
+              <dgm:shape xmlns:r="http://schemas.openxmlformats.org/officeDocument/2006/relationships" type="roundRect" r:blip="">
+                <dgm:adjLst>
+                  <dgm:adj idx="1" val="0.1"/>
+                </dgm:adjLst>
+              </dgm:shape>
+              <dgm:presOf axis="self"/>
+              <dgm:constrLst>
+                <dgm:constr type="tMarg" refType="primFontSz" fact="0.3"/>
+                <dgm:constr type="bMarg" refType="primFontSz" fact="0.3"/>
+                <dgm:constr type="lMarg" refType="primFontSz" fact="0.3"/>
+                <dgm:constr type="rMarg" refType="primFontSz" fact="0.3"/>
+              </dgm:constrLst>
+              <dgm:ruleLst>
+                <dgm:rule type="primFontSz" val="5" fact="NaN" max="NaN"/>
+              </dgm:ruleLst>
+            </dgm:layoutNode>
+          </dgm:layoutNode>
+          <dgm:layoutNode name="hierChild2">
+            <dgm:choose name="Name5">
+              <dgm:if name="Name6" func="var" arg="dir" op="equ" val="norm">
+                <dgm:alg type="hierChild">
+                  <dgm:param type="linDir" val="fromL"/>
+                </dgm:alg>
+              </dgm:if>
+              <dgm:else name="Name7">
+                <dgm:alg type="hierChild">
+                  <dgm:param type="linDir" val="fromR"/>
+                </dgm:alg>
+              </dgm:else>
+            </dgm:choose>
+            <dgm:shape xmlns:r="http://schemas.openxmlformats.org/officeDocument/2006/relationships" r:blip="">
+              <dgm:adjLst/>
+            </dgm:shape>
+            <dgm:presOf/>
+            <dgm:constrLst/>
+            <dgm:ruleLst/>
+            <dgm:forEach name="Name8" axis="ch">
+              <dgm:forEach name="Name9" axis="self" ptType="parTrans" cnt="1">
+                <dgm:layoutNode name="Name10">
+                  <dgm:alg type="conn">
+                    <dgm:param type="dim" val="1D"/>
+                    <dgm:param type="endSty" val="noArr"/>
+                    <dgm:param type="connRout" val="bend"/>
+                    <dgm:param type="bendPt" val="end"/>
+                    <dgm:param type="begPts" val="bCtr"/>
+                    <dgm:param type="endPts" val="tCtr"/>
+                    <dgm:param type="srcNode" val="background"/>
+                    <dgm:param type="dstNode" val="background2"/>
+                  </dgm:alg>
+                  <dgm:shape xmlns:r="http://schemas.openxmlformats.org/officeDocument/2006/relationships" type="conn" r:blip="" zOrderOff="-999">
+                    <dgm:adjLst/>
+                  </dgm:shape>
+                  <dgm:presOf axis="self"/>
+                  <dgm:constrLst>
+                    <dgm:constr type="begPad"/>
+                    <dgm:constr type="endPad"/>
+                  </dgm:constrLst>
+                  <dgm:ruleLst/>
+                </dgm:layoutNode>
+              </dgm:forEach>
+              <dgm:forEach name="Name11" axis="self" ptType="node">
+                <dgm:layoutNode name="hierRoot2">
+                  <dgm:alg type="hierRoot"/>
+                  <dgm:shape xmlns:r="http://schemas.openxmlformats.org/officeDocument/2006/relationships" r:blip="">
+                    <dgm:adjLst/>
+                  </dgm:shape>
+                  <dgm:presOf/>
+                  <dgm:constrLst>
+                    <dgm:constr type="bendDist" for="des" ptType="parTrans" refType="sp" fact="0.5"/>
+                  </dgm:constrLst>
+                  <dgm:ruleLst/>
+                  <dgm:layoutNode name="composite2">
+                    <dgm:alg type="composite"/>
+                    <dgm:shape xmlns:r="http://schemas.openxmlformats.org/officeDocument/2006/relationships" r:blip="">
+                      <dgm:adjLst/>
+                    </dgm:shape>
+                    <dgm:presOf/>
+                    <dgm:constrLst>
+                      <dgm:constr type="w" for="ch" forName="background2" refType="w" fact="0.9"/>
+                      <dgm:constr type="h" for="ch" forName="background2" refType="w" refFor="ch" refForName="background2" fact="0.635"/>
+                      <dgm:constr type="t" for="ch" forName="background2"/>
+                      <dgm:constr type="l" for="ch" forName="background2"/>
+                      <dgm:constr type="w" for="ch" forName="text2" refType="w" fact="0.9"/>
+                      <dgm:constr type="h" for="ch" forName="text2" refType="w" refFor="ch" refForName="text2" fact="0.635"/>
+                      <dgm:constr type="t" for="ch" forName="text2" refType="w" fact="0.095"/>
+                      <dgm:constr type="l" for="ch" forName="text2" refType="w" fact="0.1"/>
+                    </dgm:constrLst>
+                    <dgm:ruleLst/>
+                    <dgm:layoutNode name="background2" moveWith="text2">
+                      <dgm:alg type="sp"/>
+                      <dgm:shape xmlns:r="http://schemas.openxmlformats.org/officeDocument/2006/relationships" type="roundRect" r:blip="">
+                        <dgm:adjLst>
+                          <dgm:adj idx="1" val="0.1"/>
+                        </dgm:adjLst>
+                      </dgm:shape>
+                      <dgm:presOf/>
+                      <dgm:constrLst/>
+                      <dgm:ruleLst/>
+                    </dgm:layoutNode>
+                    <dgm:layoutNode name="text2" styleLbl="fgAcc2">
+                      <dgm:varLst>
+                        <dgm:chPref val="3"/>
+                      </dgm:varLst>
+                      <dgm:alg type="tx"/>
+                      <dgm:shape xmlns:r="http://schemas.openxmlformats.org/officeDocument/2006/relationships" type="roundRect" r:blip="">
+                        <dgm:adjLst>
+                          <dgm:adj idx="1" val="0.1"/>
+                        </dgm:adjLst>
+                      </dgm:shape>
+                      <dgm:presOf axis="self"/>
+                      <dgm:constrLst>
+                        <dgm:constr type="tMarg" refType="primFontSz" fact="0.3"/>
+                        <dgm:constr type="bMarg" refType="primFontSz" fact="0.3"/>
+                        <dgm:constr type="lMarg" refType="primFontSz" fact="0.3"/>
+                        <dgm:constr type="rMarg" refType="primFontSz" fact="0.3"/>
+                      </dgm:constrLst>
+                      <dgm:ruleLst>
+                        <dgm:rule type="primFontSz" val="5" fact="NaN" max="NaN"/>
+                      </dgm:ruleLst>
+                    </dgm:layoutNode>
+                  </dgm:layoutNode>
+                  <dgm:layoutNode name="hierChild3">
+                    <dgm:choose name="Name12">
+                      <dgm:if name="Name13" func="var" arg="dir" op="equ" val="norm">
+                        <dgm:alg type="hierChild">
+                          <dgm:param type="linDir" val="fromL"/>
+                        </dgm:alg>
+                      </dgm:if>
+                      <dgm:else name="Name14">
+                        <dgm:alg type="hierChild">
+                          <dgm:param type="linDir" val="fromR"/>
+                        </dgm:alg>
+                      </dgm:else>
+                    </dgm:choose>
+                    <dgm:shape xmlns:r="http://schemas.openxmlformats.org/officeDocument/2006/relationships" r:blip="">
+                      <dgm:adjLst/>
+                    </dgm:shape>
+                    <dgm:presOf/>
+                    <dgm:constrLst/>
+                    <dgm:ruleLst/>
+                    <dgm:forEach name="Name15" axis="ch">
+                      <dgm:forEach name="Name16" axis="self" ptType="parTrans" cnt="1">
+                        <dgm:layoutNode name="Name17">
+                          <dgm:alg type="conn">
+                            <dgm:param type="dim" val="1D"/>
+                            <dgm:param type="endSty" val="noArr"/>
+                            <dgm:param type="connRout" val="bend"/>
+                            <dgm:param type="bendPt" val="end"/>
+                            <dgm:param type="begPts" val="bCtr"/>
+                            <dgm:param type="endPts" val="tCtr"/>
+                            <dgm:param type="srcNode" val="background2"/>
+                            <dgm:param type="dstNode" val="background3"/>
+                          </dgm:alg>
+                          <dgm:shape xmlns:r="http://schemas.openxmlformats.org/officeDocument/2006/relationships" type="conn" r:blip="" zOrderOff="-999">
+                            <dgm:adjLst/>
+                          </dgm:shape>
+                          <dgm:presOf axis="self"/>
+                          <dgm:constrLst>
+                            <dgm:constr type="begPad"/>
+                            <dgm:constr type="endPad"/>
+                          </dgm:constrLst>
+                          <dgm:ruleLst/>
+                        </dgm:layoutNode>
+                      </dgm:forEach>
+                      <dgm:forEach name="Name18" axis="self" ptType="node">
+                        <dgm:layoutNode name="hierRoot3">
+                          <dgm:alg type="hierRoot"/>
+                          <dgm:shape xmlns:r="http://schemas.openxmlformats.org/officeDocument/2006/relationships" r:blip="">
+                            <dgm:adjLst/>
+                          </dgm:shape>
+                          <dgm:presOf/>
+                          <dgm:constrLst>
+                            <dgm:constr type="bendDist" for="des" ptType="parTrans" refType="sp" fact="0.5"/>
+                          </dgm:constrLst>
+                          <dgm:ruleLst/>
+                          <dgm:layoutNode name="composite3">
+                            <dgm:alg type="composite"/>
+                            <dgm:shape xmlns:r="http://schemas.openxmlformats.org/officeDocument/2006/relationships" r:blip="">
+                              <dgm:adjLst/>
+                            </dgm:shape>
+                            <dgm:presOf/>
+                            <dgm:constrLst>
+                              <dgm:constr type="w" for="ch" forName="background3" refType="w" fact="0.9"/>
+                              <dgm:constr type="h" for="ch" forName="background3" refType="w" refFor="ch" refForName="background3" fact="0.635"/>
+                              <dgm:constr type="t" for="ch" forName="background3"/>
+                              <dgm:constr type="l" for="ch" forName="background3"/>
+                              <dgm:constr type="w" for="ch" forName="text3" refType="w" fact="0.9"/>
+                              <dgm:constr type="h" for="ch" forName="text3" refType="w" refFor="ch" refForName="text3" fact="0.635"/>
+                              <dgm:constr type="t" for="ch" forName="text3" refType="w" fact="0.095"/>
+                              <dgm:constr type="l" for="ch" forName="text3" refType="w" fact="0.1"/>
+                            </dgm:constrLst>
+                            <dgm:ruleLst/>
+                            <dgm:layoutNode name="background3" moveWith="text3">
+                              <dgm:alg type="sp"/>
+                              <dgm:shape xmlns:r="http://schemas.openxmlformats.org/officeDocument/2006/relationships" type="roundRect" r:blip="">
+                                <dgm:adjLst>
+                                  <dgm:adj idx="1" val="0.1"/>
+                                </dgm:adjLst>
+                              </dgm:shape>
+                              <dgm:presOf/>
+                              <dgm:constrLst/>
+                              <dgm:ruleLst/>
+                            </dgm:layoutNode>
+                            <dgm:layoutNode name="text3" styleLbl="fgAcc3">
+                              <dgm:varLst>
+                                <dgm:chPref val="3"/>
+                              </dgm:varLst>
+                              <dgm:alg type="tx"/>
+                              <dgm:shape xmlns:r="http://schemas.openxmlformats.org/officeDocument/2006/relationships" type="roundRect" r:blip="">
+                                <dgm:adjLst>
+                                  <dgm:adj idx="1" val="0.1"/>
+                                </dgm:adjLst>
+                              </dgm:shape>
+                              <dgm:presOf axis="self"/>
+                              <dgm:constrLst>
+                                <dgm:constr type="tMarg" refType="primFontSz" fact="0.3"/>
+                                <dgm:constr type="bMarg" refType="primFontSz" fact="0.3"/>
+                                <dgm:constr type="lMarg" refType="primFontSz" fact="0.3"/>
+                                <dgm:constr type="rMarg" refType="primFontSz" fact="0.3"/>
+                              </dgm:constrLst>
+                              <dgm:ruleLst>
+                                <dgm:rule type="primFontSz" val="5" fact="NaN" max="NaN"/>
+                              </dgm:ruleLst>
+                            </dgm:layoutNode>
+                          </dgm:layoutNode>
+                          <dgm:layoutNode name="hierChild4">
+                            <dgm:choose name="Name19">
+                              <dgm:if name="Name20" func="var" arg="dir" op="equ" val="norm">
+                                <dgm:alg type="hierChild">
+                                  <dgm:param type="linDir" val="fromL"/>
+                                </dgm:alg>
+                              </dgm:if>
+                              <dgm:else name="Name21">
+                                <dgm:alg type="hierChild">
+                                  <dgm:param type="linDir" val="fromR"/>
+                                </dgm:alg>
+                              </dgm:else>
+                            </dgm:choose>
+                            <dgm:shape xmlns:r="http://schemas.openxmlformats.org/officeDocument/2006/relationships" r:blip="">
+                              <dgm:adjLst/>
+                            </dgm:shape>
+                            <dgm:presOf/>
+                            <dgm:constrLst/>
+                            <dgm:ruleLst/>
+                            <dgm:forEach name="repeat" axis="ch">
+                              <dgm:forEach name="Name22" axis="self" ptType="parTrans" cnt="1">
+                                <dgm:layoutNode name="Name23">
+                                  <dgm:choose name="Name24">
+                                    <dgm:if name="Name25" axis="self" func="depth" op="lte" val="4">
+                                      <dgm:alg type="conn">
+                                        <dgm:param type="dim" val="1D"/>
+                                        <dgm:param type="endSty" val="noArr"/>
+                                        <dgm:param type="connRout" val="bend"/>
+                                        <dgm:param type="bendPt" val="end"/>
+                                        <dgm:param type="begPts" val="bCtr"/>
+                                        <dgm:param type="endPts" val="tCtr"/>
+                                        <dgm:param type="srcNode" val="background3"/>
+                                        <dgm:param type="dstNode" val="background4"/>
+                                      </dgm:alg>
+                                    </dgm:if>
+                                    <dgm:else name="Name26">
+                                      <dgm:alg type="conn">
+                                        <dgm:param type="dim" val="1D"/>
+                                        <dgm:param type="endSty" val="noArr"/>
+                                        <dgm:param type="connRout" val="bend"/>
+                                        <dgm:param type="bendPt" val="end"/>
+                                        <dgm:param type="begPts" val="bCtr"/>
+                                        <dgm:param type="endPts" val="tCtr"/>
+                                        <dgm:param type="srcNode" val="background4"/>
+                                        <dgm:param type="dstNode" val="background4"/>
+                                      </dgm:alg>
+                                    </dgm:else>
+                                  </dgm:choose>
+                                  <dgm:shape xmlns:r="http://schemas.openxmlformats.org/officeDocument/2006/relationships" type="conn" r:blip="" zOrderOff="-999">
+                                    <dgm:adjLst/>
+                                  </dgm:shape>
+                                  <dgm:presOf axis="self"/>
+                                  <dgm:constrLst>
+                                    <dgm:constr type="begPad"/>
+                                    <dgm:constr type="endPad"/>
+                                  </dgm:constrLst>
+                                  <dgm:ruleLst/>
+                                </dgm:layoutNode>
+                              </dgm:forEach>
+                              <dgm:forEach name="Name27" axis="self" ptType="node">
+                                <dgm:layoutNode name="hierRoot4">
+                                  <dgm:alg type="hierRoot"/>
+                                  <dgm:shape xmlns:r="http://schemas.openxmlformats.org/officeDocument/2006/relationships" r:blip="">
+                                    <dgm:adjLst/>
+                                  </dgm:shape>
+                                  <dgm:presOf/>
+                                  <dgm:constrLst>
+                                    <dgm:constr type="bendDist" for="des" ptType="parTrans" refType="sp" fact="0.5"/>
+                                  </dgm:constrLst>
+                                  <dgm:ruleLst/>
+                                  <dgm:layoutNode name="composite4">
+                                    <dgm:alg type="composite"/>
+                                    <dgm:shape xmlns:r="http://schemas.openxmlformats.org/officeDocument/2006/relationships" r:blip="">
+                                      <dgm:adjLst/>
+                                    </dgm:shape>
+                                    <dgm:presOf/>
+                                    <dgm:constrLst>
+                                      <dgm:constr type="w" for="ch" forName="background4" refType="w" fact="0.9"/>
+                                      <dgm:constr type="h" for="ch" forName="background4" refType="w" refFor="ch" refForName="background4" fact="0.635"/>
+                                      <dgm:constr type="t" for="ch" forName="background4"/>
+                                      <dgm:constr type="l" for="ch" forName="background4"/>
+                                      <dgm:constr type="w" for="ch" forName="text4" refType="w" fact="0.9"/>
+                                      <dgm:constr type="h" for="ch" forName="text4" refType="w" refFor="ch" refForName="text4" fact="0.635"/>
+                                      <dgm:constr type="t" for="ch" forName="text4" refType="w" fact="0.095"/>
+                                      <dgm:constr type="l" for="ch" forName="text4" refType="w" fact="0.1"/>
+                                    </dgm:constrLst>
+                                    <dgm:ruleLst/>
+                                    <dgm:layoutNode name="background4" moveWith="text4">
+                                      <dgm:alg type="sp"/>
+                                      <dgm:shape xmlns:r="http://schemas.openxmlformats.org/officeDocument/2006/relationships" type="roundRect" r:blip="">
+                                        <dgm:adjLst>
+                                          <dgm:adj idx="1" val="0.1"/>
+                                        </dgm:adjLst>
+                                      </dgm:shape>
+                                      <dgm:presOf/>
+                                      <dgm:constrLst/>
+                                      <dgm:ruleLst/>
+                                    </dgm:layoutNode>
+                                    <dgm:layoutNode name="text4" styleLbl="fgAcc4">
+                                      <dgm:varLst>
+                                        <dgm:chPref val="3"/>
+                                      </dgm:varLst>
+                                      <dgm:alg type="tx"/>
+                                      <dgm:shape xmlns:r="http://schemas.openxmlformats.org/officeDocument/2006/relationships" type="roundRect" r:blip="">
+                                        <dgm:adjLst>
+                                          <dgm:adj idx="1" val="0.1"/>
+                                        </dgm:adjLst>
+                                      </dgm:shape>
+                                      <dgm:presOf axis="self"/>
+                                      <dgm:constrLst>
+                                        <dgm:constr type="tMarg" refType="primFontSz" fact="0.3"/>
+                                        <dgm:constr type="bMarg" refType="primFontSz" fact="0.3"/>
+                                        <dgm:constr type="lMarg" refType="primFontSz" fact="0.3"/>
+                                        <dgm:constr type="rMarg" refType="primFontSz" fact="0.3"/>
+                                      </dgm:constrLst>
+                                      <dgm:ruleLst>
+                                        <dgm:rule type="primFontSz" val="5" fact="NaN" max="NaN"/>
+                                      </dgm:ruleLst>
+                                    </dgm:layoutNode>
+                                  </dgm:layoutNode>
+                                  <dgm:layoutNode name="hierChild5">
+                                    <dgm:choose name="Name28">
+                                      <dgm:if name="Name29" func="var" arg="dir" op="equ" val="norm">
+                                        <dgm:alg type="hierChild">
+                                          <dgm:param type="linDir" val="fromL"/>
+                                        </dgm:alg>
+                                      </dgm:if>
+                                      <dgm:else name="Name30">
+                                        <dgm:alg type="hierChild">
+                                          <dgm:param type="linDir" val="fromR"/>
+                                        </dgm:alg>
+                                      </dgm:else>
+                                    </dgm:choose>
+                                    <dgm:shape xmlns:r="http://schemas.openxmlformats.org/officeDocument/2006/relationships" r:blip="">
+                                      <dgm:adjLst/>
+                                    </dgm:shape>
+                                    <dgm:presOf/>
+                                    <dgm:constrLst/>
+                                    <dgm:ruleLst/>
+                                    <dgm:forEach name="Name31" ref="repeat"/>
+                                  </dgm:layoutNode>
+                                </dgm:layoutNode>
+                              </dgm:forEach>
+                            </dgm:forEach>
+                          </dgm:layoutNode>
+                        </dgm:layoutNode>
+                      </dgm:forEach>
+                    </dgm:forEach>
+                  </dgm:layoutNode>
+                </dgm:layoutNode>
+              </dgm:forEach>
+            </dgm:forEach>
+          </dgm:layoutNode>
+        </dgm:layoutNode>
+      </dgm:forEach>
+    </dgm:forEach>
+  </dgm:layoutNode>
+</dgm:layoutDef>
+</file>
+
+<file path=ppt/diagrams/layout9.xml><?xml version="1.0" encoding="utf-8"?>
+<dgm:layoutDef xmlns:dgm="http://schemas.openxmlformats.org/drawingml/2006/diagram" xmlns:a="http://schemas.openxmlformats.org/drawingml/2006/main" uniqueId="urn:microsoft.com/office/officeart/2005/8/layout/hierarchy1">
+  <dgm:title val=""/>
+  <dgm:desc val=""/>
+  <dgm:catLst>
+    <dgm:cat type="hierarchy" pri="2000"/>
+  </dgm:catLst>
+  <dgm:sampData>
+    <dgm:dataModel>
+      <dgm:ptLst>
+        <dgm:pt modelId="0" type="doc"/>
+        <dgm:pt modelId="1">
+          <dgm:prSet phldr="1"/>
+        </dgm:pt>
+        <dgm:pt modelId="2">
+          <dgm:prSet phldr="1"/>
+        </dgm:pt>
+        <dgm:pt modelId="21">
+          <dgm:prSet phldr="1"/>
+        </dgm:pt>
+        <dgm:pt modelId="22">
+          <dgm:prSet phldr="1"/>
+        </dgm:pt>
+        <dgm:pt modelId="3">
+          <dgm:prSet phldr="1"/>
+        </dgm:pt>
+        <dgm:pt modelId="31">
+          <dgm:prSet phldr="1"/>
+        </dgm:pt>
+      </dgm:ptLst>
+      <dgm:cxnLst>
+        <dgm:cxn modelId="4" srcId="0" destId="1" srcOrd="0" destOrd="0"/>
+        <dgm:cxn modelId="5" srcId="1" destId="2" srcOrd="0" destOrd="0"/>
+        <dgm:cxn modelId="6" srcId="1" destId="3" srcOrd="1" destOrd="0"/>
+        <dgm:cxn modelId="23" srcId="2" destId="21" srcOrd="0" destOrd="0"/>
+        <dgm:cxn modelId="24" srcId="2" destId="22" srcOrd="1" destOrd="0"/>
+        <dgm:cxn modelId="33" srcId="3" destId="31" srcOrd="0" destOrd="0"/>
+      </dgm:cxnLst>
+      <dgm:bg/>
+      <dgm:whole/>
+    </dgm:dataModel>
+  </dgm:sampData>
+  <dgm:styleData>
+    <dgm:dataModel>
+      <dgm:ptLst>
+        <dgm:pt modelId="0" type="doc"/>
+        <dgm:pt modelId="1"/>
+        <dgm:pt modelId="11"/>
+        <dgm:pt modelId="12"/>
+      </dgm:ptLst>
+      <dgm:cxnLst>
+        <dgm:cxn modelId="2" srcId="0" destId="1" srcOrd="0" destOrd="0"/>
+        <dgm:cxn modelId="13" srcId="1" destId="11" srcOrd="0" destOrd="0"/>
+        <dgm:cxn modelId="14" srcId="1" destId="12" srcOrd="1" destOrd="0"/>
+      </dgm:cxnLst>
+      <dgm:bg/>
+      <dgm:whole/>
+    </dgm:dataModel>
+  </dgm:styleData>
+  <dgm:clrData>
+    <dgm:dataModel>
+      <dgm:ptLst>
+        <dgm:pt modelId="0" type="doc"/>
+        <dgm:pt modelId="1"/>
+        <dgm:pt modelId="2"/>
+        <dgm:pt modelId="21"/>
+        <dgm:pt modelId="211"/>
+        <dgm:pt modelId="3"/>
+        <dgm:pt modelId="31"/>
+        <dgm:pt modelId="311"/>
+      </dgm:ptLst>
+      <dgm:cxnLst>
+        <dgm:cxn modelId="4" srcId="0" destId="1" srcOrd="0" destOrd="0"/>
+        <dgm:cxn modelId="5" srcId="1" destId="2" srcOrd="0" destOrd="0"/>
+        <dgm:cxn modelId="6" srcId="1" destId="3" srcOrd="1" destOrd="0"/>
+        <dgm:cxn modelId="23" srcId="2" destId="21" srcOrd="0" destOrd="0"/>
+        <dgm:cxn modelId="24" srcId="21" destId="211" srcOrd="0" destOrd="0"/>
+        <dgm:cxn modelId="33" srcId="3" destId="31" srcOrd="0" destOrd="0"/>
+        <dgm:cxn modelId="34" srcId="31" destId="311" srcOrd="0" destOrd="0"/>
+      </dgm:cxnLst>
+      <dgm:bg/>
+      <dgm:whole/>
+    </dgm:dataModel>
+  </dgm:clrData>
+  <dgm:layoutNode name="hierChild1">
+    <dgm:varLst>
+      <dgm:chPref val="1"/>
+      <dgm:dir/>
+      <dgm:animOne val="branch"/>
+      <dgm:animLvl val="lvl"/>
+      <dgm:resizeHandles/>
+    </dgm:varLst>
+    <dgm:choose name="Name0">
+      <dgm:if name="Name1" func="var" arg="dir" op="equ" val="norm">
+        <dgm:alg type="hierChild">
+          <dgm:param type="linDir" val="fromL"/>
+        </dgm:alg>
+      </dgm:if>
+      <dgm:else name="Name2">
+        <dgm:alg type="hierChild">
+          <dgm:param type="linDir" val="fromR"/>
+        </dgm:alg>
+      </dgm:else>
+    </dgm:choose>
+    <dgm:shape xmlns:r="http://schemas.openxmlformats.org/officeDocument/2006/relationships" r:blip="">
+      <dgm:adjLst/>
+    </dgm:shape>
+    <dgm:presOf/>
+    <dgm:constrLst>
+      <dgm:constr type="primFontSz" for="des" ptType="node" op="equ" val="65"/>
+      <dgm:constr type="w" for="des" forName="composite" refType="w"/>
+      <dgm:constr type="h" for="des" forName="composite" refType="w" refFor="des" refForName="composite" fact="0.667"/>
+      <dgm:constr type="w" for="des" forName="composite2" refType="w" refFor="des" refForName="composite"/>
+      <dgm:constr type="h" for="des" forName="composite2" refType="h" refFor="des" refForName="composite"/>
+      <dgm:constr type="w" for="des" forName="composite3" refType="w" refFor="des" refForName="composite"/>
+      <dgm:constr type="h" for="des" forName="composite3" refType="h" refFor="des" refForName="composite"/>
+      <dgm:constr type="w" for="des" forName="composite4" refType="w" refFor="des" refForName="composite"/>
+      <dgm:constr type="h" for="des" forName="composite4" refType="h" refFor="des" refForName="composite"/>
+      <dgm:constr type="w" for="des" forName="composite5" refType="w" refFor="des" refForName="composite"/>
+      <dgm:constr type="h" for="des" forName="composite5" refType="h" refFor="des" refForName="composite"/>
+      <dgm:constr type="sibSp" refType="w" refFor="des" refForName="composite" fact="0.1"/>
+      <dgm:constr type="sibSp" for="des" forName="hierChild2" refType="sibSp"/>
+      <dgm:constr type="sibSp" for="des" forName="hierChild3" refType="sibSp"/>
+      <dgm:constr type="sibSp" for="des" forName="hierChild4" refType="sibSp"/>
+      <dgm:constr type="sibSp" for="des" forName="hierChild5" refType="sibSp"/>
+      <dgm:constr type="sibSp" for="des" forName="hierChild6" refType="sibSp"/>
+      <dgm:constr type="sp" for="des" forName="hierRoot1" refType="h" refFor="des" refForName="composite" fact="0.25"/>
+      <dgm:constr type="sp" for="des" forName="hierRoot2" refType="sp" refFor="des" refForName="hierRoot1"/>
+      <dgm:constr type="sp" for="des" forName="hierRoot3" refType="sp" refFor="des" refForName="hierRoot1"/>
+      <dgm:constr type="sp" for="des" forName="hierRoot4" refType="sp" refFor="des" refForName="hierRoot1"/>
+      <dgm:constr type="sp" for="des" forName="hierRoot5" refType="sp" refFor="des" refForName="hierRoot1"/>
+    </dgm:constrLst>
+    <dgm:ruleLst/>
+    <dgm:forEach name="Name3" axis="ch">
+      <dgm:forEach name="Name4" axis="self" ptType="node">
+        <dgm:layoutNode name="hierRoot1">
+          <dgm:alg type="hierRoot"/>
+          <dgm:shape xmlns:r="http://schemas.openxmlformats.org/officeDocument/2006/relationships" r:blip="">
+            <dgm:adjLst/>
+          </dgm:shape>
+          <dgm:presOf/>
+          <dgm:constrLst>
+            <dgm:constr type="bendDist" for="des" ptType="parTrans" refType="sp" fact="0.5"/>
+          </dgm:constrLst>
+          <dgm:ruleLst/>
+          <dgm:layoutNode name="composite">
+            <dgm:alg type="composite"/>
+            <dgm:shape xmlns:r="http://schemas.openxmlformats.org/officeDocument/2006/relationships" r:blip="">
+              <dgm:adjLst/>
+            </dgm:shape>
+            <dgm:presOf/>
+            <dgm:constrLst>
+              <dgm:constr type="w" for="ch" forName="background" refType="w" fact="0.9"/>
+              <dgm:constr type="h" for="ch" forName="background" refType="w" refFor="ch" refForName="background" fact="0.635"/>
+              <dgm:constr type="t" for="ch" forName="background"/>
+              <dgm:constr type="l" for="ch" forName="background"/>
+              <dgm:constr type="w" for="ch" forName="text" refType="w" fact="0.9"/>
+              <dgm:constr type="h" for="ch" forName="text" refType="w" refFor="ch" refForName="text" fact="0.635"/>
+              <dgm:constr type="t" for="ch" forName="text" refType="w" fact="0.095"/>
+              <dgm:constr type="l" for="ch" forName="text" refType="w" fact="0.1"/>
+            </dgm:constrLst>
+            <dgm:ruleLst/>
+            <dgm:layoutNode name="background" styleLbl="node0" moveWith="text">
+              <dgm:alg type="sp"/>
+              <dgm:shape xmlns:r="http://schemas.openxmlformats.org/officeDocument/2006/relationships" type="roundRect" r:blip="">
+                <dgm:adjLst>
+                  <dgm:adj idx="1" val="0.1"/>
+                </dgm:adjLst>
+              </dgm:shape>
+              <dgm:presOf/>
+              <dgm:constrLst/>
+              <dgm:ruleLst/>
+            </dgm:layoutNode>
+            <dgm:layoutNode name="text" styleLbl="fgAcc0">
+              <dgm:varLst>
+                <dgm:chPref val="3"/>
+              </dgm:varLst>
+              <dgm:alg type="tx"/>
+              <dgm:shape xmlns:r="http://schemas.openxmlformats.org/officeDocument/2006/relationships" type="roundRect" r:blip="">
+                <dgm:adjLst>
+                  <dgm:adj idx="1" val="0.1"/>
+                </dgm:adjLst>
+              </dgm:shape>
+              <dgm:presOf axis="self"/>
+              <dgm:constrLst>
+                <dgm:constr type="tMarg" refType="primFontSz" fact="0.3"/>
+                <dgm:constr type="bMarg" refType="primFontSz" fact="0.3"/>
+                <dgm:constr type="lMarg" refType="primFontSz" fact="0.3"/>
+                <dgm:constr type="rMarg" refType="primFontSz" fact="0.3"/>
+              </dgm:constrLst>
+              <dgm:ruleLst>
+                <dgm:rule type="primFontSz" val="5" fact="NaN" max="NaN"/>
+              </dgm:ruleLst>
+            </dgm:layoutNode>
+          </dgm:layoutNode>
+          <dgm:layoutNode name="hierChild2">
+            <dgm:choose name="Name5">
+              <dgm:if name="Name6" func="var" arg="dir" op="equ" val="norm">
+                <dgm:alg type="hierChild">
+                  <dgm:param type="linDir" val="fromL"/>
+                </dgm:alg>
+              </dgm:if>
+              <dgm:else name="Name7">
+                <dgm:alg type="hierChild">
+                  <dgm:param type="linDir" val="fromR"/>
+                </dgm:alg>
+              </dgm:else>
+            </dgm:choose>
+            <dgm:shape xmlns:r="http://schemas.openxmlformats.org/officeDocument/2006/relationships" r:blip="">
+              <dgm:adjLst/>
+            </dgm:shape>
+            <dgm:presOf/>
+            <dgm:constrLst/>
+            <dgm:ruleLst/>
+            <dgm:forEach name="Name8" axis="ch">
+              <dgm:forEach name="Name9" axis="self" ptType="parTrans" cnt="1">
+                <dgm:layoutNode name="Name10">
+                  <dgm:alg type="conn">
+                    <dgm:param type="dim" val="1D"/>
+                    <dgm:param type="endSty" val="noArr"/>
+                    <dgm:param type="connRout" val="bend"/>
+                    <dgm:param type="bendPt" val="end"/>
+                    <dgm:param type="begPts" val="bCtr"/>
+                    <dgm:param type="endPts" val="tCtr"/>
+                    <dgm:param type="srcNode" val="background"/>
+                    <dgm:param type="dstNode" val="background2"/>
+                  </dgm:alg>
+                  <dgm:shape xmlns:r="http://schemas.openxmlformats.org/officeDocument/2006/relationships" type="conn" r:blip="" zOrderOff="-999">
+                    <dgm:adjLst/>
+                  </dgm:shape>
+                  <dgm:presOf axis="self"/>
+                  <dgm:constrLst>
+                    <dgm:constr type="begPad"/>
+                    <dgm:constr type="endPad"/>
+                  </dgm:constrLst>
+                  <dgm:ruleLst/>
+                </dgm:layoutNode>
+              </dgm:forEach>
+              <dgm:forEach name="Name11" axis="self" ptType="node">
+                <dgm:layoutNode name="hierRoot2">
+                  <dgm:alg type="hierRoot"/>
+                  <dgm:shape xmlns:r="http://schemas.openxmlformats.org/officeDocument/2006/relationships" r:blip="">
+                    <dgm:adjLst/>
+                  </dgm:shape>
+                  <dgm:presOf/>
+                  <dgm:constrLst>
+                    <dgm:constr type="bendDist" for="des" ptType="parTrans" refType="sp" fact="0.5"/>
+                  </dgm:constrLst>
+                  <dgm:ruleLst/>
+                  <dgm:layoutNode name="composite2">
+                    <dgm:alg type="composite"/>
+                    <dgm:shape xmlns:r="http://schemas.openxmlformats.org/officeDocument/2006/relationships" r:blip="">
+                      <dgm:adjLst/>
+                    </dgm:shape>
+                    <dgm:presOf/>
+                    <dgm:constrLst>
+                      <dgm:constr type="w" for="ch" forName="background2" refType="w" fact="0.9"/>
+                      <dgm:constr type="h" for="ch" forName="background2" refType="w" refFor="ch" refForName="background2" fact="0.635"/>
+                      <dgm:constr type="t" for="ch" forName="background2"/>
+                      <dgm:constr type="l" for="ch" forName="background2"/>
+                      <dgm:constr type="w" for="ch" forName="text2" refType="w" fact="0.9"/>
+                      <dgm:constr type="h" for="ch" forName="text2" refType="w" refFor="ch" refForName="text2" fact="0.635"/>
+                      <dgm:constr type="t" for="ch" forName="text2" refType="w" fact="0.095"/>
+                      <dgm:constr type="l" for="ch" forName="text2" refType="w" fact="0.1"/>
+                    </dgm:constrLst>
+                    <dgm:ruleLst/>
+                    <dgm:layoutNode name="background2" moveWith="text2">
+                      <dgm:alg type="sp"/>
+                      <dgm:shape xmlns:r="http://schemas.openxmlformats.org/officeDocument/2006/relationships" type="roundRect" r:blip="">
+                        <dgm:adjLst>
+                          <dgm:adj idx="1" val="0.1"/>
+                        </dgm:adjLst>
+                      </dgm:shape>
+                      <dgm:presOf/>
+                      <dgm:constrLst/>
+                      <dgm:ruleLst/>
+                    </dgm:layoutNode>
+                    <dgm:layoutNode name="text2" styleLbl="fgAcc2">
+                      <dgm:varLst>
+                        <dgm:chPref val="3"/>
+                      </dgm:varLst>
+                      <dgm:alg type="tx"/>
+                      <dgm:shape xmlns:r="http://schemas.openxmlformats.org/officeDocument/2006/relationships" type="roundRect" r:blip="">
+                        <dgm:adjLst>
+                          <dgm:adj idx="1" val="0.1"/>
+                        </dgm:adjLst>
+                      </dgm:shape>
+                      <dgm:presOf axis="self"/>
+                      <dgm:constrLst>
+                        <dgm:constr type="tMarg" refType="primFontSz" fact="0.3"/>
+                        <dgm:constr type="bMarg" refType="primFontSz" fact="0.3"/>
+                        <dgm:constr type="lMarg" refType="primFontSz" fact="0.3"/>
+                        <dgm:constr type="rMarg" refType="primFontSz" fact="0.3"/>
+                      </dgm:constrLst>
+                      <dgm:ruleLst>
+                        <dgm:rule type="primFontSz" val="5" fact="NaN" max="NaN"/>
+                      </dgm:ruleLst>
+                    </dgm:layoutNode>
+                  </dgm:layoutNode>
+                  <dgm:layoutNode name="hierChild3">
+                    <dgm:choose name="Name12">
+                      <dgm:if name="Name13" func="var" arg="dir" op="equ" val="norm">
+                        <dgm:alg type="hierChild">
+                          <dgm:param type="linDir" val="fromL"/>
+                        </dgm:alg>
+                      </dgm:if>
+                      <dgm:else name="Name14">
+                        <dgm:alg type="hierChild">
+                          <dgm:param type="linDir" val="fromR"/>
+                        </dgm:alg>
+                      </dgm:else>
+                    </dgm:choose>
+                    <dgm:shape xmlns:r="http://schemas.openxmlformats.org/officeDocument/2006/relationships" r:blip="">
+                      <dgm:adjLst/>
+                    </dgm:shape>
+                    <dgm:presOf/>
+                    <dgm:constrLst/>
+                    <dgm:ruleLst/>
+                    <dgm:forEach name="Name15" axis="ch">
+                      <dgm:forEach name="Name16" axis="self" ptType="parTrans" cnt="1">
+                        <dgm:layoutNode name="Name17">
+                          <dgm:alg type="conn">
+                            <dgm:param type="dim" val="1D"/>
+                            <dgm:param type="endSty" val="noArr"/>
+                            <dgm:param type="connRout" val="bend"/>
+                            <dgm:param type="bendPt" val="end"/>
+                            <dgm:param type="begPts" val="bCtr"/>
+                            <dgm:param type="endPts" val="tCtr"/>
+                            <dgm:param type="srcNode" val="background2"/>
+                            <dgm:param type="dstNode" val="background3"/>
+                          </dgm:alg>
+                          <dgm:shape xmlns:r="http://schemas.openxmlformats.org/officeDocument/2006/relationships" type="conn" r:blip="" zOrderOff="-999">
+                            <dgm:adjLst/>
+                          </dgm:shape>
+                          <dgm:presOf axis="self"/>
+                          <dgm:constrLst>
+                            <dgm:constr type="begPad"/>
+                            <dgm:constr type="endPad"/>
+                          </dgm:constrLst>
+                          <dgm:ruleLst/>
+                        </dgm:layoutNode>
+                      </dgm:forEach>
+                      <dgm:forEach name="Name18" axis="self" ptType="node">
+                        <dgm:layoutNode name="hierRoot3">
+                          <dgm:alg type="hierRoot"/>
+                          <dgm:shape xmlns:r="http://schemas.openxmlformats.org/officeDocument/2006/relationships" r:blip="">
+                            <dgm:adjLst/>
+                          </dgm:shape>
+                          <dgm:presOf/>
+                          <dgm:constrLst>
+                            <dgm:constr type="bendDist" for="des" ptType="parTrans" refType="sp" fact="0.5"/>
+                          </dgm:constrLst>
+                          <dgm:ruleLst/>
+                          <dgm:layoutNode name="composite3">
+                            <dgm:alg type="composite"/>
+                            <dgm:shape xmlns:r="http://schemas.openxmlformats.org/officeDocument/2006/relationships" r:blip="">
+                              <dgm:adjLst/>
+                            </dgm:shape>
+                            <dgm:presOf/>
+                            <dgm:constrLst>
+                              <dgm:constr type="w" for="ch" forName="background3" refType="w" fact="0.9"/>
+                              <dgm:constr type="h" for="ch" forName="background3" refType="w" refFor="ch" refForName="background3" fact="0.635"/>
+                              <dgm:constr type="t" for="ch" forName="background3"/>
+                              <dgm:constr type="l" for="ch" forName="background3"/>
+                              <dgm:constr type="w" for="ch" forName="text3" refType="w" fact="0.9"/>
+                              <dgm:constr type="h" for="ch" forName="text3" refType="w" refFor="ch" refForName="text3" fact="0.635"/>
+                              <dgm:constr type="t" for="ch" forName="text3" refType="w" fact="0.095"/>
+                              <dgm:constr type="l" for="ch" forName="text3" refType="w" fact="0.1"/>
+                            </dgm:constrLst>
+                            <dgm:ruleLst/>
+                            <dgm:layoutNode name="background3" moveWith="text3">
+                              <dgm:alg type="sp"/>
+                              <dgm:shape xmlns:r="http://schemas.openxmlformats.org/officeDocument/2006/relationships" type="roundRect" r:blip="">
+                                <dgm:adjLst>
+                                  <dgm:adj idx="1" val="0.1"/>
+                                </dgm:adjLst>
+                              </dgm:shape>
+                              <dgm:presOf/>
+                              <dgm:constrLst/>
+                              <dgm:ruleLst/>
+                            </dgm:layoutNode>
+                            <dgm:layoutNode name="text3" styleLbl="fgAcc3">
+                              <dgm:varLst>
+                                <dgm:chPref val="3"/>
+                              </dgm:varLst>
+                              <dgm:alg type="tx"/>
+                              <dgm:shape xmlns:r="http://schemas.openxmlformats.org/officeDocument/2006/relationships" type="roundRect" r:blip="">
+                                <dgm:adjLst>
+                                  <dgm:adj idx="1" val="0.1"/>
+                                </dgm:adjLst>
+                              </dgm:shape>
+                              <dgm:presOf axis="self"/>
+                              <dgm:constrLst>
+                                <dgm:constr type="tMarg" refType="primFontSz" fact="0.3"/>
+                                <dgm:constr type="bMarg" refType="primFontSz" fact="0.3"/>
+                                <dgm:constr type="lMarg" refType="primFontSz" fact="0.3"/>
+                                <dgm:constr type="rMarg" refType="primFontSz" fact="0.3"/>
+                              </dgm:constrLst>
+                              <dgm:ruleLst>
+                                <dgm:rule type="primFontSz" val="5" fact="NaN" max="NaN"/>
+                              </dgm:ruleLst>
+                            </dgm:layoutNode>
+                          </dgm:layoutNode>
+                          <dgm:layoutNode name="hierChild4">
+                            <dgm:choose name="Name19">
+                              <dgm:if name="Name20" func="var" arg="dir" op="equ" val="norm">
+                                <dgm:alg type="hierChild">
+                                  <dgm:param type="linDir" val="fromL"/>
+                                </dgm:alg>
+                              </dgm:if>
+                              <dgm:else name="Name21">
+                                <dgm:alg type="hierChild">
+                                  <dgm:param type="linDir" val="fromR"/>
+                                </dgm:alg>
+                              </dgm:else>
+                            </dgm:choose>
+                            <dgm:shape xmlns:r="http://schemas.openxmlformats.org/officeDocument/2006/relationships" r:blip="">
+                              <dgm:adjLst/>
+                            </dgm:shape>
+                            <dgm:presOf/>
+                            <dgm:constrLst/>
+                            <dgm:ruleLst/>
+                            <dgm:forEach name="repeat" axis="ch">
+                              <dgm:forEach name="Name22" axis="self" ptType="parTrans" cnt="1">
+                                <dgm:layoutNode name="Name23">
+                                  <dgm:choose name="Name24">
+                                    <dgm:if name="Name25" axis="self" func="depth" op="lte" val="4">
+                                      <dgm:alg type="conn">
+                                        <dgm:param type="dim" val="1D"/>
+                                        <dgm:param type="endSty" val="noArr"/>
+                                        <dgm:param type="connRout" val="bend"/>
+                                        <dgm:param type="bendPt" val="end"/>
+                                        <dgm:param type="begPts" val="bCtr"/>
+                                        <dgm:param type="endPts" val="tCtr"/>
+                                        <dgm:param type="srcNode" val="background3"/>
+                                        <dgm:param type="dstNode" val="background4"/>
+                                      </dgm:alg>
+                                    </dgm:if>
+                                    <dgm:else name="Name26">
+                                      <dgm:alg type="conn">
+                                        <dgm:param type="dim" val="1D"/>
+                                        <dgm:param type="endSty" val="noArr"/>
+                                        <dgm:param type="connRout" val="bend"/>
+                                        <dgm:param type="bendPt" val="end"/>
+                                        <dgm:param type="begPts" val="bCtr"/>
+                                        <dgm:param type="endPts" val="tCtr"/>
+                                        <dgm:param type="srcNode" val="background4"/>
+                                        <dgm:param type="dstNode" val="background4"/>
+                                      </dgm:alg>
+                                    </dgm:else>
+                                  </dgm:choose>
+                                  <dgm:shape xmlns:r="http://schemas.openxmlformats.org/officeDocument/2006/relationships" type="conn" r:blip="" zOrderOff="-999">
+                                    <dgm:adjLst/>
+                                  </dgm:shape>
+                                  <dgm:presOf axis="self"/>
+                                  <dgm:constrLst>
+                                    <dgm:constr type="begPad"/>
+                                    <dgm:constr type="endPad"/>
+                                  </dgm:constrLst>
+                                  <dgm:ruleLst/>
+                                </dgm:layoutNode>
+                              </dgm:forEach>
+                              <dgm:forEach name="Name27" axis="self" ptType="node">
+                                <dgm:layoutNode name="hierRoot4">
+                                  <dgm:alg type="hierRoot"/>
+                                  <dgm:shape xmlns:r="http://schemas.openxmlformats.org/officeDocument/2006/relationships" r:blip="">
+                                    <dgm:adjLst/>
+                                  </dgm:shape>
+                                  <dgm:presOf/>
+                                  <dgm:constrLst>
+                                    <dgm:constr type="bendDist" for="des" ptType="parTrans" refType="sp" fact="0.5"/>
+                                  </dgm:constrLst>
+                                  <dgm:ruleLst/>
+                                  <dgm:layoutNode name="composite4">
+                                    <dgm:alg type="composite"/>
+                                    <dgm:shape xmlns:r="http://schemas.openxmlformats.org/officeDocument/2006/relationships" r:blip="">
+                                      <dgm:adjLst/>
+                                    </dgm:shape>
+                                    <dgm:presOf/>
+                                    <dgm:constrLst>
+                                      <dgm:constr type="w" for="ch" forName="background4" refType="w" fact="0.9"/>
+                                      <dgm:constr type="h" for="ch" forName="background4" refType="w" refFor="ch" refForName="background4" fact="0.635"/>
+                                      <dgm:constr type="t" for="ch" forName="background4"/>
+                                      <dgm:constr type="l" for="ch" forName="background4"/>
+                                      <dgm:constr type="w" for="ch" forName="text4" refType="w" fact="0.9"/>
+                                      <dgm:constr type="h" for="ch" forName="text4" refType="w" refFor="ch" refForName="text4" fact="0.635"/>
+                                      <dgm:constr type="t" for="ch" forName="text4" refType="w" fact="0.095"/>
+                                      <dgm:constr type="l" for="ch" forName="text4" refType="w" fact="0.1"/>
+                                    </dgm:constrLst>
+                                    <dgm:ruleLst/>
+                                    <dgm:layoutNode name="background4" moveWith="text4">
+                                      <dgm:alg type="sp"/>
+                                      <dgm:shape xmlns:r="http://schemas.openxmlformats.org/officeDocument/2006/relationships" type="roundRect" r:blip="">
+                                        <dgm:adjLst>
+                                          <dgm:adj idx="1" val="0.1"/>
+                                        </dgm:adjLst>
+                                      </dgm:shape>
+                                      <dgm:presOf/>
+                                      <dgm:constrLst/>
+                                      <dgm:ruleLst/>
+                                    </dgm:layoutNode>
+                                    <dgm:layoutNode name="text4" styleLbl="fgAcc4">
+                                      <dgm:varLst>
+                                        <dgm:chPref val="3"/>
+                                      </dgm:varLst>
+                                      <dgm:alg type="tx"/>
+                                      <dgm:shape xmlns:r="http://schemas.openxmlformats.org/officeDocument/2006/relationships" type="roundRect" r:blip="">
+                                        <dgm:adjLst>
+                                          <dgm:adj idx="1" val="0.1"/>
+                                        </dgm:adjLst>
+                                      </dgm:shape>
+                                      <dgm:presOf axis="self"/>
+                                      <dgm:constrLst>
+                                        <dgm:constr type="tMarg" refType="primFontSz" fact="0.3"/>
+                                        <dgm:constr type="bMarg" refType="primFontSz" fact="0.3"/>
+                                        <dgm:constr type="lMarg" refType="primFontSz" fact="0.3"/>
+                                        <dgm:constr type="rMarg" refType="primFontSz" fact="0.3"/>
+                                      </dgm:constrLst>
+                                      <dgm:ruleLst>
+                                        <dgm:rule type="primFontSz" val="5" fact="NaN" max="NaN"/>
+                                      </dgm:ruleLst>
+                                    </dgm:layoutNode>
+                                  </dgm:layoutNode>
+                                  <dgm:layoutNode name="hierChild5">
+                                    <dgm:choose name="Name28">
+                                      <dgm:if name="Name29" func="var" arg="dir" op="equ" val="norm">
+                                        <dgm:alg type="hierChild">
+                                          <dgm:param type="linDir" val="fromL"/>
+                                        </dgm:alg>
+                                      </dgm:if>
+                                      <dgm:else name="Name30">
+                                        <dgm:alg type="hierChild">
+                                          <dgm:param type="linDir" val="fromR"/>
+                                        </dgm:alg>
+                                      </dgm:else>
+                                    </dgm:choose>
+                                    <dgm:shape xmlns:r="http://schemas.openxmlformats.org/officeDocument/2006/relationships" r:blip="">
+                                      <dgm:adjLst/>
+                                    </dgm:shape>
+                                    <dgm:presOf/>
+                                    <dgm:constrLst/>
+                                    <dgm:ruleLst/>
+                                    <dgm:forEach name="Name31" ref="repeat"/>
+                                  </dgm:layoutNode>
+                                </dgm:layoutNode>
+                              </dgm:forEach>
+                            </dgm:forEach>
+                          </dgm:layoutNode>
+                        </dgm:layoutNode>
+                      </dgm:forEach>
+                    </dgm:forEach>
+                  </dgm:layoutNode>
+                </dgm:layoutNode>
+              </dgm:forEach>
+            </dgm:forEach>
+          </dgm:layoutNode>
+        </dgm:layoutNode>
+      </dgm:forEach>
+    </dgm:forEach>
+  </dgm:layoutNode>
+</dgm:layoutDef>
+</file>
+
 <file path=ppt/diagrams/quickStyle1.xml><?xml version="1.0" encoding="utf-8"?>
 <dgm:styleDef xmlns:dgm="http://schemas.openxmlformats.org/drawingml/2006/diagram" xmlns:a="http://schemas.openxmlformats.org/drawingml/2006/main" uniqueId="urn:microsoft.com/office/officeart/2005/8/quickstyle/3d2">
   <dgm:title val=""/>
@@ -23592,6 +28714,2074 @@
 </file>
 
 <file path=ppt/diagrams/quickStyle7.xml><?xml version="1.0" encoding="utf-8"?>
+<dgm:styleDef xmlns:dgm="http://schemas.openxmlformats.org/drawingml/2006/diagram" xmlns:a="http://schemas.openxmlformats.org/drawingml/2006/main" uniqueId="urn:microsoft.com/office/officeart/2005/8/quickstyle/simple1">
+  <dgm:title val=""/>
+  <dgm:desc val=""/>
+  <dgm:catLst>
+    <dgm:cat type="simple" pri="10100"/>
+  </dgm:catLst>
+  <dgm:scene3d>
+    <a:camera prst="orthographicFront"/>
+    <a:lightRig rig="threePt" dir="t"/>
+  </dgm:scene3d>
+  <dgm:styleLbl name="node0">
+    <dgm:scene3d>
+      <a:camera prst="orthographicFront"/>
+      <a:lightRig rig="threePt" dir="t"/>
+    </dgm:scene3d>
+    <dgm:sp3d/>
+    <dgm:txPr/>
+    <dgm:style>
+      <a:lnRef idx="2">
+        <a:scrgbClr r="0" g="0" b="0"/>
+      </a:lnRef>
+      <a:fillRef idx="1">
+        <a:scrgbClr r="0" g="0" b="0"/>
+      </a:fillRef>
+      <a:effectRef idx="0">
+        <a:scrgbClr r="0" g="0" b="0"/>
+      </a:effectRef>
+      <a:fontRef idx="minor">
+        <a:schemeClr val="lt1"/>
+      </a:fontRef>
+    </dgm:style>
+  </dgm:styleLbl>
+  <dgm:styleLbl name="lnNode1">
+    <dgm:scene3d>
+      <a:camera prst="orthographicFront"/>
+      <a:lightRig rig="threePt" dir="t"/>
+    </dgm:scene3d>
+    <dgm:sp3d/>
+    <dgm:txPr/>
+    <dgm:style>
+      <a:lnRef idx="2">
+        <a:scrgbClr r="0" g="0" b="0"/>
+      </a:lnRef>
+      <a:fillRef idx="1">
+        <a:scrgbClr r="0" g="0" b="0"/>
+      </a:fillRef>
+      <a:effectRef idx="0">
+        <a:scrgbClr r="0" g="0" b="0"/>
+      </a:effectRef>
+      <a:fontRef idx="minor">
+        <a:schemeClr val="lt1"/>
+      </a:fontRef>
+    </dgm:style>
+  </dgm:styleLbl>
+  <dgm:styleLbl name="vennNode1">
+    <dgm:scene3d>
+      <a:camera prst="orthographicFront"/>
+      <a:lightRig rig="threePt" dir="t"/>
+    </dgm:scene3d>
+    <dgm:sp3d/>
+    <dgm:txPr/>
+    <dgm:style>
+      <a:lnRef idx="2">
+        <a:scrgbClr r="0" g="0" b="0"/>
+      </a:lnRef>
+      <a:fillRef idx="1">
+        <a:scrgbClr r="0" g="0" b="0"/>
+      </a:fillRef>
+      <a:effectRef idx="0">
+        <a:scrgbClr r="0" g="0" b="0"/>
+      </a:effectRef>
+      <a:fontRef idx="minor">
+        <a:schemeClr val="tx1"/>
+      </a:fontRef>
+    </dgm:style>
+  </dgm:styleLbl>
+  <dgm:styleLbl name="alignNode1">
+    <dgm:scene3d>
+      <a:camera prst="orthographicFront"/>
+      <a:lightRig rig="threePt" dir="t"/>
+    </dgm:scene3d>
+    <dgm:sp3d/>
+    <dgm:txPr/>
+    <dgm:style>
+      <a:lnRef idx="2">
+        <a:scrgbClr r="0" g="0" b="0"/>
+      </a:lnRef>
+      <a:fillRef idx="1">
+        <a:scrgbClr r="0" g="0" b="0"/>
+      </a:fillRef>
+      <a:effectRef idx="0">
+        <a:scrgbClr r="0" g="0" b="0"/>
+      </a:effectRef>
+      <a:fontRef idx="minor">
+        <a:schemeClr val="lt1"/>
+      </a:fontRef>
+    </dgm:style>
+  </dgm:styleLbl>
+  <dgm:styleLbl name="node1">
+    <dgm:scene3d>
+      <a:camera prst="orthographicFront"/>
+      <a:lightRig rig="threePt" dir="t"/>
+    </dgm:scene3d>
+    <dgm:sp3d/>
+    <dgm:txPr/>
+    <dgm:style>
+      <a:lnRef idx="2">
+        <a:scrgbClr r="0" g="0" b="0"/>
+      </a:lnRef>
+      <a:fillRef idx="1">
+        <a:scrgbClr r="0" g="0" b="0"/>
+      </a:fillRef>
+      <a:effectRef idx="0">
+        <a:scrgbClr r="0" g="0" b="0"/>
+      </a:effectRef>
+      <a:fontRef idx="minor">
+        <a:schemeClr val="lt1"/>
+      </a:fontRef>
+    </dgm:style>
+  </dgm:styleLbl>
+  <dgm:styleLbl name="node2">
+    <dgm:scene3d>
+      <a:camera prst="orthographicFront"/>
+      <a:lightRig rig="threePt" dir="t"/>
+    </dgm:scene3d>
+    <dgm:sp3d/>
+    <dgm:txPr/>
+    <dgm:style>
+      <a:lnRef idx="2">
+        <a:scrgbClr r="0" g="0" b="0"/>
+      </a:lnRef>
+      <a:fillRef idx="1">
+        <a:scrgbClr r="0" g="0" b="0"/>
+      </a:fillRef>
+      <a:effectRef idx="0">
+        <a:scrgbClr r="0" g="0" b="0"/>
+      </a:effectRef>
+      <a:fontRef idx="minor">
+        <a:schemeClr val="lt1"/>
+      </a:fontRef>
+    </dgm:style>
+  </dgm:styleLbl>
+  <dgm:styleLbl name="node3">
+    <dgm:scene3d>
+      <a:camera prst="orthographicFront"/>
+      <a:lightRig rig="threePt" dir="t"/>
+    </dgm:scene3d>
+    <dgm:sp3d/>
+    <dgm:txPr/>
+    <dgm:style>
+      <a:lnRef idx="2">
+        <a:scrgbClr r="0" g="0" b="0"/>
+      </a:lnRef>
+      <a:fillRef idx="1">
+        <a:scrgbClr r="0" g="0" b="0"/>
+      </a:fillRef>
+      <a:effectRef idx="0">
+        <a:scrgbClr r="0" g="0" b="0"/>
+      </a:effectRef>
+      <a:fontRef idx="minor">
+        <a:schemeClr val="lt1"/>
+      </a:fontRef>
+    </dgm:style>
+  </dgm:styleLbl>
+  <dgm:styleLbl name="node4">
+    <dgm:scene3d>
+      <a:camera prst="orthographicFront"/>
+      <a:lightRig rig="threePt" dir="t"/>
+    </dgm:scene3d>
+    <dgm:sp3d/>
+    <dgm:txPr/>
+    <dgm:style>
+      <a:lnRef idx="2">
+        <a:scrgbClr r="0" g="0" b="0"/>
+      </a:lnRef>
+      <a:fillRef idx="1">
+        <a:scrgbClr r="0" g="0" b="0"/>
+      </a:fillRef>
+      <a:effectRef idx="0">
+        <a:scrgbClr r="0" g="0" b="0"/>
+      </a:effectRef>
+      <a:fontRef idx="minor">
+        <a:schemeClr val="lt1"/>
+      </a:fontRef>
+    </dgm:style>
+  </dgm:styleLbl>
+  <dgm:styleLbl name="fgImgPlace1">
+    <dgm:scene3d>
+      <a:camera prst="orthographicFront"/>
+      <a:lightRig rig="threePt" dir="t"/>
+    </dgm:scene3d>
+    <dgm:sp3d/>
+    <dgm:txPr/>
+    <dgm:style>
+      <a:lnRef idx="2">
+        <a:scrgbClr r="0" g="0" b="0"/>
+      </a:lnRef>
+      <a:fillRef idx="1">
+        <a:scrgbClr r="0" g="0" b="0"/>
+      </a:fillRef>
+      <a:effectRef idx="0">
+        <a:scrgbClr r="0" g="0" b="0"/>
+      </a:effectRef>
+      <a:fontRef idx="minor"/>
+    </dgm:style>
+  </dgm:styleLbl>
+  <dgm:styleLbl name="alignImgPlace1">
+    <dgm:scene3d>
+      <a:camera prst="orthographicFront"/>
+      <a:lightRig rig="threePt" dir="t"/>
+    </dgm:scene3d>
+    <dgm:sp3d/>
+    <dgm:txPr/>
+    <dgm:style>
+      <a:lnRef idx="2">
+        <a:scrgbClr r="0" g="0" b="0"/>
+      </a:lnRef>
+      <a:fillRef idx="1">
+        <a:scrgbClr r="0" g="0" b="0"/>
+      </a:fillRef>
+      <a:effectRef idx="0">
+        <a:scrgbClr r="0" g="0" b="0"/>
+      </a:effectRef>
+      <a:fontRef idx="minor"/>
+    </dgm:style>
+  </dgm:styleLbl>
+  <dgm:styleLbl name="bgImgPlace1">
+    <dgm:scene3d>
+      <a:camera prst="orthographicFront"/>
+      <a:lightRig rig="threePt" dir="t"/>
+    </dgm:scene3d>
+    <dgm:sp3d/>
+    <dgm:txPr/>
+    <dgm:style>
+      <a:lnRef idx="2">
+        <a:scrgbClr r="0" g="0" b="0"/>
+      </a:lnRef>
+      <a:fillRef idx="1">
+        <a:scrgbClr r="0" g="0" b="0"/>
+      </a:fillRef>
+      <a:effectRef idx="0">
+        <a:scrgbClr r="0" g="0" b="0"/>
+      </a:effectRef>
+      <a:fontRef idx="minor"/>
+    </dgm:style>
+  </dgm:styleLbl>
+  <dgm:styleLbl name="sibTrans2D1">
+    <dgm:scene3d>
+      <a:camera prst="orthographicFront"/>
+      <a:lightRig rig="threePt" dir="t"/>
+    </dgm:scene3d>
+    <dgm:sp3d/>
+    <dgm:txPr/>
+    <dgm:style>
+      <a:lnRef idx="0">
+        <a:scrgbClr r="0" g="0" b="0"/>
+      </a:lnRef>
+      <a:fillRef idx="1">
+        <a:scrgbClr r="0" g="0" b="0"/>
+      </a:fillRef>
+      <a:effectRef idx="0">
+        <a:scrgbClr r="0" g="0" b="0"/>
+      </a:effectRef>
+      <a:fontRef idx="minor">
+        <a:schemeClr val="lt1"/>
+      </a:fontRef>
+    </dgm:style>
+  </dgm:styleLbl>
+  <dgm:styleLbl name="fgSibTrans2D1">
+    <dgm:scene3d>
+      <a:camera prst="orthographicFront"/>
+      <a:lightRig rig="threePt" dir="t"/>
+    </dgm:scene3d>
+    <dgm:sp3d/>
+    <dgm:txPr/>
+    <dgm:style>
+      <a:lnRef idx="0">
+        <a:scrgbClr r="0" g="0" b="0"/>
+      </a:lnRef>
+      <a:fillRef idx="1">
+        <a:scrgbClr r="0" g="0" b="0"/>
+      </a:fillRef>
+      <a:effectRef idx="0">
+        <a:scrgbClr r="0" g="0" b="0"/>
+      </a:effectRef>
+      <a:fontRef idx="minor">
+        <a:schemeClr val="lt1"/>
+      </a:fontRef>
+    </dgm:style>
+  </dgm:styleLbl>
+  <dgm:styleLbl name="bgSibTrans2D1">
+    <dgm:scene3d>
+      <a:camera prst="orthographicFront"/>
+      <a:lightRig rig="threePt" dir="t"/>
+    </dgm:scene3d>
+    <dgm:sp3d/>
+    <dgm:txPr/>
+    <dgm:style>
+      <a:lnRef idx="0">
+        <a:scrgbClr r="0" g="0" b="0"/>
+      </a:lnRef>
+      <a:fillRef idx="1">
+        <a:scrgbClr r="0" g="0" b="0"/>
+      </a:fillRef>
+      <a:effectRef idx="0">
+        <a:scrgbClr r="0" g="0" b="0"/>
+      </a:effectRef>
+      <a:fontRef idx="minor">
+        <a:schemeClr val="lt1"/>
+      </a:fontRef>
+    </dgm:style>
+  </dgm:styleLbl>
+  <dgm:styleLbl name="sibTrans1D1">
+    <dgm:scene3d>
+      <a:camera prst="orthographicFront"/>
+      <a:lightRig rig="threePt" dir="t"/>
+    </dgm:scene3d>
+    <dgm:sp3d/>
+    <dgm:txPr/>
+    <dgm:style>
+      <a:lnRef idx="1">
+        <a:scrgbClr r="0" g="0" b="0"/>
+      </a:lnRef>
+      <a:fillRef idx="0">
+        <a:scrgbClr r="0" g="0" b="0"/>
+      </a:fillRef>
+      <a:effectRef idx="0">
+        <a:scrgbClr r="0" g="0" b="0"/>
+      </a:effectRef>
+      <a:fontRef idx="minor"/>
+    </dgm:style>
+  </dgm:styleLbl>
+  <dgm:styleLbl name="callout">
+    <dgm:scene3d>
+      <a:camera prst="orthographicFront"/>
+      <a:lightRig rig="threePt" dir="t"/>
+    </dgm:scene3d>
+    <dgm:sp3d/>
+    <dgm:txPr/>
+    <dgm:style>
+      <a:lnRef idx="2">
+        <a:scrgbClr r="0" g="0" b="0"/>
+      </a:lnRef>
+      <a:fillRef idx="1">
+        <a:scrgbClr r="0" g="0" b="0"/>
+      </a:fillRef>
+      <a:effectRef idx="0">
+        <a:scrgbClr r="0" g="0" b="0"/>
+      </a:effectRef>
+      <a:fontRef idx="minor"/>
+    </dgm:style>
+  </dgm:styleLbl>
+  <dgm:styleLbl name="asst0">
+    <dgm:scene3d>
+      <a:camera prst="orthographicFront"/>
+      <a:lightRig rig="threePt" dir="t"/>
+    </dgm:scene3d>
+    <dgm:sp3d/>
+    <dgm:txPr/>
+    <dgm:style>
+      <a:lnRef idx="2">
+        <a:scrgbClr r="0" g="0" b="0"/>
+      </a:lnRef>
+      <a:fillRef idx="1">
+        <a:scrgbClr r="0" g="0" b="0"/>
+      </a:fillRef>
+      <a:effectRef idx="0">
+        <a:scrgbClr r="0" g="0" b="0"/>
+      </a:effectRef>
+      <a:fontRef idx="minor">
+        <a:schemeClr val="lt1"/>
+      </a:fontRef>
+    </dgm:style>
+  </dgm:styleLbl>
+  <dgm:styleLbl name="asst1">
+    <dgm:scene3d>
+      <a:camera prst="orthographicFront"/>
+      <a:lightRig rig="threePt" dir="t"/>
+    </dgm:scene3d>
+    <dgm:sp3d/>
+    <dgm:txPr/>
+    <dgm:style>
+      <a:lnRef idx="2">
+        <a:scrgbClr r="0" g="0" b="0"/>
+      </a:lnRef>
+      <a:fillRef idx="1">
+        <a:scrgbClr r="0" g="0" b="0"/>
+      </a:fillRef>
+      <a:effectRef idx="0">
+        <a:scrgbClr r="0" g="0" b="0"/>
+      </a:effectRef>
+      <a:fontRef idx="minor">
+        <a:schemeClr val="lt1"/>
+      </a:fontRef>
+    </dgm:style>
+  </dgm:styleLbl>
+  <dgm:styleLbl name="asst2">
+    <dgm:scene3d>
+      <a:camera prst="orthographicFront"/>
+      <a:lightRig rig="threePt" dir="t"/>
+    </dgm:scene3d>
+    <dgm:sp3d/>
+    <dgm:txPr/>
+    <dgm:style>
+      <a:lnRef idx="2">
+        <a:scrgbClr r="0" g="0" b="0"/>
+      </a:lnRef>
+      <a:fillRef idx="1">
+        <a:scrgbClr r="0" g="0" b="0"/>
+      </a:fillRef>
+      <a:effectRef idx="0">
+        <a:scrgbClr r="0" g="0" b="0"/>
+      </a:effectRef>
+      <a:fontRef idx="minor">
+        <a:schemeClr val="lt1"/>
+      </a:fontRef>
+    </dgm:style>
+  </dgm:styleLbl>
+  <dgm:styleLbl name="asst3">
+    <dgm:scene3d>
+      <a:camera prst="orthographicFront"/>
+      <a:lightRig rig="threePt" dir="t"/>
+    </dgm:scene3d>
+    <dgm:sp3d/>
+    <dgm:txPr/>
+    <dgm:style>
+      <a:lnRef idx="2">
+        <a:scrgbClr r="0" g="0" b="0"/>
+      </a:lnRef>
+      <a:fillRef idx="1">
+        <a:scrgbClr r="0" g="0" b="0"/>
+      </a:fillRef>
+      <a:effectRef idx="0">
+        <a:scrgbClr r="0" g="0" b="0"/>
+      </a:effectRef>
+      <a:fontRef idx="minor">
+        <a:schemeClr val="lt1"/>
+      </a:fontRef>
+    </dgm:style>
+  </dgm:styleLbl>
+  <dgm:styleLbl name="asst4">
+    <dgm:scene3d>
+      <a:camera prst="orthographicFront"/>
+      <a:lightRig rig="threePt" dir="t"/>
+    </dgm:scene3d>
+    <dgm:sp3d/>
+    <dgm:txPr/>
+    <dgm:style>
+      <a:lnRef idx="2">
+        <a:scrgbClr r="0" g="0" b="0"/>
+      </a:lnRef>
+      <a:fillRef idx="1">
+        <a:scrgbClr r="0" g="0" b="0"/>
+      </a:fillRef>
+      <a:effectRef idx="0">
+        <a:scrgbClr r="0" g="0" b="0"/>
+      </a:effectRef>
+      <a:fontRef idx="minor">
+        <a:schemeClr val="lt1"/>
+      </a:fontRef>
+    </dgm:style>
+  </dgm:styleLbl>
+  <dgm:styleLbl name="parChTrans2D1">
+    <dgm:scene3d>
+      <a:camera prst="orthographicFront"/>
+      <a:lightRig rig="threePt" dir="t"/>
+    </dgm:scene3d>
+    <dgm:sp3d/>
+    <dgm:txPr/>
+    <dgm:style>
+      <a:lnRef idx="2">
+        <a:scrgbClr r="0" g="0" b="0"/>
+      </a:lnRef>
+      <a:fillRef idx="1">
+        <a:scrgbClr r="0" g="0" b="0"/>
+      </a:fillRef>
+      <a:effectRef idx="0">
+        <a:scrgbClr r="0" g="0" b="0"/>
+      </a:effectRef>
+      <a:fontRef idx="minor">
+        <a:schemeClr val="lt1"/>
+      </a:fontRef>
+    </dgm:style>
+  </dgm:styleLbl>
+  <dgm:styleLbl name="parChTrans2D2">
+    <dgm:scene3d>
+      <a:camera prst="orthographicFront"/>
+      <a:lightRig rig="threePt" dir="t"/>
+    </dgm:scene3d>
+    <dgm:sp3d/>
+    <dgm:txPr/>
+    <dgm:style>
+      <a:lnRef idx="2">
+        <a:scrgbClr r="0" g="0" b="0"/>
+      </a:lnRef>
+      <a:fillRef idx="1">
+        <a:scrgbClr r="0" g="0" b="0"/>
+      </a:fillRef>
+      <a:effectRef idx="0">
+        <a:scrgbClr r="0" g="0" b="0"/>
+      </a:effectRef>
+      <a:fontRef idx="minor">
+        <a:schemeClr val="lt1"/>
+      </a:fontRef>
+    </dgm:style>
+  </dgm:styleLbl>
+  <dgm:styleLbl name="parChTrans2D3">
+    <dgm:scene3d>
+      <a:camera prst="orthographicFront"/>
+      <a:lightRig rig="threePt" dir="t"/>
+    </dgm:scene3d>
+    <dgm:sp3d/>
+    <dgm:txPr/>
+    <dgm:style>
+      <a:lnRef idx="2">
+        <a:scrgbClr r="0" g="0" b="0"/>
+      </a:lnRef>
+      <a:fillRef idx="1">
+        <a:scrgbClr r="0" g="0" b="0"/>
+      </a:fillRef>
+      <a:effectRef idx="0">
+        <a:scrgbClr r="0" g="0" b="0"/>
+      </a:effectRef>
+      <a:fontRef idx="minor">
+        <a:schemeClr val="lt1"/>
+      </a:fontRef>
+    </dgm:style>
+  </dgm:styleLbl>
+  <dgm:styleLbl name="parChTrans2D4">
+    <dgm:scene3d>
+      <a:camera prst="orthographicFront"/>
+      <a:lightRig rig="threePt" dir="t"/>
+    </dgm:scene3d>
+    <dgm:sp3d/>
+    <dgm:txPr/>
+    <dgm:style>
+      <a:lnRef idx="2">
+        <a:scrgbClr r="0" g="0" b="0"/>
+      </a:lnRef>
+      <a:fillRef idx="1">
+        <a:scrgbClr r="0" g="0" b="0"/>
+      </a:fillRef>
+      <a:effectRef idx="0">
+        <a:scrgbClr r="0" g="0" b="0"/>
+      </a:effectRef>
+      <a:fontRef idx="minor">
+        <a:schemeClr val="lt1"/>
+      </a:fontRef>
+    </dgm:style>
+  </dgm:styleLbl>
+  <dgm:styleLbl name="parChTrans1D1">
+    <dgm:scene3d>
+      <a:camera prst="orthographicFront"/>
+      <a:lightRig rig="threePt" dir="t"/>
+    </dgm:scene3d>
+    <dgm:sp3d/>
+    <dgm:txPr/>
+    <dgm:style>
+      <a:lnRef idx="2">
+        <a:scrgbClr r="0" g="0" b="0"/>
+      </a:lnRef>
+      <a:fillRef idx="0">
+        <a:scrgbClr r="0" g="0" b="0"/>
+      </a:fillRef>
+      <a:effectRef idx="0">
+        <a:scrgbClr r="0" g="0" b="0"/>
+      </a:effectRef>
+      <a:fontRef idx="minor"/>
+    </dgm:style>
+  </dgm:styleLbl>
+  <dgm:styleLbl name="parChTrans1D2">
+    <dgm:scene3d>
+      <a:camera prst="orthographicFront"/>
+      <a:lightRig rig="threePt" dir="t"/>
+    </dgm:scene3d>
+    <dgm:sp3d/>
+    <dgm:txPr/>
+    <dgm:style>
+      <a:lnRef idx="2">
+        <a:scrgbClr r="0" g="0" b="0"/>
+      </a:lnRef>
+      <a:fillRef idx="0">
+        <a:scrgbClr r="0" g="0" b="0"/>
+      </a:fillRef>
+      <a:effectRef idx="0">
+        <a:scrgbClr r="0" g="0" b="0"/>
+      </a:effectRef>
+      <a:fontRef idx="minor"/>
+    </dgm:style>
+  </dgm:styleLbl>
+  <dgm:styleLbl name="parChTrans1D3">
+    <dgm:scene3d>
+      <a:camera prst="orthographicFront"/>
+      <a:lightRig rig="threePt" dir="t"/>
+    </dgm:scene3d>
+    <dgm:sp3d/>
+    <dgm:txPr/>
+    <dgm:style>
+      <a:lnRef idx="2">
+        <a:scrgbClr r="0" g="0" b="0"/>
+      </a:lnRef>
+      <a:fillRef idx="0">
+        <a:scrgbClr r="0" g="0" b="0"/>
+      </a:fillRef>
+      <a:effectRef idx="0">
+        <a:scrgbClr r="0" g="0" b="0"/>
+      </a:effectRef>
+      <a:fontRef idx="minor"/>
+    </dgm:style>
+  </dgm:styleLbl>
+  <dgm:styleLbl name="parChTrans1D4">
+    <dgm:scene3d>
+      <a:camera prst="orthographicFront"/>
+      <a:lightRig rig="threePt" dir="t"/>
+    </dgm:scene3d>
+    <dgm:sp3d/>
+    <dgm:txPr/>
+    <dgm:style>
+      <a:lnRef idx="2">
+        <a:scrgbClr r="0" g="0" b="0"/>
+      </a:lnRef>
+      <a:fillRef idx="0">
+        <a:scrgbClr r="0" g="0" b="0"/>
+      </a:fillRef>
+      <a:effectRef idx="0">
+        <a:scrgbClr r="0" g="0" b="0"/>
+      </a:effectRef>
+      <a:fontRef idx="minor"/>
+    </dgm:style>
+  </dgm:styleLbl>
+  <dgm:styleLbl name="fgAcc1">
+    <dgm:scene3d>
+      <a:camera prst="orthographicFront"/>
+      <a:lightRig rig="threePt" dir="t"/>
+    </dgm:scene3d>
+    <dgm:sp3d/>
+    <dgm:txPr/>
+    <dgm:style>
+      <a:lnRef idx="2">
+        <a:scrgbClr r="0" g="0" b="0"/>
+      </a:lnRef>
+      <a:fillRef idx="1">
+        <a:scrgbClr r="0" g="0" b="0"/>
+      </a:fillRef>
+      <a:effectRef idx="0">
+        <a:scrgbClr r="0" g="0" b="0"/>
+      </a:effectRef>
+      <a:fontRef idx="minor"/>
+    </dgm:style>
+  </dgm:styleLbl>
+  <dgm:styleLbl name="conFgAcc1">
+    <dgm:scene3d>
+      <a:camera prst="orthographicFront"/>
+      <a:lightRig rig="threePt" dir="t"/>
+    </dgm:scene3d>
+    <dgm:sp3d/>
+    <dgm:txPr/>
+    <dgm:style>
+      <a:lnRef idx="2">
+        <a:scrgbClr r="0" g="0" b="0"/>
+      </a:lnRef>
+      <a:fillRef idx="1">
+        <a:scrgbClr r="0" g="0" b="0"/>
+      </a:fillRef>
+      <a:effectRef idx="0">
+        <a:scrgbClr r="0" g="0" b="0"/>
+      </a:effectRef>
+      <a:fontRef idx="minor"/>
+    </dgm:style>
+  </dgm:styleLbl>
+  <dgm:styleLbl name="alignAcc1">
+    <dgm:scene3d>
+      <a:camera prst="orthographicFront"/>
+      <a:lightRig rig="threePt" dir="t"/>
+    </dgm:scene3d>
+    <dgm:sp3d/>
+    <dgm:txPr/>
+    <dgm:style>
+      <a:lnRef idx="2">
+        <a:scrgbClr r="0" g="0" b="0"/>
+      </a:lnRef>
+      <a:fillRef idx="1">
+        <a:scrgbClr r="0" g="0" b="0"/>
+      </a:fillRef>
+      <a:effectRef idx="0">
+        <a:scrgbClr r="0" g="0" b="0"/>
+      </a:effectRef>
+      <a:fontRef idx="minor"/>
+    </dgm:style>
+  </dgm:styleLbl>
+  <dgm:styleLbl name="trAlignAcc1">
+    <dgm:scene3d>
+      <a:camera prst="orthographicFront"/>
+      <a:lightRig rig="threePt" dir="t"/>
+    </dgm:scene3d>
+    <dgm:sp3d/>
+    <dgm:txPr/>
+    <dgm:style>
+      <a:lnRef idx="1">
+        <a:scrgbClr r="0" g="0" b="0"/>
+      </a:lnRef>
+      <a:fillRef idx="1">
+        <a:scrgbClr r="0" g="0" b="0"/>
+      </a:fillRef>
+      <a:effectRef idx="0">
+        <a:scrgbClr r="0" g="0" b="0"/>
+      </a:effectRef>
+      <a:fontRef idx="minor"/>
+    </dgm:style>
+  </dgm:styleLbl>
+  <dgm:styleLbl name="bgAcc1">
+    <dgm:scene3d>
+      <a:camera prst="orthographicFront"/>
+      <a:lightRig rig="threePt" dir="t"/>
+    </dgm:scene3d>
+    <dgm:sp3d/>
+    <dgm:txPr/>
+    <dgm:style>
+      <a:lnRef idx="2">
+        <a:scrgbClr r="0" g="0" b="0"/>
+      </a:lnRef>
+      <a:fillRef idx="1">
+        <a:scrgbClr r="0" g="0" b="0"/>
+      </a:fillRef>
+      <a:effectRef idx="0">
+        <a:scrgbClr r="0" g="0" b="0"/>
+      </a:effectRef>
+      <a:fontRef idx="minor"/>
+    </dgm:style>
+  </dgm:styleLbl>
+  <dgm:styleLbl name="solidFgAcc1">
+    <dgm:scene3d>
+      <a:camera prst="orthographicFront"/>
+      <a:lightRig rig="threePt" dir="t"/>
+    </dgm:scene3d>
+    <dgm:sp3d/>
+    <dgm:txPr/>
+    <dgm:style>
+      <a:lnRef idx="2">
+        <a:scrgbClr r="0" g="0" b="0"/>
+      </a:lnRef>
+      <a:fillRef idx="1">
+        <a:scrgbClr r="0" g="0" b="0"/>
+      </a:fillRef>
+      <a:effectRef idx="0">
+        <a:scrgbClr r="0" g="0" b="0"/>
+      </a:effectRef>
+      <a:fontRef idx="minor"/>
+    </dgm:style>
+  </dgm:styleLbl>
+  <dgm:styleLbl name="solidAlignAcc1">
+    <dgm:scene3d>
+      <a:camera prst="orthographicFront"/>
+      <a:lightRig rig="threePt" dir="t"/>
+    </dgm:scene3d>
+    <dgm:sp3d/>
+    <dgm:txPr/>
+    <dgm:style>
+      <a:lnRef idx="2">
+        <a:scrgbClr r="0" g="0" b="0"/>
+      </a:lnRef>
+      <a:fillRef idx="1">
+        <a:scrgbClr r="0" g="0" b="0"/>
+      </a:fillRef>
+      <a:effectRef idx="0">
+        <a:scrgbClr r="0" g="0" b="0"/>
+      </a:effectRef>
+      <a:fontRef idx="minor"/>
+    </dgm:style>
+  </dgm:styleLbl>
+  <dgm:styleLbl name="solidBgAcc1">
+    <dgm:scene3d>
+      <a:camera prst="orthographicFront"/>
+      <a:lightRig rig="threePt" dir="t"/>
+    </dgm:scene3d>
+    <dgm:sp3d/>
+    <dgm:txPr/>
+    <dgm:style>
+      <a:lnRef idx="2">
+        <a:scrgbClr r="0" g="0" b="0"/>
+      </a:lnRef>
+      <a:fillRef idx="1">
+        <a:scrgbClr r="0" g="0" b="0"/>
+      </a:fillRef>
+      <a:effectRef idx="0">
+        <a:scrgbClr r="0" g="0" b="0"/>
+      </a:effectRef>
+      <a:fontRef idx="minor"/>
+    </dgm:style>
+  </dgm:styleLbl>
+  <dgm:styleLbl name="fgAccFollowNode1">
+    <dgm:scene3d>
+      <a:camera prst="orthographicFront"/>
+      <a:lightRig rig="threePt" dir="t"/>
+    </dgm:scene3d>
+    <dgm:sp3d/>
+    <dgm:txPr/>
+    <dgm:style>
+      <a:lnRef idx="2">
+        <a:scrgbClr r="0" g="0" b="0"/>
+      </a:lnRef>
+      <a:fillRef idx="1">
+        <a:scrgbClr r="0" g="0" b="0"/>
+      </a:fillRef>
+      <a:effectRef idx="0">
+        <a:scrgbClr r="0" g="0" b="0"/>
+      </a:effectRef>
+      <a:fontRef idx="minor"/>
+    </dgm:style>
+  </dgm:styleLbl>
+  <dgm:styleLbl name="alignAccFollowNode1">
+    <dgm:scene3d>
+      <a:camera prst="orthographicFront"/>
+      <a:lightRig rig="threePt" dir="t"/>
+    </dgm:scene3d>
+    <dgm:sp3d/>
+    <dgm:txPr/>
+    <dgm:style>
+      <a:lnRef idx="2">
+        <a:scrgbClr r="0" g="0" b="0"/>
+      </a:lnRef>
+      <a:fillRef idx="1">
+        <a:scrgbClr r="0" g="0" b="0"/>
+      </a:fillRef>
+      <a:effectRef idx="0">
+        <a:scrgbClr r="0" g="0" b="0"/>
+      </a:effectRef>
+      <a:fontRef idx="minor"/>
+    </dgm:style>
+  </dgm:styleLbl>
+  <dgm:styleLbl name="bgAccFollowNode1">
+    <dgm:scene3d>
+      <a:camera prst="orthographicFront"/>
+      <a:lightRig rig="threePt" dir="t"/>
+    </dgm:scene3d>
+    <dgm:sp3d/>
+    <dgm:txPr/>
+    <dgm:style>
+      <a:lnRef idx="2">
+        <a:scrgbClr r="0" g="0" b="0"/>
+      </a:lnRef>
+      <a:fillRef idx="1">
+        <a:scrgbClr r="0" g="0" b="0"/>
+      </a:fillRef>
+      <a:effectRef idx="0">
+        <a:scrgbClr r="0" g="0" b="0"/>
+      </a:effectRef>
+      <a:fontRef idx="minor"/>
+    </dgm:style>
+  </dgm:styleLbl>
+  <dgm:styleLbl name="fgAcc0">
+    <dgm:scene3d>
+      <a:camera prst="orthographicFront"/>
+      <a:lightRig rig="threePt" dir="t"/>
+    </dgm:scene3d>
+    <dgm:sp3d/>
+    <dgm:txPr/>
+    <dgm:style>
+      <a:lnRef idx="2">
+        <a:scrgbClr r="0" g="0" b="0"/>
+      </a:lnRef>
+      <a:fillRef idx="1">
+        <a:scrgbClr r="0" g="0" b="0"/>
+      </a:fillRef>
+      <a:effectRef idx="0">
+        <a:scrgbClr r="0" g="0" b="0"/>
+      </a:effectRef>
+      <a:fontRef idx="minor"/>
+    </dgm:style>
+  </dgm:styleLbl>
+  <dgm:styleLbl name="fgAcc2">
+    <dgm:scene3d>
+      <a:camera prst="orthographicFront"/>
+      <a:lightRig rig="threePt" dir="t"/>
+    </dgm:scene3d>
+    <dgm:sp3d/>
+    <dgm:txPr/>
+    <dgm:style>
+      <a:lnRef idx="2">
+        <a:scrgbClr r="0" g="0" b="0"/>
+      </a:lnRef>
+      <a:fillRef idx="1">
+        <a:scrgbClr r="0" g="0" b="0"/>
+      </a:fillRef>
+      <a:effectRef idx="0">
+        <a:scrgbClr r="0" g="0" b="0"/>
+      </a:effectRef>
+      <a:fontRef idx="minor"/>
+    </dgm:style>
+  </dgm:styleLbl>
+  <dgm:styleLbl name="fgAcc3">
+    <dgm:scene3d>
+      <a:camera prst="orthographicFront"/>
+      <a:lightRig rig="threePt" dir="t"/>
+    </dgm:scene3d>
+    <dgm:sp3d/>
+    <dgm:txPr/>
+    <dgm:style>
+      <a:lnRef idx="2">
+        <a:scrgbClr r="0" g="0" b="0"/>
+      </a:lnRef>
+      <a:fillRef idx="1">
+        <a:scrgbClr r="0" g="0" b="0"/>
+      </a:fillRef>
+      <a:effectRef idx="0">
+        <a:scrgbClr r="0" g="0" b="0"/>
+      </a:effectRef>
+      <a:fontRef idx="minor"/>
+    </dgm:style>
+  </dgm:styleLbl>
+  <dgm:styleLbl name="fgAcc4">
+    <dgm:scene3d>
+      <a:camera prst="orthographicFront"/>
+      <a:lightRig rig="threePt" dir="t"/>
+    </dgm:scene3d>
+    <dgm:sp3d/>
+    <dgm:txPr/>
+    <dgm:style>
+      <a:lnRef idx="2">
+        <a:scrgbClr r="0" g="0" b="0"/>
+      </a:lnRef>
+      <a:fillRef idx="1">
+        <a:scrgbClr r="0" g="0" b="0"/>
+      </a:fillRef>
+      <a:effectRef idx="0">
+        <a:scrgbClr r="0" g="0" b="0"/>
+      </a:effectRef>
+      <a:fontRef idx="minor"/>
+    </dgm:style>
+  </dgm:styleLbl>
+  <dgm:styleLbl name="bgShp">
+    <dgm:scene3d>
+      <a:camera prst="orthographicFront"/>
+      <a:lightRig rig="threePt" dir="t"/>
+    </dgm:scene3d>
+    <dgm:sp3d/>
+    <dgm:txPr/>
+    <dgm:style>
+      <a:lnRef idx="0">
+        <a:scrgbClr r="0" g="0" b="0"/>
+      </a:lnRef>
+      <a:fillRef idx="1">
+        <a:scrgbClr r="0" g="0" b="0"/>
+      </a:fillRef>
+      <a:effectRef idx="0">
+        <a:scrgbClr r="0" g="0" b="0"/>
+      </a:effectRef>
+      <a:fontRef idx="minor"/>
+    </dgm:style>
+  </dgm:styleLbl>
+  <dgm:styleLbl name="dkBgShp">
+    <dgm:scene3d>
+      <a:camera prst="orthographicFront"/>
+      <a:lightRig rig="threePt" dir="t"/>
+    </dgm:scene3d>
+    <dgm:sp3d/>
+    <dgm:txPr/>
+    <dgm:style>
+      <a:lnRef idx="0">
+        <a:scrgbClr r="0" g="0" b="0"/>
+      </a:lnRef>
+      <a:fillRef idx="1">
+        <a:scrgbClr r="0" g="0" b="0"/>
+      </a:fillRef>
+      <a:effectRef idx="0">
+        <a:scrgbClr r="0" g="0" b="0"/>
+      </a:effectRef>
+      <a:fontRef idx="minor"/>
+    </dgm:style>
+  </dgm:styleLbl>
+  <dgm:styleLbl name="trBgShp">
+    <dgm:scene3d>
+      <a:camera prst="orthographicFront"/>
+      <a:lightRig rig="threePt" dir="t"/>
+    </dgm:scene3d>
+    <dgm:sp3d/>
+    <dgm:txPr/>
+    <dgm:style>
+      <a:lnRef idx="0">
+        <a:scrgbClr r="0" g="0" b="0"/>
+      </a:lnRef>
+      <a:fillRef idx="1">
+        <a:scrgbClr r="0" g="0" b="0"/>
+      </a:fillRef>
+      <a:effectRef idx="0">
+        <a:scrgbClr r="0" g="0" b="0"/>
+      </a:effectRef>
+      <a:fontRef idx="minor"/>
+    </dgm:style>
+  </dgm:styleLbl>
+  <dgm:styleLbl name="fgShp">
+    <dgm:scene3d>
+      <a:camera prst="orthographicFront"/>
+      <a:lightRig rig="threePt" dir="t"/>
+    </dgm:scene3d>
+    <dgm:sp3d/>
+    <dgm:txPr/>
+    <dgm:style>
+      <a:lnRef idx="2">
+        <a:scrgbClr r="0" g="0" b="0"/>
+      </a:lnRef>
+      <a:fillRef idx="1">
+        <a:scrgbClr r="0" g="0" b="0"/>
+      </a:fillRef>
+      <a:effectRef idx="0">
+        <a:scrgbClr r="0" g="0" b="0"/>
+      </a:effectRef>
+      <a:fontRef idx="minor"/>
+    </dgm:style>
+  </dgm:styleLbl>
+  <dgm:styleLbl name="revTx">
+    <dgm:scene3d>
+      <a:camera prst="orthographicFront"/>
+      <a:lightRig rig="threePt" dir="t"/>
+    </dgm:scene3d>
+    <dgm:sp3d/>
+    <dgm:txPr/>
+    <dgm:style>
+      <a:lnRef idx="0">
+        <a:scrgbClr r="0" g="0" b="0"/>
+      </a:lnRef>
+      <a:fillRef idx="0">
+        <a:scrgbClr r="0" g="0" b="0"/>
+      </a:fillRef>
+      <a:effectRef idx="0">
+        <a:scrgbClr r="0" g="0" b="0"/>
+      </a:effectRef>
+      <a:fontRef idx="minor"/>
+    </dgm:style>
+  </dgm:styleLbl>
+</dgm:styleDef>
+</file>
+
+<file path=ppt/diagrams/quickStyle8.xml><?xml version="1.0" encoding="utf-8"?>
+<dgm:styleDef xmlns:dgm="http://schemas.openxmlformats.org/drawingml/2006/diagram" xmlns:a="http://schemas.openxmlformats.org/drawingml/2006/main" uniqueId="urn:microsoft.com/office/officeart/2005/8/quickstyle/simple1">
+  <dgm:title val=""/>
+  <dgm:desc val=""/>
+  <dgm:catLst>
+    <dgm:cat type="simple" pri="10100"/>
+  </dgm:catLst>
+  <dgm:scene3d>
+    <a:camera prst="orthographicFront"/>
+    <a:lightRig rig="threePt" dir="t"/>
+  </dgm:scene3d>
+  <dgm:styleLbl name="node0">
+    <dgm:scene3d>
+      <a:camera prst="orthographicFront"/>
+      <a:lightRig rig="threePt" dir="t"/>
+    </dgm:scene3d>
+    <dgm:sp3d/>
+    <dgm:txPr/>
+    <dgm:style>
+      <a:lnRef idx="2">
+        <a:scrgbClr r="0" g="0" b="0"/>
+      </a:lnRef>
+      <a:fillRef idx="1">
+        <a:scrgbClr r="0" g="0" b="0"/>
+      </a:fillRef>
+      <a:effectRef idx="0">
+        <a:scrgbClr r="0" g="0" b="0"/>
+      </a:effectRef>
+      <a:fontRef idx="minor">
+        <a:schemeClr val="lt1"/>
+      </a:fontRef>
+    </dgm:style>
+  </dgm:styleLbl>
+  <dgm:styleLbl name="lnNode1">
+    <dgm:scene3d>
+      <a:camera prst="orthographicFront"/>
+      <a:lightRig rig="threePt" dir="t"/>
+    </dgm:scene3d>
+    <dgm:sp3d/>
+    <dgm:txPr/>
+    <dgm:style>
+      <a:lnRef idx="2">
+        <a:scrgbClr r="0" g="0" b="0"/>
+      </a:lnRef>
+      <a:fillRef idx="1">
+        <a:scrgbClr r="0" g="0" b="0"/>
+      </a:fillRef>
+      <a:effectRef idx="0">
+        <a:scrgbClr r="0" g="0" b="0"/>
+      </a:effectRef>
+      <a:fontRef idx="minor">
+        <a:schemeClr val="lt1"/>
+      </a:fontRef>
+    </dgm:style>
+  </dgm:styleLbl>
+  <dgm:styleLbl name="vennNode1">
+    <dgm:scene3d>
+      <a:camera prst="orthographicFront"/>
+      <a:lightRig rig="threePt" dir="t"/>
+    </dgm:scene3d>
+    <dgm:sp3d/>
+    <dgm:txPr/>
+    <dgm:style>
+      <a:lnRef idx="2">
+        <a:scrgbClr r="0" g="0" b="0"/>
+      </a:lnRef>
+      <a:fillRef idx="1">
+        <a:scrgbClr r="0" g="0" b="0"/>
+      </a:fillRef>
+      <a:effectRef idx="0">
+        <a:scrgbClr r="0" g="0" b="0"/>
+      </a:effectRef>
+      <a:fontRef idx="minor">
+        <a:schemeClr val="tx1"/>
+      </a:fontRef>
+    </dgm:style>
+  </dgm:styleLbl>
+  <dgm:styleLbl name="alignNode1">
+    <dgm:scene3d>
+      <a:camera prst="orthographicFront"/>
+      <a:lightRig rig="threePt" dir="t"/>
+    </dgm:scene3d>
+    <dgm:sp3d/>
+    <dgm:txPr/>
+    <dgm:style>
+      <a:lnRef idx="2">
+        <a:scrgbClr r="0" g="0" b="0"/>
+      </a:lnRef>
+      <a:fillRef idx="1">
+        <a:scrgbClr r="0" g="0" b="0"/>
+      </a:fillRef>
+      <a:effectRef idx="0">
+        <a:scrgbClr r="0" g="0" b="0"/>
+      </a:effectRef>
+      <a:fontRef idx="minor">
+        <a:schemeClr val="lt1"/>
+      </a:fontRef>
+    </dgm:style>
+  </dgm:styleLbl>
+  <dgm:styleLbl name="node1">
+    <dgm:scene3d>
+      <a:camera prst="orthographicFront"/>
+      <a:lightRig rig="threePt" dir="t"/>
+    </dgm:scene3d>
+    <dgm:sp3d/>
+    <dgm:txPr/>
+    <dgm:style>
+      <a:lnRef idx="2">
+        <a:scrgbClr r="0" g="0" b="0"/>
+      </a:lnRef>
+      <a:fillRef idx="1">
+        <a:scrgbClr r="0" g="0" b="0"/>
+      </a:fillRef>
+      <a:effectRef idx="0">
+        <a:scrgbClr r="0" g="0" b="0"/>
+      </a:effectRef>
+      <a:fontRef idx="minor">
+        <a:schemeClr val="lt1"/>
+      </a:fontRef>
+    </dgm:style>
+  </dgm:styleLbl>
+  <dgm:styleLbl name="node2">
+    <dgm:scene3d>
+      <a:camera prst="orthographicFront"/>
+      <a:lightRig rig="threePt" dir="t"/>
+    </dgm:scene3d>
+    <dgm:sp3d/>
+    <dgm:txPr/>
+    <dgm:style>
+      <a:lnRef idx="2">
+        <a:scrgbClr r="0" g="0" b="0"/>
+      </a:lnRef>
+      <a:fillRef idx="1">
+        <a:scrgbClr r="0" g="0" b="0"/>
+      </a:fillRef>
+      <a:effectRef idx="0">
+        <a:scrgbClr r="0" g="0" b="0"/>
+      </a:effectRef>
+      <a:fontRef idx="minor">
+        <a:schemeClr val="lt1"/>
+      </a:fontRef>
+    </dgm:style>
+  </dgm:styleLbl>
+  <dgm:styleLbl name="node3">
+    <dgm:scene3d>
+      <a:camera prst="orthographicFront"/>
+      <a:lightRig rig="threePt" dir="t"/>
+    </dgm:scene3d>
+    <dgm:sp3d/>
+    <dgm:txPr/>
+    <dgm:style>
+      <a:lnRef idx="2">
+        <a:scrgbClr r="0" g="0" b="0"/>
+      </a:lnRef>
+      <a:fillRef idx="1">
+        <a:scrgbClr r="0" g="0" b="0"/>
+      </a:fillRef>
+      <a:effectRef idx="0">
+        <a:scrgbClr r="0" g="0" b="0"/>
+      </a:effectRef>
+      <a:fontRef idx="minor">
+        <a:schemeClr val="lt1"/>
+      </a:fontRef>
+    </dgm:style>
+  </dgm:styleLbl>
+  <dgm:styleLbl name="node4">
+    <dgm:scene3d>
+      <a:camera prst="orthographicFront"/>
+      <a:lightRig rig="threePt" dir="t"/>
+    </dgm:scene3d>
+    <dgm:sp3d/>
+    <dgm:txPr/>
+    <dgm:style>
+      <a:lnRef idx="2">
+        <a:scrgbClr r="0" g="0" b="0"/>
+      </a:lnRef>
+      <a:fillRef idx="1">
+        <a:scrgbClr r="0" g="0" b="0"/>
+      </a:fillRef>
+      <a:effectRef idx="0">
+        <a:scrgbClr r="0" g="0" b="0"/>
+      </a:effectRef>
+      <a:fontRef idx="minor">
+        <a:schemeClr val="lt1"/>
+      </a:fontRef>
+    </dgm:style>
+  </dgm:styleLbl>
+  <dgm:styleLbl name="fgImgPlace1">
+    <dgm:scene3d>
+      <a:camera prst="orthographicFront"/>
+      <a:lightRig rig="threePt" dir="t"/>
+    </dgm:scene3d>
+    <dgm:sp3d/>
+    <dgm:txPr/>
+    <dgm:style>
+      <a:lnRef idx="2">
+        <a:scrgbClr r="0" g="0" b="0"/>
+      </a:lnRef>
+      <a:fillRef idx="1">
+        <a:scrgbClr r="0" g="0" b="0"/>
+      </a:fillRef>
+      <a:effectRef idx="0">
+        <a:scrgbClr r="0" g="0" b="0"/>
+      </a:effectRef>
+      <a:fontRef idx="minor"/>
+    </dgm:style>
+  </dgm:styleLbl>
+  <dgm:styleLbl name="alignImgPlace1">
+    <dgm:scene3d>
+      <a:camera prst="orthographicFront"/>
+      <a:lightRig rig="threePt" dir="t"/>
+    </dgm:scene3d>
+    <dgm:sp3d/>
+    <dgm:txPr/>
+    <dgm:style>
+      <a:lnRef idx="2">
+        <a:scrgbClr r="0" g="0" b="0"/>
+      </a:lnRef>
+      <a:fillRef idx="1">
+        <a:scrgbClr r="0" g="0" b="0"/>
+      </a:fillRef>
+      <a:effectRef idx="0">
+        <a:scrgbClr r="0" g="0" b="0"/>
+      </a:effectRef>
+      <a:fontRef idx="minor"/>
+    </dgm:style>
+  </dgm:styleLbl>
+  <dgm:styleLbl name="bgImgPlace1">
+    <dgm:scene3d>
+      <a:camera prst="orthographicFront"/>
+      <a:lightRig rig="threePt" dir="t"/>
+    </dgm:scene3d>
+    <dgm:sp3d/>
+    <dgm:txPr/>
+    <dgm:style>
+      <a:lnRef idx="2">
+        <a:scrgbClr r="0" g="0" b="0"/>
+      </a:lnRef>
+      <a:fillRef idx="1">
+        <a:scrgbClr r="0" g="0" b="0"/>
+      </a:fillRef>
+      <a:effectRef idx="0">
+        <a:scrgbClr r="0" g="0" b="0"/>
+      </a:effectRef>
+      <a:fontRef idx="minor"/>
+    </dgm:style>
+  </dgm:styleLbl>
+  <dgm:styleLbl name="sibTrans2D1">
+    <dgm:scene3d>
+      <a:camera prst="orthographicFront"/>
+      <a:lightRig rig="threePt" dir="t"/>
+    </dgm:scene3d>
+    <dgm:sp3d/>
+    <dgm:txPr/>
+    <dgm:style>
+      <a:lnRef idx="0">
+        <a:scrgbClr r="0" g="0" b="0"/>
+      </a:lnRef>
+      <a:fillRef idx="1">
+        <a:scrgbClr r="0" g="0" b="0"/>
+      </a:fillRef>
+      <a:effectRef idx="0">
+        <a:scrgbClr r="0" g="0" b="0"/>
+      </a:effectRef>
+      <a:fontRef idx="minor">
+        <a:schemeClr val="lt1"/>
+      </a:fontRef>
+    </dgm:style>
+  </dgm:styleLbl>
+  <dgm:styleLbl name="fgSibTrans2D1">
+    <dgm:scene3d>
+      <a:camera prst="orthographicFront"/>
+      <a:lightRig rig="threePt" dir="t"/>
+    </dgm:scene3d>
+    <dgm:sp3d/>
+    <dgm:txPr/>
+    <dgm:style>
+      <a:lnRef idx="0">
+        <a:scrgbClr r="0" g="0" b="0"/>
+      </a:lnRef>
+      <a:fillRef idx="1">
+        <a:scrgbClr r="0" g="0" b="0"/>
+      </a:fillRef>
+      <a:effectRef idx="0">
+        <a:scrgbClr r="0" g="0" b="0"/>
+      </a:effectRef>
+      <a:fontRef idx="minor">
+        <a:schemeClr val="lt1"/>
+      </a:fontRef>
+    </dgm:style>
+  </dgm:styleLbl>
+  <dgm:styleLbl name="bgSibTrans2D1">
+    <dgm:scene3d>
+      <a:camera prst="orthographicFront"/>
+      <a:lightRig rig="threePt" dir="t"/>
+    </dgm:scene3d>
+    <dgm:sp3d/>
+    <dgm:txPr/>
+    <dgm:style>
+      <a:lnRef idx="0">
+        <a:scrgbClr r="0" g="0" b="0"/>
+      </a:lnRef>
+      <a:fillRef idx="1">
+        <a:scrgbClr r="0" g="0" b="0"/>
+      </a:fillRef>
+      <a:effectRef idx="0">
+        <a:scrgbClr r="0" g="0" b="0"/>
+      </a:effectRef>
+      <a:fontRef idx="minor">
+        <a:schemeClr val="lt1"/>
+      </a:fontRef>
+    </dgm:style>
+  </dgm:styleLbl>
+  <dgm:styleLbl name="sibTrans1D1">
+    <dgm:scene3d>
+      <a:camera prst="orthographicFront"/>
+      <a:lightRig rig="threePt" dir="t"/>
+    </dgm:scene3d>
+    <dgm:sp3d/>
+    <dgm:txPr/>
+    <dgm:style>
+      <a:lnRef idx="1">
+        <a:scrgbClr r="0" g="0" b="0"/>
+      </a:lnRef>
+      <a:fillRef idx="0">
+        <a:scrgbClr r="0" g="0" b="0"/>
+      </a:fillRef>
+      <a:effectRef idx="0">
+        <a:scrgbClr r="0" g="0" b="0"/>
+      </a:effectRef>
+      <a:fontRef idx="minor"/>
+    </dgm:style>
+  </dgm:styleLbl>
+  <dgm:styleLbl name="callout">
+    <dgm:scene3d>
+      <a:camera prst="orthographicFront"/>
+      <a:lightRig rig="threePt" dir="t"/>
+    </dgm:scene3d>
+    <dgm:sp3d/>
+    <dgm:txPr/>
+    <dgm:style>
+      <a:lnRef idx="2">
+        <a:scrgbClr r="0" g="0" b="0"/>
+      </a:lnRef>
+      <a:fillRef idx="1">
+        <a:scrgbClr r="0" g="0" b="0"/>
+      </a:fillRef>
+      <a:effectRef idx="0">
+        <a:scrgbClr r="0" g="0" b="0"/>
+      </a:effectRef>
+      <a:fontRef idx="minor"/>
+    </dgm:style>
+  </dgm:styleLbl>
+  <dgm:styleLbl name="asst0">
+    <dgm:scene3d>
+      <a:camera prst="orthographicFront"/>
+      <a:lightRig rig="threePt" dir="t"/>
+    </dgm:scene3d>
+    <dgm:sp3d/>
+    <dgm:txPr/>
+    <dgm:style>
+      <a:lnRef idx="2">
+        <a:scrgbClr r="0" g="0" b="0"/>
+      </a:lnRef>
+      <a:fillRef idx="1">
+        <a:scrgbClr r="0" g="0" b="0"/>
+      </a:fillRef>
+      <a:effectRef idx="0">
+        <a:scrgbClr r="0" g="0" b="0"/>
+      </a:effectRef>
+      <a:fontRef idx="minor">
+        <a:schemeClr val="lt1"/>
+      </a:fontRef>
+    </dgm:style>
+  </dgm:styleLbl>
+  <dgm:styleLbl name="asst1">
+    <dgm:scene3d>
+      <a:camera prst="orthographicFront"/>
+      <a:lightRig rig="threePt" dir="t"/>
+    </dgm:scene3d>
+    <dgm:sp3d/>
+    <dgm:txPr/>
+    <dgm:style>
+      <a:lnRef idx="2">
+        <a:scrgbClr r="0" g="0" b="0"/>
+      </a:lnRef>
+      <a:fillRef idx="1">
+        <a:scrgbClr r="0" g="0" b="0"/>
+      </a:fillRef>
+      <a:effectRef idx="0">
+        <a:scrgbClr r="0" g="0" b="0"/>
+      </a:effectRef>
+      <a:fontRef idx="minor">
+        <a:schemeClr val="lt1"/>
+      </a:fontRef>
+    </dgm:style>
+  </dgm:styleLbl>
+  <dgm:styleLbl name="asst2">
+    <dgm:scene3d>
+      <a:camera prst="orthographicFront"/>
+      <a:lightRig rig="threePt" dir="t"/>
+    </dgm:scene3d>
+    <dgm:sp3d/>
+    <dgm:txPr/>
+    <dgm:style>
+      <a:lnRef idx="2">
+        <a:scrgbClr r="0" g="0" b="0"/>
+      </a:lnRef>
+      <a:fillRef idx="1">
+        <a:scrgbClr r="0" g="0" b="0"/>
+      </a:fillRef>
+      <a:effectRef idx="0">
+        <a:scrgbClr r="0" g="0" b="0"/>
+      </a:effectRef>
+      <a:fontRef idx="minor">
+        <a:schemeClr val="lt1"/>
+      </a:fontRef>
+    </dgm:style>
+  </dgm:styleLbl>
+  <dgm:styleLbl name="asst3">
+    <dgm:scene3d>
+      <a:camera prst="orthographicFront"/>
+      <a:lightRig rig="threePt" dir="t"/>
+    </dgm:scene3d>
+    <dgm:sp3d/>
+    <dgm:txPr/>
+    <dgm:style>
+      <a:lnRef idx="2">
+        <a:scrgbClr r="0" g="0" b="0"/>
+      </a:lnRef>
+      <a:fillRef idx="1">
+        <a:scrgbClr r="0" g="0" b="0"/>
+      </a:fillRef>
+      <a:effectRef idx="0">
+        <a:scrgbClr r="0" g="0" b="0"/>
+      </a:effectRef>
+      <a:fontRef idx="minor">
+        <a:schemeClr val="lt1"/>
+      </a:fontRef>
+    </dgm:style>
+  </dgm:styleLbl>
+  <dgm:styleLbl name="asst4">
+    <dgm:scene3d>
+      <a:camera prst="orthographicFront"/>
+      <a:lightRig rig="threePt" dir="t"/>
+    </dgm:scene3d>
+    <dgm:sp3d/>
+    <dgm:txPr/>
+    <dgm:style>
+      <a:lnRef idx="2">
+        <a:scrgbClr r="0" g="0" b="0"/>
+      </a:lnRef>
+      <a:fillRef idx="1">
+        <a:scrgbClr r="0" g="0" b="0"/>
+      </a:fillRef>
+      <a:effectRef idx="0">
+        <a:scrgbClr r="0" g="0" b="0"/>
+      </a:effectRef>
+      <a:fontRef idx="minor">
+        <a:schemeClr val="lt1"/>
+      </a:fontRef>
+    </dgm:style>
+  </dgm:styleLbl>
+  <dgm:styleLbl name="parChTrans2D1">
+    <dgm:scene3d>
+      <a:camera prst="orthographicFront"/>
+      <a:lightRig rig="threePt" dir="t"/>
+    </dgm:scene3d>
+    <dgm:sp3d/>
+    <dgm:txPr/>
+    <dgm:style>
+      <a:lnRef idx="2">
+        <a:scrgbClr r="0" g="0" b="0"/>
+      </a:lnRef>
+      <a:fillRef idx="1">
+        <a:scrgbClr r="0" g="0" b="0"/>
+      </a:fillRef>
+      <a:effectRef idx="0">
+        <a:scrgbClr r="0" g="0" b="0"/>
+      </a:effectRef>
+      <a:fontRef idx="minor">
+        <a:schemeClr val="lt1"/>
+      </a:fontRef>
+    </dgm:style>
+  </dgm:styleLbl>
+  <dgm:styleLbl name="parChTrans2D2">
+    <dgm:scene3d>
+      <a:camera prst="orthographicFront"/>
+      <a:lightRig rig="threePt" dir="t"/>
+    </dgm:scene3d>
+    <dgm:sp3d/>
+    <dgm:txPr/>
+    <dgm:style>
+      <a:lnRef idx="2">
+        <a:scrgbClr r="0" g="0" b="0"/>
+      </a:lnRef>
+      <a:fillRef idx="1">
+        <a:scrgbClr r="0" g="0" b="0"/>
+      </a:fillRef>
+      <a:effectRef idx="0">
+        <a:scrgbClr r="0" g="0" b="0"/>
+      </a:effectRef>
+      <a:fontRef idx="minor">
+        <a:schemeClr val="lt1"/>
+      </a:fontRef>
+    </dgm:style>
+  </dgm:styleLbl>
+  <dgm:styleLbl name="parChTrans2D3">
+    <dgm:scene3d>
+      <a:camera prst="orthographicFront"/>
+      <a:lightRig rig="threePt" dir="t"/>
+    </dgm:scene3d>
+    <dgm:sp3d/>
+    <dgm:txPr/>
+    <dgm:style>
+      <a:lnRef idx="2">
+        <a:scrgbClr r="0" g="0" b="0"/>
+      </a:lnRef>
+      <a:fillRef idx="1">
+        <a:scrgbClr r="0" g="0" b="0"/>
+      </a:fillRef>
+      <a:effectRef idx="0">
+        <a:scrgbClr r="0" g="0" b="0"/>
+      </a:effectRef>
+      <a:fontRef idx="minor">
+        <a:schemeClr val="lt1"/>
+      </a:fontRef>
+    </dgm:style>
+  </dgm:styleLbl>
+  <dgm:styleLbl name="parChTrans2D4">
+    <dgm:scene3d>
+      <a:camera prst="orthographicFront"/>
+      <a:lightRig rig="threePt" dir="t"/>
+    </dgm:scene3d>
+    <dgm:sp3d/>
+    <dgm:txPr/>
+    <dgm:style>
+      <a:lnRef idx="2">
+        <a:scrgbClr r="0" g="0" b="0"/>
+      </a:lnRef>
+      <a:fillRef idx="1">
+        <a:scrgbClr r="0" g="0" b="0"/>
+      </a:fillRef>
+      <a:effectRef idx="0">
+        <a:scrgbClr r="0" g="0" b="0"/>
+      </a:effectRef>
+      <a:fontRef idx="minor">
+        <a:schemeClr val="lt1"/>
+      </a:fontRef>
+    </dgm:style>
+  </dgm:styleLbl>
+  <dgm:styleLbl name="parChTrans1D1">
+    <dgm:scene3d>
+      <a:camera prst="orthographicFront"/>
+      <a:lightRig rig="threePt" dir="t"/>
+    </dgm:scene3d>
+    <dgm:sp3d/>
+    <dgm:txPr/>
+    <dgm:style>
+      <a:lnRef idx="2">
+        <a:scrgbClr r="0" g="0" b="0"/>
+      </a:lnRef>
+      <a:fillRef idx="0">
+        <a:scrgbClr r="0" g="0" b="0"/>
+      </a:fillRef>
+      <a:effectRef idx="0">
+        <a:scrgbClr r="0" g="0" b="0"/>
+      </a:effectRef>
+      <a:fontRef idx="minor"/>
+    </dgm:style>
+  </dgm:styleLbl>
+  <dgm:styleLbl name="parChTrans1D2">
+    <dgm:scene3d>
+      <a:camera prst="orthographicFront"/>
+      <a:lightRig rig="threePt" dir="t"/>
+    </dgm:scene3d>
+    <dgm:sp3d/>
+    <dgm:txPr/>
+    <dgm:style>
+      <a:lnRef idx="2">
+        <a:scrgbClr r="0" g="0" b="0"/>
+      </a:lnRef>
+      <a:fillRef idx="0">
+        <a:scrgbClr r="0" g="0" b="0"/>
+      </a:fillRef>
+      <a:effectRef idx="0">
+        <a:scrgbClr r="0" g="0" b="0"/>
+      </a:effectRef>
+      <a:fontRef idx="minor"/>
+    </dgm:style>
+  </dgm:styleLbl>
+  <dgm:styleLbl name="parChTrans1D3">
+    <dgm:scene3d>
+      <a:camera prst="orthographicFront"/>
+      <a:lightRig rig="threePt" dir="t"/>
+    </dgm:scene3d>
+    <dgm:sp3d/>
+    <dgm:txPr/>
+    <dgm:style>
+      <a:lnRef idx="2">
+        <a:scrgbClr r="0" g="0" b="0"/>
+      </a:lnRef>
+      <a:fillRef idx="0">
+        <a:scrgbClr r="0" g="0" b="0"/>
+      </a:fillRef>
+      <a:effectRef idx="0">
+        <a:scrgbClr r="0" g="0" b="0"/>
+      </a:effectRef>
+      <a:fontRef idx="minor"/>
+    </dgm:style>
+  </dgm:styleLbl>
+  <dgm:styleLbl name="parChTrans1D4">
+    <dgm:scene3d>
+      <a:camera prst="orthographicFront"/>
+      <a:lightRig rig="threePt" dir="t"/>
+    </dgm:scene3d>
+    <dgm:sp3d/>
+    <dgm:txPr/>
+    <dgm:style>
+      <a:lnRef idx="2">
+        <a:scrgbClr r="0" g="0" b="0"/>
+      </a:lnRef>
+      <a:fillRef idx="0">
+        <a:scrgbClr r="0" g="0" b="0"/>
+      </a:fillRef>
+      <a:effectRef idx="0">
+        <a:scrgbClr r="0" g="0" b="0"/>
+      </a:effectRef>
+      <a:fontRef idx="minor"/>
+    </dgm:style>
+  </dgm:styleLbl>
+  <dgm:styleLbl name="fgAcc1">
+    <dgm:scene3d>
+      <a:camera prst="orthographicFront"/>
+      <a:lightRig rig="threePt" dir="t"/>
+    </dgm:scene3d>
+    <dgm:sp3d/>
+    <dgm:txPr/>
+    <dgm:style>
+      <a:lnRef idx="2">
+        <a:scrgbClr r="0" g="0" b="0"/>
+      </a:lnRef>
+      <a:fillRef idx="1">
+        <a:scrgbClr r="0" g="0" b="0"/>
+      </a:fillRef>
+      <a:effectRef idx="0">
+        <a:scrgbClr r="0" g="0" b="0"/>
+      </a:effectRef>
+      <a:fontRef idx="minor"/>
+    </dgm:style>
+  </dgm:styleLbl>
+  <dgm:styleLbl name="conFgAcc1">
+    <dgm:scene3d>
+      <a:camera prst="orthographicFront"/>
+      <a:lightRig rig="threePt" dir="t"/>
+    </dgm:scene3d>
+    <dgm:sp3d/>
+    <dgm:txPr/>
+    <dgm:style>
+      <a:lnRef idx="2">
+        <a:scrgbClr r="0" g="0" b="0"/>
+      </a:lnRef>
+      <a:fillRef idx="1">
+        <a:scrgbClr r="0" g="0" b="0"/>
+      </a:fillRef>
+      <a:effectRef idx="0">
+        <a:scrgbClr r="0" g="0" b="0"/>
+      </a:effectRef>
+      <a:fontRef idx="minor"/>
+    </dgm:style>
+  </dgm:styleLbl>
+  <dgm:styleLbl name="alignAcc1">
+    <dgm:scene3d>
+      <a:camera prst="orthographicFront"/>
+      <a:lightRig rig="threePt" dir="t"/>
+    </dgm:scene3d>
+    <dgm:sp3d/>
+    <dgm:txPr/>
+    <dgm:style>
+      <a:lnRef idx="2">
+        <a:scrgbClr r="0" g="0" b="0"/>
+      </a:lnRef>
+      <a:fillRef idx="1">
+        <a:scrgbClr r="0" g="0" b="0"/>
+      </a:fillRef>
+      <a:effectRef idx="0">
+        <a:scrgbClr r="0" g="0" b="0"/>
+      </a:effectRef>
+      <a:fontRef idx="minor"/>
+    </dgm:style>
+  </dgm:styleLbl>
+  <dgm:styleLbl name="trAlignAcc1">
+    <dgm:scene3d>
+      <a:camera prst="orthographicFront"/>
+      <a:lightRig rig="threePt" dir="t"/>
+    </dgm:scene3d>
+    <dgm:sp3d/>
+    <dgm:txPr/>
+    <dgm:style>
+      <a:lnRef idx="1">
+        <a:scrgbClr r="0" g="0" b="0"/>
+      </a:lnRef>
+      <a:fillRef idx="1">
+        <a:scrgbClr r="0" g="0" b="0"/>
+      </a:fillRef>
+      <a:effectRef idx="0">
+        <a:scrgbClr r="0" g="0" b="0"/>
+      </a:effectRef>
+      <a:fontRef idx="minor"/>
+    </dgm:style>
+  </dgm:styleLbl>
+  <dgm:styleLbl name="bgAcc1">
+    <dgm:scene3d>
+      <a:camera prst="orthographicFront"/>
+      <a:lightRig rig="threePt" dir="t"/>
+    </dgm:scene3d>
+    <dgm:sp3d/>
+    <dgm:txPr/>
+    <dgm:style>
+      <a:lnRef idx="2">
+        <a:scrgbClr r="0" g="0" b="0"/>
+      </a:lnRef>
+      <a:fillRef idx="1">
+        <a:scrgbClr r="0" g="0" b="0"/>
+      </a:fillRef>
+      <a:effectRef idx="0">
+        <a:scrgbClr r="0" g="0" b="0"/>
+      </a:effectRef>
+      <a:fontRef idx="minor"/>
+    </dgm:style>
+  </dgm:styleLbl>
+  <dgm:styleLbl name="solidFgAcc1">
+    <dgm:scene3d>
+      <a:camera prst="orthographicFront"/>
+      <a:lightRig rig="threePt" dir="t"/>
+    </dgm:scene3d>
+    <dgm:sp3d/>
+    <dgm:txPr/>
+    <dgm:style>
+      <a:lnRef idx="2">
+        <a:scrgbClr r="0" g="0" b="0"/>
+      </a:lnRef>
+      <a:fillRef idx="1">
+        <a:scrgbClr r="0" g="0" b="0"/>
+      </a:fillRef>
+      <a:effectRef idx="0">
+        <a:scrgbClr r="0" g="0" b="0"/>
+      </a:effectRef>
+      <a:fontRef idx="minor"/>
+    </dgm:style>
+  </dgm:styleLbl>
+  <dgm:styleLbl name="solidAlignAcc1">
+    <dgm:scene3d>
+      <a:camera prst="orthographicFront"/>
+      <a:lightRig rig="threePt" dir="t"/>
+    </dgm:scene3d>
+    <dgm:sp3d/>
+    <dgm:txPr/>
+    <dgm:style>
+      <a:lnRef idx="2">
+        <a:scrgbClr r="0" g="0" b="0"/>
+      </a:lnRef>
+      <a:fillRef idx="1">
+        <a:scrgbClr r="0" g="0" b="0"/>
+      </a:fillRef>
+      <a:effectRef idx="0">
+        <a:scrgbClr r="0" g="0" b="0"/>
+      </a:effectRef>
+      <a:fontRef idx="minor"/>
+    </dgm:style>
+  </dgm:styleLbl>
+  <dgm:styleLbl name="solidBgAcc1">
+    <dgm:scene3d>
+      <a:camera prst="orthographicFront"/>
+      <a:lightRig rig="threePt" dir="t"/>
+    </dgm:scene3d>
+    <dgm:sp3d/>
+    <dgm:txPr/>
+    <dgm:style>
+      <a:lnRef idx="2">
+        <a:scrgbClr r="0" g="0" b="0"/>
+      </a:lnRef>
+      <a:fillRef idx="1">
+        <a:scrgbClr r="0" g="0" b="0"/>
+      </a:fillRef>
+      <a:effectRef idx="0">
+        <a:scrgbClr r="0" g="0" b="0"/>
+      </a:effectRef>
+      <a:fontRef idx="minor"/>
+    </dgm:style>
+  </dgm:styleLbl>
+  <dgm:styleLbl name="fgAccFollowNode1">
+    <dgm:scene3d>
+      <a:camera prst="orthographicFront"/>
+      <a:lightRig rig="threePt" dir="t"/>
+    </dgm:scene3d>
+    <dgm:sp3d/>
+    <dgm:txPr/>
+    <dgm:style>
+      <a:lnRef idx="2">
+        <a:scrgbClr r="0" g="0" b="0"/>
+      </a:lnRef>
+      <a:fillRef idx="1">
+        <a:scrgbClr r="0" g="0" b="0"/>
+      </a:fillRef>
+      <a:effectRef idx="0">
+        <a:scrgbClr r="0" g="0" b="0"/>
+      </a:effectRef>
+      <a:fontRef idx="minor"/>
+    </dgm:style>
+  </dgm:styleLbl>
+  <dgm:styleLbl name="alignAccFollowNode1">
+    <dgm:scene3d>
+      <a:camera prst="orthographicFront"/>
+      <a:lightRig rig="threePt" dir="t"/>
+    </dgm:scene3d>
+    <dgm:sp3d/>
+    <dgm:txPr/>
+    <dgm:style>
+      <a:lnRef idx="2">
+        <a:scrgbClr r="0" g="0" b="0"/>
+      </a:lnRef>
+      <a:fillRef idx="1">
+        <a:scrgbClr r="0" g="0" b="0"/>
+      </a:fillRef>
+      <a:effectRef idx="0">
+        <a:scrgbClr r="0" g="0" b="0"/>
+      </a:effectRef>
+      <a:fontRef idx="minor"/>
+    </dgm:style>
+  </dgm:styleLbl>
+  <dgm:styleLbl name="bgAccFollowNode1">
+    <dgm:scene3d>
+      <a:camera prst="orthographicFront"/>
+      <a:lightRig rig="threePt" dir="t"/>
+    </dgm:scene3d>
+    <dgm:sp3d/>
+    <dgm:txPr/>
+    <dgm:style>
+      <a:lnRef idx="2">
+        <a:scrgbClr r="0" g="0" b="0"/>
+      </a:lnRef>
+      <a:fillRef idx="1">
+        <a:scrgbClr r="0" g="0" b="0"/>
+      </a:fillRef>
+      <a:effectRef idx="0">
+        <a:scrgbClr r="0" g="0" b="0"/>
+      </a:effectRef>
+      <a:fontRef idx="minor"/>
+    </dgm:style>
+  </dgm:styleLbl>
+  <dgm:styleLbl name="fgAcc0">
+    <dgm:scene3d>
+      <a:camera prst="orthographicFront"/>
+      <a:lightRig rig="threePt" dir="t"/>
+    </dgm:scene3d>
+    <dgm:sp3d/>
+    <dgm:txPr/>
+    <dgm:style>
+      <a:lnRef idx="2">
+        <a:scrgbClr r="0" g="0" b="0"/>
+      </a:lnRef>
+      <a:fillRef idx="1">
+        <a:scrgbClr r="0" g="0" b="0"/>
+      </a:fillRef>
+      <a:effectRef idx="0">
+        <a:scrgbClr r="0" g="0" b="0"/>
+      </a:effectRef>
+      <a:fontRef idx="minor"/>
+    </dgm:style>
+  </dgm:styleLbl>
+  <dgm:styleLbl name="fgAcc2">
+    <dgm:scene3d>
+      <a:camera prst="orthographicFront"/>
+      <a:lightRig rig="threePt" dir="t"/>
+    </dgm:scene3d>
+    <dgm:sp3d/>
+    <dgm:txPr/>
+    <dgm:style>
+      <a:lnRef idx="2">
+        <a:scrgbClr r="0" g="0" b="0"/>
+      </a:lnRef>
+      <a:fillRef idx="1">
+        <a:scrgbClr r="0" g="0" b="0"/>
+      </a:fillRef>
+      <a:effectRef idx="0">
+        <a:scrgbClr r="0" g="0" b="0"/>
+      </a:effectRef>
+      <a:fontRef idx="minor"/>
+    </dgm:style>
+  </dgm:styleLbl>
+  <dgm:styleLbl name="fgAcc3">
+    <dgm:scene3d>
+      <a:camera prst="orthographicFront"/>
+      <a:lightRig rig="threePt" dir="t"/>
+    </dgm:scene3d>
+    <dgm:sp3d/>
+    <dgm:txPr/>
+    <dgm:style>
+      <a:lnRef idx="2">
+        <a:scrgbClr r="0" g="0" b="0"/>
+      </a:lnRef>
+      <a:fillRef idx="1">
+        <a:scrgbClr r="0" g="0" b="0"/>
+      </a:fillRef>
+      <a:effectRef idx="0">
+        <a:scrgbClr r="0" g="0" b="0"/>
+      </a:effectRef>
+      <a:fontRef idx="minor"/>
+    </dgm:style>
+  </dgm:styleLbl>
+  <dgm:styleLbl name="fgAcc4">
+    <dgm:scene3d>
+      <a:camera prst="orthographicFront"/>
+      <a:lightRig rig="threePt" dir="t"/>
+    </dgm:scene3d>
+    <dgm:sp3d/>
+    <dgm:txPr/>
+    <dgm:style>
+      <a:lnRef idx="2">
+        <a:scrgbClr r="0" g="0" b="0"/>
+      </a:lnRef>
+      <a:fillRef idx="1">
+        <a:scrgbClr r="0" g="0" b="0"/>
+      </a:fillRef>
+      <a:effectRef idx="0">
+        <a:scrgbClr r="0" g="0" b="0"/>
+      </a:effectRef>
+      <a:fontRef idx="minor"/>
+    </dgm:style>
+  </dgm:styleLbl>
+  <dgm:styleLbl name="bgShp">
+    <dgm:scene3d>
+      <a:camera prst="orthographicFront"/>
+      <a:lightRig rig="threePt" dir="t"/>
+    </dgm:scene3d>
+    <dgm:sp3d/>
+    <dgm:txPr/>
+    <dgm:style>
+      <a:lnRef idx="0">
+        <a:scrgbClr r="0" g="0" b="0"/>
+      </a:lnRef>
+      <a:fillRef idx="1">
+        <a:scrgbClr r="0" g="0" b="0"/>
+      </a:fillRef>
+      <a:effectRef idx="0">
+        <a:scrgbClr r="0" g="0" b="0"/>
+      </a:effectRef>
+      <a:fontRef idx="minor"/>
+    </dgm:style>
+  </dgm:styleLbl>
+  <dgm:styleLbl name="dkBgShp">
+    <dgm:scene3d>
+      <a:camera prst="orthographicFront"/>
+      <a:lightRig rig="threePt" dir="t"/>
+    </dgm:scene3d>
+    <dgm:sp3d/>
+    <dgm:txPr/>
+    <dgm:style>
+      <a:lnRef idx="0">
+        <a:scrgbClr r="0" g="0" b="0"/>
+      </a:lnRef>
+      <a:fillRef idx="1">
+        <a:scrgbClr r="0" g="0" b="0"/>
+      </a:fillRef>
+      <a:effectRef idx="0">
+        <a:scrgbClr r="0" g="0" b="0"/>
+      </a:effectRef>
+      <a:fontRef idx="minor"/>
+    </dgm:style>
+  </dgm:styleLbl>
+  <dgm:styleLbl name="trBgShp">
+    <dgm:scene3d>
+      <a:camera prst="orthographicFront"/>
+      <a:lightRig rig="threePt" dir="t"/>
+    </dgm:scene3d>
+    <dgm:sp3d/>
+    <dgm:txPr/>
+    <dgm:style>
+      <a:lnRef idx="0">
+        <a:scrgbClr r="0" g="0" b="0"/>
+      </a:lnRef>
+      <a:fillRef idx="1">
+        <a:scrgbClr r="0" g="0" b="0"/>
+      </a:fillRef>
+      <a:effectRef idx="0">
+        <a:scrgbClr r="0" g="0" b="0"/>
+      </a:effectRef>
+      <a:fontRef idx="minor"/>
+    </dgm:style>
+  </dgm:styleLbl>
+  <dgm:styleLbl name="fgShp">
+    <dgm:scene3d>
+      <a:camera prst="orthographicFront"/>
+      <a:lightRig rig="threePt" dir="t"/>
+    </dgm:scene3d>
+    <dgm:sp3d/>
+    <dgm:txPr/>
+    <dgm:style>
+      <a:lnRef idx="2">
+        <a:scrgbClr r="0" g="0" b="0"/>
+      </a:lnRef>
+      <a:fillRef idx="1">
+        <a:scrgbClr r="0" g="0" b="0"/>
+      </a:fillRef>
+      <a:effectRef idx="0">
+        <a:scrgbClr r="0" g="0" b="0"/>
+      </a:effectRef>
+      <a:fontRef idx="minor"/>
+    </dgm:style>
+  </dgm:styleLbl>
+  <dgm:styleLbl name="revTx">
+    <dgm:scene3d>
+      <a:camera prst="orthographicFront"/>
+      <a:lightRig rig="threePt" dir="t"/>
+    </dgm:scene3d>
+    <dgm:sp3d/>
+    <dgm:txPr/>
+    <dgm:style>
+      <a:lnRef idx="0">
+        <a:scrgbClr r="0" g="0" b="0"/>
+      </a:lnRef>
+      <a:fillRef idx="0">
+        <a:scrgbClr r="0" g="0" b="0"/>
+      </a:fillRef>
+      <a:effectRef idx="0">
+        <a:scrgbClr r="0" g="0" b="0"/>
+      </a:effectRef>
+      <a:fontRef idx="minor"/>
+    </dgm:style>
+  </dgm:styleLbl>
+</dgm:styleDef>
+</file>
+
+<file path=ppt/diagrams/quickStyle9.xml><?xml version="1.0" encoding="utf-8"?>
 <dgm:styleDef xmlns:dgm="http://schemas.openxmlformats.org/drawingml/2006/diagram" xmlns:a="http://schemas.openxmlformats.org/drawingml/2006/main" uniqueId="urn:microsoft.com/office/officeart/2005/8/quickstyle/simple1">
   <dgm:title val=""/>
   <dgm:desc val=""/>
@@ -24707,7 +31897,7 @@
           <a:p>
             <a:fld id="{CA9931B0-C60F-4F23-B892-72C688795722}" type="datetimeFigureOut">
               <a:rPr lang="ko-KR" altLang="en-US" smtClean="0"/>
-              <a:t>2020-09-06</a:t>
+              <a:t>2020-09-17</a:t>
             </a:fld>
             <a:endParaRPr lang="ko-KR" altLang="en-US"/>
           </a:p>
@@ -25208,7 +32398,7 @@
           <a:p>
             <a:fld id="{5F507879-A33B-4C3D-B11A-121AB4CFB71F}" type="datetimeFigureOut">
               <a:rPr lang="ko-KR" altLang="en-US" smtClean="0"/>
-              <a:t>2020-09-06</a:t>
+              <a:t>2020-09-17</a:t>
             </a:fld>
             <a:endParaRPr lang="ko-KR" altLang="en-US"/>
           </a:p>
@@ -25414,7 +32604,7 @@
           <a:p>
             <a:fld id="{5F507879-A33B-4C3D-B11A-121AB4CFB71F}" type="datetimeFigureOut">
               <a:rPr lang="ko-KR" altLang="en-US" smtClean="0"/>
-              <a:t>2020-09-06</a:t>
+              <a:t>2020-09-17</a:t>
             </a:fld>
             <a:endParaRPr lang="ko-KR" altLang="en-US"/>
           </a:p>
@@ -27077,6 +34267,160 @@
 <file path=ppt/slides/slide16.xml><?xml version="1.0" encoding="utf-8"?>
 <p:sld xmlns:a="http://schemas.openxmlformats.org/drawingml/2006/main" xmlns:r="http://schemas.openxmlformats.org/officeDocument/2006/relationships" xmlns:p="http://schemas.openxmlformats.org/presentationml/2006/main">
   <p:cSld>
+    <p:spTree>
+      <p:nvGrpSpPr>
+        <p:cNvPr id="1" name=""/>
+        <p:cNvGrpSpPr/>
+        <p:nvPr/>
+      </p:nvGrpSpPr>
+      <p:grpSpPr>
+        <a:xfrm>
+          <a:off x="0" y="0"/>
+          <a:ext cx="0" cy="0"/>
+          <a:chOff x="0" y="0"/>
+          <a:chExt cx="0" cy="0"/>
+        </a:xfrm>
+      </p:grpSpPr>
+      <p:sp>
+        <p:nvSpPr>
+          <p:cNvPr id="2" name="제목 1">
+            <a:extLst>
+              <a:ext uri="{FF2B5EF4-FFF2-40B4-BE49-F238E27FC236}">
+                <a16:creationId xmlns:a16="http://schemas.microsoft.com/office/drawing/2014/main" id="{055D5DFF-D9B0-4B23-8AE2-79FC3AEA25D8}"/>
+              </a:ext>
+            </a:extLst>
+          </p:cNvPr>
+          <p:cNvSpPr>
+            <a:spLocks noGrp="1"/>
+          </p:cNvSpPr>
+          <p:nvPr>
+            <p:ph type="title"/>
+          </p:nvPr>
+        </p:nvSpPr>
+        <p:spPr/>
+        <p:txBody>
+          <a:bodyPr/>
+          <a:lstStyle/>
+          <a:p>
+            <a:r>
+              <a:rPr lang="ko-KR" altLang="en-US"/>
+              <a:t>업무분장</a:t>
+            </a:r>
+          </a:p>
+        </p:txBody>
+      </p:sp>
+      <p:graphicFrame>
+        <p:nvGraphicFramePr>
+          <p:cNvPr id="4" name="다이어그램 3">
+            <a:extLst>
+              <a:ext uri="{FF2B5EF4-FFF2-40B4-BE49-F238E27FC236}">
+                <a16:creationId xmlns:a16="http://schemas.microsoft.com/office/drawing/2014/main" id="{3E404302-2FB2-4549-AF7E-8747BC3021E9}"/>
+              </a:ext>
+            </a:extLst>
+          </p:cNvPr>
+          <p:cNvGraphicFramePr/>
+          <p:nvPr>
+            <p:extLst>
+              <p:ext uri="{D42A27DB-BD31-4B8C-83A1-F6EECF244321}">
+                <p14:modId xmlns:p14="http://schemas.microsoft.com/office/powerpoint/2010/main" val="1983285784"/>
+              </p:ext>
+            </p:extLst>
+          </p:nvPr>
+        </p:nvGraphicFramePr>
+        <p:xfrm>
+          <a:off x="479376" y="1988840"/>
+          <a:ext cx="3888432" cy="2664296"/>
+        </p:xfrm>
+        <a:graphic>
+          <a:graphicData uri="http://schemas.openxmlformats.org/drawingml/2006/diagram">
+            <dgm:relIds xmlns:dgm="http://schemas.openxmlformats.org/drawingml/2006/diagram" xmlns:r="http://schemas.openxmlformats.org/officeDocument/2006/relationships" r:dm="rId2" r:lo="rId3" r:qs="rId4" r:cs="rId5"/>
+          </a:graphicData>
+        </a:graphic>
+      </p:graphicFrame>
+      <p:graphicFrame>
+        <p:nvGraphicFramePr>
+          <p:cNvPr id="6" name="다이어그램 5">
+            <a:extLst>
+              <a:ext uri="{FF2B5EF4-FFF2-40B4-BE49-F238E27FC236}">
+                <a16:creationId xmlns:a16="http://schemas.microsoft.com/office/drawing/2014/main" id="{3705C2A1-DB8A-4AD5-9673-1EEDA3736B8B}"/>
+              </a:ext>
+            </a:extLst>
+          </p:cNvPr>
+          <p:cNvGraphicFramePr/>
+          <p:nvPr>
+            <p:extLst>
+              <p:ext uri="{D42A27DB-BD31-4B8C-83A1-F6EECF244321}">
+                <p14:modId xmlns:p14="http://schemas.microsoft.com/office/powerpoint/2010/main" val="471629273"/>
+              </p:ext>
+            </p:extLst>
+          </p:nvPr>
+        </p:nvGraphicFramePr>
+        <p:xfrm>
+          <a:off x="6057861" y="1412775"/>
+          <a:ext cx="5486400" cy="3672409"/>
+        </p:xfrm>
+        <a:graphic>
+          <a:graphicData uri="http://schemas.openxmlformats.org/drawingml/2006/diagram">
+            <dgm:relIds xmlns:dgm="http://schemas.openxmlformats.org/drawingml/2006/diagram" xmlns:r="http://schemas.openxmlformats.org/officeDocument/2006/relationships" r:dm="rId7" r:lo="rId8" r:qs="rId9" r:cs="rId10"/>
+          </a:graphicData>
+        </a:graphic>
+      </p:graphicFrame>
+      <p:sp>
+        <p:nvSpPr>
+          <p:cNvPr id="7" name="TextBox 6">
+            <a:extLst>
+              <a:ext uri="{FF2B5EF4-FFF2-40B4-BE49-F238E27FC236}">
+                <a16:creationId xmlns:a16="http://schemas.microsoft.com/office/drawing/2014/main" id="{35733823-E4C7-4EAA-9A4D-CF2F25773176}"/>
+              </a:ext>
+            </a:extLst>
+          </p:cNvPr>
+          <p:cNvSpPr txBox="1"/>
+          <p:nvPr/>
+        </p:nvSpPr>
+        <p:spPr>
+          <a:xfrm>
+            <a:off x="6168008" y="4468470"/>
+            <a:ext cx="1210588" cy="369332"/>
+          </a:xfrm>
+          <a:prstGeom prst="rect">
+            <a:avLst/>
+          </a:prstGeom>
+          <a:noFill/>
+        </p:spPr>
+        <p:txBody>
+          <a:bodyPr wrap="none" rtlCol="0">
+            <a:spAutoFit/>
+          </a:bodyPr>
+          <a:lstStyle/>
+          <a:p>
+            <a:r>
+              <a:rPr lang="ko-KR" altLang="en-US"/>
+              <a:t>성능 측정 </a:t>
+            </a:r>
+            <a:r>
+              <a:rPr lang="en-US" altLang="ko-KR"/>
+              <a:t>!</a:t>
+            </a:r>
+            <a:endParaRPr lang="ko-KR" altLang="en-US"/>
+          </a:p>
+        </p:txBody>
+      </p:sp>
+    </p:spTree>
+    <p:extLst>
+      <p:ext uri="{BB962C8B-B14F-4D97-AF65-F5344CB8AC3E}">
+        <p14:creationId xmlns:p14="http://schemas.microsoft.com/office/powerpoint/2010/main" val="2878128639"/>
+      </p:ext>
+    </p:extLst>
+  </p:cSld>
+  <p:clrMapOvr>
+    <a:masterClrMapping/>
+  </p:clrMapOvr>
+</p:sld>
+</file>
+
+<file path=ppt/slides/slide17.xml><?xml version="1.0" encoding="utf-8"?>
+<p:sld xmlns:a="http://schemas.openxmlformats.org/drawingml/2006/main" xmlns:r="http://schemas.openxmlformats.org/officeDocument/2006/relationships" xmlns:p="http://schemas.openxmlformats.org/presentationml/2006/main">
+  <p:cSld>
     <p:bg>
       <p:bgPr>
         <a:solidFill>

--- a/CIM_V4/src/Cim/Doc/Cim V4 설계.pptx
+++ b/CIM_V4/src/Cim/Doc/Cim V4 설계.pptx
@@ -8267,6 +8267,14 @@
           <a:r>
             <a:rPr lang="ko-KR" altLang="en-US"/>
             <a:t>고객양식</a:t>
+          </a:r>
+          <a:r>
+            <a:rPr lang="en-US" altLang="ko-KR"/>
+            <a:t>, CSV</a:t>
+          </a:r>
+          <a:r>
+            <a:rPr lang="ko-KR" altLang="en-US"/>
+            <a:t>지원</a:t>
           </a:r>
         </a:p>
       </dgm:t>
@@ -12079,6 +12087,14 @@
           <a:r>
             <a:rPr lang="ko-KR" altLang="en-US" sz="2800" kern="1200"/>
             <a:t>고객양식</a:t>
+          </a:r>
+          <a:r>
+            <a:rPr lang="en-US" altLang="ko-KR" sz="2800" kern="1200"/>
+            <a:t>, CSV</a:t>
+          </a:r>
+          <a:r>
+            <a:rPr lang="ko-KR" altLang="en-US" sz="2800" kern="1200"/>
+            <a:t>지원</a:t>
           </a:r>
         </a:p>
       </dsp:txBody>
@@ -34380,7 +34396,7 @@
         <p:spPr>
           <a:xfrm>
             <a:off x="6168008" y="4468470"/>
-            <a:ext cx="1210588" cy="369332"/>
+            <a:ext cx="2751074" cy="1200329"/>
           </a:xfrm>
           <a:prstGeom prst="rect">
             <a:avLst/>
@@ -34393,14 +34409,117 @@
           </a:bodyPr>
           <a:lstStyle/>
           <a:p>
+            <a:pPr marL="342900" indent="-342900">
+              <a:buAutoNum type="arabicPeriod"/>
+            </a:pPr>
             <a:r>
               <a:rPr lang="ko-KR" altLang="en-US"/>
-              <a:t>성능 측정 </a:t>
+              <a:t>단순화</a:t>
+            </a:r>
+            <a:endParaRPr lang="en-US" altLang="ko-KR"/>
+          </a:p>
+          <a:p>
+            <a:pPr marL="342900" indent="-342900">
+              <a:buAutoNum type="arabicPeriod"/>
+            </a:pPr>
+            <a:r>
+              <a:rPr lang="ko-KR" altLang="en-US"/>
+              <a:t>단위테스트 친화적 </a:t>
+            </a:r>
+            <a:r>
+              <a:rPr lang="en-US" altLang="ko-KR"/>
+              <a:t>TDD</a:t>
+            </a:r>
+          </a:p>
+          <a:p>
+            <a:pPr marL="342900" indent="-342900">
+              <a:buFontTx/>
+              <a:buAutoNum type="arabicPeriod"/>
+            </a:pPr>
+            <a:r>
+              <a:rPr lang="ko-KR" altLang="en-US"/>
+              <a:t>성능 향상 측정</a:t>
             </a:r>
             <a:r>
               <a:rPr lang="en-US" altLang="ko-KR"/>
               <a:t>!</a:t>
             </a:r>
+          </a:p>
+          <a:p>
+            <a:pPr marL="342900" indent="-342900">
+              <a:buFontTx/>
+              <a:buAutoNum type="arabicPeriod"/>
+            </a:pPr>
+            <a:endParaRPr lang="ko-KR" altLang="en-US"/>
+          </a:p>
+        </p:txBody>
+      </p:sp>
+      <p:sp>
+        <p:nvSpPr>
+          <p:cNvPr id="9" name="TextBox 8">
+            <a:extLst>
+              <a:ext uri="{FF2B5EF4-FFF2-40B4-BE49-F238E27FC236}">
+                <a16:creationId xmlns:a16="http://schemas.microsoft.com/office/drawing/2014/main" id="{096306DD-344B-435A-9A7E-6D011DDD5320}"/>
+              </a:ext>
+            </a:extLst>
+          </p:cNvPr>
+          <p:cNvSpPr txBox="1"/>
+          <p:nvPr/>
+        </p:nvSpPr>
+        <p:spPr>
+          <a:xfrm>
+            <a:off x="479376" y="4448316"/>
+            <a:ext cx="2751074" cy="1200329"/>
+          </a:xfrm>
+          <a:prstGeom prst="rect">
+            <a:avLst/>
+          </a:prstGeom>
+          <a:noFill/>
+        </p:spPr>
+        <p:txBody>
+          <a:bodyPr wrap="none" rtlCol="0">
+            <a:spAutoFit/>
+          </a:bodyPr>
+          <a:lstStyle/>
+          <a:p>
+            <a:pPr marL="342900" indent="-342900">
+              <a:buAutoNum type="arabicPeriod"/>
+            </a:pPr>
+            <a:r>
+              <a:rPr lang="ko-KR" altLang="en-US"/>
+              <a:t>단순화</a:t>
+            </a:r>
+            <a:endParaRPr lang="en-US" altLang="ko-KR"/>
+          </a:p>
+          <a:p>
+            <a:pPr marL="342900" indent="-342900">
+              <a:buAutoNum type="arabicPeriod"/>
+            </a:pPr>
+            <a:r>
+              <a:rPr lang="ko-KR" altLang="en-US"/>
+              <a:t>단위테스트 친화적 </a:t>
+            </a:r>
+            <a:r>
+              <a:rPr lang="en-US" altLang="ko-KR"/>
+              <a:t>TDD</a:t>
+            </a:r>
+          </a:p>
+          <a:p>
+            <a:pPr marL="342900" indent="-342900">
+              <a:buFontTx/>
+              <a:buAutoNum type="arabicPeriod"/>
+            </a:pPr>
+            <a:r>
+              <a:rPr lang="ko-KR" altLang="en-US"/>
+              <a:t>어드레스맵 엑셀 개선</a:t>
+            </a:r>
+            <a:endParaRPr lang="en-US" altLang="ko-KR"/>
+          </a:p>
+          <a:p>
+            <a:pPr marL="342900" indent="-342900">
+              <a:buFontTx/>
+              <a:buAutoNum type="arabicPeriod"/>
+            </a:pPr>
             <a:endParaRPr lang="ko-KR" altLang="en-US"/>
           </a:p>
         </p:txBody>
@@ -34692,7 +34811,7 @@
           <p:nvPr>
             <p:extLst>
               <p:ext uri="{D42A27DB-BD31-4B8C-83A1-F6EECF244321}">
-                <p14:modId xmlns:p14="http://schemas.microsoft.com/office/powerpoint/2010/main" val="4071793747"/>
+                <p14:modId xmlns:p14="http://schemas.microsoft.com/office/powerpoint/2010/main" val="464469238"/>
               </p:ext>
             </p:extLst>
           </p:nvPr>
